--- a/short_genetic_variants/docs/short_indels.pptx
+++ b/short_genetic_variants/docs/short_indels.pptx
@@ -4270,6 +4270,681 @@
           </a:p>
         </p:txBody>
       </p:sp>
+      <p:sp>
+        <p:nvSpPr>
+          <p:cNvPr id="3" name="TextBox 2">
+            <a:extLst>
+              <a:ext uri="{FF2B5EF4-FFF2-40B4-BE49-F238E27FC236}">
+                <a16:creationId xmlns:a16="http://schemas.microsoft.com/office/drawing/2014/main" id="{6AF45C4C-3E49-344D-9302-96B66F645438}"/>
+              </a:ext>
+            </a:extLst>
+          </p:cNvPr>
+          <p:cNvSpPr txBox="1"/>
+          <p:nvPr/>
+        </p:nvSpPr>
+        <p:spPr>
+          <a:xfrm>
+            <a:off x="648183" y="2129742"/>
+            <a:ext cx="2426818" cy="369332"/>
+          </a:xfrm>
+          <a:prstGeom prst="rect">
+            <a:avLst/>
+          </a:prstGeom>
+          <a:noFill/>
+        </p:spPr>
+        <p:txBody>
+          <a:bodyPr wrap="none" rtlCol="0">
+            <a:spAutoFit/>
+          </a:bodyPr>
+          <a:lstStyle/>
+          <a:p>
+            <a:r>
+              <a:rPr lang="en-GB" dirty="0"/>
+              <a:t>Density of total markers</a:t>
+            </a:r>
+          </a:p>
+        </p:txBody>
+      </p:sp>
+      <p:sp>
+        <p:nvSpPr>
+          <p:cNvPr id="4" name="TextBox 3">
+            <a:extLst>
+              <a:ext uri="{FF2B5EF4-FFF2-40B4-BE49-F238E27FC236}">
+                <a16:creationId xmlns:a16="http://schemas.microsoft.com/office/drawing/2014/main" id="{716A47BA-6494-014A-8D52-66C78C05ABA1}"/>
+              </a:ext>
+            </a:extLst>
+          </p:cNvPr>
+          <p:cNvSpPr txBox="1"/>
+          <p:nvPr/>
+        </p:nvSpPr>
+        <p:spPr>
+          <a:xfrm>
+            <a:off x="3705829" y="2129742"/>
+            <a:ext cx="2667590" cy="369332"/>
+          </a:xfrm>
+          <a:prstGeom prst="rect">
+            <a:avLst/>
+          </a:prstGeom>
+          <a:noFill/>
+        </p:spPr>
+        <p:txBody>
+          <a:bodyPr wrap="none" rtlCol="0">
+            <a:spAutoFit/>
+          </a:bodyPr>
+          <a:lstStyle/>
+          <a:p>
+            <a:r>
+              <a:rPr lang="en-GB" dirty="0"/>
+              <a:t>Density of neutral markers</a:t>
+            </a:r>
+          </a:p>
+        </p:txBody>
+      </p:sp>
+      <p:sp>
+        <p:nvSpPr>
+          <p:cNvPr id="5" name="TextBox 4">
+            <a:extLst>
+              <a:ext uri="{FF2B5EF4-FFF2-40B4-BE49-F238E27FC236}">
+                <a16:creationId xmlns:a16="http://schemas.microsoft.com/office/drawing/2014/main" id="{74924E8F-9EB0-8848-8E8D-76305B227B64}"/>
+              </a:ext>
+            </a:extLst>
+          </p:cNvPr>
+          <p:cNvSpPr txBox="1"/>
+          <p:nvPr/>
+        </p:nvSpPr>
+        <p:spPr>
+          <a:xfrm>
+            <a:off x="6763475" y="2129742"/>
+            <a:ext cx="2614627" cy="369332"/>
+          </a:xfrm>
+          <a:prstGeom prst="rect">
+            <a:avLst/>
+          </a:prstGeom>
+          <a:noFill/>
+        </p:spPr>
+        <p:txBody>
+          <a:bodyPr wrap="none" rtlCol="0">
+            <a:spAutoFit/>
+          </a:bodyPr>
+          <a:lstStyle/>
+          <a:p>
+            <a:r>
+              <a:rPr lang="en-GB" dirty="0"/>
+              <a:t>Density of outlier markers</a:t>
+            </a:r>
+          </a:p>
+        </p:txBody>
+      </p:sp>
+      <mc:AlternateContent xmlns:mc="http://schemas.openxmlformats.org/markup-compatibility/2006">
+        <mc:Choice xmlns:a14="http://schemas.microsoft.com/office/drawing/2010/main" Requires="a14">
+          <p:sp>
+            <p:nvSpPr>
+              <p:cNvPr id="6" name="TextBox 5">
+                <a:extLst>
+                  <a:ext uri="{FF2B5EF4-FFF2-40B4-BE49-F238E27FC236}">
+                    <a16:creationId xmlns:a16="http://schemas.microsoft.com/office/drawing/2014/main" id="{C40B11A4-C5E2-4444-913B-7E300347554F}"/>
+                  </a:ext>
+                </a:extLst>
+              </p:cNvPr>
+              <p:cNvSpPr txBox="1"/>
+              <p:nvPr/>
+            </p:nvSpPr>
+            <p:spPr>
+              <a:xfrm>
+                <a:off x="648183" y="893633"/>
+                <a:ext cx="250966" cy="521233"/>
+              </a:xfrm>
+              <a:prstGeom prst="rect">
+                <a:avLst/>
+              </a:prstGeom>
+              <a:noFill/>
+            </p:spPr>
+            <p:txBody>
+              <a:bodyPr wrap="none" lIns="0" tIns="0" rIns="0" bIns="0" rtlCol="0">
+                <a:spAutoFit/>
+              </a:bodyPr>
+              <a:lstStyle/>
+              <a:p>
+                <a14:m>
+                  <m:oMathPara xmlns:m="http://schemas.openxmlformats.org/officeDocument/2006/math">
+                    <m:oMathParaPr>
+                      <m:jc m:val="centerGroup"/>
+                    </m:oMathParaPr>
+                    <m:oMath xmlns:m="http://schemas.openxmlformats.org/officeDocument/2006/math">
+                      <m:f>
+                        <m:fPr>
+                          <m:ctrlPr>
+                            <a:rPr lang="en-GB" i="1" smtClean="0">
+                              <a:latin typeface="Cambria Math" panose="02040503050406030204" pitchFamily="18" charset="0"/>
+                            </a:rPr>
+                          </m:ctrlPr>
+                        </m:fPr>
+                        <m:num>
+                          <m:sSub>
+                            <m:sSubPr>
+                              <m:ctrlPr>
+                                <a:rPr lang="en-GB" i="1" smtClean="0">
+                                  <a:latin typeface="Cambria Math" panose="02040503050406030204" pitchFamily="18" charset="0"/>
+                                </a:rPr>
+                              </m:ctrlPr>
+                            </m:sSubPr>
+                            <m:e>
+                              <m:r>
+                                <a:rPr lang="sv-SE" b="0" i="1" smtClean="0">
+                                  <a:latin typeface="Cambria Math" panose="02040503050406030204" pitchFamily="18" charset="0"/>
+                                </a:rPr>
+                                <m:t>𝑥</m:t>
+                              </m:r>
+                            </m:e>
+                            <m:sub>
+                              <m:r>
+                                <a:rPr lang="sv-SE" b="0" i="1" smtClean="0">
+                                  <a:latin typeface="Cambria Math" panose="02040503050406030204" pitchFamily="18" charset="0"/>
+                                </a:rPr>
+                                <m:t>𝑖</m:t>
+                              </m:r>
+                            </m:sub>
+                          </m:sSub>
+                        </m:num>
+                        <m:den>
+                          <m:sSub>
+                            <m:sSubPr>
+                              <m:ctrlPr>
+                                <a:rPr lang="en-GB" i="1" smtClean="0">
+                                  <a:latin typeface="Cambria Math" panose="02040503050406030204" pitchFamily="18" charset="0"/>
+                                </a:rPr>
+                              </m:ctrlPr>
+                            </m:sSubPr>
+                            <m:e>
+                              <m:r>
+                                <a:rPr lang="sv-SE" b="0" i="1" smtClean="0">
+                                  <a:latin typeface="Cambria Math" panose="02040503050406030204" pitchFamily="18" charset="0"/>
+                                </a:rPr>
+                                <m:t>𝐿</m:t>
+                              </m:r>
+                            </m:e>
+                            <m:sub>
+                              <m:r>
+                                <a:rPr lang="sv-SE" b="0" i="1" smtClean="0">
+                                  <a:latin typeface="Cambria Math" panose="02040503050406030204" pitchFamily="18" charset="0"/>
+                                </a:rPr>
+                                <m:t>𝑖</m:t>
+                              </m:r>
+                            </m:sub>
+                          </m:sSub>
+                        </m:den>
+                      </m:f>
+                    </m:oMath>
+                  </m:oMathPara>
+                </a14:m>
+                <a:endParaRPr lang="en-GB" dirty="0"/>
+              </a:p>
+            </p:txBody>
+          </p:sp>
+        </mc:Choice>
+        <mc:Fallback>
+          <p:sp>
+            <p:nvSpPr>
+              <p:cNvPr id="6" name="TextBox 5">
+                <a:extLst>
+                  <a:ext uri="{FF2B5EF4-FFF2-40B4-BE49-F238E27FC236}">
+                    <a16:creationId xmlns:a16="http://schemas.microsoft.com/office/drawing/2014/main" id="{C40B11A4-C5E2-4444-913B-7E300347554F}"/>
+                  </a:ext>
+                </a:extLst>
+              </p:cNvPr>
+              <p:cNvSpPr txBox="1">
+                <a:spLocks noRot="1" noChangeAspect="1" noMove="1" noResize="1" noEditPoints="1" noAdjustHandles="1" noChangeArrowheads="1" noChangeShapeType="1" noTextEdit="1"/>
+              </p:cNvSpPr>
+              <p:nvPr/>
+            </p:nvSpPr>
+            <p:spPr>
+              <a:xfrm>
+                <a:off x="648183" y="893633"/>
+                <a:ext cx="250966" cy="521233"/>
+              </a:xfrm>
+              <a:prstGeom prst="rect">
+                <a:avLst/>
+              </a:prstGeom>
+              <a:blipFill>
+                <a:blip r:embed="rId2"/>
+                <a:stretch>
+                  <a:fillRect l="-14286" r="-4762" b="-9524"/>
+                </a:stretch>
+              </a:blipFill>
+            </p:spPr>
+            <p:txBody>
+              <a:bodyPr/>
+              <a:lstStyle/>
+              <a:p>
+                <a:r>
+                  <a:rPr lang="en-GB">
+                    <a:noFill/>
+                  </a:rPr>
+                  <a:t> </a:t>
+                </a:r>
+              </a:p>
+            </p:txBody>
+          </p:sp>
+        </mc:Fallback>
+      </mc:AlternateContent>
+      <mc:AlternateContent xmlns:mc="http://schemas.openxmlformats.org/markup-compatibility/2006">
+        <mc:Choice xmlns:a14="http://schemas.microsoft.com/office/drawing/2010/main" Requires="a14">
+          <p:sp>
+            <p:nvSpPr>
+              <p:cNvPr id="7" name="TextBox 6">
+                <a:extLst>
+                  <a:ext uri="{FF2B5EF4-FFF2-40B4-BE49-F238E27FC236}">
+                    <a16:creationId xmlns:a16="http://schemas.microsoft.com/office/drawing/2014/main" id="{B0082A03-EA58-CA4D-8F3E-8226862CB7E3}"/>
+                  </a:ext>
+                </a:extLst>
+              </p:cNvPr>
+              <p:cNvSpPr txBox="1"/>
+              <p:nvPr/>
+            </p:nvSpPr>
+            <p:spPr>
+              <a:xfrm>
+                <a:off x="1374727" y="840220"/>
+                <a:ext cx="1700274" cy="525978"/>
+              </a:xfrm>
+              <a:prstGeom prst="rect">
+                <a:avLst/>
+              </a:prstGeom>
+              <a:noFill/>
+            </p:spPr>
+            <p:txBody>
+              <a:bodyPr wrap="none" lIns="0" tIns="0" rIns="0" bIns="0" rtlCol="0">
+                <a:spAutoFit/>
+              </a:bodyPr>
+              <a:lstStyle/>
+              <a:p>
+                <a14:m>
+                  <m:oMathPara xmlns:m="http://schemas.openxmlformats.org/officeDocument/2006/math">
+                    <m:oMathParaPr>
+                      <m:jc m:val="centerGroup"/>
+                    </m:oMathParaPr>
+                    <m:oMath xmlns:m="http://schemas.openxmlformats.org/officeDocument/2006/math">
+                      <m:sSub>
+                        <m:sSubPr>
+                          <m:ctrlPr>
+                            <a:rPr lang="sv-SE" b="0" i="1" smtClean="0">
+                              <a:latin typeface="Cambria Math" panose="02040503050406030204" pitchFamily="18" charset="0"/>
+                            </a:rPr>
+                          </m:ctrlPr>
+                        </m:sSubPr>
+                        <m:e>
+                          <m:r>
+                            <a:rPr lang="sv-SE" b="0" i="1" smtClean="0">
+                              <a:latin typeface="Cambria Math" panose="02040503050406030204" pitchFamily="18" charset="0"/>
+                            </a:rPr>
+                            <m:t>𝑥</m:t>
+                          </m:r>
+                        </m:e>
+                        <m:sub>
+                          <m:r>
+                            <a:rPr lang="sv-SE" b="0" i="1" smtClean="0">
+                              <a:latin typeface="Cambria Math" panose="02040503050406030204" pitchFamily="18" charset="0"/>
+                            </a:rPr>
+                            <m:t>𝑖</m:t>
+                          </m:r>
+                        </m:sub>
+                      </m:sSub>
+                      <m:r>
+                        <a:rPr lang="sv-SE" b="0" i="1" smtClean="0">
+                          <a:latin typeface="Cambria Math" panose="02040503050406030204" pitchFamily="18" charset="0"/>
+                        </a:rPr>
+                        <m:t>=</m:t>
+                      </m:r>
+                      <m:f>
+                        <m:fPr>
+                          <m:ctrlPr>
+                            <a:rPr lang="sv-SE" b="0" i="1" smtClean="0">
+                              <a:latin typeface="Cambria Math" panose="02040503050406030204" pitchFamily="18" charset="0"/>
+                            </a:rPr>
+                          </m:ctrlPr>
+                        </m:fPr>
+                        <m:num>
+                          <m:sSub>
+                            <m:sSubPr>
+                              <m:ctrlPr>
+                                <a:rPr lang="sv-SE" b="0" i="1" smtClean="0">
+                                  <a:latin typeface="Cambria Math" panose="02040503050406030204" pitchFamily="18" charset="0"/>
+                                </a:rPr>
+                              </m:ctrlPr>
+                            </m:sSubPr>
+                            <m:e>
+                              <m:r>
+                                <a:rPr lang="sv-SE" b="0" i="1" smtClean="0">
+                                  <a:latin typeface="Cambria Math" panose="02040503050406030204" pitchFamily="18" charset="0"/>
+                                </a:rPr>
+                                <m:t>𝑛</m:t>
+                              </m:r>
+                            </m:e>
+                            <m:sub>
+                              <m:r>
+                                <a:rPr lang="sv-SE" b="0" i="1" smtClean="0">
+                                  <a:latin typeface="Cambria Math" panose="02040503050406030204" pitchFamily="18" charset="0"/>
+                                </a:rPr>
+                                <m:t>𝑖</m:t>
+                              </m:r>
+                            </m:sub>
+                          </m:sSub>
+                          <m:r>
+                            <a:rPr lang="sv-SE" b="0" i="1" smtClean="0">
+                              <a:latin typeface="Cambria Math" panose="02040503050406030204" pitchFamily="18" charset="0"/>
+                            </a:rPr>
+                            <m:t> </m:t>
+                          </m:r>
+                          <m:r>
+                            <a:rPr lang="sv-SE" b="0" i="1" smtClean="0">
+                              <a:latin typeface="Cambria Math" panose="02040503050406030204" pitchFamily="18" charset="0"/>
+                            </a:rPr>
+                            <m:t>𝑚𝑎𝑟𝑘𝑒𝑟𝑠</m:t>
+                          </m:r>
+                        </m:num>
+                        <m:den>
+                          <m:r>
+                            <a:rPr lang="sv-SE" b="0" i="1" smtClean="0">
+                              <a:latin typeface="Cambria Math" panose="02040503050406030204" pitchFamily="18" charset="0"/>
+                            </a:rPr>
+                            <m:t>𝑁</m:t>
+                          </m:r>
+                          <m:r>
+                            <a:rPr lang="sv-SE" b="0" i="1" smtClean="0">
+                              <a:latin typeface="Cambria Math" panose="02040503050406030204" pitchFamily="18" charset="0"/>
+                            </a:rPr>
+                            <m:t> </m:t>
+                          </m:r>
+                          <m:r>
+                            <a:rPr lang="sv-SE" b="0" i="1" smtClean="0">
+                              <a:latin typeface="Cambria Math" panose="02040503050406030204" pitchFamily="18" charset="0"/>
+                            </a:rPr>
+                            <m:t>𝑚𝑎𝑟𝑘𝑒𝑟𝑠</m:t>
+                          </m:r>
+                        </m:den>
+                      </m:f>
+                    </m:oMath>
+                  </m:oMathPara>
+                </a14:m>
+                <a:endParaRPr lang="en-GB" dirty="0"/>
+              </a:p>
+            </p:txBody>
+          </p:sp>
+        </mc:Choice>
+        <mc:Fallback>
+          <p:sp>
+            <p:nvSpPr>
+              <p:cNvPr id="7" name="TextBox 6">
+                <a:extLst>
+                  <a:ext uri="{FF2B5EF4-FFF2-40B4-BE49-F238E27FC236}">
+                    <a16:creationId xmlns:a16="http://schemas.microsoft.com/office/drawing/2014/main" id="{B0082A03-EA58-CA4D-8F3E-8226862CB7E3}"/>
+                  </a:ext>
+                </a:extLst>
+              </p:cNvPr>
+              <p:cNvSpPr txBox="1">
+                <a:spLocks noRot="1" noChangeAspect="1" noMove="1" noResize="1" noEditPoints="1" noAdjustHandles="1" noChangeArrowheads="1" noChangeShapeType="1" noTextEdit="1"/>
+              </p:cNvSpPr>
+              <p:nvPr/>
+            </p:nvSpPr>
+            <p:spPr>
+              <a:xfrm>
+                <a:off x="1374727" y="840220"/>
+                <a:ext cx="1700274" cy="525978"/>
+              </a:xfrm>
+              <a:prstGeom prst="rect">
+                <a:avLst/>
+              </a:prstGeom>
+              <a:blipFill>
+                <a:blip r:embed="rId3"/>
+                <a:stretch>
+                  <a:fillRect l="-1493" t="-6977" r="-2239" b="-27907"/>
+                </a:stretch>
+              </a:blipFill>
+            </p:spPr>
+            <p:txBody>
+              <a:bodyPr/>
+              <a:lstStyle/>
+              <a:p>
+                <a:r>
+                  <a:rPr lang="en-GB">
+                    <a:noFill/>
+                  </a:rPr>
+                  <a:t> </a:t>
+                </a:r>
+              </a:p>
+            </p:txBody>
+          </p:sp>
+        </mc:Fallback>
+      </mc:AlternateContent>
+      <mc:AlternateContent xmlns:mc="http://schemas.openxmlformats.org/markup-compatibility/2006">
+        <mc:Choice xmlns:a14="http://schemas.microsoft.com/office/drawing/2010/main" Requires="a14">
+          <p:sp>
+            <p:nvSpPr>
+              <p:cNvPr id="8" name="TextBox 7">
+                <a:extLst>
+                  <a:ext uri="{FF2B5EF4-FFF2-40B4-BE49-F238E27FC236}">
+                    <a16:creationId xmlns:a16="http://schemas.microsoft.com/office/drawing/2014/main" id="{DCFA5F45-635D-8040-B09D-4BB9E939B896}"/>
+                  </a:ext>
+                </a:extLst>
+              </p:cNvPr>
+              <p:cNvSpPr txBox="1"/>
+              <p:nvPr/>
+            </p:nvSpPr>
+            <p:spPr>
+              <a:xfrm>
+                <a:off x="3272378" y="964709"/>
+                <a:ext cx="6202082" cy="276999"/>
+              </a:xfrm>
+              <a:prstGeom prst="rect">
+                <a:avLst/>
+              </a:prstGeom>
+              <a:noFill/>
+            </p:spPr>
+            <p:txBody>
+              <a:bodyPr wrap="none" lIns="0" tIns="0" rIns="0" bIns="0" rtlCol="0">
+                <a:spAutoFit/>
+              </a:bodyPr>
+              <a:lstStyle/>
+              <a:p>
+                <a14:m>
+                  <m:oMathPara xmlns:m="http://schemas.openxmlformats.org/officeDocument/2006/math">
+                    <m:oMathParaPr>
+                      <m:jc m:val="centerGroup"/>
+                    </m:oMathParaPr>
+                    <m:oMath xmlns:m="http://schemas.openxmlformats.org/officeDocument/2006/math">
+                      <m:r>
+                        <a:rPr lang="sv-SE" b="0" i="1" smtClean="0">
+                          <a:latin typeface="Cambria Math" panose="02040503050406030204" pitchFamily="18" charset="0"/>
+                        </a:rPr>
+                        <m:t>𝑖</m:t>
+                      </m:r>
+                      <m:r>
+                        <a:rPr lang="sv-SE" b="0" i="1" smtClean="0">
+                          <a:latin typeface="Cambria Math" panose="02040503050406030204" pitchFamily="18" charset="0"/>
+                        </a:rPr>
+                        <m:t>=</m:t>
+                      </m:r>
+                      <m:r>
+                        <m:rPr>
+                          <m:nor/>
+                        </m:rPr>
+                        <a:rPr lang="sv-SE" b="0" i="0" smtClean="0">
+                          <a:latin typeface="Cambria Math" panose="02040503050406030204" pitchFamily="18" charset="0"/>
+                        </a:rPr>
+                        <m:t>contig</m:t>
+                      </m:r>
+                      <m:r>
+                        <a:rPr lang="sv-SE" b="0" i="0" smtClean="0">
+                          <a:latin typeface="Cambria Math" panose="02040503050406030204" pitchFamily="18" charset="0"/>
+                        </a:rPr>
+                        <m:t>;</m:t>
+                      </m:r>
+                      <m:r>
+                        <m:rPr>
+                          <m:sty m:val="p"/>
+                        </m:rPr>
+                        <a:rPr lang="sv-SE" b="0" i="0" smtClean="0">
+                          <a:latin typeface="Cambria Math" panose="02040503050406030204" pitchFamily="18" charset="0"/>
+                        </a:rPr>
+                        <m:t>L</m:t>
+                      </m:r>
+                      <m:r>
+                        <a:rPr lang="sv-SE" b="0" i="0" smtClean="0">
+                          <a:latin typeface="Cambria Math" panose="02040503050406030204" pitchFamily="18" charset="0"/>
+                        </a:rPr>
+                        <m:t>=</m:t>
+                      </m:r>
+                      <m:r>
+                        <m:rPr>
+                          <m:sty m:val="p"/>
+                        </m:rPr>
+                        <a:rPr lang="sv-SE" b="0" i="0" smtClean="0">
+                          <a:latin typeface="Cambria Math" panose="02040503050406030204" pitchFamily="18" charset="0"/>
+                        </a:rPr>
+                        <m:t>length</m:t>
+                      </m:r>
+                      <m:r>
+                        <a:rPr lang="sv-SE" b="0" i="0" smtClean="0">
+                          <a:latin typeface="Cambria Math" panose="02040503050406030204" pitchFamily="18" charset="0"/>
+                        </a:rPr>
+                        <m:t>;</m:t>
+                      </m:r>
+                      <m:r>
+                        <m:rPr>
+                          <m:sty m:val="p"/>
+                        </m:rPr>
+                        <a:rPr lang="sv-SE" b="0" i="0" smtClean="0">
+                          <a:latin typeface="Cambria Math" panose="02040503050406030204" pitchFamily="18" charset="0"/>
+                        </a:rPr>
+                        <m:t>n</m:t>
+                      </m:r>
+                      <m:r>
+                        <a:rPr lang="sv-SE" b="0" i="0" smtClean="0">
+                          <a:latin typeface="Cambria Math" panose="02040503050406030204" pitchFamily="18" charset="0"/>
+                        </a:rPr>
+                        <m:t>=</m:t>
+                      </m:r>
+                      <m:r>
+                        <m:rPr>
+                          <m:sty m:val="p"/>
+                        </m:rPr>
+                        <a:rPr lang="sv-SE" b="0" i="0" smtClean="0">
+                          <a:latin typeface="Cambria Math" panose="02040503050406030204" pitchFamily="18" charset="0"/>
+                        </a:rPr>
+                        <m:t>relative</m:t>
+                      </m:r>
+                      <m:r>
+                        <a:rPr lang="sv-SE" b="0" i="0" smtClean="0">
+                          <a:latin typeface="Cambria Math" panose="02040503050406030204" pitchFamily="18" charset="0"/>
+                        </a:rPr>
+                        <m:t> </m:t>
+                      </m:r>
+                      <m:r>
+                        <m:rPr>
+                          <m:sty m:val="p"/>
+                        </m:rPr>
+                        <a:rPr lang="sv-SE" b="0" i="0" smtClean="0">
+                          <a:latin typeface="Cambria Math" panose="02040503050406030204" pitchFamily="18" charset="0"/>
+                        </a:rPr>
+                        <m:t>number</m:t>
+                      </m:r>
+                      <m:r>
+                        <a:rPr lang="sv-SE" b="0" i="0" smtClean="0">
+                          <a:latin typeface="Cambria Math" panose="02040503050406030204" pitchFamily="18" charset="0"/>
+                        </a:rPr>
+                        <m:t>;</m:t>
+                      </m:r>
+                      <m:r>
+                        <m:rPr>
+                          <m:sty m:val="p"/>
+                        </m:rPr>
+                        <a:rPr lang="sv-SE" b="0" i="0" smtClean="0">
+                          <a:latin typeface="Cambria Math" panose="02040503050406030204" pitchFamily="18" charset="0"/>
+                        </a:rPr>
+                        <m:t>N</m:t>
+                      </m:r>
+                      <m:r>
+                        <a:rPr lang="sv-SE" b="0" i="0" smtClean="0">
+                          <a:latin typeface="Cambria Math" panose="02040503050406030204" pitchFamily="18" charset="0"/>
+                        </a:rPr>
+                        <m:t>=</m:t>
+                      </m:r>
+                      <m:r>
+                        <m:rPr>
+                          <m:sty m:val="p"/>
+                        </m:rPr>
+                        <a:rPr lang="sv-SE" b="0" i="0" smtClean="0">
+                          <a:latin typeface="Cambria Math" panose="02040503050406030204" pitchFamily="18" charset="0"/>
+                        </a:rPr>
+                        <m:t>total</m:t>
+                      </m:r>
+                      <m:r>
+                        <a:rPr lang="sv-SE" b="0" i="0" smtClean="0">
+                          <a:latin typeface="Cambria Math" panose="02040503050406030204" pitchFamily="18" charset="0"/>
+                        </a:rPr>
+                        <m:t> </m:t>
+                      </m:r>
+                      <m:r>
+                        <m:rPr>
+                          <m:sty m:val="p"/>
+                        </m:rPr>
+                        <a:rPr lang="sv-SE" b="0" i="0" smtClean="0">
+                          <a:latin typeface="Cambria Math" panose="02040503050406030204" pitchFamily="18" charset="0"/>
+                        </a:rPr>
+                        <m:t>number</m:t>
+                      </m:r>
+                    </m:oMath>
+                  </m:oMathPara>
+                </a14:m>
+                <a:endParaRPr lang="en-GB" dirty="0"/>
+              </a:p>
+            </p:txBody>
+          </p:sp>
+        </mc:Choice>
+        <mc:Fallback>
+          <p:sp>
+            <p:nvSpPr>
+              <p:cNvPr id="8" name="TextBox 7">
+                <a:extLst>
+                  <a:ext uri="{FF2B5EF4-FFF2-40B4-BE49-F238E27FC236}">
+                    <a16:creationId xmlns:a16="http://schemas.microsoft.com/office/drawing/2014/main" id="{DCFA5F45-635D-8040-B09D-4BB9E939B896}"/>
+                  </a:ext>
+                </a:extLst>
+              </p:cNvPr>
+              <p:cNvSpPr txBox="1">
+                <a:spLocks noRot="1" noChangeAspect="1" noMove="1" noResize="1" noEditPoints="1" noAdjustHandles="1" noChangeArrowheads="1" noChangeShapeType="1" noTextEdit="1"/>
+              </p:cNvSpPr>
+              <p:nvPr/>
+            </p:nvSpPr>
+            <p:spPr>
+              <a:xfrm>
+                <a:off x="3272378" y="964709"/>
+                <a:ext cx="6202082" cy="276999"/>
+              </a:xfrm>
+              <a:prstGeom prst="rect">
+                <a:avLst/>
+              </a:prstGeom>
+              <a:blipFill>
+                <a:blip r:embed="rId4"/>
+                <a:stretch>
+                  <a:fillRect t="-4348" b="-34783"/>
+                </a:stretch>
+              </a:blipFill>
+            </p:spPr>
+            <p:txBody>
+              <a:bodyPr/>
+              <a:lstStyle/>
+              <a:p>
+                <a:r>
+                  <a:rPr lang="en-GB">
+                    <a:noFill/>
+                  </a:rPr>
+                  <a:t> </a:t>
+                </a:r>
+              </a:p>
+            </p:txBody>
+          </p:sp>
+        </mc:Fallback>
+      </mc:AlternateContent>
     </p:spTree>
     <p:extLst>
       <p:ext uri="{BB962C8B-B14F-4D97-AF65-F5344CB8AC3E}">

--- a/short_genetic_variants/docs/short_indels.pptx
+++ b/short_genetic_variants/docs/short_indels.pptx
@@ -8,7 +8,14 @@
     <p:sldId id="256" r:id="rId2"/>
     <p:sldId id="257" r:id="rId3"/>
     <p:sldId id="259" r:id="rId4"/>
-    <p:sldId id="258" r:id="rId5"/>
+    <p:sldId id="264" r:id="rId5"/>
+    <p:sldId id="265" r:id="rId6"/>
+    <p:sldId id="260" r:id="rId7"/>
+    <p:sldId id="263" r:id="rId8"/>
+    <p:sldId id="258" r:id="rId9"/>
+    <p:sldId id="261" r:id="rId10"/>
+    <p:sldId id="262" r:id="rId11"/>
+    <p:sldId id="266" r:id="rId12"/>
   </p:sldIdLst>
   <p:sldSz cx="12192000" cy="6858000"/>
   <p:notesSz cx="6858000" cy="9144000"/>
@@ -264,7 +271,7 @@
           <a:p>
             <a:fld id="{5C316670-22DA-CE45-BF19-C0B19D676291}" type="datetimeFigureOut">
               <a:rPr lang="en-GB" smtClean="0"/>
-              <a:t>11/06/2020</a:t>
+              <a:t>16/06/2020</a:t>
             </a:fld>
             <a:endParaRPr lang="en-GB"/>
           </a:p>
@@ -464,7 +471,7 @@
           <a:p>
             <a:fld id="{5C316670-22DA-CE45-BF19-C0B19D676291}" type="datetimeFigureOut">
               <a:rPr lang="en-GB" smtClean="0"/>
-              <a:t>11/06/2020</a:t>
+              <a:t>16/06/2020</a:t>
             </a:fld>
             <a:endParaRPr lang="en-GB"/>
           </a:p>
@@ -674,7 +681,7 @@
           <a:p>
             <a:fld id="{5C316670-22DA-CE45-BF19-C0B19D676291}" type="datetimeFigureOut">
               <a:rPr lang="en-GB" smtClean="0"/>
-              <a:t>11/06/2020</a:t>
+              <a:t>16/06/2020</a:t>
             </a:fld>
             <a:endParaRPr lang="en-GB"/>
           </a:p>
@@ -874,7 +881,7 @@
           <a:p>
             <a:fld id="{5C316670-22DA-CE45-BF19-C0B19D676291}" type="datetimeFigureOut">
               <a:rPr lang="en-GB" smtClean="0"/>
-              <a:t>11/06/2020</a:t>
+              <a:t>16/06/2020</a:t>
             </a:fld>
             <a:endParaRPr lang="en-GB"/>
           </a:p>
@@ -1150,7 +1157,7 @@
           <a:p>
             <a:fld id="{5C316670-22DA-CE45-BF19-C0B19D676291}" type="datetimeFigureOut">
               <a:rPr lang="en-GB" smtClean="0"/>
-              <a:t>11/06/2020</a:t>
+              <a:t>16/06/2020</a:t>
             </a:fld>
             <a:endParaRPr lang="en-GB"/>
           </a:p>
@@ -1418,7 +1425,7 @@
           <a:p>
             <a:fld id="{5C316670-22DA-CE45-BF19-C0B19D676291}" type="datetimeFigureOut">
               <a:rPr lang="en-GB" smtClean="0"/>
-              <a:t>11/06/2020</a:t>
+              <a:t>16/06/2020</a:t>
             </a:fld>
             <a:endParaRPr lang="en-GB"/>
           </a:p>
@@ -1833,7 +1840,7 @@
           <a:p>
             <a:fld id="{5C316670-22DA-CE45-BF19-C0B19D676291}" type="datetimeFigureOut">
               <a:rPr lang="en-GB" smtClean="0"/>
-              <a:t>11/06/2020</a:t>
+              <a:t>16/06/2020</a:t>
             </a:fld>
             <a:endParaRPr lang="en-GB"/>
           </a:p>
@@ -1975,7 +1982,7 @@
           <a:p>
             <a:fld id="{5C316670-22DA-CE45-BF19-C0B19D676291}" type="datetimeFigureOut">
               <a:rPr lang="en-GB" smtClean="0"/>
-              <a:t>11/06/2020</a:t>
+              <a:t>16/06/2020</a:t>
             </a:fld>
             <a:endParaRPr lang="en-GB"/>
           </a:p>
@@ -2088,7 +2095,7 @@
           <a:p>
             <a:fld id="{5C316670-22DA-CE45-BF19-C0B19D676291}" type="datetimeFigureOut">
               <a:rPr lang="en-GB" smtClean="0"/>
-              <a:t>11/06/2020</a:t>
+              <a:t>16/06/2020</a:t>
             </a:fld>
             <a:endParaRPr lang="en-GB"/>
           </a:p>
@@ -2401,7 +2408,7 @@
           <a:p>
             <a:fld id="{5C316670-22DA-CE45-BF19-C0B19D676291}" type="datetimeFigureOut">
               <a:rPr lang="en-GB" smtClean="0"/>
-              <a:t>11/06/2020</a:t>
+              <a:t>16/06/2020</a:t>
             </a:fld>
             <a:endParaRPr lang="en-GB"/>
           </a:p>
@@ -2690,7 +2697,7 @@
           <a:p>
             <a:fld id="{5C316670-22DA-CE45-BF19-C0B19D676291}" type="datetimeFigureOut">
               <a:rPr lang="en-GB" smtClean="0"/>
-              <a:t>11/06/2020</a:t>
+              <a:t>16/06/2020</a:t>
             </a:fld>
             <a:endParaRPr lang="en-GB"/>
           </a:p>
@@ -2933,7 +2940,7 @@
           <a:p>
             <a:fld id="{5C316670-22DA-CE45-BF19-C0B19D676291}" type="datetimeFigureOut">
               <a:rPr lang="en-GB" smtClean="0"/>
-              <a:t>11/06/2020</a:t>
+              <a:t>16/06/2020</a:t>
             </a:fld>
             <a:endParaRPr lang="en-GB"/>
           </a:p>
@@ -3393,6 +3400,395 @@
 </p:sld>
 </file>
 
+<file path=ppt/slides/slide10.xml><?xml version="1.0" encoding="utf-8"?>
+<p:sld xmlns:a="http://schemas.openxmlformats.org/drawingml/2006/main" xmlns:r="http://schemas.openxmlformats.org/officeDocument/2006/relationships" xmlns:p="http://schemas.openxmlformats.org/presentationml/2006/main">
+  <p:cSld>
+    <p:spTree>
+      <p:nvGrpSpPr>
+        <p:cNvPr id="1" name=""/>
+        <p:cNvGrpSpPr/>
+        <p:nvPr/>
+      </p:nvGrpSpPr>
+      <p:grpSpPr>
+        <a:xfrm>
+          <a:off x="0" y="0"/>
+          <a:ext cx="0" cy="0"/>
+          <a:chOff x="0" y="0"/>
+          <a:chExt cx="0" cy="0"/>
+        </a:xfrm>
+      </p:grpSpPr>
+      <p:sp>
+        <p:nvSpPr>
+          <p:cNvPr id="2" name="Rectangle 1">
+            <a:extLst>
+              <a:ext uri="{FF2B5EF4-FFF2-40B4-BE49-F238E27FC236}">
+                <a16:creationId xmlns:a16="http://schemas.microsoft.com/office/drawing/2014/main" id="{28EB9195-3465-C644-B592-B32C34D4FFCF}"/>
+              </a:ext>
+            </a:extLst>
+          </p:cNvPr>
+          <p:cNvSpPr/>
+          <p:nvPr/>
+        </p:nvSpPr>
+        <p:spPr>
+          <a:xfrm>
+            <a:off x="528115" y="409596"/>
+            <a:ext cx="4088812" cy="369332"/>
+          </a:xfrm>
+          <a:prstGeom prst="rect">
+            <a:avLst/>
+          </a:prstGeom>
+        </p:spPr>
+        <p:txBody>
+          <a:bodyPr wrap="none">
+            <a:spAutoFit/>
+          </a:bodyPr>
+          <a:lstStyle/>
+          <a:p>
+            <a:pPr marL="342900" indent="-342900">
+              <a:buFont typeface="+mj-lt"/>
+              <a:buAutoNum type="arabicPeriod" startAt="2"/>
+            </a:pPr>
+            <a:r>
+              <a:rPr lang="en-GB" dirty="0"/>
+              <a:t>Clustering of (different types) markers</a:t>
+            </a:r>
+          </a:p>
+        </p:txBody>
+      </p:sp>
+      <p:sp>
+        <p:nvSpPr>
+          <p:cNvPr id="12" name="TextBox 11">
+            <a:extLst>
+              <a:ext uri="{FF2B5EF4-FFF2-40B4-BE49-F238E27FC236}">
+                <a16:creationId xmlns:a16="http://schemas.microsoft.com/office/drawing/2014/main" id="{EE2B360A-DD67-7142-A309-F624C4AD0FFE}"/>
+              </a:ext>
+            </a:extLst>
+          </p:cNvPr>
+          <p:cNvSpPr txBox="1"/>
+          <p:nvPr/>
+        </p:nvSpPr>
+        <p:spPr>
+          <a:xfrm>
+            <a:off x="528115" y="891445"/>
+            <a:ext cx="4200574" cy="369332"/>
+          </a:xfrm>
+          <a:prstGeom prst="rect">
+            <a:avLst/>
+          </a:prstGeom>
+          <a:noFill/>
+        </p:spPr>
+        <p:txBody>
+          <a:bodyPr wrap="none" rtlCol="0">
+            <a:spAutoFit/>
+          </a:bodyPr>
+          <a:lstStyle/>
+          <a:p>
+            <a:pPr marL="285750" indent="-285750">
+              <a:buFont typeface="Arial" panose="020B0604020202020204" pitchFamily="34" charset="0"/>
+              <a:buChar char="•"/>
+            </a:pPr>
+            <a:r>
+              <a:rPr lang="en-GB" dirty="0"/>
+              <a:t>All INDELs and SNPs in the same contigs</a:t>
+            </a:r>
+          </a:p>
+        </p:txBody>
+      </p:sp>
+      <p:pic>
+        <p:nvPicPr>
+          <p:cNvPr id="5" name="Picture 4">
+            <a:extLst>
+              <a:ext uri="{FF2B5EF4-FFF2-40B4-BE49-F238E27FC236}">
+                <a16:creationId xmlns:a16="http://schemas.microsoft.com/office/drawing/2014/main" id="{45111D7B-4ED4-EF4A-AB65-A68ADF1553DB}"/>
+              </a:ext>
+            </a:extLst>
+          </p:cNvPr>
+          <p:cNvPicPr>
+            <a:picLocks noChangeAspect="1"/>
+          </p:cNvPicPr>
+          <p:nvPr/>
+        </p:nvPicPr>
+        <p:blipFill>
+          <a:blip r:embed="rId2"/>
+          <a:stretch>
+            <a:fillRect/>
+          </a:stretch>
+        </p:blipFill>
+        <p:spPr>
+          <a:xfrm>
+            <a:off x="6231303" y="2139711"/>
+            <a:ext cx="5960697" cy="3960000"/>
+          </a:xfrm>
+          <a:prstGeom prst="rect">
+            <a:avLst/>
+          </a:prstGeom>
+        </p:spPr>
+      </p:pic>
+      <p:pic>
+        <p:nvPicPr>
+          <p:cNvPr id="11" name="Picture 10">
+            <a:extLst>
+              <a:ext uri="{FF2B5EF4-FFF2-40B4-BE49-F238E27FC236}">
+                <a16:creationId xmlns:a16="http://schemas.microsoft.com/office/drawing/2014/main" id="{4FC862F5-8C05-C843-B607-99A4AC1DBDDB}"/>
+              </a:ext>
+            </a:extLst>
+          </p:cNvPr>
+          <p:cNvPicPr>
+            <a:picLocks noChangeAspect="1"/>
+          </p:cNvPicPr>
+          <p:nvPr/>
+        </p:nvPicPr>
+        <p:blipFill>
+          <a:blip r:embed="rId3"/>
+          <a:stretch>
+            <a:fillRect/>
+          </a:stretch>
+        </p:blipFill>
+        <p:spPr>
+          <a:xfrm>
+            <a:off x="147500" y="2139711"/>
+            <a:ext cx="5960697" cy="3960000"/>
+          </a:xfrm>
+          <a:prstGeom prst="rect">
+            <a:avLst/>
+          </a:prstGeom>
+        </p:spPr>
+      </p:pic>
+      <p:sp>
+        <p:nvSpPr>
+          <p:cNvPr id="13" name="TextBox 12">
+            <a:extLst>
+              <a:ext uri="{FF2B5EF4-FFF2-40B4-BE49-F238E27FC236}">
+                <a16:creationId xmlns:a16="http://schemas.microsoft.com/office/drawing/2014/main" id="{98F2178F-C54F-B04E-8B00-BD411D876DA6}"/>
+              </a:ext>
+            </a:extLst>
+          </p:cNvPr>
+          <p:cNvSpPr txBox="1"/>
+          <p:nvPr/>
+        </p:nvSpPr>
+        <p:spPr>
+          <a:xfrm>
+            <a:off x="89627" y="6090207"/>
+            <a:ext cx="11704976" cy="646331"/>
+          </a:xfrm>
+          <a:prstGeom prst="rect">
+            <a:avLst/>
+          </a:prstGeom>
+          <a:noFill/>
+        </p:spPr>
+        <p:txBody>
+          <a:bodyPr wrap="square" rtlCol="0">
+            <a:spAutoFit/>
+          </a:bodyPr>
+          <a:lstStyle/>
+          <a:p>
+            <a:r>
+              <a:rPr lang="en-GB" i="1" dirty="0"/>
+              <a:t>Figure 2. Relationship between SNPs and INDELs with respect to their proportions (left) and their counts (right) per contig. Proportions and counts of SNPs and INDELs are the same as in Fig. 1-2.</a:t>
+            </a:r>
+          </a:p>
+        </p:txBody>
+      </p:sp>
+    </p:spTree>
+    <p:extLst>
+      <p:ext uri="{BB962C8B-B14F-4D97-AF65-F5344CB8AC3E}">
+        <p14:creationId xmlns:p14="http://schemas.microsoft.com/office/powerpoint/2010/main" val="3939953827"/>
+      </p:ext>
+    </p:extLst>
+  </p:cSld>
+  <p:clrMapOvr>
+    <a:masterClrMapping/>
+  </p:clrMapOvr>
+</p:sld>
+</file>
+
+<file path=ppt/slides/slide11.xml><?xml version="1.0" encoding="utf-8"?>
+<p:sld xmlns:a="http://schemas.openxmlformats.org/drawingml/2006/main" xmlns:r="http://schemas.openxmlformats.org/officeDocument/2006/relationships" xmlns:p="http://schemas.openxmlformats.org/presentationml/2006/main">
+  <p:cSld>
+    <p:spTree>
+      <p:nvGrpSpPr>
+        <p:cNvPr id="1" name=""/>
+        <p:cNvGrpSpPr/>
+        <p:nvPr/>
+      </p:nvGrpSpPr>
+      <p:grpSpPr>
+        <a:xfrm>
+          <a:off x="0" y="0"/>
+          <a:ext cx="0" cy="0"/>
+          <a:chOff x="0" y="0"/>
+          <a:chExt cx="0" cy="0"/>
+        </a:xfrm>
+      </p:grpSpPr>
+      <p:sp>
+        <p:nvSpPr>
+          <p:cNvPr id="2" name="Rectangle 1">
+            <a:extLst>
+              <a:ext uri="{FF2B5EF4-FFF2-40B4-BE49-F238E27FC236}">
+                <a16:creationId xmlns:a16="http://schemas.microsoft.com/office/drawing/2014/main" id="{28EB9195-3465-C644-B592-B32C34D4FFCF}"/>
+              </a:ext>
+            </a:extLst>
+          </p:cNvPr>
+          <p:cNvSpPr/>
+          <p:nvPr/>
+        </p:nvSpPr>
+        <p:spPr>
+          <a:xfrm>
+            <a:off x="528115" y="409596"/>
+            <a:ext cx="2967031" cy="369332"/>
+          </a:xfrm>
+          <a:prstGeom prst="rect">
+            <a:avLst/>
+          </a:prstGeom>
+        </p:spPr>
+        <p:txBody>
+          <a:bodyPr wrap="none">
+            <a:spAutoFit/>
+          </a:bodyPr>
+          <a:lstStyle/>
+          <a:p>
+            <a:pPr marL="342900" indent="-342900">
+              <a:buFont typeface="+mj-lt"/>
+              <a:buAutoNum type="arabicPeriod" startAt="3"/>
+            </a:pPr>
+            <a:r>
+              <a:rPr lang="en-GB" dirty="0"/>
+              <a:t>Derived allele frequencies</a:t>
+            </a:r>
+          </a:p>
+        </p:txBody>
+      </p:sp>
+      <p:sp>
+        <p:nvSpPr>
+          <p:cNvPr id="12" name="TextBox 11">
+            <a:extLst>
+              <a:ext uri="{FF2B5EF4-FFF2-40B4-BE49-F238E27FC236}">
+                <a16:creationId xmlns:a16="http://schemas.microsoft.com/office/drawing/2014/main" id="{EE2B360A-DD67-7142-A309-F624C4AD0FFE}"/>
+              </a:ext>
+            </a:extLst>
+          </p:cNvPr>
+          <p:cNvSpPr txBox="1"/>
+          <p:nvPr/>
+        </p:nvSpPr>
+        <p:spPr>
+          <a:xfrm>
+            <a:off x="528115" y="891445"/>
+            <a:ext cx="5664341" cy="2862322"/>
+          </a:xfrm>
+          <a:prstGeom prst="rect">
+            <a:avLst/>
+          </a:prstGeom>
+          <a:noFill/>
+        </p:spPr>
+        <p:txBody>
+          <a:bodyPr wrap="square" rtlCol="0">
+            <a:spAutoFit/>
+          </a:bodyPr>
+          <a:lstStyle/>
+          <a:p>
+            <a:pPr marL="285750" indent="-285750">
+              <a:buFont typeface="Arial" panose="020B0604020202020204" pitchFamily="34" charset="0"/>
+              <a:buChar char="•"/>
+            </a:pPr>
+            <a:r>
+              <a:rPr lang="en-GB" dirty="0"/>
+              <a:t>Ancestral allele was inferred from called genotypes:</a:t>
+            </a:r>
+            <a:br>
+              <a:rPr lang="en-GB" dirty="0"/>
+            </a:br>
+            <a:endParaRPr lang="en-GB" dirty="0"/>
+          </a:p>
+          <a:p>
+            <a:pPr marL="800100" lvl="1" indent="-342900">
+              <a:buFont typeface="+mj-lt"/>
+              <a:buAutoNum type="arabicPeriod"/>
+            </a:pPr>
+            <a:r>
+              <a:rPr lang="en-GB" dirty="0"/>
+              <a:t>Reference allele = ancestral allele</a:t>
+            </a:r>
+            <a:br>
+              <a:rPr lang="en-GB" dirty="0"/>
+            </a:br>
+            <a:r>
+              <a:rPr lang="en-GB" i="1" dirty="0" err="1"/>
+              <a:t>compressa</a:t>
+            </a:r>
+            <a:r>
+              <a:rPr lang="en-GB" dirty="0"/>
+              <a:t> is homo for the reference allele (0)</a:t>
+            </a:r>
+            <a:br>
+              <a:rPr lang="en-GB" dirty="0"/>
+            </a:br>
+            <a:endParaRPr lang="en-GB" dirty="0"/>
+          </a:p>
+          <a:p>
+            <a:pPr marL="800100" lvl="1" indent="-342900">
+              <a:buFont typeface="+mj-lt"/>
+              <a:buAutoNum type="arabicPeriod"/>
+            </a:pPr>
+            <a:r>
+              <a:rPr lang="en-GB" dirty="0"/>
+              <a:t>Alternative allele = ancestral allele</a:t>
+            </a:r>
+            <a:br>
+              <a:rPr lang="en-GB" dirty="0"/>
+            </a:br>
+            <a:r>
+              <a:rPr lang="en-GB" i="1" dirty="0" err="1"/>
+              <a:t>compressa</a:t>
+            </a:r>
+            <a:r>
+              <a:rPr lang="en-GB" dirty="0"/>
+              <a:t> is homo for the alternative allele (2)</a:t>
+            </a:r>
+            <a:br>
+              <a:rPr lang="en-GB" dirty="0"/>
+            </a:br>
+            <a:endParaRPr lang="en-GB" dirty="0"/>
+          </a:p>
+          <a:p>
+            <a:pPr marL="800100" lvl="1" indent="-342900">
+              <a:buFont typeface="+mj-lt"/>
+              <a:buAutoNum type="arabicPeriod"/>
+            </a:pPr>
+            <a:r>
+              <a:rPr lang="en-GB" dirty="0"/>
+              <a:t>Unknown ancestry</a:t>
+            </a:r>
+            <a:br>
+              <a:rPr lang="en-GB" dirty="0"/>
+            </a:br>
+            <a:r>
+              <a:rPr lang="en-GB" i="1" dirty="0" err="1"/>
+              <a:t>compressa</a:t>
+            </a:r>
+            <a:r>
+              <a:rPr lang="en-GB" i="1" dirty="0"/>
+              <a:t> </a:t>
+            </a:r>
+            <a:r>
+              <a:rPr lang="en-GB"/>
+              <a:t>is het (1)</a:t>
+            </a:r>
+            <a:endParaRPr lang="en-GB" dirty="0"/>
+          </a:p>
+        </p:txBody>
+      </p:sp>
+    </p:spTree>
+    <p:extLst>
+      <p:ext uri="{BB962C8B-B14F-4D97-AF65-F5344CB8AC3E}">
+        <p14:creationId xmlns:p14="http://schemas.microsoft.com/office/powerpoint/2010/main" val="1238933828"/>
+      </p:ext>
+    </p:extLst>
+  </p:cSld>
+  <p:clrMapOvr>
+    <a:masterClrMapping/>
+  </p:clrMapOvr>
+</p:sld>
+</file>
+
 <file path=ppt/slides/slide2.xml><?xml version="1.0" encoding="utf-8"?>
 <p:sld xmlns:a="http://schemas.openxmlformats.org/drawingml/2006/main" xmlns:r="http://schemas.openxmlformats.org/officeDocument/2006/relationships" xmlns:p="http://schemas.openxmlformats.org/presentationml/2006/main">
   <p:cSld>
@@ -3484,7 +3880,7 @@
         <p:spPr>
           <a:xfrm>
             <a:off x="1250066" y="3113590"/>
-            <a:ext cx="4088812" cy="923330"/>
+            <a:ext cx="4088812" cy="1200329"/>
           </a:xfrm>
           <a:prstGeom prst="rect">
             <a:avLst/>
@@ -3523,7 +3919,87 @@
             </a:pPr>
             <a:r>
               <a:rPr lang="en-GB" dirty="0"/>
+              <a:t>Allele frequencies</a:t>
+            </a:r>
+          </a:p>
+          <a:p>
+            <a:pPr marL="342900" indent="-342900">
+              <a:buFont typeface="+mj-lt"/>
+              <a:buAutoNum type="arabicPeriod"/>
+            </a:pPr>
+            <a:r>
+              <a:rPr lang="en-GB" dirty="0"/>
               <a:t>Displacement of cline centres</a:t>
+            </a:r>
+          </a:p>
+        </p:txBody>
+      </p:sp>
+      <p:sp>
+        <p:nvSpPr>
+          <p:cNvPr id="4" name="TextBox 3">
+            <a:extLst>
+              <a:ext uri="{FF2B5EF4-FFF2-40B4-BE49-F238E27FC236}">
+                <a16:creationId xmlns:a16="http://schemas.microsoft.com/office/drawing/2014/main" id="{E0575A65-E5F2-544E-A20B-4AC528CC804B}"/>
+              </a:ext>
+            </a:extLst>
+          </p:cNvPr>
+          <p:cNvSpPr txBox="1"/>
+          <p:nvPr/>
+        </p:nvSpPr>
+        <p:spPr>
+          <a:xfrm>
+            <a:off x="1076446" y="498769"/>
+            <a:ext cx="4247766" cy="369332"/>
+          </a:xfrm>
+          <a:prstGeom prst="rect">
+            <a:avLst/>
+          </a:prstGeom>
+          <a:noFill/>
+        </p:spPr>
+        <p:txBody>
+          <a:bodyPr wrap="none" rtlCol="0">
+            <a:spAutoFit/>
+          </a:bodyPr>
+          <a:lstStyle/>
+          <a:p>
+            <a:r>
+              <a:rPr lang="en-GB" dirty="0"/>
+              <a:t>Original aspects of the short INDELs project</a:t>
+            </a:r>
+          </a:p>
+        </p:txBody>
+      </p:sp>
+      <p:sp>
+        <p:nvSpPr>
+          <p:cNvPr id="5" name="TextBox 4">
+            <a:extLst>
+              <a:ext uri="{FF2B5EF4-FFF2-40B4-BE49-F238E27FC236}">
+                <a16:creationId xmlns:a16="http://schemas.microsoft.com/office/drawing/2014/main" id="{7582EF19-BA6B-6245-89EB-9D22A3FCE7F3}"/>
+              </a:ext>
+            </a:extLst>
+          </p:cNvPr>
+          <p:cNvSpPr txBox="1"/>
+          <p:nvPr/>
+        </p:nvSpPr>
+        <p:spPr>
+          <a:xfrm>
+            <a:off x="1091112" y="2744258"/>
+            <a:ext cx="2431756" cy="369332"/>
+          </a:xfrm>
+          <a:prstGeom prst="rect">
+            <a:avLst/>
+          </a:prstGeom>
+          <a:noFill/>
+        </p:spPr>
+        <p:txBody>
+          <a:bodyPr wrap="none" rtlCol="0">
+            <a:spAutoFit/>
+          </a:bodyPr>
+          <a:lstStyle/>
+          <a:p>
+            <a:r>
+              <a:rPr lang="en-GB" dirty="0"/>
+              <a:t>INDEL-SNP comparisons</a:t>
             </a:r>
           </a:p>
         </p:txBody>
@@ -3572,7 +4048,7 @@
         </p:nvSpPr>
         <p:spPr>
           <a:xfrm>
-            <a:off x="528115" y="420111"/>
+            <a:off x="524719" y="189654"/>
             <a:ext cx="1922321" cy="369332"/>
           </a:xfrm>
           <a:prstGeom prst="rect">
@@ -3610,7 +4086,7 @@
         </p:nvSpPr>
         <p:spPr>
           <a:xfrm>
-            <a:off x="4486656" y="1041023"/>
+            <a:off x="4486656" y="543310"/>
             <a:ext cx="3129485" cy="5816977"/>
           </a:xfrm>
           <a:prstGeom prst="rect">
@@ -3625,7 +4101,15 @@
           <a:p>
             <a:r>
               <a:rPr lang="en-GB" sz="1200" dirty="0"/>
-              <a:t>Total number of SNP: 11225</a:t>
+              <a:t>Total number of SNP: </a:t>
+            </a:r>
+            <a:r>
+              <a:rPr lang="en-GB" sz="1200" dirty="0">
+                <a:solidFill>
+                  <a:srgbClr val="FF0000"/>
+                </a:solidFill>
+              </a:rPr>
+              <a:t>11225</a:t>
             </a:r>
           </a:p>
           <a:p>
@@ -3812,7 +4296,7 @@
         </p:nvSpPr>
         <p:spPr>
           <a:xfrm>
-            <a:off x="524719" y="1041022"/>
+            <a:off x="524719" y="543309"/>
             <a:ext cx="3961937" cy="5816977"/>
           </a:xfrm>
           <a:prstGeom prst="rect">
@@ -3827,7 +4311,15 @@
           <a:p>
             <a:r>
               <a:rPr lang="en-GB" sz="1200" dirty="0"/>
-              <a:t>Total number of Anja’s SNP: 55106</a:t>
+              <a:t>Total number of Anja’s SNP: </a:t>
+            </a:r>
+            <a:r>
+              <a:rPr lang="en-GB" sz="1200" dirty="0">
+                <a:solidFill>
+                  <a:srgbClr val="FF0000"/>
+                </a:solidFill>
+              </a:rPr>
+              <a:t>55106</a:t>
             </a:r>
           </a:p>
           <a:p>
@@ -4014,7 +4506,7 @@
         </p:nvSpPr>
         <p:spPr>
           <a:xfrm>
-            <a:off x="8001964" y="1041023"/>
+            <a:off x="8001964" y="543310"/>
             <a:ext cx="3306501" cy="5816977"/>
           </a:xfrm>
           <a:prstGeom prst="rect">
@@ -4198,6 +4690,41 @@
             <a:r>
               <a:rPr lang="en-GB" sz="1200" dirty="0"/>
               <a:t>1</a:t>
+            </a:r>
+          </a:p>
+        </p:txBody>
+      </p:sp>
+      <p:sp>
+        <p:nvSpPr>
+          <p:cNvPr id="6" name="TextBox 5">
+            <a:extLst>
+              <a:ext uri="{FF2B5EF4-FFF2-40B4-BE49-F238E27FC236}">
+                <a16:creationId xmlns:a16="http://schemas.microsoft.com/office/drawing/2014/main" id="{DC1E2925-1E88-B747-859F-421E2BE6AEAF}"/>
+              </a:ext>
+            </a:extLst>
+          </p:cNvPr>
+          <p:cNvSpPr txBox="1"/>
+          <p:nvPr/>
+        </p:nvSpPr>
+        <p:spPr>
+          <a:xfrm>
+            <a:off x="524719" y="6519446"/>
+            <a:ext cx="10911068" cy="338554"/>
+          </a:xfrm>
+          <a:prstGeom prst="rect">
+            <a:avLst/>
+          </a:prstGeom>
+          <a:noFill/>
+        </p:spPr>
+        <p:txBody>
+          <a:bodyPr wrap="square" rtlCol="0">
+            <a:spAutoFit/>
+          </a:bodyPr>
+          <a:lstStyle/>
+          <a:p>
+            <a:r>
+              <a:rPr lang="en-GB" sz="1600" dirty="0"/>
+              <a:t>Except this difference in the total number of SNPs, the proportions look quite similar but I have not run any statistical tests</a:t>
             </a:r>
           </a:p>
         </p:txBody>
@@ -4234,6 +4761,575 @@
       </p:grpSpPr>
       <p:sp>
         <p:nvSpPr>
+          <p:cNvPr id="2" name="TextBox 1">
+            <a:extLst>
+              <a:ext uri="{FF2B5EF4-FFF2-40B4-BE49-F238E27FC236}">
+                <a16:creationId xmlns:a16="http://schemas.microsoft.com/office/drawing/2014/main" id="{FB5A0D44-16E3-1349-AF6F-4FE1B4E42AE2}"/>
+              </a:ext>
+            </a:extLst>
+          </p:cNvPr>
+          <p:cNvSpPr txBox="1"/>
+          <p:nvPr/>
+        </p:nvSpPr>
+        <p:spPr>
+          <a:xfrm>
+            <a:off x="838631" y="277792"/>
+            <a:ext cx="10514738" cy="369332"/>
+          </a:xfrm>
+          <a:prstGeom prst="rect">
+            <a:avLst/>
+          </a:prstGeom>
+          <a:noFill/>
+        </p:spPr>
+        <p:txBody>
+          <a:bodyPr wrap="none" rtlCol="0">
+            <a:spAutoFit/>
+          </a:bodyPr>
+          <a:lstStyle/>
+          <a:p>
+            <a:r>
+              <a:rPr lang="en-GB" dirty="0"/>
+              <a:t>Given the difference between SAMtools and GATK in the total number of SNPs, I have run some diagnostics</a:t>
+            </a:r>
+          </a:p>
+        </p:txBody>
+      </p:sp>
+      <p:sp>
+        <p:nvSpPr>
+          <p:cNvPr id="13" name="TextBox 12">
+            <a:extLst>
+              <a:ext uri="{FF2B5EF4-FFF2-40B4-BE49-F238E27FC236}">
+                <a16:creationId xmlns:a16="http://schemas.microsoft.com/office/drawing/2014/main" id="{5CCE7386-BE2B-4440-AF7A-2468A67CEB1B}"/>
+              </a:ext>
+            </a:extLst>
+          </p:cNvPr>
+          <p:cNvSpPr txBox="1"/>
+          <p:nvPr/>
+        </p:nvSpPr>
+        <p:spPr>
+          <a:xfrm>
+            <a:off x="838629" y="1157735"/>
+            <a:ext cx="3064172" cy="369332"/>
+          </a:xfrm>
+          <a:prstGeom prst="rect">
+            <a:avLst/>
+          </a:prstGeom>
+          <a:noFill/>
+        </p:spPr>
+        <p:txBody>
+          <a:bodyPr wrap="none" rtlCol="0">
+            <a:spAutoFit/>
+          </a:bodyPr>
+          <a:lstStyle/>
+          <a:p>
+            <a:pPr marL="285750" indent="-285750">
+              <a:buFont typeface="Arial" panose="020B0604020202020204" pitchFamily="34" charset="0"/>
+              <a:buChar char="•"/>
+            </a:pPr>
+            <a:r>
+              <a:rPr lang="en-GB" dirty="0"/>
+              <a:t>Contigs after coverage filter</a:t>
+            </a:r>
+          </a:p>
+        </p:txBody>
+      </p:sp>
+    </p:spTree>
+    <p:extLst>
+      <p:ext uri="{BB962C8B-B14F-4D97-AF65-F5344CB8AC3E}">
+        <p14:creationId xmlns:p14="http://schemas.microsoft.com/office/powerpoint/2010/main" val="1844678427"/>
+      </p:ext>
+    </p:extLst>
+  </p:cSld>
+  <p:clrMapOvr>
+    <a:masterClrMapping/>
+  </p:clrMapOvr>
+</p:sld>
+</file>
+
+<file path=ppt/slides/slide5.xml><?xml version="1.0" encoding="utf-8"?>
+<p:sld xmlns:a="http://schemas.openxmlformats.org/drawingml/2006/main" xmlns:r="http://schemas.openxmlformats.org/officeDocument/2006/relationships" xmlns:p="http://schemas.openxmlformats.org/presentationml/2006/main">
+  <p:cSld>
+    <p:spTree>
+      <p:nvGrpSpPr>
+        <p:cNvPr id="1" name=""/>
+        <p:cNvGrpSpPr/>
+        <p:nvPr/>
+      </p:nvGrpSpPr>
+      <p:grpSpPr>
+        <a:xfrm>
+          <a:off x="0" y="0"/>
+          <a:ext cx="0" cy="0"/>
+          <a:chOff x="0" y="0"/>
+          <a:chExt cx="0" cy="0"/>
+        </a:xfrm>
+      </p:grpSpPr>
+      <p:sp>
+        <p:nvSpPr>
+          <p:cNvPr id="2" name="TextBox 1">
+            <a:extLst>
+              <a:ext uri="{FF2B5EF4-FFF2-40B4-BE49-F238E27FC236}">
+                <a16:creationId xmlns:a16="http://schemas.microsoft.com/office/drawing/2014/main" id="{FB5A0D44-16E3-1349-AF6F-4FE1B4E42AE2}"/>
+              </a:ext>
+            </a:extLst>
+          </p:cNvPr>
+          <p:cNvSpPr txBox="1"/>
+          <p:nvPr/>
+        </p:nvSpPr>
+        <p:spPr>
+          <a:xfrm>
+            <a:off x="838631" y="277792"/>
+            <a:ext cx="10514738" cy="369332"/>
+          </a:xfrm>
+          <a:prstGeom prst="rect">
+            <a:avLst/>
+          </a:prstGeom>
+          <a:noFill/>
+        </p:spPr>
+        <p:txBody>
+          <a:bodyPr wrap="none" rtlCol="0">
+            <a:spAutoFit/>
+          </a:bodyPr>
+          <a:lstStyle/>
+          <a:p>
+            <a:r>
+              <a:rPr lang="en-GB" dirty="0"/>
+              <a:t>Given the difference between SAMtools and GATK in the total number of SNPs, I have run some diagnostics</a:t>
+            </a:r>
+          </a:p>
+        </p:txBody>
+      </p:sp>
+      <p:sp>
+        <p:nvSpPr>
+          <p:cNvPr id="13" name="TextBox 12">
+            <a:extLst>
+              <a:ext uri="{FF2B5EF4-FFF2-40B4-BE49-F238E27FC236}">
+                <a16:creationId xmlns:a16="http://schemas.microsoft.com/office/drawing/2014/main" id="{5CCE7386-BE2B-4440-AF7A-2468A67CEB1B}"/>
+              </a:ext>
+            </a:extLst>
+          </p:cNvPr>
+          <p:cNvSpPr txBox="1"/>
+          <p:nvPr/>
+        </p:nvSpPr>
+        <p:spPr>
+          <a:xfrm>
+            <a:off x="838629" y="1157735"/>
+            <a:ext cx="2657009" cy="369332"/>
+          </a:xfrm>
+          <a:prstGeom prst="rect">
+            <a:avLst/>
+          </a:prstGeom>
+          <a:noFill/>
+        </p:spPr>
+        <p:txBody>
+          <a:bodyPr wrap="none" rtlCol="0">
+            <a:spAutoFit/>
+          </a:bodyPr>
+          <a:lstStyle/>
+          <a:p>
+            <a:pPr marL="285750" indent="-285750">
+              <a:buFont typeface="Arial" panose="020B0604020202020204" pitchFamily="34" charset="0"/>
+              <a:buChar char="•"/>
+            </a:pPr>
+            <a:r>
+              <a:rPr lang="en-GB" dirty="0"/>
+              <a:t>SNPs after all the filters</a:t>
+            </a:r>
+          </a:p>
+        </p:txBody>
+      </p:sp>
+    </p:spTree>
+    <p:extLst>
+      <p:ext uri="{BB962C8B-B14F-4D97-AF65-F5344CB8AC3E}">
+        <p14:creationId xmlns:p14="http://schemas.microsoft.com/office/powerpoint/2010/main" val="1445881728"/>
+      </p:ext>
+    </p:extLst>
+  </p:cSld>
+  <p:clrMapOvr>
+    <a:masterClrMapping/>
+  </p:clrMapOvr>
+</p:sld>
+</file>
+
+<file path=ppt/slides/slide6.xml><?xml version="1.0" encoding="utf-8"?>
+<p:sld xmlns:a="http://schemas.openxmlformats.org/drawingml/2006/main" xmlns:r="http://schemas.openxmlformats.org/officeDocument/2006/relationships" xmlns:p="http://schemas.openxmlformats.org/presentationml/2006/main">
+  <p:cSld>
+    <p:spTree>
+      <p:nvGrpSpPr>
+        <p:cNvPr id="1" name=""/>
+        <p:cNvGrpSpPr/>
+        <p:nvPr/>
+      </p:nvGrpSpPr>
+      <p:grpSpPr>
+        <a:xfrm>
+          <a:off x="0" y="0"/>
+          <a:ext cx="0" cy="0"/>
+          <a:chOff x="0" y="0"/>
+          <a:chExt cx="0" cy="0"/>
+        </a:xfrm>
+      </p:grpSpPr>
+      <p:sp>
+        <p:nvSpPr>
+          <p:cNvPr id="2" name="TextBox 1">
+            <a:extLst>
+              <a:ext uri="{FF2B5EF4-FFF2-40B4-BE49-F238E27FC236}">
+                <a16:creationId xmlns:a16="http://schemas.microsoft.com/office/drawing/2014/main" id="{FB5A0D44-16E3-1349-AF6F-4FE1B4E42AE2}"/>
+              </a:ext>
+            </a:extLst>
+          </p:cNvPr>
+          <p:cNvSpPr txBox="1"/>
+          <p:nvPr/>
+        </p:nvSpPr>
+        <p:spPr>
+          <a:xfrm>
+            <a:off x="838631" y="277792"/>
+            <a:ext cx="10514738" cy="369332"/>
+          </a:xfrm>
+          <a:prstGeom prst="rect">
+            <a:avLst/>
+          </a:prstGeom>
+          <a:noFill/>
+        </p:spPr>
+        <p:txBody>
+          <a:bodyPr wrap="none" rtlCol="0">
+            <a:spAutoFit/>
+          </a:bodyPr>
+          <a:lstStyle/>
+          <a:p>
+            <a:r>
+              <a:rPr lang="en-GB" dirty="0"/>
+              <a:t>Given the difference between SAMtools and GATK in the total number of SNPs, I have run some diagnostics</a:t>
+            </a:r>
+          </a:p>
+        </p:txBody>
+      </p:sp>
+      <p:pic>
+        <p:nvPicPr>
+          <p:cNvPr id="8" name="Picture 7">
+            <a:extLst>
+              <a:ext uri="{FF2B5EF4-FFF2-40B4-BE49-F238E27FC236}">
+                <a16:creationId xmlns:a16="http://schemas.microsoft.com/office/drawing/2014/main" id="{A4DAEDC7-A8EC-254B-A191-547A1418B8F6}"/>
+              </a:ext>
+            </a:extLst>
+          </p:cNvPr>
+          <p:cNvPicPr>
+            <a:picLocks noChangeAspect="1"/>
+          </p:cNvPicPr>
+          <p:nvPr/>
+        </p:nvPicPr>
+        <p:blipFill rotWithShape="1">
+          <a:blip r:embed="rId2"/>
+          <a:srcRect l="5258" t="9091" r="3176" b="5574"/>
+          <a:stretch/>
+        </p:blipFill>
+        <p:spPr>
+          <a:xfrm>
+            <a:off x="6231038" y="2037678"/>
+            <a:ext cx="5366790" cy="3326660"/>
+          </a:xfrm>
+          <a:prstGeom prst="rect">
+            <a:avLst/>
+          </a:prstGeom>
+        </p:spPr>
+      </p:pic>
+      <p:pic>
+        <p:nvPicPr>
+          <p:cNvPr id="10" name="Picture 9">
+            <a:extLst>
+              <a:ext uri="{FF2B5EF4-FFF2-40B4-BE49-F238E27FC236}">
+                <a16:creationId xmlns:a16="http://schemas.microsoft.com/office/drawing/2014/main" id="{AD14FF7D-63FD-9847-8532-4DE77B1CB03B}"/>
+              </a:ext>
+            </a:extLst>
+          </p:cNvPr>
+          <p:cNvPicPr>
+            <a:picLocks noChangeAspect="1"/>
+          </p:cNvPicPr>
+          <p:nvPr/>
+        </p:nvPicPr>
+        <p:blipFill rotWithShape="1">
+          <a:blip r:embed="rId3"/>
+          <a:srcRect l="4662" t="7646" r="3563" b="4847"/>
+          <a:stretch/>
+        </p:blipFill>
+        <p:spPr>
+          <a:xfrm>
+            <a:off x="838726" y="1985060"/>
+            <a:ext cx="5062966" cy="3379278"/>
+          </a:xfrm>
+          <a:prstGeom prst="rect">
+            <a:avLst/>
+          </a:prstGeom>
+        </p:spPr>
+      </p:pic>
+      <p:sp>
+        <p:nvSpPr>
+          <p:cNvPr id="11" name="TextBox 10">
+            <a:extLst>
+              <a:ext uri="{FF2B5EF4-FFF2-40B4-BE49-F238E27FC236}">
+                <a16:creationId xmlns:a16="http://schemas.microsoft.com/office/drawing/2014/main" id="{8E989DF7-7D26-A445-A99A-2791D7F96721}"/>
+              </a:ext>
+            </a:extLst>
+          </p:cNvPr>
+          <p:cNvSpPr txBox="1"/>
+          <p:nvPr/>
+        </p:nvSpPr>
+        <p:spPr>
+          <a:xfrm>
+            <a:off x="838629" y="1801172"/>
+            <a:ext cx="3031151" cy="307777"/>
+          </a:xfrm>
+          <a:prstGeom prst="rect">
+            <a:avLst/>
+          </a:prstGeom>
+          <a:noFill/>
+        </p:spPr>
+        <p:txBody>
+          <a:bodyPr wrap="none" rtlCol="0">
+            <a:spAutoFit/>
+          </a:bodyPr>
+          <a:lstStyle/>
+          <a:p>
+            <a:r>
+              <a:rPr lang="en-GB" sz="1400" dirty="0"/>
+              <a:t>any_outliers = outlier in at least one CZ</a:t>
+            </a:r>
+          </a:p>
+        </p:txBody>
+      </p:sp>
+      <p:sp>
+        <p:nvSpPr>
+          <p:cNvPr id="12" name="TextBox 11">
+            <a:extLst>
+              <a:ext uri="{FF2B5EF4-FFF2-40B4-BE49-F238E27FC236}">
+                <a16:creationId xmlns:a16="http://schemas.microsoft.com/office/drawing/2014/main" id="{7E719FF2-7BA6-5944-8D5D-B76085F0436D}"/>
+              </a:ext>
+            </a:extLst>
+          </p:cNvPr>
+          <p:cNvSpPr txBox="1"/>
+          <p:nvPr/>
+        </p:nvSpPr>
+        <p:spPr>
+          <a:xfrm>
+            <a:off x="6231038" y="1801172"/>
+            <a:ext cx="2834494" cy="307777"/>
+          </a:xfrm>
+          <a:prstGeom prst="rect">
+            <a:avLst/>
+          </a:prstGeom>
+          <a:noFill/>
+        </p:spPr>
+        <p:txBody>
+          <a:bodyPr wrap="none" rtlCol="0">
+            <a:spAutoFit/>
+          </a:bodyPr>
+          <a:lstStyle/>
+          <a:p>
+            <a:r>
+              <a:rPr lang="en-GB" sz="1400" dirty="0"/>
+              <a:t>all_outliers = outlier shared by all CZ</a:t>
+            </a:r>
+          </a:p>
+        </p:txBody>
+      </p:sp>
+      <p:sp>
+        <p:nvSpPr>
+          <p:cNvPr id="13" name="TextBox 12">
+            <a:extLst>
+              <a:ext uri="{FF2B5EF4-FFF2-40B4-BE49-F238E27FC236}">
+                <a16:creationId xmlns:a16="http://schemas.microsoft.com/office/drawing/2014/main" id="{E7AE7D32-9459-A144-A881-63F92D4E6C1F}"/>
+              </a:ext>
+            </a:extLst>
+          </p:cNvPr>
+          <p:cNvSpPr txBox="1"/>
+          <p:nvPr/>
+        </p:nvSpPr>
+        <p:spPr>
+          <a:xfrm>
+            <a:off x="838629" y="1157735"/>
+            <a:ext cx="5049011" cy="369332"/>
+          </a:xfrm>
+          <a:prstGeom prst="rect">
+            <a:avLst/>
+          </a:prstGeom>
+          <a:noFill/>
+        </p:spPr>
+        <p:txBody>
+          <a:bodyPr wrap="none" rtlCol="0">
+            <a:spAutoFit/>
+          </a:bodyPr>
+          <a:lstStyle/>
+          <a:p>
+            <a:pPr marL="285750" indent="-285750">
+              <a:buFont typeface="Arial" panose="020B0604020202020204" pitchFamily="34" charset="0"/>
+              <a:buChar char="•"/>
+            </a:pPr>
+            <a:r>
+              <a:rPr lang="en-GB" dirty="0"/>
+              <a:t>SNPs after all the filters and cline/outlier analysis</a:t>
+            </a:r>
+          </a:p>
+        </p:txBody>
+      </p:sp>
+    </p:spTree>
+    <p:extLst>
+      <p:ext uri="{BB962C8B-B14F-4D97-AF65-F5344CB8AC3E}">
+        <p14:creationId xmlns:p14="http://schemas.microsoft.com/office/powerpoint/2010/main" val="678544682"/>
+      </p:ext>
+    </p:extLst>
+  </p:cSld>
+  <p:clrMapOvr>
+    <a:masterClrMapping/>
+  </p:clrMapOvr>
+</p:sld>
+</file>
+
+<file path=ppt/slides/slide7.xml><?xml version="1.0" encoding="utf-8"?>
+<p:sld xmlns:a="http://schemas.openxmlformats.org/drawingml/2006/main" xmlns:r="http://schemas.openxmlformats.org/officeDocument/2006/relationships" xmlns:p="http://schemas.openxmlformats.org/presentationml/2006/main">
+  <p:cSld>
+    <p:spTree>
+      <p:nvGrpSpPr>
+        <p:cNvPr id="1" name=""/>
+        <p:cNvGrpSpPr/>
+        <p:nvPr/>
+      </p:nvGrpSpPr>
+      <p:grpSpPr>
+        <a:xfrm>
+          <a:off x="0" y="0"/>
+          <a:ext cx="0" cy="0"/>
+          <a:chOff x="0" y="0"/>
+          <a:chExt cx="0" cy="0"/>
+        </a:xfrm>
+      </p:grpSpPr>
+      <p:pic>
+        <p:nvPicPr>
+          <p:cNvPr id="3" name="Picture 2">
+            <a:extLst>
+              <a:ext uri="{FF2B5EF4-FFF2-40B4-BE49-F238E27FC236}">
+                <a16:creationId xmlns:a16="http://schemas.microsoft.com/office/drawing/2014/main" id="{5DEFEF38-FC25-AB4C-80F4-66DE30BC3B8F}"/>
+              </a:ext>
+            </a:extLst>
+          </p:cNvPr>
+          <p:cNvPicPr>
+            <a:picLocks noChangeAspect="1"/>
+          </p:cNvPicPr>
+          <p:nvPr/>
+        </p:nvPicPr>
+        <p:blipFill rotWithShape="1">
+          <a:blip r:embed="rId2"/>
+          <a:srcRect b="25739"/>
+          <a:stretch/>
+        </p:blipFill>
+        <p:spPr>
+          <a:xfrm>
+            <a:off x="1975432" y="739392"/>
+            <a:ext cx="8241136" cy="6120000"/>
+          </a:xfrm>
+          <a:prstGeom prst="rect">
+            <a:avLst/>
+          </a:prstGeom>
+        </p:spPr>
+      </p:pic>
+      <p:sp>
+        <p:nvSpPr>
+          <p:cNvPr id="4" name="TextBox 3">
+            <a:extLst>
+              <a:ext uri="{FF2B5EF4-FFF2-40B4-BE49-F238E27FC236}">
+                <a16:creationId xmlns:a16="http://schemas.microsoft.com/office/drawing/2014/main" id="{BBC0A1E3-8029-A149-9543-F9E009CEE386}"/>
+              </a:ext>
+            </a:extLst>
+          </p:cNvPr>
+          <p:cNvSpPr txBox="1"/>
+          <p:nvPr/>
+        </p:nvSpPr>
+        <p:spPr>
+          <a:xfrm>
+            <a:off x="5361216" y="277792"/>
+            <a:ext cx="1469569" cy="369332"/>
+          </a:xfrm>
+          <a:prstGeom prst="rect">
+            <a:avLst/>
+          </a:prstGeom>
+          <a:noFill/>
+        </p:spPr>
+        <p:txBody>
+          <a:bodyPr wrap="none" rtlCol="0">
+            <a:spAutoFit/>
+          </a:bodyPr>
+          <a:lstStyle/>
+          <a:p>
+            <a:r>
+              <a:rPr lang="en-GB" dirty="0"/>
+              <a:t>GATK SNP call</a:t>
+            </a:r>
+          </a:p>
+        </p:txBody>
+      </p:sp>
+      <p:sp>
+        <p:nvSpPr>
+          <p:cNvPr id="5" name="TextBox 4">
+            <a:extLst>
+              <a:ext uri="{FF2B5EF4-FFF2-40B4-BE49-F238E27FC236}">
+                <a16:creationId xmlns:a16="http://schemas.microsoft.com/office/drawing/2014/main" id="{321E6931-B8DB-3A49-849B-8FE2E1030096}"/>
+              </a:ext>
+            </a:extLst>
+          </p:cNvPr>
+          <p:cNvSpPr txBox="1"/>
+          <p:nvPr/>
+        </p:nvSpPr>
+        <p:spPr>
+          <a:xfrm>
+            <a:off x="7297304" y="4977113"/>
+            <a:ext cx="4522585" cy="923330"/>
+          </a:xfrm>
+          <a:prstGeom prst="rect">
+            <a:avLst/>
+          </a:prstGeom>
+          <a:noFill/>
+        </p:spPr>
+        <p:txBody>
+          <a:bodyPr wrap="square" rtlCol="0">
+            <a:spAutoFit/>
+          </a:bodyPr>
+          <a:lstStyle/>
+          <a:p>
+            <a:r>
+              <a:rPr lang="en-GB" dirty="0"/>
+              <a:t>Except this difference in the total number of SNPs, the map positions look quite similar but I have not run any statistical tests</a:t>
+            </a:r>
+          </a:p>
+        </p:txBody>
+      </p:sp>
+    </p:spTree>
+    <p:extLst>
+      <p:ext uri="{BB962C8B-B14F-4D97-AF65-F5344CB8AC3E}">
+        <p14:creationId xmlns:p14="http://schemas.microsoft.com/office/powerpoint/2010/main" val="2034600197"/>
+      </p:ext>
+    </p:extLst>
+  </p:cSld>
+  <p:clrMapOvr>
+    <a:masterClrMapping/>
+  </p:clrMapOvr>
+</p:sld>
+</file>
+
+<file path=ppt/slides/slide8.xml><?xml version="1.0" encoding="utf-8"?>
+<p:sld xmlns:a="http://schemas.openxmlformats.org/drawingml/2006/main" xmlns:r="http://schemas.openxmlformats.org/officeDocument/2006/relationships" xmlns:p="http://schemas.openxmlformats.org/presentationml/2006/main">
+  <p:cSld>
+    <p:spTree>
+      <p:nvGrpSpPr>
+        <p:cNvPr id="1" name=""/>
+        <p:cNvGrpSpPr/>
+        <p:nvPr/>
+      </p:nvGrpSpPr>
+      <p:grpSpPr>
+        <a:xfrm>
+          <a:off x="0" y="0"/>
+          <a:ext cx="0" cy="0"/>
+          <a:chOff x="0" y="0"/>
+          <a:chExt cx="0" cy="0"/>
+        </a:xfrm>
+      </p:grpSpPr>
+      <p:sp>
+        <p:nvSpPr>
           <p:cNvPr id="2" name="Rectangle 1">
             <a:extLst>
               <a:ext uri="{FF2B5EF4-FFF2-40B4-BE49-F238E27FC236}">
@@ -4270,263 +5366,6 @@
           </a:p>
         </p:txBody>
       </p:sp>
-      <p:sp>
-        <p:nvSpPr>
-          <p:cNvPr id="3" name="TextBox 2">
-            <a:extLst>
-              <a:ext uri="{FF2B5EF4-FFF2-40B4-BE49-F238E27FC236}">
-                <a16:creationId xmlns:a16="http://schemas.microsoft.com/office/drawing/2014/main" id="{6AF45C4C-3E49-344D-9302-96B66F645438}"/>
-              </a:ext>
-            </a:extLst>
-          </p:cNvPr>
-          <p:cNvSpPr txBox="1"/>
-          <p:nvPr/>
-        </p:nvSpPr>
-        <p:spPr>
-          <a:xfrm>
-            <a:off x="648183" y="2129742"/>
-            <a:ext cx="2426818" cy="369332"/>
-          </a:xfrm>
-          <a:prstGeom prst="rect">
-            <a:avLst/>
-          </a:prstGeom>
-          <a:noFill/>
-        </p:spPr>
-        <p:txBody>
-          <a:bodyPr wrap="none" rtlCol="0">
-            <a:spAutoFit/>
-          </a:bodyPr>
-          <a:lstStyle/>
-          <a:p>
-            <a:r>
-              <a:rPr lang="en-GB" dirty="0"/>
-              <a:t>Density of total markers</a:t>
-            </a:r>
-          </a:p>
-        </p:txBody>
-      </p:sp>
-      <p:sp>
-        <p:nvSpPr>
-          <p:cNvPr id="4" name="TextBox 3">
-            <a:extLst>
-              <a:ext uri="{FF2B5EF4-FFF2-40B4-BE49-F238E27FC236}">
-                <a16:creationId xmlns:a16="http://schemas.microsoft.com/office/drawing/2014/main" id="{716A47BA-6494-014A-8D52-66C78C05ABA1}"/>
-              </a:ext>
-            </a:extLst>
-          </p:cNvPr>
-          <p:cNvSpPr txBox="1"/>
-          <p:nvPr/>
-        </p:nvSpPr>
-        <p:spPr>
-          <a:xfrm>
-            <a:off x="3705829" y="2129742"/>
-            <a:ext cx="2667590" cy="369332"/>
-          </a:xfrm>
-          <a:prstGeom prst="rect">
-            <a:avLst/>
-          </a:prstGeom>
-          <a:noFill/>
-        </p:spPr>
-        <p:txBody>
-          <a:bodyPr wrap="none" rtlCol="0">
-            <a:spAutoFit/>
-          </a:bodyPr>
-          <a:lstStyle/>
-          <a:p>
-            <a:r>
-              <a:rPr lang="en-GB" dirty="0"/>
-              <a:t>Density of neutral markers</a:t>
-            </a:r>
-          </a:p>
-        </p:txBody>
-      </p:sp>
-      <p:sp>
-        <p:nvSpPr>
-          <p:cNvPr id="5" name="TextBox 4">
-            <a:extLst>
-              <a:ext uri="{FF2B5EF4-FFF2-40B4-BE49-F238E27FC236}">
-                <a16:creationId xmlns:a16="http://schemas.microsoft.com/office/drawing/2014/main" id="{74924E8F-9EB0-8848-8E8D-76305B227B64}"/>
-              </a:ext>
-            </a:extLst>
-          </p:cNvPr>
-          <p:cNvSpPr txBox="1"/>
-          <p:nvPr/>
-        </p:nvSpPr>
-        <p:spPr>
-          <a:xfrm>
-            <a:off x="6763475" y="2129742"/>
-            <a:ext cx="2614627" cy="369332"/>
-          </a:xfrm>
-          <a:prstGeom prst="rect">
-            <a:avLst/>
-          </a:prstGeom>
-          <a:noFill/>
-        </p:spPr>
-        <p:txBody>
-          <a:bodyPr wrap="none" rtlCol="0">
-            <a:spAutoFit/>
-          </a:bodyPr>
-          <a:lstStyle/>
-          <a:p>
-            <a:r>
-              <a:rPr lang="en-GB" dirty="0"/>
-              <a:t>Density of outlier markers</a:t>
-            </a:r>
-          </a:p>
-        </p:txBody>
-      </p:sp>
-      <mc:AlternateContent xmlns:mc="http://schemas.openxmlformats.org/markup-compatibility/2006">
-        <mc:Choice xmlns:a14="http://schemas.microsoft.com/office/drawing/2010/main" Requires="a14">
-          <p:sp>
-            <p:nvSpPr>
-              <p:cNvPr id="6" name="TextBox 5">
-                <a:extLst>
-                  <a:ext uri="{FF2B5EF4-FFF2-40B4-BE49-F238E27FC236}">
-                    <a16:creationId xmlns:a16="http://schemas.microsoft.com/office/drawing/2014/main" id="{C40B11A4-C5E2-4444-913B-7E300347554F}"/>
-                  </a:ext>
-                </a:extLst>
-              </p:cNvPr>
-              <p:cNvSpPr txBox="1"/>
-              <p:nvPr/>
-            </p:nvSpPr>
-            <p:spPr>
-              <a:xfrm>
-                <a:off x="648183" y="893633"/>
-                <a:ext cx="250966" cy="521233"/>
-              </a:xfrm>
-              <a:prstGeom prst="rect">
-                <a:avLst/>
-              </a:prstGeom>
-              <a:noFill/>
-            </p:spPr>
-            <p:txBody>
-              <a:bodyPr wrap="none" lIns="0" tIns="0" rIns="0" bIns="0" rtlCol="0">
-                <a:spAutoFit/>
-              </a:bodyPr>
-              <a:lstStyle/>
-              <a:p>
-                <a14:m>
-                  <m:oMathPara xmlns:m="http://schemas.openxmlformats.org/officeDocument/2006/math">
-                    <m:oMathParaPr>
-                      <m:jc m:val="centerGroup"/>
-                    </m:oMathParaPr>
-                    <m:oMath xmlns:m="http://schemas.openxmlformats.org/officeDocument/2006/math">
-                      <m:f>
-                        <m:fPr>
-                          <m:ctrlPr>
-                            <a:rPr lang="en-GB" i="1" smtClean="0">
-                              <a:latin typeface="Cambria Math" panose="02040503050406030204" pitchFamily="18" charset="0"/>
-                            </a:rPr>
-                          </m:ctrlPr>
-                        </m:fPr>
-                        <m:num>
-                          <m:sSub>
-                            <m:sSubPr>
-                              <m:ctrlPr>
-                                <a:rPr lang="en-GB" i="1" smtClean="0">
-                                  <a:latin typeface="Cambria Math" panose="02040503050406030204" pitchFamily="18" charset="0"/>
-                                </a:rPr>
-                              </m:ctrlPr>
-                            </m:sSubPr>
-                            <m:e>
-                              <m:r>
-                                <a:rPr lang="sv-SE" b="0" i="1" smtClean="0">
-                                  <a:latin typeface="Cambria Math" panose="02040503050406030204" pitchFamily="18" charset="0"/>
-                                </a:rPr>
-                                <m:t>𝑥</m:t>
-                              </m:r>
-                            </m:e>
-                            <m:sub>
-                              <m:r>
-                                <a:rPr lang="sv-SE" b="0" i="1" smtClean="0">
-                                  <a:latin typeface="Cambria Math" panose="02040503050406030204" pitchFamily="18" charset="0"/>
-                                </a:rPr>
-                                <m:t>𝑖</m:t>
-                              </m:r>
-                            </m:sub>
-                          </m:sSub>
-                        </m:num>
-                        <m:den>
-                          <m:sSub>
-                            <m:sSubPr>
-                              <m:ctrlPr>
-                                <a:rPr lang="en-GB" i="1" smtClean="0">
-                                  <a:latin typeface="Cambria Math" panose="02040503050406030204" pitchFamily="18" charset="0"/>
-                                </a:rPr>
-                              </m:ctrlPr>
-                            </m:sSubPr>
-                            <m:e>
-                              <m:r>
-                                <a:rPr lang="sv-SE" b="0" i="1" smtClean="0">
-                                  <a:latin typeface="Cambria Math" panose="02040503050406030204" pitchFamily="18" charset="0"/>
-                                </a:rPr>
-                                <m:t>𝐿</m:t>
-                              </m:r>
-                            </m:e>
-                            <m:sub>
-                              <m:r>
-                                <a:rPr lang="sv-SE" b="0" i="1" smtClean="0">
-                                  <a:latin typeface="Cambria Math" panose="02040503050406030204" pitchFamily="18" charset="0"/>
-                                </a:rPr>
-                                <m:t>𝑖</m:t>
-                              </m:r>
-                            </m:sub>
-                          </m:sSub>
-                        </m:den>
-                      </m:f>
-                    </m:oMath>
-                  </m:oMathPara>
-                </a14:m>
-                <a:endParaRPr lang="en-GB" dirty="0"/>
-              </a:p>
-            </p:txBody>
-          </p:sp>
-        </mc:Choice>
-        <mc:Fallback>
-          <p:sp>
-            <p:nvSpPr>
-              <p:cNvPr id="6" name="TextBox 5">
-                <a:extLst>
-                  <a:ext uri="{FF2B5EF4-FFF2-40B4-BE49-F238E27FC236}">
-                    <a16:creationId xmlns:a16="http://schemas.microsoft.com/office/drawing/2014/main" id="{C40B11A4-C5E2-4444-913B-7E300347554F}"/>
-                  </a:ext>
-                </a:extLst>
-              </p:cNvPr>
-              <p:cNvSpPr txBox="1">
-                <a:spLocks noRot="1" noChangeAspect="1" noMove="1" noResize="1" noEditPoints="1" noAdjustHandles="1" noChangeArrowheads="1" noChangeShapeType="1" noTextEdit="1"/>
-              </p:cNvSpPr>
-              <p:nvPr/>
-            </p:nvSpPr>
-            <p:spPr>
-              <a:xfrm>
-                <a:off x="648183" y="893633"/>
-                <a:ext cx="250966" cy="521233"/>
-              </a:xfrm>
-              <a:prstGeom prst="rect">
-                <a:avLst/>
-              </a:prstGeom>
-              <a:blipFill>
-                <a:blip r:embed="rId2"/>
-                <a:stretch>
-                  <a:fillRect l="-14286" r="-4762" b="-9524"/>
-                </a:stretch>
-              </a:blipFill>
-            </p:spPr>
-            <p:txBody>
-              <a:bodyPr/>
-              <a:lstStyle/>
-              <a:p>
-                <a:r>
-                  <a:rPr lang="en-GB">
-                    <a:noFill/>
-                  </a:rPr>
-                  <a:t> </a:t>
-                </a:r>
-              </a:p>
-            </p:txBody>
-          </p:sp>
-        </mc:Fallback>
-      </mc:AlternateContent>
       <mc:AlternateContent xmlns:mc="http://schemas.openxmlformats.org/markup-compatibility/2006">
         <mc:Choice xmlns:a14="http://schemas.microsoft.com/office/drawing/2010/main" Requires="a14">
           <p:sp>
@@ -4543,8 +5382,8 @@
             </p:nvSpPr>
             <p:spPr>
               <a:xfrm>
-                <a:off x="1374727" y="840220"/>
-                <a:ext cx="1700274" cy="525978"/>
+                <a:off x="206973" y="1443919"/>
+                <a:ext cx="1823769" cy="525913"/>
               </a:xfrm>
               <a:prstGeom prst="rect">
                 <a:avLst/>
@@ -4557,37 +5396,31 @@
               </a:bodyPr>
               <a:lstStyle/>
               <a:p>
+                <a:pPr/>
                 <a14:m>
                   <m:oMathPara xmlns:m="http://schemas.openxmlformats.org/officeDocument/2006/math">
                     <m:oMathParaPr>
                       <m:jc m:val="centerGroup"/>
                     </m:oMathParaPr>
                     <m:oMath xmlns:m="http://schemas.openxmlformats.org/officeDocument/2006/math">
-                      <m:sSub>
-                        <m:sSubPr>
-                          <m:ctrlPr>
-                            <a:rPr lang="sv-SE" b="0" i="1" smtClean="0">
-                              <a:latin typeface="Cambria Math" panose="02040503050406030204" pitchFamily="18" charset="0"/>
-                            </a:rPr>
-                          </m:ctrlPr>
-                        </m:sSubPr>
-                        <m:e>
-                          <m:r>
-                            <a:rPr lang="sv-SE" b="0" i="1" smtClean="0">
-                              <a:latin typeface="Cambria Math" panose="02040503050406030204" pitchFamily="18" charset="0"/>
-                            </a:rPr>
-                            <m:t>𝑥</m:t>
-                          </m:r>
-                        </m:e>
-                        <m:sub>
-                          <m:r>
-                            <a:rPr lang="sv-SE" b="0" i="1" smtClean="0">
-                              <a:latin typeface="Cambria Math" panose="02040503050406030204" pitchFamily="18" charset="0"/>
-                            </a:rPr>
-                            <m:t>𝑖</m:t>
-                          </m:r>
-                        </m:sub>
-                      </m:sSub>
+                      <m:r>
+                        <a:rPr lang="sv-SE" b="0" i="1" smtClean="0">
+                          <a:latin typeface="Cambria Math" panose="02040503050406030204" pitchFamily="18" charset="0"/>
+                        </a:rPr>
+                        <m:t>𝑛</m:t>
+                      </m:r>
+                      <m:r>
+                        <a:rPr lang="sv-SE" b="0" i="1" smtClean="0">
+                          <a:latin typeface="Cambria Math" panose="02040503050406030204" pitchFamily="18" charset="0"/>
+                        </a:rPr>
+                        <m:t>/</m:t>
+                      </m:r>
+                      <m:r>
+                        <a:rPr lang="sv-SE" b="0" i="1" smtClean="0">
+                          <a:latin typeface="Cambria Math" panose="02040503050406030204" pitchFamily="18" charset="0"/>
+                        </a:rPr>
+                        <m:t>𝑁</m:t>
+                      </m:r>
                       <m:r>
                         <a:rPr lang="sv-SE" b="0" i="1" smtClean="0">
                           <a:latin typeface="Cambria Math" panose="02040503050406030204" pitchFamily="18" charset="0"/>
@@ -4638,7 +5471,7 @@
                             <a:rPr lang="sv-SE" b="0" i="1" smtClean="0">
                               <a:latin typeface="Cambria Math" panose="02040503050406030204" pitchFamily="18" charset="0"/>
                             </a:rPr>
-                            <m:t>𝑚𝑎𝑟𝑘𝑒𝑟𝑠</m:t>
+                            <m:t>𝑚𝑎𝑟𝑘𝑒𝑟</m:t>
                           </m:r>
                         </m:num>
                         <m:den>
@@ -4658,7 +5491,7 @@
                             <a:rPr lang="sv-SE" b="0" i="1" smtClean="0">
                               <a:latin typeface="Cambria Math" panose="02040503050406030204" pitchFamily="18" charset="0"/>
                             </a:rPr>
-                            <m:t>𝑚𝑎𝑟𝑘𝑒𝑟𝑠</m:t>
+                            <m:t>𝑚𝑎𝑟𝑘𝑒𝑟</m:t>
                           </m:r>
                         </m:den>
                       </m:f>
@@ -4687,16 +5520,16 @@
             </p:nvSpPr>
             <p:spPr>
               <a:xfrm>
-                <a:off x="1374727" y="840220"/>
-                <a:ext cx="1700274" cy="525978"/>
+                <a:off x="206973" y="1443919"/>
+                <a:ext cx="1823769" cy="525913"/>
               </a:xfrm>
               <a:prstGeom prst="rect">
                 <a:avLst/>
               </a:prstGeom>
               <a:blipFill>
-                <a:blip r:embed="rId3"/>
+                <a:blip r:embed="rId2"/>
                 <a:stretch>
-                  <a:fillRect l="-1493" t="-6977" r="-2239" b="-27907"/>
+                  <a:fillRect l="-690" t="-7143" r="-2069" b="-30952"/>
                 </a:stretch>
               </a:blipFill>
             </p:spPr>
@@ -4719,10 +5552,10 @@
         <mc:Choice xmlns:a14="http://schemas.microsoft.com/office/drawing/2010/main" Requires="a14">
           <p:sp>
             <p:nvSpPr>
-              <p:cNvPr id="8" name="TextBox 7">
+              <p:cNvPr id="9" name="TextBox 8">
                 <a:extLst>
                   <a:ext uri="{FF2B5EF4-FFF2-40B4-BE49-F238E27FC236}">
-                    <a16:creationId xmlns:a16="http://schemas.microsoft.com/office/drawing/2014/main" id="{DCFA5F45-635D-8040-B09D-4BB9E939B896}"/>
+                    <a16:creationId xmlns:a16="http://schemas.microsoft.com/office/drawing/2014/main" id="{65F2AD20-DA4E-8F47-BBD7-064490A9231A}"/>
                   </a:ext>
                 </a:extLst>
               </p:cNvPr>
@@ -4731,8 +5564,224 @@
             </p:nvSpPr>
             <p:spPr>
               <a:xfrm>
-                <a:off x="3272378" y="964709"/>
-                <a:ext cx="6202082" cy="276999"/>
+                <a:off x="2239804" y="1408401"/>
+                <a:ext cx="3416192" cy="276999"/>
+              </a:xfrm>
+              <a:prstGeom prst="rect">
+                <a:avLst/>
+              </a:prstGeom>
+              <a:noFill/>
+            </p:spPr>
+            <p:txBody>
+              <a:bodyPr wrap="none" lIns="0" tIns="0" rIns="0" bIns="0" rtlCol="0">
+                <a:spAutoFit/>
+              </a:bodyPr>
+              <a:lstStyle/>
+              <a:p>
+                <a14:m>
+                  <m:oMathPara xmlns:m="http://schemas.openxmlformats.org/officeDocument/2006/math">
+                    <m:oMathParaPr>
+                      <m:jc m:val="centerGroup"/>
+                    </m:oMathParaPr>
+                    <m:oMath xmlns:m="http://schemas.openxmlformats.org/officeDocument/2006/math">
+                      <m:sSub>
+                        <m:sSubPr>
+                          <m:ctrlPr>
+                            <a:rPr lang="en-GB" i="1" smtClean="0">
+                              <a:latin typeface="Cambria Math" panose="02040503050406030204" pitchFamily="18" charset="0"/>
+                            </a:rPr>
+                          </m:ctrlPr>
+                        </m:sSubPr>
+                        <m:e>
+                          <m:r>
+                            <a:rPr lang="sv-SE" b="0" i="1" smtClean="0">
+                              <a:latin typeface="Cambria Math" panose="02040503050406030204" pitchFamily="18" charset="0"/>
+                            </a:rPr>
+                            <m:t>𝑛</m:t>
+                          </m:r>
+                        </m:e>
+                        <m:sub>
+                          <m:r>
+                            <a:rPr lang="sv-SE" b="0" i="1" smtClean="0">
+                              <a:latin typeface="Cambria Math" panose="02040503050406030204" pitchFamily="18" charset="0"/>
+                            </a:rPr>
+                            <m:t>𝑖</m:t>
+                          </m:r>
+                        </m:sub>
+                      </m:sSub>
+                      <m:r>
+                        <a:rPr lang="sv-SE" b="0" i="1" smtClean="0">
+                          <a:latin typeface="Cambria Math" panose="02040503050406030204" pitchFamily="18" charset="0"/>
+                        </a:rPr>
+                        <m:t>=</m:t>
+                      </m:r>
+                      <m:r>
+                        <m:rPr>
+                          <m:nor/>
+                        </m:rPr>
+                        <a:rPr lang="sv-SE" b="0" i="0" smtClean="0">
+                          <a:latin typeface="Cambria Math" panose="02040503050406030204" pitchFamily="18" charset="0"/>
+                        </a:rPr>
+                        <m:t>number</m:t>
+                      </m:r>
+                      <m:r>
+                        <m:rPr>
+                          <m:nor/>
+                        </m:rPr>
+                        <a:rPr lang="sv-SE" b="0" i="0" smtClean="0">
+                          <a:latin typeface="Cambria Math" panose="02040503050406030204" pitchFamily="18" charset="0"/>
+                        </a:rPr>
+                        <m:t> </m:t>
+                      </m:r>
+                      <m:r>
+                        <m:rPr>
+                          <m:nor/>
+                        </m:rPr>
+                        <a:rPr lang="sv-SE" b="0" i="0" smtClean="0">
+                          <a:latin typeface="Cambria Math" panose="02040503050406030204" pitchFamily="18" charset="0"/>
+                        </a:rPr>
+                        <m:t>of</m:t>
+                      </m:r>
+                      <m:r>
+                        <m:rPr>
+                          <m:nor/>
+                        </m:rPr>
+                        <a:rPr lang="sv-SE" b="0" i="0" smtClean="0">
+                          <a:latin typeface="Cambria Math" panose="02040503050406030204" pitchFamily="18" charset="0"/>
+                        </a:rPr>
+                        <m:t> </m:t>
+                      </m:r>
+                      <m:r>
+                        <m:rPr>
+                          <m:nor/>
+                        </m:rPr>
+                        <a:rPr lang="sv-SE" b="0" i="0" smtClean="0">
+                          <a:latin typeface="Cambria Math" panose="02040503050406030204" pitchFamily="18" charset="0"/>
+                        </a:rPr>
+                        <m:t>INDELs</m:t>
+                      </m:r>
+                      <m:r>
+                        <m:rPr>
+                          <m:nor/>
+                        </m:rPr>
+                        <a:rPr lang="sv-SE" b="0" i="0" smtClean="0">
+                          <a:latin typeface="Cambria Math" panose="02040503050406030204" pitchFamily="18" charset="0"/>
+                        </a:rPr>
+                        <m:t> </m:t>
+                      </m:r>
+                      <m:r>
+                        <m:rPr>
+                          <m:nor/>
+                        </m:rPr>
+                        <a:rPr lang="sv-SE" b="0" i="0" smtClean="0">
+                          <a:latin typeface="Cambria Math" panose="02040503050406030204" pitchFamily="18" charset="0"/>
+                        </a:rPr>
+                        <m:t>in</m:t>
+                      </m:r>
+                      <m:r>
+                        <m:rPr>
+                          <m:nor/>
+                        </m:rPr>
+                        <a:rPr lang="sv-SE" b="0" i="0" smtClean="0">
+                          <a:latin typeface="Cambria Math" panose="02040503050406030204" pitchFamily="18" charset="0"/>
+                        </a:rPr>
+                        <m:t> </m:t>
+                      </m:r>
+                      <m:r>
+                        <m:rPr>
+                          <m:nor/>
+                        </m:rPr>
+                        <a:rPr lang="sv-SE" b="0" i="0" smtClean="0">
+                          <a:latin typeface="Cambria Math" panose="02040503050406030204" pitchFamily="18" charset="0"/>
+                        </a:rPr>
+                        <m:t>contig</m:t>
+                      </m:r>
+                      <m:r>
+                        <m:rPr>
+                          <m:nor/>
+                        </m:rPr>
+                        <a:rPr lang="sv-SE" b="0" i="0" smtClean="0">
+                          <a:latin typeface="Cambria Math" panose="02040503050406030204" pitchFamily="18" charset="0"/>
+                        </a:rPr>
+                        <m:t> </m:t>
+                      </m:r>
+                      <m:r>
+                        <a:rPr lang="sv-SE" b="0" i="1" smtClean="0">
+                          <a:latin typeface="Cambria Math" panose="02040503050406030204" pitchFamily="18" charset="0"/>
+                        </a:rPr>
+                        <m:t>𝑖</m:t>
+                      </m:r>
+                    </m:oMath>
+                  </m:oMathPara>
+                </a14:m>
+                <a:endParaRPr lang="en-GB" dirty="0"/>
+              </a:p>
+            </p:txBody>
+          </p:sp>
+        </mc:Choice>
+        <mc:Fallback>
+          <p:sp>
+            <p:nvSpPr>
+              <p:cNvPr id="9" name="TextBox 8">
+                <a:extLst>
+                  <a:ext uri="{FF2B5EF4-FFF2-40B4-BE49-F238E27FC236}">
+                    <a16:creationId xmlns:a16="http://schemas.microsoft.com/office/drawing/2014/main" id="{65F2AD20-DA4E-8F47-BBD7-064490A9231A}"/>
+                  </a:ext>
+                </a:extLst>
+              </p:cNvPr>
+              <p:cNvSpPr txBox="1">
+                <a:spLocks noRot="1" noChangeAspect="1" noMove="1" noResize="1" noEditPoints="1" noAdjustHandles="1" noChangeArrowheads="1" noChangeShapeType="1" noTextEdit="1"/>
+              </p:cNvSpPr>
+              <p:nvPr/>
+            </p:nvSpPr>
+            <p:spPr>
+              <a:xfrm>
+                <a:off x="2239804" y="1408401"/>
+                <a:ext cx="3416192" cy="276999"/>
+              </a:xfrm>
+              <a:prstGeom prst="rect">
+                <a:avLst/>
+              </a:prstGeom>
+              <a:blipFill>
+                <a:blip r:embed="rId3"/>
+                <a:stretch>
+                  <a:fillRect l="-370" t="-8696" r="-741" b="-34783"/>
+                </a:stretch>
+              </a:blipFill>
+            </p:spPr>
+            <p:txBody>
+              <a:bodyPr/>
+              <a:lstStyle/>
+              <a:p>
+                <a:r>
+                  <a:rPr lang="en-GB">
+                    <a:noFill/>
+                  </a:rPr>
+                  <a:t> </a:t>
+                </a:r>
+              </a:p>
+            </p:txBody>
+          </p:sp>
+        </mc:Fallback>
+      </mc:AlternateContent>
+      <mc:AlternateContent xmlns:mc="http://schemas.openxmlformats.org/markup-compatibility/2006">
+        <mc:Choice xmlns:a14="http://schemas.microsoft.com/office/drawing/2010/main" Requires="a14">
+          <p:sp>
+            <p:nvSpPr>
+              <p:cNvPr id="10" name="TextBox 9">
+                <a:extLst>
+                  <a:ext uri="{FF2B5EF4-FFF2-40B4-BE49-F238E27FC236}">
+                    <a16:creationId xmlns:a16="http://schemas.microsoft.com/office/drawing/2014/main" id="{6342B62E-145E-0044-B612-F08CEA5E51C7}"/>
+                  </a:ext>
+                </a:extLst>
+              </p:cNvPr>
+              <p:cNvSpPr txBox="1"/>
+              <p:nvPr/>
+            </p:nvSpPr>
+            <p:spPr>
+              <a:xfrm>
+                <a:off x="2239804" y="1764750"/>
+                <a:ext cx="2892651" cy="276999"/>
               </a:xfrm>
               <a:prstGeom prst="rect">
                 <a:avLst/>
@@ -4755,7 +5804,7 @@
                         <a:rPr lang="sv-SE" b="0" i="1" smtClean="0">
                           <a:latin typeface="Cambria Math" panose="02040503050406030204" pitchFamily="18" charset="0"/>
                         </a:rPr>
-                        <m:t>𝑖</m:t>
+                        <m:t>𝑁</m:t>
                       </m:r>
                       <m:r>
                         <a:rPr lang="sv-SE" b="0" i="1" smtClean="0">
@@ -4770,69 +5819,12 @@
                         <a:rPr lang="sv-SE" b="0" i="0" smtClean="0">
                           <a:latin typeface="Cambria Math" panose="02040503050406030204" pitchFamily="18" charset="0"/>
                         </a:rPr>
-                        <m:t>contig</m:t>
-                      </m:r>
-                      <m:r>
-                        <a:rPr lang="sv-SE" b="0" i="0" smtClean="0">
-                          <a:latin typeface="Cambria Math" panose="02040503050406030204" pitchFamily="18" charset="0"/>
-                        </a:rPr>
-                        <m:t>;</m:t>
+                        <m:t>Total</m:t>
                       </m:r>
                       <m:r>
                         <m:rPr>
-                          <m:sty m:val="p"/>
+                          <m:nor/>
                         </m:rPr>
-                        <a:rPr lang="sv-SE" b="0" i="0" smtClean="0">
-                          <a:latin typeface="Cambria Math" panose="02040503050406030204" pitchFamily="18" charset="0"/>
-                        </a:rPr>
-                        <m:t>L</m:t>
-                      </m:r>
-                      <m:r>
-                        <a:rPr lang="sv-SE" b="0" i="0" smtClean="0">
-                          <a:latin typeface="Cambria Math" panose="02040503050406030204" pitchFamily="18" charset="0"/>
-                        </a:rPr>
-                        <m:t>=</m:t>
-                      </m:r>
-                      <m:r>
-                        <m:rPr>
-                          <m:sty m:val="p"/>
-                        </m:rPr>
-                        <a:rPr lang="sv-SE" b="0" i="0" smtClean="0">
-                          <a:latin typeface="Cambria Math" panose="02040503050406030204" pitchFamily="18" charset="0"/>
-                        </a:rPr>
-                        <m:t>length</m:t>
-                      </m:r>
-                      <m:r>
-                        <a:rPr lang="sv-SE" b="0" i="0" smtClean="0">
-                          <a:latin typeface="Cambria Math" panose="02040503050406030204" pitchFamily="18" charset="0"/>
-                        </a:rPr>
-                        <m:t>;</m:t>
-                      </m:r>
-                      <m:r>
-                        <m:rPr>
-                          <m:sty m:val="p"/>
-                        </m:rPr>
-                        <a:rPr lang="sv-SE" b="0" i="0" smtClean="0">
-                          <a:latin typeface="Cambria Math" panose="02040503050406030204" pitchFamily="18" charset="0"/>
-                        </a:rPr>
-                        <m:t>n</m:t>
-                      </m:r>
-                      <m:r>
-                        <a:rPr lang="sv-SE" b="0" i="0" smtClean="0">
-                          <a:latin typeface="Cambria Math" panose="02040503050406030204" pitchFamily="18" charset="0"/>
-                        </a:rPr>
-                        <m:t>=</m:t>
-                      </m:r>
-                      <m:r>
-                        <m:rPr>
-                          <m:sty m:val="p"/>
-                        </m:rPr>
-                        <a:rPr lang="sv-SE" b="0" i="0" smtClean="0">
-                          <a:latin typeface="Cambria Math" panose="02040503050406030204" pitchFamily="18" charset="0"/>
-                        </a:rPr>
-                        <m:t>relative</m:t>
-                      </m:r>
-                      <m:r>
                         <a:rPr lang="sv-SE" b="0" i="0" smtClean="0">
                           <a:latin typeface="Cambria Math" panose="02040503050406030204" pitchFamily="18" charset="0"/>
                         </a:rPr>
@@ -4840,7 +5832,7 @@
                       </m:r>
                       <m:r>
                         <m:rPr>
-                          <m:sty m:val="p"/>
+                          <m:nor/>
                         </m:rPr>
                         <a:rPr lang="sv-SE" b="0" i="0" smtClean="0">
                           <a:latin typeface="Cambria Math" panose="02040503050406030204" pitchFamily="18" charset="0"/>
@@ -4848,36 +5840,9 @@
                         <m:t>number</m:t>
                       </m:r>
                       <m:r>
-                        <a:rPr lang="sv-SE" b="0" i="0" smtClean="0">
-                          <a:latin typeface="Cambria Math" panose="02040503050406030204" pitchFamily="18" charset="0"/>
-                        </a:rPr>
-                        <m:t>;</m:t>
-                      </m:r>
-                      <m:r>
                         <m:rPr>
-                          <m:sty m:val="p"/>
+                          <m:nor/>
                         </m:rPr>
-                        <a:rPr lang="sv-SE" b="0" i="0" smtClean="0">
-                          <a:latin typeface="Cambria Math" panose="02040503050406030204" pitchFamily="18" charset="0"/>
-                        </a:rPr>
-                        <m:t>N</m:t>
-                      </m:r>
-                      <m:r>
-                        <a:rPr lang="sv-SE" b="0" i="0" smtClean="0">
-                          <a:latin typeface="Cambria Math" panose="02040503050406030204" pitchFamily="18" charset="0"/>
-                        </a:rPr>
-                        <m:t>=</m:t>
-                      </m:r>
-                      <m:r>
-                        <m:rPr>
-                          <m:sty m:val="p"/>
-                        </m:rPr>
-                        <a:rPr lang="sv-SE" b="0" i="0" smtClean="0">
-                          <a:latin typeface="Cambria Math" panose="02040503050406030204" pitchFamily="18" charset="0"/>
-                        </a:rPr>
-                        <m:t>total</m:t>
-                      </m:r>
-                      <m:r>
                         <a:rPr lang="sv-SE" b="0" i="0" smtClean="0">
                           <a:latin typeface="Cambria Math" panose="02040503050406030204" pitchFamily="18" charset="0"/>
                         </a:rPr>
@@ -4885,12 +5850,30 @@
                       </m:r>
                       <m:r>
                         <m:rPr>
-                          <m:sty m:val="p"/>
+                          <m:nor/>
                         </m:rPr>
                         <a:rPr lang="sv-SE" b="0" i="0" smtClean="0">
                           <a:latin typeface="Cambria Math" panose="02040503050406030204" pitchFamily="18" charset="0"/>
                         </a:rPr>
-                        <m:t>number</m:t>
+                        <m:t>of</m:t>
+                      </m:r>
+                      <m:r>
+                        <m:rPr>
+                          <m:nor/>
+                        </m:rPr>
+                        <a:rPr lang="sv-SE" b="0" i="0" smtClean="0">
+                          <a:latin typeface="Cambria Math" panose="02040503050406030204" pitchFamily="18" charset="0"/>
+                        </a:rPr>
+                        <m:t> </m:t>
+                      </m:r>
+                      <m:r>
+                        <m:rPr>
+                          <m:nor/>
+                        </m:rPr>
+                        <a:rPr lang="sv-SE" b="0" i="0" smtClean="0">
+                          <a:latin typeface="Cambria Math" panose="02040503050406030204" pitchFamily="18" charset="0"/>
+                        </a:rPr>
+                        <m:t>INDELs</m:t>
                       </m:r>
                     </m:oMath>
                   </m:oMathPara>
@@ -4903,10 +5886,10 @@
         <mc:Fallback>
           <p:sp>
             <p:nvSpPr>
-              <p:cNvPr id="8" name="TextBox 7">
+              <p:cNvPr id="10" name="TextBox 9">
                 <a:extLst>
                   <a:ext uri="{FF2B5EF4-FFF2-40B4-BE49-F238E27FC236}">
-                    <a16:creationId xmlns:a16="http://schemas.microsoft.com/office/drawing/2014/main" id="{DCFA5F45-635D-8040-B09D-4BB9E939B896}"/>
+                    <a16:creationId xmlns:a16="http://schemas.microsoft.com/office/drawing/2014/main" id="{6342B62E-145E-0044-B612-F08CEA5E51C7}"/>
                   </a:ext>
                 </a:extLst>
               </p:cNvPr>
@@ -4917,8 +5900,8 @@
             </p:nvSpPr>
             <p:spPr>
               <a:xfrm>
-                <a:off x="3272378" y="964709"/>
-                <a:ext cx="6202082" cy="276999"/>
+                <a:off x="2239804" y="1764750"/>
+                <a:ext cx="2892651" cy="276999"/>
               </a:xfrm>
               <a:prstGeom prst="rect">
                 <a:avLst/>
@@ -4926,7 +5909,7 @@
               <a:blipFill>
                 <a:blip r:embed="rId4"/>
                 <a:stretch>
-                  <a:fillRect t="-4348" b="-34783"/>
+                  <a:fillRect l="-873" t="-4348" r="-1310" b="-30435"/>
                 </a:stretch>
               </a:blipFill>
             </p:spPr>
@@ -4945,10 +5928,908 @@
           </p:sp>
         </mc:Fallback>
       </mc:AlternateContent>
+      <p:sp>
+        <p:nvSpPr>
+          <p:cNvPr id="12" name="TextBox 11">
+            <a:extLst>
+              <a:ext uri="{FF2B5EF4-FFF2-40B4-BE49-F238E27FC236}">
+                <a16:creationId xmlns:a16="http://schemas.microsoft.com/office/drawing/2014/main" id="{EE2B360A-DD67-7142-A309-F624C4AD0FFE}"/>
+              </a:ext>
+            </a:extLst>
+          </p:cNvPr>
+          <p:cNvSpPr txBox="1"/>
+          <p:nvPr/>
+        </p:nvSpPr>
+        <p:spPr>
+          <a:xfrm>
+            <a:off x="528115" y="811350"/>
+            <a:ext cx="3270447" cy="369332"/>
+          </a:xfrm>
+          <a:prstGeom prst="rect">
+            <a:avLst/>
+          </a:prstGeom>
+          <a:noFill/>
+        </p:spPr>
+        <p:txBody>
+          <a:bodyPr wrap="none" rtlCol="0">
+            <a:spAutoFit/>
+          </a:bodyPr>
+          <a:lstStyle/>
+          <a:p>
+            <a:pPr marL="285750" indent="-285750">
+              <a:buFont typeface="Arial" panose="020B0604020202020204" pitchFamily="34" charset="0"/>
+              <a:buChar char="•"/>
+            </a:pPr>
+            <a:r>
+              <a:rPr lang="en-GB" dirty="0"/>
+              <a:t>All INDELs = clinal + non-clinal</a:t>
+            </a:r>
+          </a:p>
+        </p:txBody>
+      </p:sp>
+      <p:pic>
+        <p:nvPicPr>
+          <p:cNvPr id="18" name="Picture 17">
+            <a:extLst>
+              <a:ext uri="{FF2B5EF4-FFF2-40B4-BE49-F238E27FC236}">
+                <a16:creationId xmlns:a16="http://schemas.microsoft.com/office/drawing/2014/main" id="{3A6E1AE8-CC84-5D43-8042-501E7887701C}"/>
+              </a:ext>
+            </a:extLst>
+          </p:cNvPr>
+          <p:cNvPicPr>
+            <a:picLocks noChangeAspect="1"/>
+          </p:cNvPicPr>
+          <p:nvPr/>
+        </p:nvPicPr>
+        <p:blipFill>
+          <a:blip r:embed="rId5"/>
+          <a:stretch>
+            <a:fillRect/>
+          </a:stretch>
+        </p:blipFill>
+        <p:spPr>
+          <a:xfrm>
+            <a:off x="89627" y="2041749"/>
+            <a:ext cx="5960697" cy="3960000"/>
+          </a:xfrm>
+          <a:prstGeom prst="rect">
+            <a:avLst/>
+          </a:prstGeom>
+        </p:spPr>
+      </p:pic>
+      <p:pic>
+        <p:nvPicPr>
+          <p:cNvPr id="20" name="Picture 19">
+            <a:extLst>
+              <a:ext uri="{FF2B5EF4-FFF2-40B4-BE49-F238E27FC236}">
+                <a16:creationId xmlns:a16="http://schemas.microsoft.com/office/drawing/2014/main" id="{90670FAE-1DA9-3946-84FF-21B14E688E33}"/>
+              </a:ext>
+            </a:extLst>
+          </p:cNvPr>
+          <p:cNvPicPr>
+            <a:picLocks noChangeAspect="1"/>
+          </p:cNvPicPr>
+          <p:nvPr/>
+        </p:nvPicPr>
+        <p:blipFill>
+          <a:blip r:embed="rId6"/>
+          <a:stretch>
+            <a:fillRect/>
+          </a:stretch>
+        </p:blipFill>
+        <p:spPr>
+          <a:xfrm>
+            <a:off x="6166082" y="2041749"/>
+            <a:ext cx="5960697" cy="3960000"/>
+          </a:xfrm>
+          <a:prstGeom prst="rect">
+            <a:avLst/>
+          </a:prstGeom>
+        </p:spPr>
+      </p:pic>
+      <p:sp>
+        <p:nvSpPr>
+          <p:cNvPr id="21" name="TextBox 20">
+            <a:extLst>
+              <a:ext uri="{FF2B5EF4-FFF2-40B4-BE49-F238E27FC236}">
+                <a16:creationId xmlns:a16="http://schemas.microsoft.com/office/drawing/2014/main" id="{EB528DF0-ED52-C643-A25D-EE710F3E6CF2}"/>
+              </a:ext>
+            </a:extLst>
+          </p:cNvPr>
+          <p:cNvSpPr txBox="1"/>
+          <p:nvPr/>
+        </p:nvSpPr>
+        <p:spPr>
+          <a:xfrm>
+            <a:off x="89627" y="6090207"/>
+            <a:ext cx="6382132" cy="369332"/>
+          </a:xfrm>
+          <a:prstGeom prst="rect">
+            <a:avLst/>
+          </a:prstGeom>
+          <a:noFill/>
+        </p:spPr>
+        <p:txBody>
+          <a:bodyPr wrap="none" rtlCol="0">
+            <a:spAutoFit/>
+          </a:bodyPr>
+          <a:lstStyle/>
+          <a:p>
+            <a:r>
+              <a:rPr lang="en-GB" i="1" dirty="0"/>
+              <a:t>Figure 1. Proportions (left) and counts (right) of INDELs per contig.</a:t>
+            </a:r>
+          </a:p>
+        </p:txBody>
+      </p:sp>
     </p:spTree>
     <p:extLst>
       <p:ext uri="{BB962C8B-B14F-4D97-AF65-F5344CB8AC3E}">
         <p14:creationId xmlns:p14="http://schemas.microsoft.com/office/powerpoint/2010/main" val="2585403068"/>
+      </p:ext>
+    </p:extLst>
+  </p:cSld>
+  <p:clrMapOvr>
+    <a:masterClrMapping/>
+  </p:clrMapOvr>
+</p:sld>
+</file>
+
+<file path=ppt/slides/slide9.xml><?xml version="1.0" encoding="utf-8"?>
+<p:sld xmlns:a="http://schemas.openxmlformats.org/drawingml/2006/main" xmlns:r="http://schemas.openxmlformats.org/officeDocument/2006/relationships" xmlns:p="http://schemas.openxmlformats.org/presentationml/2006/main">
+  <p:cSld>
+    <p:spTree>
+      <p:nvGrpSpPr>
+        <p:cNvPr id="1" name=""/>
+        <p:cNvGrpSpPr/>
+        <p:nvPr/>
+      </p:nvGrpSpPr>
+      <p:grpSpPr>
+        <a:xfrm>
+          <a:off x="0" y="0"/>
+          <a:ext cx="0" cy="0"/>
+          <a:chOff x="0" y="0"/>
+          <a:chExt cx="0" cy="0"/>
+        </a:xfrm>
+      </p:grpSpPr>
+      <p:sp>
+        <p:nvSpPr>
+          <p:cNvPr id="2" name="Rectangle 1">
+            <a:extLst>
+              <a:ext uri="{FF2B5EF4-FFF2-40B4-BE49-F238E27FC236}">
+                <a16:creationId xmlns:a16="http://schemas.microsoft.com/office/drawing/2014/main" id="{28EB9195-3465-C644-B592-B32C34D4FFCF}"/>
+              </a:ext>
+            </a:extLst>
+          </p:cNvPr>
+          <p:cNvSpPr/>
+          <p:nvPr/>
+        </p:nvSpPr>
+        <p:spPr>
+          <a:xfrm>
+            <a:off x="528115" y="409596"/>
+            <a:ext cx="4088812" cy="369332"/>
+          </a:xfrm>
+          <a:prstGeom prst="rect">
+            <a:avLst/>
+          </a:prstGeom>
+        </p:spPr>
+        <p:txBody>
+          <a:bodyPr wrap="none">
+            <a:spAutoFit/>
+          </a:bodyPr>
+          <a:lstStyle/>
+          <a:p>
+            <a:pPr marL="342900" indent="-342900">
+              <a:buFont typeface="+mj-lt"/>
+              <a:buAutoNum type="arabicPeriod" startAt="2"/>
+            </a:pPr>
+            <a:r>
+              <a:rPr lang="en-GB" dirty="0"/>
+              <a:t>Clustering of (different types) markers</a:t>
+            </a:r>
+          </a:p>
+        </p:txBody>
+      </p:sp>
+      <mc:AlternateContent xmlns:mc="http://schemas.openxmlformats.org/markup-compatibility/2006">
+        <mc:Choice xmlns:a14="http://schemas.microsoft.com/office/drawing/2010/main" Requires="a14">
+          <p:sp>
+            <p:nvSpPr>
+              <p:cNvPr id="7" name="TextBox 6">
+                <a:extLst>
+                  <a:ext uri="{FF2B5EF4-FFF2-40B4-BE49-F238E27FC236}">
+                    <a16:creationId xmlns:a16="http://schemas.microsoft.com/office/drawing/2014/main" id="{B0082A03-EA58-CA4D-8F3E-8226862CB7E3}"/>
+                  </a:ext>
+                </a:extLst>
+              </p:cNvPr>
+              <p:cNvSpPr txBox="1"/>
+              <p:nvPr/>
+            </p:nvSpPr>
+            <p:spPr>
+              <a:xfrm>
+                <a:off x="146150" y="1464702"/>
+                <a:ext cx="1823769" cy="525913"/>
+              </a:xfrm>
+              <a:prstGeom prst="rect">
+                <a:avLst/>
+              </a:prstGeom>
+              <a:noFill/>
+            </p:spPr>
+            <p:txBody>
+              <a:bodyPr wrap="none" lIns="0" tIns="0" rIns="0" bIns="0" rtlCol="0">
+                <a:spAutoFit/>
+              </a:bodyPr>
+              <a:lstStyle/>
+              <a:p>
+                <a:pPr/>
+                <a14:m>
+                  <m:oMathPara xmlns:m="http://schemas.openxmlformats.org/officeDocument/2006/math">
+                    <m:oMathParaPr>
+                      <m:jc m:val="centerGroup"/>
+                    </m:oMathParaPr>
+                    <m:oMath xmlns:m="http://schemas.openxmlformats.org/officeDocument/2006/math">
+                      <m:r>
+                        <a:rPr lang="sv-SE" b="0" i="1" smtClean="0">
+                          <a:latin typeface="Cambria Math" panose="02040503050406030204" pitchFamily="18" charset="0"/>
+                        </a:rPr>
+                        <m:t>𝑛</m:t>
+                      </m:r>
+                      <m:r>
+                        <a:rPr lang="sv-SE" b="0" i="1" smtClean="0">
+                          <a:latin typeface="Cambria Math" panose="02040503050406030204" pitchFamily="18" charset="0"/>
+                        </a:rPr>
+                        <m:t>/</m:t>
+                      </m:r>
+                      <m:r>
+                        <a:rPr lang="sv-SE" b="0" i="1" smtClean="0">
+                          <a:latin typeface="Cambria Math" panose="02040503050406030204" pitchFamily="18" charset="0"/>
+                        </a:rPr>
+                        <m:t>𝑁</m:t>
+                      </m:r>
+                      <m:r>
+                        <a:rPr lang="sv-SE" b="0" i="1" smtClean="0">
+                          <a:latin typeface="Cambria Math" panose="02040503050406030204" pitchFamily="18" charset="0"/>
+                        </a:rPr>
+                        <m:t>=</m:t>
+                      </m:r>
+                      <m:f>
+                        <m:fPr>
+                          <m:ctrlPr>
+                            <a:rPr lang="sv-SE" b="0" i="1" smtClean="0">
+                              <a:latin typeface="Cambria Math" panose="02040503050406030204" pitchFamily="18" charset="0"/>
+                            </a:rPr>
+                          </m:ctrlPr>
+                        </m:fPr>
+                        <m:num>
+                          <m:sSub>
+                            <m:sSubPr>
+                              <m:ctrlPr>
+                                <a:rPr lang="sv-SE" b="0" i="1" smtClean="0">
+                                  <a:latin typeface="Cambria Math" panose="02040503050406030204" pitchFamily="18" charset="0"/>
+                                </a:rPr>
+                              </m:ctrlPr>
+                            </m:sSubPr>
+                            <m:e>
+                              <m:r>
+                                <a:rPr lang="sv-SE" b="0" i="1" smtClean="0">
+                                  <a:latin typeface="Cambria Math" panose="02040503050406030204" pitchFamily="18" charset="0"/>
+                                </a:rPr>
+                                <m:t>𝑛</m:t>
+                              </m:r>
+                            </m:e>
+                            <m:sub>
+                              <m:r>
+                                <a:rPr lang="sv-SE" b="0" i="1" smtClean="0">
+                                  <a:latin typeface="Cambria Math" panose="02040503050406030204" pitchFamily="18" charset="0"/>
+                                </a:rPr>
+                                <m:t>𝑖</m:t>
+                              </m:r>
+                            </m:sub>
+                          </m:sSub>
+                          <m:r>
+                            <a:rPr lang="sv-SE" b="0" i="1" smtClean="0">
+                              <a:latin typeface="Cambria Math" panose="02040503050406030204" pitchFamily="18" charset="0"/>
+                            </a:rPr>
+                            <m:t> </m:t>
+                          </m:r>
+                          <m:r>
+                            <a:rPr lang="sv-SE" b="0" i="1" smtClean="0">
+                              <a:latin typeface="Cambria Math" panose="02040503050406030204" pitchFamily="18" charset="0"/>
+                            </a:rPr>
+                            <m:t>𝑚𝑎𝑟𝑘𝑒𝑟</m:t>
+                          </m:r>
+                        </m:num>
+                        <m:den>
+                          <m:r>
+                            <a:rPr lang="sv-SE" b="0" i="1" smtClean="0">
+                              <a:latin typeface="Cambria Math" panose="02040503050406030204" pitchFamily="18" charset="0"/>
+                            </a:rPr>
+                            <m:t>𝑁</m:t>
+                          </m:r>
+                          <m:r>
+                            <a:rPr lang="sv-SE" b="0" i="1" smtClean="0">
+                              <a:latin typeface="Cambria Math" panose="02040503050406030204" pitchFamily="18" charset="0"/>
+                            </a:rPr>
+                            <m:t> </m:t>
+                          </m:r>
+                          <m:r>
+                            <a:rPr lang="sv-SE" b="0" i="1" smtClean="0">
+                              <a:latin typeface="Cambria Math" panose="02040503050406030204" pitchFamily="18" charset="0"/>
+                            </a:rPr>
+                            <m:t>𝑚𝑎𝑟𝑘𝑒𝑟</m:t>
+                          </m:r>
+                        </m:den>
+                      </m:f>
+                    </m:oMath>
+                  </m:oMathPara>
+                </a14:m>
+                <a:endParaRPr lang="en-GB" dirty="0"/>
+              </a:p>
+            </p:txBody>
+          </p:sp>
+        </mc:Choice>
+        <mc:Fallback>
+          <p:sp>
+            <p:nvSpPr>
+              <p:cNvPr id="7" name="TextBox 6">
+                <a:extLst>
+                  <a:ext uri="{FF2B5EF4-FFF2-40B4-BE49-F238E27FC236}">
+                    <a16:creationId xmlns:a16="http://schemas.microsoft.com/office/drawing/2014/main" id="{B0082A03-EA58-CA4D-8F3E-8226862CB7E3}"/>
+                  </a:ext>
+                </a:extLst>
+              </p:cNvPr>
+              <p:cNvSpPr txBox="1">
+                <a:spLocks noRot="1" noChangeAspect="1" noMove="1" noResize="1" noEditPoints="1" noAdjustHandles="1" noChangeArrowheads="1" noChangeShapeType="1" noTextEdit="1"/>
+              </p:cNvSpPr>
+              <p:nvPr/>
+            </p:nvSpPr>
+            <p:spPr>
+              <a:xfrm>
+                <a:off x="146150" y="1464702"/>
+                <a:ext cx="1823769" cy="525913"/>
+              </a:xfrm>
+              <a:prstGeom prst="rect">
+                <a:avLst/>
+              </a:prstGeom>
+              <a:blipFill>
+                <a:blip r:embed="rId2"/>
+                <a:stretch>
+                  <a:fillRect l="-2098" t="-6977" r="-2098" b="-27907"/>
+                </a:stretch>
+              </a:blipFill>
+            </p:spPr>
+            <p:txBody>
+              <a:bodyPr/>
+              <a:lstStyle/>
+              <a:p>
+                <a:r>
+                  <a:rPr lang="en-GB">
+                    <a:noFill/>
+                  </a:rPr>
+                  <a:t> </a:t>
+                </a:r>
+              </a:p>
+            </p:txBody>
+          </p:sp>
+        </mc:Fallback>
+      </mc:AlternateContent>
+      <mc:AlternateContent xmlns:mc="http://schemas.openxmlformats.org/markup-compatibility/2006">
+        <mc:Choice xmlns:a14="http://schemas.microsoft.com/office/drawing/2010/main" Requires="a14">
+          <p:sp>
+            <p:nvSpPr>
+              <p:cNvPr id="9" name="TextBox 8">
+                <a:extLst>
+                  <a:ext uri="{FF2B5EF4-FFF2-40B4-BE49-F238E27FC236}">
+                    <a16:creationId xmlns:a16="http://schemas.microsoft.com/office/drawing/2014/main" id="{65F2AD20-DA4E-8F47-BBD7-064490A9231A}"/>
+                  </a:ext>
+                </a:extLst>
+              </p:cNvPr>
+              <p:cNvSpPr txBox="1"/>
+              <p:nvPr/>
+            </p:nvSpPr>
+            <p:spPr>
+              <a:xfrm>
+                <a:off x="2178981" y="1429184"/>
+                <a:ext cx="3175741" cy="276999"/>
+              </a:xfrm>
+              <a:prstGeom prst="rect">
+                <a:avLst/>
+              </a:prstGeom>
+              <a:noFill/>
+            </p:spPr>
+            <p:txBody>
+              <a:bodyPr wrap="none" lIns="0" tIns="0" rIns="0" bIns="0" rtlCol="0">
+                <a:spAutoFit/>
+              </a:bodyPr>
+              <a:lstStyle/>
+              <a:p>
+                <a14:m>
+                  <m:oMathPara xmlns:m="http://schemas.openxmlformats.org/officeDocument/2006/math">
+                    <m:oMathParaPr>
+                      <m:jc m:val="centerGroup"/>
+                    </m:oMathParaPr>
+                    <m:oMath xmlns:m="http://schemas.openxmlformats.org/officeDocument/2006/math">
+                      <m:sSub>
+                        <m:sSubPr>
+                          <m:ctrlPr>
+                            <a:rPr lang="en-GB" i="1" smtClean="0">
+                              <a:latin typeface="Cambria Math" panose="02040503050406030204" pitchFamily="18" charset="0"/>
+                            </a:rPr>
+                          </m:ctrlPr>
+                        </m:sSubPr>
+                        <m:e>
+                          <m:r>
+                            <a:rPr lang="sv-SE" b="0" i="1" smtClean="0">
+                              <a:latin typeface="Cambria Math" panose="02040503050406030204" pitchFamily="18" charset="0"/>
+                            </a:rPr>
+                            <m:t>𝑛</m:t>
+                          </m:r>
+                        </m:e>
+                        <m:sub>
+                          <m:r>
+                            <a:rPr lang="sv-SE" b="0" i="1" smtClean="0">
+                              <a:latin typeface="Cambria Math" panose="02040503050406030204" pitchFamily="18" charset="0"/>
+                            </a:rPr>
+                            <m:t>𝑖</m:t>
+                          </m:r>
+                        </m:sub>
+                      </m:sSub>
+                      <m:r>
+                        <a:rPr lang="sv-SE" b="0" i="1" smtClean="0">
+                          <a:latin typeface="Cambria Math" panose="02040503050406030204" pitchFamily="18" charset="0"/>
+                        </a:rPr>
+                        <m:t>=</m:t>
+                      </m:r>
+                      <m:r>
+                        <m:rPr>
+                          <m:nor/>
+                        </m:rPr>
+                        <a:rPr lang="sv-SE" b="0" i="0" smtClean="0">
+                          <a:latin typeface="Cambria Math" panose="02040503050406030204" pitchFamily="18" charset="0"/>
+                        </a:rPr>
+                        <m:t>number</m:t>
+                      </m:r>
+                      <m:r>
+                        <m:rPr>
+                          <m:nor/>
+                        </m:rPr>
+                        <a:rPr lang="sv-SE" b="0" i="0" smtClean="0">
+                          <a:latin typeface="Cambria Math" panose="02040503050406030204" pitchFamily="18" charset="0"/>
+                        </a:rPr>
+                        <m:t> </m:t>
+                      </m:r>
+                      <m:r>
+                        <m:rPr>
+                          <m:nor/>
+                        </m:rPr>
+                        <a:rPr lang="sv-SE" b="0" i="0" smtClean="0">
+                          <a:latin typeface="Cambria Math" panose="02040503050406030204" pitchFamily="18" charset="0"/>
+                        </a:rPr>
+                        <m:t>of</m:t>
+                      </m:r>
+                      <m:r>
+                        <m:rPr>
+                          <m:nor/>
+                        </m:rPr>
+                        <a:rPr lang="sv-SE" b="0" i="0" smtClean="0">
+                          <a:latin typeface="Cambria Math" panose="02040503050406030204" pitchFamily="18" charset="0"/>
+                        </a:rPr>
+                        <m:t> </m:t>
+                      </m:r>
+                      <m:r>
+                        <m:rPr>
+                          <m:nor/>
+                        </m:rPr>
+                        <a:rPr lang="sv-SE" b="0" i="0" smtClean="0">
+                          <a:latin typeface="Cambria Math" panose="02040503050406030204" pitchFamily="18" charset="0"/>
+                        </a:rPr>
+                        <m:t>SNPs</m:t>
+                      </m:r>
+                      <m:r>
+                        <m:rPr>
+                          <m:nor/>
+                        </m:rPr>
+                        <a:rPr lang="sv-SE" b="0" i="0" smtClean="0">
+                          <a:latin typeface="Cambria Math" panose="02040503050406030204" pitchFamily="18" charset="0"/>
+                        </a:rPr>
+                        <m:t> </m:t>
+                      </m:r>
+                      <m:r>
+                        <m:rPr>
+                          <m:nor/>
+                        </m:rPr>
+                        <a:rPr lang="sv-SE" b="0" i="0" smtClean="0">
+                          <a:latin typeface="Cambria Math" panose="02040503050406030204" pitchFamily="18" charset="0"/>
+                        </a:rPr>
+                        <m:t>in</m:t>
+                      </m:r>
+                      <m:r>
+                        <m:rPr>
+                          <m:nor/>
+                        </m:rPr>
+                        <a:rPr lang="sv-SE" b="0" i="0" smtClean="0">
+                          <a:latin typeface="Cambria Math" panose="02040503050406030204" pitchFamily="18" charset="0"/>
+                        </a:rPr>
+                        <m:t> </m:t>
+                      </m:r>
+                      <m:r>
+                        <m:rPr>
+                          <m:nor/>
+                        </m:rPr>
+                        <a:rPr lang="sv-SE" b="0" i="0" smtClean="0">
+                          <a:latin typeface="Cambria Math" panose="02040503050406030204" pitchFamily="18" charset="0"/>
+                        </a:rPr>
+                        <m:t>contig</m:t>
+                      </m:r>
+                      <m:r>
+                        <m:rPr>
+                          <m:nor/>
+                        </m:rPr>
+                        <a:rPr lang="sv-SE" b="0" i="0" smtClean="0">
+                          <a:latin typeface="Cambria Math" panose="02040503050406030204" pitchFamily="18" charset="0"/>
+                        </a:rPr>
+                        <m:t> </m:t>
+                      </m:r>
+                      <m:r>
+                        <a:rPr lang="sv-SE" b="0" i="1" smtClean="0">
+                          <a:latin typeface="Cambria Math" panose="02040503050406030204" pitchFamily="18" charset="0"/>
+                        </a:rPr>
+                        <m:t>𝑖</m:t>
+                      </m:r>
+                    </m:oMath>
+                  </m:oMathPara>
+                </a14:m>
+                <a:endParaRPr lang="en-GB" dirty="0"/>
+              </a:p>
+            </p:txBody>
+          </p:sp>
+        </mc:Choice>
+        <mc:Fallback>
+          <p:sp>
+            <p:nvSpPr>
+              <p:cNvPr id="9" name="TextBox 8">
+                <a:extLst>
+                  <a:ext uri="{FF2B5EF4-FFF2-40B4-BE49-F238E27FC236}">
+                    <a16:creationId xmlns:a16="http://schemas.microsoft.com/office/drawing/2014/main" id="{65F2AD20-DA4E-8F47-BBD7-064490A9231A}"/>
+                  </a:ext>
+                </a:extLst>
+              </p:cNvPr>
+              <p:cNvSpPr txBox="1">
+                <a:spLocks noRot="1" noChangeAspect="1" noMove="1" noResize="1" noEditPoints="1" noAdjustHandles="1" noChangeArrowheads="1" noChangeShapeType="1" noTextEdit="1"/>
+              </p:cNvSpPr>
+              <p:nvPr/>
+            </p:nvSpPr>
+            <p:spPr>
+              <a:xfrm>
+                <a:off x="2178981" y="1429184"/>
+                <a:ext cx="3175741" cy="276999"/>
+              </a:xfrm>
+              <a:prstGeom prst="rect">
+                <a:avLst/>
+              </a:prstGeom>
+              <a:blipFill>
+                <a:blip r:embed="rId3"/>
+                <a:stretch>
+                  <a:fillRect l="-797" t="-9091" r="-398" b="-36364"/>
+                </a:stretch>
+              </a:blipFill>
+            </p:spPr>
+            <p:txBody>
+              <a:bodyPr/>
+              <a:lstStyle/>
+              <a:p>
+                <a:r>
+                  <a:rPr lang="en-GB">
+                    <a:noFill/>
+                  </a:rPr>
+                  <a:t> </a:t>
+                </a:r>
+              </a:p>
+            </p:txBody>
+          </p:sp>
+        </mc:Fallback>
+      </mc:AlternateContent>
+      <mc:AlternateContent xmlns:mc="http://schemas.openxmlformats.org/markup-compatibility/2006">
+        <mc:Choice xmlns:a14="http://schemas.microsoft.com/office/drawing/2010/main" Requires="a14">
+          <p:sp>
+            <p:nvSpPr>
+              <p:cNvPr id="10" name="TextBox 9">
+                <a:extLst>
+                  <a:ext uri="{FF2B5EF4-FFF2-40B4-BE49-F238E27FC236}">
+                    <a16:creationId xmlns:a16="http://schemas.microsoft.com/office/drawing/2014/main" id="{6342B62E-145E-0044-B612-F08CEA5E51C7}"/>
+                  </a:ext>
+                </a:extLst>
+              </p:cNvPr>
+              <p:cNvSpPr txBox="1"/>
+              <p:nvPr/>
+            </p:nvSpPr>
+            <p:spPr>
+              <a:xfrm>
+                <a:off x="2178981" y="1785533"/>
+                <a:ext cx="2652201" cy="276999"/>
+              </a:xfrm>
+              <a:prstGeom prst="rect">
+                <a:avLst/>
+              </a:prstGeom>
+              <a:noFill/>
+            </p:spPr>
+            <p:txBody>
+              <a:bodyPr wrap="none" lIns="0" tIns="0" rIns="0" bIns="0" rtlCol="0">
+                <a:spAutoFit/>
+              </a:bodyPr>
+              <a:lstStyle/>
+              <a:p>
+                <a14:m>
+                  <m:oMathPara xmlns:m="http://schemas.openxmlformats.org/officeDocument/2006/math">
+                    <m:oMathParaPr>
+                      <m:jc m:val="centerGroup"/>
+                    </m:oMathParaPr>
+                    <m:oMath xmlns:m="http://schemas.openxmlformats.org/officeDocument/2006/math">
+                      <m:r>
+                        <a:rPr lang="sv-SE" b="0" i="1" smtClean="0">
+                          <a:latin typeface="Cambria Math" panose="02040503050406030204" pitchFamily="18" charset="0"/>
+                        </a:rPr>
+                        <m:t>𝑁</m:t>
+                      </m:r>
+                      <m:r>
+                        <a:rPr lang="sv-SE" b="0" i="1" smtClean="0">
+                          <a:latin typeface="Cambria Math" panose="02040503050406030204" pitchFamily="18" charset="0"/>
+                        </a:rPr>
+                        <m:t>=</m:t>
+                      </m:r>
+                      <m:r>
+                        <m:rPr>
+                          <m:nor/>
+                        </m:rPr>
+                        <a:rPr lang="sv-SE" b="0" i="0" smtClean="0">
+                          <a:latin typeface="Cambria Math" panose="02040503050406030204" pitchFamily="18" charset="0"/>
+                        </a:rPr>
+                        <m:t>Total</m:t>
+                      </m:r>
+                      <m:r>
+                        <m:rPr>
+                          <m:nor/>
+                        </m:rPr>
+                        <a:rPr lang="sv-SE" b="0" i="0" smtClean="0">
+                          <a:latin typeface="Cambria Math" panose="02040503050406030204" pitchFamily="18" charset="0"/>
+                        </a:rPr>
+                        <m:t> </m:t>
+                      </m:r>
+                      <m:r>
+                        <m:rPr>
+                          <m:nor/>
+                        </m:rPr>
+                        <a:rPr lang="sv-SE" b="0" i="0" smtClean="0">
+                          <a:latin typeface="Cambria Math" panose="02040503050406030204" pitchFamily="18" charset="0"/>
+                        </a:rPr>
+                        <m:t>number</m:t>
+                      </m:r>
+                      <m:r>
+                        <m:rPr>
+                          <m:nor/>
+                        </m:rPr>
+                        <a:rPr lang="sv-SE" b="0" i="0" smtClean="0">
+                          <a:latin typeface="Cambria Math" panose="02040503050406030204" pitchFamily="18" charset="0"/>
+                        </a:rPr>
+                        <m:t> </m:t>
+                      </m:r>
+                      <m:r>
+                        <m:rPr>
+                          <m:nor/>
+                        </m:rPr>
+                        <a:rPr lang="sv-SE" b="0" i="0" smtClean="0">
+                          <a:latin typeface="Cambria Math" panose="02040503050406030204" pitchFamily="18" charset="0"/>
+                        </a:rPr>
+                        <m:t>of</m:t>
+                      </m:r>
+                      <m:r>
+                        <m:rPr>
+                          <m:nor/>
+                        </m:rPr>
+                        <a:rPr lang="sv-SE" b="0" i="0" smtClean="0">
+                          <a:latin typeface="Cambria Math" panose="02040503050406030204" pitchFamily="18" charset="0"/>
+                        </a:rPr>
+                        <m:t> </m:t>
+                      </m:r>
+                      <m:r>
+                        <m:rPr>
+                          <m:nor/>
+                        </m:rPr>
+                        <a:rPr lang="sv-SE" b="0" i="0" smtClean="0">
+                          <a:latin typeface="Cambria Math" panose="02040503050406030204" pitchFamily="18" charset="0"/>
+                        </a:rPr>
+                        <m:t>SNPs</m:t>
+                      </m:r>
+                    </m:oMath>
+                  </m:oMathPara>
+                </a14:m>
+                <a:endParaRPr lang="en-GB" dirty="0"/>
+              </a:p>
+            </p:txBody>
+          </p:sp>
+        </mc:Choice>
+        <mc:Fallback>
+          <p:sp>
+            <p:nvSpPr>
+              <p:cNvPr id="10" name="TextBox 9">
+                <a:extLst>
+                  <a:ext uri="{FF2B5EF4-FFF2-40B4-BE49-F238E27FC236}">
+                    <a16:creationId xmlns:a16="http://schemas.microsoft.com/office/drawing/2014/main" id="{6342B62E-145E-0044-B612-F08CEA5E51C7}"/>
+                  </a:ext>
+                </a:extLst>
+              </p:cNvPr>
+              <p:cNvSpPr txBox="1">
+                <a:spLocks noRot="1" noChangeAspect="1" noMove="1" noResize="1" noEditPoints="1" noAdjustHandles="1" noChangeArrowheads="1" noChangeShapeType="1" noTextEdit="1"/>
+              </p:cNvSpPr>
+              <p:nvPr/>
+            </p:nvSpPr>
+            <p:spPr>
+              <a:xfrm>
+                <a:off x="2178981" y="1785533"/>
+                <a:ext cx="2652201" cy="276999"/>
+              </a:xfrm>
+              <a:prstGeom prst="rect">
+                <a:avLst/>
+              </a:prstGeom>
+              <a:blipFill>
+                <a:blip r:embed="rId4"/>
+                <a:stretch>
+                  <a:fillRect l="-1435" t="-9091" r="-1435" b="-36364"/>
+                </a:stretch>
+              </a:blipFill>
+            </p:spPr>
+            <p:txBody>
+              <a:bodyPr/>
+              <a:lstStyle/>
+              <a:p>
+                <a:r>
+                  <a:rPr lang="en-GB">
+                    <a:noFill/>
+                  </a:rPr>
+                  <a:t> </a:t>
+                </a:r>
+              </a:p>
+            </p:txBody>
+          </p:sp>
+        </mc:Fallback>
+      </mc:AlternateContent>
+      <p:sp>
+        <p:nvSpPr>
+          <p:cNvPr id="12" name="TextBox 11">
+            <a:extLst>
+              <a:ext uri="{FF2B5EF4-FFF2-40B4-BE49-F238E27FC236}">
+                <a16:creationId xmlns:a16="http://schemas.microsoft.com/office/drawing/2014/main" id="{EE2B360A-DD67-7142-A309-F624C4AD0FFE}"/>
+              </a:ext>
+            </a:extLst>
+          </p:cNvPr>
+          <p:cNvSpPr txBox="1"/>
+          <p:nvPr/>
+        </p:nvSpPr>
+        <p:spPr>
+          <a:xfrm>
+            <a:off x="528115" y="858278"/>
+            <a:ext cx="3080908" cy="369332"/>
+          </a:xfrm>
+          <a:prstGeom prst="rect">
+            <a:avLst/>
+          </a:prstGeom>
+          <a:noFill/>
+        </p:spPr>
+        <p:txBody>
+          <a:bodyPr wrap="none" rtlCol="0">
+            <a:spAutoFit/>
+          </a:bodyPr>
+          <a:lstStyle/>
+          <a:p>
+            <a:pPr marL="285750" indent="-285750">
+              <a:buFont typeface="Arial" panose="020B0604020202020204" pitchFamily="34" charset="0"/>
+              <a:buChar char="•"/>
+            </a:pPr>
+            <a:r>
+              <a:rPr lang="en-GB" dirty="0"/>
+              <a:t>All SNPs = clinal + non-clinal</a:t>
+            </a:r>
+          </a:p>
+        </p:txBody>
+      </p:sp>
+      <p:pic>
+        <p:nvPicPr>
+          <p:cNvPr id="4" name="Picture 3">
+            <a:extLst>
+              <a:ext uri="{FF2B5EF4-FFF2-40B4-BE49-F238E27FC236}">
+                <a16:creationId xmlns:a16="http://schemas.microsoft.com/office/drawing/2014/main" id="{04DD2A22-19B5-F842-8D6E-BCE4E3C449E4}"/>
+              </a:ext>
+            </a:extLst>
+          </p:cNvPr>
+          <p:cNvPicPr>
+            <a:picLocks noChangeAspect="1"/>
+          </p:cNvPicPr>
+          <p:nvPr/>
+        </p:nvPicPr>
+        <p:blipFill>
+          <a:blip r:embed="rId5"/>
+          <a:stretch>
+            <a:fillRect/>
+          </a:stretch>
+        </p:blipFill>
+        <p:spPr>
+          <a:xfrm>
+            <a:off x="146150" y="2145915"/>
+            <a:ext cx="5960697" cy="3960000"/>
+          </a:xfrm>
+          <a:prstGeom prst="rect">
+            <a:avLst/>
+          </a:prstGeom>
+        </p:spPr>
+      </p:pic>
+      <p:pic>
+        <p:nvPicPr>
+          <p:cNvPr id="6" name="Picture 5">
+            <a:extLst>
+              <a:ext uri="{FF2B5EF4-FFF2-40B4-BE49-F238E27FC236}">
+                <a16:creationId xmlns:a16="http://schemas.microsoft.com/office/drawing/2014/main" id="{D6F6B9D0-6650-2B4B-886A-5E5A448D8A04}"/>
+              </a:ext>
+            </a:extLst>
+          </p:cNvPr>
+          <p:cNvPicPr>
+            <a:picLocks noChangeAspect="1"/>
+          </p:cNvPicPr>
+          <p:nvPr/>
+        </p:nvPicPr>
+        <p:blipFill>
+          <a:blip r:embed="rId6"/>
+          <a:stretch>
+            <a:fillRect/>
+          </a:stretch>
+        </p:blipFill>
+        <p:spPr>
+          <a:xfrm>
+            <a:off x="6150867" y="2145915"/>
+            <a:ext cx="5960697" cy="3960000"/>
+          </a:xfrm>
+          <a:prstGeom prst="rect">
+            <a:avLst/>
+          </a:prstGeom>
+        </p:spPr>
+      </p:pic>
+      <p:sp>
+        <p:nvSpPr>
+          <p:cNvPr id="13" name="TextBox 12">
+            <a:extLst>
+              <a:ext uri="{FF2B5EF4-FFF2-40B4-BE49-F238E27FC236}">
+                <a16:creationId xmlns:a16="http://schemas.microsoft.com/office/drawing/2014/main" id="{7329FC58-40F8-DB4D-8891-3BB44E562421}"/>
+              </a:ext>
+            </a:extLst>
+          </p:cNvPr>
+          <p:cNvSpPr txBox="1"/>
+          <p:nvPr/>
+        </p:nvSpPr>
+        <p:spPr>
+          <a:xfrm>
+            <a:off x="89627" y="6090207"/>
+            <a:ext cx="6162649" cy="369332"/>
+          </a:xfrm>
+          <a:prstGeom prst="rect">
+            <a:avLst/>
+          </a:prstGeom>
+          <a:noFill/>
+        </p:spPr>
+        <p:txBody>
+          <a:bodyPr wrap="none" rtlCol="0">
+            <a:spAutoFit/>
+          </a:bodyPr>
+          <a:lstStyle/>
+          <a:p>
+            <a:r>
+              <a:rPr lang="en-GB" i="1" dirty="0"/>
+              <a:t>Figure 2. Proportions (left) and counts (right) of SNPs per contig.</a:t>
+            </a:r>
+          </a:p>
+        </p:txBody>
+      </p:sp>
+    </p:spTree>
+    <p:extLst>
+      <p:ext uri="{BB962C8B-B14F-4D97-AF65-F5344CB8AC3E}">
+        <p14:creationId xmlns:p14="http://schemas.microsoft.com/office/powerpoint/2010/main" val="3260542583"/>
       </p:ext>
     </p:extLst>
   </p:cSld>

--- a/short_genetic_variants/docs/short_indels.pptx
+++ b/short_genetic_variants/docs/short_indels.pptx
@@ -4,6 +4,9 @@
   <p:sldMasterIdLst>
     <p:sldMasterId id="2147483648" r:id="rId1"/>
   </p:sldMasterIdLst>
+  <p:notesMasterIdLst>
+    <p:notesMasterId r:id="rId17"/>
+  </p:notesMasterIdLst>
   <p:sldIdLst>
     <p:sldId id="256" r:id="rId2"/>
     <p:sldId id="257" r:id="rId3"/>
@@ -16,6 +19,10 @@
     <p:sldId id="261" r:id="rId10"/>
     <p:sldId id="262" r:id="rId11"/>
     <p:sldId id="266" r:id="rId12"/>
+    <p:sldId id="267" r:id="rId13"/>
+    <p:sldId id="268" r:id="rId14"/>
+    <p:sldId id="269" r:id="rId15"/>
+    <p:sldId id="270" r:id="rId16"/>
   </p:sldIdLst>
   <p:sldSz cx="12192000" cy="6858000"/>
   <p:notesSz cx="6858000" cy="9144000"/>
@@ -122,6 +129,440 @@
 </p:presentation>
 </file>
 
+<file path=ppt/notesMasters/notesMaster1.xml><?xml version="1.0" encoding="utf-8"?>
+<p:notesMaster xmlns:a="http://schemas.openxmlformats.org/drawingml/2006/main" xmlns:r="http://schemas.openxmlformats.org/officeDocument/2006/relationships" xmlns:p="http://schemas.openxmlformats.org/presentationml/2006/main">
+  <p:cSld>
+    <p:bg>
+      <p:bgRef idx="1001">
+        <a:schemeClr val="bg1"/>
+      </p:bgRef>
+    </p:bg>
+    <p:spTree>
+      <p:nvGrpSpPr>
+        <p:cNvPr id="1" name=""/>
+        <p:cNvGrpSpPr/>
+        <p:nvPr/>
+      </p:nvGrpSpPr>
+      <p:grpSpPr>
+        <a:xfrm>
+          <a:off x="0" y="0"/>
+          <a:ext cx="0" cy="0"/>
+          <a:chOff x="0" y="0"/>
+          <a:chExt cx="0" cy="0"/>
+        </a:xfrm>
+      </p:grpSpPr>
+      <p:sp>
+        <p:nvSpPr>
+          <p:cNvPr id="2" name="Header Placeholder 1"/>
+          <p:cNvSpPr>
+            <a:spLocks noGrp="1"/>
+          </p:cNvSpPr>
+          <p:nvPr>
+            <p:ph type="hdr" sz="quarter"/>
+          </p:nvPr>
+        </p:nvSpPr>
+        <p:spPr>
+          <a:xfrm>
+            <a:off x="0" y="0"/>
+            <a:ext cx="2971800" cy="458788"/>
+          </a:xfrm>
+          <a:prstGeom prst="rect">
+            <a:avLst/>
+          </a:prstGeom>
+        </p:spPr>
+        <p:txBody>
+          <a:bodyPr vert="horz" lIns="91440" tIns="45720" rIns="91440" bIns="45720" rtlCol="0"/>
+          <a:lstStyle>
+            <a:lvl1pPr algn="l">
+              <a:defRPr sz="1200"/>
+            </a:lvl1pPr>
+          </a:lstStyle>
+          <a:p>
+            <a:endParaRPr lang="en-GB"/>
+          </a:p>
+        </p:txBody>
+      </p:sp>
+      <p:sp>
+        <p:nvSpPr>
+          <p:cNvPr id="3" name="Date Placeholder 2"/>
+          <p:cNvSpPr>
+            <a:spLocks noGrp="1"/>
+          </p:cNvSpPr>
+          <p:nvPr>
+            <p:ph type="dt" idx="1"/>
+          </p:nvPr>
+        </p:nvSpPr>
+        <p:spPr>
+          <a:xfrm>
+            <a:off x="3884613" y="0"/>
+            <a:ext cx="2971800" cy="458788"/>
+          </a:xfrm>
+          <a:prstGeom prst="rect">
+            <a:avLst/>
+          </a:prstGeom>
+        </p:spPr>
+        <p:txBody>
+          <a:bodyPr vert="horz" lIns="91440" tIns="45720" rIns="91440" bIns="45720" rtlCol="0"/>
+          <a:lstStyle>
+            <a:lvl1pPr algn="r">
+              <a:defRPr sz="1200"/>
+            </a:lvl1pPr>
+          </a:lstStyle>
+          <a:p>
+            <a:fld id="{ADC703C6-BB32-1847-9BA4-6A93FF920BED}" type="datetimeFigureOut">
+              <a:rPr lang="en-GB" smtClean="0"/>
+              <a:t>22/06/2020</a:t>
+            </a:fld>
+            <a:endParaRPr lang="en-GB"/>
+          </a:p>
+        </p:txBody>
+      </p:sp>
+      <p:sp>
+        <p:nvSpPr>
+          <p:cNvPr id="4" name="Slide Image Placeholder 3"/>
+          <p:cNvSpPr>
+            <a:spLocks noGrp="1" noRot="1" noChangeAspect="1"/>
+          </p:cNvSpPr>
+          <p:nvPr>
+            <p:ph type="sldImg" idx="2"/>
+          </p:nvPr>
+        </p:nvSpPr>
+        <p:spPr>
+          <a:xfrm>
+            <a:off x="685800" y="1143000"/>
+            <a:ext cx="5486400" cy="3086100"/>
+          </a:xfrm>
+          <a:prstGeom prst="rect">
+            <a:avLst/>
+          </a:prstGeom>
+          <a:noFill/>
+          <a:ln w="12700">
+            <a:solidFill>
+              <a:prstClr val="black"/>
+            </a:solidFill>
+          </a:ln>
+        </p:spPr>
+        <p:txBody>
+          <a:bodyPr vert="horz" lIns="91440" tIns="45720" rIns="91440" bIns="45720" rtlCol="0" anchor="ctr"/>
+          <a:lstStyle/>
+          <a:p>
+            <a:endParaRPr lang="en-GB"/>
+          </a:p>
+        </p:txBody>
+      </p:sp>
+      <p:sp>
+        <p:nvSpPr>
+          <p:cNvPr id="5" name="Notes Placeholder 4"/>
+          <p:cNvSpPr>
+            <a:spLocks noGrp="1"/>
+          </p:cNvSpPr>
+          <p:nvPr>
+            <p:ph type="body" sz="quarter" idx="3"/>
+          </p:nvPr>
+        </p:nvSpPr>
+        <p:spPr>
+          <a:xfrm>
+            <a:off x="685800" y="4400550"/>
+            <a:ext cx="5486400" cy="3600450"/>
+          </a:xfrm>
+          <a:prstGeom prst="rect">
+            <a:avLst/>
+          </a:prstGeom>
+        </p:spPr>
+        <p:txBody>
+          <a:bodyPr vert="horz" lIns="91440" tIns="45720" rIns="91440" bIns="45720" rtlCol="0"/>
+          <a:lstStyle/>
+          <a:p>
+            <a:pPr lvl="0"/>
+            <a:r>
+              <a:rPr lang="en-US"/>
+              <a:t>Edit Master text styles</a:t>
+            </a:r>
+          </a:p>
+          <a:p>
+            <a:pPr lvl="1"/>
+            <a:r>
+              <a:rPr lang="en-US"/>
+              <a:t>Second level</a:t>
+            </a:r>
+          </a:p>
+          <a:p>
+            <a:pPr lvl="2"/>
+            <a:r>
+              <a:rPr lang="en-US"/>
+              <a:t>Third level</a:t>
+            </a:r>
+          </a:p>
+          <a:p>
+            <a:pPr lvl="3"/>
+            <a:r>
+              <a:rPr lang="en-US"/>
+              <a:t>Fourth level</a:t>
+            </a:r>
+          </a:p>
+          <a:p>
+            <a:pPr lvl="4"/>
+            <a:r>
+              <a:rPr lang="en-US"/>
+              <a:t>Fifth level</a:t>
+            </a:r>
+            <a:endParaRPr lang="en-GB"/>
+          </a:p>
+        </p:txBody>
+      </p:sp>
+      <p:sp>
+        <p:nvSpPr>
+          <p:cNvPr id="6" name="Footer Placeholder 5"/>
+          <p:cNvSpPr>
+            <a:spLocks noGrp="1"/>
+          </p:cNvSpPr>
+          <p:nvPr>
+            <p:ph type="ftr" sz="quarter" idx="4"/>
+          </p:nvPr>
+        </p:nvSpPr>
+        <p:spPr>
+          <a:xfrm>
+            <a:off x="0" y="8685213"/>
+            <a:ext cx="2971800" cy="458787"/>
+          </a:xfrm>
+          <a:prstGeom prst="rect">
+            <a:avLst/>
+          </a:prstGeom>
+        </p:spPr>
+        <p:txBody>
+          <a:bodyPr vert="horz" lIns="91440" tIns="45720" rIns="91440" bIns="45720" rtlCol="0" anchor="b"/>
+          <a:lstStyle>
+            <a:lvl1pPr algn="l">
+              <a:defRPr sz="1200"/>
+            </a:lvl1pPr>
+          </a:lstStyle>
+          <a:p>
+            <a:endParaRPr lang="en-GB"/>
+          </a:p>
+        </p:txBody>
+      </p:sp>
+      <p:sp>
+        <p:nvSpPr>
+          <p:cNvPr id="7" name="Slide Number Placeholder 6"/>
+          <p:cNvSpPr>
+            <a:spLocks noGrp="1"/>
+          </p:cNvSpPr>
+          <p:nvPr>
+            <p:ph type="sldNum" sz="quarter" idx="5"/>
+          </p:nvPr>
+        </p:nvSpPr>
+        <p:spPr>
+          <a:xfrm>
+            <a:off x="3884613" y="8685213"/>
+            <a:ext cx="2971800" cy="458787"/>
+          </a:xfrm>
+          <a:prstGeom prst="rect">
+            <a:avLst/>
+          </a:prstGeom>
+        </p:spPr>
+        <p:txBody>
+          <a:bodyPr vert="horz" lIns="91440" tIns="45720" rIns="91440" bIns="45720" rtlCol="0" anchor="b"/>
+          <a:lstStyle>
+            <a:lvl1pPr algn="r">
+              <a:defRPr sz="1200"/>
+            </a:lvl1pPr>
+          </a:lstStyle>
+          <a:p>
+            <a:fld id="{2ADA2D0F-F41E-7742-88B9-1534E3544B0B}" type="slidenum">
+              <a:rPr lang="en-GB" smtClean="0"/>
+              <a:t>‹#›</a:t>
+            </a:fld>
+            <a:endParaRPr lang="en-GB"/>
+          </a:p>
+        </p:txBody>
+      </p:sp>
+    </p:spTree>
+    <p:extLst>
+      <p:ext uri="{BB962C8B-B14F-4D97-AF65-F5344CB8AC3E}">
+        <p14:creationId xmlns:p14="http://schemas.microsoft.com/office/powerpoint/2010/main" val="1726068509"/>
+      </p:ext>
+    </p:extLst>
+  </p:cSld>
+  <p:clrMap bg1="lt1" tx1="dk1" bg2="lt2" tx2="dk2" accent1="accent1" accent2="accent2" accent3="accent3" accent4="accent4" accent5="accent5" accent6="accent6" hlink="hlink" folHlink="folHlink"/>
+  <p:notesStyle>
+    <a:lvl1pPr marL="0" algn="l" defTabSz="914400" rtl="0" eaLnBrk="1" latinLnBrk="0" hangingPunct="1">
+      <a:defRPr sz="1200" kern="1200">
+        <a:solidFill>
+          <a:schemeClr val="tx1"/>
+        </a:solidFill>
+        <a:latin typeface="+mn-lt"/>
+        <a:ea typeface="+mn-ea"/>
+        <a:cs typeface="+mn-cs"/>
+      </a:defRPr>
+    </a:lvl1pPr>
+    <a:lvl2pPr marL="457200" algn="l" defTabSz="914400" rtl="0" eaLnBrk="1" latinLnBrk="0" hangingPunct="1">
+      <a:defRPr sz="1200" kern="1200">
+        <a:solidFill>
+          <a:schemeClr val="tx1"/>
+        </a:solidFill>
+        <a:latin typeface="+mn-lt"/>
+        <a:ea typeface="+mn-ea"/>
+        <a:cs typeface="+mn-cs"/>
+      </a:defRPr>
+    </a:lvl2pPr>
+    <a:lvl3pPr marL="914400" algn="l" defTabSz="914400" rtl="0" eaLnBrk="1" latinLnBrk="0" hangingPunct="1">
+      <a:defRPr sz="1200" kern="1200">
+        <a:solidFill>
+          <a:schemeClr val="tx1"/>
+        </a:solidFill>
+        <a:latin typeface="+mn-lt"/>
+        <a:ea typeface="+mn-ea"/>
+        <a:cs typeface="+mn-cs"/>
+      </a:defRPr>
+    </a:lvl3pPr>
+    <a:lvl4pPr marL="1371600" algn="l" defTabSz="914400" rtl="0" eaLnBrk="1" latinLnBrk="0" hangingPunct="1">
+      <a:defRPr sz="1200" kern="1200">
+        <a:solidFill>
+          <a:schemeClr val="tx1"/>
+        </a:solidFill>
+        <a:latin typeface="+mn-lt"/>
+        <a:ea typeface="+mn-ea"/>
+        <a:cs typeface="+mn-cs"/>
+      </a:defRPr>
+    </a:lvl4pPr>
+    <a:lvl5pPr marL="1828800" algn="l" defTabSz="914400" rtl="0" eaLnBrk="1" latinLnBrk="0" hangingPunct="1">
+      <a:defRPr sz="1200" kern="1200">
+        <a:solidFill>
+          <a:schemeClr val="tx1"/>
+        </a:solidFill>
+        <a:latin typeface="+mn-lt"/>
+        <a:ea typeface="+mn-ea"/>
+        <a:cs typeface="+mn-cs"/>
+      </a:defRPr>
+    </a:lvl5pPr>
+    <a:lvl6pPr marL="2286000" algn="l" defTabSz="914400" rtl="0" eaLnBrk="1" latinLnBrk="0" hangingPunct="1">
+      <a:defRPr sz="1200" kern="1200">
+        <a:solidFill>
+          <a:schemeClr val="tx1"/>
+        </a:solidFill>
+        <a:latin typeface="+mn-lt"/>
+        <a:ea typeface="+mn-ea"/>
+        <a:cs typeface="+mn-cs"/>
+      </a:defRPr>
+    </a:lvl6pPr>
+    <a:lvl7pPr marL="2743200" algn="l" defTabSz="914400" rtl="0" eaLnBrk="1" latinLnBrk="0" hangingPunct="1">
+      <a:defRPr sz="1200" kern="1200">
+        <a:solidFill>
+          <a:schemeClr val="tx1"/>
+        </a:solidFill>
+        <a:latin typeface="+mn-lt"/>
+        <a:ea typeface="+mn-ea"/>
+        <a:cs typeface="+mn-cs"/>
+      </a:defRPr>
+    </a:lvl7pPr>
+    <a:lvl8pPr marL="3200400" algn="l" defTabSz="914400" rtl="0" eaLnBrk="1" latinLnBrk="0" hangingPunct="1">
+      <a:defRPr sz="1200" kern="1200">
+        <a:solidFill>
+          <a:schemeClr val="tx1"/>
+        </a:solidFill>
+        <a:latin typeface="+mn-lt"/>
+        <a:ea typeface="+mn-ea"/>
+        <a:cs typeface="+mn-cs"/>
+      </a:defRPr>
+    </a:lvl8pPr>
+    <a:lvl9pPr marL="3657600" algn="l" defTabSz="914400" rtl="0" eaLnBrk="1" latinLnBrk="0" hangingPunct="1">
+      <a:defRPr sz="1200" kern="1200">
+        <a:solidFill>
+          <a:schemeClr val="tx1"/>
+        </a:solidFill>
+        <a:latin typeface="+mn-lt"/>
+        <a:ea typeface="+mn-ea"/>
+        <a:cs typeface="+mn-cs"/>
+      </a:defRPr>
+    </a:lvl9pPr>
+  </p:notesStyle>
+</p:notesMaster>
+</file>
+
+<file path=ppt/notesSlides/notesSlide1.xml><?xml version="1.0" encoding="utf-8"?>
+<p:notes xmlns:a="http://schemas.openxmlformats.org/drawingml/2006/main" xmlns:r="http://schemas.openxmlformats.org/officeDocument/2006/relationships" xmlns:p="http://schemas.openxmlformats.org/presentationml/2006/main">
+  <p:cSld>
+    <p:spTree>
+      <p:nvGrpSpPr>
+        <p:cNvPr id="1" name=""/>
+        <p:cNvGrpSpPr/>
+        <p:nvPr/>
+      </p:nvGrpSpPr>
+      <p:grpSpPr>
+        <a:xfrm>
+          <a:off x="0" y="0"/>
+          <a:ext cx="0" cy="0"/>
+          <a:chOff x="0" y="0"/>
+          <a:chExt cx="0" cy="0"/>
+        </a:xfrm>
+      </p:grpSpPr>
+      <p:sp>
+        <p:nvSpPr>
+          <p:cNvPr id="2" name="Slide Image Placeholder 1"/>
+          <p:cNvSpPr>
+            <a:spLocks noGrp="1" noRot="1" noChangeAspect="1"/>
+          </p:cNvSpPr>
+          <p:nvPr>
+            <p:ph type="sldImg"/>
+          </p:nvPr>
+        </p:nvSpPr>
+        <p:spPr/>
+      </p:sp>
+      <p:sp>
+        <p:nvSpPr>
+          <p:cNvPr id="3" name="Notes Placeholder 2"/>
+          <p:cNvSpPr>
+            <a:spLocks noGrp="1"/>
+          </p:cNvSpPr>
+          <p:nvPr>
+            <p:ph type="body" idx="1"/>
+          </p:nvPr>
+        </p:nvSpPr>
+        <p:spPr/>
+        <p:txBody>
+          <a:bodyPr/>
+          <a:lstStyle/>
+          <a:p>
+            <a:endParaRPr lang="en-GB" dirty="0"/>
+          </a:p>
+        </p:txBody>
+      </p:sp>
+      <p:sp>
+        <p:nvSpPr>
+          <p:cNvPr id="4" name="Slide Number Placeholder 3"/>
+          <p:cNvSpPr>
+            <a:spLocks noGrp="1"/>
+          </p:cNvSpPr>
+          <p:nvPr>
+            <p:ph type="sldNum" sz="quarter" idx="5"/>
+          </p:nvPr>
+        </p:nvSpPr>
+        <p:spPr/>
+        <p:txBody>
+          <a:bodyPr/>
+          <a:lstStyle/>
+          <a:p>
+            <a:fld id="{2ADA2D0F-F41E-7742-88B9-1534E3544B0B}" type="slidenum">
+              <a:rPr lang="en-GB" smtClean="0"/>
+              <a:t>14</a:t>
+            </a:fld>
+            <a:endParaRPr lang="en-GB"/>
+          </a:p>
+        </p:txBody>
+      </p:sp>
+    </p:spTree>
+    <p:extLst>
+      <p:ext uri="{BB962C8B-B14F-4D97-AF65-F5344CB8AC3E}">
+        <p14:creationId xmlns:p14="http://schemas.microsoft.com/office/powerpoint/2010/main" val="3727994999"/>
+      </p:ext>
+    </p:extLst>
+  </p:cSld>
+  <p:clrMapOvr>
+    <a:masterClrMapping/>
+  </p:clrMapOvr>
+</p:notes>
+</file>
+
 <file path=ppt/slideLayouts/slideLayout1.xml><?xml version="1.0" encoding="utf-8"?>
 <p:sldLayout xmlns:a="http://schemas.openxmlformats.org/drawingml/2006/main" xmlns:r="http://schemas.openxmlformats.org/officeDocument/2006/relationships" xmlns:p="http://schemas.openxmlformats.org/presentationml/2006/main" type="title" preserve="1">
   <p:cSld name="Title Slide">
@@ -271,7 +712,7 @@
           <a:p>
             <a:fld id="{5C316670-22DA-CE45-BF19-C0B19D676291}" type="datetimeFigureOut">
               <a:rPr lang="en-GB" smtClean="0"/>
-              <a:t>16/06/2020</a:t>
+              <a:t>22/06/2020</a:t>
             </a:fld>
             <a:endParaRPr lang="en-GB"/>
           </a:p>
@@ -471,7 +912,7 @@
           <a:p>
             <a:fld id="{5C316670-22DA-CE45-BF19-C0B19D676291}" type="datetimeFigureOut">
               <a:rPr lang="en-GB" smtClean="0"/>
-              <a:t>16/06/2020</a:t>
+              <a:t>22/06/2020</a:t>
             </a:fld>
             <a:endParaRPr lang="en-GB"/>
           </a:p>
@@ -681,7 +1122,7 @@
           <a:p>
             <a:fld id="{5C316670-22DA-CE45-BF19-C0B19D676291}" type="datetimeFigureOut">
               <a:rPr lang="en-GB" smtClean="0"/>
-              <a:t>16/06/2020</a:t>
+              <a:t>22/06/2020</a:t>
             </a:fld>
             <a:endParaRPr lang="en-GB"/>
           </a:p>
@@ -881,7 +1322,7 @@
           <a:p>
             <a:fld id="{5C316670-22DA-CE45-BF19-C0B19D676291}" type="datetimeFigureOut">
               <a:rPr lang="en-GB" smtClean="0"/>
-              <a:t>16/06/2020</a:t>
+              <a:t>22/06/2020</a:t>
             </a:fld>
             <a:endParaRPr lang="en-GB"/>
           </a:p>
@@ -1157,7 +1598,7 @@
           <a:p>
             <a:fld id="{5C316670-22DA-CE45-BF19-C0B19D676291}" type="datetimeFigureOut">
               <a:rPr lang="en-GB" smtClean="0"/>
-              <a:t>16/06/2020</a:t>
+              <a:t>22/06/2020</a:t>
             </a:fld>
             <a:endParaRPr lang="en-GB"/>
           </a:p>
@@ -1425,7 +1866,7 @@
           <a:p>
             <a:fld id="{5C316670-22DA-CE45-BF19-C0B19D676291}" type="datetimeFigureOut">
               <a:rPr lang="en-GB" smtClean="0"/>
-              <a:t>16/06/2020</a:t>
+              <a:t>22/06/2020</a:t>
             </a:fld>
             <a:endParaRPr lang="en-GB"/>
           </a:p>
@@ -1840,7 +2281,7 @@
           <a:p>
             <a:fld id="{5C316670-22DA-CE45-BF19-C0B19D676291}" type="datetimeFigureOut">
               <a:rPr lang="en-GB" smtClean="0"/>
-              <a:t>16/06/2020</a:t>
+              <a:t>22/06/2020</a:t>
             </a:fld>
             <a:endParaRPr lang="en-GB"/>
           </a:p>
@@ -1982,7 +2423,7 @@
           <a:p>
             <a:fld id="{5C316670-22DA-CE45-BF19-C0B19D676291}" type="datetimeFigureOut">
               <a:rPr lang="en-GB" smtClean="0"/>
-              <a:t>16/06/2020</a:t>
+              <a:t>22/06/2020</a:t>
             </a:fld>
             <a:endParaRPr lang="en-GB"/>
           </a:p>
@@ -2095,7 +2536,7 @@
           <a:p>
             <a:fld id="{5C316670-22DA-CE45-BF19-C0B19D676291}" type="datetimeFigureOut">
               <a:rPr lang="en-GB" smtClean="0"/>
-              <a:t>16/06/2020</a:t>
+              <a:t>22/06/2020</a:t>
             </a:fld>
             <a:endParaRPr lang="en-GB"/>
           </a:p>
@@ -2408,7 +2849,7 @@
           <a:p>
             <a:fld id="{5C316670-22DA-CE45-BF19-C0B19D676291}" type="datetimeFigureOut">
               <a:rPr lang="en-GB" smtClean="0"/>
-              <a:t>16/06/2020</a:t>
+              <a:t>22/06/2020</a:t>
             </a:fld>
             <a:endParaRPr lang="en-GB"/>
           </a:p>
@@ -2697,7 +3138,7 @@
           <a:p>
             <a:fld id="{5C316670-22DA-CE45-BF19-C0B19D676291}" type="datetimeFigureOut">
               <a:rPr lang="en-GB" smtClean="0"/>
-              <a:t>16/06/2020</a:t>
+              <a:t>22/06/2020</a:t>
             </a:fld>
             <a:endParaRPr lang="en-GB"/>
           </a:p>
@@ -2940,7 +3381,7 @@
           <a:p>
             <a:fld id="{5C316670-22DA-CE45-BF19-C0B19D676291}" type="datetimeFigureOut">
               <a:rPr lang="en-GB" smtClean="0"/>
-              <a:t>16/06/2020</a:t>
+              <a:t>22/06/2020</a:t>
             </a:fld>
             <a:endParaRPr lang="en-GB"/>
           </a:p>
@@ -3432,7 +3873,7 @@
         <p:spPr>
           <a:xfrm>
             <a:off x="528115" y="409596"/>
-            <a:ext cx="4088812" cy="369332"/>
+            <a:ext cx="4164153" cy="369332"/>
           </a:xfrm>
           <a:prstGeom prst="rect">
             <a:avLst/>
@@ -3449,7 +3890,7 @@
               <a:buAutoNum type="arabicPeriod" startAt="2"/>
             </a:pPr>
             <a:r>
-              <a:rPr lang="en-GB" dirty="0"/>
+              <a:rPr lang="en-GB" b="1" dirty="0"/>
               <a:t>Clustering of (different types) markers</a:t>
             </a:r>
           </a:p>
@@ -3584,7 +4025,7 @@
           <a:p>
             <a:r>
               <a:rPr lang="en-GB" i="1" dirty="0"/>
-              <a:t>Figure 2. Relationship between SNPs and INDELs with respect to their proportions (left) and their counts (right) per contig. Proportions and counts of SNPs and INDELs are the same as in Fig. 1-2.</a:t>
+              <a:t>Figure 3c. Relationship between SNPs and INDELs with respect to their proportions (left) and their counts (right) per contig. Proportions and counts of SNPs and INDELs are the same as in Fig. 1-2.</a:t>
             </a:r>
           </a:p>
         </p:txBody>
@@ -3634,7 +4075,7 @@
         <p:spPr>
           <a:xfrm>
             <a:off x="528115" y="409596"/>
-            <a:ext cx="2967031" cy="369332"/>
+            <a:ext cx="8211992" cy="369332"/>
           </a:xfrm>
           <a:prstGeom prst="rect">
             <a:avLst/>
@@ -3651,8 +4092,8 @@
               <a:buAutoNum type="arabicPeriod" startAt="3"/>
             </a:pPr>
             <a:r>
-              <a:rPr lang="en-GB" dirty="0"/>
-              <a:t>Derived allele frequencies</a:t>
+              <a:rPr lang="en-GB" b="1" dirty="0"/>
+              <a:t>Derived allele frequencies (in progress; for now minor allele frequencies Fig. 4-5)</a:t>
             </a:r>
           </a:p>
         </p:txBody>
@@ -3769,10 +4210,9 @@
               <a:t> </a:t>
             </a:r>
             <a:r>
-              <a:rPr lang="en-GB"/>
+              <a:rPr lang="en-GB" dirty="0"/>
               <a:t>is het (1)</a:t>
             </a:r>
-            <a:endParaRPr lang="en-GB" dirty="0"/>
           </a:p>
         </p:txBody>
       </p:sp>
@@ -3780,6 +4220,474 @@
     <p:extLst>
       <p:ext uri="{BB962C8B-B14F-4D97-AF65-F5344CB8AC3E}">
         <p14:creationId xmlns:p14="http://schemas.microsoft.com/office/powerpoint/2010/main" val="1238933828"/>
+      </p:ext>
+    </p:extLst>
+  </p:cSld>
+  <p:clrMapOvr>
+    <a:masterClrMapping/>
+  </p:clrMapOvr>
+</p:sld>
+</file>
+
+<file path=ppt/slides/slide12.xml><?xml version="1.0" encoding="utf-8"?>
+<p:sld xmlns:a="http://schemas.openxmlformats.org/drawingml/2006/main" xmlns:r="http://schemas.openxmlformats.org/officeDocument/2006/relationships" xmlns:p="http://schemas.openxmlformats.org/presentationml/2006/main">
+  <p:cSld>
+    <p:spTree>
+      <p:nvGrpSpPr>
+        <p:cNvPr id="1" name=""/>
+        <p:cNvGrpSpPr/>
+        <p:nvPr/>
+      </p:nvGrpSpPr>
+      <p:grpSpPr>
+        <a:xfrm>
+          <a:off x="0" y="0"/>
+          <a:ext cx="0" cy="0"/>
+          <a:chOff x="0" y="0"/>
+          <a:chExt cx="0" cy="0"/>
+        </a:xfrm>
+      </p:grpSpPr>
+      <p:sp>
+        <p:nvSpPr>
+          <p:cNvPr id="2" name="TextBox 1">
+            <a:extLst>
+              <a:ext uri="{FF2B5EF4-FFF2-40B4-BE49-F238E27FC236}">
+                <a16:creationId xmlns:a16="http://schemas.microsoft.com/office/drawing/2014/main" id="{660859CF-5617-044D-9432-FA7DA9618788}"/>
+              </a:ext>
+            </a:extLst>
+          </p:cNvPr>
+          <p:cNvSpPr txBox="1"/>
+          <p:nvPr/>
+        </p:nvSpPr>
+        <p:spPr>
+          <a:xfrm>
+            <a:off x="1760948" y="5968347"/>
+            <a:ext cx="8670105" cy="923330"/>
+          </a:xfrm>
+          <a:prstGeom prst="rect">
+            <a:avLst/>
+          </a:prstGeom>
+          <a:noFill/>
+        </p:spPr>
+        <p:txBody>
+          <a:bodyPr wrap="square" rtlCol="0">
+            <a:spAutoFit/>
+          </a:bodyPr>
+          <a:lstStyle/>
+          <a:p>
+            <a:r>
+              <a:rPr lang="en-GB" i="1" dirty="0"/>
+              <a:t>Figure 4a. Count minor allele frequencies of INDELs and SNPs after filtering but before cline analysis. Bin width is 0.05 and orange dashed line marks the maf filter in the cline analysis (0.1).</a:t>
+            </a:r>
+          </a:p>
+        </p:txBody>
+      </p:sp>
+      <p:pic>
+        <p:nvPicPr>
+          <p:cNvPr id="6" name="Picture 5">
+            <a:extLst>
+              <a:ext uri="{FF2B5EF4-FFF2-40B4-BE49-F238E27FC236}">
+                <a16:creationId xmlns:a16="http://schemas.microsoft.com/office/drawing/2014/main" id="{32DB366C-718E-A24C-AACB-2860AC09C4B7}"/>
+              </a:ext>
+            </a:extLst>
+          </p:cNvPr>
+          <p:cNvPicPr>
+            <a:picLocks noChangeAspect="1"/>
+          </p:cNvPicPr>
+          <p:nvPr/>
+        </p:nvPicPr>
+        <p:blipFill>
+          <a:blip r:embed="rId2"/>
+          <a:stretch>
+            <a:fillRect/>
+          </a:stretch>
+        </p:blipFill>
+        <p:spPr>
+          <a:xfrm>
+            <a:off x="1760948" y="208347"/>
+            <a:ext cx="8670104" cy="5760000"/>
+          </a:xfrm>
+          <a:prstGeom prst="rect">
+            <a:avLst/>
+          </a:prstGeom>
+        </p:spPr>
+      </p:pic>
+    </p:spTree>
+    <p:extLst>
+      <p:ext uri="{BB962C8B-B14F-4D97-AF65-F5344CB8AC3E}">
+        <p14:creationId xmlns:p14="http://schemas.microsoft.com/office/powerpoint/2010/main" val="3847379576"/>
+      </p:ext>
+    </p:extLst>
+  </p:cSld>
+  <p:clrMapOvr>
+    <a:masterClrMapping/>
+  </p:clrMapOvr>
+</p:sld>
+</file>
+
+<file path=ppt/slides/slide13.xml><?xml version="1.0" encoding="utf-8"?>
+<p:sld xmlns:a="http://schemas.openxmlformats.org/drawingml/2006/main" xmlns:r="http://schemas.openxmlformats.org/officeDocument/2006/relationships" xmlns:p="http://schemas.openxmlformats.org/presentationml/2006/main">
+  <p:cSld>
+    <p:spTree>
+      <p:nvGrpSpPr>
+        <p:cNvPr id="1" name=""/>
+        <p:cNvGrpSpPr/>
+        <p:nvPr/>
+      </p:nvGrpSpPr>
+      <p:grpSpPr>
+        <a:xfrm>
+          <a:off x="0" y="0"/>
+          <a:ext cx="0" cy="0"/>
+          <a:chOff x="0" y="0"/>
+          <a:chExt cx="0" cy="0"/>
+        </a:xfrm>
+      </p:grpSpPr>
+      <p:sp>
+        <p:nvSpPr>
+          <p:cNvPr id="2" name="TextBox 1">
+            <a:extLst>
+              <a:ext uri="{FF2B5EF4-FFF2-40B4-BE49-F238E27FC236}">
+                <a16:creationId xmlns:a16="http://schemas.microsoft.com/office/drawing/2014/main" id="{660859CF-5617-044D-9432-FA7DA9618788}"/>
+              </a:ext>
+            </a:extLst>
+          </p:cNvPr>
+          <p:cNvSpPr txBox="1"/>
+          <p:nvPr/>
+        </p:nvSpPr>
+        <p:spPr>
+          <a:xfrm>
+            <a:off x="216947" y="5589000"/>
+            <a:ext cx="9783580" cy="923330"/>
+          </a:xfrm>
+          <a:prstGeom prst="rect">
+            <a:avLst/>
+          </a:prstGeom>
+          <a:noFill/>
+        </p:spPr>
+        <p:txBody>
+          <a:bodyPr wrap="square" rtlCol="0">
+            <a:spAutoFit/>
+          </a:bodyPr>
+          <a:lstStyle/>
+          <a:p>
+            <a:r>
+              <a:rPr lang="en-GB" i="1" dirty="0"/>
+              <a:t>Figure 4b. Densities of INDELs and SNPs minor allele frequencies after filtering but before cline analysis. Orange dashed line marks the maf filter in the cline analysis (0.1). Left: density = count / sum(count). Right: density is scaled to maximum of 1.</a:t>
+            </a:r>
+          </a:p>
+        </p:txBody>
+      </p:sp>
+      <p:pic>
+        <p:nvPicPr>
+          <p:cNvPr id="5" name="Picture 4">
+            <a:extLst>
+              <a:ext uri="{FF2B5EF4-FFF2-40B4-BE49-F238E27FC236}">
+                <a16:creationId xmlns:a16="http://schemas.microsoft.com/office/drawing/2014/main" id="{157D5242-1C09-EF46-82D0-A28E841B8DF3}"/>
+              </a:ext>
+            </a:extLst>
+          </p:cNvPr>
+          <p:cNvPicPr>
+            <a:picLocks noChangeAspect="1"/>
+          </p:cNvPicPr>
+          <p:nvPr/>
+        </p:nvPicPr>
+        <p:blipFill rotWithShape="1">
+          <a:blip r:embed="rId2"/>
+          <a:srcRect r="8639"/>
+          <a:stretch/>
+        </p:blipFill>
+        <p:spPr>
+          <a:xfrm>
+            <a:off x="57875" y="1269000"/>
+            <a:ext cx="5940785" cy="4320000"/>
+          </a:xfrm>
+          <a:prstGeom prst="rect">
+            <a:avLst/>
+          </a:prstGeom>
+        </p:spPr>
+      </p:pic>
+      <p:pic>
+        <p:nvPicPr>
+          <p:cNvPr id="11" name="Picture 10">
+            <a:extLst>
+              <a:ext uri="{FF2B5EF4-FFF2-40B4-BE49-F238E27FC236}">
+                <a16:creationId xmlns:a16="http://schemas.microsoft.com/office/drawing/2014/main" id="{BDAD3FC9-50D8-FF43-A790-A6162FDF7291}"/>
+              </a:ext>
+            </a:extLst>
+          </p:cNvPr>
+          <p:cNvPicPr>
+            <a:picLocks noChangeAspect="1"/>
+          </p:cNvPicPr>
+          <p:nvPr/>
+        </p:nvPicPr>
+        <p:blipFill rotWithShape="1">
+          <a:blip r:embed="rId3"/>
+          <a:srcRect r="8817"/>
+          <a:stretch/>
+        </p:blipFill>
+        <p:spPr>
+          <a:xfrm>
+            <a:off x="6157732" y="1269000"/>
+            <a:ext cx="5929209" cy="4320000"/>
+          </a:xfrm>
+          <a:prstGeom prst="rect">
+            <a:avLst/>
+          </a:prstGeom>
+        </p:spPr>
+      </p:pic>
+    </p:spTree>
+    <p:extLst>
+      <p:ext uri="{BB962C8B-B14F-4D97-AF65-F5344CB8AC3E}">
+        <p14:creationId xmlns:p14="http://schemas.microsoft.com/office/powerpoint/2010/main" val="1368671057"/>
+      </p:ext>
+    </p:extLst>
+  </p:cSld>
+  <p:clrMapOvr>
+    <a:masterClrMapping/>
+  </p:clrMapOvr>
+</p:sld>
+</file>
+
+<file path=ppt/slides/slide14.xml><?xml version="1.0" encoding="utf-8"?>
+<p:sld xmlns:a="http://schemas.openxmlformats.org/drawingml/2006/main" xmlns:r="http://schemas.openxmlformats.org/officeDocument/2006/relationships" xmlns:p="http://schemas.openxmlformats.org/presentationml/2006/main">
+  <p:cSld>
+    <p:spTree>
+      <p:nvGrpSpPr>
+        <p:cNvPr id="1" name=""/>
+        <p:cNvGrpSpPr/>
+        <p:nvPr/>
+      </p:nvGrpSpPr>
+      <p:grpSpPr>
+        <a:xfrm>
+          <a:off x="0" y="0"/>
+          <a:ext cx="0" cy="0"/>
+          <a:chOff x="0" y="0"/>
+          <a:chExt cx="0" cy="0"/>
+        </a:xfrm>
+      </p:grpSpPr>
+      <p:sp>
+        <p:nvSpPr>
+          <p:cNvPr id="2" name="TextBox 1">
+            <a:extLst>
+              <a:ext uri="{FF2B5EF4-FFF2-40B4-BE49-F238E27FC236}">
+                <a16:creationId xmlns:a16="http://schemas.microsoft.com/office/drawing/2014/main" id="{660859CF-5617-044D-9432-FA7DA9618788}"/>
+              </a:ext>
+            </a:extLst>
+          </p:cNvPr>
+          <p:cNvSpPr txBox="1"/>
+          <p:nvPr/>
+        </p:nvSpPr>
+        <p:spPr>
+          <a:xfrm>
+            <a:off x="135303" y="5409000"/>
+            <a:ext cx="11921394" cy="646331"/>
+          </a:xfrm>
+          <a:prstGeom prst="rect">
+            <a:avLst/>
+          </a:prstGeom>
+          <a:noFill/>
+        </p:spPr>
+        <p:txBody>
+          <a:bodyPr wrap="square" rtlCol="0">
+            <a:spAutoFit/>
+          </a:bodyPr>
+          <a:lstStyle/>
+          <a:p>
+            <a:r>
+              <a:rPr lang="en-GB" i="1" dirty="0"/>
+              <a:t>Figure 5a. Count minor allele frequencies of INDELs (left) and SNPs (right) after filtering and cline analysis. Bin width is 0.05. Clinal variants are dark coloured and non-clinal variants are light coloured.</a:t>
+            </a:r>
+          </a:p>
+        </p:txBody>
+      </p:sp>
+      <p:pic>
+        <p:nvPicPr>
+          <p:cNvPr id="4" name="Picture 3">
+            <a:extLst>
+              <a:ext uri="{FF2B5EF4-FFF2-40B4-BE49-F238E27FC236}">
+                <a16:creationId xmlns:a16="http://schemas.microsoft.com/office/drawing/2014/main" id="{17B41F0B-A47E-F541-BB20-519DD105F923}"/>
+              </a:ext>
+            </a:extLst>
+          </p:cNvPr>
+          <p:cNvPicPr>
+            <a:picLocks noChangeAspect="1"/>
+          </p:cNvPicPr>
+          <p:nvPr/>
+        </p:nvPicPr>
+        <p:blipFill>
+          <a:blip r:embed="rId3"/>
+          <a:stretch>
+            <a:fillRect/>
+          </a:stretch>
+        </p:blipFill>
+        <p:spPr>
+          <a:xfrm>
+            <a:off x="135303" y="1449000"/>
+            <a:ext cx="5960697" cy="3960000"/>
+          </a:xfrm>
+          <a:prstGeom prst="rect">
+            <a:avLst/>
+          </a:prstGeom>
+        </p:spPr>
+      </p:pic>
+      <p:pic>
+        <p:nvPicPr>
+          <p:cNvPr id="7" name="Picture 6">
+            <a:extLst>
+              <a:ext uri="{FF2B5EF4-FFF2-40B4-BE49-F238E27FC236}">
+                <a16:creationId xmlns:a16="http://schemas.microsoft.com/office/drawing/2014/main" id="{463C845F-0B95-FE47-B5F9-A9E701411571}"/>
+              </a:ext>
+            </a:extLst>
+          </p:cNvPr>
+          <p:cNvPicPr>
+            <a:picLocks noChangeAspect="1"/>
+          </p:cNvPicPr>
+          <p:nvPr/>
+        </p:nvPicPr>
+        <p:blipFill>
+          <a:blip r:embed="rId4"/>
+          <a:stretch>
+            <a:fillRect/>
+          </a:stretch>
+        </p:blipFill>
+        <p:spPr>
+          <a:xfrm>
+            <a:off x="6096000" y="1449000"/>
+            <a:ext cx="5960697" cy="3960000"/>
+          </a:xfrm>
+          <a:prstGeom prst="rect">
+            <a:avLst/>
+          </a:prstGeom>
+        </p:spPr>
+      </p:pic>
+    </p:spTree>
+    <p:extLst>
+      <p:ext uri="{BB962C8B-B14F-4D97-AF65-F5344CB8AC3E}">
+        <p14:creationId xmlns:p14="http://schemas.microsoft.com/office/powerpoint/2010/main" val="861808505"/>
+      </p:ext>
+    </p:extLst>
+  </p:cSld>
+  <p:clrMapOvr>
+    <a:masterClrMapping/>
+  </p:clrMapOvr>
+</p:sld>
+</file>
+
+<file path=ppt/slides/slide15.xml><?xml version="1.0" encoding="utf-8"?>
+<p:sld xmlns:a="http://schemas.openxmlformats.org/drawingml/2006/main" xmlns:r="http://schemas.openxmlformats.org/officeDocument/2006/relationships" xmlns:p="http://schemas.openxmlformats.org/presentationml/2006/main">
+  <p:cSld>
+    <p:spTree>
+      <p:nvGrpSpPr>
+        <p:cNvPr id="1" name=""/>
+        <p:cNvGrpSpPr/>
+        <p:nvPr/>
+      </p:nvGrpSpPr>
+      <p:grpSpPr>
+        <a:xfrm>
+          <a:off x="0" y="0"/>
+          <a:ext cx="0" cy="0"/>
+          <a:chOff x="0" y="0"/>
+          <a:chExt cx="0" cy="0"/>
+        </a:xfrm>
+      </p:grpSpPr>
+      <p:sp>
+        <p:nvSpPr>
+          <p:cNvPr id="2" name="TextBox 1">
+            <a:extLst>
+              <a:ext uri="{FF2B5EF4-FFF2-40B4-BE49-F238E27FC236}">
+                <a16:creationId xmlns:a16="http://schemas.microsoft.com/office/drawing/2014/main" id="{660859CF-5617-044D-9432-FA7DA9618788}"/>
+              </a:ext>
+            </a:extLst>
+          </p:cNvPr>
+          <p:cNvSpPr txBox="1"/>
+          <p:nvPr/>
+        </p:nvSpPr>
+        <p:spPr>
+          <a:xfrm>
+            <a:off x="205371" y="5409000"/>
+            <a:ext cx="10316015" cy="646331"/>
+          </a:xfrm>
+          <a:prstGeom prst="rect">
+            <a:avLst/>
+          </a:prstGeom>
+          <a:noFill/>
+        </p:spPr>
+        <p:txBody>
+          <a:bodyPr wrap="square" rtlCol="0">
+            <a:spAutoFit/>
+          </a:bodyPr>
+          <a:lstStyle/>
+          <a:p>
+            <a:r>
+              <a:rPr lang="en-GB" i="1" dirty="0"/>
+              <a:t>Figure 5b. Densities of INDELs (left) and SNPs (right) minor allele frequencies after filtering and cline analysis. Density = count / sum(count). Clinal variants are dark coloured and non-clinal variants are light coloured.</a:t>
+            </a:r>
+          </a:p>
+        </p:txBody>
+      </p:sp>
+      <p:pic>
+        <p:nvPicPr>
+          <p:cNvPr id="4" name="Picture 3">
+            <a:extLst>
+              <a:ext uri="{FF2B5EF4-FFF2-40B4-BE49-F238E27FC236}">
+                <a16:creationId xmlns:a16="http://schemas.microsoft.com/office/drawing/2014/main" id="{2A776EC4-9530-7A49-A14D-5EFAEF1D0FA8}"/>
+              </a:ext>
+            </a:extLst>
+          </p:cNvPr>
+          <p:cNvPicPr>
+            <a:picLocks noChangeAspect="1"/>
+          </p:cNvPicPr>
+          <p:nvPr/>
+        </p:nvPicPr>
+        <p:blipFill>
+          <a:blip r:embed="rId2"/>
+          <a:stretch>
+            <a:fillRect/>
+          </a:stretch>
+        </p:blipFill>
+        <p:spPr>
+          <a:xfrm>
+            <a:off x="112776" y="1449000"/>
+            <a:ext cx="5960697" cy="3960000"/>
+          </a:xfrm>
+          <a:prstGeom prst="rect">
+            <a:avLst/>
+          </a:prstGeom>
+        </p:spPr>
+      </p:pic>
+      <p:pic>
+        <p:nvPicPr>
+          <p:cNvPr id="7" name="Picture 6">
+            <a:extLst>
+              <a:ext uri="{FF2B5EF4-FFF2-40B4-BE49-F238E27FC236}">
+                <a16:creationId xmlns:a16="http://schemas.microsoft.com/office/drawing/2014/main" id="{7655212B-F001-644F-98E3-CCA3CCEF273B}"/>
+              </a:ext>
+            </a:extLst>
+          </p:cNvPr>
+          <p:cNvPicPr>
+            <a:picLocks noChangeAspect="1"/>
+          </p:cNvPicPr>
+          <p:nvPr/>
+        </p:nvPicPr>
+        <p:blipFill>
+          <a:blip r:embed="rId3"/>
+          <a:stretch>
+            <a:fillRect/>
+          </a:stretch>
+        </p:blipFill>
+        <p:spPr>
+          <a:xfrm>
+            <a:off x="6131614" y="1449000"/>
+            <a:ext cx="5960697" cy="3960000"/>
+          </a:xfrm>
+          <a:prstGeom prst="rect">
+            <a:avLst/>
+          </a:prstGeom>
+        </p:spPr>
+      </p:pic>
+    </p:spTree>
+    <p:extLst>
+      <p:ext uri="{BB962C8B-B14F-4D97-AF65-F5344CB8AC3E}">
+        <p14:creationId xmlns:p14="http://schemas.microsoft.com/office/powerpoint/2010/main" val="3988675844"/>
       </p:ext>
     </p:extLst>
   </p:cSld>
@@ -4049,7 +4957,7 @@
         <p:spPr>
           <a:xfrm>
             <a:off x="524719" y="189654"/>
-            <a:ext cx="1922321" cy="369332"/>
+            <a:ext cx="1951175" cy="369332"/>
           </a:xfrm>
           <a:prstGeom prst="rect">
             <a:avLst/>
@@ -4066,7 +4974,7 @@
               <a:buAutoNum type="arabicPeriod"/>
             </a:pPr>
             <a:r>
-              <a:rPr lang="en-GB" dirty="0"/>
+              <a:rPr lang="en-GB" b="1" dirty="0"/>
               <a:t>Outlier sharing</a:t>
             </a:r>
           </a:p>
@@ -4809,7 +5717,7 @@
         <p:spPr>
           <a:xfrm>
             <a:off x="838629" y="1157735"/>
-            <a:ext cx="3064172" cy="369332"/>
+            <a:ext cx="4286943" cy="369332"/>
           </a:xfrm>
           <a:prstGeom prst="rect">
             <a:avLst/>
@@ -4828,7 +5736,7 @@
             </a:pPr>
             <a:r>
               <a:rPr lang="en-GB" dirty="0"/>
-              <a:t>Contigs after coverage filter</a:t>
+              <a:t>Contigs after coverage filter (in progress)</a:t>
             </a:r>
           </a:p>
         </p:txBody>
@@ -4913,7 +5821,7 @@
         <p:spPr>
           <a:xfrm>
             <a:off x="838629" y="1157735"/>
-            <a:ext cx="2657009" cy="369332"/>
+            <a:ext cx="3879780" cy="369332"/>
           </a:xfrm>
           <a:prstGeom prst="rect">
             <a:avLst/>
@@ -4932,7 +5840,7 @@
             </a:pPr>
             <a:r>
               <a:rPr lang="en-GB" dirty="0"/>
-              <a:t>SNPs after all the filters</a:t>
+              <a:t>SNPs after all the filters (in progress)</a:t>
             </a:r>
           </a:p>
         </p:txBody>
@@ -5075,7 +5983,7 @@
         <p:spPr>
           <a:xfrm>
             <a:off x="838629" y="1801172"/>
-            <a:ext cx="3031151" cy="307777"/>
+            <a:ext cx="3076035" cy="307777"/>
           </a:xfrm>
           <a:prstGeom prst="rect">
             <a:avLst/>
@@ -5090,7 +5998,7 @@
           <a:p>
             <a:r>
               <a:rPr lang="en-GB" sz="1400" dirty="0"/>
-              <a:t>any_outliers = outlier in at least one CZ</a:t>
+              <a:t>any_outliers = outlier in at least one CZ.</a:t>
             </a:r>
           </a:p>
         </p:txBody>
@@ -5110,7 +6018,7 @@
         <p:spPr>
           <a:xfrm>
             <a:off x="6231038" y="1801172"/>
-            <a:ext cx="2834494" cy="307777"/>
+            <a:ext cx="4439036" cy="307777"/>
           </a:xfrm>
           <a:prstGeom prst="rect">
             <a:avLst/>
@@ -5125,7 +6033,7 @@
           <a:p>
             <a:r>
               <a:rPr lang="en-GB" sz="1400" dirty="0"/>
-              <a:t>all_outliers = outlier shared by all CZ</a:t>
+              <a:t>all_outliers = outlier shared by all six CZs (two per islands).</a:t>
             </a:r>
           </a:p>
         </p:txBody>
@@ -5145,7 +6053,7 @@
         <p:spPr>
           <a:xfrm>
             <a:off x="838629" y="1157735"/>
-            <a:ext cx="5049011" cy="369332"/>
+            <a:ext cx="7953267" cy="369332"/>
           </a:xfrm>
           <a:prstGeom prst="rect">
             <a:avLst/>
@@ -5164,7 +6072,42 @@
             </a:pPr>
             <a:r>
               <a:rPr lang="en-GB" dirty="0"/>
-              <a:t>SNPs after all the filters and cline/outlier analysis</a:t>
+              <a:t>SNPs after all the filters and cline/outlier analysis (i.e., clinal and non-clinal SNPs)</a:t>
+            </a:r>
+          </a:p>
+        </p:txBody>
+      </p:sp>
+      <p:sp>
+        <p:nvSpPr>
+          <p:cNvPr id="14" name="TextBox 13">
+            <a:extLst>
+              <a:ext uri="{FF2B5EF4-FFF2-40B4-BE49-F238E27FC236}">
+                <a16:creationId xmlns:a16="http://schemas.microsoft.com/office/drawing/2014/main" id="{1BC812F4-C87A-6E46-A099-DE8B2DEAFABB}"/>
+              </a:ext>
+            </a:extLst>
+          </p:cNvPr>
+          <p:cNvSpPr txBox="1"/>
+          <p:nvPr/>
+        </p:nvSpPr>
+        <p:spPr>
+          <a:xfrm>
+            <a:off x="838629" y="5452999"/>
+            <a:ext cx="10759199" cy="923330"/>
+          </a:xfrm>
+          <a:prstGeom prst="rect">
+            <a:avLst/>
+          </a:prstGeom>
+          <a:noFill/>
+        </p:spPr>
+        <p:txBody>
+          <a:bodyPr wrap="square" rtlCol="0">
+            <a:spAutoFit/>
+          </a:bodyPr>
+          <a:lstStyle/>
+          <a:p>
+            <a:r>
+              <a:rPr lang="en-GB" i="1" dirty="0"/>
+              <a:t>Figure 1. Venn diagrams of the number of SNPs after filtering and cline analysis. Left: SAMtools and GATK calls are intersected with the respective outliers that were at least present in one hybrid zone. Right: SAMtools and GATK calls are intersected with the respective outliers that were present in all six hybrid zones (two per islands).</a:t>
             </a:r>
           </a:p>
         </p:txBody>
@@ -5220,7 +6163,7 @@
         </p:blipFill>
         <p:spPr>
           <a:xfrm>
-            <a:off x="1975432" y="739392"/>
+            <a:off x="54036" y="739392"/>
             <a:ext cx="8241136" cy="6120000"/>
           </a:xfrm>
           <a:prstGeom prst="rect">
@@ -5242,7 +6185,7 @@
         </p:nvSpPr>
         <p:spPr>
           <a:xfrm>
-            <a:off x="5361216" y="277792"/>
+            <a:off x="3439820" y="277792"/>
             <a:ext cx="1469569" cy="369332"/>
           </a:xfrm>
           <a:prstGeom prst="rect">
@@ -5277,8 +6220,8 @@
         </p:nvSpPr>
         <p:spPr>
           <a:xfrm>
-            <a:off x="7297304" y="4977113"/>
-            <a:ext cx="4522585" cy="923330"/>
+            <a:off x="8295172" y="855139"/>
+            <a:ext cx="3742499" cy="1200329"/>
           </a:xfrm>
           <a:prstGeom prst="rect">
             <a:avLst/>
@@ -5298,6 +6241,178 @@
           </a:p>
         </p:txBody>
       </p:sp>
+      <p:sp>
+        <p:nvSpPr>
+          <p:cNvPr id="6" name="TextBox 5">
+            <a:extLst>
+              <a:ext uri="{FF2B5EF4-FFF2-40B4-BE49-F238E27FC236}">
+                <a16:creationId xmlns:a16="http://schemas.microsoft.com/office/drawing/2014/main" id="{9CCBC790-4C93-E64D-91E1-2A0E4F58A609}"/>
+              </a:ext>
+            </a:extLst>
+          </p:cNvPr>
+          <p:cNvSpPr txBox="1"/>
+          <p:nvPr/>
+        </p:nvSpPr>
+        <p:spPr>
+          <a:xfrm>
+            <a:off x="5379257" y="5165839"/>
+            <a:ext cx="6658414" cy="646331"/>
+          </a:xfrm>
+          <a:prstGeom prst="rect">
+            <a:avLst/>
+          </a:prstGeom>
+          <a:noFill/>
+        </p:spPr>
+        <p:txBody>
+          <a:bodyPr wrap="square" rtlCol="0">
+            <a:spAutoFit/>
+          </a:bodyPr>
+          <a:lstStyle/>
+          <a:p>
+            <a:r>
+              <a:rPr lang="en-GB" i="1" dirty="0"/>
+              <a:t>Figure 2. The same as in Anja’s paper with the exception of the SNP </a:t>
+            </a:r>
+            <a:r>
+              <a:rPr lang="en-GB" i="1" dirty="0" err="1"/>
+              <a:t>callset</a:t>
+            </a:r>
+            <a:r>
+              <a:rPr lang="en-GB" i="1" dirty="0"/>
+              <a:t> which was produced using GATK.</a:t>
+            </a:r>
+          </a:p>
+        </p:txBody>
+      </p:sp>
+      <p:cxnSp>
+        <p:nvCxnSpPr>
+          <p:cNvPr id="8" name="Straight Connector 7">
+            <a:extLst>
+              <a:ext uri="{FF2B5EF4-FFF2-40B4-BE49-F238E27FC236}">
+                <a16:creationId xmlns:a16="http://schemas.microsoft.com/office/drawing/2014/main" id="{BFA32B25-210E-7349-9A1E-4624507CF046}"/>
+              </a:ext>
+            </a:extLst>
+          </p:cNvPr>
+          <p:cNvCxnSpPr>
+            <a:cxnSpLocks/>
+          </p:cNvCxnSpPr>
+          <p:nvPr/>
+        </p:nvCxnSpPr>
+        <p:spPr>
+          <a:xfrm>
+            <a:off x="393539" y="1088020"/>
+            <a:ext cx="7901633" cy="0"/>
+          </a:xfrm>
+          <a:prstGeom prst="line">
+            <a:avLst/>
+          </a:prstGeom>
+          <a:ln w="57150">
+            <a:solidFill>
+              <a:schemeClr val="tx1"/>
+            </a:solidFill>
+          </a:ln>
+        </p:spPr>
+        <p:style>
+          <a:lnRef idx="1">
+            <a:schemeClr val="accent1"/>
+          </a:lnRef>
+          <a:fillRef idx="0">
+            <a:schemeClr val="accent1"/>
+          </a:fillRef>
+          <a:effectRef idx="0">
+            <a:schemeClr val="accent1"/>
+          </a:effectRef>
+          <a:fontRef idx="minor">
+            <a:schemeClr val="tx1"/>
+          </a:fontRef>
+        </p:style>
+      </p:cxnSp>
+      <p:cxnSp>
+        <p:nvCxnSpPr>
+          <p:cNvPr id="10" name="Straight Connector 9">
+            <a:extLst>
+              <a:ext uri="{FF2B5EF4-FFF2-40B4-BE49-F238E27FC236}">
+                <a16:creationId xmlns:a16="http://schemas.microsoft.com/office/drawing/2014/main" id="{91B10E0A-738E-594D-8BCA-621AD0368F34}"/>
+              </a:ext>
+            </a:extLst>
+          </p:cNvPr>
+          <p:cNvCxnSpPr>
+            <a:cxnSpLocks/>
+          </p:cNvCxnSpPr>
+          <p:nvPr/>
+        </p:nvCxnSpPr>
+        <p:spPr>
+          <a:xfrm>
+            <a:off x="393539" y="3080795"/>
+            <a:ext cx="7901633" cy="0"/>
+          </a:xfrm>
+          <a:prstGeom prst="line">
+            <a:avLst/>
+          </a:prstGeom>
+          <a:ln w="57150">
+            <a:solidFill>
+              <a:schemeClr val="tx1"/>
+            </a:solidFill>
+          </a:ln>
+        </p:spPr>
+        <p:style>
+          <a:lnRef idx="1">
+            <a:schemeClr val="accent1"/>
+          </a:lnRef>
+          <a:fillRef idx="0">
+            <a:schemeClr val="accent1"/>
+          </a:fillRef>
+          <a:effectRef idx="0">
+            <a:schemeClr val="accent1"/>
+          </a:effectRef>
+          <a:fontRef idx="minor">
+            <a:schemeClr val="tx1"/>
+          </a:fontRef>
+        </p:style>
+      </p:cxnSp>
+      <p:cxnSp>
+        <p:nvCxnSpPr>
+          <p:cNvPr id="11" name="Straight Connector 10">
+            <a:extLst>
+              <a:ext uri="{FF2B5EF4-FFF2-40B4-BE49-F238E27FC236}">
+                <a16:creationId xmlns:a16="http://schemas.microsoft.com/office/drawing/2014/main" id="{86EA1A3D-23B2-C146-B377-4A4EBF6DE001}"/>
+              </a:ext>
+            </a:extLst>
+          </p:cNvPr>
+          <p:cNvCxnSpPr>
+            <a:cxnSpLocks/>
+          </p:cNvCxnSpPr>
+          <p:nvPr/>
+        </p:nvCxnSpPr>
+        <p:spPr>
+          <a:xfrm>
+            <a:off x="393539" y="5073570"/>
+            <a:ext cx="7901633" cy="0"/>
+          </a:xfrm>
+          <a:prstGeom prst="line">
+            <a:avLst/>
+          </a:prstGeom>
+          <a:ln w="57150">
+            <a:solidFill>
+              <a:schemeClr val="tx1"/>
+            </a:solidFill>
+          </a:ln>
+        </p:spPr>
+        <p:style>
+          <a:lnRef idx="1">
+            <a:schemeClr val="accent1"/>
+          </a:lnRef>
+          <a:fillRef idx="0">
+            <a:schemeClr val="accent1"/>
+          </a:fillRef>
+          <a:effectRef idx="0">
+            <a:schemeClr val="accent1"/>
+          </a:effectRef>
+          <a:fontRef idx="minor">
+            <a:schemeClr val="tx1"/>
+          </a:fontRef>
+        </p:style>
+      </p:cxnSp>
     </p:spTree>
     <p:extLst>
       <p:ext uri="{BB962C8B-B14F-4D97-AF65-F5344CB8AC3E}">
@@ -5343,7 +6458,7 @@
         <p:spPr>
           <a:xfrm>
             <a:off x="528115" y="409596"/>
-            <a:ext cx="4088812" cy="369332"/>
+            <a:ext cx="4164153" cy="369332"/>
           </a:xfrm>
           <a:prstGeom prst="rect">
             <a:avLst/>
@@ -5360,14 +6475,14 @@
               <a:buAutoNum type="arabicPeriod" startAt="2"/>
             </a:pPr>
             <a:r>
-              <a:rPr lang="en-GB" dirty="0"/>
+              <a:rPr lang="en-GB" b="1" dirty="0"/>
               <a:t>Clustering of (different types) markers</a:t>
             </a:r>
           </a:p>
         </p:txBody>
       </p:sp>
-      <mc:AlternateContent xmlns:mc="http://schemas.openxmlformats.org/markup-compatibility/2006">
-        <mc:Choice xmlns:a14="http://schemas.microsoft.com/office/drawing/2010/main" Requires="a14">
+      <mc:AlternateContent xmlns:mc="http://schemas.openxmlformats.org/markup-compatibility/2006" xmlns:a14="http://schemas.microsoft.com/office/drawing/2010/main">
+        <mc:Choice Requires="a14">
           <p:sp>
             <p:nvSpPr>
               <p:cNvPr id="7" name="TextBox 6">
@@ -5503,7 +6618,7 @@
             </p:txBody>
           </p:sp>
         </mc:Choice>
-        <mc:Fallback>
+        <mc:Fallback xmlns="">
           <p:sp>
             <p:nvSpPr>
               <p:cNvPr id="7" name="TextBox 6">
@@ -5548,8 +6663,8 @@
           </p:sp>
         </mc:Fallback>
       </mc:AlternateContent>
-      <mc:AlternateContent xmlns:mc="http://schemas.openxmlformats.org/markup-compatibility/2006">
-        <mc:Choice xmlns:a14="http://schemas.microsoft.com/office/drawing/2010/main" Requires="a14">
+      <mc:AlternateContent xmlns:mc="http://schemas.openxmlformats.org/markup-compatibility/2006" xmlns:a14="http://schemas.microsoft.com/office/drawing/2010/main">
+        <mc:Choice Requires="a14">
           <p:sp>
             <p:nvSpPr>
               <p:cNvPr id="9" name="TextBox 8">
@@ -5578,6 +6693,7 @@
               </a:bodyPr>
               <a:lstStyle/>
               <a:p>
+                <a:pPr/>
                 <a14:m>
                   <m:oMathPara xmlns:m="http://schemas.openxmlformats.org/officeDocument/2006/math">
                     <m:oMathParaPr>
@@ -5719,7 +6835,7 @@
             </p:txBody>
           </p:sp>
         </mc:Choice>
-        <mc:Fallback>
+        <mc:Fallback xmlns="">
           <p:sp>
             <p:nvSpPr>
               <p:cNvPr id="9" name="TextBox 8">
@@ -5764,8 +6880,8 @@
           </p:sp>
         </mc:Fallback>
       </mc:AlternateContent>
-      <mc:AlternateContent xmlns:mc="http://schemas.openxmlformats.org/markup-compatibility/2006">
-        <mc:Choice xmlns:a14="http://schemas.microsoft.com/office/drawing/2010/main" Requires="a14">
+      <mc:AlternateContent xmlns:mc="http://schemas.openxmlformats.org/markup-compatibility/2006" xmlns:a14="http://schemas.microsoft.com/office/drawing/2010/main">
+        <mc:Choice Requires="a14">
           <p:sp>
             <p:nvSpPr>
               <p:cNvPr id="10" name="TextBox 9">
@@ -5794,6 +6910,7 @@
               </a:bodyPr>
               <a:lstStyle/>
               <a:p>
+                <a:pPr/>
                 <a14:m>
                   <m:oMathPara xmlns:m="http://schemas.openxmlformats.org/officeDocument/2006/math">
                     <m:oMathParaPr>
@@ -5883,7 +7000,7 @@
             </p:txBody>
           </p:sp>
         </mc:Choice>
-        <mc:Fallback>
+        <mc:Fallback xmlns="">
           <p:sp>
             <p:nvSpPr>
               <p:cNvPr id="10" name="TextBox 9">
@@ -6042,7 +7159,7 @@
         <p:spPr>
           <a:xfrm>
             <a:off x="89627" y="6090207"/>
-            <a:ext cx="6382132" cy="369332"/>
+            <a:ext cx="6468822" cy="369332"/>
           </a:xfrm>
           <a:prstGeom prst="rect">
             <a:avLst/>
@@ -6057,7 +7174,7 @@
           <a:p>
             <a:r>
               <a:rPr lang="en-GB" i="1" dirty="0"/>
-              <a:t>Figure 1. Proportions (left) and counts (right) of INDELs per contig.</a:t>
+              <a:t>Figure 3a. Proportions (left) and counts (right) of INDELs per contig.</a:t>
             </a:r>
           </a:p>
         </p:txBody>
@@ -6107,7 +7224,7 @@
         <p:spPr>
           <a:xfrm>
             <a:off x="528115" y="409596"/>
-            <a:ext cx="4088812" cy="369332"/>
+            <a:ext cx="4164153" cy="369332"/>
           </a:xfrm>
           <a:prstGeom prst="rect">
             <a:avLst/>
@@ -6124,14 +7241,14 @@
               <a:buAutoNum type="arabicPeriod" startAt="2"/>
             </a:pPr>
             <a:r>
-              <a:rPr lang="en-GB" dirty="0"/>
+              <a:rPr lang="en-GB" b="1" dirty="0"/>
               <a:t>Clustering of (different types) markers</a:t>
             </a:r>
           </a:p>
         </p:txBody>
       </p:sp>
-      <mc:AlternateContent xmlns:mc="http://schemas.openxmlformats.org/markup-compatibility/2006">
-        <mc:Choice xmlns:a14="http://schemas.microsoft.com/office/drawing/2010/main" Requires="a14">
+      <mc:AlternateContent xmlns:mc="http://schemas.openxmlformats.org/markup-compatibility/2006" xmlns:a14="http://schemas.microsoft.com/office/drawing/2010/main">
+        <mc:Choice Requires="a14">
           <p:sp>
             <p:nvSpPr>
               <p:cNvPr id="7" name="TextBox 6">
@@ -6267,7 +7384,7 @@
             </p:txBody>
           </p:sp>
         </mc:Choice>
-        <mc:Fallback>
+        <mc:Fallback xmlns="">
           <p:sp>
             <p:nvSpPr>
               <p:cNvPr id="7" name="TextBox 6">
@@ -6312,8 +7429,8 @@
           </p:sp>
         </mc:Fallback>
       </mc:AlternateContent>
-      <mc:AlternateContent xmlns:mc="http://schemas.openxmlformats.org/markup-compatibility/2006">
-        <mc:Choice xmlns:a14="http://schemas.microsoft.com/office/drawing/2010/main" Requires="a14">
+      <mc:AlternateContent xmlns:mc="http://schemas.openxmlformats.org/markup-compatibility/2006" xmlns:a14="http://schemas.microsoft.com/office/drawing/2010/main">
+        <mc:Choice Requires="a14">
           <p:sp>
             <p:nvSpPr>
               <p:cNvPr id="9" name="TextBox 8">
@@ -6342,6 +7459,7 @@
               </a:bodyPr>
               <a:lstStyle/>
               <a:p>
+                <a:pPr/>
                 <a14:m>
                   <m:oMathPara xmlns:m="http://schemas.openxmlformats.org/officeDocument/2006/math">
                     <m:oMathParaPr>
@@ -6483,7 +7601,7 @@
             </p:txBody>
           </p:sp>
         </mc:Choice>
-        <mc:Fallback>
+        <mc:Fallback xmlns="">
           <p:sp>
             <p:nvSpPr>
               <p:cNvPr id="9" name="TextBox 8">
@@ -6528,8 +7646,8 @@
           </p:sp>
         </mc:Fallback>
       </mc:AlternateContent>
-      <mc:AlternateContent xmlns:mc="http://schemas.openxmlformats.org/markup-compatibility/2006">
-        <mc:Choice xmlns:a14="http://schemas.microsoft.com/office/drawing/2010/main" Requires="a14">
+      <mc:AlternateContent xmlns:mc="http://schemas.openxmlformats.org/markup-compatibility/2006" xmlns:a14="http://schemas.microsoft.com/office/drawing/2010/main">
+        <mc:Choice Requires="a14">
           <p:sp>
             <p:nvSpPr>
               <p:cNvPr id="10" name="TextBox 9">
@@ -6558,6 +7676,7 @@
               </a:bodyPr>
               <a:lstStyle/>
               <a:p>
+                <a:pPr/>
                 <a14:m>
                   <m:oMathPara xmlns:m="http://schemas.openxmlformats.org/officeDocument/2006/math">
                     <m:oMathParaPr>
@@ -6647,7 +7766,7 @@
             </p:txBody>
           </p:sp>
         </mc:Choice>
-        <mc:Fallback>
+        <mc:Fallback xmlns="">
           <p:sp>
             <p:nvSpPr>
               <p:cNvPr id="10" name="TextBox 9">
@@ -6806,7 +7925,7 @@
         <p:spPr>
           <a:xfrm>
             <a:off x="89627" y="6090207"/>
-            <a:ext cx="6162649" cy="369332"/>
+            <a:ext cx="6281271" cy="369332"/>
           </a:xfrm>
           <a:prstGeom prst="rect">
             <a:avLst/>
@@ -6821,7 +7940,7 @@
           <a:p>
             <a:r>
               <a:rPr lang="en-GB" i="1" dirty="0"/>
-              <a:t>Figure 2. Proportions (left) and counts (right) of SNPs per contig.</a:t>
+              <a:t>Figure 3b. Proportions (left) and counts (right) of SNPs per contig.</a:t>
             </a:r>
           </a:p>
         </p:txBody>
@@ -7132,4 +8251,299 @@
     </a:ext>
   </a:extLst>
 </a:theme>
+</file>
+
+<file path=ppt/theme/theme2.xml><?xml version="1.0" encoding="utf-8"?>
+<a:theme xmlns:a="http://schemas.openxmlformats.org/drawingml/2006/main" name="Office Theme">
+  <a:themeElements>
+    <a:clrScheme name="Office">
+      <a:dk1>
+        <a:sysClr val="windowText" lastClr="000000"/>
+      </a:dk1>
+      <a:lt1>
+        <a:sysClr val="window" lastClr="FFFFFF"/>
+      </a:lt1>
+      <a:dk2>
+        <a:srgbClr val="44546A"/>
+      </a:dk2>
+      <a:lt2>
+        <a:srgbClr val="E7E6E6"/>
+      </a:lt2>
+      <a:accent1>
+        <a:srgbClr val="4472C4"/>
+      </a:accent1>
+      <a:accent2>
+        <a:srgbClr val="ED7D31"/>
+      </a:accent2>
+      <a:accent3>
+        <a:srgbClr val="A5A5A5"/>
+      </a:accent3>
+      <a:accent4>
+        <a:srgbClr val="FFC000"/>
+      </a:accent4>
+      <a:accent5>
+        <a:srgbClr val="5B9BD5"/>
+      </a:accent5>
+      <a:accent6>
+        <a:srgbClr val="70AD47"/>
+      </a:accent6>
+      <a:hlink>
+        <a:srgbClr val="0563C1"/>
+      </a:hlink>
+      <a:folHlink>
+        <a:srgbClr val="954F72"/>
+      </a:folHlink>
+    </a:clrScheme>
+    <a:fontScheme name="Office">
+      <a:majorFont>
+        <a:latin typeface="Calibri Light" panose="020F0302020204030204"/>
+        <a:ea typeface=""/>
+        <a:cs typeface=""/>
+        <a:font script="Jpan" typeface="游ゴシック Light"/>
+        <a:font script="Hang" typeface="맑은 고딕"/>
+        <a:font script="Hans" typeface="等线 Light"/>
+        <a:font script="Hant" typeface="新細明體"/>
+        <a:font script="Arab" typeface="Times New Roman"/>
+        <a:font script="Hebr" typeface="Times New Roman"/>
+        <a:font script="Thai" typeface="Angsana New"/>
+        <a:font script="Ethi" typeface="Nyala"/>
+        <a:font script="Beng" typeface="Vrinda"/>
+        <a:font script="Gujr" typeface="Shruti"/>
+        <a:font script="Khmr" typeface="MoolBoran"/>
+        <a:font script="Knda" typeface="Tunga"/>
+        <a:font script="Guru" typeface="Raavi"/>
+        <a:font script="Cans" typeface="Euphemia"/>
+        <a:font script="Cher" typeface="Plantagenet Cherokee"/>
+        <a:font script="Yiii" typeface="Microsoft Yi Baiti"/>
+        <a:font script="Tibt" typeface="Microsoft Himalaya"/>
+        <a:font script="Thaa" typeface="MV Boli"/>
+        <a:font script="Deva" typeface="Mangal"/>
+        <a:font script="Telu" typeface="Gautami"/>
+        <a:font script="Taml" typeface="Latha"/>
+        <a:font script="Syrc" typeface="Estrangelo Edessa"/>
+        <a:font script="Orya" typeface="Kalinga"/>
+        <a:font script="Mlym" typeface="Kartika"/>
+        <a:font script="Laoo" typeface="DokChampa"/>
+        <a:font script="Sinh" typeface="Iskoola Pota"/>
+        <a:font script="Mong" typeface="Mongolian Baiti"/>
+        <a:font script="Viet" typeface="Times New Roman"/>
+        <a:font script="Uigh" typeface="Microsoft Uighur"/>
+        <a:font script="Geor" typeface="Sylfaen"/>
+        <a:font script="Armn" typeface="Arial"/>
+        <a:font script="Bugi" typeface="Leelawadee UI"/>
+        <a:font script="Bopo" typeface="Microsoft JhengHei"/>
+        <a:font script="Java" typeface="Javanese Text"/>
+        <a:font script="Lisu" typeface="Segoe UI"/>
+        <a:font script="Mymr" typeface="Myanmar Text"/>
+        <a:font script="Nkoo" typeface="Ebrima"/>
+        <a:font script="Olck" typeface="Nirmala UI"/>
+        <a:font script="Osma" typeface="Ebrima"/>
+        <a:font script="Phag" typeface="Phagspa"/>
+        <a:font script="Syrn" typeface="Estrangelo Edessa"/>
+        <a:font script="Syrj" typeface="Estrangelo Edessa"/>
+        <a:font script="Syre" typeface="Estrangelo Edessa"/>
+        <a:font script="Sora" typeface="Nirmala UI"/>
+        <a:font script="Tale" typeface="Microsoft Tai Le"/>
+        <a:font script="Talu" typeface="Microsoft New Tai Lue"/>
+        <a:font script="Tfng" typeface="Ebrima"/>
+      </a:majorFont>
+      <a:minorFont>
+        <a:latin typeface="Calibri" panose="020F0502020204030204"/>
+        <a:ea typeface=""/>
+        <a:cs typeface=""/>
+        <a:font script="Jpan" typeface="游ゴシック"/>
+        <a:font script="Hang" typeface="맑은 고딕"/>
+        <a:font script="Hans" typeface="等线"/>
+        <a:font script="Hant" typeface="新細明體"/>
+        <a:font script="Arab" typeface="Arial"/>
+        <a:font script="Hebr" typeface="Arial"/>
+        <a:font script="Thai" typeface="Cordia New"/>
+        <a:font script="Ethi" typeface="Nyala"/>
+        <a:font script="Beng" typeface="Vrinda"/>
+        <a:font script="Gujr" typeface="Shruti"/>
+        <a:font script="Khmr" typeface="DaunPenh"/>
+        <a:font script="Knda" typeface="Tunga"/>
+        <a:font script="Guru" typeface="Raavi"/>
+        <a:font script="Cans" typeface="Euphemia"/>
+        <a:font script="Cher" typeface="Plantagenet Cherokee"/>
+        <a:font script="Yiii" typeface="Microsoft Yi Baiti"/>
+        <a:font script="Tibt" typeface="Microsoft Himalaya"/>
+        <a:font script="Thaa" typeface="MV Boli"/>
+        <a:font script="Deva" typeface="Mangal"/>
+        <a:font script="Telu" typeface="Gautami"/>
+        <a:font script="Taml" typeface="Latha"/>
+        <a:font script="Syrc" typeface="Estrangelo Edessa"/>
+        <a:font script="Orya" typeface="Kalinga"/>
+        <a:font script="Mlym" typeface="Kartika"/>
+        <a:font script="Laoo" typeface="DokChampa"/>
+        <a:font script="Sinh" typeface="Iskoola Pota"/>
+        <a:font script="Mong" typeface="Mongolian Baiti"/>
+        <a:font script="Viet" typeface="Arial"/>
+        <a:font script="Uigh" typeface="Microsoft Uighur"/>
+        <a:font script="Geor" typeface="Sylfaen"/>
+        <a:font script="Armn" typeface="Arial"/>
+        <a:font script="Bugi" typeface="Leelawadee UI"/>
+        <a:font script="Bopo" typeface="Microsoft JhengHei"/>
+        <a:font script="Java" typeface="Javanese Text"/>
+        <a:font script="Lisu" typeface="Segoe UI"/>
+        <a:font script="Mymr" typeface="Myanmar Text"/>
+        <a:font script="Nkoo" typeface="Ebrima"/>
+        <a:font script="Olck" typeface="Nirmala UI"/>
+        <a:font script="Osma" typeface="Ebrima"/>
+        <a:font script="Phag" typeface="Phagspa"/>
+        <a:font script="Syrn" typeface="Estrangelo Edessa"/>
+        <a:font script="Syrj" typeface="Estrangelo Edessa"/>
+        <a:font script="Syre" typeface="Estrangelo Edessa"/>
+        <a:font script="Sora" typeface="Nirmala UI"/>
+        <a:font script="Tale" typeface="Microsoft Tai Le"/>
+        <a:font script="Talu" typeface="Microsoft New Tai Lue"/>
+        <a:font script="Tfng" typeface="Ebrima"/>
+      </a:minorFont>
+    </a:fontScheme>
+    <a:fmtScheme name="Office">
+      <a:fillStyleLst>
+        <a:solidFill>
+          <a:schemeClr val="phClr"/>
+        </a:solidFill>
+        <a:gradFill rotWithShape="1">
+          <a:gsLst>
+            <a:gs pos="0">
+              <a:schemeClr val="phClr">
+                <a:lumMod val="110000"/>
+                <a:satMod val="105000"/>
+                <a:tint val="67000"/>
+              </a:schemeClr>
+            </a:gs>
+            <a:gs pos="50000">
+              <a:schemeClr val="phClr">
+                <a:lumMod val="105000"/>
+                <a:satMod val="103000"/>
+                <a:tint val="73000"/>
+              </a:schemeClr>
+            </a:gs>
+            <a:gs pos="100000">
+              <a:schemeClr val="phClr">
+                <a:lumMod val="105000"/>
+                <a:satMod val="109000"/>
+                <a:tint val="81000"/>
+              </a:schemeClr>
+            </a:gs>
+          </a:gsLst>
+          <a:lin ang="5400000" scaled="0"/>
+        </a:gradFill>
+        <a:gradFill rotWithShape="1">
+          <a:gsLst>
+            <a:gs pos="0">
+              <a:schemeClr val="phClr">
+                <a:satMod val="103000"/>
+                <a:lumMod val="102000"/>
+                <a:tint val="94000"/>
+              </a:schemeClr>
+            </a:gs>
+            <a:gs pos="50000">
+              <a:schemeClr val="phClr">
+                <a:satMod val="110000"/>
+                <a:lumMod val="100000"/>
+                <a:shade val="100000"/>
+              </a:schemeClr>
+            </a:gs>
+            <a:gs pos="100000">
+              <a:schemeClr val="phClr">
+                <a:lumMod val="99000"/>
+                <a:satMod val="120000"/>
+                <a:shade val="78000"/>
+              </a:schemeClr>
+            </a:gs>
+          </a:gsLst>
+          <a:lin ang="5400000" scaled="0"/>
+        </a:gradFill>
+      </a:fillStyleLst>
+      <a:lnStyleLst>
+        <a:ln w="6350" cap="flat" cmpd="sng" algn="ctr">
+          <a:solidFill>
+            <a:schemeClr val="phClr"/>
+          </a:solidFill>
+          <a:prstDash val="solid"/>
+          <a:miter lim="800000"/>
+        </a:ln>
+        <a:ln w="12700" cap="flat" cmpd="sng" algn="ctr">
+          <a:solidFill>
+            <a:schemeClr val="phClr"/>
+          </a:solidFill>
+          <a:prstDash val="solid"/>
+          <a:miter lim="800000"/>
+        </a:ln>
+        <a:ln w="19050" cap="flat" cmpd="sng" algn="ctr">
+          <a:solidFill>
+            <a:schemeClr val="phClr"/>
+          </a:solidFill>
+          <a:prstDash val="solid"/>
+          <a:miter lim="800000"/>
+        </a:ln>
+      </a:lnStyleLst>
+      <a:effectStyleLst>
+        <a:effectStyle>
+          <a:effectLst/>
+        </a:effectStyle>
+        <a:effectStyle>
+          <a:effectLst/>
+        </a:effectStyle>
+        <a:effectStyle>
+          <a:effectLst>
+            <a:outerShdw blurRad="57150" dist="19050" dir="5400000" algn="ctr" rotWithShape="0">
+              <a:srgbClr val="000000">
+                <a:alpha val="63000"/>
+              </a:srgbClr>
+            </a:outerShdw>
+          </a:effectLst>
+        </a:effectStyle>
+      </a:effectStyleLst>
+      <a:bgFillStyleLst>
+        <a:solidFill>
+          <a:schemeClr val="phClr"/>
+        </a:solidFill>
+        <a:solidFill>
+          <a:schemeClr val="phClr">
+            <a:tint val="95000"/>
+            <a:satMod val="170000"/>
+          </a:schemeClr>
+        </a:solidFill>
+        <a:gradFill rotWithShape="1">
+          <a:gsLst>
+            <a:gs pos="0">
+              <a:schemeClr val="phClr">
+                <a:tint val="93000"/>
+                <a:satMod val="150000"/>
+                <a:shade val="98000"/>
+                <a:lumMod val="102000"/>
+              </a:schemeClr>
+            </a:gs>
+            <a:gs pos="50000">
+              <a:schemeClr val="phClr">
+                <a:tint val="98000"/>
+                <a:satMod val="130000"/>
+                <a:shade val="90000"/>
+                <a:lumMod val="103000"/>
+              </a:schemeClr>
+            </a:gs>
+            <a:gs pos="100000">
+              <a:schemeClr val="phClr">
+                <a:shade val="63000"/>
+                <a:satMod val="120000"/>
+              </a:schemeClr>
+            </a:gs>
+          </a:gsLst>
+          <a:lin ang="5400000" scaled="0"/>
+        </a:gradFill>
+      </a:bgFillStyleLst>
+    </a:fmtScheme>
+  </a:themeElements>
+  <a:objectDefaults/>
+  <a:extraClrSchemeLst/>
+  <a:extLst>
+    <a:ext uri="{05A4C25C-085E-4340-85A3-A5531E510DB2}">
+      <thm15:themeFamily xmlns:thm15="http://schemas.microsoft.com/office/thememl/2012/main" name="Office Theme" id="{62F939B6-93AF-4DB8-9C6B-D6C7DFDC589F}" vid="{4A3C46E8-61CC-4603-A589-7422A47A8E4A}"/>
+    </a:ext>
+  </a:extLst>
+</a:theme>
 </file>
--- a/short_genetic_variants/docs/short_indels.pptx
+++ b/short_genetic_variants/docs/short_indels.pptx
@@ -15,14 +15,14 @@
     <p:sldId id="265" r:id="rId6"/>
     <p:sldId id="260" r:id="rId7"/>
     <p:sldId id="263" r:id="rId8"/>
-    <p:sldId id="258" r:id="rId9"/>
-    <p:sldId id="261" r:id="rId10"/>
-    <p:sldId id="262" r:id="rId11"/>
-    <p:sldId id="266" r:id="rId12"/>
-    <p:sldId id="267" r:id="rId13"/>
-    <p:sldId id="268" r:id="rId14"/>
-    <p:sldId id="269" r:id="rId15"/>
-    <p:sldId id="270" r:id="rId16"/>
+    <p:sldId id="272" r:id="rId9"/>
+    <p:sldId id="258" r:id="rId10"/>
+    <p:sldId id="271" r:id="rId11"/>
+    <p:sldId id="261" r:id="rId12"/>
+    <p:sldId id="262" r:id="rId13"/>
+    <p:sldId id="266" r:id="rId14"/>
+    <p:sldId id="267" r:id="rId15"/>
+    <p:sldId id="269" r:id="rId16"/>
   </p:sldIdLst>
   <p:sldSz cx="12192000" cy="6858000"/>
   <p:notesSz cx="6858000" cy="9144000"/>
@@ -211,7 +211,7 @@
           <a:p>
             <a:fld id="{ADC703C6-BB32-1847-9BA4-6A93FF920BED}" type="datetimeFigureOut">
               <a:rPr lang="en-GB" smtClean="0"/>
-              <a:t>22/06/2020</a:t>
+              <a:t>23/06/2020</a:t>
             </a:fld>
             <a:endParaRPr lang="en-GB"/>
           </a:p>
@@ -544,7 +544,7 @@
           <a:p>
             <a:fld id="{2ADA2D0F-F41E-7742-88B9-1534E3544B0B}" type="slidenum">
               <a:rPr lang="en-GB" smtClean="0"/>
-              <a:t>14</a:t>
+              <a:t>15</a:t>
             </a:fld>
             <a:endParaRPr lang="en-GB"/>
           </a:p>
@@ -712,7 +712,7 @@
           <a:p>
             <a:fld id="{5C316670-22DA-CE45-BF19-C0B19D676291}" type="datetimeFigureOut">
               <a:rPr lang="en-GB" smtClean="0"/>
-              <a:t>22/06/2020</a:t>
+              <a:t>23/06/2020</a:t>
             </a:fld>
             <a:endParaRPr lang="en-GB"/>
           </a:p>
@@ -912,7 +912,7 @@
           <a:p>
             <a:fld id="{5C316670-22DA-CE45-BF19-C0B19D676291}" type="datetimeFigureOut">
               <a:rPr lang="en-GB" smtClean="0"/>
-              <a:t>22/06/2020</a:t>
+              <a:t>23/06/2020</a:t>
             </a:fld>
             <a:endParaRPr lang="en-GB"/>
           </a:p>
@@ -1122,7 +1122,7 @@
           <a:p>
             <a:fld id="{5C316670-22DA-CE45-BF19-C0B19D676291}" type="datetimeFigureOut">
               <a:rPr lang="en-GB" smtClean="0"/>
-              <a:t>22/06/2020</a:t>
+              <a:t>23/06/2020</a:t>
             </a:fld>
             <a:endParaRPr lang="en-GB"/>
           </a:p>
@@ -1322,7 +1322,7 @@
           <a:p>
             <a:fld id="{5C316670-22DA-CE45-BF19-C0B19D676291}" type="datetimeFigureOut">
               <a:rPr lang="en-GB" smtClean="0"/>
-              <a:t>22/06/2020</a:t>
+              <a:t>23/06/2020</a:t>
             </a:fld>
             <a:endParaRPr lang="en-GB"/>
           </a:p>
@@ -1598,7 +1598,7 @@
           <a:p>
             <a:fld id="{5C316670-22DA-CE45-BF19-C0B19D676291}" type="datetimeFigureOut">
               <a:rPr lang="en-GB" smtClean="0"/>
-              <a:t>22/06/2020</a:t>
+              <a:t>23/06/2020</a:t>
             </a:fld>
             <a:endParaRPr lang="en-GB"/>
           </a:p>
@@ -1866,7 +1866,7 @@
           <a:p>
             <a:fld id="{5C316670-22DA-CE45-BF19-C0B19D676291}" type="datetimeFigureOut">
               <a:rPr lang="en-GB" smtClean="0"/>
-              <a:t>22/06/2020</a:t>
+              <a:t>23/06/2020</a:t>
             </a:fld>
             <a:endParaRPr lang="en-GB"/>
           </a:p>
@@ -2281,7 +2281,7 @@
           <a:p>
             <a:fld id="{5C316670-22DA-CE45-BF19-C0B19D676291}" type="datetimeFigureOut">
               <a:rPr lang="en-GB" smtClean="0"/>
-              <a:t>22/06/2020</a:t>
+              <a:t>23/06/2020</a:t>
             </a:fld>
             <a:endParaRPr lang="en-GB"/>
           </a:p>
@@ -2423,7 +2423,7 @@
           <a:p>
             <a:fld id="{5C316670-22DA-CE45-BF19-C0B19D676291}" type="datetimeFigureOut">
               <a:rPr lang="en-GB" smtClean="0"/>
-              <a:t>22/06/2020</a:t>
+              <a:t>23/06/2020</a:t>
             </a:fld>
             <a:endParaRPr lang="en-GB"/>
           </a:p>
@@ -2536,7 +2536,7 @@
           <a:p>
             <a:fld id="{5C316670-22DA-CE45-BF19-C0B19D676291}" type="datetimeFigureOut">
               <a:rPr lang="en-GB" smtClean="0"/>
-              <a:t>22/06/2020</a:t>
+              <a:t>23/06/2020</a:t>
             </a:fld>
             <a:endParaRPr lang="en-GB"/>
           </a:p>
@@ -2849,7 +2849,7 @@
           <a:p>
             <a:fld id="{5C316670-22DA-CE45-BF19-C0B19D676291}" type="datetimeFigureOut">
               <a:rPr lang="en-GB" smtClean="0"/>
-              <a:t>22/06/2020</a:t>
+              <a:t>23/06/2020</a:t>
             </a:fld>
             <a:endParaRPr lang="en-GB"/>
           </a:p>
@@ -3138,7 +3138,7 @@
           <a:p>
             <a:fld id="{5C316670-22DA-CE45-BF19-C0B19D676291}" type="datetimeFigureOut">
               <a:rPr lang="en-GB" smtClean="0"/>
-              <a:t>22/06/2020</a:t>
+              <a:t>23/06/2020</a:t>
             </a:fld>
             <a:endParaRPr lang="en-GB"/>
           </a:p>
@@ -3381,7 +3381,7 @@
           <a:p>
             <a:fld id="{5C316670-22DA-CE45-BF19-C0B19D676291}" type="datetimeFigureOut">
               <a:rPr lang="en-GB" smtClean="0"/>
-              <a:t>22/06/2020</a:t>
+              <a:t>23/06/2020</a:t>
             </a:fld>
             <a:endParaRPr lang="en-GB"/>
           </a:p>
@@ -3842,2591 +3842,6 @@
 </file>
 
 <file path=ppt/slides/slide10.xml><?xml version="1.0" encoding="utf-8"?>
-<p:sld xmlns:a="http://schemas.openxmlformats.org/drawingml/2006/main" xmlns:r="http://schemas.openxmlformats.org/officeDocument/2006/relationships" xmlns:p="http://schemas.openxmlformats.org/presentationml/2006/main">
-  <p:cSld>
-    <p:spTree>
-      <p:nvGrpSpPr>
-        <p:cNvPr id="1" name=""/>
-        <p:cNvGrpSpPr/>
-        <p:nvPr/>
-      </p:nvGrpSpPr>
-      <p:grpSpPr>
-        <a:xfrm>
-          <a:off x="0" y="0"/>
-          <a:ext cx="0" cy="0"/>
-          <a:chOff x="0" y="0"/>
-          <a:chExt cx="0" cy="0"/>
-        </a:xfrm>
-      </p:grpSpPr>
-      <p:sp>
-        <p:nvSpPr>
-          <p:cNvPr id="2" name="Rectangle 1">
-            <a:extLst>
-              <a:ext uri="{FF2B5EF4-FFF2-40B4-BE49-F238E27FC236}">
-                <a16:creationId xmlns:a16="http://schemas.microsoft.com/office/drawing/2014/main" id="{28EB9195-3465-C644-B592-B32C34D4FFCF}"/>
-              </a:ext>
-            </a:extLst>
-          </p:cNvPr>
-          <p:cNvSpPr/>
-          <p:nvPr/>
-        </p:nvSpPr>
-        <p:spPr>
-          <a:xfrm>
-            <a:off x="528115" y="409596"/>
-            <a:ext cx="4164153" cy="369332"/>
-          </a:xfrm>
-          <a:prstGeom prst="rect">
-            <a:avLst/>
-          </a:prstGeom>
-        </p:spPr>
-        <p:txBody>
-          <a:bodyPr wrap="none">
-            <a:spAutoFit/>
-          </a:bodyPr>
-          <a:lstStyle/>
-          <a:p>
-            <a:pPr marL="342900" indent="-342900">
-              <a:buFont typeface="+mj-lt"/>
-              <a:buAutoNum type="arabicPeriod" startAt="2"/>
-            </a:pPr>
-            <a:r>
-              <a:rPr lang="en-GB" b="1" dirty="0"/>
-              <a:t>Clustering of (different types) markers</a:t>
-            </a:r>
-          </a:p>
-        </p:txBody>
-      </p:sp>
-      <p:sp>
-        <p:nvSpPr>
-          <p:cNvPr id="12" name="TextBox 11">
-            <a:extLst>
-              <a:ext uri="{FF2B5EF4-FFF2-40B4-BE49-F238E27FC236}">
-                <a16:creationId xmlns:a16="http://schemas.microsoft.com/office/drawing/2014/main" id="{EE2B360A-DD67-7142-A309-F624C4AD0FFE}"/>
-              </a:ext>
-            </a:extLst>
-          </p:cNvPr>
-          <p:cNvSpPr txBox="1"/>
-          <p:nvPr/>
-        </p:nvSpPr>
-        <p:spPr>
-          <a:xfrm>
-            <a:off x="528115" y="891445"/>
-            <a:ext cx="4200574" cy="369332"/>
-          </a:xfrm>
-          <a:prstGeom prst="rect">
-            <a:avLst/>
-          </a:prstGeom>
-          <a:noFill/>
-        </p:spPr>
-        <p:txBody>
-          <a:bodyPr wrap="none" rtlCol="0">
-            <a:spAutoFit/>
-          </a:bodyPr>
-          <a:lstStyle/>
-          <a:p>
-            <a:pPr marL="285750" indent="-285750">
-              <a:buFont typeface="Arial" panose="020B0604020202020204" pitchFamily="34" charset="0"/>
-              <a:buChar char="•"/>
-            </a:pPr>
-            <a:r>
-              <a:rPr lang="en-GB" dirty="0"/>
-              <a:t>All INDELs and SNPs in the same contigs</a:t>
-            </a:r>
-          </a:p>
-        </p:txBody>
-      </p:sp>
-      <p:pic>
-        <p:nvPicPr>
-          <p:cNvPr id="5" name="Picture 4">
-            <a:extLst>
-              <a:ext uri="{FF2B5EF4-FFF2-40B4-BE49-F238E27FC236}">
-                <a16:creationId xmlns:a16="http://schemas.microsoft.com/office/drawing/2014/main" id="{45111D7B-4ED4-EF4A-AB65-A68ADF1553DB}"/>
-              </a:ext>
-            </a:extLst>
-          </p:cNvPr>
-          <p:cNvPicPr>
-            <a:picLocks noChangeAspect="1"/>
-          </p:cNvPicPr>
-          <p:nvPr/>
-        </p:nvPicPr>
-        <p:blipFill>
-          <a:blip r:embed="rId2"/>
-          <a:stretch>
-            <a:fillRect/>
-          </a:stretch>
-        </p:blipFill>
-        <p:spPr>
-          <a:xfrm>
-            <a:off x="6231303" y="2139711"/>
-            <a:ext cx="5960697" cy="3960000"/>
-          </a:xfrm>
-          <a:prstGeom prst="rect">
-            <a:avLst/>
-          </a:prstGeom>
-        </p:spPr>
-      </p:pic>
-      <p:pic>
-        <p:nvPicPr>
-          <p:cNvPr id="11" name="Picture 10">
-            <a:extLst>
-              <a:ext uri="{FF2B5EF4-FFF2-40B4-BE49-F238E27FC236}">
-                <a16:creationId xmlns:a16="http://schemas.microsoft.com/office/drawing/2014/main" id="{4FC862F5-8C05-C843-B607-99A4AC1DBDDB}"/>
-              </a:ext>
-            </a:extLst>
-          </p:cNvPr>
-          <p:cNvPicPr>
-            <a:picLocks noChangeAspect="1"/>
-          </p:cNvPicPr>
-          <p:nvPr/>
-        </p:nvPicPr>
-        <p:blipFill>
-          <a:blip r:embed="rId3"/>
-          <a:stretch>
-            <a:fillRect/>
-          </a:stretch>
-        </p:blipFill>
-        <p:spPr>
-          <a:xfrm>
-            <a:off x="147500" y="2139711"/>
-            <a:ext cx="5960697" cy="3960000"/>
-          </a:xfrm>
-          <a:prstGeom prst="rect">
-            <a:avLst/>
-          </a:prstGeom>
-        </p:spPr>
-      </p:pic>
-      <p:sp>
-        <p:nvSpPr>
-          <p:cNvPr id="13" name="TextBox 12">
-            <a:extLst>
-              <a:ext uri="{FF2B5EF4-FFF2-40B4-BE49-F238E27FC236}">
-                <a16:creationId xmlns:a16="http://schemas.microsoft.com/office/drawing/2014/main" id="{98F2178F-C54F-B04E-8B00-BD411D876DA6}"/>
-              </a:ext>
-            </a:extLst>
-          </p:cNvPr>
-          <p:cNvSpPr txBox="1"/>
-          <p:nvPr/>
-        </p:nvSpPr>
-        <p:spPr>
-          <a:xfrm>
-            <a:off x="89627" y="6090207"/>
-            <a:ext cx="11704976" cy="646331"/>
-          </a:xfrm>
-          <a:prstGeom prst="rect">
-            <a:avLst/>
-          </a:prstGeom>
-          <a:noFill/>
-        </p:spPr>
-        <p:txBody>
-          <a:bodyPr wrap="square" rtlCol="0">
-            <a:spAutoFit/>
-          </a:bodyPr>
-          <a:lstStyle/>
-          <a:p>
-            <a:r>
-              <a:rPr lang="en-GB" i="1" dirty="0"/>
-              <a:t>Figure 3c. Relationship between SNPs and INDELs with respect to their proportions (left) and their counts (right) per contig. Proportions and counts of SNPs and INDELs are the same as in Fig. 1-2.</a:t>
-            </a:r>
-          </a:p>
-        </p:txBody>
-      </p:sp>
-    </p:spTree>
-    <p:extLst>
-      <p:ext uri="{BB962C8B-B14F-4D97-AF65-F5344CB8AC3E}">
-        <p14:creationId xmlns:p14="http://schemas.microsoft.com/office/powerpoint/2010/main" val="3939953827"/>
-      </p:ext>
-    </p:extLst>
-  </p:cSld>
-  <p:clrMapOvr>
-    <a:masterClrMapping/>
-  </p:clrMapOvr>
-</p:sld>
-</file>
-
-<file path=ppt/slides/slide11.xml><?xml version="1.0" encoding="utf-8"?>
-<p:sld xmlns:a="http://schemas.openxmlformats.org/drawingml/2006/main" xmlns:r="http://schemas.openxmlformats.org/officeDocument/2006/relationships" xmlns:p="http://schemas.openxmlformats.org/presentationml/2006/main">
-  <p:cSld>
-    <p:spTree>
-      <p:nvGrpSpPr>
-        <p:cNvPr id="1" name=""/>
-        <p:cNvGrpSpPr/>
-        <p:nvPr/>
-      </p:nvGrpSpPr>
-      <p:grpSpPr>
-        <a:xfrm>
-          <a:off x="0" y="0"/>
-          <a:ext cx="0" cy="0"/>
-          <a:chOff x="0" y="0"/>
-          <a:chExt cx="0" cy="0"/>
-        </a:xfrm>
-      </p:grpSpPr>
-      <p:sp>
-        <p:nvSpPr>
-          <p:cNvPr id="2" name="Rectangle 1">
-            <a:extLst>
-              <a:ext uri="{FF2B5EF4-FFF2-40B4-BE49-F238E27FC236}">
-                <a16:creationId xmlns:a16="http://schemas.microsoft.com/office/drawing/2014/main" id="{28EB9195-3465-C644-B592-B32C34D4FFCF}"/>
-              </a:ext>
-            </a:extLst>
-          </p:cNvPr>
-          <p:cNvSpPr/>
-          <p:nvPr/>
-        </p:nvSpPr>
-        <p:spPr>
-          <a:xfrm>
-            <a:off x="528115" y="409596"/>
-            <a:ext cx="8211992" cy="369332"/>
-          </a:xfrm>
-          <a:prstGeom prst="rect">
-            <a:avLst/>
-          </a:prstGeom>
-        </p:spPr>
-        <p:txBody>
-          <a:bodyPr wrap="none">
-            <a:spAutoFit/>
-          </a:bodyPr>
-          <a:lstStyle/>
-          <a:p>
-            <a:pPr marL="342900" indent="-342900">
-              <a:buFont typeface="+mj-lt"/>
-              <a:buAutoNum type="arabicPeriod" startAt="3"/>
-            </a:pPr>
-            <a:r>
-              <a:rPr lang="en-GB" b="1" dirty="0"/>
-              <a:t>Derived allele frequencies (in progress; for now minor allele frequencies Fig. 4-5)</a:t>
-            </a:r>
-          </a:p>
-        </p:txBody>
-      </p:sp>
-      <p:sp>
-        <p:nvSpPr>
-          <p:cNvPr id="12" name="TextBox 11">
-            <a:extLst>
-              <a:ext uri="{FF2B5EF4-FFF2-40B4-BE49-F238E27FC236}">
-                <a16:creationId xmlns:a16="http://schemas.microsoft.com/office/drawing/2014/main" id="{EE2B360A-DD67-7142-A309-F624C4AD0FFE}"/>
-              </a:ext>
-            </a:extLst>
-          </p:cNvPr>
-          <p:cNvSpPr txBox="1"/>
-          <p:nvPr/>
-        </p:nvSpPr>
-        <p:spPr>
-          <a:xfrm>
-            <a:off x="528115" y="891445"/>
-            <a:ext cx="5664341" cy="2862322"/>
-          </a:xfrm>
-          <a:prstGeom prst="rect">
-            <a:avLst/>
-          </a:prstGeom>
-          <a:noFill/>
-        </p:spPr>
-        <p:txBody>
-          <a:bodyPr wrap="square" rtlCol="0">
-            <a:spAutoFit/>
-          </a:bodyPr>
-          <a:lstStyle/>
-          <a:p>
-            <a:pPr marL="285750" indent="-285750">
-              <a:buFont typeface="Arial" panose="020B0604020202020204" pitchFamily="34" charset="0"/>
-              <a:buChar char="•"/>
-            </a:pPr>
-            <a:r>
-              <a:rPr lang="en-GB" dirty="0"/>
-              <a:t>Ancestral allele was inferred from called genotypes:</a:t>
-            </a:r>
-            <a:br>
-              <a:rPr lang="en-GB" dirty="0"/>
-            </a:br>
-            <a:endParaRPr lang="en-GB" dirty="0"/>
-          </a:p>
-          <a:p>
-            <a:pPr marL="800100" lvl="1" indent="-342900">
-              <a:buFont typeface="+mj-lt"/>
-              <a:buAutoNum type="arabicPeriod"/>
-            </a:pPr>
-            <a:r>
-              <a:rPr lang="en-GB" dirty="0"/>
-              <a:t>Reference allele = ancestral allele</a:t>
-            </a:r>
-            <a:br>
-              <a:rPr lang="en-GB" dirty="0"/>
-            </a:br>
-            <a:r>
-              <a:rPr lang="en-GB" i="1" dirty="0" err="1"/>
-              <a:t>compressa</a:t>
-            </a:r>
-            <a:r>
-              <a:rPr lang="en-GB" dirty="0"/>
-              <a:t> is homo for the reference allele (0)</a:t>
-            </a:r>
-            <a:br>
-              <a:rPr lang="en-GB" dirty="0"/>
-            </a:br>
-            <a:endParaRPr lang="en-GB" dirty="0"/>
-          </a:p>
-          <a:p>
-            <a:pPr marL="800100" lvl="1" indent="-342900">
-              <a:buFont typeface="+mj-lt"/>
-              <a:buAutoNum type="arabicPeriod"/>
-            </a:pPr>
-            <a:r>
-              <a:rPr lang="en-GB" dirty="0"/>
-              <a:t>Alternative allele = ancestral allele</a:t>
-            </a:r>
-            <a:br>
-              <a:rPr lang="en-GB" dirty="0"/>
-            </a:br>
-            <a:r>
-              <a:rPr lang="en-GB" i="1" dirty="0" err="1"/>
-              <a:t>compressa</a:t>
-            </a:r>
-            <a:r>
-              <a:rPr lang="en-GB" dirty="0"/>
-              <a:t> is homo for the alternative allele (2)</a:t>
-            </a:r>
-            <a:br>
-              <a:rPr lang="en-GB" dirty="0"/>
-            </a:br>
-            <a:endParaRPr lang="en-GB" dirty="0"/>
-          </a:p>
-          <a:p>
-            <a:pPr marL="800100" lvl="1" indent="-342900">
-              <a:buFont typeface="+mj-lt"/>
-              <a:buAutoNum type="arabicPeriod"/>
-            </a:pPr>
-            <a:r>
-              <a:rPr lang="en-GB" dirty="0"/>
-              <a:t>Unknown ancestry</a:t>
-            </a:r>
-            <a:br>
-              <a:rPr lang="en-GB" dirty="0"/>
-            </a:br>
-            <a:r>
-              <a:rPr lang="en-GB" i="1" dirty="0" err="1"/>
-              <a:t>compressa</a:t>
-            </a:r>
-            <a:r>
-              <a:rPr lang="en-GB" i="1" dirty="0"/>
-              <a:t> </a:t>
-            </a:r>
-            <a:r>
-              <a:rPr lang="en-GB" dirty="0"/>
-              <a:t>is het (1)</a:t>
-            </a:r>
-          </a:p>
-        </p:txBody>
-      </p:sp>
-    </p:spTree>
-    <p:extLst>
-      <p:ext uri="{BB962C8B-B14F-4D97-AF65-F5344CB8AC3E}">
-        <p14:creationId xmlns:p14="http://schemas.microsoft.com/office/powerpoint/2010/main" val="1238933828"/>
-      </p:ext>
-    </p:extLst>
-  </p:cSld>
-  <p:clrMapOvr>
-    <a:masterClrMapping/>
-  </p:clrMapOvr>
-</p:sld>
-</file>
-
-<file path=ppt/slides/slide12.xml><?xml version="1.0" encoding="utf-8"?>
-<p:sld xmlns:a="http://schemas.openxmlformats.org/drawingml/2006/main" xmlns:r="http://schemas.openxmlformats.org/officeDocument/2006/relationships" xmlns:p="http://schemas.openxmlformats.org/presentationml/2006/main">
-  <p:cSld>
-    <p:spTree>
-      <p:nvGrpSpPr>
-        <p:cNvPr id="1" name=""/>
-        <p:cNvGrpSpPr/>
-        <p:nvPr/>
-      </p:nvGrpSpPr>
-      <p:grpSpPr>
-        <a:xfrm>
-          <a:off x="0" y="0"/>
-          <a:ext cx="0" cy="0"/>
-          <a:chOff x="0" y="0"/>
-          <a:chExt cx="0" cy="0"/>
-        </a:xfrm>
-      </p:grpSpPr>
-      <p:sp>
-        <p:nvSpPr>
-          <p:cNvPr id="2" name="TextBox 1">
-            <a:extLst>
-              <a:ext uri="{FF2B5EF4-FFF2-40B4-BE49-F238E27FC236}">
-                <a16:creationId xmlns:a16="http://schemas.microsoft.com/office/drawing/2014/main" id="{660859CF-5617-044D-9432-FA7DA9618788}"/>
-              </a:ext>
-            </a:extLst>
-          </p:cNvPr>
-          <p:cNvSpPr txBox="1"/>
-          <p:nvPr/>
-        </p:nvSpPr>
-        <p:spPr>
-          <a:xfrm>
-            <a:off x="1760948" y="5968347"/>
-            <a:ext cx="8670105" cy="923330"/>
-          </a:xfrm>
-          <a:prstGeom prst="rect">
-            <a:avLst/>
-          </a:prstGeom>
-          <a:noFill/>
-        </p:spPr>
-        <p:txBody>
-          <a:bodyPr wrap="square" rtlCol="0">
-            <a:spAutoFit/>
-          </a:bodyPr>
-          <a:lstStyle/>
-          <a:p>
-            <a:r>
-              <a:rPr lang="en-GB" i="1" dirty="0"/>
-              <a:t>Figure 4a. Count minor allele frequencies of INDELs and SNPs after filtering but before cline analysis. Bin width is 0.05 and orange dashed line marks the maf filter in the cline analysis (0.1).</a:t>
-            </a:r>
-          </a:p>
-        </p:txBody>
-      </p:sp>
-      <p:pic>
-        <p:nvPicPr>
-          <p:cNvPr id="6" name="Picture 5">
-            <a:extLst>
-              <a:ext uri="{FF2B5EF4-FFF2-40B4-BE49-F238E27FC236}">
-                <a16:creationId xmlns:a16="http://schemas.microsoft.com/office/drawing/2014/main" id="{32DB366C-718E-A24C-AACB-2860AC09C4B7}"/>
-              </a:ext>
-            </a:extLst>
-          </p:cNvPr>
-          <p:cNvPicPr>
-            <a:picLocks noChangeAspect="1"/>
-          </p:cNvPicPr>
-          <p:nvPr/>
-        </p:nvPicPr>
-        <p:blipFill>
-          <a:blip r:embed="rId2"/>
-          <a:stretch>
-            <a:fillRect/>
-          </a:stretch>
-        </p:blipFill>
-        <p:spPr>
-          <a:xfrm>
-            <a:off x="1760948" y="208347"/>
-            <a:ext cx="8670104" cy="5760000"/>
-          </a:xfrm>
-          <a:prstGeom prst="rect">
-            <a:avLst/>
-          </a:prstGeom>
-        </p:spPr>
-      </p:pic>
-    </p:spTree>
-    <p:extLst>
-      <p:ext uri="{BB962C8B-B14F-4D97-AF65-F5344CB8AC3E}">
-        <p14:creationId xmlns:p14="http://schemas.microsoft.com/office/powerpoint/2010/main" val="3847379576"/>
-      </p:ext>
-    </p:extLst>
-  </p:cSld>
-  <p:clrMapOvr>
-    <a:masterClrMapping/>
-  </p:clrMapOvr>
-</p:sld>
-</file>
-
-<file path=ppt/slides/slide13.xml><?xml version="1.0" encoding="utf-8"?>
-<p:sld xmlns:a="http://schemas.openxmlformats.org/drawingml/2006/main" xmlns:r="http://schemas.openxmlformats.org/officeDocument/2006/relationships" xmlns:p="http://schemas.openxmlformats.org/presentationml/2006/main">
-  <p:cSld>
-    <p:spTree>
-      <p:nvGrpSpPr>
-        <p:cNvPr id="1" name=""/>
-        <p:cNvGrpSpPr/>
-        <p:nvPr/>
-      </p:nvGrpSpPr>
-      <p:grpSpPr>
-        <a:xfrm>
-          <a:off x="0" y="0"/>
-          <a:ext cx="0" cy="0"/>
-          <a:chOff x="0" y="0"/>
-          <a:chExt cx="0" cy="0"/>
-        </a:xfrm>
-      </p:grpSpPr>
-      <p:sp>
-        <p:nvSpPr>
-          <p:cNvPr id="2" name="TextBox 1">
-            <a:extLst>
-              <a:ext uri="{FF2B5EF4-FFF2-40B4-BE49-F238E27FC236}">
-                <a16:creationId xmlns:a16="http://schemas.microsoft.com/office/drawing/2014/main" id="{660859CF-5617-044D-9432-FA7DA9618788}"/>
-              </a:ext>
-            </a:extLst>
-          </p:cNvPr>
-          <p:cNvSpPr txBox="1"/>
-          <p:nvPr/>
-        </p:nvSpPr>
-        <p:spPr>
-          <a:xfrm>
-            <a:off x="216947" y="5589000"/>
-            <a:ext cx="9783580" cy="923330"/>
-          </a:xfrm>
-          <a:prstGeom prst="rect">
-            <a:avLst/>
-          </a:prstGeom>
-          <a:noFill/>
-        </p:spPr>
-        <p:txBody>
-          <a:bodyPr wrap="square" rtlCol="0">
-            <a:spAutoFit/>
-          </a:bodyPr>
-          <a:lstStyle/>
-          <a:p>
-            <a:r>
-              <a:rPr lang="en-GB" i="1" dirty="0"/>
-              <a:t>Figure 4b. Densities of INDELs and SNPs minor allele frequencies after filtering but before cline analysis. Orange dashed line marks the maf filter in the cline analysis (0.1). Left: density = count / sum(count). Right: density is scaled to maximum of 1.</a:t>
-            </a:r>
-          </a:p>
-        </p:txBody>
-      </p:sp>
-      <p:pic>
-        <p:nvPicPr>
-          <p:cNvPr id="5" name="Picture 4">
-            <a:extLst>
-              <a:ext uri="{FF2B5EF4-FFF2-40B4-BE49-F238E27FC236}">
-                <a16:creationId xmlns:a16="http://schemas.microsoft.com/office/drawing/2014/main" id="{157D5242-1C09-EF46-82D0-A28E841B8DF3}"/>
-              </a:ext>
-            </a:extLst>
-          </p:cNvPr>
-          <p:cNvPicPr>
-            <a:picLocks noChangeAspect="1"/>
-          </p:cNvPicPr>
-          <p:nvPr/>
-        </p:nvPicPr>
-        <p:blipFill rotWithShape="1">
-          <a:blip r:embed="rId2"/>
-          <a:srcRect r="8639"/>
-          <a:stretch/>
-        </p:blipFill>
-        <p:spPr>
-          <a:xfrm>
-            <a:off x="57875" y="1269000"/>
-            <a:ext cx="5940785" cy="4320000"/>
-          </a:xfrm>
-          <a:prstGeom prst="rect">
-            <a:avLst/>
-          </a:prstGeom>
-        </p:spPr>
-      </p:pic>
-      <p:pic>
-        <p:nvPicPr>
-          <p:cNvPr id="11" name="Picture 10">
-            <a:extLst>
-              <a:ext uri="{FF2B5EF4-FFF2-40B4-BE49-F238E27FC236}">
-                <a16:creationId xmlns:a16="http://schemas.microsoft.com/office/drawing/2014/main" id="{BDAD3FC9-50D8-FF43-A790-A6162FDF7291}"/>
-              </a:ext>
-            </a:extLst>
-          </p:cNvPr>
-          <p:cNvPicPr>
-            <a:picLocks noChangeAspect="1"/>
-          </p:cNvPicPr>
-          <p:nvPr/>
-        </p:nvPicPr>
-        <p:blipFill rotWithShape="1">
-          <a:blip r:embed="rId3"/>
-          <a:srcRect r="8817"/>
-          <a:stretch/>
-        </p:blipFill>
-        <p:spPr>
-          <a:xfrm>
-            <a:off x="6157732" y="1269000"/>
-            <a:ext cx="5929209" cy="4320000"/>
-          </a:xfrm>
-          <a:prstGeom prst="rect">
-            <a:avLst/>
-          </a:prstGeom>
-        </p:spPr>
-      </p:pic>
-    </p:spTree>
-    <p:extLst>
-      <p:ext uri="{BB962C8B-B14F-4D97-AF65-F5344CB8AC3E}">
-        <p14:creationId xmlns:p14="http://schemas.microsoft.com/office/powerpoint/2010/main" val="1368671057"/>
-      </p:ext>
-    </p:extLst>
-  </p:cSld>
-  <p:clrMapOvr>
-    <a:masterClrMapping/>
-  </p:clrMapOvr>
-</p:sld>
-</file>
-
-<file path=ppt/slides/slide14.xml><?xml version="1.0" encoding="utf-8"?>
-<p:sld xmlns:a="http://schemas.openxmlformats.org/drawingml/2006/main" xmlns:r="http://schemas.openxmlformats.org/officeDocument/2006/relationships" xmlns:p="http://schemas.openxmlformats.org/presentationml/2006/main">
-  <p:cSld>
-    <p:spTree>
-      <p:nvGrpSpPr>
-        <p:cNvPr id="1" name=""/>
-        <p:cNvGrpSpPr/>
-        <p:nvPr/>
-      </p:nvGrpSpPr>
-      <p:grpSpPr>
-        <a:xfrm>
-          <a:off x="0" y="0"/>
-          <a:ext cx="0" cy="0"/>
-          <a:chOff x="0" y="0"/>
-          <a:chExt cx="0" cy="0"/>
-        </a:xfrm>
-      </p:grpSpPr>
-      <p:sp>
-        <p:nvSpPr>
-          <p:cNvPr id="2" name="TextBox 1">
-            <a:extLst>
-              <a:ext uri="{FF2B5EF4-FFF2-40B4-BE49-F238E27FC236}">
-                <a16:creationId xmlns:a16="http://schemas.microsoft.com/office/drawing/2014/main" id="{660859CF-5617-044D-9432-FA7DA9618788}"/>
-              </a:ext>
-            </a:extLst>
-          </p:cNvPr>
-          <p:cNvSpPr txBox="1"/>
-          <p:nvPr/>
-        </p:nvSpPr>
-        <p:spPr>
-          <a:xfrm>
-            <a:off x="135303" y="5409000"/>
-            <a:ext cx="11921394" cy="646331"/>
-          </a:xfrm>
-          <a:prstGeom prst="rect">
-            <a:avLst/>
-          </a:prstGeom>
-          <a:noFill/>
-        </p:spPr>
-        <p:txBody>
-          <a:bodyPr wrap="square" rtlCol="0">
-            <a:spAutoFit/>
-          </a:bodyPr>
-          <a:lstStyle/>
-          <a:p>
-            <a:r>
-              <a:rPr lang="en-GB" i="1" dirty="0"/>
-              <a:t>Figure 5a. Count minor allele frequencies of INDELs (left) and SNPs (right) after filtering and cline analysis. Bin width is 0.05. Clinal variants are dark coloured and non-clinal variants are light coloured.</a:t>
-            </a:r>
-          </a:p>
-        </p:txBody>
-      </p:sp>
-      <p:pic>
-        <p:nvPicPr>
-          <p:cNvPr id="4" name="Picture 3">
-            <a:extLst>
-              <a:ext uri="{FF2B5EF4-FFF2-40B4-BE49-F238E27FC236}">
-                <a16:creationId xmlns:a16="http://schemas.microsoft.com/office/drawing/2014/main" id="{17B41F0B-A47E-F541-BB20-519DD105F923}"/>
-              </a:ext>
-            </a:extLst>
-          </p:cNvPr>
-          <p:cNvPicPr>
-            <a:picLocks noChangeAspect="1"/>
-          </p:cNvPicPr>
-          <p:nvPr/>
-        </p:nvPicPr>
-        <p:blipFill>
-          <a:blip r:embed="rId3"/>
-          <a:stretch>
-            <a:fillRect/>
-          </a:stretch>
-        </p:blipFill>
-        <p:spPr>
-          <a:xfrm>
-            <a:off x="135303" y="1449000"/>
-            <a:ext cx="5960697" cy="3960000"/>
-          </a:xfrm>
-          <a:prstGeom prst="rect">
-            <a:avLst/>
-          </a:prstGeom>
-        </p:spPr>
-      </p:pic>
-      <p:pic>
-        <p:nvPicPr>
-          <p:cNvPr id="7" name="Picture 6">
-            <a:extLst>
-              <a:ext uri="{FF2B5EF4-FFF2-40B4-BE49-F238E27FC236}">
-                <a16:creationId xmlns:a16="http://schemas.microsoft.com/office/drawing/2014/main" id="{463C845F-0B95-FE47-B5F9-A9E701411571}"/>
-              </a:ext>
-            </a:extLst>
-          </p:cNvPr>
-          <p:cNvPicPr>
-            <a:picLocks noChangeAspect="1"/>
-          </p:cNvPicPr>
-          <p:nvPr/>
-        </p:nvPicPr>
-        <p:blipFill>
-          <a:blip r:embed="rId4"/>
-          <a:stretch>
-            <a:fillRect/>
-          </a:stretch>
-        </p:blipFill>
-        <p:spPr>
-          <a:xfrm>
-            <a:off x="6096000" y="1449000"/>
-            <a:ext cx="5960697" cy="3960000"/>
-          </a:xfrm>
-          <a:prstGeom prst="rect">
-            <a:avLst/>
-          </a:prstGeom>
-        </p:spPr>
-      </p:pic>
-    </p:spTree>
-    <p:extLst>
-      <p:ext uri="{BB962C8B-B14F-4D97-AF65-F5344CB8AC3E}">
-        <p14:creationId xmlns:p14="http://schemas.microsoft.com/office/powerpoint/2010/main" val="861808505"/>
-      </p:ext>
-    </p:extLst>
-  </p:cSld>
-  <p:clrMapOvr>
-    <a:masterClrMapping/>
-  </p:clrMapOvr>
-</p:sld>
-</file>
-
-<file path=ppt/slides/slide15.xml><?xml version="1.0" encoding="utf-8"?>
-<p:sld xmlns:a="http://schemas.openxmlformats.org/drawingml/2006/main" xmlns:r="http://schemas.openxmlformats.org/officeDocument/2006/relationships" xmlns:p="http://schemas.openxmlformats.org/presentationml/2006/main">
-  <p:cSld>
-    <p:spTree>
-      <p:nvGrpSpPr>
-        <p:cNvPr id="1" name=""/>
-        <p:cNvGrpSpPr/>
-        <p:nvPr/>
-      </p:nvGrpSpPr>
-      <p:grpSpPr>
-        <a:xfrm>
-          <a:off x="0" y="0"/>
-          <a:ext cx="0" cy="0"/>
-          <a:chOff x="0" y="0"/>
-          <a:chExt cx="0" cy="0"/>
-        </a:xfrm>
-      </p:grpSpPr>
-      <p:sp>
-        <p:nvSpPr>
-          <p:cNvPr id="2" name="TextBox 1">
-            <a:extLst>
-              <a:ext uri="{FF2B5EF4-FFF2-40B4-BE49-F238E27FC236}">
-                <a16:creationId xmlns:a16="http://schemas.microsoft.com/office/drawing/2014/main" id="{660859CF-5617-044D-9432-FA7DA9618788}"/>
-              </a:ext>
-            </a:extLst>
-          </p:cNvPr>
-          <p:cNvSpPr txBox="1"/>
-          <p:nvPr/>
-        </p:nvSpPr>
-        <p:spPr>
-          <a:xfrm>
-            <a:off x="205371" y="5409000"/>
-            <a:ext cx="10316015" cy="646331"/>
-          </a:xfrm>
-          <a:prstGeom prst="rect">
-            <a:avLst/>
-          </a:prstGeom>
-          <a:noFill/>
-        </p:spPr>
-        <p:txBody>
-          <a:bodyPr wrap="square" rtlCol="0">
-            <a:spAutoFit/>
-          </a:bodyPr>
-          <a:lstStyle/>
-          <a:p>
-            <a:r>
-              <a:rPr lang="en-GB" i="1" dirty="0"/>
-              <a:t>Figure 5b. Densities of INDELs (left) and SNPs (right) minor allele frequencies after filtering and cline analysis. Density = count / sum(count). Clinal variants are dark coloured and non-clinal variants are light coloured.</a:t>
-            </a:r>
-          </a:p>
-        </p:txBody>
-      </p:sp>
-      <p:pic>
-        <p:nvPicPr>
-          <p:cNvPr id="4" name="Picture 3">
-            <a:extLst>
-              <a:ext uri="{FF2B5EF4-FFF2-40B4-BE49-F238E27FC236}">
-                <a16:creationId xmlns:a16="http://schemas.microsoft.com/office/drawing/2014/main" id="{2A776EC4-9530-7A49-A14D-5EFAEF1D0FA8}"/>
-              </a:ext>
-            </a:extLst>
-          </p:cNvPr>
-          <p:cNvPicPr>
-            <a:picLocks noChangeAspect="1"/>
-          </p:cNvPicPr>
-          <p:nvPr/>
-        </p:nvPicPr>
-        <p:blipFill>
-          <a:blip r:embed="rId2"/>
-          <a:stretch>
-            <a:fillRect/>
-          </a:stretch>
-        </p:blipFill>
-        <p:spPr>
-          <a:xfrm>
-            <a:off x="112776" y="1449000"/>
-            <a:ext cx="5960697" cy="3960000"/>
-          </a:xfrm>
-          <a:prstGeom prst="rect">
-            <a:avLst/>
-          </a:prstGeom>
-        </p:spPr>
-      </p:pic>
-      <p:pic>
-        <p:nvPicPr>
-          <p:cNvPr id="7" name="Picture 6">
-            <a:extLst>
-              <a:ext uri="{FF2B5EF4-FFF2-40B4-BE49-F238E27FC236}">
-                <a16:creationId xmlns:a16="http://schemas.microsoft.com/office/drawing/2014/main" id="{7655212B-F001-644F-98E3-CCA3CCEF273B}"/>
-              </a:ext>
-            </a:extLst>
-          </p:cNvPr>
-          <p:cNvPicPr>
-            <a:picLocks noChangeAspect="1"/>
-          </p:cNvPicPr>
-          <p:nvPr/>
-        </p:nvPicPr>
-        <p:blipFill>
-          <a:blip r:embed="rId3"/>
-          <a:stretch>
-            <a:fillRect/>
-          </a:stretch>
-        </p:blipFill>
-        <p:spPr>
-          <a:xfrm>
-            <a:off x="6131614" y="1449000"/>
-            <a:ext cx="5960697" cy="3960000"/>
-          </a:xfrm>
-          <a:prstGeom prst="rect">
-            <a:avLst/>
-          </a:prstGeom>
-        </p:spPr>
-      </p:pic>
-    </p:spTree>
-    <p:extLst>
-      <p:ext uri="{BB962C8B-B14F-4D97-AF65-F5344CB8AC3E}">
-        <p14:creationId xmlns:p14="http://schemas.microsoft.com/office/powerpoint/2010/main" val="3988675844"/>
-      </p:ext>
-    </p:extLst>
-  </p:cSld>
-  <p:clrMapOvr>
-    <a:masterClrMapping/>
-  </p:clrMapOvr>
-</p:sld>
-</file>
-
-<file path=ppt/slides/slide2.xml><?xml version="1.0" encoding="utf-8"?>
-<p:sld xmlns:a="http://schemas.openxmlformats.org/drawingml/2006/main" xmlns:r="http://schemas.openxmlformats.org/officeDocument/2006/relationships" xmlns:p="http://schemas.openxmlformats.org/presentationml/2006/main">
-  <p:cSld>
-    <p:spTree>
-      <p:nvGrpSpPr>
-        <p:cNvPr id="1" name=""/>
-        <p:cNvGrpSpPr/>
-        <p:nvPr/>
-      </p:nvGrpSpPr>
-      <p:grpSpPr>
-        <a:xfrm>
-          <a:off x="0" y="0"/>
-          <a:ext cx="0" cy="0"/>
-          <a:chOff x="0" y="0"/>
-          <a:chExt cx="0" cy="0"/>
-        </a:xfrm>
-      </p:grpSpPr>
-      <p:sp>
-        <p:nvSpPr>
-          <p:cNvPr id="2" name="TextBox 1">
-            <a:extLst>
-              <a:ext uri="{FF2B5EF4-FFF2-40B4-BE49-F238E27FC236}">
-                <a16:creationId xmlns:a16="http://schemas.microsoft.com/office/drawing/2014/main" id="{1FC05133-9CEF-0040-974C-6E6A43929D30}"/>
-              </a:ext>
-            </a:extLst>
-          </p:cNvPr>
-          <p:cNvSpPr txBox="1"/>
-          <p:nvPr/>
-        </p:nvSpPr>
-        <p:spPr>
-          <a:xfrm>
-            <a:off x="1076446" y="868101"/>
-            <a:ext cx="7862089" cy="923330"/>
-          </a:xfrm>
-          <a:prstGeom prst="rect">
-            <a:avLst/>
-          </a:prstGeom>
-          <a:noFill/>
-        </p:spPr>
-        <p:txBody>
-          <a:bodyPr wrap="none" rtlCol="0">
-            <a:spAutoFit/>
-          </a:bodyPr>
-          <a:lstStyle/>
-          <a:p>
-            <a:pPr marL="285750" indent="-285750">
-              <a:buFont typeface="Arial" panose="020B0604020202020204" pitchFamily="34" charset="0"/>
-              <a:buChar char="•"/>
-            </a:pPr>
-            <a:r>
-              <a:rPr lang="en-GB" dirty="0"/>
-              <a:t>Divergent natural selection vs neutral processes</a:t>
-            </a:r>
-          </a:p>
-          <a:p>
-            <a:pPr marL="285750" indent="-285750">
-              <a:buFont typeface="Arial" panose="020B0604020202020204" pitchFamily="34" charset="0"/>
-              <a:buChar char="•"/>
-            </a:pPr>
-            <a:r>
-              <a:rPr lang="en-GB" dirty="0"/>
-              <a:t>Species with high diversity</a:t>
-            </a:r>
-          </a:p>
-          <a:p>
-            <a:pPr marL="285750" indent="-285750">
-              <a:buFont typeface="Arial" panose="020B0604020202020204" pitchFamily="34" charset="0"/>
-              <a:buChar char="•"/>
-            </a:pPr>
-            <a:r>
-              <a:rPr lang="en-GB" dirty="0"/>
-              <a:t>Systems with imperfect genomes can still contain useful functional information</a:t>
-            </a:r>
-          </a:p>
-        </p:txBody>
-      </p:sp>
-      <p:sp>
-        <p:nvSpPr>
-          <p:cNvPr id="3" name="TextBox 2">
-            <a:extLst>
-              <a:ext uri="{FF2B5EF4-FFF2-40B4-BE49-F238E27FC236}">
-                <a16:creationId xmlns:a16="http://schemas.microsoft.com/office/drawing/2014/main" id="{73417CCC-4934-B542-8466-8FABD072DFE2}"/>
-              </a:ext>
-            </a:extLst>
-          </p:cNvPr>
-          <p:cNvSpPr txBox="1"/>
-          <p:nvPr/>
-        </p:nvSpPr>
-        <p:spPr>
-          <a:xfrm>
-            <a:off x="1250066" y="3113590"/>
-            <a:ext cx="4088812" cy="1200329"/>
-          </a:xfrm>
-          <a:prstGeom prst="rect">
-            <a:avLst/>
-          </a:prstGeom>
-          <a:noFill/>
-        </p:spPr>
-        <p:txBody>
-          <a:bodyPr wrap="none" rtlCol="0">
-            <a:spAutoFit/>
-          </a:bodyPr>
-          <a:lstStyle/>
-          <a:p>
-            <a:pPr marL="342900" indent="-342900">
-              <a:buFont typeface="+mj-lt"/>
-              <a:buAutoNum type="arabicPeriod"/>
-            </a:pPr>
-            <a:r>
-              <a:rPr lang="en-GB" dirty="0"/>
-              <a:t>Outlier sharing</a:t>
-            </a:r>
-          </a:p>
-          <a:p>
-            <a:pPr marL="342900" indent="-342900">
-              <a:buFont typeface="+mj-lt"/>
-              <a:buAutoNum type="arabicPeriod"/>
-            </a:pPr>
-            <a:r>
-              <a:rPr lang="en-GB" dirty="0"/>
-              <a:t>Clustering of (different types) markers</a:t>
-            </a:r>
-          </a:p>
-          <a:p>
-            <a:pPr marL="342900" indent="-342900">
-              <a:buFont typeface="+mj-lt"/>
-              <a:buAutoNum type="arabicPeriod"/>
-            </a:pPr>
-            <a:r>
-              <a:rPr lang="en-GB" dirty="0"/>
-              <a:t>Allele frequencies</a:t>
-            </a:r>
-          </a:p>
-          <a:p>
-            <a:pPr marL="342900" indent="-342900">
-              <a:buFont typeface="+mj-lt"/>
-              <a:buAutoNum type="arabicPeriod"/>
-            </a:pPr>
-            <a:r>
-              <a:rPr lang="en-GB" dirty="0"/>
-              <a:t>Displacement of cline centres</a:t>
-            </a:r>
-          </a:p>
-        </p:txBody>
-      </p:sp>
-      <p:sp>
-        <p:nvSpPr>
-          <p:cNvPr id="4" name="TextBox 3">
-            <a:extLst>
-              <a:ext uri="{FF2B5EF4-FFF2-40B4-BE49-F238E27FC236}">
-                <a16:creationId xmlns:a16="http://schemas.microsoft.com/office/drawing/2014/main" id="{E0575A65-E5F2-544E-A20B-4AC528CC804B}"/>
-              </a:ext>
-            </a:extLst>
-          </p:cNvPr>
-          <p:cNvSpPr txBox="1"/>
-          <p:nvPr/>
-        </p:nvSpPr>
-        <p:spPr>
-          <a:xfrm>
-            <a:off x="1076446" y="498769"/>
-            <a:ext cx="4247766" cy="369332"/>
-          </a:xfrm>
-          <a:prstGeom prst="rect">
-            <a:avLst/>
-          </a:prstGeom>
-          <a:noFill/>
-        </p:spPr>
-        <p:txBody>
-          <a:bodyPr wrap="none" rtlCol="0">
-            <a:spAutoFit/>
-          </a:bodyPr>
-          <a:lstStyle/>
-          <a:p>
-            <a:r>
-              <a:rPr lang="en-GB" dirty="0"/>
-              <a:t>Original aspects of the short INDELs project</a:t>
-            </a:r>
-          </a:p>
-        </p:txBody>
-      </p:sp>
-      <p:sp>
-        <p:nvSpPr>
-          <p:cNvPr id="5" name="TextBox 4">
-            <a:extLst>
-              <a:ext uri="{FF2B5EF4-FFF2-40B4-BE49-F238E27FC236}">
-                <a16:creationId xmlns:a16="http://schemas.microsoft.com/office/drawing/2014/main" id="{7582EF19-BA6B-6245-89EB-9D22A3FCE7F3}"/>
-              </a:ext>
-            </a:extLst>
-          </p:cNvPr>
-          <p:cNvSpPr txBox="1"/>
-          <p:nvPr/>
-        </p:nvSpPr>
-        <p:spPr>
-          <a:xfrm>
-            <a:off x="1091112" y="2744258"/>
-            <a:ext cx="2431756" cy="369332"/>
-          </a:xfrm>
-          <a:prstGeom prst="rect">
-            <a:avLst/>
-          </a:prstGeom>
-          <a:noFill/>
-        </p:spPr>
-        <p:txBody>
-          <a:bodyPr wrap="none" rtlCol="0">
-            <a:spAutoFit/>
-          </a:bodyPr>
-          <a:lstStyle/>
-          <a:p>
-            <a:r>
-              <a:rPr lang="en-GB" dirty="0"/>
-              <a:t>INDEL-SNP comparisons</a:t>
-            </a:r>
-          </a:p>
-        </p:txBody>
-      </p:sp>
-    </p:spTree>
-    <p:extLst>
-      <p:ext uri="{BB962C8B-B14F-4D97-AF65-F5344CB8AC3E}">
-        <p14:creationId xmlns:p14="http://schemas.microsoft.com/office/powerpoint/2010/main" val="1732211026"/>
-      </p:ext>
-    </p:extLst>
-  </p:cSld>
-  <p:clrMapOvr>
-    <a:masterClrMapping/>
-  </p:clrMapOvr>
-</p:sld>
-</file>
-
-<file path=ppt/slides/slide3.xml><?xml version="1.0" encoding="utf-8"?>
-<p:sld xmlns:a="http://schemas.openxmlformats.org/drawingml/2006/main" xmlns:r="http://schemas.openxmlformats.org/officeDocument/2006/relationships" xmlns:p="http://schemas.openxmlformats.org/presentationml/2006/main">
-  <p:cSld>
-    <p:spTree>
-      <p:nvGrpSpPr>
-        <p:cNvPr id="1" name=""/>
-        <p:cNvGrpSpPr/>
-        <p:nvPr/>
-      </p:nvGrpSpPr>
-      <p:grpSpPr>
-        <a:xfrm>
-          <a:off x="0" y="0"/>
-          <a:ext cx="0" cy="0"/>
-          <a:chOff x="0" y="0"/>
-          <a:chExt cx="0" cy="0"/>
-        </a:xfrm>
-      </p:grpSpPr>
-      <p:sp>
-        <p:nvSpPr>
-          <p:cNvPr id="2" name="Rectangle 1">
-            <a:extLst>
-              <a:ext uri="{FF2B5EF4-FFF2-40B4-BE49-F238E27FC236}">
-                <a16:creationId xmlns:a16="http://schemas.microsoft.com/office/drawing/2014/main" id="{B775E58A-D45E-CB4A-A0C9-0E6A0A43FE06}"/>
-              </a:ext>
-            </a:extLst>
-          </p:cNvPr>
-          <p:cNvSpPr/>
-          <p:nvPr/>
-        </p:nvSpPr>
-        <p:spPr>
-          <a:xfrm>
-            <a:off x="524719" y="189654"/>
-            <a:ext cx="1951175" cy="369332"/>
-          </a:xfrm>
-          <a:prstGeom prst="rect">
-            <a:avLst/>
-          </a:prstGeom>
-        </p:spPr>
-        <p:txBody>
-          <a:bodyPr wrap="none">
-            <a:spAutoFit/>
-          </a:bodyPr>
-          <a:lstStyle/>
-          <a:p>
-            <a:pPr marL="342900" indent="-342900">
-              <a:buFont typeface="+mj-lt"/>
-              <a:buAutoNum type="arabicPeriod"/>
-            </a:pPr>
-            <a:r>
-              <a:rPr lang="en-GB" b="1" dirty="0"/>
-              <a:t>Outlier sharing</a:t>
-            </a:r>
-          </a:p>
-        </p:txBody>
-      </p:sp>
-      <p:sp>
-        <p:nvSpPr>
-          <p:cNvPr id="3" name="Rectangle 2">
-            <a:extLst>
-              <a:ext uri="{FF2B5EF4-FFF2-40B4-BE49-F238E27FC236}">
-                <a16:creationId xmlns:a16="http://schemas.microsoft.com/office/drawing/2014/main" id="{8DA753BD-2489-674F-902F-7AC3EDCBD20A}"/>
-              </a:ext>
-            </a:extLst>
-          </p:cNvPr>
-          <p:cNvSpPr/>
-          <p:nvPr/>
-        </p:nvSpPr>
-        <p:spPr>
-          <a:xfrm>
-            <a:off x="4486656" y="543310"/>
-            <a:ext cx="3129485" cy="5816977"/>
-          </a:xfrm>
-          <a:prstGeom prst="rect">
-            <a:avLst/>
-          </a:prstGeom>
-        </p:spPr>
-        <p:txBody>
-          <a:bodyPr wrap="square">
-            <a:spAutoFit/>
-          </a:bodyPr>
-          <a:lstStyle/>
-          <a:p>
-            <a:r>
-              <a:rPr lang="en-GB" sz="1200" dirty="0"/>
-              <a:t>Total number of SNP: </a:t>
-            </a:r>
-            <a:r>
-              <a:rPr lang="en-GB" sz="1200" dirty="0">
-                <a:solidFill>
-                  <a:srgbClr val="FF0000"/>
-                </a:solidFill>
-              </a:rPr>
-              <a:t>11225</a:t>
-            </a:r>
-          </a:p>
-          <a:p>
-            <a:endParaRPr lang="en-GB" sz="1200" dirty="0"/>
-          </a:p>
-          <a:p>
-            <a:r>
-              <a:rPr lang="en-GB" sz="1200" dirty="0"/>
-              <a:t>Proportion of SNP  with significant clines.</a:t>
-            </a:r>
-          </a:p>
-          <a:p>
-            <a:r>
-              <a:rPr lang="en-GB" sz="1200" dirty="0"/>
-              <a:t>0.5317595</a:t>
-            </a:r>
-          </a:p>
-          <a:p>
-            <a:r>
-              <a:rPr lang="en-GB" sz="1200" dirty="0"/>
-              <a:t>0.4457016</a:t>
-            </a:r>
-          </a:p>
-          <a:p>
-            <a:r>
-              <a:rPr lang="en-GB" sz="1200" dirty="0"/>
-              <a:t>0.3277506</a:t>
-            </a:r>
-          </a:p>
-          <a:p>
-            <a:r>
-              <a:rPr lang="en-GB" sz="1200" dirty="0"/>
-              <a:t>0.4244989</a:t>
-            </a:r>
-          </a:p>
-          <a:p>
-            <a:r>
-              <a:rPr lang="en-GB" sz="1200" dirty="0"/>
-              <a:t>0.4473942</a:t>
-            </a:r>
-          </a:p>
-          <a:p>
-            <a:r>
-              <a:rPr lang="en-GB" sz="1200" dirty="0"/>
-              <a:t>0.4823163</a:t>
-            </a:r>
-          </a:p>
-          <a:p>
-            <a:endParaRPr lang="en-GB" sz="1200" dirty="0"/>
-          </a:p>
-          <a:p>
-            <a:r>
-              <a:rPr lang="en-GB" sz="1200" dirty="0"/>
-              <a:t>Proportions of SNP  outliers that are shared.</a:t>
-            </a:r>
-          </a:p>
-          <a:p>
-            <a:r>
-              <a:rPr lang="en-GB" sz="1200" dirty="0"/>
-              <a:t>0.6160714</a:t>
-            </a:r>
-          </a:p>
-          <a:p>
-            <a:r>
-              <a:rPr lang="en-GB" sz="1200" dirty="0"/>
-              <a:t>0.5178571</a:t>
-            </a:r>
-          </a:p>
-          <a:p>
-            <a:r>
-              <a:rPr lang="en-GB" sz="1200" dirty="0"/>
-              <a:t>0.6339286</a:t>
-            </a:r>
-          </a:p>
-          <a:p>
-            <a:r>
-              <a:rPr lang="en-GB" sz="1200" dirty="0"/>
-              <a:t>0.359375</a:t>
-            </a:r>
-          </a:p>
-          <a:p>
-            <a:r>
-              <a:rPr lang="en-GB" sz="1200" dirty="0"/>
-              <a:t>0.4107143</a:t>
-            </a:r>
-          </a:p>
-          <a:p>
-            <a:r>
-              <a:rPr lang="en-GB" sz="1200" dirty="0"/>
-              <a:t>0.484375</a:t>
-            </a:r>
-          </a:p>
-          <a:p>
-            <a:endParaRPr lang="en-GB" sz="1200" dirty="0"/>
-          </a:p>
-          <a:p>
-            <a:r>
-              <a:rPr lang="en-GB" sz="1200" dirty="0"/>
-              <a:t>142</a:t>
-            </a:r>
-          </a:p>
-          <a:p>
-            <a:r>
-              <a:rPr lang="en-GB" sz="1200" dirty="0"/>
-              <a:t>66</a:t>
-            </a:r>
-          </a:p>
-          <a:p>
-            <a:r>
-              <a:rPr lang="en-GB" sz="1200" dirty="0"/>
-              <a:t>29</a:t>
-            </a:r>
-          </a:p>
-          <a:p>
-            <a:r>
-              <a:rPr lang="en-GB" sz="1200" dirty="0"/>
-              <a:t>27</a:t>
-            </a:r>
-          </a:p>
-          <a:p>
-            <a:r>
-              <a:rPr lang="en-GB" sz="1200" dirty="0"/>
-              <a:t>25</a:t>
-            </a:r>
-          </a:p>
-          <a:p>
-            <a:r>
-              <a:rPr lang="en-GB" sz="1200" dirty="0"/>
-              <a:t>13</a:t>
-            </a:r>
-          </a:p>
-          <a:p>
-            <a:endParaRPr lang="en-GB" sz="1200" dirty="0"/>
-          </a:p>
-          <a:p>
-            <a:r>
-              <a:rPr lang="en-GB" sz="1200" dirty="0"/>
-              <a:t>0.556</a:t>
-            </a:r>
-          </a:p>
-          <a:p>
-            <a:r>
-              <a:rPr lang="en-GB" sz="1200" dirty="0"/>
-              <a:t>0.636</a:t>
-            </a:r>
-          </a:p>
-          <a:p>
-            <a:r>
-              <a:rPr lang="en-GB" sz="1200" dirty="0"/>
-              <a:t>0.862</a:t>
-            </a:r>
-          </a:p>
-          <a:p>
-            <a:r>
-              <a:rPr lang="en-GB" sz="1200" dirty="0"/>
-              <a:t>0.889</a:t>
-            </a:r>
-          </a:p>
-          <a:p>
-            <a:r>
-              <a:rPr lang="en-GB" sz="1200" dirty="0"/>
-              <a:t>0.92</a:t>
-            </a:r>
-          </a:p>
-          <a:p>
-            <a:r>
-              <a:rPr lang="en-GB" sz="1200" dirty="0"/>
-              <a:t>1</a:t>
-            </a:r>
-          </a:p>
-        </p:txBody>
-      </p:sp>
-      <p:sp>
-        <p:nvSpPr>
-          <p:cNvPr id="5" name="Rectangle 4">
-            <a:extLst>
-              <a:ext uri="{FF2B5EF4-FFF2-40B4-BE49-F238E27FC236}">
-                <a16:creationId xmlns:a16="http://schemas.microsoft.com/office/drawing/2014/main" id="{BAAD3B19-AD82-B040-873E-BAF529487567}"/>
-              </a:ext>
-            </a:extLst>
-          </p:cNvPr>
-          <p:cNvSpPr/>
-          <p:nvPr/>
-        </p:nvSpPr>
-        <p:spPr>
-          <a:xfrm>
-            <a:off x="524719" y="543309"/>
-            <a:ext cx="3961937" cy="5816977"/>
-          </a:xfrm>
-          <a:prstGeom prst="rect">
-            <a:avLst/>
-          </a:prstGeom>
-        </p:spPr>
-        <p:txBody>
-          <a:bodyPr wrap="square">
-            <a:spAutoFit/>
-          </a:bodyPr>
-          <a:lstStyle/>
-          <a:p>
-            <a:r>
-              <a:rPr lang="en-GB" sz="1200" dirty="0"/>
-              <a:t>Total number of Anja’s SNP: </a:t>
-            </a:r>
-            <a:r>
-              <a:rPr lang="en-GB" sz="1200" dirty="0">
-                <a:solidFill>
-                  <a:srgbClr val="FF0000"/>
-                </a:solidFill>
-              </a:rPr>
-              <a:t>55106</a:t>
-            </a:r>
-          </a:p>
-          <a:p>
-            <a:endParaRPr lang="en-GB" sz="1200" dirty="0"/>
-          </a:p>
-          <a:p>
-            <a:r>
-              <a:rPr lang="en-GB" sz="1200" dirty="0"/>
-              <a:t>Proportion of SNP  with significant clines.</a:t>
-            </a:r>
-          </a:p>
-          <a:p>
-            <a:r>
-              <a:rPr lang="en-GB" sz="1200" dirty="0"/>
-              <a:t>CZA left: 0.5122128</a:t>
-            </a:r>
-          </a:p>
-          <a:p>
-            <a:r>
-              <a:rPr lang="en-GB" sz="1200" dirty="0"/>
-              <a:t>CZA right: 0.4238377</a:t>
-            </a:r>
-          </a:p>
-          <a:p>
-            <a:r>
-              <a:rPr lang="en-GB" sz="1200" dirty="0"/>
-              <a:t>CZB left: 0.3201829</a:t>
-            </a:r>
-          </a:p>
-          <a:p>
-            <a:r>
-              <a:rPr lang="en-GB" sz="1200" dirty="0"/>
-              <a:t>CZB right: 0.4114071</a:t>
-            </a:r>
-          </a:p>
-          <a:p>
-            <a:r>
-              <a:rPr lang="en-GB" sz="1200" dirty="0"/>
-              <a:t>CZD left: 0.4393351</a:t>
-            </a:r>
-          </a:p>
-          <a:p>
-            <a:r>
-              <a:rPr lang="en-GB" sz="1200" dirty="0"/>
-              <a:t>CZD right: 0.4732697</a:t>
-            </a:r>
-          </a:p>
-          <a:p>
-            <a:endParaRPr lang="en-GB" sz="1200" dirty="0"/>
-          </a:p>
-          <a:p>
-            <a:r>
-              <a:rPr lang="en-GB" sz="1200" dirty="0"/>
-              <a:t>Proportions of SNP  outliers that are shared.</a:t>
-            </a:r>
-          </a:p>
-          <a:p>
-            <a:r>
-              <a:rPr lang="en-GB" sz="1200" dirty="0"/>
-              <a:t>CZA left and right: 0.707804</a:t>
-            </a:r>
-          </a:p>
-          <a:p>
-            <a:r>
-              <a:rPr lang="en-GB" sz="1200" dirty="0"/>
-              <a:t>CZB left and right: 0.5680581</a:t>
-            </a:r>
-          </a:p>
-          <a:p>
-            <a:r>
-              <a:rPr lang="en-GB" sz="1200" dirty="0"/>
-              <a:t>CZD left and right: 0.6569873</a:t>
-            </a:r>
-          </a:p>
-          <a:p>
-            <a:r>
-              <a:rPr lang="en-GB" sz="1200" dirty="0"/>
-              <a:t>CZA and CZB: 0.4650635</a:t>
-            </a:r>
-          </a:p>
-          <a:p>
-            <a:r>
-              <a:rPr lang="en-GB" sz="1200" dirty="0"/>
-              <a:t>CZA and CZD: 0.508167</a:t>
-            </a:r>
-          </a:p>
-          <a:p>
-            <a:r>
-              <a:rPr lang="en-GB" sz="1200" dirty="0"/>
-              <a:t>CZB and CZD: 0.5426497</a:t>
-            </a:r>
-          </a:p>
-          <a:p>
-            <a:endParaRPr lang="en-GB" sz="1200" dirty="0"/>
-          </a:p>
-          <a:p>
-            <a:r>
-              <a:rPr lang="en-GB" sz="1200" dirty="0"/>
-              <a:t>Number of SNP  outliers found in 1 hybrid zone(s): 602</a:t>
-            </a:r>
-          </a:p>
-          <a:p>
-            <a:r>
-              <a:rPr lang="en-GB" sz="1200" dirty="0"/>
-              <a:t>Number of SNP  outliers found in 2 hybrid zone(s): 258</a:t>
-            </a:r>
-          </a:p>
-          <a:p>
-            <a:r>
-              <a:rPr lang="en-GB" sz="1200" dirty="0"/>
-              <a:t>Number of SNP  outliers found in 3 hybrid zone(s): 137</a:t>
-            </a:r>
-          </a:p>
-          <a:p>
-            <a:r>
-              <a:rPr lang="en-GB" sz="1200" dirty="0"/>
-              <a:t>Number of SNP  outliers found in 4 hybrid zone(s): 117</a:t>
-            </a:r>
-          </a:p>
-          <a:p>
-            <a:r>
-              <a:rPr lang="en-GB" sz="1200" dirty="0"/>
-              <a:t>Number of SNP  outliers found in 5 hybrid zone(s): 95</a:t>
-            </a:r>
-          </a:p>
-          <a:p>
-            <a:r>
-              <a:rPr lang="en-GB" sz="1200" dirty="0"/>
-              <a:t>Number of SNP  outliers found in 6 hybrid zone(s): 139</a:t>
-            </a:r>
-          </a:p>
-          <a:p>
-            <a:endParaRPr lang="en-GB" sz="1200" dirty="0"/>
-          </a:p>
-          <a:p>
-            <a:r>
-              <a:rPr lang="en-GB" sz="1200" dirty="0"/>
-              <a:t>Prop. of SNP  outliers in inversions found in 1 zone(s): 0.648</a:t>
-            </a:r>
-          </a:p>
-          <a:p>
-            <a:r>
-              <a:rPr lang="en-GB" sz="1200" dirty="0"/>
-              <a:t>Prop. of SNP  outliers in inversions found in 2 zone(s): 0.698</a:t>
-            </a:r>
-          </a:p>
-          <a:p>
-            <a:r>
-              <a:rPr lang="en-GB" sz="1200" dirty="0"/>
-              <a:t>Prop. of SNP  outliers in inversions found in 3 zone(s): 0.912</a:t>
-            </a:r>
-          </a:p>
-          <a:p>
-            <a:r>
-              <a:rPr lang="en-GB" sz="1200" dirty="0"/>
-              <a:t>Prop. of SNP  outliers in inversions found in 4 zone(s): 0.923</a:t>
-            </a:r>
-          </a:p>
-          <a:p>
-            <a:r>
-              <a:rPr lang="en-GB" sz="1200" dirty="0"/>
-              <a:t>Prop. of SNP  outliers in inversions found in 5 zone(s): 0.979</a:t>
-            </a:r>
-          </a:p>
-          <a:p>
-            <a:r>
-              <a:rPr lang="en-GB" sz="1200" dirty="0"/>
-              <a:t>Prop. of SNP  outliers in inversions found in 6 zone(s): 1</a:t>
-            </a:r>
-          </a:p>
-        </p:txBody>
-      </p:sp>
-      <p:sp>
-        <p:nvSpPr>
-          <p:cNvPr id="7" name="Rectangle 6">
-            <a:extLst>
-              <a:ext uri="{FF2B5EF4-FFF2-40B4-BE49-F238E27FC236}">
-                <a16:creationId xmlns:a16="http://schemas.microsoft.com/office/drawing/2014/main" id="{69285B50-6470-1746-BD71-7C6F3486A15B}"/>
-              </a:ext>
-            </a:extLst>
-          </p:cNvPr>
-          <p:cNvSpPr/>
-          <p:nvPr/>
-        </p:nvSpPr>
-        <p:spPr>
-          <a:xfrm>
-            <a:off x="8001964" y="543310"/>
-            <a:ext cx="3306501" cy="5816977"/>
-          </a:xfrm>
-          <a:prstGeom prst="rect">
-            <a:avLst/>
-          </a:prstGeom>
-        </p:spPr>
-        <p:txBody>
-          <a:bodyPr wrap="square">
-            <a:spAutoFit/>
-          </a:bodyPr>
-          <a:lstStyle/>
-          <a:p>
-            <a:r>
-              <a:rPr lang="en-GB" sz="1200" dirty="0"/>
-              <a:t>Total number of INDEL: 1752</a:t>
-            </a:r>
-          </a:p>
-          <a:p>
-            <a:endParaRPr lang="en-GB" sz="1200" dirty="0"/>
-          </a:p>
-          <a:p>
-            <a:r>
-              <a:rPr lang="en-GB" sz="1200" dirty="0"/>
-              <a:t>Proportion of INDEL  with significant clines.</a:t>
-            </a:r>
-          </a:p>
-          <a:p>
-            <a:r>
-              <a:rPr lang="en-GB" sz="1200" dirty="0"/>
-              <a:t>0.5296804</a:t>
-            </a:r>
-          </a:p>
-          <a:p>
-            <a:r>
-              <a:rPr lang="en-GB" sz="1200" dirty="0"/>
-              <a:t>0.4549087</a:t>
-            </a:r>
-          </a:p>
-          <a:p>
-            <a:r>
-              <a:rPr lang="en-GB" sz="1200" dirty="0"/>
-              <a:t>0.3413242</a:t>
-            </a:r>
-          </a:p>
-          <a:p>
-            <a:r>
-              <a:rPr lang="en-GB" sz="1200" dirty="0"/>
-              <a:t>0.4092466</a:t>
-            </a:r>
-          </a:p>
-          <a:p>
-            <a:r>
-              <a:rPr lang="en-GB" sz="1200" dirty="0"/>
-              <a:t>0.4737443</a:t>
-            </a:r>
-          </a:p>
-          <a:p>
-            <a:r>
-              <a:rPr lang="en-GB" sz="1200" dirty="0"/>
-              <a:t>0.4834475</a:t>
-            </a:r>
-          </a:p>
-          <a:p>
-            <a:endParaRPr lang="en-GB" sz="1200" dirty="0"/>
-          </a:p>
-          <a:p>
-            <a:r>
-              <a:rPr lang="en-GB" sz="1200" dirty="0"/>
-              <a:t>Proportions of INDEL  outliers that are shared.</a:t>
-            </a:r>
-          </a:p>
-          <a:p>
-            <a:r>
-              <a:rPr lang="en-GB" sz="1200" dirty="0"/>
-              <a:t>0.7058824</a:t>
-            </a:r>
-          </a:p>
-          <a:p>
-            <a:r>
-              <a:rPr lang="en-GB" sz="1200" dirty="0"/>
-              <a:t>0.4705882</a:t>
-            </a:r>
-          </a:p>
-          <a:p>
-            <a:r>
-              <a:rPr lang="en-GB" sz="1200" dirty="0"/>
-              <a:t>0.6470588</a:t>
-            </a:r>
-          </a:p>
-          <a:p>
-            <a:r>
-              <a:rPr lang="en-GB" sz="1200" dirty="0"/>
-              <a:t>0.3529412</a:t>
-            </a:r>
-          </a:p>
-          <a:p>
-            <a:r>
-              <a:rPr lang="en-GB" sz="1200" dirty="0"/>
-              <a:t>0.4117647</a:t>
-            </a:r>
-          </a:p>
-          <a:p>
-            <a:r>
-              <a:rPr lang="en-GB" sz="1200" dirty="0"/>
-              <a:t>0.4411765</a:t>
-            </a:r>
-          </a:p>
-          <a:p>
-            <a:endParaRPr lang="en-GB" sz="1200" dirty="0"/>
-          </a:p>
-          <a:p>
-            <a:r>
-              <a:rPr lang="en-GB" sz="1200" dirty="0"/>
-              <a:t>24</a:t>
-            </a:r>
-          </a:p>
-          <a:p>
-            <a:r>
-              <a:rPr lang="en-GB" sz="1200" dirty="0"/>
-              <a:t>7</a:t>
-            </a:r>
-          </a:p>
-          <a:p>
-            <a:r>
-              <a:rPr lang="en-GB" sz="1200" dirty="0"/>
-              <a:t>7</a:t>
-            </a:r>
-          </a:p>
-          <a:p>
-            <a:r>
-              <a:rPr lang="en-GB" sz="1200" dirty="0"/>
-              <a:t>5</a:t>
-            </a:r>
-          </a:p>
-          <a:p>
-            <a:r>
-              <a:rPr lang="en-GB" sz="1200" dirty="0"/>
-              <a:t>1</a:t>
-            </a:r>
-          </a:p>
-          <a:p>
-            <a:r>
-              <a:rPr lang="en-GB" sz="1200" dirty="0"/>
-              <a:t>3</a:t>
-            </a:r>
-          </a:p>
-          <a:p>
-            <a:endParaRPr lang="en-GB" sz="1200" dirty="0"/>
-          </a:p>
-          <a:p>
-            <a:r>
-              <a:rPr lang="en-GB" sz="1200" dirty="0"/>
-              <a:t>0.625</a:t>
-            </a:r>
-          </a:p>
-          <a:p>
-            <a:r>
-              <a:rPr lang="en-GB" sz="1200" dirty="0"/>
-              <a:t>0.57</a:t>
-            </a:r>
-          </a:p>
-          <a:p>
-            <a:r>
-              <a:rPr lang="en-GB" sz="1200" dirty="0"/>
-              <a:t>0.86</a:t>
-            </a:r>
-          </a:p>
-          <a:p>
-            <a:r>
-              <a:rPr lang="en-GB" sz="1200" dirty="0"/>
-              <a:t>1</a:t>
-            </a:r>
-          </a:p>
-          <a:p>
-            <a:r>
-              <a:rPr lang="en-GB" sz="1200" dirty="0"/>
-              <a:t>1</a:t>
-            </a:r>
-          </a:p>
-          <a:p>
-            <a:r>
-              <a:rPr lang="en-GB" sz="1200" dirty="0"/>
-              <a:t>1</a:t>
-            </a:r>
-          </a:p>
-        </p:txBody>
-      </p:sp>
-      <p:sp>
-        <p:nvSpPr>
-          <p:cNvPr id="6" name="TextBox 5">
-            <a:extLst>
-              <a:ext uri="{FF2B5EF4-FFF2-40B4-BE49-F238E27FC236}">
-                <a16:creationId xmlns:a16="http://schemas.microsoft.com/office/drawing/2014/main" id="{DC1E2925-1E88-B747-859F-421E2BE6AEAF}"/>
-              </a:ext>
-            </a:extLst>
-          </p:cNvPr>
-          <p:cNvSpPr txBox="1"/>
-          <p:nvPr/>
-        </p:nvSpPr>
-        <p:spPr>
-          <a:xfrm>
-            <a:off x="524719" y="6519446"/>
-            <a:ext cx="10911068" cy="338554"/>
-          </a:xfrm>
-          <a:prstGeom prst="rect">
-            <a:avLst/>
-          </a:prstGeom>
-          <a:noFill/>
-        </p:spPr>
-        <p:txBody>
-          <a:bodyPr wrap="square" rtlCol="0">
-            <a:spAutoFit/>
-          </a:bodyPr>
-          <a:lstStyle/>
-          <a:p>
-            <a:r>
-              <a:rPr lang="en-GB" sz="1600" dirty="0"/>
-              <a:t>Except this difference in the total number of SNPs, the proportions look quite similar but I have not run any statistical tests</a:t>
-            </a:r>
-          </a:p>
-        </p:txBody>
-      </p:sp>
-    </p:spTree>
-    <p:extLst>
-      <p:ext uri="{BB962C8B-B14F-4D97-AF65-F5344CB8AC3E}">
-        <p14:creationId xmlns:p14="http://schemas.microsoft.com/office/powerpoint/2010/main" val="2438953206"/>
-      </p:ext>
-    </p:extLst>
-  </p:cSld>
-  <p:clrMapOvr>
-    <a:masterClrMapping/>
-  </p:clrMapOvr>
-</p:sld>
-</file>
-
-<file path=ppt/slides/slide4.xml><?xml version="1.0" encoding="utf-8"?>
-<p:sld xmlns:a="http://schemas.openxmlformats.org/drawingml/2006/main" xmlns:r="http://schemas.openxmlformats.org/officeDocument/2006/relationships" xmlns:p="http://schemas.openxmlformats.org/presentationml/2006/main">
-  <p:cSld>
-    <p:spTree>
-      <p:nvGrpSpPr>
-        <p:cNvPr id="1" name=""/>
-        <p:cNvGrpSpPr/>
-        <p:nvPr/>
-      </p:nvGrpSpPr>
-      <p:grpSpPr>
-        <a:xfrm>
-          <a:off x="0" y="0"/>
-          <a:ext cx="0" cy="0"/>
-          <a:chOff x="0" y="0"/>
-          <a:chExt cx="0" cy="0"/>
-        </a:xfrm>
-      </p:grpSpPr>
-      <p:sp>
-        <p:nvSpPr>
-          <p:cNvPr id="2" name="TextBox 1">
-            <a:extLst>
-              <a:ext uri="{FF2B5EF4-FFF2-40B4-BE49-F238E27FC236}">
-                <a16:creationId xmlns:a16="http://schemas.microsoft.com/office/drawing/2014/main" id="{FB5A0D44-16E3-1349-AF6F-4FE1B4E42AE2}"/>
-              </a:ext>
-            </a:extLst>
-          </p:cNvPr>
-          <p:cNvSpPr txBox="1"/>
-          <p:nvPr/>
-        </p:nvSpPr>
-        <p:spPr>
-          <a:xfrm>
-            <a:off x="838631" y="277792"/>
-            <a:ext cx="10514738" cy="369332"/>
-          </a:xfrm>
-          <a:prstGeom prst="rect">
-            <a:avLst/>
-          </a:prstGeom>
-          <a:noFill/>
-        </p:spPr>
-        <p:txBody>
-          <a:bodyPr wrap="none" rtlCol="0">
-            <a:spAutoFit/>
-          </a:bodyPr>
-          <a:lstStyle/>
-          <a:p>
-            <a:r>
-              <a:rPr lang="en-GB" dirty="0"/>
-              <a:t>Given the difference between SAMtools and GATK in the total number of SNPs, I have run some diagnostics</a:t>
-            </a:r>
-          </a:p>
-        </p:txBody>
-      </p:sp>
-      <p:sp>
-        <p:nvSpPr>
-          <p:cNvPr id="13" name="TextBox 12">
-            <a:extLst>
-              <a:ext uri="{FF2B5EF4-FFF2-40B4-BE49-F238E27FC236}">
-                <a16:creationId xmlns:a16="http://schemas.microsoft.com/office/drawing/2014/main" id="{5CCE7386-BE2B-4440-AF7A-2468A67CEB1B}"/>
-              </a:ext>
-            </a:extLst>
-          </p:cNvPr>
-          <p:cNvSpPr txBox="1"/>
-          <p:nvPr/>
-        </p:nvSpPr>
-        <p:spPr>
-          <a:xfrm>
-            <a:off x="838629" y="1157735"/>
-            <a:ext cx="4286943" cy="369332"/>
-          </a:xfrm>
-          <a:prstGeom prst="rect">
-            <a:avLst/>
-          </a:prstGeom>
-          <a:noFill/>
-        </p:spPr>
-        <p:txBody>
-          <a:bodyPr wrap="none" rtlCol="0">
-            <a:spAutoFit/>
-          </a:bodyPr>
-          <a:lstStyle/>
-          <a:p>
-            <a:pPr marL="285750" indent="-285750">
-              <a:buFont typeface="Arial" panose="020B0604020202020204" pitchFamily="34" charset="0"/>
-              <a:buChar char="•"/>
-            </a:pPr>
-            <a:r>
-              <a:rPr lang="en-GB" dirty="0"/>
-              <a:t>Contigs after coverage filter (in progress)</a:t>
-            </a:r>
-          </a:p>
-        </p:txBody>
-      </p:sp>
-    </p:spTree>
-    <p:extLst>
-      <p:ext uri="{BB962C8B-B14F-4D97-AF65-F5344CB8AC3E}">
-        <p14:creationId xmlns:p14="http://schemas.microsoft.com/office/powerpoint/2010/main" val="1844678427"/>
-      </p:ext>
-    </p:extLst>
-  </p:cSld>
-  <p:clrMapOvr>
-    <a:masterClrMapping/>
-  </p:clrMapOvr>
-</p:sld>
-</file>
-
-<file path=ppt/slides/slide5.xml><?xml version="1.0" encoding="utf-8"?>
-<p:sld xmlns:a="http://schemas.openxmlformats.org/drawingml/2006/main" xmlns:r="http://schemas.openxmlformats.org/officeDocument/2006/relationships" xmlns:p="http://schemas.openxmlformats.org/presentationml/2006/main">
-  <p:cSld>
-    <p:spTree>
-      <p:nvGrpSpPr>
-        <p:cNvPr id="1" name=""/>
-        <p:cNvGrpSpPr/>
-        <p:nvPr/>
-      </p:nvGrpSpPr>
-      <p:grpSpPr>
-        <a:xfrm>
-          <a:off x="0" y="0"/>
-          <a:ext cx="0" cy="0"/>
-          <a:chOff x="0" y="0"/>
-          <a:chExt cx="0" cy="0"/>
-        </a:xfrm>
-      </p:grpSpPr>
-      <p:sp>
-        <p:nvSpPr>
-          <p:cNvPr id="2" name="TextBox 1">
-            <a:extLst>
-              <a:ext uri="{FF2B5EF4-FFF2-40B4-BE49-F238E27FC236}">
-                <a16:creationId xmlns:a16="http://schemas.microsoft.com/office/drawing/2014/main" id="{FB5A0D44-16E3-1349-AF6F-4FE1B4E42AE2}"/>
-              </a:ext>
-            </a:extLst>
-          </p:cNvPr>
-          <p:cNvSpPr txBox="1"/>
-          <p:nvPr/>
-        </p:nvSpPr>
-        <p:spPr>
-          <a:xfrm>
-            <a:off x="838631" y="277792"/>
-            <a:ext cx="10514738" cy="369332"/>
-          </a:xfrm>
-          <a:prstGeom prst="rect">
-            <a:avLst/>
-          </a:prstGeom>
-          <a:noFill/>
-        </p:spPr>
-        <p:txBody>
-          <a:bodyPr wrap="none" rtlCol="0">
-            <a:spAutoFit/>
-          </a:bodyPr>
-          <a:lstStyle/>
-          <a:p>
-            <a:r>
-              <a:rPr lang="en-GB" dirty="0"/>
-              <a:t>Given the difference between SAMtools and GATK in the total number of SNPs, I have run some diagnostics</a:t>
-            </a:r>
-          </a:p>
-        </p:txBody>
-      </p:sp>
-      <p:sp>
-        <p:nvSpPr>
-          <p:cNvPr id="13" name="TextBox 12">
-            <a:extLst>
-              <a:ext uri="{FF2B5EF4-FFF2-40B4-BE49-F238E27FC236}">
-                <a16:creationId xmlns:a16="http://schemas.microsoft.com/office/drawing/2014/main" id="{5CCE7386-BE2B-4440-AF7A-2468A67CEB1B}"/>
-              </a:ext>
-            </a:extLst>
-          </p:cNvPr>
-          <p:cNvSpPr txBox="1"/>
-          <p:nvPr/>
-        </p:nvSpPr>
-        <p:spPr>
-          <a:xfrm>
-            <a:off x="838629" y="1157735"/>
-            <a:ext cx="3879780" cy="369332"/>
-          </a:xfrm>
-          <a:prstGeom prst="rect">
-            <a:avLst/>
-          </a:prstGeom>
-          <a:noFill/>
-        </p:spPr>
-        <p:txBody>
-          <a:bodyPr wrap="none" rtlCol="0">
-            <a:spAutoFit/>
-          </a:bodyPr>
-          <a:lstStyle/>
-          <a:p>
-            <a:pPr marL="285750" indent="-285750">
-              <a:buFont typeface="Arial" panose="020B0604020202020204" pitchFamily="34" charset="0"/>
-              <a:buChar char="•"/>
-            </a:pPr>
-            <a:r>
-              <a:rPr lang="en-GB" dirty="0"/>
-              <a:t>SNPs after all the filters (in progress)</a:t>
-            </a:r>
-          </a:p>
-        </p:txBody>
-      </p:sp>
-    </p:spTree>
-    <p:extLst>
-      <p:ext uri="{BB962C8B-B14F-4D97-AF65-F5344CB8AC3E}">
-        <p14:creationId xmlns:p14="http://schemas.microsoft.com/office/powerpoint/2010/main" val="1445881728"/>
-      </p:ext>
-    </p:extLst>
-  </p:cSld>
-  <p:clrMapOvr>
-    <a:masterClrMapping/>
-  </p:clrMapOvr>
-</p:sld>
-</file>
-
-<file path=ppt/slides/slide6.xml><?xml version="1.0" encoding="utf-8"?>
-<p:sld xmlns:a="http://schemas.openxmlformats.org/drawingml/2006/main" xmlns:r="http://schemas.openxmlformats.org/officeDocument/2006/relationships" xmlns:p="http://schemas.openxmlformats.org/presentationml/2006/main">
-  <p:cSld>
-    <p:spTree>
-      <p:nvGrpSpPr>
-        <p:cNvPr id="1" name=""/>
-        <p:cNvGrpSpPr/>
-        <p:nvPr/>
-      </p:nvGrpSpPr>
-      <p:grpSpPr>
-        <a:xfrm>
-          <a:off x="0" y="0"/>
-          <a:ext cx="0" cy="0"/>
-          <a:chOff x="0" y="0"/>
-          <a:chExt cx="0" cy="0"/>
-        </a:xfrm>
-      </p:grpSpPr>
-      <p:sp>
-        <p:nvSpPr>
-          <p:cNvPr id="2" name="TextBox 1">
-            <a:extLst>
-              <a:ext uri="{FF2B5EF4-FFF2-40B4-BE49-F238E27FC236}">
-                <a16:creationId xmlns:a16="http://schemas.microsoft.com/office/drawing/2014/main" id="{FB5A0D44-16E3-1349-AF6F-4FE1B4E42AE2}"/>
-              </a:ext>
-            </a:extLst>
-          </p:cNvPr>
-          <p:cNvSpPr txBox="1"/>
-          <p:nvPr/>
-        </p:nvSpPr>
-        <p:spPr>
-          <a:xfrm>
-            <a:off x="838631" y="277792"/>
-            <a:ext cx="10514738" cy="369332"/>
-          </a:xfrm>
-          <a:prstGeom prst="rect">
-            <a:avLst/>
-          </a:prstGeom>
-          <a:noFill/>
-        </p:spPr>
-        <p:txBody>
-          <a:bodyPr wrap="none" rtlCol="0">
-            <a:spAutoFit/>
-          </a:bodyPr>
-          <a:lstStyle/>
-          <a:p>
-            <a:r>
-              <a:rPr lang="en-GB" dirty="0"/>
-              <a:t>Given the difference between SAMtools and GATK in the total number of SNPs, I have run some diagnostics</a:t>
-            </a:r>
-          </a:p>
-        </p:txBody>
-      </p:sp>
-      <p:pic>
-        <p:nvPicPr>
-          <p:cNvPr id="8" name="Picture 7">
-            <a:extLst>
-              <a:ext uri="{FF2B5EF4-FFF2-40B4-BE49-F238E27FC236}">
-                <a16:creationId xmlns:a16="http://schemas.microsoft.com/office/drawing/2014/main" id="{A4DAEDC7-A8EC-254B-A191-547A1418B8F6}"/>
-              </a:ext>
-            </a:extLst>
-          </p:cNvPr>
-          <p:cNvPicPr>
-            <a:picLocks noChangeAspect="1"/>
-          </p:cNvPicPr>
-          <p:nvPr/>
-        </p:nvPicPr>
-        <p:blipFill rotWithShape="1">
-          <a:blip r:embed="rId2"/>
-          <a:srcRect l="5258" t="9091" r="3176" b="5574"/>
-          <a:stretch/>
-        </p:blipFill>
-        <p:spPr>
-          <a:xfrm>
-            <a:off x="6231038" y="2037678"/>
-            <a:ext cx="5366790" cy="3326660"/>
-          </a:xfrm>
-          <a:prstGeom prst="rect">
-            <a:avLst/>
-          </a:prstGeom>
-        </p:spPr>
-      </p:pic>
-      <p:pic>
-        <p:nvPicPr>
-          <p:cNvPr id="10" name="Picture 9">
-            <a:extLst>
-              <a:ext uri="{FF2B5EF4-FFF2-40B4-BE49-F238E27FC236}">
-                <a16:creationId xmlns:a16="http://schemas.microsoft.com/office/drawing/2014/main" id="{AD14FF7D-63FD-9847-8532-4DE77B1CB03B}"/>
-              </a:ext>
-            </a:extLst>
-          </p:cNvPr>
-          <p:cNvPicPr>
-            <a:picLocks noChangeAspect="1"/>
-          </p:cNvPicPr>
-          <p:nvPr/>
-        </p:nvPicPr>
-        <p:blipFill rotWithShape="1">
-          <a:blip r:embed="rId3"/>
-          <a:srcRect l="4662" t="7646" r="3563" b="4847"/>
-          <a:stretch/>
-        </p:blipFill>
-        <p:spPr>
-          <a:xfrm>
-            <a:off x="838726" y="1985060"/>
-            <a:ext cx="5062966" cy="3379278"/>
-          </a:xfrm>
-          <a:prstGeom prst="rect">
-            <a:avLst/>
-          </a:prstGeom>
-        </p:spPr>
-      </p:pic>
-      <p:sp>
-        <p:nvSpPr>
-          <p:cNvPr id="11" name="TextBox 10">
-            <a:extLst>
-              <a:ext uri="{FF2B5EF4-FFF2-40B4-BE49-F238E27FC236}">
-                <a16:creationId xmlns:a16="http://schemas.microsoft.com/office/drawing/2014/main" id="{8E989DF7-7D26-A445-A99A-2791D7F96721}"/>
-              </a:ext>
-            </a:extLst>
-          </p:cNvPr>
-          <p:cNvSpPr txBox="1"/>
-          <p:nvPr/>
-        </p:nvSpPr>
-        <p:spPr>
-          <a:xfrm>
-            <a:off x="838629" y="1801172"/>
-            <a:ext cx="3076035" cy="307777"/>
-          </a:xfrm>
-          <a:prstGeom prst="rect">
-            <a:avLst/>
-          </a:prstGeom>
-          <a:noFill/>
-        </p:spPr>
-        <p:txBody>
-          <a:bodyPr wrap="none" rtlCol="0">
-            <a:spAutoFit/>
-          </a:bodyPr>
-          <a:lstStyle/>
-          <a:p>
-            <a:r>
-              <a:rPr lang="en-GB" sz="1400" dirty="0"/>
-              <a:t>any_outliers = outlier in at least one CZ.</a:t>
-            </a:r>
-          </a:p>
-        </p:txBody>
-      </p:sp>
-      <p:sp>
-        <p:nvSpPr>
-          <p:cNvPr id="12" name="TextBox 11">
-            <a:extLst>
-              <a:ext uri="{FF2B5EF4-FFF2-40B4-BE49-F238E27FC236}">
-                <a16:creationId xmlns:a16="http://schemas.microsoft.com/office/drawing/2014/main" id="{7E719FF2-7BA6-5944-8D5D-B76085F0436D}"/>
-              </a:ext>
-            </a:extLst>
-          </p:cNvPr>
-          <p:cNvSpPr txBox="1"/>
-          <p:nvPr/>
-        </p:nvSpPr>
-        <p:spPr>
-          <a:xfrm>
-            <a:off x="6231038" y="1801172"/>
-            <a:ext cx="4439036" cy="307777"/>
-          </a:xfrm>
-          <a:prstGeom prst="rect">
-            <a:avLst/>
-          </a:prstGeom>
-          <a:noFill/>
-        </p:spPr>
-        <p:txBody>
-          <a:bodyPr wrap="none" rtlCol="0">
-            <a:spAutoFit/>
-          </a:bodyPr>
-          <a:lstStyle/>
-          <a:p>
-            <a:r>
-              <a:rPr lang="en-GB" sz="1400" dirty="0"/>
-              <a:t>all_outliers = outlier shared by all six CZs (two per islands).</a:t>
-            </a:r>
-          </a:p>
-        </p:txBody>
-      </p:sp>
-      <p:sp>
-        <p:nvSpPr>
-          <p:cNvPr id="13" name="TextBox 12">
-            <a:extLst>
-              <a:ext uri="{FF2B5EF4-FFF2-40B4-BE49-F238E27FC236}">
-                <a16:creationId xmlns:a16="http://schemas.microsoft.com/office/drawing/2014/main" id="{E7AE7D32-9459-A144-A881-63F92D4E6C1F}"/>
-              </a:ext>
-            </a:extLst>
-          </p:cNvPr>
-          <p:cNvSpPr txBox="1"/>
-          <p:nvPr/>
-        </p:nvSpPr>
-        <p:spPr>
-          <a:xfrm>
-            <a:off x="838629" y="1157735"/>
-            <a:ext cx="7953267" cy="369332"/>
-          </a:xfrm>
-          <a:prstGeom prst="rect">
-            <a:avLst/>
-          </a:prstGeom>
-          <a:noFill/>
-        </p:spPr>
-        <p:txBody>
-          <a:bodyPr wrap="none" rtlCol="0">
-            <a:spAutoFit/>
-          </a:bodyPr>
-          <a:lstStyle/>
-          <a:p>
-            <a:pPr marL="285750" indent="-285750">
-              <a:buFont typeface="Arial" panose="020B0604020202020204" pitchFamily="34" charset="0"/>
-              <a:buChar char="•"/>
-            </a:pPr>
-            <a:r>
-              <a:rPr lang="en-GB" dirty="0"/>
-              <a:t>SNPs after all the filters and cline/outlier analysis (i.e., clinal and non-clinal SNPs)</a:t>
-            </a:r>
-          </a:p>
-        </p:txBody>
-      </p:sp>
-      <p:sp>
-        <p:nvSpPr>
-          <p:cNvPr id="14" name="TextBox 13">
-            <a:extLst>
-              <a:ext uri="{FF2B5EF4-FFF2-40B4-BE49-F238E27FC236}">
-                <a16:creationId xmlns:a16="http://schemas.microsoft.com/office/drawing/2014/main" id="{1BC812F4-C87A-6E46-A099-DE8B2DEAFABB}"/>
-              </a:ext>
-            </a:extLst>
-          </p:cNvPr>
-          <p:cNvSpPr txBox="1"/>
-          <p:nvPr/>
-        </p:nvSpPr>
-        <p:spPr>
-          <a:xfrm>
-            <a:off x="838629" y="5452999"/>
-            <a:ext cx="10759199" cy="923330"/>
-          </a:xfrm>
-          <a:prstGeom prst="rect">
-            <a:avLst/>
-          </a:prstGeom>
-          <a:noFill/>
-        </p:spPr>
-        <p:txBody>
-          <a:bodyPr wrap="square" rtlCol="0">
-            <a:spAutoFit/>
-          </a:bodyPr>
-          <a:lstStyle/>
-          <a:p>
-            <a:r>
-              <a:rPr lang="en-GB" i="1" dirty="0"/>
-              <a:t>Figure 1. Venn diagrams of the number of SNPs after filtering and cline analysis. Left: SAMtools and GATK calls are intersected with the respective outliers that were at least present in one hybrid zone. Right: SAMtools and GATK calls are intersected with the respective outliers that were present in all six hybrid zones (two per islands).</a:t>
-            </a:r>
-          </a:p>
-        </p:txBody>
-      </p:sp>
-    </p:spTree>
-    <p:extLst>
-      <p:ext uri="{BB962C8B-B14F-4D97-AF65-F5344CB8AC3E}">
-        <p14:creationId xmlns:p14="http://schemas.microsoft.com/office/powerpoint/2010/main" val="678544682"/>
-      </p:ext>
-    </p:extLst>
-  </p:cSld>
-  <p:clrMapOvr>
-    <a:masterClrMapping/>
-  </p:clrMapOvr>
-</p:sld>
-</file>
-
-<file path=ppt/slides/slide7.xml><?xml version="1.0" encoding="utf-8"?>
-<p:sld xmlns:a="http://schemas.openxmlformats.org/drawingml/2006/main" xmlns:r="http://schemas.openxmlformats.org/officeDocument/2006/relationships" xmlns:p="http://schemas.openxmlformats.org/presentationml/2006/main">
-  <p:cSld>
-    <p:spTree>
-      <p:nvGrpSpPr>
-        <p:cNvPr id="1" name=""/>
-        <p:cNvGrpSpPr/>
-        <p:nvPr/>
-      </p:nvGrpSpPr>
-      <p:grpSpPr>
-        <a:xfrm>
-          <a:off x="0" y="0"/>
-          <a:ext cx="0" cy="0"/>
-          <a:chOff x="0" y="0"/>
-          <a:chExt cx="0" cy="0"/>
-        </a:xfrm>
-      </p:grpSpPr>
-      <p:pic>
-        <p:nvPicPr>
-          <p:cNvPr id="3" name="Picture 2">
-            <a:extLst>
-              <a:ext uri="{FF2B5EF4-FFF2-40B4-BE49-F238E27FC236}">
-                <a16:creationId xmlns:a16="http://schemas.microsoft.com/office/drawing/2014/main" id="{5DEFEF38-FC25-AB4C-80F4-66DE30BC3B8F}"/>
-              </a:ext>
-            </a:extLst>
-          </p:cNvPr>
-          <p:cNvPicPr>
-            <a:picLocks noChangeAspect="1"/>
-          </p:cNvPicPr>
-          <p:nvPr/>
-        </p:nvPicPr>
-        <p:blipFill rotWithShape="1">
-          <a:blip r:embed="rId2"/>
-          <a:srcRect b="25739"/>
-          <a:stretch/>
-        </p:blipFill>
-        <p:spPr>
-          <a:xfrm>
-            <a:off x="54036" y="739392"/>
-            <a:ext cx="8241136" cy="6120000"/>
-          </a:xfrm>
-          <a:prstGeom prst="rect">
-            <a:avLst/>
-          </a:prstGeom>
-        </p:spPr>
-      </p:pic>
-      <p:sp>
-        <p:nvSpPr>
-          <p:cNvPr id="4" name="TextBox 3">
-            <a:extLst>
-              <a:ext uri="{FF2B5EF4-FFF2-40B4-BE49-F238E27FC236}">
-                <a16:creationId xmlns:a16="http://schemas.microsoft.com/office/drawing/2014/main" id="{BBC0A1E3-8029-A149-9543-F9E009CEE386}"/>
-              </a:ext>
-            </a:extLst>
-          </p:cNvPr>
-          <p:cNvSpPr txBox="1"/>
-          <p:nvPr/>
-        </p:nvSpPr>
-        <p:spPr>
-          <a:xfrm>
-            <a:off x="3439820" y="277792"/>
-            <a:ext cx="1469569" cy="369332"/>
-          </a:xfrm>
-          <a:prstGeom prst="rect">
-            <a:avLst/>
-          </a:prstGeom>
-          <a:noFill/>
-        </p:spPr>
-        <p:txBody>
-          <a:bodyPr wrap="none" rtlCol="0">
-            <a:spAutoFit/>
-          </a:bodyPr>
-          <a:lstStyle/>
-          <a:p>
-            <a:r>
-              <a:rPr lang="en-GB" dirty="0"/>
-              <a:t>GATK SNP call</a:t>
-            </a:r>
-          </a:p>
-        </p:txBody>
-      </p:sp>
-      <p:sp>
-        <p:nvSpPr>
-          <p:cNvPr id="5" name="TextBox 4">
-            <a:extLst>
-              <a:ext uri="{FF2B5EF4-FFF2-40B4-BE49-F238E27FC236}">
-                <a16:creationId xmlns:a16="http://schemas.microsoft.com/office/drawing/2014/main" id="{321E6931-B8DB-3A49-849B-8FE2E1030096}"/>
-              </a:ext>
-            </a:extLst>
-          </p:cNvPr>
-          <p:cNvSpPr txBox="1"/>
-          <p:nvPr/>
-        </p:nvSpPr>
-        <p:spPr>
-          <a:xfrm>
-            <a:off x="8295172" y="855139"/>
-            <a:ext cx="3742499" cy="1200329"/>
-          </a:xfrm>
-          <a:prstGeom prst="rect">
-            <a:avLst/>
-          </a:prstGeom>
-          <a:noFill/>
-        </p:spPr>
-        <p:txBody>
-          <a:bodyPr wrap="square" rtlCol="0">
-            <a:spAutoFit/>
-          </a:bodyPr>
-          <a:lstStyle/>
-          <a:p>
-            <a:r>
-              <a:rPr lang="en-GB" dirty="0"/>
-              <a:t>Except this difference in the total number of SNPs, the map positions look quite similar but I have not run any statistical tests</a:t>
-            </a:r>
-          </a:p>
-        </p:txBody>
-      </p:sp>
-      <p:sp>
-        <p:nvSpPr>
-          <p:cNvPr id="6" name="TextBox 5">
-            <a:extLst>
-              <a:ext uri="{FF2B5EF4-FFF2-40B4-BE49-F238E27FC236}">
-                <a16:creationId xmlns:a16="http://schemas.microsoft.com/office/drawing/2014/main" id="{9CCBC790-4C93-E64D-91E1-2A0E4F58A609}"/>
-              </a:ext>
-            </a:extLst>
-          </p:cNvPr>
-          <p:cNvSpPr txBox="1"/>
-          <p:nvPr/>
-        </p:nvSpPr>
-        <p:spPr>
-          <a:xfrm>
-            <a:off x="5379257" y="5165839"/>
-            <a:ext cx="6658414" cy="646331"/>
-          </a:xfrm>
-          <a:prstGeom prst="rect">
-            <a:avLst/>
-          </a:prstGeom>
-          <a:noFill/>
-        </p:spPr>
-        <p:txBody>
-          <a:bodyPr wrap="square" rtlCol="0">
-            <a:spAutoFit/>
-          </a:bodyPr>
-          <a:lstStyle/>
-          <a:p>
-            <a:r>
-              <a:rPr lang="en-GB" i="1" dirty="0"/>
-              <a:t>Figure 2. The same as in Anja’s paper with the exception of the SNP </a:t>
-            </a:r>
-            <a:r>
-              <a:rPr lang="en-GB" i="1" dirty="0" err="1"/>
-              <a:t>callset</a:t>
-            </a:r>
-            <a:r>
-              <a:rPr lang="en-GB" i="1" dirty="0"/>
-              <a:t> which was produced using GATK.</a:t>
-            </a:r>
-          </a:p>
-        </p:txBody>
-      </p:sp>
-      <p:cxnSp>
-        <p:nvCxnSpPr>
-          <p:cNvPr id="8" name="Straight Connector 7">
-            <a:extLst>
-              <a:ext uri="{FF2B5EF4-FFF2-40B4-BE49-F238E27FC236}">
-                <a16:creationId xmlns:a16="http://schemas.microsoft.com/office/drawing/2014/main" id="{BFA32B25-210E-7349-9A1E-4624507CF046}"/>
-              </a:ext>
-            </a:extLst>
-          </p:cNvPr>
-          <p:cNvCxnSpPr>
-            <a:cxnSpLocks/>
-          </p:cNvCxnSpPr>
-          <p:nvPr/>
-        </p:nvCxnSpPr>
-        <p:spPr>
-          <a:xfrm>
-            <a:off x="393539" y="1088020"/>
-            <a:ext cx="7901633" cy="0"/>
-          </a:xfrm>
-          <a:prstGeom prst="line">
-            <a:avLst/>
-          </a:prstGeom>
-          <a:ln w="57150">
-            <a:solidFill>
-              <a:schemeClr val="tx1"/>
-            </a:solidFill>
-          </a:ln>
-        </p:spPr>
-        <p:style>
-          <a:lnRef idx="1">
-            <a:schemeClr val="accent1"/>
-          </a:lnRef>
-          <a:fillRef idx="0">
-            <a:schemeClr val="accent1"/>
-          </a:fillRef>
-          <a:effectRef idx="0">
-            <a:schemeClr val="accent1"/>
-          </a:effectRef>
-          <a:fontRef idx="minor">
-            <a:schemeClr val="tx1"/>
-          </a:fontRef>
-        </p:style>
-      </p:cxnSp>
-      <p:cxnSp>
-        <p:nvCxnSpPr>
-          <p:cNvPr id="10" name="Straight Connector 9">
-            <a:extLst>
-              <a:ext uri="{FF2B5EF4-FFF2-40B4-BE49-F238E27FC236}">
-                <a16:creationId xmlns:a16="http://schemas.microsoft.com/office/drawing/2014/main" id="{91B10E0A-738E-594D-8BCA-621AD0368F34}"/>
-              </a:ext>
-            </a:extLst>
-          </p:cNvPr>
-          <p:cNvCxnSpPr>
-            <a:cxnSpLocks/>
-          </p:cNvCxnSpPr>
-          <p:nvPr/>
-        </p:nvCxnSpPr>
-        <p:spPr>
-          <a:xfrm>
-            <a:off x="393539" y="3080795"/>
-            <a:ext cx="7901633" cy="0"/>
-          </a:xfrm>
-          <a:prstGeom prst="line">
-            <a:avLst/>
-          </a:prstGeom>
-          <a:ln w="57150">
-            <a:solidFill>
-              <a:schemeClr val="tx1"/>
-            </a:solidFill>
-          </a:ln>
-        </p:spPr>
-        <p:style>
-          <a:lnRef idx="1">
-            <a:schemeClr val="accent1"/>
-          </a:lnRef>
-          <a:fillRef idx="0">
-            <a:schemeClr val="accent1"/>
-          </a:fillRef>
-          <a:effectRef idx="0">
-            <a:schemeClr val="accent1"/>
-          </a:effectRef>
-          <a:fontRef idx="minor">
-            <a:schemeClr val="tx1"/>
-          </a:fontRef>
-        </p:style>
-      </p:cxnSp>
-      <p:cxnSp>
-        <p:nvCxnSpPr>
-          <p:cNvPr id="11" name="Straight Connector 10">
-            <a:extLst>
-              <a:ext uri="{FF2B5EF4-FFF2-40B4-BE49-F238E27FC236}">
-                <a16:creationId xmlns:a16="http://schemas.microsoft.com/office/drawing/2014/main" id="{86EA1A3D-23B2-C146-B377-4A4EBF6DE001}"/>
-              </a:ext>
-            </a:extLst>
-          </p:cNvPr>
-          <p:cNvCxnSpPr>
-            <a:cxnSpLocks/>
-          </p:cNvCxnSpPr>
-          <p:nvPr/>
-        </p:nvCxnSpPr>
-        <p:spPr>
-          <a:xfrm>
-            <a:off x="393539" y="5073570"/>
-            <a:ext cx="7901633" cy="0"/>
-          </a:xfrm>
-          <a:prstGeom prst="line">
-            <a:avLst/>
-          </a:prstGeom>
-          <a:ln w="57150">
-            <a:solidFill>
-              <a:schemeClr val="tx1"/>
-            </a:solidFill>
-          </a:ln>
-        </p:spPr>
-        <p:style>
-          <a:lnRef idx="1">
-            <a:schemeClr val="accent1"/>
-          </a:lnRef>
-          <a:fillRef idx="0">
-            <a:schemeClr val="accent1"/>
-          </a:fillRef>
-          <a:effectRef idx="0">
-            <a:schemeClr val="accent1"/>
-          </a:effectRef>
-          <a:fontRef idx="minor">
-            <a:schemeClr val="tx1"/>
-          </a:fontRef>
-        </p:style>
-      </p:cxnSp>
-    </p:spTree>
-    <p:extLst>
-      <p:ext uri="{BB962C8B-B14F-4D97-AF65-F5344CB8AC3E}">
-        <p14:creationId xmlns:p14="http://schemas.microsoft.com/office/powerpoint/2010/main" val="2034600197"/>
-      </p:ext>
-    </p:extLst>
-  </p:cSld>
-  <p:clrMapOvr>
-    <a:masterClrMapping/>
-  </p:clrMapOvr>
-</p:sld>
-</file>
-
-<file path=ppt/slides/slide8.xml><?xml version="1.0" encoding="utf-8"?>
 <p:sld xmlns:a="http://schemas.openxmlformats.org/drawingml/2006/main" xmlns:r="http://schemas.openxmlformats.org/officeDocument/2006/relationships" xmlns:p="http://schemas.openxmlformats.org/presentationml/2006/main">
   <p:cSld>
     <p:spTree>
@@ -7179,10 +4594,96 @@
           </a:p>
         </p:txBody>
       </p:sp>
+      <p:cxnSp>
+        <p:nvCxnSpPr>
+          <p:cNvPr id="8" name="Straight Connector 7">
+            <a:extLst>
+              <a:ext uri="{FF2B5EF4-FFF2-40B4-BE49-F238E27FC236}">
+                <a16:creationId xmlns:a16="http://schemas.microsoft.com/office/drawing/2014/main" id="{044E0B42-E344-CB41-8B32-BCD8660ECFE0}"/>
+              </a:ext>
+            </a:extLst>
+          </p:cNvPr>
+          <p:cNvCxnSpPr>
+            <a:cxnSpLocks/>
+          </p:cNvCxnSpPr>
+          <p:nvPr/>
+        </p:nvCxnSpPr>
+        <p:spPr>
+          <a:xfrm>
+            <a:off x="206973" y="254645"/>
+            <a:ext cx="11738111" cy="6400800"/>
+          </a:xfrm>
+          <a:prstGeom prst="line">
+            <a:avLst/>
+          </a:prstGeom>
+          <a:ln w="76200">
+            <a:solidFill>
+              <a:schemeClr val="tx1"/>
+            </a:solidFill>
+          </a:ln>
+        </p:spPr>
+        <p:style>
+          <a:lnRef idx="1">
+            <a:schemeClr val="accent1"/>
+          </a:lnRef>
+          <a:fillRef idx="0">
+            <a:schemeClr val="accent1"/>
+          </a:fillRef>
+          <a:effectRef idx="0">
+            <a:schemeClr val="accent1"/>
+          </a:effectRef>
+          <a:fontRef idx="minor">
+            <a:schemeClr val="tx1"/>
+          </a:fontRef>
+        </p:style>
+      </p:cxnSp>
+      <p:cxnSp>
+        <p:nvCxnSpPr>
+          <p:cNvPr id="15" name="Straight Connector 14">
+            <a:extLst>
+              <a:ext uri="{FF2B5EF4-FFF2-40B4-BE49-F238E27FC236}">
+                <a16:creationId xmlns:a16="http://schemas.microsoft.com/office/drawing/2014/main" id="{0C9C7059-2376-6042-9D29-5C8F989882C3}"/>
+              </a:ext>
+            </a:extLst>
+          </p:cNvPr>
+          <p:cNvCxnSpPr>
+            <a:cxnSpLocks/>
+          </p:cNvCxnSpPr>
+          <p:nvPr/>
+        </p:nvCxnSpPr>
+        <p:spPr>
+          <a:xfrm flipV="1">
+            <a:off x="206973" y="254645"/>
+            <a:ext cx="11738111" cy="6319775"/>
+          </a:xfrm>
+          <a:prstGeom prst="line">
+            <a:avLst/>
+          </a:prstGeom>
+          <a:ln w="76200">
+            <a:solidFill>
+              <a:schemeClr val="tx1"/>
+            </a:solidFill>
+          </a:ln>
+        </p:spPr>
+        <p:style>
+          <a:lnRef idx="1">
+            <a:schemeClr val="accent1"/>
+          </a:lnRef>
+          <a:fillRef idx="0">
+            <a:schemeClr val="accent1"/>
+          </a:fillRef>
+          <a:effectRef idx="0">
+            <a:schemeClr val="accent1"/>
+          </a:effectRef>
+          <a:fontRef idx="minor">
+            <a:schemeClr val="tx1"/>
+          </a:fontRef>
+        </p:style>
+      </p:cxnSp>
     </p:spTree>
     <p:extLst>
       <p:ext uri="{BB962C8B-B14F-4D97-AF65-F5344CB8AC3E}">
-        <p14:creationId xmlns:p14="http://schemas.microsoft.com/office/powerpoint/2010/main" val="2585403068"/>
+        <p14:creationId xmlns:p14="http://schemas.microsoft.com/office/powerpoint/2010/main" val="4075476263"/>
       </p:ext>
     </p:extLst>
   </p:cSld>
@@ -7192,7 +4693,7 @@
 </p:sld>
 </file>
 
-<file path=ppt/slides/slide9.xml><?xml version="1.0" encoding="utf-8"?>
+<file path=ppt/slides/slide11.xml><?xml version="1.0" encoding="utf-8"?>
 <p:sld xmlns:a="http://schemas.openxmlformats.org/drawingml/2006/main" xmlns:r="http://schemas.openxmlformats.org/officeDocument/2006/relationships" xmlns:p="http://schemas.openxmlformats.org/presentationml/2006/main">
   <p:cSld>
     <p:spTree>
@@ -7945,10 +5446,3336 @@
           </a:p>
         </p:txBody>
       </p:sp>
+      <p:cxnSp>
+        <p:nvCxnSpPr>
+          <p:cNvPr id="11" name="Straight Connector 10">
+            <a:extLst>
+              <a:ext uri="{FF2B5EF4-FFF2-40B4-BE49-F238E27FC236}">
+                <a16:creationId xmlns:a16="http://schemas.microsoft.com/office/drawing/2014/main" id="{3C422FCA-49D3-C648-A86D-B03728EEF9C0}"/>
+              </a:ext>
+            </a:extLst>
+          </p:cNvPr>
+          <p:cNvCxnSpPr>
+            <a:cxnSpLocks/>
+          </p:cNvCxnSpPr>
+          <p:nvPr/>
+        </p:nvCxnSpPr>
+        <p:spPr>
+          <a:xfrm>
+            <a:off x="206973" y="254645"/>
+            <a:ext cx="11738111" cy="6400800"/>
+          </a:xfrm>
+          <a:prstGeom prst="line">
+            <a:avLst/>
+          </a:prstGeom>
+          <a:ln w="76200">
+            <a:solidFill>
+              <a:schemeClr val="tx1"/>
+            </a:solidFill>
+          </a:ln>
+        </p:spPr>
+        <p:style>
+          <a:lnRef idx="1">
+            <a:schemeClr val="accent1"/>
+          </a:lnRef>
+          <a:fillRef idx="0">
+            <a:schemeClr val="accent1"/>
+          </a:fillRef>
+          <a:effectRef idx="0">
+            <a:schemeClr val="accent1"/>
+          </a:effectRef>
+          <a:fontRef idx="minor">
+            <a:schemeClr val="tx1"/>
+          </a:fontRef>
+        </p:style>
+      </p:cxnSp>
+      <p:cxnSp>
+        <p:nvCxnSpPr>
+          <p:cNvPr id="14" name="Straight Connector 13">
+            <a:extLst>
+              <a:ext uri="{FF2B5EF4-FFF2-40B4-BE49-F238E27FC236}">
+                <a16:creationId xmlns:a16="http://schemas.microsoft.com/office/drawing/2014/main" id="{B953B69C-DAB5-6E43-B8B5-02A57FCB05EE}"/>
+              </a:ext>
+            </a:extLst>
+          </p:cNvPr>
+          <p:cNvCxnSpPr>
+            <a:cxnSpLocks/>
+          </p:cNvCxnSpPr>
+          <p:nvPr/>
+        </p:nvCxnSpPr>
+        <p:spPr>
+          <a:xfrm flipV="1">
+            <a:off x="206973" y="254645"/>
+            <a:ext cx="11738111" cy="6319775"/>
+          </a:xfrm>
+          <a:prstGeom prst="line">
+            <a:avLst/>
+          </a:prstGeom>
+          <a:ln w="76200">
+            <a:solidFill>
+              <a:schemeClr val="tx1"/>
+            </a:solidFill>
+          </a:ln>
+        </p:spPr>
+        <p:style>
+          <a:lnRef idx="1">
+            <a:schemeClr val="accent1"/>
+          </a:lnRef>
+          <a:fillRef idx="0">
+            <a:schemeClr val="accent1"/>
+          </a:fillRef>
+          <a:effectRef idx="0">
+            <a:schemeClr val="accent1"/>
+          </a:effectRef>
+          <a:fontRef idx="minor">
+            <a:schemeClr val="tx1"/>
+          </a:fontRef>
+        </p:style>
+      </p:cxnSp>
     </p:spTree>
     <p:extLst>
       <p:ext uri="{BB962C8B-B14F-4D97-AF65-F5344CB8AC3E}">
         <p14:creationId xmlns:p14="http://schemas.microsoft.com/office/powerpoint/2010/main" val="3260542583"/>
+      </p:ext>
+    </p:extLst>
+  </p:cSld>
+  <p:clrMapOvr>
+    <a:masterClrMapping/>
+  </p:clrMapOvr>
+</p:sld>
+</file>
+
+<file path=ppt/slides/slide12.xml><?xml version="1.0" encoding="utf-8"?>
+<p:sld xmlns:a="http://schemas.openxmlformats.org/drawingml/2006/main" xmlns:r="http://schemas.openxmlformats.org/officeDocument/2006/relationships" xmlns:p="http://schemas.openxmlformats.org/presentationml/2006/main">
+  <p:cSld>
+    <p:spTree>
+      <p:nvGrpSpPr>
+        <p:cNvPr id="1" name=""/>
+        <p:cNvGrpSpPr/>
+        <p:nvPr/>
+      </p:nvGrpSpPr>
+      <p:grpSpPr>
+        <a:xfrm>
+          <a:off x="0" y="0"/>
+          <a:ext cx="0" cy="0"/>
+          <a:chOff x="0" y="0"/>
+          <a:chExt cx="0" cy="0"/>
+        </a:xfrm>
+      </p:grpSpPr>
+      <p:sp>
+        <p:nvSpPr>
+          <p:cNvPr id="2" name="Rectangle 1">
+            <a:extLst>
+              <a:ext uri="{FF2B5EF4-FFF2-40B4-BE49-F238E27FC236}">
+                <a16:creationId xmlns:a16="http://schemas.microsoft.com/office/drawing/2014/main" id="{28EB9195-3465-C644-B592-B32C34D4FFCF}"/>
+              </a:ext>
+            </a:extLst>
+          </p:cNvPr>
+          <p:cNvSpPr/>
+          <p:nvPr/>
+        </p:nvSpPr>
+        <p:spPr>
+          <a:xfrm>
+            <a:off x="528115" y="409596"/>
+            <a:ext cx="4164153" cy="369332"/>
+          </a:xfrm>
+          <a:prstGeom prst="rect">
+            <a:avLst/>
+          </a:prstGeom>
+        </p:spPr>
+        <p:txBody>
+          <a:bodyPr wrap="none">
+            <a:spAutoFit/>
+          </a:bodyPr>
+          <a:lstStyle/>
+          <a:p>
+            <a:pPr marL="342900" indent="-342900">
+              <a:buFont typeface="+mj-lt"/>
+              <a:buAutoNum type="arabicPeriod" startAt="2"/>
+            </a:pPr>
+            <a:r>
+              <a:rPr lang="en-GB" b="1" dirty="0"/>
+              <a:t>Clustering of (different types) markers</a:t>
+            </a:r>
+          </a:p>
+        </p:txBody>
+      </p:sp>
+      <p:sp>
+        <p:nvSpPr>
+          <p:cNvPr id="12" name="TextBox 11">
+            <a:extLst>
+              <a:ext uri="{FF2B5EF4-FFF2-40B4-BE49-F238E27FC236}">
+                <a16:creationId xmlns:a16="http://schemas.microsoft.com/office/drawing/2014/main" id="{EE2B360A-DD67-7142-A309-F624C4AD0FFE}"/>
+              </a:ext>
+            </a:extLst>
+          </p:cNvPr>
+          <p:cNvSpPr txBox="1"/>
+          <p:nvPr/>
+        </p:nvSpPr>
+        <p:spPr>
+          <a:xfrm>
+            <a:off x="528115" y="891445"/>
+            <a:ext cx="4200574" cy="369332"/>
+          </a:xfrm>
+          <a:prstGeom prst="rect">
+            <a:avLst/>
+          </a:prstGeom>
+          <a:noFill/>
+        </p:spPr>
+        <p:txBody>
+          <a:bodyPr wrap="none" rtlCol="0">
+            <a:spAutoFit/>
+          </a:bodyPr>
+          <a:lstStyle/>
+          <a:p>
+            <a:pPr marL="285750" indent="-285750">
+              <a:buFont typeface="Arial" panose="020B0604020202020204" pitchFamily="34" charset="0"/>
+              <a:buChar char="•"/>
+            </a:pPr>
+            <a:r>
+              <a:rPr lang="en-GB" dirty="0"/>
+              <a:t>All INDELs and SNPs in the same contigs</a:t>
+            </a:r>
+          </a:p>
+        </p:txBody>
+      </p:sp>
+      <p:pic>
+        <p:nvPicPr>
+          <p:cNvPr id="5" name="Picture 4">
+            <a:extLst>
+              <a:ext uri="{FF2B5EF4-FFF2-40B4-BE49-F238E27FC236}">
+                <a16:creationId xmlns:a16="http://schemas.microsoft.com/office/drawing/2014/main" id="{45111D7B-4ED4-EF4A-AB65-A68ADF1553DB}"/>
+              </a:ext>
+            </a:extLst>
+          </p:cNvPr>
+          <p:cNvPicPr>
+            <a:picLocks noChangeAspect="1"/>
+          </p:cNvPicPr>
+          <p:nvPr/>
+        </p:nvPicPr>
+        <p:blipFill>
+          <a:blip r:embed="rId2"/>
+          <a:stretch>
+            <a:fillRect/>
+          </a:stretch>
+        </p:blipFill>
+        <p:spPr>
+          <a:xfrm>
+            <a:off x="6231303" y="2139711"/>
+            <a:ext cx="5960697" cy="3960000"/>
+          </a:xfrm>
+          <a:prstGeom prst="rect">
+            <a:avLst/>
+          </a:prstGeom>
+        </p:spPr>
+      </p:pic>
+      <p:pic>
+        <p:nvPicPr>
+          <p:cNvPr id="11" name="Picture 10">
+            <a:extLst>
+              <a:ext uri="{FF2B5EF4-FFF2-40B4-BE49-F238E27FC236}">
+                <a16:creationId xmlns:a16="http://schemas.microsoft.com/office/drawing/2014/main" id="{4FC862F5-8C05-C843-B607-99A4AC1DBDDB}"/>
+              </a:ext>
+            </a:extLst>
+          </p:cNvPr>
+          <p:cNvPicPr>
+            <a:picLocks noChangeAspect="1"/>
+          </p:cNvPicPr>
+          <p:nvPr/>
+        </p:nvPicPr>
+        <p:blipFill>
+          <a:blip r:embed="rId3"/>
+          <a:stretch>
+            <a:fillRect/>
+          </a:stretch>
+        </p:blipFill>
+        <p:spPr>
+          <a:xfrm>
+            <a:off x="147500" y="2139711"/>
+            <a:ext cx="5960697" cy="3960000"/>
+          </a:xfrm>
+          <a:prstGeom prst="rect">
+            <a:avLst/>
+          </a:prstGeom>
+        </p:spPr>
+      </p:pic>
+      <p:sp>
+        <p:nvSpPr>
+          <p:cNvPr id="13" name="TextBox 12">
+            <a:extLst>
+              <a:ext uri="{FF2B5EF4-FFF2-40B4-BE49-F238E27FC236}">
+                <a16:creationId xmlns:a16="http://schemas.microsoft.com/office/drawing/2014/main" id="{98F2178F-C54F-B04E-8B00-BD411D876DA6}"/>
+              </a:ext>
+            </a:extLst>
+          </p:cNvPr>
+          <p:cNvSpPr txBox="1"/>
+          <p:nvPr/>
+        </p:nvSpPr>
+        <p:spPr>
+          <a:xfrm>
+            <a:off x="89627" y="6090207"/>
+            <a:ext cx="11704976" cy="646331"/>
+          </a:xfrm>
+          <a:prstGeom prst="rect">
+            <a:avLst/>
+          </a:prstGeom>
+          <a:noFill/>
+        </p:spPr>
+        <p:txBody>
+          <a:bodyPr wrap="square" rtlCol="0">
+            <a:spAutoFit/>
+          </a:bodyPr>
+          <a:lstStyle/>
+          <a:p>
+            <a:r>
+              <a:rPr lang="en-GB" i="1" dirty="0"/>
+              <a:t>Figure 3c. Relationship between SNPs and INDELs with respect to their proportions (left) and their counts (right) per contig. Proportions and counts of SNPs and INDELs are the same as in Fig. 1-2.</a:t>
+            </a:r>
+          </a:p>
+        </p:txBody>
+      </p:sp>
+      <p:cxnSp>
+        <p:nvCxnSpPr>
+          <p:cNvPr id="7" name="Straight Connector 6">
+            <a:extLst>
+              <a:ext uri="{FF2B5EF4-FFF2-40B4-BE49-F238E27FC236}">
+                <a16:creationId xmlns:a16="http://schemas.microsoft.com/office/drawing/2014/main" id="{280DFD0C-89B1-2743-9C6A-E5F6A5C7CAF1}"/>
+              </a:ext>
+            </a:extLst>
+          </p:cNvPr>
+          <p:cNvCxnSpPr>
+            <a:cxnSpLocks/>
+          </p:cNvCxnSpPr>
+          <p:nvPr/>
+        </p:nvCxnSpPr>
+        <p:spPr>
+          <a:xfrm>
+            <a:off x="206973" y="254645"/>
+            <a:ext cx="11738111" cy="6400800"/>
+          </a:xfrm>
+          <a:prstGeom prst="line">
+            <a:avLst/>
+          </a:prstGeom>
+          <a:ln w="76200">
+            <a:solidFill>
+              <a:schemeClr val="tx1"/>
+            </a:solidFill>
+          </a:ln>
+        </p:spPr>
+        <p:style>
+          <a:lnRef idx="1">
+            <a:schemeClr val="accent1"/>
+          </a:lnRef>
+          <a:fillRef idx="0">
+            <a:schemeClr val="accent1"/>
+          </a:fillRef>
+          <a:effectRef idx="0">
+            <a:schemeClr val="accent1"/>
+          </a:effectRef>
+          <a:fontRef idx="minor">
+            <a:schemeClr val="tx1"/>
+          </a:fontRef>
+        </p:style>
+      </p:cxnSp>
+      <p:cxnSp>
+        <p:nvCxnSpPr>
+          <p:cNvPr id="8" name="Straight Connector 7">
+            <a:extLst>
+              <a:ext uri="{FF2B5EF4-FFF2-40B4-BE49-F238E27FC236}">
+                <a16:creationId xmlns:a16="http://schemas.microsoft.com/office/drawing/2014/main" id="{8C2EC0C1-E7E2-C04C-9789-285679EB037C}"/>
+              </a:ext>
+            </a:extLst>
+          </p:cNvPr>
+          <p:cNvCxnSpPr>
+            <a:cxnSpLocks/>
+          </p:cNvCxnSpPr>
+          <p:nvPr/>
+        </p:nvCxnSpPr>
+        <p:spPr>
+          <a:xfrm flipV="1">
+            <a:off x="206973" y="254645"/>
+            <a:ext cx="11738111" cy="6319775"/>
+          </a:xfrm>
+          <a:prstGeom prst="line">
+            <a:avLst/>
+          </a:prstGeom>
+          <a:ln w="76200">
+            <a:solidFill>
+              <a:schemeClr val="tx1"/>
+            </a:solidFill>
+          </a:ln>
+        </p:spPr>
+        <p:style>
+          <a:lnRef idx="1">
+            <a:schemeClr val="accent1"/>
+          </a:lnRef>
+          <a:fillRef idx="0">
+            <a:schemeClr val="accent1"/>
+          </a:fillRef>
+          <a:effectRef idx="0">
+            <a:schemeClr val="accent1"/>
+          </a:effectRef>
+          <a:fontRef idx="minor">
+            <a:schemeClr val="tx1"/>
+          </a:fontRef>
+        </p:style>
+      </p:cxnSp>
+    </p:spTree>
+    <p:extLst>
+      <p:ext uri="{BB962C8B-B14F-4D97-AF65-F5344CB8AC3E}">
+        <p14:creationId xmlns:p14="http://schemas.microsoft.com/office/powerpoint/2010/main" val="3939953827"/>
+      </p:ext>
+    </p:extLst>
+  </p:cSld>
+  <p:clrMapOvr>
+    <a:masterClrMapping/>
+  </p:clrMapOvr>
+</p:sld>
+</file>
+
+<file path=ppt/slides/slide13.xml><?xml version="1.0" encoding="utf-8"?>
+<p:sld xmlns:a="http://schemas.openxmlformats.org/drawingml/2006/main" xmlns:r="http://schemas.openxmlformats.org/officeDocument/2006/relationships" xmlns:p="http://schemas.openxmlformats.org/presentationml/2006/main">
+  <p:cSld>
+    <p:spTree>
+      <p:nvGrpSpPr>
+        <p:cNvPr id="1" name=""/>
+        <p:cNvGrpSpPr/>
+        <p:nvPr/>
+      </p:nvGrpSpPr>
+      <p:grpSpPr>
+        <a:xfrm>
+          <a:off x="0" y="0"/>
+          <a:ext cx="0" cy="0"/>
+          <a:chOff x="0" y="0"/>
+          <a:chExt cx="0" cy="0"/>
+        </a:xfrm>
+      </p:grpSpPr>
+      <p:sp>
+        <p:nvSpPr>
+          <p:cNvPr id="2" name="Rectangle 1">
+            <a:extLst>
+              <a:ext uri="{FF2B5EF4-FFF2-40B4-BE49-F238E27FC236}">
+                <a16:creationId xmlns:a16="http://schemas.microsoft.com/office/drawing/2014/main" id="{28EB9195-3465-C644-B592-B32C34D4FFCF}"/>
+              </a:ext>
+            </a:extLst>
+          </p:cNvPr>
+          <p:cNvSpPr/>
+          <p:nvPr/>
+        </p:nvSpPr>
+        <p:spPr>
+          <a:xfrm>
+            <a:off x="528115" y="409596"/>
+            <a:ext cx="8211992" cy="369332"/>
+          </a:xfrm>
+          <a:prstGeom prst="rect">
+            <a:avLst/>
+          </a:prstGeom>
+        </p:spPr>
+        <p:txBody>
+          <a:bodyPr wrap="none">
+            <a:spAutoFit/>
+          </a:bodyPr>
+          <a:lstStyle/>
+          <a:p>
+            <a:pPr marL="342900" indent="-342900">
+              <a:buFont typeface="+mj-lt"/>
+              <a:buAutoNum type="arabicPeriod" startAt="3"/>
+            </a:pPr>
+            <a:r>
+              <a:rPr lang="en-GB" b="1" dirty="0"/>
+              <a:t>Derived allele frequencies (in progress; for now minor allele frequencies Fig. 4-5)</a:t>
+            </a:r>
+          </a:p>
+        </p:txBody>
+      </p:sp>
+      <p:sp>
+        <p:nvSpPr>
+          <p:cNvPr id="12" name="TextBox 11">
+            <a:extLst>
+              <a:ext uri="{FF2B5EF4-FFF2-40B4-BE49-F238E27FC236}">
+                <a16:creationId xmlns:a16="http://schemas.microsoft.com/office/drawing/2014/main" id="{EE2B360A-DD67-7142-A309-F624C4AD0FFE}"/>
+              </a:ext>
+            </a:extLst>
+          </p:cNvPr>
+          <p:cNvSpPr txBox="1"/>
+          <p:nvPr/>
+        </p:nvSpPr>
+        <p:spPr>
+          <a:xfrm>
+            <a:off x="528115" y="891445"/>
+            <a:ext cx="5664341" cy="2862322"/>
+          </a:xfrm>
+          <a:prstGeom prst="rect">
+            <a:avLst/>
+          </a:prstGeom>
+          <a:noFill/>
+        </p:spPr>
+        <p:txBody>
+          <a:bodyPr wrap="square" rtlCol="0">
+            <a:spAutoFit/>
+          </a:bodyPr>
+          <a:lstStyle/>
+          <a:p>
+            <a:pPr marL="285750" indent="-285750">
+              <a:buFont typeface="Arial" panose="020B0604020202020204" pitchFamily="34" charset="0"/>
+              <a:buChar char="•"/>
+            </a:pPr>
+            <a:r>
+              <a:rPr lang="en-GB" dirty="0"/>
+              <a:t>Ancestral allele was inferred from called genotypes:</a:t>
+            </a:r>
+            <a:br>
+              <a:rPr lang="en-GB" dirty="0"/>
+            </a:br>
+            <a:endParaRPr lang="en-GB" dirty="0"/>
+          </a:p>
+          <a:p>
+            <a:pPr marL="800100" lvl="1" indent="-342900">
+              <a:buFont typeface="+mj-lt"/>
+              <a:buAutoNum type="arabicPeriod"/>
+            </a:pPr>
+            <a:r>
+              <a:rPr lang="en-GB" dirty="0"/>
+              <a:t>Reference allele = ancestral allele</a:t>
+            </a:r>
+            <a:br>
+              <a:rPr lang="en-GB" dirty="0"/>
+            </a:br>
+            <a:r>
+              <a:rPr lang="en-GB" i="1" dirty="0" err="1"/>
+              <a:t>compressa</a:t>
+            </a:r>
+            <a:r>
+              <a:rPr lang="en-GB" dirty="0"/>
+              <a:t> is homo for the reference allele (0)</a:t>
+            </a:r>
+            <a:br>
+              <a:rPr lang="en-GB" dirty="0"/>
+            </a:br>
+            <a:endParaRPr lang="en-GB" dirty="0"/>
+          </a:p>
+          <a:p>
+            <a:pPr marL="800100" lvl="1" indent="-342900">
+              <a:buFont typeface="+mj-lt"/>
+              <a:buAutoNum type="arabicPeriod"/>
+            </a:pPr>
+            <a:r>
+              <a:rPr lang="en-GB" dirty="0"/>
+              <a:t>Alternative allele = ancestral allele</a:t>
+            </a:r>
+            <a:br>
+              <a:rPr lang="en-GB" dirty="0"/>
+            </a:br>
+            <a:r>
+              <a:rPr lang="en-GB" i="1" dirty="0" err="1"/>
+              <a:t>compressa</a:t>
+            </a:r>
+            <a:r>
+              <a:rPr lang="en-GB" dirty="0"/>
+              <a:t> is homo for the alternative allele (2)</a:t>
+            </a:r>
+            <a:br>
+              <a:rPr lang="en-GB" dirty="0"/>
+            </a:br>
+            <a:endParaRPr lang="en-GB" dirty="0"/>
+          </a:p>
+          <a:p>
+            <a:pPr marL="800100" lvl="1" indent="-342900">
+              <a:buFont typeface="+mj-lt"/>
+              <a:buAutoNum type="arabicPeriod"/>
+            </a:pPr>
+            <a:r>
+              <a:rPr lang="en-GB" dirty="0"/>
+              <a:t>Unknown ancestry</a:t>
+            </a:r>
+            <a:br>
+              <a:rPr lang="en-GB" dirty="0"/>
+            </a:br>
+            <a:r>
+              <a:rPr lang="en-GB" i="1" dirty="0" err="1"/>
+              <a:t>compressa</a:t>
+            </a:r>
+            <a:r>
+              <a:rPr lang="en-GB" i="1" dirty="0"/>
+              <a:t> </a:t>
+            </a:r>
+            <a:r>
+              <a:rPr lang="en-GB" dirty="0"/>
+              <a:t>is het (1)</a:t>
+            </a:r>
+          </a:p>
+        </p:txBody>
+      </p:sp>
+    </p:spTree>
+    <p:extLst>
+      <p:ext uri="{BB962C8B-B14F-4D97-AF65-F5344CB8AC3E}">
+        <p14:creationId xmlns:p14="http://schemas.microsoft.com/office/powerpoint/2010/main" val="1238933828"/>
+      </p:ext>
+    </p:extLst>
+  </p:cSld>
+  <p:clrMapOvr>
+    <a:masterClrMapping/>
+  </p:clrMapOvr>
+</p:sld>
+</file>
+
+<file path=ppt/slides/slide14.xml><?xml version="1.0" encoding="utf-8"?>
+<p:sld xmlns:a="http://schemas.openxmlformats.org/drawingml/2006/main" xmlns:r="http://schemas.openxmlformats.org/officeDocument/2006/relationships" xmlns:p="http://schemas.openxmlformats.org/presentationml/2006/main">
+  <p:cSld>
+    <p:spTree>
+      <p:nvGrpSpPr>
+        <p:cNvPr id="1" name=""/>
+        <p:cNvGrpSpPr/>
+        <p:nvPr/>
+      </p:nvGrpSpPr>
+      <p:grpSpPr>
+        <a:xfrm>
+          <a:off x="0" y="0"/>
+          <a:ext cx="0" cy="0"/>
+          <a:chOff x="0" y="0"/>
+          <a:chExt cx="0" cy="0"/>
+        </a:xfrm>
+      </p:grpSpPr>
+      <p:pic>
+        <p:nvPicPr>
+          <p:cNvPr id="13" name="Picture 12">
+            <a:extLst>
+              <a:ext uri="{FF2B5EF4-FFF2-40B4-BE49-F238E27FC236}">
+                <a16:creationId xmlns:a16="http://schemas.microsoft.com/office/drawing/2014/main" id="{E7A02DE3-9DEE-5840-B379-16AFACC5D9AC}"/>
+              </a:ext>
+            </a:extLst>
+          </p:cNvPr>
+          <p:cNvPicPr>
+            <a:picLocks noChangeAspect="1"/>
+          </p:cNvPicPr>
+          <p:nvPr/>
+        </p:nvPicPr>
+        <p:blipFill>
+          <a:blip r:embed="rId2"/>
+          <a:stretch>
+            <a:fillRect/>
+          </a:stretch>
+        </p:blipFill>
+        <p:spPr>
+          <a:xfrm>
+            <a:off x="5603631" y="2713892"/>
+            <a:ext cx="5760000" cy="2880000"/>
+          </a:xfrm>
+          <a:prstGeom prst="rect">
+            <a:avLst/>
+          </a:prstGeom>
+        </p:spPr>
+      </p:pic>
+      <p:sp>
+        <p:nvSpPr>
+          <p:cNvPr id="2" name="TextBox 1">
+            <a:extLst>
+              <a:ext uri="{FF2B5EF4-FFF2-40B4-BE49-F238E27FC236}">
+                <a16:creationId xmlns:a16="http://schemas.microsoft.com/office/drawing/2014/main" id="{660859CF-5617-044D-9432-FA7DA9618788}"/>
+              </a:ext>
+            </a:extLst>
+          </p:cNvPr>
+          <p:cNvSpPr txBox="1"/>
+          <p:nvPr/>
+        </p:nvSpPr>
+        <p:spPr>
+          <a:xfrm>
+            <a:off x="199291" y="5593892"/>
+            <a:ext cx="11164339" cy="646331"/>
+          </a:xfrm>
+          <a:prstGeom prst="rect">
+            <a:avLst/>
+          </a:prstGeom>
+          <a:noFill/>
+        </p:spPr>
+        <p:txBody>
+          <a:bodyPr wrap="square" rtlCol="0">
+            <a:spAutoFit/>
+          </a:bodyPr>
+          <a:lstStyle/>
+          <a:p>
+            <a:r>
+              <a:rPr lang="en-GB" i="1" dirty="0"/>
+              <a:t>Figure 4a. Proportions of minor allele frequencies of INDELs (left) and SNPs (right) after filtering but before cline analysis. Bin width is 0.01 and orange dashed line marks the maf filter in the cline analysis (0.1).</a:t>
+            </a:r>
+          </a:p>
+        </p:txBody>
+      </p:sp>
+      <p:sp>
+        <p:nvSpPr>
+          <p:cNvPr id="4" name="Rectangle 3">
+            <a:extLst>
+              <a:ext uri="{FF2B5EF4-FFF2-40B4-BE49-F238E27FC236}">
+                <a16:creationId xmlns:a16="http://schemas.microsoft.com/office/drawing/2014/main" id="{8B6E133F-8983-6A46-A224-E9FA2B0D9F3F}"/>
+              </a:ext>
+            </a:extLst>
+          </p:cNvPr>
+          <p:cNvSpPr/>
+          <p:nvPr/>
+        </p:nvSpPr>
+        <p:spPr>
+          <a:xfrm>
+            <a:off x="528115" y="409596"/>
+            <a:ext cx="4021165" cy="369332"/>
+          </a:xfrm>
+          <a:prstGeom prst="rect">
+            <a:avLst/>
+          </a:prstGeom>
+        </p:spPr>
+        <p:txBody>
+          <a:bodyPr wrap="none">
+            <a:spAutoFit/>
+          </a:bodyPr>
+          <a:lstStyle/>
+          <a:p>
+            <a:pPr marL="342900" indent="-342900">
+              <a:buFont typeface="+mj-lt"/>
+              <a:buAutoNum type="arabicPeriod" startAt="3"/>
+            </a:pPr>
+            <a:r>
+              <a:rPr lang="en-GB" b="1" dirty="0"/>
+              <a:t>Minor allele frequencies (GATK call)</a:t>
+            </a:r>
+          </a:p>
+        </p:txBody>
+      </p:sp>
+      <p:sp>
+        <p:nvSpPr>
+          <p:cNvPr id="5" name="TextBox 4">
+            <a:extLst>
+              <a:ext uri="{FF2B5EF4-FFF2-40B4-BE49-F238E27FC236}">
+                <a16:creationId xmlns:a16="http://schemas.microsoft.com/office/drawing/2014/main" id="{049B477E-5E39-F240-86CA-65F077DF0726}"/>
+              </a:ext>
+            </a:extLst>
+          </p:cNvPr>
+          <p:cNvSpPr txBox="1"/>
+          <p:nvPr/>
+        </p:nvSpPr>
+        <p:spPr>
+          <a:xfrm>
+            <a:off x="528115" y="1100078"/>
+            <a:ext cx="6001639" cy="369332"/>
+          </a:xfrm>
+          <a:prstGeom prst="rect">
+            <a:avLst/>
+          </a:prstGeom>
+          <a:noFill/>
+        </p:spPr>
+        <p:txBody>
+          <a:bodyPr wrap="square" rtlCol="0">
+            <a:spAutoFit/>
+          </a:bodyPr>
+          <a:lstStyle/>
+          <a:p>
+            <a:pPr marL="285750" indent="-285750">
+              <a:buFont typeface="Arial" panose="020B0604020202020204" pitchFamily="34" charset="0"/>
+              <a:buChar char="•"/>
+            </a:pPr>
+            <a:r>
+              <a:rPr lang="en-GB" dirty="0"/>
+              <a:t>INDELs and SNPs after filtering but before cline analysis.</a:t>
+            </a:r>
+          </a:p>
+        </p:txBody>
+      </p:sp>
+      <p:pic>
+        <p:nvPicPr>
+          <p:cNvPr id="11" name="Picture 10">
+            <a:extLst>
+              <a:ext uri="{FF2B5EF4-FFF2-40B4-BE49-F238E27FC236}">
+                <a16:creationId xmlns:a16="http://schemas.microsoft.com/office/drawing/2014/main" id="{0775009B-A71A-6244-97F2-12C8C71C8E7A}"/>
+              </a:ext>
+            </a:extLst>
+          </p:cNvPr>
+          <p:cNvPicPr>
+            <a:picLocks noChangeAspect="1"/>
+          </p:cNvPicPr>
+          <p:nvPr/>
+        </p:nvPicPr>
+        <p:blipFill>
+          <a:blip r:embed="rId3"/>
+          <a:stretch>
+            <a:fillRect/>
+          </a:stretch>
+        </p:blipFill>
+        <p:spPr>
+          <a:xfrm>
+            <a:off x="199292" y="2713892"/>
+            <a:ext cx="5760000" cy="2880000"/>
+          </a:xfrm>
+          <a:prstGeom prst="rect">
+            <a:avLst/>
+          </a:prstGeom>
+        </p:spPr>
+      </p:pic>
+    </p:spTree>
+    <p:extLst>
+      <p:ext uri="{BB962C8B-B14F-4D97-AF65-F5344CB8AC3E}">
+        <p14:creationId xmlns:p14="http://schemas.microsoft.com/office/powerpoint/2010/main" val="3847379576"/>
+      </p:ext>
+    </p:extLst>
+  </p:cSld>
+  <p:clrMapOvr>
+    <a:masterClrMapping/>
+  </p:clrMapOvr>
+</p:sld>
+</file>
+
+<file path=ppt/slides/slide15.xml><?xml version="1.0" encoding="utf-8"?>
+<p:sld xmlns:a="http://schemas.openxmlformats.org/drawingml/2006/main" xmlns:r="http://schemas.openxmlformats.org/officeDocument/2006/relationships" xmlns:p="http://schemas.openxmlformats.org/presentationml/2006/main">
+  <p:cSld>
+    <p:spTree>
+      <p:nvGrpSpPr>
+        <p:cNvPr id="1" name=""/>
+        <p:cNvGrpSpPr/>
+        <p:nvPr/>
+      </p:nvGrpSpPr>
+      <p:grpSpPr>
+        <a:xfrm>
+          <a:off x="0" y="0"/>
+          <a:ext cx="0" cy="0"/>
+          <a:chOff x="0" y="0"/>
+          <a:chExt cx="0" cy="0"/>
+        </a:xfrm>
+      </p:grpSpPr>
+      <p:pic>
+        <p:nvPicPr>
+          <p:cNvPr id="9" name="Picture 8">
+            <a:extLst>
+              <a:ext uri="{FF2B5EF4-FFF2-40B4-BE49-F238E27FC236}">
+                <a16:creationId xmlns:a16="http://schemas.microsoft.com/office/drawing/2014/main" id="{1D7E9318-BF9F-2940-A44C-B892A84DF9BB}"/>
+              </a:ext>
+            </a:extLst>
+          </p:cNvPr>
+          <p:cNvPicPr>
+            <a:picLocks noChangeAspect="1"/>
+          </p:cNvPicPr>
+          <p:nvPr/>
+        </p:nvPicPr>
+        <p:blipFill>
+          <a:blip r:embed="rId3"/>
+          <a:stretch>
+            <a:fillRect/>
+          </a:stretch>
+        </p:blipFill>
+        <p:spPr>
+          <a:xfrm>
+            <a:off x="5486399" y="2529000"/>
+            <a:ext cx="5760000" cy="2880000"/>
+          </a:xfrm>
+          <a:prstGeom prst="rect">
+            <a:avLst/>
+          </a:prstGeom>
+        </p:spPr>
+      </p:pic>
+      <p:sp>
+        <p:nvSpPr>
+          <p:cNvPr id="2" name="TextBox 1">
+            <a:extLst>
+              <a:ext uri="{FF2B5EF4-FFF2-40B4-BE49-F238E27FC236}">
+                <a16:creationId xmlns:a16="http://schemas.microsoft.com/office/drawing/2014/main" id="{660859CF-5617-044D-9432-FA7DA9618788}"/>
+              </a:ext>
+            </a:extLst>
+          </p:cNvPr>
+          <p:cNvSpPr txBox="1"/>
+          <p:nvPr/>
+        </p:nvSpPr>
+        <p:spPr>
+          <a:xfrm>
+            <a:off x="135303" y="5409000"/>
+            <a:ext cx="11111096" cy="646331"/>
+          </a:xfrm>
+          <a:prstGeom prst="rect">
+            <a:avLst/>
+          </a:prstGeom>
+          <a:noFill/>
+        </p:spPr>
+        <p:txBody>
+          <a:bodyPr wrap="square" rtlCol="0">
+            <a:spAutoFit/>
+          </a:bodyPr>
+          <a:lstStyle/>
+          <a:p>
+            <a:r>
+              <a:rPr lang="en-GB" i="1" dirty="0"/>
+              <a:t>Figure 5a. Proportions of minor allele frequencies of INDELs (left) and SNPs (right) after filtering and cline analysis. Bin width is 0.05. Clinal variants are dark coloured and non-clinal variants are light coloured.</a:t>
+            </a:r>
+          </a:p>
+        </p:txBody>
+      </p:sp>
+      <p:sp>
+        <p:nvSpPr>
+          <p:cNvPr id="5" name="Rectangle 4">
+            <a:extLst>
+              <a:ext uri="{FF2B5EF4-FFF2-40B4-BE49-F238E27FC236}">
+                <a16:creationId xmlns:a16="http://schemas.microsoft.com/office/drawing/2014/main" id="{B5029453-F260-2F4A-9482-46B71CB5D15B}"/>
+              </a:ext>
+            </a:extLst>
+          </p:cNvPr>
+          <p:cNvSpPr/>
+          <p:nvPr/>
+        </p:nvSpPr>
+        <p:spPr>
+          <a:xfrm>
+            <a:off x="528115" y="409596"/>
+            <a:ext cx="4021165" cy="369332"/>
+          </a:xfrm>
+          <a:prstGeom prst="rect">
+            <a:avLst/>
+          </a:prstGeom>
+        </p:spPr>
+        <p:txBody>
+          <a:bodyPr wrap="none">
+            <a:spAutoFit/>
+          </a:bodyPr>
+          <a:lstStyle/>
+          <a:p>
+            <a:pPr marL="342900" indent="-342900">
+              <a:buFont typeface="+mj-lt"/>
+              <a:buAutoNum type="arabicPeriod" startAt="3"/>
+            </a:pPr>
+            <a:r>
+              <a:rPr lang="en-GB" b="1" dirty="0"/>
+              <a:t>Minor allele frequencies (GATK call)</a:t>
+            </a:r>
+          </a:p>
+        </p:txBody>
+      </p:sp>
+      <p:pic>
+        <p:nvPicPr>
+          <p:cNvPr id="6" name="Picture 5">
+            <a:extLst>
+              <a:ext uri="{FF2B5EF4-FFF2-40B4-BE49-F238E27FC236}">
+                <a16:creationId xmlns:a16="http://schemas.microsoft.com/office/drawing/2014/main" id="{14A7D7EB-82F1-DA44-8981-52DCC221EFEA}"/>
+              </a:ext>
+            </a:extLst>
+          </p:cNvPr>
+          <p:cNvPicPr>
+            <a:picLocks noChangeAspect="1"/>
+          </p:cNvPicPr>
+          <p:nvPr/>
+        </p:nvPicPr>
+        <p:blipFill>
+          <a:blip r:embed="rId4"/>
+          <a:stretch>
+            <a:fillRect/>
+          </a:stretch>
+        </p:blipFill>
+        <p:spPr>
+          <a:xfrm>
+            <a:off x="135303" y="2529000"/>
+            <a:ext cx="5760000" cy="2880000"/>
+          </a:xfrm>
+          <a:prstGeom prst="rect">
+            <a:avLst/>
+          </a:prstGeom>
+        </p:spPr>
+      </p:pic>
+      <p:sp>
+        <p:nvSpPr>
+          <p:cNvPr id="10" name="TextBox 9">
+            <a:extLst>
+              <a:ext uri="{FF2B5EF4-FFF2-40B4-BE49-F238E27FC236}">
+                <a16:creationId xmlns:a16="http://schemas.microsoft.com/office/drawing/2014/main" id="{0CE43A45-523E-814F-B92B-F7A499D61264}"/>
+              </a:ext>
+            </a:extLst>
+          </p:cNvPr>
+          <p:cNvSpPr txBox="1"/>
+          <p:nvPr/>
+        </p:nvSpPr>
+        <p:spPr>
+          <a:xfrm>
+            <a:off x="528115" y="1100078"/>
+            <a:ext cx="6001639" cy="369332"/>
+          </a:xfrm>
+          <a:prstGeom prst="rect">
+            <a:avLst/>
+          </a:prstGeom>
+          <a:noFill/>
+        </p:spPr>
+        <p:txBody>
+          <a:bodyPr wrap="square" rtlCol="0">
+            <a:spAutoFit/>
+          </a:bodyPr>
+          <a:lstStyle/>
+          <a:p>
+            <a:pPr marL="285750" indent="-285750">
+              <a:buFont typeface="Arial" panose="020B0604020202020204" pitchFamily="34" charset="0"/>
+              <a:buChar char="•"/>
+            </a:pPr>
+            <a:r>
+              <a:rPr lang="en-GB" dirty="0"/>
+              <a:t>INDELs and SNPs after </a:t>
+            </a:r>
+            <a:r>
+              <a:rPr lang="en-GB"/>
+              <a:t>filtering and cline </a:t>
+            </a:r>
+            <a:r>
+              <a:rPr lang="en-GB" dirty="0"/>
+              <a:t>analysis.</a:t>
+            </a:r>
+          </a:p>
+        </p:txBody>
+      </p:sp>
+    </p:spTree>
+    <p:extLst>
+      <p:ext uri="{BB962C8B-B14F-4D97-AF65-F5344CB8AC3E}">
+        <p14:creationId xmlns:p14="http://schemas.microsoft.com/office/powerpoint/2010/main" val="861808505"/>
+      </p:ext>
+    </p:extLst>
+  </p:cSld>
+  <p:clrMapOvr>
+    <a:masterClrMapping/>
+  </p:clrMapOvr>
+</p:sld>
+</file>
+
+<file path=ppt/slides/slide2.xml><?xml version="1.0" encoding="utf-8"?>
+<p:sld xmlns:a="http://schemas.openxmlformats.org/drawingml/2006/main" xmlns:r="http://schemas.openxmlformats.org/officeDocument/2006/relationships" xmlns:p="http://schemas.openxmlformats.org/presentationml/2006/main">
+  <p:cSld>
+    <p:spTree>
+      <p:nvGrpSpPr>
+        <p:cNvPr id="1" name=""/>
+        <p:cNvGrpSpPr/>
+        <p:nvPr/>
+      </p:nvGrpSpPr>
+      <p:grpSpPr>
+        <a:xfrm>
+          <a:off x="0" y="0"/>
+          <a:ext cx="0" cy="0"/>
+          <a:chOff x="0" y="0"/>
+          <a:chExt cx="0" cy="0"/>
+        </a:xfrm>
+      </p:grpSpPr>
+      <p:sp>
+        <p:nvSpPr>
+          <p:cNvPr id="2" name="TextBox 1">
+            <a:extLst>
+              <a:ext uri="{FF2B5EF4-FFF2-40B4-BE49-F238E27FC236}">
+                <a16:creationId xmlns:a16="http://schemas.microsoft.com/office/drawing/2014/main" id="{1FC05133-9CEF-0040-974C-6E6A43929D30}"/>
+              </a:ext>
+            </a:extLst>
+          </p:cNvPr>
+          <p:cNvSpPr txBox="1"/>
+          <p:nvPr/>
+        </p:nvSpPr>
+        <p:spPr>
+          <a:xfrm>
+            <a:off x="1076446" y="868101"/>
+            <a:ext cx="7862089" cy="923330"/>
+          </a:xfrm>
+          <a:prstGeom prst="rect">
+            <a:avLst/>
+          </a:prstGeom>
+          <a:noFill/>
+        </p:spPr>
+        <p:txBody>
+          <a:bodyPr wrap="none" rtlCol="0">
+            <a:spAutoFit/>
+          </a:bodyPr>
+          <a:lstStyle/>
+          <a:p>
+            <a:pPr marL="285750" indent="-285750">
+              <a:buFont typeface="Arial" panose="020B0604020202020204" pitchFamily="34" charset="0"/>
+              <a:buChar char="•"/>
+            </a:pPr>
+            <a:r>
+              <a:rPr lang="en-GB" dirty="0"/>
+              <a:t>Divergent natural selection vs neutral processes</a:t>
+            </a:r>
+          </a:p>
+          <a:p>
+            <a:pPr marL="285750" indent="-285750">
+              <a:buFont typeface="Arial" panose="020B0604020202020204" pitchFamily="34" charset="0"/>
+              <a:buChar char="•"/>
+            </a:pPr>
+            <a:r>
+              <a:rPr lang="en-GB" dirty="0"/>
+              <a:t>Species with high diversity</a:t>
+            </a:r>
+          </a:p>
+          <a:p>
+            <a:pPr marL="285750" indent="-285750">
+              <a:buFont typeface="Arial" panose="020B0604020202020204" pitchFamily="34" charset="0"/>
+              <a:buChar char="•"/>
+            </a:pPr>
+            <a:r>
+              <a:rPr lang="en-GB" dirty="0"/>
+              <a:t>Systems with imperfect genomes can still contain useful functional information</a:t>
+            </a:r>
+          </a:p>
+        </p:txBody>
+      </p:sp>
+      <p:sp>
+        <p:nvSpPr>
+          <p:cNvPr id="3" name="TextBox 2">
+            <a:extLst>
+              <a:ext uri="{FF2B5EF4-FFF2-40B4-BE49-F238E27FC236}">
+                <a16:creationId xmlns:a16="http://schemas.microsoft.com/office/drawing/2014/main" id="{73417CCC-4934-B542-8466-8FABD072DFE2}"/>
+              </a:ext>
+            </a:extLst>
+          </p:cNvPr>
+          <p:cNvSpPr txBox="1"/>
+          <p:nvPr/>
+        </p:nvSpPr>
+        <p:spPr>
+          <a:xfrm>
+            <a:off x="1250066" y="3113590"/>
+            <a:ext cx="6651052" cy="1200329"/>
+          </a:xfrm>
+          <a:prstGeom prst="rect">
+            <a:avLst/>
+          </a:prstGeom>
+          <a:noFill/>
+        </p:spPr>
+        <p:txBody>
+          <a:bodyPr wrap="none" rtlCol="0">
+            <a:spAutoFit/>
+          </a:bodyPr>
+          <a:lstStyle/>
+          <a:p>
+            <a:pPr marL="342900" indent="-342900">
+              <a:buFont typeface="+mj-lt"/>
+              <a:buAutoNum type="arabicPeriod"/>
+            </a:pPr>
+            <a:r>
+              <a:rPr lang="en-GB" dirty="0"/>
+              <a:t>Outlier sharing</a:t>
+            </a:r>
+          </a:p>
+          <a:p>
+            <a:pPr marL="342900" indent="-342900">
+              <a:buFont typeface="+mj-lt"/>
+              <a:buAutoNum type="arabicPeriod"/>
+            </a:pPr>
+            <a:r>
+              <a:rPr lang="en-GB" dirty="0"/>
+              <a:t>Clustering of (different types) markers</a:t>
+            </a:r>
+          </a:p>
+          <a:p>
+            <a:pPr marL="342900" indent="-342900">
+              <a:buFont typeface="+mj-lt"/>
+              <a:buAutoNum type="arabicPeriod"/>
+            </a:pPr>
+            <a:r>
+              <a:rPr lang="en-GB" dirty="0"/>
+              <a:t>Derived allele frequencies (in progress and for now simply minor)</a:t>
+            </a:r>
+          </a:p>
+          <a:p>
+            <a:pPr marL="342900" indent="-342900">
+              <a:buFont typeface="+mj-lt"/>
+              <a:buAutoNum type="arabicPeriod"/>
+            </a:pPr>
+            <a:r>
+              <a:rPr lang="en-GB" dirty="0"/>
+              <a:t>Displacement of cline centres</a:t>
+            </a:r>
+          </a:p>
+        </p:txBody>
+      </p:sp>
+      <p:sp>
+        <p:nvSpPr>
+          <p:cNvPr id="4" name="TextBox 3">
+            <a:extLst>
+              <a:ext uri="{FF2B5EF4-FFF2-40B4-BE49-F238E27FC236}">
+                <a16:creationId xmlns:a16="http://schemas.microsoft.com/office/drawing/2014/main" id="{E0575A65-E5F2-544E-A20B-4AC528CC804B}"/>
+              </a:ext>
+            </a:extLst>
+          </p:cNvPr>
+          <p:cNvSpPr txBox="1"/>
+          <p:nvPr/>
+        </p:nvSpPr>
+        <p:spPr>
+          <a:xfrm>
+            <a:off x="1076446" y="498769"/>
+            <a:ext cx="4247766" cy="369332"/>
+          </a:xfrm>
+          <a:prstGeom prst="rect">
+            <a:avLst/>
+          </a:prstGeom>
+          <a:noFill/>
+        </p:spPr>
+        <p:txBody>
+          <a:bodyPr wrap="none" rtlCol="0">
+            <a:spAutoFit/>
+          </a:bodyPr>
+          <a:lstStyle/>
+          <a:p>
+            <a:r>
+              <a:rPr lang="en-GB" dirty="0"/>
+              <a:t>Original aspects of the short INDELs project</a:t>
+            </a:r>
+          </a:p>
+        </p:txBody>
+      </p:sp>
+      <p:sp>
+        <p:nvSpPr>
+          <p:cNvPr id="5" name="TextBox 4">
+            <a:extLst>
+              <a:ext uri="{FF2B5EF4-FFF2-40B4-BE49-F238E27FC236}">
+                <a16:creationId xmlns:a16="http://schemas.microsoft.com/office/drawing/2014/main" id="{7582EF19-BA6B-6245-89EB-9D22A3FCE7F3}"/>
+              </a:ext>
+            </a:extLst>
+          </p:cNvPr>
+          <p:cNvSpPr txBox="1"/>
+          <p:nvPr/>
+        </p:nvSpPr>
+        <p:spPr>
+          <a:xfrm>
+            <a:off x="1091112" y="2744258"/>
+            <a:ext cx="2431756" cy="369332"/>
+          </a:xfrm>
+          <a:prstGeom prst="rect">
+            <a:avLst/>
+          </a:prstGeom>
+          <a:noFill/>
+        </p:spPr>
+        <p:txBody>
+          <a:bodyPr wrap="none" rtlCol="0">
+            <a:spAutoFit/>
+          </a:bodyPr>
+          <a:lstStyle/>
+          <a:p>
+            <a:r>
+              <a:rPr lang="en-GB" dirty="0"/>
+              <a:t>INDEL-SNP comparisons</a:t>
+            </a:r>
+          </a:p>
+        </p:txBody>
+      </p:sp>
+    </p:spTree>
+    <p:extLst>
+      <p:ext uri="{BB962C8B-B14F-4D97-AF65-F5344CB8AC3E}">
+        <p14:creationId xmlns:p14="http://schemas.microsoft.com/office/powerpoint/2010/main" val="1732211026"/>
+      </p:ext>
+    </p:extLst>
+  </p:cSld>
+  <p:clrMapOvr>
+    <a:masterClrMapping/>
+  </p:clrMapOvr>
+</p:sld>
+</file>
+
+<file path=ppt/slides/slide3.xml><?xml version="1.0" encoding="utf-8"?>
+<p:sld xmlns:a="http://schemas.openxmlformats.org/drawingml/2006/main" xmlns:r="http://schemas.openxmlformats.org/officeDocument/2006/relationships" xmlns:p="http://schemas.openxmlformats.org/presentationml/2006/main">
+  <p:cSld>
+    <p:spTree>
+      <p:nvGrpSpPr>
+        <p:cNvPr id="1" name=""/>
+        <p:cNvGrpSpPr/>
+        <p:nvPr/>
+      </p:nvGrpSpPr>
+      <p:grpSpPr>
+        <a:xfrm>
+          <a:off x="0" y="0"/>
+          <a:ext cx="0" cy="0"/>
+          <a:chOff x="0" y="0"/>
+          <a:chExt cx="0" cy="0"/>
+        </a:xfrm>
+      </p:grpSpPr>
+      <p:sp>
+        <p:nvSpPr>
+          <p:cNvPr id="2" name="Rectangle 1">
+            <a:extLst>
+              <a:ext uri="{FF2B5EF4-FFF2-40B4-BE49-F238E27FC236}">
+                <a16:creationId xmlns:a16="http://schemas.microsoft.com/office/drawing/2014/main" id="{B775E58A-D45E-CB4A-A0C9-0E6A0A43FE06}"/>
+              </a:ext>
+            </a:extLst>
+          </p:cNvPr>
+          <p:cNvSpPr/>
+          <p:nvPr/>
+        </p:nvSpPr>
+        <p:spPr>
+          <a:xfrm>
+            <a:off x="524719" y="189654"/>
+            <a:ext cx="1951175" cy="369332"/>
+          </a:xfrm>
+          <a:prstGeom prst="rect">
+            <a:avLst/>
+          </a:prstGeom>
+        </p:spPr>
+        <p:txBody>
+          <a:bodyPr wrap="none">
+            <a:spAutoFit/>
+          </a:bodyPr>
+          <a:lstStyle/>
+          <a:p>
+            <a:pPr marL="342900" indent="-342900">
+              <a:buFont typeface="+mj-lt"/>
+              <a:buAutoNum type="arabicPeriod"/>
+            </a:pPr>
+            <a:r>
+              <a:rPr lang="en-GB" b="1" dirty="0"/>
+              <a:t>Outlier sharing</a:t>
+            </a:r>
+          </a:p>
+        </p:txBody>
+      </p:sp>
+      <p:sp>
+        <p:nvSpPr>
+          <p:cNvPr id="3" name="Rectangle 2">
+            <a:extLst>
+              <a:ext uri="{FF2B5EF4-FFF2-40B4-BE49-F238E27FC236}">
+                <a16:creationId xmlns:a16="http://schemas.microsoft.com/office/drawing/2014/main" id="{8DA753BD-2489-674F-902F-7AC3EDCBD20A}"/>
+              </a:ext>
+            </a:extLst>
+          </p:cNvPr>
+          <p:cNvSpPr/>
+          <p:nvPr/>
+        </p:nvSpPr>
+        <p:spPr>
+          <a:xfrm>
+            <a:off x="4486656" y="543310"/>
+            <a:ext cx="3129485" cy="5816977"/>
+          </a:xfrm>
+          <a:prstGeom prst="rect">
+            <a:avLst/>
+          </a:prstGeom>
+        </p:spPr>
+        <p:txBody>
+          <a:bodyPr wrap="square">
+            <a:spAutoFit/>
+          </a:bodyPr>
+          <a:lstStyle/>
+          <a:p>
+            <a:r>
+              <a:rPr lang="en-GB" sz="1200" dirty="0"/>
+              <a:t>Total number of SNP: </a:t>
+            </a:r>
+            <a:r>
+              <a:rPr lang="en-GB" sz="1200" dirty="0">
+                <a:solidFill>
+                  <a:srgbClr val="FF0000"/>
+                </a:solidFill>
+              </a:rPr>
+              <a:t>11225</a:t>
+            </a:r>
+          </a:p>
+          <a:p>
+            <a:endParaRPr lang="en-GB" sz="1200" dirty="0"/>
+          </a:p>
+          <a:p>
+            <a:r>
+              <a:rPr lang="en-GB" sz="1200" dirty="0"/>
+              <a:t>Proportion of SNP  with significant clines.</a:t>
+            </a:r>
+          </a:p>
+          <a:p>
+            <a:r>
+              <a:rPr lang="en-GB" sz="1200" dirty="0"/>
+              <a:t>0.5317595</a:t>
+            </a:r>
+          </a:p>
+          <a:p>
+            <a:r>
+              <a:rPr lang="en-GB" sz="1200" dirty="0"/>
+              <a:t>0.4457016</a:t>
+            </a:r>
+          </a:p>
+          <a:p>
+            <a:r>
+              <a:rPr lang="en-GB" sz="1200" dirty="0"/>
+              <a:t>0.3277506</a:t>
+            </a:r>
+          </a:p>
+          <a:p>
+            <a:r>
+              <a:rPr lang="en-GB" sz="1200" dirty="0"/>
+              <a:t>0.4244989</a:t>
+            </a:r>
+          </a:p>
+          <a:p>
+            <a:r>
+              <a:rPr lang="en-GB" sz="1200" dirty="0"/>
+              <a:t>0.4473942</a:t>
+            </a:r>
+          </a:p>
+          <a:p>
+            <a:r>
+              <a:rPr lang="en-GB" sz="1200" dirty="0"/>
+              <a:t>0.4823163</a:t>
+            </a:r>
+          </a:p>
+          <a:p>
+            <a:endParaRPr lang="en-GB" sz="1200" dirty="0"/>
+          </a:p>
+          <a:p>
+            <a:r>
+              <a:rPr lang="en-GB" sz="1200" dirty="0"/>
+              <a:t>Proportions of SNP  outliers that are shared.</a:t>
+            </a:r>
+          </a:p>
+          <a:p>
+            <a:r>
+              <a:rPr lang="en-GB" sz="1200" dirty="0"/>
+              <a:t>0.6160714</a:t>
+            </a:r>
+          </a:p>
+          <a:p>
+            <a:r>
+              <a:rPr lang="en-GB" sz="1200" dirty="0"/>
+              <a:t>0.5178571</a:t>
+            </a:r>
+          </a:p>
+          <a:p>
+            <a:r>
+              <a:rPr lang="en-GB" sz="1200" dirty="0"/>
+              <a:t>0.6339286</a:t>
+            </a:r>
+          </a:p>
+          <a:p>
+            <a:r>
+              <a:rPr lang="en-GB" sz="1200" dirty="0"/>
+              <a:t>0.359375</a:t>
+            </a:r>
+          </a:p>
+          <a:p>
+            <a:r>
+              <a:rPr lang="en-GB" sz="1200" dirty="0"/>
+              <a:t>0.4107143</a:t>
+            </a:r>
+          </a:p>
+          <a:p>
+            <a:r>
+              <a:rPr lang="en-GB" sz="1200" dirty="0"/>
+              <a:t>0.484375</a:t>
+            </a:r>
+          </a:p>
+          <a:p>
+            <a:endParaRPr lang="en-GB" sz="1200" dirty="0"/>
+          </a:p>
+          <a:p>
+            <a:r>
+              <a:rPr lang="en-GB" sz="1200" dirty="0"/>
+              <a:t>142</a:t>
+            </a:r>
+          </a:p>
+          <a:p>
+            <a:r>
+              <a:rPr lang="en-GB" sz="1200" dirty="0"/>
+              <a:t>66</a:t>
+            </a:r>
+          </a:p>
+          <a:p>
+            <a:r>
+              <a:rPr lang="en-GB" sz="1200" dirty="0"/>
+              <a:t>29</a:t>
+            </a:r>
+          </a:p>
+          <a:p>
+            <a:r>
+              <a:rPr lang="en-GB" sz="1200" dirty="0"/>
+              <a:t>27</a:t>
+            </a:r>
+          </a:p>
+          <a:p>
+            <a:r>
+              <a:rPr lang="en-GB" sz="1200" dirty="0"/>
+              <a:t>25</a:t>
+            </a:r>
+          </a:p>
+          <a:p>
+            <a:r>
+              <a:rPr lang="en-GB" sz="1200" dirty="0"/>
+              <a:t>13</a:t>
+            </a:r>
+          </a:p>
+          <a:p>
+            <a:endParaRPr lang="en-GB" sz="1200" dirty="0"/>
+          </a:p>
+          <a:p>
+            <a:r>
+              <a:rPr lang="en-GB" sz="1200" dirty="0"/>
+              <a:t>0.556</a:t>
+            </a:r>
+          </a:p>
+          <a:p>
+            <a:r>
+              <a:rPr lang="en-GB" sz="1200" dirty="0"/>
+              <a:t>0.636</a:t>
+            </a:r>
+          </a:p>
+          <a:p>
+            <a:r>
+              <a:rPr lang="en-GB" sz="1200" dirty="0"/>
+              <a:t>0.862</a:t>
+            </a:r>
+          </a:p>
+          <a:p>
+            <a:r>
+              <a:rPr lang="en-GB" sz="1200" dirty="0"/>
+              <a:t>0.889</a:t>
+            </a:r>
+          </a:p>
+          <a:p>
+            <a:r>
+              <a:rPr lang="en-GB" sz="1200" dirty="0"/>
+              <a:t>0.92</a:t>
+            </a:r>
+          </a:p>
+          <a:p>
+            <a:r>
+              <a:rPr lang="en-GB" sz="1200" dirty="0"/>
+              <a:t>1</a:t>
+            </a:r>
+          </a:p>
+        </p:txBody>
+      </p:sp>
+      <p:sp>
+        <p:nvSpPr>
+          <p:cNvPr id="5" name="Rectangle 4">
+            <a:extLst>
+              <a:ext uri="{FF2B5EF4-FFF2-40B4-BE49-F238E27FC236}">
+                <a16:creationId xmlns:a16="http://schemas.microsoft.com/office/drawing/2014/main" id="{BAAD3B19-AD82-B040-873E-BAF529487567}"/>
+              </a:ext>
+            </a:extLst>
+          </p:cNvPr>
+          <p:cNvSpPr/>
+          <p:nvPr/>
+        </p:nvSpPr>
+        <p:spPr>
+          <a:xfrm>
+            <a:off x="524719" y="543309"/>
+            <a:ext cx="3961937" cy="5816977"/>
+          </a:xfrm>
+          <a:prstGeom prst="rect">
+            <a:avLst/>
+          </a:prstGeom>
+        </p:spPr>
+        <p:txBody>
+          <a:bodyPr wrap="square">
+            <a:spAutoFit/>
+          </a:bodyPr>
+          <a:lstStyle/>
+          <a:p>
+            <a:r>
+              <a:rPr lang="en-GB" sz="1200" dirty="0"/>
+              <a:t>Total number of Anja’s SNP: </a:t>
+            </a:r>
+            <a:r>
+              <a:rPr lang="en-GB" sz="1200" dirty="0">
+                <a:solidFill>
+                  <a:srgbClr val="FF0000"/>
+                </a:solidFill>
+              </a:rPr>
+              <a:t>55106</a:t>
+            </a:r>
+          </a:p>
+          <a:p>
+            <a:endParaRPr lang="en-GB" sz="1200" dirty="0"/>
+          </a:p>
+          <a:p>
+            <a:r>
+              <a:rPr lang="en-GB" sz="1200" dirty="0"/>
+              <a:t>Proportion of SNP  with significant clines.</a:t>
+            </a:r>
+          </a:p>
+          <a:p>
+            <a:r>
+              <a:rPr lang="en-GB" sz="1200" dirty="0"/>
+              <a:t>CZA left: 0.5122128</a:t>
+            </a:r>
+          </a:p>
+          <a:p>
+            <a:r>
+              <a:rPr lang="en-GB" sz="1200" dirty="0"/>
+              <a:t>CZA right: 0.4238377</a:t>
+            </a:r>
+          </a:p>
+          <a:p>
+            <a:r>
+              <a:rPr lang="en-GB" sz="1200" dirty="0"/>
+              <a:t>CZB left: 0.3201829</a:t>
+            </a:r>
+          </a:p>
+          <a:p>
+            <a:r>
+              <a:rPr lang="en-GB" sz="1200" dirty="0"/>
+              <a:t>CZB right: 0.4114071</a:t>
+            </a:r>
+          </a:p>
+          <a:p>
+            <a:r>
+              <a:rPr lang="en-GB" sz="1200" dirty="0"/>
+              <a:t>CZD left: 0.4393351</a:t>
+            </a:r>
+          </a:p>
+          <a:p>
+            <a:r>
+              <a:rPr lang="en-GB" sz="1200" dirty="0"/>
+              <a:t>CZD right: 0.4732697</a:t>
+            </a:r>
+          </a:p>
+          <a:p>
+            <a:endParaRPr lang="en-GB" sz="1200" dirty="0"/>
+          </a:p>
+          <a:p>
+            <a:r>
+              <a:rPr lang="en-GB" sz="1200" dirty="0"/>
+              <a:t>Proportions of SNP  outliers that are shared.</a:t>
+            </a:r>
+          </a:p>
+          <a:p>
+            <a:r>
+              <a:rPr lang="en-GB" sz="1200" dirty="0"/>
+              <a:t>CZA left and right: 0.707804</a:t>
+            </a:r>
+          </a:p>
+          <a:p>
+            <a:r>
+              <a:rPr lang="en-GB" sz="1200" dirty="0"/>
+              <a:t>CZB left and right: 0.5680581</a:t>
+            </a:r>
+          </a:p>
+          <a:p>
+            <a:r>
+              <a:rPr lang="en-GB" sz="1200" dirty="0"/>
+              <a:t>CZD left and right: 0.6569873</a:t>
+            </a:r>
+          </a:p>
+          <a:p>
+            <a:r>
+              <a:rPr lang="en-GB" sz="1200" dirty="0"/>
+              <a:t>CZA and CZB: 0.4650635</a:t>
+            </a:r>
+          </a:p>
+          <a:p>
+            <a:r>
+              <a:rPr lang="en-GB" sz="1200" dirty="0"/>
+              <a:t>CZA and CZD: 0.508167</a:t>
+            </a:r>
+          </a:p>
+          <a:p>
+            <a:r>
+              <a:rPr lang="en-GB" sz="1200" dirty="0"/>
+              <a:t>CZB and CZD: 0.5426497</a:t>
+            </a:r>
+          </a:p>
+          <a:p>
+            <a:endParaRPr lang="en-GB" sz="1200" dirty="0"/>
+          </a:p>
+          <a:p>
+            <a:r>
+              <a:rPr lang="en-GB" sz="1200" dirty="0"/>
+              <a:t>Number of SNP  outliers found in 1 hybrid zone(s): 602</a:t>
+            </a:r>
+          </a:p>
+          <a:p>
+            <a:r>
+              <a:rPr lang="en-GB" sz="1200" dirty="0"/>
+              <a:t>Number of SNP  outliers found in 2 hybrid zone(s): 258</a:t>
+            </a:r>
+          </a:p>
+          <a:p>
+            <a:r>
+              <a:rPr lang="en-GB" sz="1200" dirty="0"/>
+              <a:t>Number of SNP  outliers found in 3 hybrid zone(s): 137</a:t>
+            </a:r>
+          </a:p>
+          <a:p>
+            <a:r>
+              <a:rPr lang="en-GB" sz="1200" dirty="0"/>
+              <a:t>Number of SNP  outliers found in 4 hybrid zone(s): 117</a:t>
+            </a:r>
+          </a:p>
+          <a:p>
+            <a:r>
+              <a:rPr lang="en-GB" sz="1200" dirty="0"/>
+              <a:t>Number of SNP  outliers found in 5 hybrid zone(s): 95</a:t>
+            </a:r>
+          </a:p>
+          <a:p>
+            <a:r>
+              <a:rPr lang="en-GB" sz="1200" dirty="0"/>
+              <a:t>Number of SNP  outliers found in 6 hybrid zone(s): 139</a:t>
+            </a:r>
+          </a:p>
+          <a:p>
+            <a:endParaRPr lang="en-GB" sz="1200" dirty="0"/>
+          </a:p>
+          <a:p>
+            <a:r>
+              <a:rPr lang="en-GB" sz="1200" dirty="0"/>
+              <a:t>Prop. of SNP  outliers in inversions found in 1 zone(s): 0.648</a:t>
+            </a:r>
+          </a:p>
+          <a:p>
+            <a:r>
+              <a:rPr lang="en-GB" sz="1200" dirty="0"/>
+              <a:t>Prop. of SNP  outliers in inversions found in 2 zone(s): 0.698</a:t>
+            </a:r>
+          </a:p>
+          <a:p>
+            <a:r>
+              <a:rPr lang="en-GB" sz="1200" dirty="0"/>
+              <a:t>Prop. of SNP  outliers in inversions found in 3 zone(s): 0.912</a:t>
+            </a:r>
+          </a:p>
+          <a:p>
+            <a:r>
+              <a:rPr lang="en-GB" sz="1200" dirty="0"/>
+              <a:t>Prop. of SNP  outliers in inversions found in 4 zone(s): 0.923</a:t>
+            </a:r>
+          </a:p>
+          <a:p>
+            <a:r>
+              <a:rPr lang="en-GB" sz="1200" dirty="0"/>
+              <a:t>Prop. of SNP  outliers in inversions found in 5 zone(s): 0.979</a:t>
+            </a:r>
+          </a:p>
+          <a:p>
+            <a:r>
+              <a:rPr lang="en-GB" sz="1200" dirty="0"/>
+              <a:t>Prop. of SNP  outliers in inversions found in 6 zone(s): 1</a:t>
+            </a:r>
+          </a:p>
+        </p:txBody>
+      </p:sp>
+      <p:sp>
+        <p:nvSpPr>
+          <p:cNvPr id="7" name="Rectangle 6">
+            <a:extLst>
+              <a:ext uri="{FF2B5EF4-FFF2-40B4-BE49-F238E27FC236}">
+                <a16:creationId xmlns:a16="http://schemas.microsoft.com/office/drawing/2014/main" id="{69285B50-6470-1746-BD71-7C6F3486A15B}"/>
+              </a:ext>
+            </a:extLst>
+          </p:cNvPr>
+          <p:cNvSpPr/>
+          <p:nvPr/>
+        </p:nvSpPr>
+        <p:spPr>
+          <a:xfrm>
+            <a:off x="8001964" y="543310"/>
+            <a:ext cx="3306501" cy="5816977"/>
+          </a:xfrm>
+          <a:prstGeom prst="rect">
+            <a:avLst/>
+          </a:prstGeom>
+        </p:spPr>
+        <p:txBody>
+          <a:bodyPr wrap="square">
+            <a:spAutoFit/>
+          </a:bodyPr>
+          <a:lstStyle/>
+          <a:p>
+            <a:r>
+              <a:rPr lang="en-GB" sz="1200" dirty="0"/>
+              <a:t>Total number of INDEL: 1752</a:t>
+            </a:r>
+          </a:p>
+          <a:p>
+            <a:endParaRPr lang="en-GB" sz="1200" dirty="0"/>
+          </a:p>
+          <a:p>
+            <a:r>
+              <a:rPr lang="en-GB" sz="1200" dirty="0"/>
+              <a:t>Proportion of INDEL  with significant clines.</a:t>
+            </a:r>
+          </a:p>
+          <a:p>
+            <a:r>
+              <a:rPr lang="en-GB" sz="1200" dirty="0"/>
+              <a:t>0.5296804</a:t>
+            </a:r>
+          </a:p>
+          <a:p>
+            <a:r>
+              <a:rPr lang="en-GB" sz="1200" dirty="0"/>
+              <a:t>0.4549087</a:t>
+            </a:r>
+          </a:p>
+          <a:p>
+            <a:r>
+              <a:rPr lang="en-GB" sz="1200" dirty="0"/>
+              <a:t>0.3413242</a:t>
+            </a:r>
+          </a:p>
+          <a:p>
+            <a:r>
+              <a:rPr lang="en-GB" sz="1200" dirty="0"/>
+              <a:t>0.4092466</a:t>
+            </a:r>
+          </a:p>
+          <a:p>
+            <a:r>
+              <a:rPr lang="en-GB" sz="1200" dirty="0"/>
+              <a:t>0.4737443</a:t>
+            </a:r>
+          </a:p>
+          <a:p>
+            <a:r>
+              <a:rPr lang="en-GB" sz="1200" dirty="0"/>
+              <a:t>0.4834475</a:t>
+            </a:r>
+          </a:p>
+          <a:p>
+            <a:endParaRPr lang="en-GB" sz="1200" dirty="0"/>
+          </a:p>
+          <a:p>
+            <a:r>
+              <a:rPr lang="en-GB" sz="1200" dirty="0"/>
+              <a:t>Proportions of INDEL  outliers that are shared.</a:t>
+            </a:r>
+          </a:p>
+          <a:p>
+            <a:r>
+              <a:rPr lang="en-GB" sz="1200" dirty="0"/>
+              <a:t>0.7058824</a:t>
+            </a:r>
+          </a:p>
+          <a:p>
+            <a:r>
+              <a:rPr lang="en-GB" sz="1200" dirty="0"/>
+              <a:t>0.4705882</a:t>
+            </a:r>
+          </a:p>
+          <a:p>
+            <a:r>
+              <a:rPr lang="en-GB" sz="1200" dirty="0"/>
+              <a:t>0.6470588</a:t>
+            </a:r>
+          </a:p>
+          <a:p>
+            <a:r>
+              <a:rPr lang="en-GB" sz="1200" dirty="0"/>
+              <a:t>0.3529412</a:t>
+            </a:r>
+          </a:p>
+          <a:p>
+            <a:r>
+              <a:rPr lang="en-GB" sz="1200" dirty="0"/>
+              <a:t>0.4117647</a:t>
+            </a:r>
+          </a:p>
+          <a:p>
+            <a:r>
+              <a:rPr lang="en-GB" sz="1200" dirty="0"/>
+              <a:t>0.4411765</a:t>
+            </a:r>
+          </a:p>
+          <a:p>
+            <a:endParaRPr lang="en-GB" sz="1200" dirty="0"/>
+          </a:p>
+          <a:p>
+            <a:r>
+              <a:rPr lang="en-GB" sz="1200" dirty="0"/>
+              <a:t>24</a:t>
+            </a:r>
+          </a:p>
+          <a:p>
+            <a:r>
+              <a:rPr lang="en-GB" sz="1200" dirty="0"/>
+              <a:t>7</a:t>
+            </a:r>
+          </a:p>
+          <a:p>
+            <a:r>
+              <a:rPr lang="en-GB" sz="1200" dirty="0"/>
+              <a:t>7</a:t>
+            </a:r>
+          </a:p>
+          <a:p>
+            <a:r>
+              <a:rPr lang="en-GB" sz="1200" dirty="0"/>
+              <a:t>5</a:t>
+            </a:r>
+          </a:p>
+          <a:p>
+            <a:r>
+              <a:rPr lang="en-GB" sz="1200" dirty="0"/>
+              <a:t>1</a:t>
+            </a:r>
+          </a:p>
+          <a:p>
+            <a:r>
+              <a:rPr lang="en-GB" sz="1200" dirty="0"/>
+              <a:t>3</a:t>
+            </a:r>
+          </a:p>
+          <a:p>
+            <a:endParaRPr lang="en-GB" sz="1200" dirty="0"/>
+          </a:p>
+          <a:p>
+            <a:r>
+              <a:rPr lang="en-GB" sz="1200" dirty="0"/>
+              <a:t>0.625</a:t>
+            </a:r>
+          </a:p>
+          <a:p>
+            <a:r>
+              <a:rPr lang="en-GB" sz="1200" dirty="0"/>
+              <a:t>0.57</a:t>
+            </a:r>
+          </a:p>
+          <a:p>
+            <a:r>
+              <a:rPr lang="en-GB" sz="1200" dirty="0"/>
+              <a:t>0.86</a:t>
+            </a:r>
+          </a:p>
+          <a:p>
+            <a:r>
+              <a:rPr lang="en-GB" sz="1200" dirty="0"/>
+              <a:t>1</a:t>
+            </a:r>
+          </a:p>
+          <a:p>
+            <a:r>
+              <a:rPr lang="en-GB" sz="1200" dirty="0"/>
+              <a:t>1</a:t>
+            </a:r>
+          </a:p>
+          <a:p>
+            <a:r>
+              <a:rPr lang="en-GB" sz="1200" dirty="0"/>
+              <a:t>1</a:t>
+            </a:r>
+          </a:p>
+        </p:txBody>
+      </p:sp>
+      <p:sp>
+        <p:nvSpPr>
+          <p:cNvPr id="6" name="TextBox 5">
+            <a:extLst>
+              <a:ext uri="{FF2B5EF4-FFF2-40B4-BE49-F238E27FC236}">
+                <a16:creationId xmlns:a16="http://schemas.microsoft.com/office/drawing/2014/main" id="{DC1E2925-1E88-B747-859F-421E2BE6AEAF}"/>
+              </a:ext>
+            </a:extLst>
+          </p:cNvPr>
+          <p:cNvSpPr txBox="1"/>
+          <p:nvPr/>
+        </p:nvSpPr>
+        <p:spPr>
+          <a:xfrm>
+            <a:off x="524719" y="6519446"/>
+            <a:ext cx="10911068" cy="338554"/>
+          </a:xfrm>
+          <a:prstGeom prst="rect">
+            <a:avLst/>
+          </a:prstGeom>
+          <a:noFill/>
+        </p:spPr>
+        <p:txBody>
+          <a:bodyPr wrap="square" rtlCol="0">
+            <a:spAutoFit/>
+          </a:bodyPr>
+          <a:lstStyle/>
+          <a:p>
+            <a:r>
+              <a:rPr lang="en-GB" sz="1600" dirty="0"/>
+              <a:t>Except this difference in the total number of SNPs, the proportions look quite similar but I have not run any statistical tests</a:t>
+            </a:r>
+          </a:p>
+        </p:txBody>
+      </p:sp>
+    </p:spTree>
+    <p:extLst>
+      <p:ext uri="{BB962C8B-B14F-4D97-AF65-F5344CB8AC3E}">
+        <p14:creationId xmlns:p14="http://schemas.microsoft.com/office/powerpoint/2010/main" val="2438953206"/>
+      </p:ext>
+    </p:extLst>
+  </p:cSld>
+  <p:clrMapOvr>
+    <a:masterClrMapping/>
+  </p:clrMapOvr>
+</p:sld>
+</file>
+
+<file path=ppt/slides/slide4.xml><?xml version="1.0" encoding="utf-8"?>
+<p:sld xmlns:a="http://schemas.openxmlformats.org/drawingml/2006/main" xmlns:r="http://schemas.openxmlformats.org/officeDocument/2006/relationships" xmlns:p="http://schemas.openxmlformats.org/presentationml/2006/main">
+  <p:cSld>
+    <p:spTree>
+      <p:nvGrpSpPr>
+        <p:cNvPr id="1" name=""/>
+        <p:cNvGrpSpPr/>
+        <p:nvPr/>
+      </p:nvGrpSpPr>
+      <p:grpSpPr>
+        <a:xfrm>
+          <a:off x="0" y="0"/>
+          <a:ext cx="0" cy="0"/>
+          <a:chOff x="0" y="0"/>
+          <a:chExt cx="0" cy="0"/>
+        </a:xfrm>
+      </p:grpSpPr>
+      <p:sp>
+        <p:nvSpPr>
+          <p:cNvPr id="2" name="TextBox 1">
+            <a:extLst>
+              <a:ext uri="{FF2B5EF4-FFF2-40B4-BE49-F238E27FC236}">
+                <a16:creationId xmlns:a16="http://schemas.microsoft.com/office/drawing/2014/main" id="{FB5A0D44-16E3-1349-AF6F-4FE1B4E42AE2}"/>
+              </a:ext>
+            </a:extLst>
+          </p:cNvPr>
+          <p:cNvSpPr txBox="1"/>
+          <p:nvPr/>
+        </p:nvSpPr>
+        <p:spPr>
+          <a:xfrm>
+            <a:off x="838631" y="277792"/>
+            <a:ext cx="10514738" cy="369332"/>
+          </a:xfrm>
+          <a:prstGeom prst="rect">
+            <a:avLst/>
+          </a:prstGeom>
+          <a:noFill/>
+        </p:spPr>
+        <p:txBody>
+          <a:bodyPr wrap="none" rtlCol="0">
+            <a:spAutoFit/>
+          </a:bodyPr>
+          <a:lstStyle/>
+          <a:p>
+            <a:r>
+              <a:rPr lang="en-GB" dirty="0"/>
+              <a:t>Given the difference between SAMtools and GATK in the total number of SNPs, I have run some diagnostics</a:t>
+            </a:r>
+          </a:p>
+        </p:txBody>
+      </p:sp>
+      <p:sp>
+        <p:nvSpPr>
+          <p:cNvPr id="13" name="TextBox 12">
+            <a:extLst>
+              <a:ext uri="{FF2B5EF4-FFF2-40B4-BE49-F238E27FC236}">
+                <a16:creationId xmlns:a16="http://schemas.microsoft.com/office/drawing/2014/main" id="{5CCE7386-BE2B-4440-AF7A-2468A67CEB1B}"/>
+              </a:ext>
+            </a:extLst>
+          </p:cNvPr>
+          <p:cNvSpPr txBox="1"/>
+          <p:nvPr/>
+        </p:nvSpPr>
+        <p:spPr>
+          <a:xfrm>
+            <a:off x="838629" y="1157735"/>
+            <a:ext cx="4286943" cy="369332"/>
+          </a:xfrm>
+          <a:prstGeom prst="rect">
+            <a:avLst/>
+          </a:prstGeom>
+          <a:noFill/>
+        </p:spPr>
+        <p:txBody>
+          <a:bodyPr wrap="none" rtlCol="0">
+            <a:spAutoFit/>
+          </a:bodyPr>
+          <a:lstStyle/>
+          <a:p>
+            <a:pPr marL="285750" indent="-285750">
+              <a:buFont typeface="Arial" panose="020B0604020202020204" pitchFamily="34" charset="0"/>
+              <a:buChar char="•"/>
+            </a:pPr>
+            <a:r>
+              <a:rPr lang="en-GB" dirty="0"/>
+              <a:t>Contigs after coverage filter (in progress)</a:t>
+            </a:r>
+          </a:p>
+        </p:txBody>
+      </p:sp>
+    </p:spTree>
+    <p:extLst>
+      <p:ext uri="{BB962C8B-B14F-4D97-AF65-F5344CB8AC3E}">
+        <p14:creationId xmlns:p14="http://schemas.microsoft.com/office/powerpoint/2010/main" val="1844678427"/>
+      </p:ext>
+    </p:extLst>
+  </p:cSld>
+  <p:clrMapOvr>
+    <a:masterClrMapping/>
+  </p:clrMapOvr>
+</p:sld>
+</file>
+
+<file path=ppt/slides/slide5.xml><?xml version="1.0" encoding="utf-8"?>
+<p:sld xmlns:a="http://schemas.openxmlformats.org/drawingml/2006/main" xmlns:r="http://schemas.openxmlformats.org/officeDocument/2006/relationships" xmlns:p="http://schemas.openxmlformats.org/presentationml/2006/main">
+  <p:cSld>
+    <p:spTree>
+      <p:nvGrpSpPr>
+        <p:cNvPr id="1" name=""/>
+        <p:cNvGrpSpPr/>
+        <p:nvPr/>
+      </p:nvGrpSpPr>
+      <p:grpSpPr>
+        <a:xfrm>
+          <a:off x="0" y="0"/>
+          <a:ext cx="0" cy="0"/>
+          <a:chOff x="0" y="0"/>
+          <a:chExt cx="0" cy="0"/>
+        </a:xfrm>
+      </p:grpSpPr>
+      <p:sp>
+        <p:nvSpPr>
+          <p:cNvPr id="2" name="TextBox 1">
+            <a:extLst>
+              <a:ext uri="{FF2B5EF4-FFF2-40B4-BE49-F238E27FC236}">
+                <a16:creationId xmlns:a16="http://schemas.microsoft.com/office/drawing/2014/main" id="{FB5A0D44-16E3-1349-AF6F-4FE1B4E42AE2}"/>
+              </a:ext>
+            </a:extLst>
+          </p:cNvPr>
+          <p:cNvSpPr txBox="1"/>
+          <p:nvPr/>
+        </p:nvSpPr>
+        <p:spPr>
+          <a:xfrm>
+            <a:off x="838631" y="277792"/>
+            <a:ext cx="10514738" cy="369332"/>
+          </a:xfrm>
+          <a:prstGeom prst="rect">
+            <a:avLst/>
+          </a:prstGeom>
+          <a:noFill/>
+        </p:spPr>
+        <p:txBody>
+          <a:bodyPr wrap="none" rtlCol="0">
+            <a:spAutoFit/>
+          </a:bodyPr>
+          <a:lstStyle/>
+          <a:p>
+            <a:r>
+              <a:rPr lang="en-GB" dirty="0"/>
+              <a:t>Given the difference between SAMtools and GATK in the total number of SNPs, I have run some diagnostics</a:t>
+            </a:r>
+          </a:p>
+        </p:txBody>
+      </p:sp>
+      <p:sp>
+        <p:nvSpPr>
+          <p:cNvPr id="13" name="TextBox 12">
+            <a:extLst>
+              <a:ext uri="{FF2B5EF4-FFF2-40B4-BE49-F238E27FC236}">
+                <a16:creationId xmlns:a16="http://schemas.microsoft.com/office/drawing/2014/main" id="{5CCE7386-BE2B-4440-AF7A-2468A67CEB1B}"/>
+              </a:ext>
+            </a:extLst>
+          </p:cNvPr>
+          <p:cNvSpPr txBox="1"/>
+          <p:nvPr/>
+        </p:nvSpPr>
+        <p:spPr>
+          <a:xfrm>
+            <a:off x="838629" y="1157735"/>
+            <a:ext cx="3879780" cy="369332"/>
+          </a:xfrm>
+          <a:prstGeom prst="rect">
+            <a:avLst/>
+          </a:prstGeom>
+          <a:noFill/>
+        </p:spPr>
+        <p:txBody>
+          <a:bodyPr wrap="none" rtlCol="0">
+            <a:spAutoFit/>
+          </a:bodyPr>
+          <a:lstStyle/>
+          <a:p>
+            <a:pPr marL="285750" indent="-285750">
+              <a:buFont typeface="Arial" panose="020B0604020202020204" pitchFamily="34" charset="0"/>
+              <a:buChar char="•"/>
+            </a:pPr>
+            <a:r>
+              <a:rPr lang="en-GB" dirty="0"/>
+              <a:t>SNPs after all the filters (in progress)</a:t>
+            </a:r>
+          </a:p>
+        </p:txBody>
+      </p:sp>
+    </p:spTree>
+    <p:extLst>
+      <p:ext uri="{BB962C8B-B14F-4D97-AF65-F5344CB8AC3E}">
+        <p14:creationId xmlns:p14="http://schemas.microsoft.com/office/powerpoint/2010/main" val="1445881728"/>
+      </p:ext>
+    </p:extLst>
+  </p:cSld>
+  <p:clrMapOvr>
+    <a:masterClrMapping/>
+  </p:clrMapOvr>
+</p:sld>
+</file>
+
+<file path=ppt/slides/slide6.xml><?xml version="1.0" encoding="utf-8"?>
+<p:sld xmlns:a="http://schemas.openxmlformats.org/drawingml/2006/main" xmlns:r="http://schemas.openxmlformats.org/officeDocument/2006/relationships" xmlns:p="http://schemas.openxmlformats.org/presentationml/2006/main">
+  <p:cSld>
+    <p:spTree>
+      <p:nvGrpSpPr>
+        <p:cNvPr id="1" name=""/>
+        <p:cNvGrpSpPr/>
+        <p:nvPr/>
+      </p:nvGrpSpPr>
+      <p:grpSpPr>
+        <a:xfrm>
+          <a:off x="0" y="0"/>
+          <a:ext cx="0" cy="0"/>
+          <a:chOff x="0" y="0"/>
+          <a:chExt cx="0" cy="0"/>
+        </a:xfrm>
+      </p:grpSpPr>
+      <p:sp>
+        <p:nvSpPr>
+          <p:cNvPr id="2" name="TextBox 1">
+            <a:extLst>
+              <a:ext uri="{FF2B5EF4-FFF2-40B4-BE49-F238E27FC236}">
+                <a16:creationId xmlns:a16="http://schemas.microsoft.com/office/drawing/2014/main" id="{FB5A0D44-16E3-1349-AF6F-4FE1B4E42AE2}"/>
+              </a:ext>
+            </a:extLst>
+          </p:cNvPr>
+          <p:cNvSpPr txBox="1"/>
+          <p:nvPr/>
+        </p:nvSpPr>
+        <p:spPr>
+          <a:xfrm>
+            <a:off x="838631" y="277792"/>
+            <a:ext cx="10514738" cy="369332"/>
+          </a:xfrm>
+          <a:prstGeom prst="rect">
+            <a:avLst/>
+          </a:prstGeom>
+          <a:noFill/>
+        </p:spPr>
+        <p:txBody>
+          <a:bodyPr wrap="none" rtlCol="0">
+            <a:spAutoFit/>
+          </a:bodyPr>
+          <a:lstStyle/>
+          <a:p>
+            <a:r>
+              <a:rPr lang="en-GB" dirty="0"/>
+              <a:t>Given the difference between SAMtools and GATK in the total number of SNPs, I have run some diagnostics</a:t>
+            </a:r>
+          </a:p>
+        </p:txBody>
+      </p:sp>
+      <p:pic>
+        <p:nvPicPr>
+          <p:cNvPr id="8" name="Picture 7">
+            <a:extLst>
+              <a:ext uri="{FF2B5EF4-FFF2-40B4-BE49-F238E27FC236}">
+                <a16:creationId xmlns:a16="http://schemas.microsoft.com/office/drawing/2014/main" id="{A4DAEDC7-A8EC-254B-A191-547A1418B8F6}"/>
+              </a:ext>
+            </a:extLst>
+          </p:cNvPr>
+          <p:cNvPicPr>
+            <a:picLocks noChangeAspect="1"/>
+          </p:cNvPicPr>
+          <p:nvPr/>
+        </p:nvPicPr>
+        <p:blipFill rotWithShape="1">
+          <a:blip r:embed="rId2"/>
+          <a:srcRect l="5258" t="9091" r="3176" b="5574"/>
+          <a:stretch/>
+        </p:blipFill>
+        <p:spPr>
+          <a:xfrm>
+            <a:off x="6231038" y="2037678"/>
+            <a:ext cx="5366790" cy="3326660"/>
+          </a:xfrm>
+          <a:prstGeom prst="rect">
+            <a:avLst/>
+          </a:prstGeom>
+        </p:spPr>
+      </p:pic>
+      <p:pic>
+        <p:nvPicPr>
+          <p:cNvPr id="10" name="Picture 9">
+            <a:extLst>
+              <a:ext uri="{FF2B5EF4-FFF2-40B4-BE49-F238E27FC236}">
+                <a16:creationId xmlns:a16="http://schemas.microsoft.com/office/drawing/2014/main" id="{AD14FF7D-63FD-9847-8532-4DE77B1CB03B}"/>
+              </a:ext>
+            </a:extLst>
+          </p:cNvPr>
+          <p:cNvPicPr>
+            <a:picLocks noChangeAspect="1"/>
+          </p:cNvPicPr>
+          <p:nvPr/>
+        </p:nvPicPr>
+        <p:blipFill rotWithShape="1">
+          <a:blip r:embed="rId3"/>
+          <a:srcRect l="4662" t="7646" r="3563" b="4847"/>
+          <a:stretch/>
+        </p:blipFill>
+        <p:spPr>
+          <a:xfrm>
+            <a:off x="838726" y="1985060"/>
+            <a:ext cx="5062966" cy="3379278"/>
+          </a:xfrm>
+          <a:prstGeom prst="rect">
+            <a:avLst/>
+          </a:prstGeom>
+        </p:spPr>
+      </p:pic>
+      <p:sp>
+        <p:nvSpPr>
+          <p:cNvPr id="11" name="TextBox 10">
+            <a:extLst>
+              <a:ext uri="{FF2B5EF4-FFF2-40B4-BE49-F238E27FC236}">
+                <a16:creationId xmlns:a16="http://schemas.microsoft.com/office/drawing/2014/main" id="{8E989DF7-7D26-A445-A99A-2791D7F96721}"/>
+              </a:ext>
+            </a:extLst>
+          </p:cNvPr>
+          <p:cNvSpPr txBox="1"/>
+          <p:nvPr/>
+        </p:nvSpPr>
+        <p:spPr>
+          <a:xfrm>
+            <a:off x="838629" y="1801172"/>
+            <a:ext cx="3076035" cy="307777"/>
+          </a:xfrm>
+          <a:prstGeom prst="rect">
+            <a:avLst/>
+          </a:prstGeom>
+          <a:noFill/>
+        </p:spPr>
+        <p:txBody>
+          <a:bodyPr wrap="none" rtlCol="0">
+            <a:spAutoFit/>
+          </a:bodyPr>
+          <a:lstStyle/>
+          <a:p>
+            <a:r>
+              <a:rPr lang="en-GB" sz="1400" dirty="0"/>
+              <a:t>any_outliers = outlier in at least one CZ.</a:t>
+            </a:r>
+          </a:p>
+        </p:txBody>
+      </p:sp>
+      <p:sp>
+        <p:nvSpPr>
+          <p:cNvPr id="12" name="TextBox 11">
+            <a:extLst>
+              <a:ext uri="{FF2B5EF4-FFF2-40B4-BE49-F238E27FC236}">
+                <a16:creationId xmlns:a16="http://schemas.microsoft.com/office/drawing/2014/main" id="{7E719FF2-7BA6-5944-8D5D-B76085F0436D}"/>
+              </a:ext>
+            </a:extLst>
+          </p:cNvPr>
+          <p:cNvSpPr txBox="1"/>
+          <p:nvPr/>
+        </p:nvSpPr>
+        <p:spPr>
+          <a:xfrm>
+            <a:off x="6231038" y="1801172"/>
+            <a:ext cx="4439036" cy="307777"/>
+          </a:xfrm>
+          <a:prstGeom prst="rect">
+            <a:avLst/>
+          </a:prstGeom>
+          <a:noFill/>
+        </p:spPr>
+        <p:txBody>
+          <a:bodyPr wrap="none" rtlCol="0">
+            <a:spAutoFit/>
+          </a:bodyPr>
+          <a:lstStyle/>
+          <a:p>
+            <a:r>
+              <a:rPr lang="en-GB" sz="1400" dirty="0"/>
+              <a:t>all_outliers = outlier shared by all six CZs (two per islands).</a:t>
+            </a:r>
+          </a:p>
+        </p:txBody>
+      </p:sp>
+      <p:sp>
+        <p:nvSpPr>
+          <p:cNvPr id="13" name="TextBox 12">
+            <a:extLst>
+              <a:ext uri="{FF2B5EF4-FFF2-40B4-BE49-F238E27FC236}">
+                <a16:creationId xmlns:a16="http://schemas.microsoft.com/office/drawing/2014/main" id="{E7AE7D32-9459-A144-A881-63F92D4E6C1F}"/>
+              </a:ext>
+            </a:extLst>
+          </p:cNvPr>
+          <p:cNvSpPr txBox="1"/>
+          <p:nvPr/>
+        </p:nvSpPr>
+        <p:spPr>
+          <a:xfrm>
+            <a:off x="838629" y="1157735"/>
+            <a:ext cx="7953267" cy="369332"/>
+          </a:xfrm>
+          <a:prstGeom prst="rect">
+            <a:avLst/>
+          </a:prstGeom>
+          <a:noFill/>
+        </p:spPr>
+        <p:txBody>
+          <a:bodyPr wrap="none" rtlCol="0">
+            <a:spAutoFit/>
+          </a:bodyPr>
+          <a:lstStyle/>
+          <a:p>
+            <a:pPr marL="285750" indent="-285750">
+              <a:buFont typeface="Arial" panose="020B0604020202020204" pitchFamily="34" charset="0"/>
+              <a:buChar char="•"/>
+            </a:pPr>
+            <a:r>
+              <a:rPr lang="en-GB" dirty="0"/>
+              <a:t>SNPs after all the filters and cline/outlier analysis (i.e., clinal and non-clinal SNPs)</a:t>
+            </a:r>
+          </a:p>
+        </p:txBody>
+      </p:sp>
+      <p:sp>
+        <p:nvSpPr>
+          <p:cNvPr id="14" name="TextBox 13">
+            <a:extLst>
+              <a:ext uri="{FF2B5EF4-FFF2-40B4-BE49-F238E27FC236}">
+                <a16:creationId xmlns:a16="http://schemas.microsoft.com/office/drawing/2014/main" id="{1BC812F4-C87A-6E46-A099-DE8B2DEAFABB}"/>
+              </a:ext>
+            </a:extLst>
+          </p:cNvPr>
+          <p:cNvSpPr txBox="1"/>
+          <p:nvPr/>
+        </p:nvSpPr>
+        <p:spPr>
+          <a:xfrm>
+            <a:off x="838629" y="5452999"/>
+            <a:ext cx="10759199" cy="923330"/>
+          </a:xfrm>
+          <a:prstGeom prst="rect">
+            <a:avLst/>
+          </a:prstGeom>
+          <a:noFill/>
+        </p:spPr>
+        <p:txBody>
+          <a:bodyPr wrap="square" rtlCol="0">
+            <a:spAutoFit/>
+          </a:bodyPr>
+          <a:lstStyle/>
+          <a:p>
+            <a:r>
+              <a:rPr lang="en-GB" i="1" dirty="0"/>
+              <a:t>Figure 1. Venn diagrams of the number of SNPs after filtering and cline analysis. Left: SAMtools and GATK calls are intersected with the respective outliers that were at least present in one hybrid zone. Right: SAMtools and GATK calls are intersected with the respective outliers that were present in all six hybrid zones (two per islands).</a:t>
+            </a:r>
+          </a:p>
+        </p:txBody>
+      </p:sp>
+    </p:spTree>
+    <p:extLst>
+      <p:ext uri="{BB962C8B-B14F-4D97-AF65-F5344CB8AC3E}">
+        <p14:creationId xmlns:p14="http://schemas.microsoft.com/office/powerpoint/2010/main" val="678544682"/>
+      </p:ext>
+    </p:extLst>
+  </p:cSld>
+  <p:clrMapOvr>
+    <a:masterClrMapping/>
+  </p:clrMapOvr>
+</p:sld>
+</file>
+
+<file path=ppt/slides/slide7.xml><?xml version="1.0" encoding="utf-8"?>
+<p:sld xmlns:a="http://schemas.openxmlformats.org/drawingml/2006/main" xmlns:r="http://schemas.openxmlformats.org/officeDocument/2006/relationships" xmlns:p="http://schemas.openxmlformats.org/presentationml/2006/main">
+  <p:cSld>
+    <p:spTree>
+      <p:nvGrpSpPr>
+        <p:cNvPr id="1" name=""/>
+        <p:cNvGrpSpPr/>
+        <p:nvPr/>
+      </p:nvGrpSpPr>
+      <p:grpSpPr>
+        <a:xfrm>
+          <a:off x="0" y="0"/>
+          <a:ext cx="0" cy="0"/>
+          <a:chOff x="0" y="0"/>
+          <a:chExt cx="0" cy="0"/>
+        </a:xfrm>
+      </p:grpSpPr>
+      <p:pic>
+        <p:nvPicPr>
+          <p:cNvPr id="3" name="Picture 2">
+            <a:extLst>
+              <a:ext uri="{FF2B5EF4-FFF2-40B4-BE49-F238E27FC236}">
+                <a16:creationId xmlns:a16="http://schemas.microsoft.com/office/drawing/2014/main" id="{5DEFEF38-FC25-AB4C-80F4-66DE30BC3B8F}"/>
+              </a:ext>
+            </a:extLst>
+          </p:cNvPr>
+          <p:cNvPicPr>
+            <a:picLocks noChangeAspect="1"/>
+          </p:cNvPicPr>
+          <p:nvPr/>
+        </p:nvPicPr>
+        <p:blipFill rotWithShape="1">
+          <a:blip r:embed="rId2"/>
+          <a:srcRect b="25739"/>
+          <a:stretch/>
+        </p:blipFill>
+        <p:spPr>
+          <a:xfrm>
+            <a:off x="54036" y="739392"/>
+            <a:ext cx="8241136" cy="6120000"/>
+          </a:xfrm>
+          <a:prstGeom prst="rect">
+            <a:avLst/>
+          </a:prstGeom>
+        </p:spPr>
+      </p:pic>
+      <p:sp>
+        <p:nvSpPr>
+          <p:cNvPr id="4" name="TextBox 3">
+            <a:extLst>
+              <a:ext uri="{FF2B5EF4-FFF2-40B4-BE49-F238E27FC236}">
+                <a16:creationId xmlns:a16="http://schemas.microsoft.com/office/drawing/2014/main" id="{BBC0A1E3-8029-A149-9543-F9E009CEE386}"/>
+              </a:ext>
+            </a:extLst>
+          </p:cNvPr>
+          <p:cNvSpPr txBox="1"/>
+          <p:nvPr/>
+        </p:nvSpPr>
+        <p:spPr>
+          <a:xfrm>
+            <a:off x="3439820" y="277792"/>
+            <a:ext cx="1469569" cy="369332"/>
+          </a:xfrm>
+          <a:prstGeom prst="rect">
+            <a:avLst/>
+          </a:prstGeom>
+          <a:noFill/>
+        </p:spPr>
+        <p:txBody>
+          <a:bodyPr wrap="none" rtlCol="0">
+            <a:spAutoFit/>
+          </a:bodyPr>
+          <a:lstStyle/>
+          <a:p>
+            <a:r>
+              <a:rPr lang="en-GB" dirty="0"/>
+              <a:t>GATK SNP call</a:t>
+            </a:r>
+          </a:p>
+        </p:txBody>
+      </p:sp>
+      <p:sp>
+        <p:nvSpPr>
+          <p:cNvPr id="5" name="TextBox 4">
+            <a:extLst>
+              <a:ext uri="{FF2B5EF4-FFF2-40B4-BE49-F238E27FC236}">
+                <a16:creationId xmlns:a16="http://schemas.microsoft.com/office/drawing/2014/main" id="{321E6931-B8DB-3A49-849B-8FE2E1030096}"/>
+              </a:ext>
+            </a:extLst>
+          </p:cNvPr>
+          <p:cNvSpPr txBox="1"/>
+          <p:nvPr/>
+        </p:nvSpPr>
+        <p:spPr>
+          <a:xfrm>
+            <a:off x="8295172" y="855139"/>
+            <a:ext cx="3742499" cy="1200329"/>
+          </a:xfrm>
+          <a:prstGeom prst="rect">
+            <a:avLst/>
+          </a:prstGeom>
+          <a:noFill/>
+        </p:spPr>
+        <p:txBody>
+          <a:bodyPr wrap="square" rtlCol="0">
+            <a:spAutoFit/>
+          </a:bodyPr>
+          <a:lstStyle/>
+          <a:p>
+            <a:r>
+              <a:rPr lang="en-GB" dirty="0"/>
+              <a:t>Except this difference in the total number of SNPs, the map positions look quite similar but I have not run any statistical tests</a:t>
+            </a:r>
+          </a:p>
+        </p:txBody>
+      </p:sp>
+      <p:sp>
+        <p:nvSpPr>
+          <p:cNvPr id="6" name="TextBox 5">
+            <a:extLst>
+              <a:ext uri="{FF2B5EF4-FFF2-40B4-BE49-F238E27FC236}">
+                <a16:creationId xmlns:a16="http://schemas.microsoft.com/office/drawing/2014/main" id="{9CCBC790-4C93-E64D-91E1-2A0E4F58A609}"/>
+              </a:ext>
+            </a:extLst>
+          </p:cNvPr>
+          <p:cNvSpPr txBox="1"/>
+          <p:nvPr/>
+        </p:nvSpPr>
+        <p:spPr>
+          <a:xfrm>
+            <a:off x="5379257" y="5165839"/>
+            <a:ext cx="6658414" cy="646331"/>
+          </a:xfrm>
+          <a:prstGeom prst="rect">
+            <a:avLst/>
+          </a:prstGeom>
+          <a:noFill/>
+        </p:spPr>
+        <p:txBody>
+          <a:bodyPr wrap="square" rtlCol="0">
+            <a:spAutoFit/>
+          </a:bodyPr>
+          <a:lstStyle/>
+          <a:p>
+            <a:r>
+              <a:rPr lang="en-GB" i="1" dirty="0"/>
+              <a:t>Figure 2a. The same as in Anja’s paper with the exception that the SNPs were called using GATK.</a:t>
+            </a:r>
+          </a:p>
+        </p:txBody>
+      </p:sp>
+      <p:cxnSp>
+        <p:nvCxnSpPr>
+          <p:cNvPr id="8" name="Straight Connector 7">
+            <a:extLst>
+              <a:ext uri="{FF2B5EF4-FFF2-40B4-BE49-F238E27FC236}">
+                <a16:creationId xmlns:a16="http://schemas.microsoft.com/office/drawing/2014/main" id="{BFA32B25-210E-7349-9A1E-4624507CF046}"/>
+              </a:ext>
+            </a:extLst>
+          </p:cNvPr>
+          <p:cNvCxnSpPr>
+            <a:cxnSpLocks/>
+          </p:cNvCxnSpPr>
+          <p:nvPr/>
+        </p:nvCxnSpPr>
+        <p:spPr>
+          <a:xfrm>
+            <a:off x="393539" y="1088020"/>
+            <a:ext cx="7901633" cy="0"/>
+          </a:xfrm>
+          <a:prstGeom prst="line">
+            <a:avLst/>
+          </a:prstGeom>
+          <a:ln w="57150">
+            <a:solidFill>
+              <a:schemeClr val="tx1"/>
+            </a:solidFill>
+          </a:ln>
+        </p:spPr>
+        <p:style>
+          <a:lnRef idx="1">
+            <a:schemeClr val="accent1"/>
+          </a:lnRef>
+          <a:fillRef idx="0">
+            <a:schemeClr val="accent1"/>
+          </a:fillRef>
+          <a:effectRef idx="0">
+            <a:schemeClr val="accent1"/>
+          </a:effectRef>
+          <a:fontRef idx="minor">
+            <a:schemeClr val="tx1"/>
+          </a:fontRef>
+        </p:style>
+      </p:cxnSp>
+      <p:cxnSp>
+        <p:nvCxnSpPr>
+          <p:cNvPr id="10" name="Straight Connector 9">
+            <a:extLst>
+              <a:ext uri="{FF2B5EF4-FFF2-40B4-BE49-F238E27FC236}">
+                <a16:creationId xmlns:a16="http://schemas.microsoft.com/office/drawing/2014/main" id="{91B10E0A-738E-594D-8BCA-621AD0368F34}"/>
+              </a:ext>
+            </a:extLst>
+          </p:cNvPr>
+          <p:cNvCxnSpPr>
+            <a:cxnSpLocks/>
+          </p:cNvCxnSpPr>
+          <p:nvPr/>
+        </p:nvCxnSpPr>
+        <p:spPr>
+          <a:xfrm>
+            <a:off x="393539" y="3080795"/>
+            <a:ext cx="7901633" cy="0"/>
+          </a:xfrm>
+          <a:prstGeom prst="line">
+            <a:avLst/>
+          </a:prstGeom>
+          <a:ln w="57150">
+            <a:solidFill>
+              <a:schemeClr val="tx1"/>
+            </a:solidFill>
+          </a:ln>
+        </p:spPr>
+        <p:style>
+          <a:lnRef idx="1">
+            <a:schemeClr val="accent1"/>
+          </a:lnRef>
+          <a:fillRef idx="0">
+            <a:schemeClr val="accent1"/>
+          </a:fillRef>
+          <a:effectRef idx="0">
+            <a:schemeClr val="accent1"/>
+          </a:effectRef>
+          <a:fontRef idx="minor">
+            <a:schemeClr val="tx1"/>
+          </a:fontRef>
+        </p:style>
+      </p:cxnSp>
+      <p:cxnSp>
+        <p:nvCxnSpPr>
+          <p:cNvPr id="11" name="Straight Connector 10">
+            <a:extLst>
+              <a:ext uri="{FF2B5EF4-FFF2-40B4-BE49-F238E27FC236}">
+                <a16:creationId xmlns:a16="http://schemas.microsoft.com/office/drawing/2014/main" id="{86EA1A3D-23B2-C146-B377-4A4EBF6DE001}"/>
+              </a:ext>
+            </a:extLst>
+          </p:cNvPr>
+          <p:cNvCxnSpPr>
+            <a:cxnSpLocks/>
+          </p:cNvCxnSpPr>
+          <p:nvPr/>
+        </p:nvCxnSpPr>
+        <p:spPr>
+          <a:xfrm>
+            <a:off x="393539" y="5073570"/>
+            <a:ext cx="7901633" cy="0"/>
+          </a:xfrm>
+          <a:prstGeom prst="line">
+            <a:avLst/>
+          </a:prstGeom>
+          <a:ln w="57150">
+            <a:solidFill>
+              <a:schemeClr val="tx1"/>
+            </a:solidFill>
+          </a:ln>
+        </p:spPr>
+        <p:style>
+          <a:lnRef idx="1">
+            <a:schemeClr val="accent1"/>
+          </a:lnRef>
+          <a:fillRef idx="0">
+            <a:schemeClr val="accent1"/>
+          </a:fillRef>
+          <a:effectRef idx="0">
+            <a:schemeClr val="accent1"/>
+          </a:effectRef>
+          <a:fontRef idx="minor">
+            <a:schemeClr val="tx1"/>
+          </a:fontRef>
+        </p:style>
+      </p:cxnSp>
+    </p:spTree>
+    <p:extLst>
+      <p:ext uri="{BB962C8B-B14F-4D97-AF65-F5344CB8AC3E}">
+        <p14:creationId xmlns:p14="http://schemas.microsoft.com/office/powerpoint/2010/main" val="2034600197"/>
+      </p:ext>
+    </p:extLst>
+  </p:cSld>
+  <p:clrMapOvr>
+    <a:masterClrMapping/>
+  </p:clrMapOvr>
+</p:sld>
+</file>
+
+<file path=ppt/slides/slide8.xml><?xml version="1.0" encoding="utf-8"?>
+<p:sld xmlns:a="http://schemas.openxmlformats.org/drawingml/2006/main" xmlns:r="http://schemas.openxmlformats.org/officeDocument/2006/relationships" xmlns:p="http://schemas.openxmlformats.org/presentationml/2006/main">
+  <p:cSld>
+    <p:spTree>
+      <p:nvGrpSpPr>
+        <p:cNvPr id="1" name=""/>
+        <p:cNvGrpSpPr/>
+        <p:nvPr/>
+      </p:nvGrpSpPr>
+      <p:grpSpPr>
+        <a:xfrm>
+          <a:off x="0" y="0"/>
+          <a:ext cx="0" cy="0"/>
+          <a:chOff x="0" y="0"/>
+          <a:chExt cx="0" cy="0"/>
+        </a:xfrm>
+      </p:grpSpPr>
+      <p:sp>
+        <p:nvSpPr>
+          <p:cNvPr id="4" name="TextBox 3">
+            <a:extLst>
+              <a:ext uri="{FF2B5EF4-FFF2-40B4-BE49-F238E27FC236}">
+                <a16:creationId xmlns:a16="http://schemas.microsoft.com/office/drawing/2014/main" id="{BBC0A1E3-8029-A149-9543-F9E009CEE386}"/>
+              </a:ext>
+            </a:extLst>
+          </p:cNvPr>
+          <p:cNvSpPr txBox="1"/>
+          <p:nvPr/>
+        </p:nvSpPr>
+        <p:spPr>
+          <a:xfrm>
+            <a:off x="3439820" y="277792"/>
+            <a:ext cx="1655518" cy="369332"/>
+          </a:xfrm>
+          <a:prstGeom prst="rect">
+            <a:avLst/>
+          </a:prstGeom>
+          <a:noFill/>
+        </p:spPr>
+        <p:txBody>
+          <a:bodyPr wrap="none" rtlCol="0">
+            <a:spAutoFit/>
+          </a:bodyPr>
+          <a:lstStyle/>
+          <a:p>
+            <a:r>
+              <a:rPr lang="en-GB" dirty="0"/>
+              <a:t>GATK INDEL call</a:t>
+            </a:r>
+          </a:p>
+        </p:txBody>
+      </p:sp>
+      <p:sp>
+        <p:nvSpPr>
+          <p:cNvPr id="6" name="TextBox 5">
+            <a:extLst>
+              <a:ext uri="{FF2B5EF4-FFF2-40B4-BE49-F238E27FC236}">
+                <a16:creationId xmlns:a16="http://schemas.microsoft.com/office/drawing/2014/main" id="{9CCBC790-4C93-E64D-91E1-2A0E4F58A609}"/>
+              </a:ext>
+            </a:extLst>
+          </p:cNvPr>
+          <p:cNvSpPr txBox="1"/>
+          <p:nvPr/>
+        </p:nvSpPr>
+        <p:spPr>
+          <a:xfrm>
+            <a:off x="5379257" y="5165839"/>
+            <a:ext cx="6658414" cy="369332"/>
+          </a:xfrm>
+          <a:prstGeom prst="rect">
+            <a:avLst/>
+          </a:prstGeom>
+          <a:noFill/>
+        </p:spPr>
+        <p:txBody>
+          <a:bodyPr wrap="square" rtlCol="0">
+            <a:spAutoFit/>
+          </a:bodyPr>
+          <a:lstStyle/>
+          <a:p>
+            <a:r>
+              <a:rPr lang="en-GB" i="1" dirty="0"/>
+              <a:t>Figure 2b. The same as in Anja’s paper but with INDELs.</a:t>
+            </a:r>
+          </a:p>
+        </p:txBody>
+      </p:sp>
+      <p:cxnSp>
+        <p:nvCxnSpPr>
+          <p:cNvPr id="8" name="Straight Connector 7">
+            <a:extLst>
+              <a:ext uri="{FF2B5EF4-FFF2-40B4-BE49-F238E27FC236}">
+                <a16:creationId xmlns:a16="http://schemas.microsoft.com/office/drawing/2014/main" id="{BFA32B25-210E-7349-9A1E-4624507CF046}"/>
+              </a:ext>
+            </a:extLst>
+          </p:cNvPr>
+          <p:cNvCxnSpPr>
+            <a:cxnSpLocks/>
+          </p:cNvCxnSpPr>
+          <p:nvPr/>
+        </p:nvCxnSpPr>
+        <p:spPr>
+          <a:xfrm>
+            <a:off x="393539" y="1088020"/>
+            <a:ext cx="7901633" cy="0"/>
+          </a:xfrm>
+          <a:prstGeom prst="line">
+            <a:avLst/>
+          </a:prstGeom>
+          <a:ln w="57150">
+            <a:solidFill>
+              <a:schemeClr val="tx1"/>
+            </a:solidFill>
+          </a:ln>
+        </p:spPr>
+        <p:style>
+          <a:lnRef idx="1">
+            <a:schemeClr val="accent1"/>
+          </a:lnRef>
+          <a:fillRef idx="0">
+            <a:schemeClr val="accent1"/>
+          </a:fillRef>
+          <a:effectRef idx="0">
+            <a:schemeClr val="accent1"/>
+          </a:effectRef>
+          <a:fontRef idx="minor">
+            <a:schemeClr val="tx1"/>
+          </a:fontRef>
+        </p:style>
+      </p:cxnSp>
+      <p:cxnSp>
+        <p:nvCxnSpPr>
+          <p:cNvPr id="10" name="Straight Connector 9">
+            <a:extLst>
+              <a:ext uri="{FF2B5EF4-FFF2-40B4-BE49-F238E27FC236}">
+                <a16:creationId xmlns:a16="http://schemas.microsoft.com/office/drawing/2014/main" id="{91B10E0A-738E-594D-8BCA-621AD0368F34}"/>
+              </a:ext>
+            </a:extLst>
+          </p:cNvPr>
+          <p:cNvCxnSpPr>
+            <a:cxnSpLocks/>
+          </p:cNvCxnSpPr>
+          <p:nvPr/>
+        </p:nvCxnSpPr>
+        <p:spPr>
+          <a:xfrm>
+            <a:off x="393539" y="3080795"/>
+            <a:ext cx="7901633" cy="0"/>
+          </a:xfrm>
+          <a:prstGeom prst="line">
+            <a:avLst/>
+          </a:prstGeom>
+          <a:ln w="57150">
+            <a:solidFill>
+              <a:schemeClr val="tx1"/>
+            </a:solidFill>
+          </a:ln>
+        </p:spPr>
+        <p:style>
+          <a:lnRef idx="1">
+            <a:schemeClr val="accent1"/>
+          </a:lnRef>
+          <a:fillRef idx="0">
+            <a:schemeClr val="accent1"/>
+          </a:fillRef>
+          <a:effectRef idx="0">
+            <a:schemeClr val="accent1"/>
+          </a:effectRef>
+          <a:fontRef idx="minor">
+            <a:schemeClr val="tx1"/>
+          </a:fontRef>
+        </p:style>
+      </p:cxnSp>
+      <p:cxnSp>
+        <p:nvCxnSpPr>
+          <p:cNvPr id="11" name="Straight Connector 10">
+            <a:extLst>
+              <a:ext uri="{FF2B5EF4-FFF2-40B4-BE49-F238E27FC236}">
+                <a16:creationId xmlns:a16="http://schemas.microsoft.com/office/drawing/2014/main" id="{86EA1A3D-23B2-C146-B377-4A4EBF6DE001}"/>
+              </a:ext>
+            </a:extLst>
+          </p:cNvPr>
+          <p:cNvCxnSpPr>
+            <a:cxnSpLocks/>
+          </p:cNvCxnSpPr>
+          <p:nvPr/>
+        </p:nvCxnSpPr>
+        <p:spPr>
+          <a:xfrm>
+            <a:off x="393539" y="5073570"/>
+            <a:ext cx="7901633" cy="0"/>
+          </a:xfrm>
+          <a:prstGeom prst="line">
+            <a:avLst/>
+          </a:prstGeom>
+          <a:ln w="57150">
+            <a:solidFill>
+              <a:schemeClr val="tx1"/>
+            </a:solidFill>
+          </a:ln>
+        </p:spPr>
+        <p:style>
+          <a:lnRef idx="1">
+            <a:schemeClr val="accent1"/>
+          </a:lnRef>
+          <a:fillRef idx="0">
+            <a:schemeClr val="accent1"/>
+          </a:fillRef>
+          <a:effectRef idx="0">
+            <a:schemeClr val="accent1"/>
+          </a:effectRef>
+          <a:fontRef idx="minor">
+            <a:schemeClr val="tx1"/>
+          </a:fontRef>
+        </p:style>
+      </p:cxnSp>
+    </p:spTree>
+    <p:extLst>
+      <p:ext uri="{BB962C8B-B14F-4D97-AF65-F5344CB8AC3E}">
+        <p14:creationId xmlns:p14="http://schemas.microsoft.com/office/powerpoint/2010/main" val="2945318723"/>
+      </p:ext>
+    </p:extLst>
+  </p:cSld>
+  <p:clrMapOvr>
+    <a:masterClrMapping/>
+  </p:clrMapOvr>
+</p:sld>
+</file>
+
+<file path=ppt/slides/slide9.xml><?xml version="1.0" encoding="utf-8"?>
+<p:sld xmlns:a="http://schemas.openxmlformats.org/drawingml/2006/main" xmlns:r="http://schemas.openxmlformats.org/officeDocument/2006/relationships" xmlns:p="http://schemas.openxmlformats.org/presentationml/2006/main">
+  <p:cSld>
+    <p:spTree>
+      <p:nvGrpSpPr>
+        <p:cNvPr id="1" name=""/>
+        <p:cNvGrpSpPr/>
+        <p:nvPr/>
+      </p:nvGrpSpPr>
+      <p:grpSpPr>
+        <a:xfrm>
+          <a:off x="0" y="0"/>
+          <a:ext cx="0" cy="0"/>
+          <a:chOff x="0" y="0"/>
+          <a:chExt cx="0" cy="0"/>
+        </a:xfrm>
+      </p:grpSpPr>
+      <p:sp>
+        <p:nvSpPr>
+          <p:cNvPr id="2" name="Rectangle 1">
+            <a:extLst>
+              <a:ext uri="{FF2B5EF4-FFF2-40B4-BE49-F238E27FC236}">
+                <a16:creationId xmlns:a16="http://schemas.microsoft.com/office/drawing/2014/main" id="{28EB9195-3465-C644-B592-B32C34D4FFCF}"/>
+              </a:ext>
+            </a:extLst>
+          </p:cNvPr>
+          <p:cNvSpPr/>
+          <p:nvPr/>
+        </p:nvSpPr>
+        <p:spPr>
+          <a:xfrm>
+            <a:off x="528115" y="409596"/>
+            <a:ext cx="4164153" cy="369332"/>
+          </a:xfrm>
+          <a:prstGeom prst="rect">
+            <a:avLst/>
+          </a:prstGeom>
+        </p:spPr>
+        <p:txBody>
+          <a:bodyPr wrap="none">
+            <a:spAutoFit/>
+          </a:bodyPr>
+          <a:lstStyle/>
+          <a:p>
+            <a:pPr marL="342900" indent="-342900">
+              <a:buFont typeface="+mj-lt"/>
+              <a:buAutoNum type="arabicPeriod" startAt="2"/>
+            </a:pPr>
+            <a:r>
+              <a:rPr lang="en-GB" b="1" dirty="0"/>
+              <a:t>Clustering of (different types) markers</a:t>
+            </a:r>
+          </a:p>
+        </p:txBody>
+      </p:sp>
+      <p:sp>
+        <p:nvSpPr>
+          <p:cNvPr id="12" name="TextBox 11">
+            <a:extLst>
+              <a:ext uri="{FF2B5EF4-FFF2-40B4-BE49-F238E27FC236}">
+                <a16:creationId xmlns:a16="http://schemas.microsoft.com/office/drawing/2014/main" id="{EE2B360A-DD67-7142-A309-F624C4AD0FFE}"/>
+              </a:ext>
+            </a:extLst>
+          </p:cNvPr>
+          <p:cNvSpPr txBox="1"/>
+          <p:nvPr/>
+        </p:nvSpPr>
+        <p:spPr>
+          <a:xfrm>
+            <a:off x="528115" y="811350"/>
+            <a:ext cx="5012078" cy="369332"/>
+          </a:xfrm>
+          <a:prstGeom prst="rect">
+            <a:avLst/>
+          </a:prstGeom>
+          <a:noFill/>
+        </p:spPr>
+        <p:txBody>
+          <a:bodyPr wrap="none" rtlCol="0">
+            <a:spAutoFit/>
+          </a:bodyPr>
+          <a:lstStyle/>
+          <a:p>
+            <a:pPr marL="285750" indent="-285750">
+              <a:buFont typeface="Arial" panose="020B0604020202020204" pitchFamily="34" charset="0"/>
+              <a:buChar char="•"/>
+            </a:pPr>
+            <a:r>
+              <a:rPr lang="en-GB" dirty="0"/>
+              <a:t>INDELs and SNPs after filtering and cline analysis</a:t>
+            </a:r>
+          </a:p>
+        </p:txBody>
+      </p:sp>
+      <mc:AlternateContent xmlns:mc="http://schemas.openxmlformats.org/markup-compatibility/2006">
+        <mc:Choice xmlns:a14="http://schemas.microsoft.com/office/drawing/2010/main" Requires="a14">
+          <p:sp>
+            <p:nvSpPr>
+              <p:cNvPr id="21" name="TextBox 20">
+                <a:extLst>
+                  <a:ext uri="{FF2B5EF4-FFF2-40B4-BE49-F238E27FC236}">
+                    <a16:creationId xmlns:a16="http://schemas.microsoft.com/office/drawing/2014/main" id="{EB528DF0-ED52-C643-A25D-EE710F3E6CF2}"/>
+                  </a:ext>
+                </a:extLst>
+              </p:cNvPr>
+              <p:cNvSpPr txBox="1"/>
+              <p:nvPr/>
+            </p:nvSpPr>
+            <p:spPr>
+              <a:xfrm>
+                <a:off x="528115" y="6002654"/>
+                <a:ext cx="10806121" cy="830997"/>
+              </a:xfrm>
+              <a:prstGeom prst="rect">
+                <a:avLst/>
+              </a:prstGeom>
+              <a:noFill/>
+            </p:spPr>
+            <p:txBody>
+              <a:bodyPr wrap="square" rtlCol="0">
+                <a:spAutoFit/>
+              </a:bodyPr>
+              <a:lstStyle/>
+              <a:p>
+                <a:r>
+                  <a:rPr lang="en-GB" sz="1600" i="1" dirty="0"/>
+                  <a:t>Figure 3a. Marker proportions over contig length. </a:t>
+                </a:r>
+                <a14:m>
+                  <m:oMath xmlns:m="http://schemas.openxmlformats.org/officeDocument/2006/math">
+                    <m:r>
+                      <a:rPr lang="sv-SE" sz="1600" b="0" i="1" smtClean="0">
+                        <a:latin typeface="Cambria Math" panose="02040503050406030204" pitchFamily="18" charset="0"/>
+                      </a:rPr>
+                      <m:t>𝑃𝑟𝑜𝑝𝑜𝑟𝑡𝑖𝑜𝑛</m:t>
+                    </m:r>
+                    <m:r>
+                      <a:rPr lang="sv-SE" sz="1600" b="0" i="1" smtClean="0">
+                        <a:latin typeface="Cambria Math" panose="02040503050406030204" pitchFamily="18" charset="0"/>
+                      </a:rPr>
+                      <m:t>=</m:t>
+                    </m:r>
+                    <m:f>
+                      <m:fPr>
+                        <m:type m:val="lin"/>
+                        <m:ctrlPr>
+                          <a:rPr lang="sv-SE" sz="1600" b="0" i="1" smtClean="0">
+                            <a:latin typeface="Cambria Math" panose="02040503050406030204" pitchFamily="18" charset="0"/>
+                          </a:rPr>
+                        </m:ctrlPr>
+                      </m:fPr>
+                      <m:num>
+                        <m:r>
+                          <a:rPr lang="sv-SE" sz="1600" b="0" i="1" smtClean="0">
+                            <a:latin typeface="Cambria Math" panose="02040503050406030204" pitchFamily="18" charset="0"/>
+                          </a:rPr>
+                          <m:t>𝑐𝑜𝑢𝑛𝑡</m:t>
+                        </m:r>
+                      </m:num>
+                      <m:den>
+                        <m:r>
+                          <m:rPr>
+                            <m:sty m:val="p"/>
+                          </m:rPr>
+                          <a:rPr lang="el-GR" sz="1600" b="0" i="1" smtClean="0">
+                            <a:latin typeface="Cambria Math" panose="02040503050406030204" pitchFamily="18" charset="0"/>
+                            <a:ea typeface="Cambria Math" panose="02040503050406030204" pitchFamily="18" charset="0"/>
+                          </a:rPr>
+                          <m:t>Σ</m:t>
+                        </m:r>
+                        <m:r>
+                          <a:rPr lang="sv-SE" sz="1600" b="0" i="1" smtClean="0">
+                            <a:latin typeface="Cambria Math" panose="02040503050406030204" pitchFamily="18" charset="0"/>
+                            <a:ea typeface="Cambria Math" panose="02040503050406030204" pitchFamily="18" charset="0"/>
+                          </a:rPr>
+                          <m:t> </m:t>
+                        </m:r>
+                        <m:r>
+                          <a:rPr lang="sv-SE" sz="1600" b="0" i="1" smtClean="0">
+                            <a:latin typeface="Cambria Math" panose="02040503050406030204" pitchFamily="18" charset="0"/>
+                            <a:ea typeface="Cambria Math" panose="02040503050406030204" pitchFamily="18" charset="0"/>
+                          </a:rPr>
+                          <m:t>𝑐𝑜𝑢𝑛𝑡</m:t>
+                        </m:r>
+                      </m:den>
+                    </m:f>
+                  </m:oMath>
+                </a14:m>
+                <a:r>
+                  <a:rPr lang="en-GB" sz="1600" i="1" dirty="0"/>
+                  <a:t> per marker type and bin width = 15000 base pairs. Clinal variants are dark coloured and non-clinal variants are light coloured. Left: SNP call using SAMtools and INDEL call using GATK. Right: both INDELs and SNPs were called with GATK.</a:t>
+                </a:r>
+              </a:p>
+            </p:txBody>
+          </p:sp>
+        </mc:Choice>
+        <mc:Fallback>
+          <p:sp>
+            <p:nvSpPr>
+              <p:cNvPr id="21" name="TextBox 20">
+                <a:extLst>
+                  <a:ext uri="{FF2B5EF4-FFF2-40B4-BE49-F238E27FC236}">
+                    <a16:creationId xmlns:a16="http://schemas.microsoft.com/office/drawing/2014/main" id="{EB528DF0-ED52-C643-A25D-EE710F3E6CF2}"/>
+                  </a:ext>
+                </a:extLst>
+              </p:cNvPr>
+              <p:cNvSpPr txBox="1">
+                <a:spLocks noRot="1" noChangeAspect="1" noMove="1" noResize="1" noEditPoints="1" noAdjustHandles="1" noChangeArrowheads="1" noChangeShapeType="1" noTextEdit="1"/>
+              </p:cNvSpPr>
+              <p:nvPr/>
+            </p:nvSpPr>
+            <p:spPr>
+              <a:xfrm>
+                <a:off x="528115" y="6002654"/>
+                <a:ext cx="10806121" cy="830997"/>
+              </a:xfrm>
+              <a:prstGeom prst="rect">
+                <a:avLst/>
+              </a:prstGeom>
+              <a:blipFill>
+                <a:blip r:embed="rId2"/>
+                <a:stretch>
+                  <a:fillRect l="-353" t="-45455" b="-13636"/>
+                </a:stretch>
+              </a:blipFill>
+            </p:spPr>
+            <p:txBody>
+              <a:bodyPr/>
+              <a:lstStyle/>
+              <a:p>
+                <a:r>
+                  <a:rPr lang="en-GB">
+                    <a:noFill/>
+                  </a:rPr>
+                  <a:t> </a:t>
+                </a:r>
+              </a:p>
+            </p:txBody>
+          </p:sp>
+        </mc:Fallback>
+      </mc:AlternateContent>
+      <p:pic>
+        <p:nvPicPr>
+          <p:cNvPr id="13" name="Picture 12">
+            <a:extLst>
+              <a:ext uri="{FF2B5EF4-FFF2-40B4-BE49-F238E27FC236}">
+                <a16:creationId xmlns:a16="http://schemas.microsoft.com/office/drawing/2014/main" id="{5C5BD71F-7247-0F4C-ACCE-522A0428BB58}"/>
+              </a:ext>
+            </a:extLst>
+          </p:cNvPr>
+          <p:cNvPicPr>
+            <a:picLocks noChangeAspect="1"/>
+          </p:cNvPicPr>
+          <p:nvPr/>
+        </p:nvPicPr>
+        <p:blipFill>
+          <a:blip r:embed="rId3"/>
+          <a:stretch>
+            <a:fillRect/>
+          </a:stretch>
+        </p:blipFill>
+        <p:spPr>
+          <a:xfrm>
+            <a:off x="934578" y="0"/>
+            <a:ext cx="0" cy="0"/>
+          </a:xfrm>
+          <a:prstGeom prst="rect">
+            <a:avLst/>
+          </a:prstGeom>
+        </p:spPr>
+      </p:pic>
+      <p:pic>
+        <p:nvPicPr>
+          <p:cNvPr id="15" name="Picture 14">
+            <a:extLst>
+              <a:ext uri="{FF2B5EF4-FFF2-40B4-BE49-F238E27FC236}">
+                <a16:creationId xmlns:a16="http://schemas.microsoft.com/office/drawing/2014/main" id="{EBE394C9-8E25-2746-A78F-121C8A879BD2}"/>
+              </a:ext>
+            </a:extLst>
+          </p:cNvPr>
+          <p:cNvPicPr>
+            <a:picLocks noChangeAspect="1"/>
+          </p:cNvPicPr>
+          <p:nvPr/>
+        </p:nvPicPr>
+        <p:blipFill>
+          <a:blip r:embed="rId4"/>
+          <a:stretch>
+            <a:fillRect/>
+          </a:stretch>
+        </p:blipFill>
+        <p:spPr>
+          <a:xfrm>
+            <a:off x="528115" y="1207500"/>
+            <a:ext cx="5040000" cy="2520000"/>
+          </a:xfrm>
+          <a:prstGeom prst="rect">
+            <a:avLst/>
+          </a:prstGeom>
+        </p:spPr>
+      </p:pic>
+      <p:pic>
+        <p:nvPicPr>
+          <p:cNvPr id="17" name="Picture 16">
+            <a:extLst>
+              <a:ext uri="{FF2B5EF4-FFF2-40B4-BE49-F238E27FC236}">
+                <a16:creationId xmlns:a16="http://schemas.microsoft.com/office/drawing/2014/main" id="{03EE4186-B3B4-F142-86E5-5DC225B6B5AC}"/>
+              </a:ext>
+            </a:extLst>
+          </p:cNvPr>
+          <p:cNvPicPr>
+            <a:picLocks noChangeAspect="1"/>
+          </p:cNvPicPr>
+          <p:nvPr/>
+        </p:nvPicPr>
+        <p:blipFill>
+          <a:blip r:embed="rId5"/>
+          <a:stretch>
+            <a:fillRect/>
+          </a:stretch>
+        </p:blipFill>
+        <p:spPr>
+          <a:xfrm>
+            <a:off x="528115" y="3482654"/>
+            <a:ext cx="5040000" cy="2520000"/>
+          </a:xfrm>
+          <a:prstGeom prst="rect">
+            <a:avLst/>
+          </a:prstGeom>
+        </p:spPr>
+      </p:pic>
+      <p:pic>
+        <p:nvPicPr>
+          <p:cNvPr id="19" name="Picture 18">
+            <a:extLst>
+              <a:ext uri="{FF2B5EF4-FFF2-40B4-BE49-F238E27FC236}">
+                <a16:creationId xmlns:a16="http://schemas.microsoft.com/office/drawing/2014/main" id="{160F0608-A0B7-0545-BE6D-F8EC0CA4795F}"/>
+              </a:ext>
+            </a:extLst>
+          </p:cNvPr>
+          <p:cNvPicPr>
+            <a:picLocks noChangeAspect="1"/>
+          </p:cNvPicPr>
+          <p:nvPr/>
+        </p:nvPicPr>
+        <p:blipFill>
+          <a:blip r:embed="rId4"/>
+          <a:stretch>
+            <a:fillRect/>
+          </a:stretch>
+        </p:blipFill>
+        <p:spPr>
+          <a:xfrm>
+            <a:off x="6294236" y="1207500"/>
+            <a:ext cx="5040000" cy="2520000"/>
+          </a:xfrm>
+          <a:prstGeom prst="rect">
+            <a:avLst/>
+          </a:prstGeom>
+        </p:spPr>
+      </p:pic>
+      <p:pic>
+        <p:nvPicPr>
+          <p:cNvPr id="20" name="Picture 19">
+            <a:extLst>
+              <a:ext uri="{FF2B5EF4-FFF2-40B4-BE49-F238E27FC236}">
+                <a16:creationId xmlns:a16="http://schemas.microsoft.com/office/drawing/2014/main" id="{3CC15D35-D657-8D45-A477-3C9BEBCEF428}"/>
+              </a:ext>
+            </a:extLst>
+          </p:cNvPr>
+          <p:cNvPicPr>
+            <a:picLocks noChangeAspect="1"/>
+          </p:cNvPicPr>
+          <p:nvPr/>
+        </p:nvPicPr>
+        <p:blipFill>
+          <a:blip r:embed="rId6"/>
+          <a:stretch>
+            <a:fillRect/>
+          </a:stretch>
+        </p:blipFill>
+        <p:spPr>
+          <a:xfrm>
+            <a:off x="6294236" y="3482654"/>
+            <a:ext cx="5040000" cy="2520000"/>
+          </a:xfrm>
+          <a:prstGeom prst="rect">
+            <a:avLst/>
+          </a:prstGeom>
+        </p:spPr>
+      </p:pic>
+    </p:spTree>
+    <p:extLst>
+      <p:ext uri="{BB962C8B-B14F-4D97-AF65-F5344CB8AC3E}">
+        <p14:creationId xmlns:p14="http://schemas.microsoft.com/office/powerpoint/2010/main" val="2585403068"/>
       </p:ext>
     </p:extLst>
   </p:cSld>

--- a/short_genetic_variants/docs/short_indels.pptx
+++ b/short_genetic_variants/docs/short_indels.pptx
@@ -211,7 +211,7 @@
           <a:p>
             <a:fld id="{ADC703C6-BB32-1847-9BA4-6A93FF920BED}" type="datetimeFigureOut">
               <a:rPr lang="en-GB" smtClean="0"/>
-              <a:t>23/06/2020</a:t>
+              <a:t>24/06/2020</a:t>
             </a:fld>
             <a:endParaRPr lang="en-GB"/>
           </a:p>
@@ -712,7 +712,7 @@
           <a:p>
             <a:fld id="{5C316670-22DA-CE45-BF19-C0B19D676291}" type="datetimeFigureOut">
               <a:rPr lang="en-GB" smtClean="0"/>
-              <a:t>23/06/2020</a:t>
+              <a:t>24/06/2020</a:t>
             </a:fld>
             <a:endParaRPr lang="en-GB"/>
           </a:p>
@@ -912,7 +912,7 @@
           <a:p>
             <a:fld id="{5C316670-22DA-CE45-BF19-C0B19D676291}" type="datetimeFigureOut">
               <a:rPr lang="en-GB" smtClean="0"/>
-              <a:t>23/06/2020</a:t>
+              <a:t>24/06/2020</a:t>
             </a:fld>
             <a:endParaRPr lang="en-GB"/>
           </a:p>
@@ -1122,7 +1122,7 @@
           <a:p>
             <a:fld id="{5C316670-22DA-CE45-BF19-C0B19D676291}" type="datetimeFigureOut">
               <a:rPr lang="en-GB" smtClean="0"/>
-              <a:t>23/06/2020</a:t>
+              <a:t>24/06/2020</a:t>
             </a:fld>
             <a:endParaRPr lang="en-GB"/>
           </a:p>
@@ -1322,7 +1322,7 @@
           <a:p>
             <a:fld id="{5C316670-22DA-CE45-BF19-C0B19D676291}" type="datetimeFigureOut">
               <a:rPr lang="en-GB" smtClean="0"/>
-              <a:t>23/06/2020</a:t>
+              <a:t>24/06/2020</a:t>
             </a:fld>
             <a:endParaRPr lang="en-GB"/>
           </a:p>
@@ -1598,7 +1598,7 @@
           <a:p>
             <a:fld id="{5C316670-22DA-CE45-BF19-C0B19D676291}" type="datetimeFigureOut">
               <a:rPr lang="en-GB" smtClean="0"/>
-              <a:t>23/06/2020</a:t>
+              <a:t>24/06/2020</a:t>
             </a:fld>
             <a:endParaRPr lang="en-GB"/>
           </a:p>
@@ -1866,7 +1866,7 @@
           <a:p>
             <a:fld id="{5C316670-22DA-CE45-BF19-C0B19D676291}" type="datetimeFigureOut">
               <a:rPr lang="en-GB" smtClean="0"/>
-              <a:t>23/06/2020</a:t>
+              <a:t>24/06/2020</a:t>
             </a:fld>
             <a:endParaRPr lang="en-GB"/>
           </a:p>
@@ -2281,7 +2281,7 @@
           <a:p>
             <a:fld id="{5C316670-22DA-CE45-BF19-C0B19D676291}" type="datetimeFigureOut">
               <a:rPr lang="en-GB" smtClean="0"/>
-              <a:t>23/06/2020</a:t>
+              <a:t>24/06/2020</a:t>
             </a:fld>
             <a:endParaRPr lang="en-GB"/>
           </a:p>
@@ -2423,7 +2423,7 @@
           <a:p>
             <a:fld id="{5C316670-22DA-CE45-BF19-C0B19D676291}" type="datetimeFigureOut">
               <a:rPr lang="en-GB" smtClean="0"/>
-              <a:t>23/06/2020</a:t>
+              <a:t>24/06/2020</a:t>
             </a:fld>
             <a:endParaRPr lang="en-GB"/>
           </a:p>
@@ -2536,7 +2536,7 @@
           <a:p>
             <a:fld id="{5C316670-22DA-CE45-BF19-C0B19D676291}" type="datetimeFigureOut">
               <a:rPr lang="en-GB" smtClean="0"/>
-              <a:t>23/06/2020</a:t>
+              <a:t>24/06/2020</a:t>
             </a:fld>
             <a:endParaRPr lang="en-GB"/>
           </a:p>
@@ -2849,7 +2849,7 @@
           <a:p>
             <a:fld id="{5C316670-22DA-CE45-BF19-C0B19D676291}" type="datetimeFigureOut">
               <a:rPr lang="en-GB" smtClean="0"/>
-              <a:t>23/06/2020</a:t>
+              <a:t>24/06/2020</a:t>
             </a:fld>
             <a:endParaRPr lang="en-GB"/>
           </a:p>
@@ -3138,7 +3138,7 @@
           <a:p>
             <a:fld id="{5C316670-22DA-CE45-BF19-C0B19D676291}" type="datetimeFigureOut">
               <a:rPr lang="en-GB" smtClean="0"/>
-              <a:t>23/06/2020</a:t>
+              <a:t>24/06/2020</a:t>
             </a:fld>
             <a:endParaRPr lang="en-GB"/>
           </a:p>
@@ -3381,7 +3381,7 @@
           <a:p>
             <a:fld id="{5C316670-22DA-CE45-BF19-C0B19D676291}" type="datetimeFigureOut">
               <a:rPr lang="en-GB" smtClean="0"/>
-              <a:t>23/06/2020</a:t>
+              <a:t>24/06/2020</a:t>
             </a:fld>
             <a:endParaRPr lang="en-GB"/>
           </a:p>
@@ -6208,6 +6208,45 @@
           </a:prstGeom>
         </p:spPr>
       </p:pic>
+      <p:sp>
+        <p:nvSpPr>
+          <p:cNvPr id="7" name="TextBox 6">
+            <a:extLst>
+              <a:ext uri="{FF2B5EF4-FFF2-40B4-BE49-F238E27FC236}">
+                <a16:creationId xmlns:a16="http://schemas.microsoft.com/office/drawing/2014/main" id="{A34A4DED-C22D-D340-8DD8-A92AA6452985}"/>
+              </a:ext>
+            </a:extLst>
+          </p:cNvPr>
+          <p:cNvSpPr txBox="1"/>
+          <p:nvPr/>
+        </p:nvSpPr>
+        <p:spPr>
+          <a:xfrm>
+            <a:off x="528115" y="1499563"/>
+            <a:ext cx="3292824" cy="369332"/>
+          </a:xfrm>
+          <a:prstGeom prst="rect">
+            <a:avLst/>
+          </a:prstGeom>
+          <a:noFill/>
+        </p:spPr>
+        <p:txBody>
+          <a:bodyPr wrap="none" rtlCol="0">
+            <a:spAutoFit/>
+          </a:bodyPr>
+          <a:lstStyle/>
+          <a:p>
+            <a:pPr marL="285750" indent="-285750">
+              <a:buFont typeface="Arial" panose="020B0604020202020204" pitchFamily="34" charset="0"/>
+              <a:buChar char="•"/>
+            </a:pPr>
+            <a:r>
+              <a:rPr lang="en-GB" dirty="0"/>
+              <a:t>All six hybrid zones combined.</a:t>
+            </a:r>
+          </a:p>
+        </p:txBody>
+      </p:sp>
     </p:spTree>
     <p:extLst>
       <p:ext uri="{BB962C8B-B14F-4D97-AF65-F5344CB8AC3E}">
@@ -6418,6 +6457,80 @@
           </a:p>
         </p:txBody>
       </p:sp>
+      <p:sp>
+        <p:nvSpPr>
+          <p:cNvPr id="7" name="TextBox 6">
+            <a:extLst>
+              <a:ext uri="{FF2B5EF4-FFF2-40B4-BE49-F238E27FC236}">
+                <a16:creationId xmlns:a16="http://schemas.microsoft.com/office/drawing/2014/main" id="{0B4004D7-42A5-614A-A3AB-37C9CD9224BB}"/>
+              </a:ext>
+            </a:extLst>
+          </p:cNvPr>
+          <p:cNvSpPr txBox="1"/>
+          <p:nvPr/>
+        </p:nvSpPr>
+        <p:spPr>
+          <a:xfrm>
+            <a:off x="528115" y="1499563"/>
+            <a:ext cx="3292824" cy="369332"/>
+          </a:xfrm>
+          <a:prstGeom prst="rect">
+            <a:avLst/>
+          </a:prstGeom>
+          <a:noFill/>
+        </p:spPr>
+        <p:txBody>
+          <a:bodyPr wrap="none" rtlCol="0">
+            <a:spAutoFit/>
+          </a:bodyPr>
+          <a:lstStyle/>
+          <a:p>
+            <a:pPr marL="285750" indent="-285750">
+              <a:buFont typeface="Arial" panose="020B0604020202020204" pitchFamily="34" charset="0"/>
+              <a:buChar char="•"/>
+            </a:pPr>
+            <a:r>
+              <a:rPr lang="en-GB" dirty="0"/>
+              <a:t>All six hybrid zones combined.</a:t>
+            </a:r>
+          </a:p>
+        </p:txBody>
+      </p:sp>
+      <p:sp>
+        <p:nvSpPr>
+          <p:cNvPr id="3" name="TextBox 2">
+            <a:extLst>
+              <a:ext uri="{FF2B5EF4-FFF2-40B4-BE49-F238E27FC236}">
+                <a16:creationId xmlns:a16="http://schemas.microsoft.com/office/drawing/2014/main" id="{CD188F6B-5B4A-1344-9EAE-99E14FF0C698}"/>
+              </a:ext>
+            </a:extLst>
+          </p:cNvPr>
+          <p:cNvSpPr txBox="1"/>
+          <p:nvPr/>
+        </p:nvSpPr>
+        <p:spPr>
+          <a:xfrm>
+            <a:off x="6952192" y="409596"/>
+            <a:ext cx="4657216" cy="646331"/>
+          </a:xfrm>
+          <a:prstGeom prst="rect">
+            <a:avLst/>
+          </a:prstGeom>
+          <a:noFill/>
+        </p:spPr>
+        <p:txBody>
+          <a:bodyPr wrap="square" rtlCol="0">
+            <a:spAutoFit/>
+          </a:bodyPr>
+          <a:lstStyle/>
+          <a:p>
+            <a:r>
+              <a:rPr lang="en-GB" b="1" dirty="0"/>
+              <a:t>For the joint AFS between INDELs and SNPs, see (attached) file short_indels.nb.html</a:t>
+            </a:r>
+          </a:p>
+        </p:txBody>
+      </p:sp>
     </p:spTree>
     <p:extLst>
       <p:ext uri="{BB962C8B-B14F-4D97-AF65-F5344CB8AC3E}">
@@ -7970,7 +8083,7 @@
           <a:p>
             <a:r>
               <a:rPr lang="en-GB" dirty="0"/>
-              <a:t>Except this difference in the total number of SNPs, the map positions look quite similar but I have not run any statistical tests</a:t>
+              <a:t>Except this difference in the total number of SNPs, the map positions look quite similar but I have not run any statistics to test for significance.</a:t>
             </a:r>
           </a:p>
         </p:txBody>
@@ -7990,7 +8103,7 @@
         <p:spPr>
           <a:xfrm>
             <a:off x="5379257" y="5165839"/>
-            <a:ext cx="6658414" cy="646331"/>
+            <a:ext cx="6658414" cy="923330"/>
           </a:xfrm>
           <a:prstGeom prst="rect">
             <a:avLst/>
@@ -8005,7 +8118,7 @@
           <a:p>
             <a:r>
               <a:rPr lang="en-GB" i="1" dirty="0"/>
-              <a:t>Figure 2a. The same as in Anja’s paper with the exception that the SNPs were called using GATK.</a:t>
+              <a:t>Figure 2a. The same as in Anja’s paper with the exception that the SNPs were called using GATK. ANG is crossed out because it was a copy of CZA right.</a:t>
             </a:r>
           </a:p>
         </p:txBody>
@@ -8113,7 +8226,7 @@
         <p:spPr>
           <a:xfrm>
             <a:off x="393539" y="5073570"/>
-            <a:ext cx="7901633" cy="0"/>
+            <a:ext cx="4861367" cy="0"/>
           </a:xfrm>
           <a:prstGeom prst="line">
             <a:avLst/>
@@ -8169,6 +8282,35 @@
           <a:chExt cx="0" cy="0"/>
         </a:xfrm>
       </p:grpSpPr>
+      <p:pic>
+        <p:nvPicPr>
+          <p:cNvPr id="3" name="Picture 2">
+            <a:extLst>
+              <a:ext uri="{FF2B5EF4-FFF2-40B4-BE49-F238E27FC236}">
+                <a16:creationId xmlns:a16="http://schemas.microsoft.com/office/drawing/2014/main" id="{06751C45-9F33-9944-BE6F-A6C08AE80E91}"/>
+              </a:ext>
+            </a:extLst>
+          </p:cNvPr>
+          <p:cNvPicPr>
+            <a:picLocks noChangeAspect="1"/>
+          </p:cNvPicPr>
+          <p:nvPr/>
+        </p:nvPicPr>
+        <p:blipFill rotWithShape="1">
+          <a:blip r:embed="rId2"/>
+          <a:srcRect l="3384" b="50548"/>
+          <a:stretch/>
+        </p:blipFill>
+        <p:spPr>
+          <a:xfrm>
+            <a:off x="208344" y="704667"/>
+            <a:ext cx="9143563" cy="4680000"/>
+          </a:xfrm>
+          <a:prstGeom prst="rect">
+            <a:avLst/>
+          </a:prstGeom>
+        </p:spPr>
+      </p:pic>
       <p:sp>
         <p:nvSpPr>
           <p:cNvPr id="4" name="TextBox 3">
@@ -8219,7 +8361,7 @@
         <p:spPr>
           <a:xfrm>
             <a:off x="5379257" y="5165839"/>
-            <a:ext cx="6658414" cy="369332"/>
+            <a:ext cx="6658414" cy="646331"/>
           </a:xfrm>
           <a:prstGeom prst="rect">
             <a:avLst/>
@@ -8234,7 +8376,7 @@
           <a:p>
             <a:r>
               <a:rPr lang="en-GB" i="1" dirty="0"/>
-              <a:t>Figure 2b. The same as in Anja’s paper but with INDELs.</a:t>
+              <a:t>Figure 2b. The same as in Anja’s paper but with INDELs. ANG is crossed out because it was a copy of CZA right.</a:t>
             </a:r>
           </a:p>
         </p:txBody>
@@ -8256,7 +8398,7 @@
         <p:spPr>
           <a:xfrm>
             <a:off x="393539" y="1088020"/>
-            <a:ext cx="7901633" cy="0"/>
+            <a:ext cx="8958368" cy="0"/>
           </a:xfrm>
           <a:prstGeom prst="line">
             <a:avLst/>
@@ -8298,51 +8440,8 @@
         </p:nvCxnSpPr>
         <p:spPr>
           <a:xfrm>
-            <a:off x="393539" y="3080795"/>
-            <a:ext cx="7901633" cy="0"/>
-          </a:xfrm>
-          <a:prstGeom prst="line">
-            <a:avLst/>
-          </a:prstGeom>
-          <a:ln w="57150">
-            <a:solidFill>
-              <a:schemeClr val="tx1"/>
-            </a:solidFill>
-          </a:ln>
-        </p:spPr>
-        <p:style>
-          <a:lnRef idx="1">
-            <a:schemeClr val="accent1"/>
-          </a:lnRef>
-          <a:fillRef idx="0">
-            <a:schemeClr val="accent1"/>
-          </a:fillRef>
-          <a:effectRef idx="0">
-            <a:schemeClr val="accent1"/>
-          </a:effectRef>
-          <a:fontRef idx="minor">
-            <a:schemeClr val="tx1"/>
-          </a:fontRef>
-        </p:style>
-      </p:cxnSp>
-      <p:cxnSp>
-        <p:nvCxnSpPr>
-          <p:cNvPr id="11" name="Straight Connector 10">
-            <a:extLst>
-              <a:ext uri="{FF2B5EF4-FFF2-40B4-BE49-F238E27FC236}">
-                <a16:creationId xmlns:a16="http://schemas.microsoft.com/office/drawing/2014/main" id="{86EA1A3D-23B2-C146-B377-4A4EBF6DE001}"/>
-              </a:ext>
-            </a:extLst>
-          </p:cNvPr>
-          <p:cNvCxnSpPr>
-            <a:cxnSpLocks/>
-          </p:cNvCxnSpPr>
-          <p:nvPr/>
-        </p:nvCxnSpPr>
-        <p:spPr>
-          <a:xfrm>
-            <a:off x="393539" y="5073570"/>
-            <a:ext cx="7901633" cy="0"/>
+            <a:off x="393539" y="3404886"/>
+            <a:ext cx="8958368" cy="0"/>
           </a:xfrm>
           <a:prstGeom prst="line">
             <a:avLst/>
@@ -8451,7 +8550,7 @@
         <p:spPr>
           <a:xfrm>
             <a:off x="528115" y="811350"/>
-            <a:ext cx="5012078" cy="369332"/>
+            <a:ext cx="5069786" cy="369332"/>
           </a:xfrm>
           <a:prstGeom prst="rect">
             <a:avLst/>
@@ -8470,13 +8569,13 @@
             </a:pPr>
             <a:r>
               <a:rPr lang="en-GB" dirty="0"/>
-              <a:t>INDELs and SNPs after filtering and cline analysis</a:t>
-            </a:r>
-          </a:p>
-        </p:txBody>
-      </p:sp>
-      <mc:AlternateContent xmlns:mc="http://schemas.openxmlformats.org/markup-compatibility/2006">
-        <mc:Choice xmlns:a14="http://schemas.microsoft.com/office/drawing/2010/main" Requires="a14">
+              <a:t>INDELs and SNPs after filtering and cline analysis.</a:t>
+            </a:r>
+          </a:p>
+        </p:txBody>
+      </p:sp>
+      <mc:AlternateContent xmlns:mc="http://schemas.openxmlformats.org/markup-compatibility/2006" xmlns:a14="http://schemas.microsoft.com/office/drawing/2010/main">
+        <mc:Choice Requires="a14">
           <p:sp>
             <p:nvSpPr>
               <p:cNvPr id="21" name="TextBox 20">
@@ -8577,7 +8676,7 @@
             </p:txBody>
           </p:sp>
         </mc:Choice>
-        <mc:Fallback>
+        <mc:Fallback xmlns="">
           <p:sp>
             <p:nvSpPr>
               <p:cNvPr id="21" name="TextBox 20">
@@ -8772,6 +8871,45 @@
           </a:prstGeom>
         </p:spPr>
       </p:pic>
+      <p:sp>
+        <p:nvSpPr>
+          <p:cNvPr id="10" name="TextBox 9">
+            <a:extLst>
+              <a:ext uri="{FF2B5EF4-FFF2-40B4-BE49-F238E27FC236}">
+                <a16:creationId xmlns:a16="http://schemas.microsoft.com/office/drawing/2014/main" id="{FAAE64C4-0597-BE4E-AA0C-C2E80A8CCFF1}"/>
+              </a:ext>
+            </a:extLst>
+          </p:cNvPr>
+          <p:cNvSpPr txBox="1"/>
+          <p:nvPr/>
+        </p:nvSpPr>
+        <p:spPr>
+          <a:xfrm>
+            <a:off x="5657629" y="811350"/>
+            <a:ext cx="3292824" cy="369332"/>
+          </a:xfrm>
+          <a:prstGeom prst="rect">
+            <a:avLst/>
+          </a:prstGeom>
+          <a:noFill/>
+        </p:spPr>
+        <p:txBody>
+          <a:bodyPr wrap="none" rtlCol="0">
+            <a:spAutoFit/>
+          </a:bodyPr>
+          <a:lstStyle/>
+          <a:p>
+            <a:pPr marL="285750" indent="-285750">
+              <a:buFont typeface="Arial" panose="020B0604020202020204" pitchFamily="34" charset="0"/>
+              <a:buChar char="•"/>
+            </a:pPr>
+            <a:r>
+              <a:rPr lang="en-GB" dirty="0"/>
+              <a:t>All six hybrid zones combined.</a:t>
+            </a:r>
+          </a:p>
+        </p:txBody>
+      </p:sp>
     </p:spTree>
     <p:extLst>
       <p:ext uri="{BB962C8B-B14F-4D97-AF65-F5344CB8AC3E}">

--- a/short_genetic_variants/docs/short_indels.pptx
+++ b/short_genetic_variants/docs/short_indels.pptx
@@ -5,7 +5,7 @@
     <p:sldMasterId id="2147483648" r:id="rId1"/>
   </p:sldMasterIdLst>
   <p:notesMasterIdLst>
-    <p:notesMasterId r:id="rId17"/>
+    <p:notesMasterId r:id="rId22"/>
   </p:notesMasterIdLst>
   <p:sldIdLst>
     <p:sldId id="256" r:id="rId2"/>
@@ -23,6 +23,11 @@
     <p:sldId id="266" r:id="rId14"/>
     <p:sldId id="267" r:id="rId15"/>
     <p:sldId id="269" r:id="rId16"/>
+    <p:sldId id="273" r:id="rId17"/>
+    <p:sldId id="274" r:id="rId18"/>
+    <p:sldId id="275" r:id="rId19"/>
+    <p:sldId id="277" r:id="rId20"/>
+    <p:sldId id="276" r:id="rId21"/>
   </p:sldIdLst>
   <p:sldSz cx="12192000" cy="6858000"/>
   <p:notesSz cx="6858000" cy="9144000"/>
@@ -211,7 +216,7 @@
           <a:p>
             <a:fld id="{ADC703C6-BB32-1847-9BA4-6A93FF920BED}" type="datetimeFigureOut">
               <a:rPr lang="en-GB" smtClean="0"/>
-              <a:t>24/06/2020</a:t>
+              <a:t>01/07/2020</a:t>
             </a:fld>
             <a:endParaRPr lang="en-GB"/>
           </a:p>
@@ -712,7 +717,7 @@
           <a:p>
             <a:fld id="{5C316670-22DA-CE45-BF19-C0B19D676291}" type="datetimeFigureOut">
               <a:rPr lang="en-GB" smtClean="0"/>
-              <a:t>24/06/2020</a:t>
+              <a:t>01/07/2020</a:t>
             </a:fld>
             <a:endParaRPr lang="en-GB"/>
           </a:p>
@@ -912,7 +917,7 @@
           <a:p>
             <a:fld id="{5C316670-22DA-CE45-BF19-C0B19D676291}" type="datetimeFigureOut">
               <a:rPr lang="en-GB" smtClean="0"/>
-              <a:t>24/06/2020</a:t>
+              <a:t>01/07/2020</a:t>
             </a:fld>
             <a:endParaRPr lang="en-GB"/>
           </a:p>
@@ -1122,7 +1127,7 @@
           <a:p>
             <a:fld id="{5C316670-22DA-CE45-BF19-C0B19D676291}" type="datetimeFigureOut">
               <a:rPr lang="en-GB" smtClean="0"/>
-              <a:t>24/06/2020</a:t>
+              <a:t>01/07/2020</a:t>
             </a:fld>
             <a:endParaRPr lang="en-GB"/>
           </a:p>
@@ -1322,7 +1327,7 @@
           <a:p>
             <a:fld id="{5C316670-22DA-CE45-BF19-C0B19D676291}" type="datetimeFigureOut">
               <a:rPr lang="en-GB" smtClean="0"/>
-              <a:t>24/06/2020</a:t>
+              <a:t>01/07/2020</a:t>
             </a:fld>
             <a:endParaRPr lang="en-GB"/>
           </a:p>
@@ -1598,7 +1603,7 @@
           <a:p>
             <a:fld id="{5C316670-22DA-CE45-BF19-C0B19D676291}" type="datetimeFigureOut">
               <a:rPr lang="en-GB" smtClean="0"/>
-              <a:t>24/06/2020</a:t>
+              <a:t>01/07/2020</a:t>
             </a:fld>
             <a:endParaRPr lang="en-GB"/>
           </a:p>
@@ -1866,7 +1871,7 @@
           <a:p>
             <a:fld id="{5C316670-22DA-CE45-BF19-C0B19D676291}" type="datetimeFigureOut">
               <a:rPr lang="en-GB" smtClean="0"/>
-              <a:t>24/06/2020</a:t>
+              <a:t>01/07/2020</a:t>
             </a:fld>
             <a:endParaRPr lang="en-GB"/>
           </a:p>
@@ -2281,7 +2286,7 @@
           <a:p>
             <a:fld id="{5C316670-22DA-CE45-BF19-C0B19D676291}" type="datetimeFigureOut">
               <a:rPr lang="en-GB" smtClean="0"/>
-              <a:t>24/06/2020</a:t>
+              <a:t>01/07/2020</a:t>
             </a:fld>
             <a:endParaRPr lang="en-GB"/>
           </a:p>
@@ -2423,7 +2428,7 @@
           <a:p>
             <a:fld id="{5C316670-22DA-CE45-BF19-C0B19D676291}" type="datetimeFigureOut">
               <a:rPr lang="en-GB" smtClean="0"/>
-              <a:t>24/06/2020</a:t>
+              <a:t>01/07/2020</a:t>
             </a:fld>
             <a:endParaRPr lang="en-GB"/>
           </a:p>
@@ -2536,7 +2541,7 @@
           <a:p>
             <a:fld id="{5C316670-22DA-CE45-BF19-C0B19D676291}" type="datetimeFigureOut">
               <a:rPr lang="en-GB" smtClean="0"/>
-              <a:t>24/06/2020</a:t>
+              <a:t>01/07/2020</a:t>
             </a:fld>
             <a:endParaRPr lang="en-GB"/>
           </a:p>
@@ -2849,7 +2854,7 @@
           <a:p>
             <a:fld id="{5C316670-22DA-CE45-BF19-C0B19D676291}" type="datetimeFigureOut">
               <a:rPr lang="en-GB" smtClean="0"/>
-              <a:t>24/06/2020</a:t>
+              <a:t>01/07/2020</a:t>
             </a:fld>
             <a:endParaRPr lang="en-GB"/>
           </a:p>
@@ -3138,7 +3143,7 @@
           <a:p>
             <a:fld id="{5C316670-22DA-CE45-BF19-C0B19D676291}" type="datetimeFigureOut">
               <a:rPr lang="en-GB" smtClean="0"/>
-              <a:t>24/06/2020</a:t>
+              <a:t>01/07/2020</a:t>
             </a:fld>
             <a:endParaRPr lang="en-GB"/>
           </a:p>
@@ -3381,7 +3386,7 @@
           <a:p>
             <a:fld id="{5C316670-22DA-CE45-BF19-C0B19D676291}" type="datetimeFigureOut">
               <a:rPr lang="en-GB" smtClean="0"/>
-              <a:t>24/06/2020</a:t>
+              <a:t>01/07/2020</a:t>
             </a:fld>
             <a:endParaRPr lang="en-GB"/>
           </a:p>
@@ -5922,7 +5927,7 @@
             </a:pPr>
             <a:r>
               <a:rPr lang="en-GB" dirty="0"/>
-              <a:t>Ancestral allele was inferred from called genotypes:</a:t>
+              <a:t>Ancestral state was inferred from called genotypes:</a:t>
             </a:r>
             <a:br>
               <a:rPr lang="en-GB" dirty="0"/>
@@ -5942,7 +5947,7 @@
               <a:rPr lang="en-GB" dirty="0"/>
             </a:br>
             <a:r>
-              <a:rPr lang="en-GB" i="1" dirty="0" err="1"/>
+              <a:rPr lang="en-GB" i="1" dirty="0"/>
               <a:t>compressa</a:t>
             </a:r>
             <a:r>
@@ -5967,7 +5972,7 @@
               <a:rPr lang="en-GB" dirty="0"/>
             </a:br>
             <a:r>
-              <a:rPr lang="en-GB" i="1" dirty="0" err="1"/>
+              <a:rPr lang="en-GB" i="1" dirty="0"/>
               <a:t>compressa</a:t>
             </a:r>
             <a:r>
@@ -5992,12 +5997,8 @@
               <a:rPr lang="en-GB" dirty="0"/>
             </a:br>
             <a:r>
-              <a:rPr lang="en-GB" i="1" dirty="0" err="1"/>
-              <a:t>compressa</a:t>
-            </a:r>
-            <a:r>
               <a:rPr lang="en-GB" i="1" dirty="0"/>
-              <a:t> </a:t>
+              <a:t>compressa </a:t>
             </a:r>
             <a:r>
               <a:rPr lang="en-GB" dirty="0"/>
@@ -6096,7 +6097,7 @@
           <a:p>
             <a:r>
               <a:rPr lang="en-GB" i="1" dirty="0"/>
-              <a:t>Figure 4a. Proportions of minor allele frequencies of INDELs (left) and SNPs (right) after filtering but before cline analysis. Bin width is 0.01 and orange dashed line marks the maf filter in the cline analysis (0.1).</a:t>
+              <a:t>Figure 4. Proportions of minor allele frequencies of INDELs (left) and SNPs (right) after filtering but before cline analysis. Bin width is 0.01 and orange dashed line marks the maf filter in the cline analysis (0.1).</a:t>
             </a:r>
           </a:p>
         </p:txBody>
@@ -6337,7 +6338,7 @@
           <a:p>
             <a:r>
               <a:rPr lang="en-GB" i="1" dirty="0"/>
-              <a:t>Figure 5a. Proportions of minor allele frequencies of INDELs (left) and SNPs (right) after filtering and cline analysis. Bin width is 0.05. Clinal variants are dark coloured and non-clinal variants are light coloured.</a:t>
+              <a:t>Figure 5. Proportions of minor allele frequencies of INDELs (left) and SNPs (right) after filtering and cline analysis. Bin width is 0.05. Clinal variants are dark coloured and non-clinal variants are light coloured.</a:t>
             </a:r>
           </a:p>
         </p:txBody>
@@ -6535,6 +6536,2353 @@
     <p:extLst>
       <p:ext uri="{BB962C8B-B14F-4D97-AF65-F5344CB8AC3E}">
         <p14:creationId xmlns:p14="http://schemas.microsoft.com/office/powerpoint/2010/main" val="861808505"/>
+      </p:ext>
+    </p:extLst>
+  </p:cSld>
+  <p:clrMapOvr>
+    <a:masterClrMapping/>
+  </p:clrMapOvr>
+</p:sld>
+</file>
+
+<file path=ppt/slides/slide16.xml><?xml version="1.0" encoding="utf-8"?>
+<p:sld xmlns:a="http://schemas.openxmlformats.org/drawingml/2006/main" xmlns:r="http://schemas.openxmlformats.org/officeDocument/2006/relationships" xmlns:p="http://schemas.openxmlformats.org/presentationml/2006/main">
+  <p:cSld>
+    <p:spTree>
+      <p:nvGrpSpPr>
+        <p:cNvPr id="1" name=""/>
+        <p:cNvGrpSpPr/>
+        <p:nvPr/>
+      </p:nvGrpSpPr>
+      <p:grpSpPr>
+        <a:xfrm>
+          <a:off x="0" y="0"/>
+          <a:ext cx="0" cy="0"/>
+          <a:chOff x="0" y="0"/>
+          <a:chExt cx="0" cy="0"/>
+        </a:xfrm>
+      </p:grpSpPr>
+      <p:sp>
+        <p:nvSpPr>
+          <p:cNvPr id="2" name="Rectangle 1">
+            <a:extLst>
+              <a:ext uri="{FF2B5EF4-FFF2-40B4-BE49-F238E27FC236}">
+                <a16:creationId xmlns:a16="http://schemas.microsoft.com/office/drawing/2014/main" id="{28EB9195-3465-C644-B592-B32C34D4FFCF}"/>
+              </a:ext>
+            </a:extLst>
+          </p:cNvPr>
+          <p:cNvSpPr/>
+          <p:nvPr/>
+        </p:nvSpPr>
+        <p:spPr>
+          <a:xfrm>
+            <a:off x="528115" y="409596"/>
+            <a:ext cx="3844450" cy="369332"/>
+          </a:xfrm>
+          <a:prstGeom prst="rect">
+            <a:avLst/>
+          </a:prstGeom>
+        </p:spPr>
+        <p:txBody>
+          <a:bodyPr wrap="none">
+            <a:spAutoFit/>
+          </a:bodyPr>
+          <a:lstStyle/>
+          <a:p>
+            <a:pPr marL="342900" indent="-342900">
+              <a:buFont typeface="+mj-lt"/>
+              <a:buAutoNum type="arabicPeriod" startAt="3"/>
+            </a:pPr>
+            <a:r>
+              <a:rPr lang="en-GB" b="1" dirty="0"/>
+              <a:t>Derived allele frequencies - INDELs</a:t>
+            </a:r>
+          </a:p>
+        </p:txBody>
+      </p:sp>
+      <p:sp>
+        <p:nvSpPr>
+          <p:cNvPr id="12" name="TextBox 11">
+            <a:extLst>
+              <a:ext uri="{FF2B5EF4-FFF2-40B4-BE49-F238E27FC236}">
+                <a16:creationId xmlns:a16="http://schemas.microsoft.com/office/drawing/2014/main" id="{EE2B360A-DD67-7142-A309-F624C4AD0FFE}"/>
+              </a:ext>
+            </a:extLst>
+          </p:cNvPr>
+          <p:cNvSpPr txBox="1"/>
+          <p:nvPr/>
+        </p:nvSpPr>
+        <p:spPr>
+          <a:xfrm>
+            <a:off x="528116" y="891445"/>
+            <a:ext cx="3976152" cy="1938992"/>
+          </a:xfrm>
+          <a:prstGeom prst="rect">
+            <a:avLst/>
+          </a:prstGeom>
+          <a:noFill/>
+        </p:spPr>
+        <p:txBody>
+          <a:bodyPr wrap="square" rtlCol="0">
+            <a:spAutoFit/>
+          </a:bodyPr>
+          <a:lstStyle/>
+          <a:p>
+            <a:pPr marL="285750" indent="-285750">
+              <a:buFont typeface="Arial" panose="020B0604020202020204" pitchFamily="34" charset="0"/>
+              <a:buChar char="•"/>
+            </a:pPr>
+            <a:r>
+              <a:rPr lang="en-GB" sz="1200" dirty="0"/>
+              <a:t>Ancestral state was inferred from called genotypes:</a:t>
+            </a:r>
+            <a:br>
+              <a:rPr lang="en-GB" sz="1200" dirty="0"/>
+            </a:br>
+            <a:endParaRPr lang="en-GB" sz="1200" dirty="0"/>
+          </a:p>
+          <a:p>
+            <a:pPr marL="800100" lvl="1" indent="-342900">
+              <a:buFont typeface="+mj-lt"/>
+              <a:buAutoNum type="arabicPeriod"/>
+            </a:pPr>
+            <a:r>
+              <a:rPr lang="en-GB" sz="1200" dirty="0"/>
+              <a:t>Reference allele = ancestral allele = </a:t>
+            </a:r>
+            <a:r>
+              <a:rPr lang="en-GB" sz="1200" dirty="0" err="1"/>
+              <a:t>ref_anc</a:t>
+            </a:r>
+            <a:br>
+              <a:rPr lang="en-GB" sz="1200" dirty="0"/>
+            </a:br>
+            <a:r>
+              <a:rPr lang="en-GB" sz="1200" i="1" dirty="0"/>
+              <a:t>compressa</a:t>
+            </a:r>
+            <a:r>
+              <a:rPr lang="en-GB" sz="1200" dirty="0"/>
+              <a:t> is homo for the reference allele (0)</a:t>
+            </a:r>
+            <a:br>
+              <a:rPr lang="en-GB" sz="1200" dirty="0"/>
+            </a:br>
+            <a:endParaRPr lang="en-GB" sz="1200" dirty="0"/>
+          </a:p>
+          <a:p>
+            <a:pPr marL="800100" lvl="1" indent="-342900">
+              <a:buFont typeface="+mj-lt"/>
+              <a:buAutoNum type="arabicPeriod"/>
+            </a:pPr>
+            <a:r>
+              <a:rPr lang="en-GB" sz="1200" dirty="0"/>
+              <a:t>Alternative allele = ancestral allele = </a:t>
+            </a:r>
+            <a:r>
+              <a:rPr lang="en-GB" sz="1200" dirty="0" err="1"/>
+              <a:t>alt_anc</a:t>
+            </a:r>
+            <a:br>
+              <a:rPr lang="en-GB" sz="1200" dirty="0"/>
+            </a:br>
+            <a:r>
+              <a:rPr lang="en-GB" sz="1200" i="1" dirty="0"/>
+              <a:t>compressa</a:t>
+            </a:r>
+            <a:r>
+              <a:rPr lang="en-GB" sz="1200" dirty="0"/>
+              <a:t> is homo for the alternative allele (2)</a:t>
+            </a:r>
+            <a:br>
+              <a:rPr lang="en-GB" sz="1200" dirty="0"/>
+            </a:br>
+            <a:endParaRPr lang="en-GB" sz="1200" dirty="0"/>
+          </a:p>
+          <a:p>
+            <a:pPr marL="800100" lvl="1" indent="-342900">
+              <a:buFont typeface="+mj-lt"/>
+              <a:buAutoNum type="arabicPeriod"/>
+            </a:pPr>
+            <a:r>
+              <a:rPr lang="en-GB" sz="1200" dirty="0"/>
+              <a:t>Unknown ancestry = het</a:t>
+            </a:r>
+            <a:br>
+              <a:rPr lang="en-GB" sz="1200" dirty="0"/>
+            </a:br>
+            <a:r>
+              <a:rPr lang="en-GB" sz="1200" i="1" dirty="0"/>
+              <a:t>compressa </a:t>
+            </a:r>
+            <a:r>
+              <a:rPr lang="en-GB" sz="1200" dirty="0"/>
+              <a:t>is het (1)</a:t>
+            </a:r>
+          </a:p>
+        </p:txBody>
+      </p:sp>
+      <p:sp>
+        <p:nvSpPr>
+          <p:cNvPr id="10" name="TextBox 9">
+            <a:extLst>
+              <a:ext uri="{FF2B5EF4-FFF2-40B4-BE49-F238E27FC236}">
+                <a16:creationId xmlns:a16="http://schemas.microsoft.com/office/drawing/2014/main" id="{FAD7677D-CF08-2A48-BCD6-BF0C89FAEF58}"/>
+              </a:ext>
+            </a:extLst>
+          </p:cNvPr>
+          <p:cNvSpPr txBox="1"/>
+          <p:nvPr/>
+        </p:nvSpPr>
+        <p:spPr>
+          <a:xfrm>
+            <a:off x="5204178" y="218137"/>
+            <a:ext cx="6459706" cy="1569660"/>
+          </a:xfrm>
+          <a:prstGeom prst="rect">
+            <a:avLst/>
+          </a:prstGeom>
+          <a:noFill/>
+        </p:spPr>
+        <p:txBody>
+          <a:bodyPr wrap="square" rtlCol="0">
+            <a:spAutoFit/>
+          </a:bodyPr>
+          <a:lstStyle/>
+          <a:p>
+            <a:pPr algn="just"/>
+            <a:r>
+              <a:rPr lang="en-GB" sz="1600" i="1" dirty="0"/>
+              <a:t>Table 1. Count of INDELs and SNPs for each combination of possible allelic states given one outgroup (L. compressa) with two samples (NE and W). There are two combinations in which the allelic state is concordant in both samples (in green), eight in which the allelic state can only be retrieved from one sample (in yellow) and finally, five in which the allelic state cannot be inferred (in red).</a:t>
+            </a:r>
+          </a:p>
+        </p:txBody>
+      </p:sp>
+      <p:graphicFrame>
+        <p:nvGraphicFramePr>
+          <p:cNvPr id="11" name="Table 10">
+            <a:extLst>
+              <a:ext uri="{FF2B5EF4-FFF2-40B4-BE49-F238E27FC236}">
+                <a16:creationId xmlns:a16="http://schemas.microsoft.com/office/drawing/2014/main" id="{277FA5A2-C925-FB43-AB2E-F48C0A90A884}"/>
+              </a:ext>
+            </a:extLst>
+          </p:cNvPr>
+          <p:cNvGraphicFramePr>
+            <a:graphicFrameLocks noGrp="1"/>
+          </p:cNvGraphicFramePr>
+          <p:nvPr>
+            <p:extLst>
+              <p:ext uri="{D42A27DB-BD31-4B8C-83A1-F6EECF244321}">
+                <p14:modId xmlns:p14="http://schemas.microsoft.com/office/powerpoint/2010/main" val="2153132980"/>
+              </p:ext>
+            </p:extLst>
+          </p:nvPr>
+        </p:nvGraphicFramePr>
+        <p:xfrm>
+          <a:off x="5204178" y="1826743"/>
+          <a:ext cx="4549424" cy="4813120"/>
+        </p:xfrm>
+        <a:graphic>
+          <a:graphicData uri="http://schemas.openxmlformats.org/drawingml/2006/table">
+            <a:tbl>
+              <a:tblPr>
+                <a:tableStyleId>{8799B23B-EC83-4686-B30A-512413B5E67A}</a:tableStyleId>
+              </a:tblPr>
+              <a:tblGrid>
+                <a:gridCol w="1137356">
+                  <a:extLst>
+                    <a:ext uri="{9D8B030D-6E8A-4147-A177-3AD203B41FA5}">
+                      <a16:colId xmlns:a16="http://schemas.microsoft.com/office/drawing/2014/main" val="1443910406"/>
+                    </a:ext>
+                  </a:extLst>
+                </a:gridCol>
+                <a:gridCol w="1137356">
+                  <a:extLst>
+                    <a:ext uri="{9D8B030D-6E8A-4147-A177-3AD203B41FA5}">
+                      <a16:colId xmlns:a16="http://schemas.microsoft.com/office/drawing/2014/main" val="1785900349"/>
+                    </a:ext>
+                  </a:extLst>
+                </a:gridCol>
+                <a:gridCol w="1137356">
+                  <a:extLst>
+                    <a:ext uri="{9D8B030D-6E8A-4147-A177-3AD203B41FA5}">
+                      <a16:colId xmlns:a16="http://schemas.microsoft.com/office/drawing/2014/main" val="379685620"/>
+                    </a:ext>
+                  </a:extLst>
+                </a:gridCol>
+                <a:gridCol w="1137356">
+                  <a:extLst>
+                    <a:ext uri="{9D8B030D-6E8A-4147-A177-3AD203B41FA5}">
+                      <a16:colId xmlns:a16="http://schemas.microsoft.com/office/drawing/2014/main" val="1564789063"/>
+                    </a:ext>
+                  </a:extLst>
+                </a:gridCol>
+              </a:tblGrid>
+              <a:tr h="300820">
+                <a:tc>
+                  <a:txBody>
+                    <a:bodyPr/>
+                    <a:lstStyle/>
+                    <a:p>
+                      <a:r>
+                        <a:rPr lang="en-US" sz="1600" b="1" dirty="0">
+                          <a:effectLst/>
+                        </a:rPr>
+                        <a:t>NE_Lcomp</a:t>
+                      </a:r>
+                    </a:p>
+                  </a:txBody>
+                  <a:tcPr marL="22110" marR="22110" marT="17688" marB="17688" anchor="ctr"/>
+                </a:tc>
+                <a:tc>
+                  <a:txBody>
+                    <a:bodyPr/>
+                    <a:lstStyle/>
+                    <a:p>
+                      <a:r>
+                        <a:rPr lang="en-US" sz="1600" b="1" dirty="0">
+                          <a:effectLst/>
+                        </a:rPr>
+                        <a:t>W_Lcomp</a:t>
+                      </a:r>
+                    </a:p>
+                  </a:txBody>
+                  <a:tcPr marL="22110" marR="22110" marT="17688" marB="17688" anchor="ctr"/>
+                </a:tc>
+                <a:tc>
+                  <a:txBody>
+                    <a:bodyPr/>
+                    <a:lstStyle/>
+                    <a:p>
+                      <a:r>
+                        <a:rPr lang="en-US" sz="1600" b="1" dirty="0">
+                          <a:effectLst/>
+                        </a:rPr>
+                        <a:t>INDEL</a:t>
+                      </a:r>
+                    </a:p>
+                  </a:txBody>
+                  <a:tcPr marL="22110" marR="22110" marT="17688" marB="17688" anchor="ctr"/>
+                </a:tc>
+                <a:tc>
+                  <a:txBody>
+                    <a:bodyPr/>
+                    <a:lstStyle/>
+                    <a:p>
+                      <a:r>
+                        <a:rPr lang="en-US" sz="1600" b="1" dirty="0">
+                          <a:effectLst/>
+                        </a:rPr>
+                        <a:t>SNP</a:t>
+                      </a:r>
+                    </a:p>
+                  </a:txBody>
+                  <a:tcPr marL="22110" marR="22110" marT="17688" marB="17688" anchor="ctr"/>
+                </a:tc>
+                <a:extLst>
+                  <a:ext uri="{0D108BD9-81ED-4DB2-BD59-A6C34878D82A}">
+                    <a16:rowId xmlns:a16="http://schemas.microsoft.com/office/drawing/2014/main" val="1258513969"/>
+                  </a:ext>
+                </a:extLst>
+              </a:tr>
+              <a:tr h="300820">
+                <a:tc>
+                  <a:txBody>
+                    <a:bodyPr/>
+                    <a:lstStyle/>
+                    <a:p>
+                      <a:r>
+                        <a:rPr lang="en-US" sz="1600" dirty="0">
+                          <a:solidFill>
+                            <a:schemeClr val="tx1"/>
+                          </a:solidFill>
+                          <a:effectLst/>
+                        </a:rPr>
+                        <a:t>alt_anc</a:t>
+                      </a:r>
+                    </a:p>
+                  </a:txBody>
+                  <a:tcPr marL="22110" marR="22110" marT="17688" marB="17688" anchor="ctr">
+                    <a:solidFill>
+                      <a:srgbClr val="92D050"/>
+                    </a:solidFill>
+                  </a:tcPr>
+                </a:tc>
+                <a:tc>
+                  <a:txBody>
+                    <a:bodyPr/>
+                    <a:lstStyle/>
+                    <a:p>
+                      <a:r>
+                        <a:rPr lang="en-US" sz="1600" dirty="0">
+                          <a:solidFill>
+                            <a:schemeClr val="tx1"/>
+                          </a:solidFill>
+                          <a:effectLst/>
+                        </a:rPr>
+                        <a:t>alt_anc</a:t>
+                      </a:r>
+                    </a:p>
+                  </a:txBody>
+                  <a:tcPr marL="22110" marR="22110" marT="17688" marB="17688" anchor="ctr">
+                    <a:solidFill>
+                      <a:srgbClr val="92D050"/>
+                    </a:solidFill>
+                  </a:tcPr>
+                </a:tc>
+                <a:tc>
+                  <a:txBody>
+                    <a:bodyPr/>
+                    <a:lstStyle/>
+                    <a:p>
+                      <a:r>
+                        <a:rPr lang="en-US" sz="1600" dirty="0">
+                          <a:solidFill>
+                            <a:schemeClr val="tx1"/>
+                          </a:solidFill>
+                          <a:effectLst/>
+                        </a:rPr>
+                        <a:t>5305</a:t>
+                      </a:r>
+                    </a:p>
+                  </a:txBody>
+                  <a:tcPr marL="22110" marR="22110" marT="17688" marB="17688" anchor="ctr">
+                    <a:solidFill>
+                      <a:srgbClr val="92D050"/>
+                    </a:solidFill>
+                  </a:tcPr>
+                </a:tc>
+                <a:tc>
+                  <a:txBody>
+                    <a:bodyPr/>
+                    <a:lstStyle/>
+                    <a:p>
+                      <a:r>
+                        <a:rPr lang="en-US" sz="1600" dirty="0">
+                          <a:solidFill>
+                            <a:schemeClr val="tx1"/>
+                          </a:solidFill>
+                          <a:effectLst/>
+                        </a:rPr>
+                        <a:t>27188</a:t>
+                      </a:r>
+                    </a:p>
+                  </a:txBody>
+                  <a:tcPr marL="23485" marR="23485" marT="18788" marB="18788" anchor="ctr">
+                    <a:solidFill>
+                      <a:srgbClr val="92D050"/>
+                    </a:solidFill>
+                  </a:tcPr>
+                </a:tc>
+                <a:extLst>
+                  <a:ext uri="{0D108BD9-81ED-4DB2-BD59-A6C34878D82A}">
+                    <a16:rowId xmlns:a16="http://schemas.microsoft.com/office/drawing/2014/main" val="3666930787"/>
+                  </a:ext>
+                </a:extLst>
+              </a:tr>
+              <a:tr h="300820">
+                <a:tc>
+                  <a:txBody>
+                    <a:bodyPr/>
+                    <a:lstStyle/>
+                    <a:p>
+                      <a:r>
+                        <a:rPr lang="en-US" sz="1600" dirty="0">
+                          <a:effectLst/>
+                        </a:rPr>
+                        <a:t>alt_anc</a:t>
+                      </a:r>
+                    </a:p>
+                  </a:txBody>
+                  <a:tcPr marL="22110" marR="22110" marT="17688" marB="17688" anchor="ctr">
+                    <a:solidFill>
+                      <a:schemeClr val="accent4">
+                        <a:lumMod val="20000"/>
+                        <a:lumOff val="80000"/>
+                      </a:schemeClr>
+                    </a:solidFill>
+                  </a:tcPr>
+                </a:tc>
+                <a:tc>
+                  <a:txBody>
+                    <a:bodyPr/>
+                    <a:lstStyle/>
+                    <a:p>
+                      <a:r>
+                        <a:rPr lang="en-US" sz="1600" dirty="0">
+                          <a:effectLst/>
+                        </a:rPr>
+                        <a:t>het</a:t>
+                      </a:r>
+                    </a:p>
+                  </a:txBody>
+                  <a:tcPr marL="22110" marR="22110" marT="17688" marB="17688" anchor="ctr">
+                    <a:solidFill>
+                      <a:schemeClr val="accent4">
+                        <a:lumMod val="20000"/>
+                        <a:lumOff val="80000"/>
+                      </a:schemeClr>
+                    </a:solidFill>
+                  </a:tcPr>
+                </a:tc>
+                <a:tc>
+                  <a:txBody>
+                    <a:bodyPr/>
+                    <a:lstStyle/>
+                    <a:p>
+                      <a:r>
+                        <a:rPr lang="en-US" sz="1600">
+                          <a:effectLst/>
+                        </a:rPr>
+                        <a:t>528</a:t>
+                      </a:r>
+                    </a:p>
+                  </a:txBody>
+                  <a:tcPr marL="22110" marR="22110" marT="17688" marB="17688" anchor="ctr">
+                    <a:solidFill>
+                      <a:schemeClr val="accent4">
+                        <a:lumMod val="20000"/>
+                        <a:lumOff val="80000"/>
+                      </a:schemeClr>
+                    </a:solidFill>
+                  </a:tcPr>
+                </a:tc>
+                <a:tc>
+                  <a:txBody>
+                    <a:bodyPr/>
+                    <a:lstStyle/>
+                    <a:p>
+                      <a:r>
+                        <a:rPr lang="en-US" sz="1600" dirty="0">
+                          <a:effectLst/>
+                        </a:rPr>
+                        <a:t>3543</a:t>
+                      </a:r>
+                    </a:p>
+                  </a:txBody>
+                  <a:tcPr marL="23485" marR="23485" marT="18788" marB="18788" anchor="ctr">
+                    <a:solidFill>
+                      <a:schemeClr val="accent4">
+                        <a:lumMod val="20000"/>
+                        <a:lumOff val="80000"/>
+                      </a:schemeClr>
+                    </a:solidFill>
+                  </a:tcPr>
+                </a:tc>
+                <a:extLst>
+                  <a:ext uri="{0D108BD9-81ED-4DB2-BD59-A6C34878D82A}">
+                    <a16:rowId xmlns:a16="http://schemas.microsoft.com/office/drawing/2014/main" val="1322844652"/>
+                  </a:ext>
+                </a:extLst>
+              </a:tr>
+              <a:tr h="300820">
+                <a:tc>
+                  <a:txBody>
+                    <a:bodyPr/>
+                    <a:lstStyle/>
+                    <a:p>
+                      <a:r>
+                        <a:rPr lang="en-US" sz="1600">
+                          <a:effectLst/>
+                        </a:rPr>
+                        <a:t>alt_anc</a:t>
+                      </a:r>
+                    </a:p>
+                  </a:txBody>
+                  <a:tcPr marL="22110" marR="22110" marT="17688" marB="17688" anchor="ctr">
+                    <a:solidFill>
+                      <a:schemeClr val="accent4">
+                        <a:lumMod val="20000"/>
+                        <a:lumOff val="80000"/>
+                      </a:schemeClr>
+                    </a:solidFill>
+                  </a:tcPr>
+                </a:tc>
+                <a:tc>
+                  <a:txBody>
+                    <a:bodyPr/>
+                    <a:lstStyle/>
+                    <a:p>
+                      <a:r>
+                        <a:rPr lang="en-US" sz="1600" dirty="0">
+                          <a:effectLst/>
+                        </a:rPr>
+                        <a:t>NA</a:t>
+                      </a:r>
+                    </a:p>
+                  </a:txBody>
+                  <a:tcPr marL="22110" marR="22110" marT="17688" marB="17688" anchor="ctr">
+                    <a:solidFill>
+                      <a:schemeClr val="accent4">
+                        <a:lumMod val="20000"/>
+                        <a:lumOff val="80000"/>
+                      </a:schemeClr>
+                    </a:solidFill>
+                  </a:tcPr>
+                </a:tc>
+                <a:tc>
+                  <a:txBody>
+                    <a:bodyPr/>
+                    <a:lstStyle/>
+                    <a:p>
+                      <a:r>
+                        <a:rPr lang="en-US" sz="1600" dirty="0">
+                          <a:effectLst/>
+                        </a:rPr>
+                        <a:t>245</a:t>
+                      </a:r>
+                    </a:p>
+                  </a:txBody>
+                  <a:tcPr marL="22110" marR="22110" marT="17688" marB="17688" anchor="ctr">
+                    <a:solidFill>
+                      <a:schemeClr val="accent4">
+                        <a:lumMod val="20000"/>
+                        <a:lumOff val="80000"/>
+                      </a:schemeClr>
+                    </a:solidFill>
+                  </a:tcPr>
+                </a:tc>
+                <a:tc>
+                  <a:txBody>
+                    <a:bodyPr/>
+                    <a:lstStyle/>
+                    <a:p>
+                      <a:r>
+                        <a:rPr lang="en-US" sz="1600" dirty="0">
+                          <a:effectLst/>
+                        </a:rPr>
+                        <a:t>1097</a:t>
+                      </a:r>
+                    </a:p>
+                  </a:txBody>
+                  <a:tcPr marL="23485" marR="23485" marT="18788" marB="18788" anchor="ctr">
+                    <a:solidFill>
+                      <a:schemeClr val="accent4">
+                        <a:lumMod val="20000"/>
+                        <a:lumOff val="80000"/>
+                      </a:schemeClr>
+                    </a:solidFill>
+                  </a:tcPr>
+                </a:tc>
+                <a:extLst>
+                  <a:ext uri="{0D108BD9-81ED-4DB2-BD59-A6C34878D82A}">
+                    <a16:rowId xmlns:a16="http://schemas.microsoft.com/office/drawing/2014/main" val="3411836064"/>
+                  </a:ext>
+                </a:extLst>
+              </a:tr>
+              <a:tr h="300820">
+                <a:tc>
+                  <a:txBody>
+                    <a:bodyPr/>
+                    <a:lstStyle/>
+                    <a:p>
+                      <a:r>
+                        <a:rPr lang="en-US" sz="1600" dirty="0">
+                          <a:effectLst/>
+                        </a:rPr>
+                        <a:t>alt_anc</a:t>
+                      </a:r>
+                    </a:p>
+                  </a:txBody>
+                  <a:tcPr marL="22110" marR="22110" marT="17688" marB="17688" anchor="ctr">
+                    <a:solidFill>
+                      <a:srgbClr val="FF0000"/>
+                    </a:solidFill>
+                  </a:tcPr>
+                </a:tc>
+                <a:tc>
+                  <a:txBody>
+                    <a:bodyPr/>
+                    <a:lstStyle/>
+                    <a:p>
+                      <a:r>
+                        <a:rPr lang="en-US" sz="1600" dirty="0">
+                          <a:effectLst/>
+                        </a:rPr>
+                        <a:t>ref_anc</a:t>
+                      </a:r>
+                    </a:p>
+                  </a:txBody>
+                  <a:tcPr marL="22110" marR="22110" marT="17688" marB="17688" anchor="ctr">
+                    <a:solidFill>
+                      <a:srgbClr val="FF0000"/>
+                    </a:solidFill>
+                  </a:tcPr>
+                </a:tc>
+                <a:tc>
+                  <a:txBody>
+                    <a:bodyPr/>
+                    <a:lstStyle/>
+                    <a:p>
+                      <a:r>
+                        <a:rPr lang="en-US" sz="1600" dirty="0">
+                          <a:effectLst/>
+                        </a:rPr>
+                        <a:t>511</a:t>
+                      </a:r>
+                    </a:p>
+                  </a:txBody>
+                  <a:tcPr marL="22110" marR="22110" marT="17688" marB="17688" anchor="ctr">
+                    <a:solidFill>
+                      <a:srgbClr val="FF0000"/>
+                    </a:solidFill>
+                  </a:tcPr>
+                </a:tc>
+                <a:tc>
+                  <a:txBody>
+                    <a:bodyPr/>
+                    <a:lstStyle/>
+                    <a:p>
+                      <a:r>
+                        <a:rPr lang="en-US" sz="1600" dirty="0">
+                          <a:effectLst/>
+                        </a:rPr>
+                        <a:t>2195</a:t>
+                      </a:r>
+                    </a:p>
+                  </a:txBody>
+                  <a:tcPr marL="23485" marR="23485" marT="18788" marB="18788" anchor="ctr">
+                    <a:solidFill>
+                      <a:srgbClr val="FF0000"/>
+                    </a:solidFill>
+                  </a:tcPr>
+                </a:tc>
+                <a:extLst>
+                  <a:ext uri="{0D108BD9-81ED-4DB2-BD59-A6C34878D82A}">
+                    <a16:rowId xmlns:a16="http://schemas.microsoft.com/office/drawing/2014/main" val="3025843881"/>
+                  </a:ext>
+                </a:extLst>
+              </a:tr>
+              <a:tr h="300820">
+                <a:tc>
+                  <a:txBody>
+                    <a:bodyPr/>
+                    <a:lstStyle/>
+                    <a:p>
+                      <a:r>
+                        <a:rPr lang="en-US" sz="1600" dirty="0">
+                          <a:effectLst/>
+                        </a:rPr>
+                        <a:t>het</a:t>
+                      </a:r>
+                    </a:p>
+                  </a:txBody>
+                  <a:tcPr marL="22110" marR="22110" marT="17688" marB="17688" anchor="ctr">
+                    <a:solidFill>
+                      <a:schemeClr val="accent4">
+                        <a:lumMod val="20000"/>
+                        <a:lumOff val="80000"/>
+                      </a:schemeClr>
+                    </a:solidFill>
+                  </a:tcPr>
+                </a:tc>
+                <a:tc>
+                  <a:txBody>
+                    <a:bodyPr/>
+                    <a:lstStyle/>
+                    <a:p>
+                      <a:r>
+                        <a:rPr lang="en-US" sz="1600" dirty="0">
+                          <a:effectLst/>
+                        </a:rPr>
+                        <a:t>alt_anc</a:t>
+                      </a:r>
+                    </a:p>
+                  </a:txBody>
+                  <a:tcPr marL="22110" marR="22110" marT="17688" marB="17688" anchor="ctr">
+                    <a:solidFill>
+                      <a:schemeClr val="accent4">
+                        <a:lumMod val="20000"/>
+                        <a:lumOff val="80000"/>
+                      </a:schemeClr>
+                    </a:solidFill>
+                  </a:tcPr>
+                </a:tc>
+                <a:tc>
+                  <a:txBody>
+                    <a:bodyPr/>
+                    <a:lstStyle/>
+                    <a:p>
+                      <a:r>
+                        <a:rPr lang="en-US" sz="1600" dirty="0">
+                          <a:effectLst/>
+                        </a:rPr>
+                        <a:t>2231</a:t>
+                      </a:r>
+                    </a:p>
+                  </a:txBody>
+                  <a:tcPr marL="22110" marR="22110" marT="17688" marB="17688" anchor="ctr">
+                    <a:solidFill>
+                      <a:schemeClr val="accent4">
+                        <a:lumMod val="20000"/>
+                        <a:lumOff val="80000"/>
+                      </a:schemeClr>
+                    </a:solidFill>
+                  </a:tcPr>
+                </a:tc>
+                <a:tc>
+                  <a:txBody>
+                    <a:bodyPr/>
+                    <a:lstStyle/>
+                    <a:p>
+                      <a:r>
+                        <a:rPr lang="en-US" sz="1600" dirty="0">
+                          <a:effectLst/>
+                        </a:rPr>
+                        <a:t>12439</a:t>
+                      </a:r>
+                    </a:p>
+                  </a:txBody>
+                  <a:tcPr marL="23485" marR="23485" marT="18788" marB="18788" anchor="ctr">
+                    <a:solidFill>
+                      <a:schemeClr val="accent4">
+                        <a:lumMod val="20000"/>
+                        <a:lumOff val="80000"/>
+                      </a:schemeClr>
+                    </a:solidFill>
+                  </a:tcPr>
+                </a:tc>
+                <a:extLst>
+                  <a:ext uri="{0D108BD9-81ED-4DB2-BD59-A6C34878D82A}">
+                    <a16:rowId xmlns:a16="http://schemas.microsoft.com/office/drawing/2014/main" val="2256554788"/>
+                  </a:ext>
+                </a:extLst>
+              </a:tr>
+              <a:tr h="300820">
+                <a:tc>
+                  <a:txBody>
+                    <a:bodyPr/>
+                    <a:lstStyle/>
+                    <a:p>
+                      <a:r>
+                        <a:rPr lang="en-US" sz="1600" dirty="0">
+                          <a:effectLst/>
+                        </a:rPr>
+                        <a:t>het</a:t>
+                      </a:r>
+                    </a:p>
+                  </a:txBody>
+                  <a:tcPr marL="22110" marR="22110" marT="17688" marB="17688" anchor="ctr">
+                    <a:solidFill>
+                      <a:srgbClr val="FF0000"/>
+                    </a:solidFill>
+                  </a:tcPr>
+                </a:tc>
+                <a:tc>
+                  <a:txBody>
+                    <a:bodyPr/>
+                    <a:lstStyle/>
+                    <a:p>
+                      <a:r>
+                        <a:rPr lang="en-US" sz="1600">
+                          <a:effectLst/>
+                        </a:rPr>
+                        <a:t>het</a:t>
+                      </a:r>
+                    </a:p>
+                  </a:txBody>
+                  <a:tcPr marL="22110" marR="22110" marT="17688" marB="17688" anchor="ctr">
+                    <a:solidFill>
+                      <a:srgbClr val="FF0000"/>
+                    </a:solidFill>
+                  </a:tcPr>
+                </a:tc>
+                <a:tc>
+                  <a:txBody>
+                    <a:bodyPr/>
+                    <a:lstStyle/>
+                    <a:p>
+                      <a:r>
+                        <a:rPr lang="en-US" sz="1600">
+                          <a:effectLst/>
+                        </a:rPr>
+                        <a:t>1577</a:t>
+                      </a:r>
+                    </a:p>
+                  </a:txBody>
+                  <a:tcPr marL="22110" marR="22110" marT="17688" marB="17688" anchor="ctr">
+                    <a:solidFill>
+                      <a:srgbClr val="FF0000"/>
+                    </a:solidFill>
+                  </a:tcPr>
+                </a:tc>
+                <a:tc>
+                  <a:txBody>
+                    <a:bodyPr/>
+                    <a:lstStyle/>
+                    <a:p>
+                      <a:r>
+                        <a:rPr lang="en-US" sz="1600" dirty="0">
+                          <a:effectLst/>
+                        </a:rPr>
+                        <a:t>9691</a:t>
+                      </a:r>
+                    </a:p>
+                  </a:txBody>
+                  <a:tcPr marL="23485" marR="23485" marT="18788" marB="18788" anchor="ctr">
+                    <a:solidFill>
+                      <a:srgbClr val="FF0000"/>
+                    </a:solidFill>
+                  </a:tcPr>
+                </a:tc>
+                <a:extLst>
+                  <a:ext uri="{0D108BD9-81ED-4DB2-BD59-A6C34878D82A}">
+                    <a16:rowId xmlns:a16="http://schemas.microsoft.com/office/drawing/2014/main" val="1525953520"/>
+                  </a:ext>
+                </a:extLst>
+              </a:tr>
+              <a:tr h="300820">
+                <a:tc>
+                  <a:txBody>
+                    <a:bodyPr/>
+                    <a:lstStyle/>
+                    <a:p>
+                      <a:r>
+                        <a:rPr lang="en-US" sz="1600" dirty="0">
+                          <a:effectLst/>
+                        </a:rPr>
+                        <a:t>het</a:t>
+                      </a:r>
+                    </a:p>
+                  </a:txBody>
+                  <a:tcPr marL="22110" marR="22110" marT="17688" marB="17688" anchor="ctr">
+                    <a:solidFill>
+                      <a:srgbClr val="FF0000"/>
+                    </a:solidFill>
+                  </a:tcPr>
+                </a:tc>
+                <a:tc>
+                  <a:txBody>
+                    <a:bodyPr/>
+                    <a:lstStyle/>
+                    <a:p>
+                      <a:r>
+                        <a:rPr lang="en-US" sz="1600" dirty="0">
+                          <a:effectLst/>
+                        </a:rPr>
+                        <a:t>NA</a:t>
+                      </a:r>
+                    </a:p>
+                  </a:txBody>
+                  <a:tcPr marL="22110" marR="22110" marT="17688" marB="17688" anchor="ctr">
+                    <a:solidFill>
+                      <a:srgbClr val="FF0000"/>
+                    </a:solidFill>
+                  </a:tcPr>
+                </a:tc>
+                <a:tc>
+                  <a:txBody>
+                    <a:bodyPr/>
+                    <a:lstStyle/>
+                    <a:p>
+                      <a:r>
+                        <a:rPr lang="en-US" sz="1600" dirty="0">
+                          <a:effectLst/>
+                        </a:rPr>
+                        <a:t>151</a:t>
+                      </a:r>
+                    </a:p>
+                  </a:txBody>
+                  <a:tcPr marL="22110" marR="22110" marT="17688" marB="17688" anchor="ctr">
+                    <a:solidFill>
+                      <a:srgbClr val="FF0000"/>
+                    </a:solidFill>
+                  </a:tcPr>
+                </a:tc>
+                <a:tc>
+                  <a:txBody>
+                    <a:bodyPr/>
+                    <a:lstStyle/>
+                    <a:p>
+                      <a:r>
+                        <a:rPr lang="en-US" sz="1600" dirty="0">
+                          <a:effectLst/>
+                        </a:rPr>
+                        <a:t>627</a:t>
+                      </a:r>
+                    </a:p>
+                  </a:txBody>
+                  <a:tcPr marL="23485" marR="23485" marT="18788" marB="18788" anchor="ctr">
+                    <a:solidFill>
+                      <a:srgbClr val="FF0000"/>
+                    </a:solidFill>
+                  </a:tcPr>
+                </a:tc>
+                <a:extLst>
+                  <a:ext uri="{0D108BD9-81ED-4DB2-BD59-A6C34878D82A}">
+                    <a16:rowId xmlns:a16="http://schemas.microsoft.com/office/drawing/2014/main" val="4133098179"/>
+                  </a:ext>
+                </a:extLst>
+              </a:tr>
+              <a:tr h="300820">
+                <a:tc>
+                  <a:txBody>
+                    <a:bodyPr/>
+                    <a:lstStyle/>
+                    <a:p>
+                      <a:r>
+                        <a:rPr lang="en-US" sz="1600" dirty="0">
+                          <a:effectLst/>
+                        </a:rPr>
+                        <a:t>het</a:t>
+                      </a:r>
+                    </a:p>
+                  </a:txBody>
+                  <a:tcPr marL="22110" marR="22110" marT="17688" marB="17688" anchor="ctr">
+                    <a:solidFill>
+                      <a:schemeClr val="accent4">
+                        <a:lumMod val="20000"/>
+                        <a:lumOff val="80000"/>
+                      </a:schemeClr>
+                    </a:solidFill>
+                  </a:tcPr>
+                </a:tc>
+                <a:tc>
+                  <a:txBody>
+                    <a:bodyPr/>
+                    <a:lstStyle/>
+                    <a:p>
+                      <a:r>
+                        <a:rPr lang="en-US" sz="1600" dirty="0">
+                          <a:effectLst/>
+                        </a:rPr>
+                        <a:t>ref_anc</a:t>
+                      </a:r>
+                    </a:p>
+                  </a:txBody>
+                  <a:tcPr marL="22110" marR="22110" marT="17688" marB="17688" anchor="ctr">
+                    <a:solidFill>
+                      <a:schemeClr val="accent4">
+                        <a:lumMod val="20000"/>
+                        <a:lumOff val="80000"/>
+                      </a:schemeClr>
+                    </a:solidFill>
+                  </a:tcPr>
+                </a:tc>
+                <a:tc>
+                  <a:txBody>
+                    <a:bodyPr/>
+                    <a:lstStyle/>
+                    <a:p>
+                      <a:r>
+                        <a:rPr lang="en-US" sz="1600">
+                          <a:effectLst/>
+                        </a:rPr>
+                        <a:t>3120</a:t>
+                      </a:r>
+                    </a:p>
+                  </a:txBody>
+                  <a:tcPr marL="22110" marR="22110" marT="17688" marB="17688" anchor="ctr">
+                    <a:solidFill>
+                      <a:schemeClr val="accent4">
+                        <a:lumMod val="20000"/>
+                        <a:lumOff val="80000"/>
+                      </a:schemeClr>
+                    </a:solidFill>
+                  </a:tcPr>
+                </a:tc>
+                <a:tc>
+                  <a:txBody>
+                    <a:bodyPr/>
+                    <a:lstStyle/>
+                    <a:p>
+                      <a:r>
+                        <a:rPr lang="en-US" sz="1600" dirty="0">
+                          <a:effectLst/>
+                        </a:rPr>
+                        <a:t>17198</a:t>
+                      </a:r>
+                    </a:p>
+                  </a:txBody>
+                  <a:tcPr marL="23485" marR="23485" marT="18788" marB="18788" anchor="ctr">
+                    <a:solidFill>
+                      <a:schemeClr val="accent4">
+                        <a:lumMod val="20000"/>
+                        <a:lumOff val="80000"/>
+                      </a:schemeClr>
+                    </a:solidFill>
+                  </a:tcPr>
+                </a:tc>
+                <a:extLst>
+                  <a:ext uri="{0D108BD9-81ED-4DB2-BD59-A6C34878D82A}">
+                    <a16:rowId xmlns:a16="http://schemas.microsoft.com/office/drawing/2014/main" val="889572247"/>
+                  </a:ext>
+                </a:extLst>
+              </a:tr>
+              <a:tr h="300820">
+                <a:tc>
+                  <a:txBody>
+                    <a:bodyPr/>
+                    <a:lstStyle/>
+                    <a:p>
+                      <a:r>
+                        <a:rPr lang="en-US" sz="1600">
+                          <a:effectLst/>
+                        </a:rPr>
+                        <a:t>NA</a:t>
+                      </a:r>
+                    </a:p>
+                  </a:txBody>
+                  <a:tcPr marL="22110" marR="22110" marT="17688" marB="17688" anchor="ctr">
+                    <a:solidFill>
+                      <a:schemeClr val="accent4">
+                        <a:lumMod val="20000"/>
+                        <a:lumOff val="80000"/>
+                      </a:schemeClr>
+                    </a:solidFill>
+                  </a:tcPr>
+                </a:tc>
+                <a:tc>
+                  <a:txBody>
+                    <a:bodyPr/>
+                    <a:lstStyle/>
+                    <a:p>
+                      <a:r>
+                        <a:rPr lang="en-US" sz="1600" dirty="0">
+                          <a:effectLst/>
+                        </a:rPr>
+                        <a:t>alt_anc</a:t>
+                      </a:r>
+                    </a:p>
+                  </a:txBody>
+                  <a:tcPr marL="22110" marR="22110" marT="17688" marB="17688" anchor="ctr">
+                    <a:solidFill>
+                      <a:schemeClr val="accent4">
+                        <a:lumMod val="20000"/>
+                        <a:lumOff val="80000"/>
+                      </a:schemeClr>
+                    </a:solidFill>
+                  </a:tcPr>
+                </a:tc>
+                <a:tc>
+                  <a:txBody>
+                    <a:bodyPr/>
+                    <a:lstStyle/>
+                    <a:p>
+                      <a:r>
+                        <a:rPr lang="en-US" sz="1600" dirty="0">
+                          <a:effectLst/>
+                        </a:rPr>
+                        <a:t>158</a:t>
+                      </a:r>
+                    </a:p>
+                  </a:txBody>
+                  <a:tcPr marL="22110" marR="22110" marT="17688" marB="17688" anchor="ctr">
+                    <a:solidFill>
+                      <a:schemeClr val="accent4">
+                        <a:lumMod val="20000"/>
+                        <a:lumOff val="80000"/>
+                      </a:schemeClr>
+                    </a:solidFill>
+                  </a:tcPr>
+                </a:tc>
+                <a:tc>
+                  <a:txBody>
+                    <a:bodyPr/>
+                    <a:lstStyle/>
+                    <a:p>
+                      <a:r>
+                        <a:rPr lang="en-US" sz="1600" dirty="0">
+                          <a:effectLst/>
+                        </a:rPr>
+                        <a:t>765</a:t>
+                      </a:r>
+                    </a:p>
+                  </a:txBody>
+                  <a:tcPr marL="23485" marR="23485" marT="18788" marB="18788" anchor="ctr">
+                    <a:solidFill>
+                      <a:schemeClr val="accent4">
+                        <a:lumMod val="20000"/>
+                        <a:lumOff val="80000"/>
+                      </a:schemeClr>
+                    </a:solidFill>
+                  </a:tcPr>
+                </a:tc>
+                <a:extLst>
+                  <a:ext uri="{0D108BD9-81ED-4DB2-BD59-A6C34878D82A}">
+                    <a16:rowId xmlns:a16="http://schemas.microsoft.com/office/drawing/2014/main" val="324611021"/>
+                  </a:ext>
+                </a:extLst>
+              </a:tr>
+              <a:tr h="300820">
+                <a:tc>
+                  <a:txBody>
+                    <a:bodyPr/>
+                    <a:lstStyle/>
+                    <a:p>
+                      <a:r>
+                        <a:rPr lang="en-US" sz="1600" dirty="0">
+                          <a:effectLst/>
+                        </a:rPr>
+                        <a:t>NA</a:t>
+                      </a:r>
+                    </a:p>
+                  </a:txBody>
+                  <a:tcPr marL="22110" marR="22110" marT="17688" marB="17688" anchor="ctr">
+                    <a:solidFill>
+                      <a:srgbClr val="FF0000"/>
+                    </a:solidFill>
+                  </a:tcPr>
+                </a:tc>
+                <a:tc>
+                  <a:txBody>
+                    <a:bodyPr/>
+                    <a:lstStyle/>
+                    <a:p>
+                      <a:r>
+                        <a:rPr lang="en-US" sz="1600" dirty="0">
+                          <a:effectLst/>
+                        </a:rPr>
+                        <a:t>het</a:t>
+                      </a:r>
+                    </a:p>
+                  </a:txBody>
+                  <a:tcPr marL="22110" marR="22110" marT="17688" marB="17688" anchor="ctr">
+                    <a:solidFill>
+                      <a:srgbClr val="FF0000"/>
+                    </a:solidFill>
+                  </a:tcPr>
+                </a:tc>
+                <a:tc>
+                  <a:txBody>
+                    <a:bodyPr/>
+                    <a:lstStyle/>
+                    <a:p>
+                      <a:r>
+                        <a:rPr lang="en-US" sz="1600" dirty="0">
+                          <a:effectLst/>
+                        </a:rPr>
+                        <a:t>33</a:t>
+                      </a:r>
+                    </a:p>
+                  </a:txBody>
+                  <a:tcPr marL="22110" marR="22110" marT="17688" marB="17688" anchor="ctr">
+                    <a:solidFill>
+                      <a:srgbClr val="FF0000"/>
+                    </a:solidFill>
+                  </a:tcPr>
+                </a:tc>
+                <a:tc>
+                  <a:txBody>
+                    <a:bodyPr/>
+                    <a:lstStyle/>
+                    <a:p>
+                      <a:r>
+                        <a:rPr lang="en-US" sz="1600" dirty="0">
+                          <a:effectLst/>
+                        </a:rPr>
+                        <a:t>267</a:t>
+                      </a:r>
+                    </a:p>
+                  </a:txBody>
+                  <a:tcPr marL="23485" marR="23485" marT="18788" marB="18788" anchor="ctr">
+                    <a:solidFill>
+                      <a:srgbClr val="FF0000"/>
+                    </a:solidFill>
+                  </a:tcPr>
+                </a:tc>
+                <a:extLst>
+                  <a:ext uri="{0D108BD9-81ED-4DB2-BD59-A6C34878D82A}">
+                    <a16:rowId xmlns:a16="http://schemas.microsoft.com/office/drawing/2014/main" val="1060612901"/>
+                  </a:ext>
+                </a:extLst>
+              </a:tr>
+              <a:tr h="300820">
+                <a:tc>
+                  <a:txBody>
+                    <a:bodyPr/>
+                    <a:lstStyle/>
+                    <a:p>
+                      <a:r>
+                        <a:rPr lang="en-US" sz="1600" dirty="0">
+                          <a:effectLst/>
+                        </a:rPr>
+                        <a:t>NA</a:t>
+                      </a:r>
+                    </a:p>
+                  </a:txBody>
+                  <a:tcPr marL="22110" marR="22110" marT="17688" marB="17688" anchor="ctr">
+                    <a:solidFill>
+                      <a:schemeClr val="accent4">
+                        <a:lumMod val="20000"/>
+                        <a:lumOff val="80000"/>
+                      </a:schemeClr>
+                    </a:solidFill>
+                  </a:tcPr>
+                </a:tc>
+                <a:tc>
+                  <a:txBody>
+                    <a:bodyPr/>
+                    <a:lstStyle/>
+                    <a:p>
+                      <a:r>
+                        <a:rPr lang="en-US" sz="1600" dirty="0">
+                          <a:effectLst/>
+                        </a:rPr>
+                        <a:t>ref_anc</a:t>
+                      </a:r>
+                    </a:p>
+                  </a:txBody>
+                  <a:tcPr marL="22110" marR="22110" marT="17688" marB="17688" anchor="ctr">
+                    <a:solidFill>
+                      <a:schemeClr val="accent4">
+                        <a:lumMod val="20000"/>
+                        <a:lumOff val="80000"/>
+                      </a:schemeClr>
+                    </a:solidFill>
+                  </a:tcPr>
+                </a:tc>
+                <a:tc>
+                  <a:txBody>
+                    <a:bodyPr/>
+                    <a:lstStyle/>
+                    <a:p>
+                      <a:r>
+                        <a:rPr lang="en-US" sz="1600" dirty="0">
+                          <a:effectLst/>
+                        </a:rPr>
+                        <a:t>449</a:t>
+                      </a:r>
+                    </a:p>
+                  </a:txBody>
+                  <a:tcPr marL="22110" marR="22110" marT="17688" marB="17688" anchor="ctr">
+                    <a:solidFill>
+                      <a:schemeClr val="accent4">
+                        <a:lumMod val="20000"/>
+                        <a:lumOff val="80000"/>
+                      </a:schemeClr>
+                    </a:solidFill>
+                  </a:tcPr>
+                </a:tc>
+                <a:tc>
+                  <a:txBody>
+                    <a:bodyPr/>
+                    <a:lstStyle/>
+                    <a:p>
+                      <a:r>
+                        <a:rPr lang="en-US" sz="1600" dirty="0">
+                          <a:effectLst/>
+                        </a:rPr>
+                        <a:t>1831</a:t>
+                      </a:r>
+                    </a:p>
+                  </a:txBody>
+                  <a:tcPr marL="23485" marR="23485" marT="18788" marB="18788" anchor="ctr">
+                    <a:solidFill>
+                      <a:schemeClr val="accent4">
+                        <a:lumMod val="20000"/>
+                        <a:lumOff val="80000"/>
+                      </a:schemeClr>
+                    </a:solidFill>
+                  </a:tcPr>
+                </a:tc>
+                <a:extLst>
+                  <a:ext uri="{0D108BD9-81ED-4DB2-BD59-A6C34878D82A}">
+                    <a16:rowId xmlns:a16="http://schemas.microsoft.com/office/drawing/2014/main" val="1850845760"/>
+                  </a:ext>
+                </a:extLst>
+              </a:tr>
+              <a:tr h="300820">
+                <a:tc>
+                  <a:txBody>
+                    <a:bodyPr/>
+                    <a:lstStyle/>
+                    <a:p>
+                      <a:r>
+                        <a:rPr lang="en-US" sz="1600" dirty="0">
+                          <a:effectLst/>
+                        </a:rPr>
+                        <a:t>ref_anc</a:t>
+                      </a:r>
+                    </a:p>
+                  </a:txBody>
+                  <a:tcPr marL="22110" marR="22110" marT="17688" marB="17688" anchor="ctr">
+                    <a:solidFill>
+                      <a:srgbClr val="FF0000"/>
+                    </a:solidFill>
+                  </a:tcPr>
+                </a:tc>
+                <a:tc>
+                  <a:txBody>
+                    <a:bodyPr/>
+                    <a:lstStyle/>
+                    <a:p>
+                      <a:r>
+                        <a:rPr lang="en-US" sz="1600" dirty="0">
+                          <a:effectLst/>
+                        </a:rPr>
+                        <a:t>alt_anc</a:t>
+                      </a:r>
+                    </a:p>
+                  </a:txBody>
+                  <a:tcPr marL="22110" marR="22110" marT="17688" marB="17688" anchor="ctr">
+                    <a:solidFill>
+                      <a:srgbClr val="FF0000"/>
+                    </a:solidFill>
+                  </a:tcPr>
+                </a:tc>
+                <a:tc>
+                  <a:txBody>
+                    <a:bodyPr/>
+                    <a:lstStyle/>
+                    <a:p>
+                      <a:r>
+                        <a:rPr lang="en-US" sz="1600" dirty="0">
+                          <a:effectLst/>
+                        </a:rPr>
+                        <a:t>693</a:t>
+                      </a:r>
+                    </a:p>
+                  </a:txBody>
+                  <a:tcPr marL="22110" marR="22110" marT="17688" marB="17688" anchor="ctr">
+                    <a:solidFill>
+                      <a:srgbClr val="FF0000"/>
+                    </a:solidFill>
+                  </a:tcPr>
+                </a:tc>
+                <a:tc>
+                  <a:txBody>
+                    <a:bodyPr/>
+                    <a:lstStyle/>
+                    <a:p>
+                      <a:r>
+                        <a:rPr lang="en-US" sz="1600" dirty="0">
+                          <a:effectLst/>
+                        </a:rPr>
+                        <a:t>3292</a:t>
+                      </a:r>
+                    </a:p>
+                  </a:txBody>
+                  <a:tcPr marL="23485" marR="23485" marT="18788" marB="18788" anchor="ctr">
+                    <a:solidFill>
+                      <a:srgbClr val="FF0000"/>
+                    </a:solidFill>
+                  </a:tcPr>
+                </a:tc>
+                <a:extLst>
+                  <a:ext uri="{0D108BD9-81ED-4DB2-BD59-A6C34878D82A}">
+                    <a16:rowId xmlns:a16="http://schemas.microsoft.com/office/drawing/2014/main" val="1101410913"/>
+                  </a:ext>
+                </a:extLst>
+              </a:tr>
+              <a:tr h="300820">
+                <a:tc>
+                  <a:txBody>
+                    <a:bodyPr/>
+                    <a:lstStyle/>
+                    <a:p>
+                      <a:r>
+                        <a:rPr lang="en-US" sz="1600" dirty="0">
+                          <a:effectLst/>
+                        </a:rPr>
+                        <a:t>ref_anc</a:t>
+                      </a:r>
+                    </a:p>
+                  </a:txBody>
+                  <a:tcPr marL="22110" marR="22110" marT="17688" marB="17688" anchor="ctr">
+                    <a:solidFill>
+                      <a:schemeClr val="accent4">
+                        <a:lumMod val="20000"/>
+                        <a:lumOff val="80000"/>
+                      </a:schemeClr>
+                    </a:solidFill>
+                  </a:tcPr>
+                </a:tc>
+                <a:tc>
+                  <a:txBody>
+                    <a:bodyPr/>
+                    <a:lstStyle/>
+                    <a:p>
+                      <a:r>
+                        <a:rPr lang="en-US" sz="1600">
+                          <a:effectLst/>
+                        </a:rPr>
+                        <a:t>het</a:t>
+                      </a:r>
+                    </a:p>
+                  </a:txBody>
+                  <a:tcPr marL="22110" marR="22110" marT="17688" marB="17688" anchor="ctr">
+                    <a:solidFill>
+                      <a:schemeClr val="accent4">
+                        <a:lumMod val="20000"/>
+                        <a:lumOff val="80000"/>
+                      </a:schemeClr>
+                    </a:solidFill>
+                  </a:tcPr>
+                </a:tc>
+                <a:tc>
+                  <a:txBody>
+                    <a:bodyPr/>
+                    <a:lstStyle/>
+                    <a:p>
+                      <a:r>
+                        <a:rPr lang="en-US" sz="1600">
+                          <a:effectLst/>
+                        </a:rPr>
+                        <a:t>1422</a:t>
+                      </a:r>
+                    </a:p>
+                  </a:txBody>
+                  <a:tcPr marL="22110" marR="22110" marT="17688" marB="17688" anchor="ctr">
+                    <a:solidFill>
+                      <a:schemeClr val="accent4">
+                        <a:lumMod val="20000"/>
+                        <a:lumOff val="80000"/>
+                      </a:schemeClr>
+                    </a:solidFill>
+                  </a:tcPr>
+                </a:tc>
+                <a:tc>
+                  <a:txBody>
+                    <a:bodyPr/>
+                    <a:lstStyle/>
+                    <a:p>
+                      <a:r>
+                        <a:rPr lang="en-US" sz="1600" dirty="0">
+                          <a:effectLst/>
+                        </a:rPr>
+                        <a:t>7462</a:t>
+                      </a:r>
+                    </a:p>
+                  </a:txBody>
+                  <a:tcPr marL="23485" marR="23485" marT="18788" marB="18788" anchor="ctr">
+                    <a:solidFill>
+                      <a:schemeClr val="accent4">
+                        <a:lumMod val="20000"/>
+                        <a:lumOff val="80000"/>
+                      </a:schemeClr>
+                    </a:solidFill>
+                  </a:tcPr>
+                </a:tc>
+                <a:extLst>
+                  <a:ext uri="{0D108BD9-81ED-4DB2-BD59-A6C34878D82A}">
+                    <a16:rowId xmlns:a16="http://schemas.microsoft.com/office/drawing/2014/main" val="3010928521"/>
+                  </a:ext>
+                </a:extLst>
+              </a:tr>
+              <a:tr h="300820">
+                <a:tc>
+                  <a:txBody>
+                    <a:bodyPr/>
+                    <a:lstStyle/>
+                    <a:p>
+                      <a:r>
+                        <a:rPr lang="en-US" sz="1600">
+                          <a:effectLst/>
+                        </a:rPr>
+                        <a:t>ref_anc</a:t>
+                      </a:r>
+                    </a:p>
+                  </a:txBody>
+                  <a:tcPr marL="22110" marR="22110" marT="17688" marB="17688" anchor="ctr">
+                    <a:solidFill>
+                      <a:schemeClr val="accent4">
+                        <a:lumMod val="20000"/>
+                        <a:lumOff val="80000"/>
+                      </a:schemeClr>
+                    </a:solidFill>
+                  </a:tcPr>
+                </a:tc>
+                <a:tc>
+                  <a:txBody>
+                    <a:bodyPr/>
+                    <a:lstStyle/>
+                    <a:p>
+                      <a:r>
+                        <a:rPr lang="en-US" sz="1600" dirty="0">
+                          <a:effectLst/>
+                        </a:rPr>
+                        <a:t>NA</a:t>
+                      </a:r>
+                    </a:p>
+                  </a:txBody>
+                  <a:tcPr marL="22110" marR="22110" marT="17688" marB="17688" anchor="ctr">
+                    <a:solidFill>
+                      <a:schemeClr val="accent4">
+                        <a:lumMod val="20000"/>
+                        <a:lumOff val="80000"/>
+                      </a:schemeClr>
+                    </a:solidFill>
+                  </a:tcPr>
+                </a:tc>
+                <a:tc>
+                  <a:txBody>
+                    <a:bodyPr/>
+                    <a:lstStyle/>
+                    <a:p>
+                      <a:r>
+                        <a:rPr lang="en-US" sz="1600" dirty="0">
+                          <a:effectLst/>
+                        </a:rPr>
+                        <a:t>1003</a:t>
+                      </a:r>
+                    </a:p>
+                  </a:txBody>
+                  <a:tcPr marL="22110" marR="22110" marT="17688" marB="17688" anchor="ctr">
+                    <a:solidFill>
+                      <a:schemeClr val="accent4">
+                        <a:lumMod val="20000"/>
+                        <a:lumOff val="80000"/>
+                      </a:schemeClr>
+                    </a:solidFill>
+                  </a:tcPr>
+                </a:tc>
+                <a:tc>
+                  <a:txBody>
+                    <a:bodyPr/>
+                    <a:lstStyle/>
+                    <a:p>
+                      <a:r>
+                        <a:rPr lang="en-US" sz="1600" dirty="0">
+                          <a:effectLst/>
+                        </a:rPr>
+                        <a:t>3675</a:t>
+                      </a:r>
+                    </a:p>
+                  </a:txBody>
+                  <a:tcPr marL="23485" marR="23485" marT="18788" marB="18788" anchor="ctr">
+                    <a:solidFill>
+                      <a:schemeClr val="accent4">
+                        <a:lumMod val="20000"/>
+                        <a:lumOff val="80000"/>
+                      </a:schemeClr>
+                    </a:solidFill>
+                  </a:tcPr>
+                </a:tc>
+                <a:extLst>
+                  <a:ext uri="{0D108BD9-81ED-4DB2-BD59-A6C34878D82A}">
+                    <a16:rowId xmlns:a16="http://schemas.microsoft.com/office/drawing/2014/main" val="2456887319"/>
+                  </a:ext>
+                </a:extLst>
+              </a:tr>
+              <a:tr h="300820">
+                <a:tc>
+                  <a:txBody>
+                    <a:bodyPr/>
+                    <a:lstStyle/>
+                    <a:p>
+                      <a:r>
+                        <a:rPr lang="en-US" sz="1600" dirty="0">
+                          <a:effectLst/>
+                        </a:rPr>
+                        <a:t>ref_anc</a:t>
+                      </a:r>
+                    </a:p>
+                  </a:txBody>
+                  <a:tcPr marL="22110" marR="22110" marT="17688" marB="17688" anchor="ctr">
+                    <a:solidFill>
+                      <a:srgbClr val="92D050"/>
+                    </a:solidFill>
+                  </a:tcPr>
+                </a:tc>
+                <a:tc>
+                  <a:txBody>
+                    <a:bodyPr/>
+                    <a:lstStyle/>
+                    <a:p>
+                      <a:r>
+                        <a:rPr lang="en-US" sz="1600" dirty="0">
+                          <a:effectLst/>
+                        </a:rPr>
+                        <a:t>ref_anc</a:t>
+                      </a:r>
+                    </a:p>
+                  </a:txBody>
+                  <a:tcPr marL="22110" marR="22110" marT="17688" marB="17688" anchor="ctr">
+                    <a:solidFill>
+                      <a:srgbClr val="92D050"/>
+                    </a:solidFill>
+                  </a:tcPr>
+                </a:tc>
+                <a:tc>
+                  <a:txBody>
+                    <a:bodyPr/>
+                    <a:lstStyle/>
+                    <a:p>
+                      <a:r>
+                        <a:rPr lang="en-US" sz="1600" dirty="0">
+                          <a:effectLst/>
+                        </a:rPr>
+                        <a:t>38884</a:t>
+                      </a:r>
+                    </a:p>
+                  </a:txBody>
+                  <a:tcPr marL="22110" marR="22110" marT="17688" marB="17688" anchor="ctr">
+                    <a:solidFill>
+                      <a:srgbClr val="92D050"/>
+                    </a:solidFill>
+                  </a:tcPr>
+                </a:tc>
+                <a:tc>
+                  <a:txBody>
+                    <a:bodyPr/>
+                    <a:lstStyle/>
+                    <a:p>
+                      <a:r>
+                        <a:rPr lang="en-US" sz="1600" dirty="0">
+                          <a:effectLst/>
+                        </a:rPr>
+                        <a:t>178715</a:t>
+                      </a:r>
+                    </a:p>
+                  </a:txBody>
+                  <a:tcPr marL="23485" marR="23485" marT="18788" marB="18788" anchor="ctr">
+                    <a:solidFill>
+                      <a:srgbClr val="92D050"/>
+                    </a:solidFill>
+                  </a:tcPr>
+                </a:tc>
+                <a:extLst>
+                  <a:ext uri="{0D108BD9-81ED-4DB2-BD59-A6C34878D82A}">
+                    <a16:rowId xmlns:a16="http://schemas.microsoft.com/office/drawing/2014/main" val="2407746599"/>
+                  </a:ext>
+                </a:extLst>
+              </a:tr>
+            </a:tbl>
+          </a:graphicData>
+        </a:graphic>
+      </p:graphicFrame>
+    </p:spTree>
+    <p:extLst>
+      <p:ext uri="{BB962C8B-B14F-4D97-AF65-F5344CB8AC3E}">
+        <p14:creationId xmlns:p14="http://schemas.microsoft.com/office/powerpoint/2010/main" val="1557500512"/>
+      </p:ext>
+    </p:extLst>
+  </p:cSld>
+  <p:clrMapOvr>
+    <a:masterClrMapping/>
+  </p:clrMapOvr>
+</p:sld>
+</file>
+
+<file path=ppt/slides/slide17.xml><?xml version="1.0" encoding="utf-8"?>
+<p:sld xmlns:a="http://schemas.openxmlformats.org/drawingml/2006/main" xmlns:r="http://schemas.openxmlformats.org/officeDocument/2006/relationships" xmlns:p="http://schemas.openxmlformats.org/presentationml/2006/main">
+  <p:cSld>
+    <p:spTree>
+      <p:nvGrpSpPr>
+        <p:cNvPr id="1" name=""/>
+        <p:cNvGrpSpPr/>
+        <p:nvPr/>
+      </p:nvGrpSpPr>
+      <p:grpSpPr>
+        <a:xfrm>
+          <a:off x="0" y="0"/>
+          <a:ext cx="0" cy="0"/>
+          <a:chOff x="0" y="0"/>
+          <a:chExt cx="0" cy="0"/>
+        </a:xfrm>
+      </p:grpSpPr>
+      <p:sp>
+        <p:nvSpPr>
+          <p:cNvPr id="2" name="TextBox 1">
+            <a:extLst>
+              <a:ext uri="{FF2B5EF4-FFF2-40B4-BE49-F238E27FC236}">
+                <a16:creationId xmlns:a16="http://schemas.microsoft.com/office/drawing/2014/main" id="{660859CF-5617-044D-9432-FA7DA9618788}"/>
+              </a:ext>
+            </a:extLst>
+          </p:cNvPr>
+          <p:cNvSpPr txBox="1"/>
+          <p:nvPr/>
+        </p:nvSpPr>
+        <p:spPr>
+          <a:xfrm>
+            <a:off x="199291" y="5593892"/>
+            <a:ext cx="11164339" cy="646331"/>
+          </a:xfrm>
+          <a:prstGeom prst="rect">
+            <a:avLst/>
+          </a:prstGeom>
+          <a:noFill/>
+        </p:spPr>
+        <p:txBody>
+          <a:bodyPr wrap="square" rtlCol="0">
+            <a:spAutoFit/>
+          </a:bodyPr>
+          <a:lstStyle/>
+          <a:p>
+            <a:r>
+              <a:rPr lang="en-GB" i="1" dirty="0"/>
+              <a:t>Figure 6. Proportions of derived allele frequencies of INDELs (left) and SNPs (right) after filtering but before cline analysis. Bin width is 0.01 and orange dashed line marks the maf filter in the cline analysis (0.1).</a:t>
+            </a:r>
+          </a:p>
+        </p:txBody>
+      </p:sp>
+      <p:sp>
+        <p:nvSpPr>
+          <p:cNvPr id="4" name="Rectangle 3">
+            <a:extLst>
+              <a:ext uri="{FF2B5EF4-FFF2-40B4-BE49-F238E27FC236}">
+                <a16:creationId xmlns:a16="http://schemas.microsoft.com/office/drawing/2014/main" id="{8B6E133F-8983-6A46-A224-E9FA2B0D9F3F}"/>
+              </a:ext>
+            </a:extLst>
+          </p:cNvPr>
+          <p:cNvSpPr/>
+          <p:nvPr/>
+        </p:nvSpPr>
+        <p:spPr>
+          <a:xfrm>
+            <a:off x="528115" y="409596"/>
+            <a:ext cx="4087979" cy="369332"/>
+          </a:xfrm>
+          <a:prstGeom prst="rect">
+            <a:avLst/>
+          </a:prstGeom>
+        </p:spPr>
+        <p:txBody>
+          <a:bodyPr wrap="none">
+            <a:spAutoFit/>
+          </a:bodyPr>
+          <a:lstStyle/>
+          <a:p>
+            <a:pPr marL="342900" indent="-342900">
+              <a:buFont typeface="+mj-lt"/>
+              <a:buAutoNum type="arabicPeriod" startAt="3"/>
+            </a:pPr>
+            <a:r>
+              <a:rPr lang="en-GB" b="1" dirty="0"/>
+              <a:t>Derived allele frequencies (GATK call)</a:t>
+            </a:r>
+          </a:p>
+        </p:txBody>
+      </p:sp>
+      <p:sp>
+        <p:nvSpPr>
+          <p:cNvPr id="5" name="TextBox 4">
+            <a:extLst>
+              <a:ext uri="{FF2B5EF4-FFF2-40B4-BE49-F238E27FC236}">
+                <a16:creationId xmlns:a16="http://schemas.microsoft.com/office/drawing/2014/main" id="{049B477E-5E39-F240-86CA-65F077DF0726}"/>
+              </a:ext>
+            </a:extLst>
+          </p:cNvPr>
+          <p:cNvSpPr txBox="1"/>
+          <p:nvPr/>
+        </p:nvSpPr>
+        <p:spPr>
+          <a:xfrm>
+            <a:off x="528115" y="1100078"/>
+            <a:ext cx="6001639" cy="369332"/>
+          </a:xfrm>
+          <a:prstGeom prst="rect">
+            <a:avLst/>
+          </a:prstGeom>
+          <a:noFill/>
+        </p:spPr>
+        <p:txBody>
+          <a:bodyPr wrap="square" rtlCol="0">
+            <a:spAutoFit/>
+          </a:bodyPr>
+          <a:lstStyle/>
+          <a:p>
+            <a:pPr marL="285750" indent="-285750">
+              <a:buFont typeface="Arial" panose="020B0604020202020204" pitchFamily="34" charset="0"/>
+              <a:buChar char="•"/>
+            </a:pPr>
+            <a:r>
+              <a:rPr lang="en-GB" dirty="0"/>
+              <a:t>INDELs and SNPs after filtering but before cline analysis.</a:t>
+            </a:r>
+          </a:p>
+        </p:txBody>
+      </p:sp>
+      <p:sp>
+        <p:nvSpPr>
+          <p:cNvPr id="7" name="TextBox 6">
+            <a:extLst>
+              <a:ext uri="{FF2B5EF4-FFF2-40B4-BE49-F238E27FC236}">
+                <a16:creationId xmlns:a16="http://schemas.microsoft.com/office/drawing/2014/main" id="{A34A4DED-C22D-D340-8DD8-A92AA6452985}"/>
+              </a:ext>
+            </a:extLst>
+          </p:cNvPr>
+          <p:cNvSpPr txBox="1"/>
+          <p:nvPr/>
+        </p:nvSpPr>
+        <p:spPr>
+          <a:xfrm>
+            <a:off x="528115" y="1499563"/>
+            <a:ext cx="3292824" cy="369332"/>
+          </a:xfrm>
+          <a:prstGeom prst="rect">
+            <a:avLst/>
+          </a:prstGeom>
+          <a:noFill/>
+        </p:spPr>
+        <p:txBody>
+          <a:bodyPr wrap="none" rtlCol="0">
+            <a:spAutoFit/>
+          </a:bodyPr>
+          <a:lstStyle/>
+          <a:p>
+            <a:pPr marL="285750" indent="-285750">
+              <a:buFont typeface="Arial" panose="020B0604020202020204" pitchFamily="34" charset="0"/>
+              <a:buChar char="•"/>
+            </a:pPr>
+            <a:r>
+              <a:rPr lang="en-GB" dirty="0"/>
+              <a:t>All six hybrid zones combined.</a:t>
+            </a:r>
+          </a:p>
+        </p:txBody>
+      </p:sp>
+      <p:pic>
+        <p:nvPicPr>
+          <p:cNvPr id="9" name="Picture 8">
+            <a:extLst>
+              <a:ext uri="{FF2B5EF4-FFF2-40B4-BE49-F238E27FC236}">
+                <a16:creationId xmlns:a16="http://schemas.microsoft.com/office/drawing/2014/main" id="{E64E354F-A363-0B4A-8988-37C554E88852}"/>
+              </a:ext>
+            </a:extLst>
+          </p:cNvPr>
+          <p:cNvPicPr>
+            <a:picLocks noChangeAspect="1"/>
+          </p:cNvPicPr>
+          <p:nvPr/>
+        </p:nvPicPr>
+        <p:blipFill>
+          <a:blip r:embed="rId2"/>
+          <a:stretch>
+            <a:fillRect/>
+          </a:stretch>
+        </p:blipFill>
+        <p:spPr>
+          <a:xfrm>
+            <a:off x="5835097" y="2514874"/>
+            <a:ext cx="6157613" cy="3078807"/>
+          </a:xfrm>
+          <a:prstGeom prst="rect">
+            <a:avLst/>
+          </a:prstGeom>
+        </p:spPr>
+      </p:pic>
+      <p:pic>
+        <p:nvPicPr>
+          <p:cNvPr id="6" name="Picture 5">
+            <a:extLst>
+              <a:ext uri="{FF2B5EF4-FFF2-40B4-BE49-F238E27FC236}">
+                <a16:creationId xmlns:a16="http://schemas.microsoft.com/office/drawing/2014/main" id="{C2162285-C021-CB45-A5E6-FF4AACA50A74}"/>
+              </a:ext>
+            </a:extLst>
+          </p:cNvPr>
+          <p:cNvPicPr>
+            <a:picLocks noChangeAspect="1"/>
+          </p:cNvPicPr>
+          <p:nvPr/>
+        </p:nvPicPr>
+        <p:blipFill>
+          <a:blip r:embed="rId3"/>
+          <a:stretch>
+            <a:fillRect/>
+          </a:stretch>
+        </p:blipFill>
+        <p:spPr>
+          <a:xfrm>
+            <a:off x="199290" y="2515295"/>
+            <a:ext cx="6156354" cy="3078177"/>
+          </a:xfrm>
+          <a:prstGeom prst="rect">
+            <a:avLst/>
+          </a:prstGeom>
+        </p:spPr>
+      </p:pic>
+    </p:spTree>
+    <p:extLst>
+      <p:ext uri="{BB962C8B-B14F-4D97-AF65-F5344CB8AC3E}">
+        <p14:creationId xmlns:p14="http://schemas.microsoft.com/office/powerpoint/2010/main" val="3942403218"/>
+      </p:ext>
+    </p:extLst>
+  </p:cSld>
+  <p:clrMapOvr>
+    <a:masterClrMapping/>
+  </p:clrMapOvr>
+</p:sld>
+</file>
+
+<file path=ppt/slides/slide18.xml><?xml version="1.0" encoding="utf-8"?>
+<p:sld xmlns:a="http://schemas.openxmlformats.org/drawingml/2006/main" xmlns:r="http://schemas.openxmlformats.org/officeDocument/2006/relationships" xmlns:p="http://schemas.openxmlformats.org/presentationml/2006/main">
+  <p:cSld>
+    <p:spTree>
+      <p:nvGrpSpPr>
+        <p:cNvPr id="1" name=""/>
+        <p:cNvGrpSpPr/>
+        <p:nvPr/>
+      </p:nvGrpSpPr>
+      <p:grpSpPr>
+        <a:xfrm>
+          <a:off x="0" y="0"/>
+          <a:ext cx="0" cy="0"/>
+          <a:chOff x="0" y="0"/>
+          <a:chExt cx="0" cy="0"/>
+        </a:xfrm>
+      </p:grpSpPr>
+      <p:sp>
+        <p:nvSpPr>
+          <p:cNvPr id="2" name="TextBox 1">
+            <a:extLst>
+              <a:ext uri="{FF2B5EF4-FFF2-40B4-BE49-F238E27FC236}">
+                <a16:creationId xmlns:a16="http://schemas.microsoft.com/office/drawing/2014/main" id="{660859CF-5617-044D-9432-FA7DA9618788}"/>
+              </a:ext>
+            </a:extLst>
+          </p:cNvPr>
+          <p:cNvSpPr txBox="1"/>
+          <p:nvPr/>
+        </p:nvSpPr>
+        <p:spPr>
+          <a:xfrm>
+            <a:off x="212026" y="3680431"/>
+            <a:ext cx="3174641" cy="2800767"/>
+          </a:xfrm>
+          <a:prstGeom prst="rect">
+            <a:avLst/>
+          </a:prstGeom>
+          <a:noFill/>
+        </p:spPr>
+        <p:txBody>
+          <a:bodyPr wrap="square" rtlCol="0">
+            <a:spAutoFit/>
+          </a:bodyPr>
+          <a:lstStyle/>
+          <a:p>
+            <a:r>
+              <a:rPr lang="en-GB" sz="1600" i="1" dirty="0"/>
+              <a:t>Figure 7. Proportions of SNPs against proportions of INDELs per contig and per derived allele frequency class. Contigs were grouped by length into ten bins of size = 50000 bp (from bin 1 in grey of range 0-50000 bp to bin 10 in black of range 450000-500000 bp). The derived frequency spectrum was divided into 20 classes of 0.05 frequency difference (facets).</a:t>
+            </a:r>
+          </a:p>
+        </p:txBody>
+      </p:sp>
+      <p:sp>
+        <p:nvSpPr>
+          <p:cNvPr id="4" name="Rectangle 3">
+            <a:extLst>
+              <a:ext uri="{FF2B5EF4-FFF2-40B4-BE49-F238E27FC236}">
+                <a16:creationId xmlns:a16="http://schemas.microsoft.com/office/drawing/2014/main" id="{8B6E133F-8983-6A46-A224-E9FA2B0D9F3F}"/>
+              </a:ext>
+            </a:extLst>
+          </p:cNvPr>
+          <p:cNvSpPr/>
+          <p:nvPr/>
+        </p:nvSpPr>
+        <p:spPr>
+          <a:xfrm>
+            <a:off x="528116" y="409596"/>
+            <a:ext cx="2858552" cy="646331"/>
+          </a:xfrm>
+          <a:prstGeom prst="rect">
+            <a:avLst/>
+          </a:prstGeom>
+        </p:spPr>
+        <p:txBody>
+          <a:bodyPr wrap="square">
+            <a:spAutoFit/>
+          </a:bodyPr>
+          <a:lstStyle/>
+          <a:p>
+            <a:pPr marL="342900" indent="-342900">
+              <a:buFont typeface="+mj-lt"/>
+              <a:buAutoNum type="arabicPeriod" startAt="3"/>
+            </a:pPr>
+            <a:r>
+              <a:rPr lang="en-GB" b="1" dirty="0"/>
+              <a:t>Derived allele frequencies (GATK call)</a:t>
+            </a:r>
+          </a:p>
+        </p:txBody>
+      </p:sp>
+      <p:sp>
+        <p:nvSpPr>
+          <p:cNvPr id="5" name="TextBox 4">
+            <a:extLst>
+              <a:ext uri="{FF2B5EF4-FFF2-40B4-BE49-F238E27FC236}">
+                <a16:creationId xmlns:a16="http://schemas.microsoft.com/office/drawing/2014/main" id="{049B477E-5E39-F240-86CA-65F077DF0726}"/>
+              </a:ext>
+            </a:extLst>
+          </p:cNvPr>
+          <p:cNvSpPr txBox="1"/>
+          <p:nvPr/>
+        </p:nvSpPr>
+        <p:spPr>
+          <a:xfrm>
+            <a:off x="528116" y="1212968"/>
+            <a:ext cx="3292824" cy="923330"/>
+          </a:xfrm>
+          <a:prstGeom prst="rect">
+            <a:avLst/>
+          </a:prstGeom>
+          <a:noFill/>
+        </p:spPr>
+        <p:txBody>
+          <a:bodyPr wrap="square" rtlCol="0">
+            <a:spAutoFit/>
+          </a:bodyPr>
+          <a:lstStyle/>
+          <a:p>
+            <a:pPr marL="285750" indent="-285750">
+              <a:buFont typeface="Arial" panose="020B0604020202020204" pitchFamily="34" charset="0"/>
+              <a:buChar char="•"/>
+            </a:pPr>
+            <a:r>
+              <a:rPr lang="en-GB" dirty="0"/>
+              <a:t>INDELs and SNPs after filtering but before cline analysis.</a:t>
+            </a:r>
+          </a:p>
+        </p:txBody>
+      </p:sp>
+      <p:sp>
+        <p:nvSpPr>
+          <p:cNvPr id="7" name="TextBox 6">
+            <a:extLst>
+              <a:ext uri="{FF2B5EF4-FFF2-40B4-BE49-F238E27FC236}">
+                <a16:creationId xmlns:a16="http://schemas.microsoft.com/office/drawing/2014/main" id="{A34A4DED-C22D-D340-8DD8-A92AA6452985}"/>
+              </a:ext>
+            </a:extLst>
+          </p:cNvPr>
+          <p:cNvSpPr txBox="1"/>
+          <p:nvPr/>
+        </p:nvSpPr>
+        <p:spPr>
+          <a:xfrm>
+            <a:off x="528115" y="2168182"/>
+            <a:ext cx="3000819" cy="646331"/>
+          </a:xfrm>
+          <a:prstGeom prst="rect">
+            <a:avLst/>
+          </a:prstGeom>
+          <a:noFill/>
+        </p:spPr>
+        <p:txBody>
+          <a:bodyPr wrap="square" rtlCol="0">
+            <a:spAutoFit/>
+          </a:bodyPr>
+          <a:lstStyle/>
+          <a:p>
+            <a:pPr marL="285750" indent="-285750">
+              <a:buFont typeface="Arial" panose="020B0604020202020204" pitchFamily="34" charset="0"/>
+              <a:buChar char="•"/>
+            </a:pPr>
+            <a:r>
+              <a:rPr lang="en-GB" dirty="0"/>
+              <a:t>All six hybrid zones combined.</a:t>
+            </a:r>
+          </a:p>
+        </p:txBody>
+      </p:sp>
+      <p:pic>
+        <p:nvPicPr>
+          <p:cNvPr id="8" name="Picture 7">
+            <a:extLst>
+              <a:ext uri="{FF2B5EF4-FFF2-40B4-BE49-F238E27FC236}">
+                <a16:creationId xmlns:a16="http://schemas.microsoft.com/office/drawing/2014/main" id="{6E9E2496-1CD1-C441-803C-5C20630263EF}"/>
+              </a:ext>
+            </a:extLst>
+          </p:cNvPr>
+          <p:cNvPicPr>
+            <a:picLocks noChangeAspect="1"/>
+          </p:cNvPicPr>
+          <p:nvPr/>
+        </p:nvPicPr>
+        <p:blipFill>
+          <a:blip r:embed="rId2"/>
+          <a:stretch>
+            <a:fillRect/>
+          </a:stretch>
+        </p:blipFill>
+        <p:spPr>
+          <a:xfrm>
+            <a:off x="3528934" y="0"/>
+            <a:ext cx="8572500" cy="6858000"/>
+          </a:xfrm>
+          <a:prstGeom prst="rect">
+            <a:avLst/>
+          </a:prstGeom>
+        </p:spPr>
+      </p:pic>
+    </p:spTree>
+    <p:extLst>
+      <p:ext uri="{BB962C8B-B14F-4D97-AF65-F5344CB8AC3E}">
+        <p14:creationId xmlns:p14="http://schemas.microsoft.com/office/powerpoint/2010/main" val="944710290"/>
+      </p:ext>
+    </p:extLst>
+  </p:cSld>
+  <p:clrMapOvr>
+    <a:masterClrMapping/>
+  </p:clrMapOvr>
+</p:sld>
+</file>
+
+<file path=ppt/slides/slide19.xml><?xml version="1.0" encoding="utf-8"?>
+<p:sld xmlns:a="http://schemas.openxmlformats.org/drawingml/2006/main" xmlns:r="http://schemas.openxmlformats.org/officeDocument/2006/relationships" xmlns:p="http://schemas.openxmlformats.org/presentationml/2006/main">
+  <p:cSld>
+    <p:spTree>
+      <p:nvGrpSpPr>
+        <p:cNvPr id="1" name=""/>
+        <p:cNvGrpSpPr/>
+        <p:nvPr/>
+      </p:nvGrpSpPr>
+      <p:grpSpPr>
+        <a:xfrm>
+          <a:off x="0" y="0"/>
+          <a:ext cx="0" cy="0"/>
+          <a:chOff x="0" y="0"/>
+          <a:chExt cx="0" cy="0"/>
+        </a:xfrm>
+      </p:grpSpPr>
+      <p:sp>
+        <p:nvSpPr>
+          <p:cNvPr id="4" name="Rectangle 3">
+            <a:extLst>
+              <a:ext uri="{FF2B5EF4-FFF2-40B4-BE49-F238E27FC236}">
+                <a16:creationId xmlns:a16="http://schemas.microsoft.com/office/drawing/2014/main" id="{8B6E133F-8983-6A46-A224-E9FA2B0D9F3F}"/>
+              </a:ext>
+            </a:extLst>
+          </p:cNvPr>
+          <p:cNvSpPr/>
+          <p:nvPr/>
+        </p:nvSpPr>
+        <p:spPr>
+          <a:xfrm>
+            <a:off x="528116" y="409596"/>
+            <a:ext cx="2858552" cy="646331"/>
+          </a:xfrm>
+          <a:prstGeom prst="rect">
+            <a:avLst/>
+          </a:prstGeom>
+        </p:spPr>
+        <p:txBody>
+          <a:bodyPr wrap="square">
+            <a:spAutoFit/>
+          </a:bodyPr>
+          <a:lstStyle/>
+          <a:p>
+            <a:pPr marL="342900" indent="-342900">
+              <a:buFont typeface="+mj-lt"/>
+              <a:buAutoNum type="arabicPeriod" startAt="3"/>
+            </a:pPr>
+            <a:r>
+              <a:rPr lang="en-GB" b="1" dirty="0"/>
+              <a:t>Derived allele frequencies (GATK call)</a:t>
+            </a:r>
+          </a:p>
+        </p:txBody>
+      </p:sp>
+      <p:sp>
+        <p:nvSpPr>
+          <p:cNvPr id="5" name="TextBox 4">
+            <a:extLst>
+              <a:ext uri="{FF2B5EF4-FFF2-40B4-BE49-F238E27FC236}">
+                <a16:creationId xmlns:a16="http://schemas.microsoft.com/office/drawing/2014/main" id="{049B477E-5E39-F240-86CA-65F077DF0726}"/>
+              </a:ext>
+            </a:extLst>
+          </p:cNvPr>
+          <p:cNvSpPr txBox="1"/>
+          <p:nvPr/>
+        </p:nvSpPr>
+        <p:spPr>
+          <a:xfrm>
+            <a:off x="528116" y="1212968"/>
+            <a:ext cx="3292824" cy="923330"/>
+          </a:xfrm>
+          <a:prstGeom prst="rect">
+            <a:avLst/>
+          </a:prstGeom>
+          <a:noFill/>
+        </p:spPr>
+        <p:txBody>
+          <a:bodyPr wrap="square" rtlCol="0">
+            <a:spAutoFit/>
+          </a:bodyPr>
+          <a:lstStyle/>
+          <a:p>
+            <a:pPr marL="285750" indent="-285750">
+              <a:buFont typeface="Arial" panose="020B0604020202020204" pitchFamily="34" charset="0"/>
+              <a:buChar char="•"/>
+            </a:pPr>
+            <a:r>
+              <a:rPr lang="en-GB" dirty="0"/>
+              <a:t>INDELs and SNPs after filtering but before cline analysis.</a:t>
+            </a:r>
+          </a:p>
+        </p:txBody>
+      </p:sp>
+      <p:sp>
+        <p:nvSpPr>
+          <p:cNvPr id="7" name="TextBox 6">
+            <a:extLst>
+              <a:ext uri="{FF2B5EF4-FFF2-40B4-BE49-F238E27FC236}">
+                <a16:creationId xmlns:a16="http://schemas.microsoft.com/office/drawing/2014/main" id="{A34A4DED-C22D-D340-8DD8-A92AA6452985}"/>
+              </a:ext>
+            </a:extLst>
+          </p:cNvPr>
+          <p:cNvSpPr txBox="1"/>
+          <p:nvPr/>
+        </p:nvSpPr>
+        <p:spPr>
+          <a:xfrm>
+            <a:off x="528115" y="2168182"/>
+            <a:ext cx="3000819" cy="646331"/>
+          </a:xfrm>
+          <a:prstGeom prst="rect">
+            <a:avLst/>
+          </a:prstGeom>
+          <a:noFill/>
+        </p:spPr>
+        <p:txBody>
+          <a:bodyPr wrap="square" rtlCol="0">
+            <a:spAutoFit/>
+          </a:bodyPr>
+          <a:lstStyle/>
+          <a:p>
+            <a:pPr marL="285750" indent="-285750">
+              <a:buFont typeface="Arial" panose="020B0604020202020204" pitchFamily="34" charset="0"/>
+              <a:buChar char="•"/>
+            </a:pPr>
+            <a:r>
+              <a:rPr lang="en-GB" dirty="0"/>
+              <a:t>All six hybrid zones combined.</a:t>
+            </a:r>
+          </a:p>
+        </p:txBody>
+      </p:sp>
+      <p:sp>
+        <p:nvSpPr>
+          <p:cNvPr id="9" name="TextBox 8">
+            <a:extLst>
+              <a:ext uri="{FF2B5EF4-FFF2-40B4-BE49-F238E27FC236}">
+                <a16:creationId xmlns:a16="http://schemas.microsoft.com/office/drawing/2014/main" id="{FF7CE02B-0C71-9F4E-9116-32A9DFE34841}"/>
+              </a:ext>
+            </a:extLst>
+          </p:cNvPr>
+          <p:cNvSpPr txBox="1"/>
+          <p:nvPr/>
+        </p:nvSpPr>
+        <p:spPr>
+          <a:xfrm>
+            <a:off x="528115" y="3429000"/>
+            <a:ext cx="8514285" cy="1200329"/>
+          </a:xfrm>
+          <a:prstGeom prst="rect">
+            <a:avLst/>
+          </a:prstGeom>
+          <a:noFill/>
+        </p:spPr>
+        <p:txBody>
+          <a:bodyPr wrap="square" rtlCol="0">
+            <a:spAutoFit/>
+          </a:bodyPr>
+          <a:lstStyle/>
+          <a:p>
+            <a:pPr marL="285750" indent="-285750">
+              <a:buFont typeface="Arial" panose="020B0604020202020204" pitchFamily="34" charset="0"/>
+              <a:buChar char="•"/>
+            </a:pPr>
+            <a:r>
+              <a:rPr lang="en-GB" dirty="0"/>
+              <a:t>From the simple comparison between proportions of filtered SNPs and filtered INDELs (Fig. 7), we can further group variants by genomic location (coding vs. non-coding) and fitness effect (e.g., low impact for synonymous SNPs and intergenic INDELs and high impact for nonsynonymous SNPs and frameshift INDELs). In progress ...</a:t>
+            </a:r>
+          </a:p>
+        </p:txBody>
+      </p:sp>
+    </p:spTree>
+    <p:extLst>
+      <p:ext uri="{BB962C8B-B14F-4D97-AF65-F5344CB8AC3E}">
+        <p14:creationId xmlns:p14="http://schemas.microsoft.com/office/powerpoint/2010/main" val="1865383001"/>
       </p:ext>
     </p:extLst>
   </p:cSld>
@@ -6763,6 +9111,152 @@
     <p:extLst>
       <p:ext uri="{BB962C8B-B14F-4D97-AF65-F5344CB8AC3E}">
         <p14:creationId xmlns:p14="http://schemas.microsoft.com/office/powerpoint/2010/main" val="1732211026"/>
+      </p:ext>
+    </p:extLst>
+  </p:cSld>
+  <p:clrMapOvr>
+    <a:masterClrMapping/>
+  </p:clrMapOvr>
+</p:sld>
+</file>
+
+<file path=ppt/slides/slide20.xml><?xml version="1.0" encoding="utf-8"?>
+<p:sld xmlns:a="http://schemas.openxmlformats.org/drawingml/2006/main" xmlns:r="http://schemas.openxmlformats.org/officeDocument/2006/relationships" xmlns:p="http://schemas.openxmlformats.org/presentationml/2006/main">
+  <p:cSld>
+    <p:spTree>
+      <p:nvGrpSpPr>
+        <p:cNvPr id="1" name=""/>
+        <p:cNvGrpSpPr/>
+        <p:nvPr/>
+      </p:nvGrpSpPr>
+      <p:grpSpPr>
+        <a:xfrm>
+          <a:off x="0" y="0"/>
+          <a:ext cx="0" cy="0"/>
+          <a:chOff x="0" y="0"/>
+          <a:chExt cx="0" cy="0"/>
+        </a:xfrm>
+      </p:grpSpPr>
+      <p:sp>
+        <p:nvSpPr>
+          <p:cNvPr id="2" name="Rectangle 1">
+            <a:extLst>
+              <a:ext uri="{FF2B5EF4-FFF2-40B4-BE49-F238E27FC236}">
+                <a16:creationId xmlns:a16="http://schemas.microsoft.com/office/drawing/2014/main" id="{D91655BD-4E82-BE49-A7CD-CA31E3AFCA3B}"/>
+              </a:ext>
+            </a:extLst>
+          </p:cNvPr>
+          <p:cNvSpPr/>
+          <p:nvPr/>
+        </p:nvSpPr>
+        <p:spPr>
+          <a:xfrm>
+            <a:off x="528115" y="409596"/>
+            <a:ext cx="4413003" cy="369332"/>
+          </a:xfrm>
+          <a:prstGeom prst="rect">
+            <a:avLst/>
+          </a:prstGeom>
+        </p:spPr>
+        <p:txBody>
+          <a:bodyPr wrap="none">
+            <a:spAutoFit/>
+          </a:bodyPr>
+          <a:lstStyle/>
+          <a:p>
+            <a:pPr marL="342900" indent="-342900">
+              <a:buFont typeface="+mj-lt"/>
+              <a:buAutoNum type="arabicPeriod" startAt="4"/>
+            </a:pPr>
+            <a:r>
+              <a:rPr lang="en-GB" b="1" dirty="0"/>
+              <a:t>Displacement of cline centres (GATK call)</a:t>
+            </a:r>
+          </a:p>
+        </p:txBody>
+      </p:sp>
+      <p:sp>
+        <p:nvSpPr>
+          <p:cNvPr id="3" name="TextBox 2">
+            <a:extLst>
+              <a:ext uri="{FF2B5EF4-FFF2-40B4-BE49-F238E27FC236}">
+                <a16:creationId xmlns:a16="http://schemas.microsoft.com/office/drawing/2014/main" id="{E3C4FFF0-6162-7545-8DED-E90631255C50}"/>
+              </a:ext>
+            </a:extLst>
+          </p:cNvPr>
+          <p:cNvSpPr txBox="1"/>
+          <p:nvPr/>
+        </p:nvSpPr>
+        <p:spPr>
+          <a:xfrm>
+            <a:off x="528115" y="1100078"/>
+            <a:ext cx="6001639" cy="369332"/>
+          </a:xfrm>
+          <a:prstGeom prst="rect">
+            <a:avLst/>
+          </a:prstGeom>
+          <a:noFill/>
+        </p:spPr>
+        <p:txBody>
+          <a:bodyPr wrap="square" rtlCol="0">
+            <a:spAutoFit/>
+          </a:bodyPr>
+          <a:lstStyle/>
+          <a:p>
+            <a:pPr marL="285750" indent="-285750">
+              <a:buFont typeface="Arial" panose="020B0604020202020204" pitchFamily="34" charset="0"/>
+              <a:buChar char="•"/>
+            </a:pPr>
+            <a:r>
+              <a:rPr lang="en-GB" dirty="0"/>
+              <a:t>INDELs and SNPs after both filtering and cline analysis.</a:t>
+            </a:r>
+          </a:p>
+        </p:txBody>
+      </p:sp>
+      <p:sp>
+        <p:nvSpPr>
+          <p:cNvPr id="4" name="TextBox 3">
+            <a:extLst>
+              <a:ext uri="{FF2B5EF4-FFF2-40B4-BE49-F238E27FC236}">
+                <a16:creationId xmlns:a16="http://schemas.microsoft.com/office/drawing/2014/main" id="{3E27703C-140A-0642-910C-7B09247141B0}"/>
+              </a:ext>
+            </a:extLst>
+          </p:cNvPr>
+          <p:cNvSpPr txBox="1"/>
+          <p:nvPr/>
+        </p:nvSpPr>
+        <p:spPr>
+          <a:xfrm>
+            <a:off x="528115" y="1499563"/>
+            <a:ext cx="3292824" cy="369332"/>
+          </a:xfrm>
+          <a:prstGeom prst="rect">
+            <a:avLst/>
+          </a:prstGeom>
+          <a:noFill/>
+        </p:spPr>
+        <p:txBody>
+          <a:bodyPr wrap="none" rtlCol="0">
+            <a:spAutoFit/>
+          </a:bodyPr>
+          <a:lstStyle/>
+          <a:p>
+            <a:pPr marL="285750" indent="-285750">
+              <a:buFont typeface="Arial" panose="020B0604020202020204" pitchFamily="34" charset="0"/>
+              <a:buChar char="•"/>
+            </a:pPr>
+            <a:r>
+              <a:rPr lang="en-GB" dirty="0"/>
+              <a:t>All six hybrid zones combined.</a:t>
+            </a:r>
+          </a:p>
+        </p:txBody>
+      </p:sp>
+    </p:spTree>
+    <p:extLst>
+      <p:ext uri="{BB962C8B-B14F-4D97-AF65-F5344CB8AC3E}">
+        <p14:creationId xmlns:p14="http://schemas.microsoft.com/office/powerpoint/2010/main" val="2202225606"/>
       </p:ext>
     </p:extLst>
   </p:cSld>

--- a/short_genetic_variants/docs/short_indels.pptx
+++ b/short_genetic_variants/docs/short_indels.pptx
@@ -216,7 +216,7 @@
           <a:p>
             <a:fld id="{ADC703C6-BB32-1847-9BA4-6A93FF920BED}" type="datetimeFigureOut">
               <a:rPr lang="en-GB" smtClean="0"/>
-              <a:t>01/07/2020</a:t>
+              <a:t>02/07/2020</a:t>
             </a:fld>
             <a:endParaRPr lang="en-GB"/>
           </a:p>
@@ -717,7 +717,7 @@
           <a:p>
             <a:fld id="{5C316670-22DA-CE45-BF19-C0B19D676291}" type="datetimeFigureOut">
               <a:rPr lang="en-GB" smtClean="0"/>
-              <a:t>01/07/2020</a:t>
+              <a:t>02/07/2020</a:t>
             </a:fld>
             <a:endParaRPr lang="en-GB"/>
           </a:p>
@@ -917,7 +917,7 @@
           <a:p>
             <a:fld id="{5C316670-22DA-CE45-BF19-C0B19D676291}" type="datetimeFigureOut">
               <a:rPr lang="en-GB" smtClean="0"/>
-              <a:t>01/07/2020</a:t>
+              <a:t>02/07/2020</a:t>
             </a:fld>
             <a:endParaRPr lang="en-GB"/>
           </a:p>
@@ -1127,7 +1127,7 @@
           <a:p>
             <a:fld id="{5C316670-22DA-CE45-BF19-C0B19D676291}" type="datetimeFigureOut">
               <a:rPr lang="en-GB" smtClean="0"/>
-              <a:t>01/07/2020</a:t>
+              <a:t>02/07/2020</a:t>
             </a:fld>
             <a:endParaRPr lang="en-GB"/>
           </a:p>
@@ -1327,7 +1327,7 @@
           <a:p>
             <a:fld id="{5C316670-22DA-CE45-BF19-C0B19D676291}" type="datetimeFigureOut">
               <a:rPr lang="en-GB" smtClean="0"/>
-              <a:t>01/07/2020</a:t>
+              <a:t>02/07/2020</a:t>
             </a:fld>
             <a:endParaRPr lang="en-GB"/>
           </a:p>
@@ -1603,7 +1603,7 @@
           <a:p>
             <a:fld id="{5C316670-22DA-CE45-BF19-C0B19D676291}" type="datetimeFigureOut">
               <a:rPr lang="en-GB" smtClean="0"/>
-              <a:t>01/07/2020</a:t>
+              <a:t>02/07/2020</a:t>
             </a:fld>
             <a:endParaRPr lang="en-GB"/>
           </a:p>
@@ -1871,7 +1871,7 @@
           <a:p>
             <a:fld id="{5C316670-22DA-CE45-BF19-C0B19D676291}" type="datetimeFigureOut">
               <a:rPr lang="en-GB" smtClean="0"/>
-              <a:t>01/07/2020</a:t>
+              <a:t>02/07/2020</a:t>
             </a:fld>
             <a:endParaRPr lang="en-GB"/>
           </a:p>
@@ -2286,7 +2286,7 @@
           <a:p>
             <a:fld id="{5C316670-22DA-CE45-BF19-C0B19D676291}" type="datetimeFigureOut">
               <a:rPr lang="en-GB" smtClean="0"/>
-              <a:t>01/07/2020</a:t>
+              <a:t>02/07/2020</a:t>
             </a:fld>
             <a:endParaRPr lang="en-GB"/>
           </a:p>
@@ -2428,7 +2428,7 @@
           <a:p>
             <a:fld id="{5C316670-22DA-CE45-BF19-C0B19D676291}" type="datetimeFigureOut">
               <a:rPr lang="en-GB" smtClean="0"/>
-              <a:t>01/07/2020</a:t>
+              <a:t>02/07/2020</a:t>
             </a:fld>
             <a:endParaRPr lang="en-GB"/>
           </a:p>
@@ -2541,7 +2541,7 @@
           <a:p>
             <a:fld id="{5C316670-22DA-CE45-BF19-C0B19D676291}" type="datetimeFigureOut">
               <a:rPr lang="en-GB" smtClean="0"/>
-              <a:t>01/07/2020</a:t>
+              <a:t>02/07/2020</a:t>
             </a:fld>
             <a:endParaRPr lang="en-GB"/>
           </a:p>
@@ -2854,7 +2854,7 @@
           <a:p>
             <a:fld id="{5C316670-22DA-CE45-BF19-C0B19D676291}" type="datetimeFigureOut">
               <a:rPr lang="en-GB" smtClean="0"/>
-              <a:t>01/07/2020</a:t>
+              <a:t>02/07/2020</a:t>
             </a:fld>
             <a:endParaRPr lang="en-GB"/>
           </a:p>
@@ -3143,7 +3143,7 @@
           <a:p>
             <a:fld id="{5C316670-22DA-CE45-BF19-C0B19D676291}" type="datetimeFigureOut">
               <a:rPr lang="en-GB" smtClean="0"/>
-              <a:t>01/07/2020</a:t>
+              <a:t>02/07/2020</a:t>
             </a:fld>
             <a:endParaRPr lang="en-GB"/>
           </a:p>
@@ -3386,7 +3386,7 @@
           <a:p>
             <a:fld id="{5C316670-22DA-CE45-BF19-C0B19D676291}" type="datetimeFigureOut">
               <a:rPr lang="en-GB" smtClean="0"/>
-              <a:t>01/07/2020</a:t>
+              <a:t>02/07/2020</a:t>
             </a:fld>
             <a:endParaRPr lang="en-GB"/>
           </a:p>
@@ -8855,7 +8855,7 @@
         <p:spPr>
           <a:xfrm>
             <a:off x="528115" y="3429000"/>
-            <a:ext cx="8514285" cy="1200329"/>
+            <a:ext cx="8514285" cy="3416320"/>
           </a:xfrm>
           <a:prstGeom prst="rect">
             <a:avLst/>
@@ -8875,6 +8875,94 @@
             <a:r>
               <a:rPr lang="en-GB" dirty="0"/>
               <a:t>From the simple comparison between proportions of filtered SNPs and filtered INDELs (Fig. 7), we can further group variants by genomic location (coding vs. non-coding) and fitness effect (e.g., low impact for synonymous SNPs and intergenic INDELs and high impact for nonsynonymous SNPs and frameshift INDELs). In progress ...</a:t>
+            </a:r>
+            <a:br>
+              <a:rPr lang="en-GB" dirty="0"/>
+            </a:br>
+            <a:endParaRPr lang="en-GB" dirty="0"/>
+          </a:p>
+          <a:p>
+            <a:pPr marL="285750" indent="-285750">
+              <a:buFont typeface="Arial" panose="020B0604020202020204" pitchFamily="34" charset="0"/>
+              <a:buChar char="•"/>
+            </a:pPr>
+            <a:r>
+              <a:rPr lang="en-GB" dirty="0"/>
+              <a:t>Similarly, we can compare INDELs-SNPs </a:t>
+            </a:r>
+            <a:r>
+              <a:rPr lang="en-GB" dirty="0" err="1"/>
+              <a:t>proporitons</a:t>
+            </a:r>
+            <a:r>
+              <a:rPr lang="en-GB" dirty="0"/>
+              <a:t> with respect to the cline parameters:</a:t>
+            </a:r>
+          </a:p>
+          <a:p>
+            <a:pPr marL="742950" lvl="1" indent="-285750">
+              <a:buFont typeface="Arial" panose="020B0604020202020204" pitchFamily="34" charset="0"/>
+              <a:buChar char="•"/>
+            </a:pPr>
+            <a:r>
+              <a:rPr lang="en-GB" dirty="0"/>
+              <a:t>Centre (Fig. 8)</a:t>
+            </a:r>
+          </a:p>
+          <a:p>
+            <a:pPr marL="742950" lvl="1" indent="-285750">
+              <a:buFont typeface="Arial" panose="020B0604020202020204" pitchFamily="34" charset="0"/>
+              <a:buChar char="•"/>
+            </a:pPr>
+            <a:r>
+              <a:rPr lang="en-GB" dirty="0"/>
+              <a:t>Width (Fig. 9)</a:t>
+            </a:r>
+          </a:p>
+          <a:p>
+            <a:pPr marL="742950" lvl="1" indent="-285750">
+              <a:buFont typeface="Arial" panose="020B0604020202020204" pitchFamily="34" charset="0"/>
+              <a:buChar char="•"/>
+            </a:pPr>
+            <a:r>
+              <a:rPr lang="en-GB" dirty="0"/>
+              <a:t>Slope (Fig. 10)</a:t>
+            </a:r>
+          </a:p>
+          <a:p>
+            <a:pPr marL="742950" lvl="1" indent="-285750">
+              <a:buFont typeface="Arial" panose="020B0604020202020204" pitchFamily="34" charset="0"/>
+              <a:buChar char="•"/>
+            </a:pPr>
+            <a:r>
+              <a:rPr lang="en-GB" dirty="0"/>
+              <a:t>Crab-Wave frequency difference (</a:t>
+            </a:r>
+            <a:r>
+              <a:rPr lang="en-GB" dirty="0" err="1"/>
+              <a:t>p_diff</a:t>
+            </a:r>
+            <a:r>
+              <a:rPr lang="en-GB" dirty="0"/>
+              <a:t>) (Fig. 11)</a:t>
+            </a:r>
+          </a:p>
+          <a:p>
+            <a:pPr marL="742950" lvl="1" indent="-285750">
+              <a:buFont typeface="Arial" panose="020B0604020202020204" pitchFamily="34" charset="0"/>
+              <a:buChar char="•"/>
+            </a:pPr>
+            <a:r>
+              <a:rPr lang="en-GB" dirty="0"/>
+              <a:t>Variance explained (</a:t>
+            </a:r>
+            <a:r>
+              <a:rPr lang="en-GB" dirty="0" err="1"/>
+              <a:t>Var.Ex</a:t>
+            </a:r>
+            <a:r>
+              <a:rPr lang="en-GB" dirty="0"/>
+              <a:t>) (Fig. 12)</a:t>
             </a:r>
           </a:p>
         </p:txBody>
@@ -9032,7 +9120,7 @@
             </a:pPr>
             <a:r>
               <a:rPr lang="en-GB" dirty="0"/>
-              <a:t>Displacement of cline centres</a:t>
+              <a:t>Distributions of cline parameters</a:t>
             </a:r>
           </a:p>
         </p:txBody>
@@ -9137,6 +9225,36 @@
           <a:chExt cx="0" cy="0"/>
         </a:xfrm>
       </p:grpSpPr>
+      <p:pic>
+        <p:nvPicPr>
+          <p:cNvPr id="10" name="Picture 9">
+            <a:extLst>
+              <a:ext uri="{FF2B5EF4-FFF2-40B4-BE49-F238E27FC236}">
+                <a16:creationId xmlns:a16="http://schemas.microsoft.com/office/drawing/2014/main" id="{DBA103D5-B217-C541-8E32-223F0BF48FE1}"/>
+              </a:ext>
+            </a:extLst>
+          </p:cNvPr>
+          <p:cNvPicPr>
+            <a:picLocks noChangeAspect="1"/>
+          </p:cNvPicPr>
+          <p:nvPr/>
+        </p:nvPicPr>
+        <p:blipFill>
+          <a:blip r:embed="rId2"/>
+          <a:stretch>
+            <a:fillRect/>
+          </a:stretch>
+        </p:blipFill>
+        <p:spPr>
+          <a:xfrm>
+            <a:off x="528115" y="1388550"/>
+            <a:ext cx="7714286" cy="5400000"/>
+          </a:xfrm>
+          <a:prstGeom prst="rect">
+            <a:avLst/>
+          </a:prstGeom>
+        </p:spPr>
+      </p:pic>
       <p:sp>
         <p:nvSpPr>
           <p:cNvPr id="2" name="Rectangle 1">
@@ -9152,7 +9270,7 @@
         <p:spPr>
           <a:xfrm>
             <a:off x="528115" y="409596"/>
-            <a:ext cx="4413003" cy="369332"/>
+            <a:ext cx="5611986" cy="369332"/>
           </a:xfrm>
           <a:prstGeom prst="rect">
             <a:avLst/>
@@ -9170,7 +9288,7 @@
             </a:pPr>
             <a:r>
               <a:rPr lang="en-GB" b="1" dirty="0"/>
-              <a:t>Displacement of cline centres (GATK call)</a:t>
+              <a:t>Distributions of cline parameters - centres (GATK call)</a:t>
             </a:r>
           </a:p>
         </p:txBody>
@@ -9189,7 +9307,7 @@
         </p:nvSpPr>
         <p:spPr>
           <a:xfrm>
-            <a:off x="528115" y="1100078"/>
+            <a:off x="6709458" y="409596"/>
             <a:ext cx="6001639" cy="369332"/>
           </a:xfrm>
           <a:prstGeom prst="rect">
@@ -9209,7 +9327,7 @@
             </a:pPr>
             <a:r>
               <a:rPr lang="en-GB" dirty="0"/>
-              <a:t>INDELs and SNPs after both filtering and cline analysis.</a:t>
+              <a:t>Clinal INDELs and SNPs.</a:t>
             </a:r>
           </a:p>
         </p:txBody>
@@ -9228,7 +9346,7 @@
         </p:nvSpPr>
         <p:spPr>
           <a:xfrm>
-            <a:off x="528115" y="1499563"/>
+            <a:off x="6709458" y="809081"/>
             <a:ext cx="3292824" cy="369332"/>
           </a:xfrm>
           <a:prstGeom prst="rect">
@@ -9250,6 +9368,46 @@
               <a:rPr lang="en-GB" dirty="0"/>
               <a:t>All six hybrid zones combined.</a:t>
             </a:r>
+          </a:p>
+        </p:txBody>
+      </p:sp>
+      <p:sp>
+        <p:nvSpPr>
+          <p:cNvPr id="11" name="TextBox 10">
+            <a:extLst>
+              <a:ext uri="{FF2B5EF4-FFF2-40B4-BE49-F238E27FC236}">
+                <a16:creationId xmlns:a16="http://schemas.microsoft.com/office/drawing/2014/main" id="{0204D076-8329-5844-9B89-47D809811C38}"/>
+              </a:ext>
+            </a:extLst>
+          </p:cNvPr>
+          <p:cNvSpPr txBox="1"/>
+          <p:nvPr/>
+        </p:nvSpPr>
+        <p:spPr>
+          <a:xfrm>
+            <a:off x="6428128" y="5469450"/>
+            <a:ext cx="5235757" cy="584775"/>
+          </a:xfrm>
+          <a:prstGeom prst="rect">
+            <a:avLst/>
+          </a:prstGeom>
+          <a:noFill/>
+        </p:spPr>
+        <p:txBody>
+          <a:bodyPr wrap="square" rtlCol="0">
+            <a:spAutoFit/>
+          </a:bodyPr>
+          <a:lstStyle/>
+          <a:p>
+            <a:r>
+              <a:rPr lang="en-GB" sz="1600" i="1" dirty="0"/>
+              <a:t>Figure 8. Proportions of SNPs vs INDELs for a given range of cline centres </a:t>
+            </a:r>
+            <a:r>
+              <a:rPr lang="en-GB" sz="1600" i="1"/>
+              <a:t>(colours).</a:t>
+            </a:r>
+            <a:endParaRPr lang="en-GB" sz="1600" i="1" dirty="0"/>
           </a:p>
         </p:txBody>
       </p:sp>

--- a/short_genetic_variants/docs/short_indels.pptx
+++ b/short_genetic_variants/docs/short_indels.pptx
@@ -5,7 +5,7 @@
     <p:sldMasterId id="2147483648" r:id="rId1"/>
   </p:sldMasterIdLst>
   <p:notesMasterIdLst>
-    <p:notesMasterId r:id="rId22"/>
+    <p:notesMasterId r:id="rId26"/>
   </p:notesMasterIdLst>
   <p:sldIdLst>
     <p:sldId id="256" r:id="rId2"/>
@@ -28,6 +28,10 @@
     <p:sldId id="275" r:id="rId19"/>
     <p:sldId id="277" r:id="rId20"/>
     <p:sldId id="276" r:id="rId21"/>
+    <p:sldId id="278" r:id="rId22"/>
+    <p:sldId id="279" r:id="rId23"/>
+    <p:sldId id="280" r:id="rId24"/>
+    <p:sldId id="281" r:id="rId25"/>
   </p:sldIdLst>
   <p:sldSz cx="12192000" cy="6858000"/>
   <p:notesSz cx="6858000" cy="9144000"/>
@@ -9385,7 +9389,7 @@
         </p:nvSpPr>
         <p:spPr>
           <a:xfrm>
-            <a:off x="6428128" y="5469450"/>
+            <a:off x="6428128" y="6203775"/>
             <a:ext cx="5235757" cy="584775"/>
           </a:xfrm>
           <a:prstGeom prst="rect">
@@ -9401,13 +9405,8 @@
           <a:p>
             <a:r>
               <a:rPr lang="en-GB" sz="1600" i="1" dirty="0"/>
-              <a:t>Figure 8. Proportions of SNPs vs INDELs for a given range of cline centres </a:t>
-            </a:r>
-            <a:r>
-              <a:rPr lang="en-GB" sz="1600" i="1"/>
-              <a:t>(colours).</a:t>
-            </a:r>
-            <a:endParaRPr lang="en-GB" sz="1600" i="1" dirty="0"/>
+              <a:t>Figure 8. Proportions of SNPs vs INDELs for a given range of cline centres (colours).</a:t>
+            </a:r>
           </a:p>
         </p:txBody>
       </p:sp>
@@ -9415,6 +9414,878 @@
     <p:extLst>
       <p:ext uri="{BB962C8B-B14F-4D97-AF65-F5344CB8AC3E}">
         <p14:creationId xmlns:p14="http://schemas.microsoft.com/office/powerpoint/2010/main" val="2202225606"/>
+      </p:ext>
+    </p:extLst>
+  </p:cSld>
+  <p:clrMapOvr>
+    <a:masterClrMapping/>
+  </p:clrMapOvr>
+</p:sld>
+</file>
+
+<file path=ppt/slides/slide21.xml><?xml version="1.0" encoding="utf-8"?>
+<p:sld xmlns:a="http://schemas.openxmlformats.org/drawingml/2006/main" xmlns:r="http://schemas.openxmlformats.org/officeDocument/2006/relationships" xmlns:p="http://schemas.openxmlformats.org/presentationml/2006/main">
+  <p:cSld>
+    <p:spTree>
+      <p:nvGrpSpPr>
+        <p:cNvPr id="1" name=""/>
+        <p:cNvGrpSpPr/>
+        <p:nvPr/>
+      </p:nvGrpSpPr>
+      <p:grpSpPr>
+        <a:xfrm>
+          <a:off x="0" y="0"/>
+          <a:ext cx="0" cy="0"/>
+          <a:chOff x="0" y="0"/>
+          <a:chExt cx="0" cy="0"/>
+        </a:xfrm>
+      </p:grpSpPr>
+      <p:pic>
+        <p:nvPicPr>
+          <p:cNvPr id="6" name="Picture 5">
+            <a:extLst>
+              <a:ext uri="{FF2B5EF4-FFF2-40B4-BE49-F238E27FC236}">
+                <a16:creationId xmlns:a16="http://schemas.microsoft.com/office/drawing/2014/main" id="{EB0D1348-DB7B-4D45-BC6E-211E3CFB7534}"/>
+              </a:ext>
+            </a:extLst>
+          </p:cNvPr>
+          <p:cNvPicPr>
+            <a:picLocks noChangeAspect="1"/>
+          </p:cNvPicPr>
+          <p:nvPr/>
+        </p:nvPicPr>
+        <p:blipFill>
+          <a:blip r:embed="rId2"/>
+          <a:stretch>
+            <a:fillRect/>
+          </a:stretch>
+        </p:blipFill>
+        <p:spPr>
+          <a:xfrm>
+            <a:off x="528115" y="1074850"/>
+            <a:ext cx="8228572" cy="5760000"/>
+          </a:xfrm>
+          <a:prstGeom prst="rect">
+            <a:avLst/>
+          </a:prstGeom>
+        </p:spPr>
+      </p:pic>
+      <p:sp>
+        <p:nvSpPr>
+          <p:cNvPr id="2" name="Rectangle 1">
+            <a:extLst>
+              <a:ext uri="{FF2B5EF4-FFF2-40B4-BE49-F238E27FC236}">
+                <a16:creationId xmlns:a16="http://schemas.microsoft.com/office/drawing/2014/main" id="{D91655BD-4E82-BE49-A7CD-CA31E3AFCA3B}"/>
+              </a:ext>
+            </a:extLst>
+          </p:cNvPr>
+          <p:cNvSpPr/>
+          <p:nvPr/>
+        </p:nvSpPr>
+        <p:spPr>
+          <a:xfrm>
+            <a:off x="528115" y="409596"/>
+            <a:ext cx="5467587" cy="369332"/>
+          </a:xfrm>
+          <a:prstGeom prst="rect">
+            <a:avLst/>
+          </a:prstGeom>
+        </p:spPr>
+        <p:txBody>
+          <a:bodyPr wrap="none">
+            <a:spAutoFit/>
+          </a:bodyPr>
+          <a:lstStyle/>
+          <a:p>
+            <a:pPr marL="342900" indent="-342900">
+              <a:buFont typeface="+mj-lt"/>
+              <a:buAutoNum type="arabicPeriod" startAt="4"/>
+            </a:pPr>
+            <a:r>
+              <a:rPr lang="en-GB" b="1" dirty="0"/>
+              <a:t>Distributions of cline parameters - width (GATK call)</a:t>
+            </a:r>
+          </a:p>
+        </p:txBody>
+      </p:sp>
+      <p:sp>
+        <p:nvSpPr>
+          <p:cNvPr id="3" name="TextBox 2">
+            <a:extLst>
+              <a:ext uri="{FF2B5EF4-FFF2-40B4-BE49-F238E27FC236}">
+                <a16:creationId xmlns:a16="http://schemas.microsoft.com/office/drawing/2014/main" id="{E3C4FFF0-6162-7545-8DED-E90631255C50}"/>
+              </a:ext>
+            </a:extLst>
+          </p:cNvPr>
+          <p:cNvSpPr txBox="1"/>
+          <p:nvPr/>
+        </p:nvSpPr>
+        <p:spPr>
+          <a:xfrm>
+            <a:off x="6709458" y="409596"/>
+            <a:ext cx="6001639" cy="369332"/>
+          </a:xfrm>
+          <a:prstGeom prst="rect">
+            <a:avLst/>
+          </a:prstGeom>
+          <a:noFill/>
+        </p:spPr>
+        <p:txBody>
+          <a:bodyPr wrap="square" rtlCol="0">
+            <a:spAutoFit/>
+          </a:bodyPr>
+          <a:lstStyle/>
+          <a:p>
+            <a:pPr marL="285750" indent="-285750">
+              <a:buFont typeface="Arial" panose="020B0604020202020204" pitchFamily="34" charset="0"/>
+              <a:buChar char="•"/>
+            </a:pPr>
+            <a:r>
+              <a:rPr lang="en-GB" dirty="0"/>
+              <a:t>Clinal INDELs and SNPs.</a:t>
+            </a:r>
+          </a:p>
+        </p:txBody>
+      </p:sp>
+      <p:sp>
+        <p:nvSpPr>
+          <p:cNvPr id="4" name="TextBox 3">
+            <a:extLst>
+              <a:ext uri="{FF2B5EF4-FFF2-40B4-BE49-F238E27FC236}">
+                <a16:creationId xmlns:a16="http://schemas.microsoft.com/office/drawing/2014/main" id="{3E27703C-140A-0642-910C-7B09247141B0}"/>
+              </a:ext>
+            </a:extLst>
+          </p:cNvPr>
+          <p:cNvSpPr txBox="1"/>
+          <p:nvPr/>
+        </p:nvSpPr>
+        <p:spPr>
+          <a:xfrm>
+            <a:off x="6709458" y="809081"/>
+            <a:ext cx="3292824" cy="369332"/>
+          </a:xfrm>
+          <a:prstGeom prst="rect">
+            <a:avLst/>
+          </a:prstGeom>
+          <a:noFill/>
+        </p:spPr>
+        <p:txBody>
+          <a:bodyPr wrap="none" rtlCol="0">
+            <a:spAutoFit/>
+          </a:bodyPr>
+          <a:lstStyle/>
+          <a:p>
+            <a:pPr marL="285750" indent="-285750">
+              <a:buFont typeface="Arial" panose="020B0604020202020204" pitchFamily="34" charset="0"/>
+              <a:buChar char="•"/>
+            </a:pPr>
+            <a:r>
+              <a:rPr lang="en-GB" dirty="0"/>
+              <a:t>All six hybrid zones combined.</a:t>
+            </a:r>
+          </a:p>
+        </p:txBody>
+      </p:sp>
+      <p:sp>
+        <p:nvSpPr>
+          <p:cNvPr id="11" name="TextBox 10">
+            <a:extLst>
+              <a:ext uri="{FF2B5EF4-FFF2-40B4-BE49-F238E27FC236}">
+                <a16:creationId xmlns:a16="http://schemas.microsoft.com/office/drawing/2014/main" id="{0204D076-8329-5844-9B89-47D809811C38}"/>
+              </a:ext>
+            </a:extLst>
+          </p:cNvPr>
+          <p:cNvSpPr txBox="1"/>
+          <p:nvPr/>
+        </p:nvSpPr>
+        <p:spPr>
+          <a:xfrm>
+            <a:off x="8756687" y="6048919"/>
+            <a:ext cx="3292825" cy="830997"/>
+          </a:xfrm>
+          <a:prstGeom prst="rect">
+            <a:avLst/>
+          </a:prstGeom>
+          <a:noFill/>
+        </p:spPr>
+        <p:txBody>
+          <a:bodyPr wrap="square" rtlCol="0">
+            <a:spAutoFit/>
+          </a:bodyPr>
+          <a:lstStyle/>
+          <a:p>
+            <a:r>
+              <a:rPr lang="en-GB" sz="1600" i="1" dirty="0"/>
+              <a:t>Figure 9. Proportions of SNPs vs INDELs for a given range of cline widths (colours).</a:t>
+            </a:r>
+          </a:p>
+        </p:txBody>
+      </p:sp>
+    </p:spTree>
+    <p:extLst>
+      <p:ext uri="{BB962C8B-B14F-4D97-AF65-F5344CB8AC3E}">
+        <p14:creationId xmlns:p14="http://schemas.microsoft.com/office/powerpoint/2010/main" val="1703685879"/>
+      </p:ext>
+    </p:extLst>
+  </p:cSld>
+  <p:clrMapOvr>
+    <a:masterClrMapping/>
+  </p:clrMapOvr>
+</p:sld>
+</file>
+
+<file path=ppt/slides/slide22.xml><?xml version="1.0" encoding="utf-8"?>
+<p:sld xmlns:a="http://schemas.openxmlformats.org/drawingml/2006/main" xmlns:r="http://schemas.openxmlformats.org/officeDocument/2006/relationships" xmlns:p="http://schemas.openxmlformats.org/presentationml/2006/main">
+  <p:cSld>
+    <p:spTree>
+      <p:nvGrpSpPr>
+        <p:cNvPr id="1" name=""/>
+        <p:cNvGrpSpPr/>
+        <p:nvPr/>
+      </p:nvGrpSpPr>
+      <p:grpSpPr>
+        <a:xfrm>
+          <a:off x="0" y="0"/>
+          <a:ext cx="0" cy="0"/>
+          <a:chOff x="0" y="0"/>
+          <a:chExt cx="0" cy="0"/>
+        </a:xfrm>
+      </p:grpSpPr>
+      <p:pic>
+        <p:nvPicPr>
+          <p:cNvPr id="7" name="Picture 6">
+            <a:extLst>
+              <a:ext uri="{FF2B5EF4-FFF2-40B4-BE49-F238E27FC236}">
+                <a16:creationId xmlns:a16="http://schemas.microsoft.com/office/drawing/2014/main" id="{27F924E1-FEE8-9041-AB2A-34CCD9E090BA}"/>
+              </a:ext>
+            </a:extLst>
+          </p:cNvPr>
+          <p:cNvPicPr>
+            <a:picLocks noChangeAspect="1"/>
+          </p:cNvPicPr>
+          <p:nvPr/>
+        </p:nvPicPr>
+        <p:blipFill>
+          <a:blip r:embed="rId2"/>
+          <a:stretch>
+            <a:fillRect/>
+          </a:stretch>
+        </p:blipFill>
+        <p:spPr>
+          <a:xfrm>
+            <a:off x="528115" y="993747"/>
+            <a:ext cx="8228571" cy="5760000"/>
+          </a:xfrm>
+          <a:prstGeom prst="rect">
+            <a:avLst/>
+          </a:prstGeom>
+        </p:spPr>
+      </p:pic>
+      <p:sp>
+        <p:nvSpPr>
+          <p:cNvPr id="2" name="Rectangle 1">
+            <a:extLst>
+              <a:ext uri="{FF2B5EF4-FFF2-40B4-BE49-F238E27FC236}">
+                <a16:creationId xmlns:a16="http://schemas.microsoft.com/office/drawing/2014/main" id="{D91655BD-4E82-BE49-A7CD-CA31E3AFCA3B}"/>
+              </a:ext>
+            </a:extLst>
+          </p:cNvPr>
+          <p:cNvSpPr/>
+          <p:nvPr/>
+        </p:nvSpPr>
+        <p:spPr>
+          <a:xfrm>
+            <a:off x="528115" y="409596"/>
+            <a:ext cx="5422703" cy="369332"/>
+          </a:xfrm>
+          <a:prstGeom prst="rect">
+            <a:avLst/>
+          </a:prstGeom>
+        </p:spPr>
+        <p:txBody>
+          <a:bodyPr wrap="none">
+            <a:spAutoFit/>
+          </a:bodyPr>
+          <a:lstStyle/>
+          <a:p>
+            <a:pPr marL="342900" indent="-342900">
+              <a:buFont typeface="+mj-lt"/>
+              <a:buAutoNum type="arabicPeriod" startAt="4"/>
+            </a:pPr>
+            <a:r>
+              <a:rPr lang="en-GB" b="1" dirty="0"/>
+              <a:t>Distributions of cline parameters - slope (GATK call)</a:t>
+            </a:r>
+          </a:p>
+        </p:txBody>
+      </p:sp>
+      <p:sp>
+        <p:nvSpPr>
+          <p:cNvPr id="3" name="TextBox 2">
+            <a:extLst>
+              <a:ext uri="{FF2B5EF4-FFF2-40B4-BE49-F238E27FC236}">
+                <a16:creationId xmlns:a16="http://schemas.microsoft.com/office/drawing/2014/main" id="{E3C4FFF0-6162-7545-8DED-E90631255C50}"/>
+              </a:ext>
+            </a:extLst>
+          </p:cNvPr>
+          <p:cNvSpPr txBox="1"/>
+          <p:nvPr/>
+        </p:nvSpPr>
+        <p:spPr>
+          <a:xfrm>
+            <a:off x="6709458" y="409596"/>
+            <a:ext cx="6001639" cy="369332"/>
+          </a:xfrm>
+          <a:prstGeom prst="rect">
+            <a:avLst/>
+          </a:prstGeom>
+          <a:noFill/>
+        </p:spPr>
+        <p:txBody>
+          <a:bodyPr wrap="square" rtlCol="0">
+            <a:spAutoFit/>
+          </a:bodyPr>
+          <a:lstStyle/>
+          <a:p>
+            <a:pPr marL="285750" indent="-285750">
+              <a:buFont typeface="Arial" panose="020B0604020202020204" pitchFamily="34" charset="0"/>
+              <a:buChar char="•"/>
+            </a:pPr>
+            <a:r>
+              <a:rPr lang="en-GB" dirty="0"/>
+              <a:t>Clinal INDELs and SNPs.</a:t>
+            </a:r>
+          </a:p>
+        </p:txBody>
+      </p:sp>
+      <p:sp>
+        <p:nvSpPr>
+          <p:cNvPr id="4" name="TextBox 3">
+            <a:extLst>
+              <a:ext uri="{FF2B5EF4-FFF2-40B4-BE49-F238E27FC236}">
+                <a16:creationId xmlns:a16="http://schemas.microsoft.com/office/drawing/2014/main" id="{3E27703C-140A-0642-910C-7B09247141B0}"/>
+              </a:ext>
+            </a:extLst>
+          </p:cNvPr>
+          <p:cNvSpPr txBox="1"/>
+          <p:nvPr/>
+        </p:nvSpPr>
+        <p:spPr>
+          <a:xfrm>
+            <a:off x="6709458" y="809081"/>
+            <a:ext cx="3292824" cy="369332"/>
+          </a:xfrm>
+          <a:prstGeom prst="rect">
+            <a:avLst/>
+          </a:prstGeom>
+          <a:noFill/>
+        </p:spPr>
+        <p:txBody>
+          <a:bodyPr wrap="none" rtlCol="0">
+            <a:spAutoFit/>
+          </a:bodyPr>
+          <a:lstStyle/>
+          <a:p>
+            <a:pPr marL="285750" indent="-285750">
+              <a:buFont typeface="Arial" panose="020B0604020202020204" pitchFamily="34" charset="0"/>
+              <a:buChar char="•"/>
+            </a:pPr>
+            <a:r>
+              <a:rPr lang="en-GB" dirty="0"/>
+              <a:t>All six hybrid zones combined.</a:t>
+            </a:r>
+          </a:p>
+        </p:txBody>
+      </p:sp>
+      <p:sp>
+        <p:nvSpPr>
+          <p:cNvPr id="11" name="TextBox 10">
+            <a:extLst>
+              <a:ext uri="{FF2B5EF4-FFF2-40B4-BE49-F238E27FC236}">
+                <a16:creationId xmlns:a16="http://schemas.microsoft.com/office/drawing/2014/main" id="{0204D076-8329-5844-9B89-47D809811C38}"/>
+              </a:ext>
+            </a:extLst>
+          </p:cNvPr>
+          <p:cNvSpPr txBox="1"/>
+          <p:nvPr/>
+        </p:nvSpPr>
+        <p:spPr>
+          <a:xfrm>
+            <a:off x="5745952" y="5922750"/>
+            <a:ext cx="5446767" cy="584775"/>
+          </a:xfrm>
+          <a:prstGeom prst="rect">
+            <a:avLst/>
+          </a:prstGeom>
+          <a:noFill/>
+        </p:spPr>
+        <p:txBody>
+          <a:bodyPr wrap="square" rtlCol="0">
+            <a:spAutoFit/>
+          </a:bodyPr>
+          <a:lstStyle/>
+          <a:p>
+            <a:r>
+              <a:rPr lang="en-GB" sz="1600" i="1" dirty="0"/>
+              <a:t>Figure 10. Proportions of SNPs vs INDELs for a given range of cline slopes (colours).</a:t>
+            </a:r>
+          </a:p>
+        </p:txBody>
+      </p:sp>
+    </p:spTree>
+    <p:extLst>
+      <p:ext uri="{BB962C8B-B14F-4D97-AF65-F5344CB8AC3E}">
+        <p14:creationId xmlns:p14="http://schemas.microsoft.com/office/powerpoint/2010/main" val="3083649855"/>
+      </p:ext>
+    </p:extLst>
+  </p:cSld>
+  <p:clrMapOvr>
+    <a:masterClrMapping/>
+  </p:clrMapOvr>
+</p:sld>
+</file>
+
+<file path=ppt/slides/slide23.xml><?xml version="1.0" encoding="utf-8"?>
+<p:sld xmlns:a="http://schemas.openxmlformats.org/drawingml/2006/main" xmlns:r="http://schemas.openxmlformats.org/officeDocument/2006/relationships" xmlns:p="http://schemas.openxmlformats.org/presentationml/2006/main">
+  <p:cSld>
+    <p:spTree>
+      <p:nvGrpSpPr>
+        <p:cNvPr id="1" name=""/>
+        <p:cNvGrpSpPr/>
+        <p:nvPr/>
+      </p:nvGrpSpPr>
+      <p:grpSpPr>
+        <a:xfrm>
+          <a:off x="0" y="0"/>
+          <a:ext cx="0" cy="0"/>
+          <a:chOff x="0" y="0"/>
+          <a:chExt cx="0" cy="0"/>
+        </a:xfrm>
+      </p:grpSpPr>
+      <p:pic>
+        <p:nvPicPr>
+          <p:cNvPr id="6" name="Picture 5">
+            <a:extLst>
+              <a:ext uri="{FF2B5EF4-FFF2-40B4-BE49-F238E27FC236}">
+                <a16:creationId xmlns:a16="http://schemas.microsoft.com/office/drawing/2014/main" id="{71C83DEF-541B-2540-88D1-54ED2E49E36B}"/>
+              </a:ext>
+            </a:extLst>
+          </p:cNvPr>
+          <p:cNvPicPr>
+            <a:picLocks noChangeAspect="1"/>
+          </p:cNvPicPr>
+          <p:nvPr/>
+        </p:nvPicPr>
+        <p:blipFill>
+          <a:blip r:embed="rId2"/>
+          <a:stretch>
+            <a:fillRect/>
+          </a:stretch>
+        </p:blipFill>
+        <p:spPr>
+          <a:xfrm>
+            <a:off x="528115" y="993747"/>
+            <a:ext cx="8228571" cy="5760000"/>
+          </a:xfrm>
+          <a:prstGeom prst="rect">
+            <a:avLst/>
+          </a:prstGeom>
+        </p:spPr>
+      </p:pic>
+      <p:sp>
+        <p:nvSpPr>
+          <p:cNvPr id="2" name="Rectangle 1">
+            <a:extLst>
+              <a:ext uri="{FF2B5EF4-FFF2-40B4-BE49-F238E27FC236}">
+                <a16:creationId xmlns:a16="http://schemas.microsoft.com/office/drawing/2014/main" id="{D91655BD-4E82-BE49-A7CD-CA31E3AFCA3B}"/>
+              </a:ext>
+            </a:extLst>
+          </p:cNvPr>
+          <p:cNvSpPr/>
+          <p:nvPr/>
+        </p:nvSpPr>
+        <p:spPr>
+          <a:xfrm>
+            <a:off x="528115" y="409596"/>
+            <a:ext cx="5523692" cy="369332"/>
+          </a:xfrm>
+          <a:prstGeom prst="rect">
+            <a:avLst/>
+          </a:prstGeom>
+        </p:spPr>
+        <p:txBody>
+          <a:bodyPr wrap="none">
+            <a:spAutoFit/>
+          </a:bodyPr>
+          <a:lstStyle/>
+          <a:p>
+            <a:pPr marL="342900" indent="-342900">
+              <a:buFont typeface="+mj-lt"/>
+              <a:buAutoNum type="arabicPeriod" startAt="4"/>
+            </a:pPr>
+            <a:r>
+              <a:rPr lang="en-GB" b="1" dirty="0"/>
+              <a:t>Distributions of cline parameters – </a:t>
+            </a:r>
+            <a:r>
+              <a:rPr lang="en-GB" b="1" dirty="0" err="1"/>
+              <a:t>p_diff</a:t>
+            </a:r>
+            <a:r>
+              <a:rPr lang="en-GB" b="1" dirty="0"/>
+              <a:t> (GATK call)</a:t>
+            </a:r>
+          </a:p>
+        </p:txBody>
+      </p:sp>
+      <p:sp>
+        <p:nvSpPr>
+          <p:cNvPr id="3" name="TextBox 2">
+            <a:extLst>
+              <a:ext uri="{FF2B5EF4-FFF2-40B4-BE49-F238E27FC236}">
+                <a16:creationId xmlns:a16="http://schemas.microsoft.com/office/drawing/2014/main" id="{E3C4FFF0-6162-7545-8DED-E90631255C50}"/>
+              </a:ext>
+            </a:extLst>
+          </p:cNvPr>
+          <p:cNvSpPr txBox="1"/>
+          <p:nvPr/>
+        </p:nvSpPr>
+        <p:spPr>
+          <a:xfrm>
+            <a:off x="6709458" y="409596"/>
+            <a:ext cx="6001639" cy="369332"/>
+          </a:xfrm>
+          <a:prstGeom prst="rect">
+            <a:avLst/>
+          </a:prstGeom>
+          <a:noFill/>
+        </p:spPr>
+        <p:txBody>
+          <a:bodyPr wrap="square" rtlCol="0">
+            <a:spAutoFit/>
+          </a:bodyPr>
+          <a:lstStyle/>
+          <a:p>
+            <a:pPr marL="285750" indent="-285750">
+              <a:buFont typeface="Arial" panose="020B0604020202020204" pitchFamily="34" charset="0"/>
+              <a:buChar char="•"/>
+            </a:pPr>
+            <a:r>
+              <a:rPr lang="en-GB" dirty="0"/>
+              <a:t>Clinal INDELs and SNPs.</a:t>
+            </a:r>
+          </a:p>
+        </p:txBody>
+      </p:sp>
+      <p:sp>
+        <p:nvSpPr>
+          <p:cNvPr id="4" name="TextBox 3">
+            <a:extLst>
+              <a:ext uri="{FF2B5EF4-FFF2-40B4-BE49-F238E27FC236}">
+                <a16:creationId xmlns:a16="http://schemas.microsoft.com/office/drawing/2014/main" id="{3E27703C-140A-0642-910C-7B09247141B0}"/>
+              </a:ext>
+            </a:extLst>
+          </p:cNvPr>
+          <p:cNvSpPr txBox="1"/>
+          <p:nvPr/>
+        </p:nvSpPr>
+        <p:spPr>
+          <a:xfrm>
+            <a:off x="6709458" y="809081"/>
+            <a:ext cx="3292824" cy="369332"/>
+          </a:xfrm>
+          <a:prstGeom prst="rect">
+            <a:avLst/>
+          </a:prstGeom>
+          <a:noFill/>
+        </p:spPr>
+        <p:txBody>
+          <a:bodyPr wrap="none" rtlCol="0">
+            <a:spAutoFit/>
+          </a:bodyPr>
+          <a:lstStyle/>
+          <a:p>
+            <a:pPr marL="285750" indent="-285750">
+              <a:buFont typeface="Arial" panose="020B0604020202020204" pitchFamily="34" charset="0"/>
+              <a:buChar char="•"/>
+            </a:pPr>
+            <a:r>
+              <a:rPr lang="en-GB" dirty="0"/>
+              <a:t>All six hybrid zones combined.</a:t>
+            </a:r>
+          </a:p>
+        </p:txBody>
+      </p:sp>
+      <p:sp>
+        <p:nvSpPr>
+          <p:cNvPr id="11" name="TextBox 10">
+            <a:extLst>
+              <a:ext uri="{FF2B5EF4-FFF2-40B4-BE49-F238E27FC236}">
+                <a16:creationId xmlns:a16="http://schemas.microsoft.com/office/drawing/2014/main" id="{0204D076-8329-5844-9B89-47D809811C38}"/>
+              </a:ext>
+            </a:extLst>
+          </p:cNvPr>
+          <p:cNvSpPr txBox="1"/>
+          <p:nvPr/>
+        </p:nvSpPr>
+        <p:spPr>
+          <a:xfrm>
+            <a:off x="7736798" y="5922750"/>
+            <a:ext cx="4173551" cy="830997"/>
+          </a:xfrm>
+          <a:prstGeom prst="rect">
+            <a:avLst/>
+          </a:prstGeom>
+          <a:noFill/>
+        </p:spPr>
+        <p:txBody>
+          <a:bodyPr wrap="square" rtlCol="0">
+            <a:spAutoFit/>
+          </a:bodyPr>
+          <a:lstStyle/>
+          <a:p>
+            <a:r>
+              <a:rPr lang="en-GB" sz="1600" i="1" dirty="0"/>
+              <a:t>Figure 11. Proportions of SNPs vs INDELs for a given range of cline end frequencies difference (colours).</a:t>
+            </a:r>
+          </a:p>
+        </p:txBody>
+      </p:sp>
+    </p:spTree>
+    <p:extLst>
+      <p:ext uri="{BB962C8B-B14F-4D97-AF65-F5344CB8AC3E}">
+        <p14:creationId xmlns:p14="http://schemas.microsoft.com/office/powerpoint/2010/main" val="2959286710"/>
+      </p:ext>
+    </p:extLst>
+  </p:cSld>
+  <p:clrMapOvr>
+    <a:masterClrMapping/>
+  </p:clrMapOvr>
+</p:sld>
+</file>
+
+<file path=ppt/slides/slide24.xml><?xml version="1.0" encoding="utf-8"?>
+<p:sld xmlns:a="http://schemas.openxmlformats.org/drawingml/2006/main" xmlns:r="http://schemas.openxmlformats.org/officeDocument/2006/relationships" xmlns:p="http://schemas.openxmlformats.org/presentationml/2006/main">
+  <p:cSld>
+    <p:spTree>
+      <p:nvGrpSpPr>
+        <p:cNvPr id="1" name=""/>
+        <p:cNvGrpSpPr/>
+        <p:nvPr/>
+      </p:nvGrpSpPr>
+      <p:grpSpPr>
+        <a:xfrm>
+          <a:off x="0" y="0"/>
+          <a:ext cx="0" cy="0"/>
+          <a:chOff x="0" y="0"/>
+          <a:chExt cx="0" cy="0"/>
+        </a:xfrm>
+      </p:grpSpPr>
+      <p:pic>
+        <p:nvPicPr>
+          <p:cNvPr id="7" name="Picture 6">
+            <a:extLst>
+              <a:ext uri="{FF2B5EF4-FFF2-40B4-BE49-F238E27FC236}">
+                <a16:creationId xmlns:a16="http://schemas.microsoft.com/office/drawing/2014/main" id="{41A90278-B252-2E4B-970D-2386C78C7D34}"/>
+              </a:ext>
+            </a:extLst>
+          </p:cNvPr>
+          <p:cNvPicPr>
+            <a:picLocks noChangeAspect="1"/>
+          </p:cNvPicPr>
+          <p:nvPr/>
+        </p:nvPicPr>
+        <p:blipFill>
+          <a:blip r:embed="rId2"/>
+          <a:stretch>
+            <a:fillRect/>
+          </a:stretch>
+        </p:blipFill>
+        <p:spPr>
+          <a:xfrm>
+            <a:off x="528115" y="993747"/>
+            <a:ext cx="8228571" cy="5760000"/>
+          </a:xfrm>
+          <a:prstGeom prst="rect">
+            <a:avLst/>
+          </a:prstGeom>
+        </p:spPr>
+      </p:pic>
+      <p:sp>
+        <p:nvSpPr>
+          <p:cNvPr id="2" name="Rectangle 1">
+            <a:extLst>
+              <a:ext uri="{FF2B5EF4-FFF2-40B4-BE49-F238E27FC236}">
+                <a16:creationId xmlns:a16="http://schemas.microsoft.com/office/drawing/2014/main" id="{D91655BD-4E82-BE49-A7CD-CA31E3AFCA3B}"/>
+              </a:ext>
+            </a:extLst>
+          </p:cNvPr>
+          <p:cNvSpPr/>
+          <p:nvPr/>
+        </p:nvSpPr>
+        <p:spPr>
+          <a:xfrm>
+            <a:off x="528115" y="409596"/>
+            <a:ext cx="5535554" cy="369332"/>
+          </a:xfrm>
+          <a:prstGeom prst="rect">
+            <a:avLst/>
+          </a:prstGeom>
+        </p:spPr>
+        <p:txBody>
+          <a:bodyPr wrap="none">
+            <a:spAutoFit/>
+          </a:bodyPr>
+          <a:lstStyle/>
+          <a:p>
+            <a:pPr marL="342900" indent="-342900">
+              <a:buFont typeface="+mj-lt"/>
+              <a:buAutoNum type="arabicPeriod" startAt="4"/>
+            </a:pPr>
+            <a:r>
+              <a:rPr lang="en-GB" b="1" dirty="0"/>
+              <a:t>Distributions of cline parameters – </a:t>
+            </a:r>
+            <a:r>
+              <a:rPr lang="en-GB" b="1" dirty="0" err="1"/>
+              <a:t>Var.Ex</a:t>
+            </a:r>
+            <a:r>
+              <a:rPr lang="en-GB" b="1" dirty="0"/>
+              <a:t> (GATK call)</a:t>
+            </a:r>
+          </a:p>
+        </p:txBody>
+      </p:sp>
+      <p:sp>
+        <p:nvSpPr>
+          <p:cNvPr id="3" name="TextBox 2">
+            <a:extLst>
+              <a:ext uri="{FF2B5EF4-FFF2-40B4-BE49-F238E27FC236}">
+                <a16:creationId xmlns:a16="http://schemas.microsoft.com/office/drawing/2014/main" id="{E3C4FFF0-6162-7545-8DED-E90631255C50}"/>
+              </a:ext>
+            </a:extLst>
+          </p:cNvPr>
+          <p:cNvSpPr txBox="1"/>
+          <p:nvPr/>
+        </p:nvSpPr>
+        <p:spPr>
+          <a:xfrm>
+            <a:off x="6709458" y="409596"/>
+            <a:ext cx="6001639" cy="369332"/>
+          </a:xfrm>
+          <a:prstGeom prst="rect">
+            <a:avLst/>
+          </a:prstGeom>
+          <a:noFill/>
+        </p:spPr>
+        <p:txBody>
+          <a:bodyPr wrap="square" rtlCol="0">
+            <a:spAutoFit/>
+          </a:bodyPr>
+          <a:lstStyle/>
+          <a:p>
+            <a:pPr marL="285750" indent="-285750">
+              <a:buFont typeface="Arial" panose="020B0604020202020204" pitchFamily="34" charset="0"/>
+              <a:buChar char="•"/>
+            </a:pPr>
+            <a:r>
+              <a:rPr lang="en-GB" dirty="0"/>
+              <a:t>Clinal INDELs and SNPs.</a:t>
+            </a:r>
+          </a:p>
+        </p:txBody>
+      </p:sp>
+      <p:sp>
+        <p:nvSpPr>
+          <p:cNvPr id="4" name="TextBox 3">
+            <a:extLst>
+              <a:ext uri="{FF2B5EF4-FFF2-40B4-BE49-F238E27FC236}">
+                <a16:creationId xmlns:a16="http://schemas.microsoft.com/office/drawing/2014/main" id="{3E27703C-140A-0642-910C-7B09247141B0}"/>
+              </a:ext>
+            </a:extLst>
+          </p:cNvPr>
+          <p:cNvSpPr txBox="1"/>
+          <p:nvPr/>
+        </p:nvSpPr>
+        <p:spPr>
+          <a:xfrm>
+            <a:off x="6709458" y="809081"/>
+            <a:ext cx="3292824" cy="369332"/>
+          </a:xfrm>
+          <a:prstGeom prst="rect">
+            <a:avLst/>
+          </a:prstGeom>
+          <a:noFill/>
+        </p:spPr>
+        <p:txBody>
+          <a:bodyPr wrap="none" rtlCol="0">
+            <a:spAutoFit/>
+          </a:bodyPr>
+          <a:lstStyle/>
+          <a:p>
+            <a:pPr marL="285750" indent="-285750">
+              <a:buFont typeface="Arial" panose="020B0604020202020204" pitchFamily="34" charset="0"/>
+              <a:buChar char="•"/>
+            </a:pPr>
+            <a:r>
+              <a:rPr lang="en-GB" dirty="0"/>
+              <a:t>All six hybrid zones combined.</a:t>
+            </a:r>
+          </a:p>
+        </p:txBody>
+      </p:sp>
+      <p:sp>
+        <p:nvSpPr>
+          <p:cNvPr id="11" name="TextBox 10">
+            <a:extLst>
+              <a:ext uri="{FF2B5EF4-FFF2-40B4-BE49-F238E27FC236}">
+                <a16:creationId xmlns:a16="http://schemas.microsoft.com/office/drawing/2014/main" id="{0204D076-8329-5844-9B89-47D809811C38}"/>
+              </a:ext>
+            </a:extLst>
+          </p:cNvPr>
+          <p:cNvSpPr txBox="1"/>
+          <p:nvPr/>
+        </p:nvSpPr>
+        <p:spPr>
+          <a:xfrm>
+            <a:off x="6709458" y="6168972"/>
+            <a:ext cx="4173551" cy="584775"/>
+          </a:xfrm>
+          <a:prstGeom prst="rect">
+            <a:avLst/>
+          </a:prstGeom>
+          <a:noFill/>
+        </p:spPr>
+        <p:txBody>
+          <a:bodyPr wrap="square" rtlCol="0">
+            <a:spAutoFit/>
+          </a:bodyPr>
+          <a:lstStyle/>
+          <a:p>
+            <a:r>
+              <a:rPr lang="en-GB" sz="1600" i="1"/>
+              <a:t>Figure 1</a:t>
+            </a:r>
+            <a:r>
+              <a:rPr lang="en-GB" sz="1600" i="1" dirty="0"/>
+              <a:t>2</a:t>
+            </a:r>
+            <a:r>
+              <a:rPr lang="en-GB" sz="1600" i="1"/>
+              <a:t>. </a:t>
+            </a:r>
+            <a:r>
+              <a:rPr lang="en-GB" sz="1600" i="1" dirty="0"/>
+              <a:t>Proportions of SNPs vs INDELs for a given range of variance explained (colours).</a:t>
+            </a:r>
+          </a:p>
+        </p:txBody>
+      </p:sp>
+    </p:spTree>
+    <p:extLst>
+      <p:ext uri="{BB962C8B-B14F-4D97-AF65-F5344CB8AC3E}">
+        <p14:creationId xmlns:p14="http://schemas.microsoft.com/office/powerpoint/2010/main" val="538201665"/>
       </p:ext>
     </p:extLst>
   </p:cSld>

--- a/short_genetic_variants/docs/short_indels.pptx
+++ b/short_genetic_variants/docs/short_indels.pptx
@@ -8892,15 +8892,7 @@
             </a:pPr>
             <a:r>
               <a:rPr lang="en-GB" dirty="0"/>
-              <a:t>Similarly, we can compare INDELs-SNPs </a:t>
-            </a:r>
-            <a:r>
-              <a:rPr lang="en-GB" dirty="0" err="1"/>
-              <a:t>proporitons</a:t>
-            </a:r>
-            <a:r>
-              <a:rPr lang="en-GB" dirty="0"/>
-              <a:t> with respect to the cline parameters:</a:t>
+              <a:t>Similarly, we can compare INDELs-SNPs proportions with respect to the cline parameters:</a:t>
             </a:r>
           </a:p>
           <a:p>
@@ -10264,20 +10256,8 @@
           <a:lstStyle/>
           <a:p>
             <a:r>
-              <a:rPr lang="en-GB" sz="1600" i="1"/>
-              <a:t>Figure 1</a:t>
-            </a:r>
-            <a:r>
               <a:rPr lang="en-GB" sz="1600" i="1" dirty="0"/>
-              <a:t>2</a:t>
-            </a:r>
-            <a:r>
-              <a:rPr lang="en-GB" sz="1600" i="1"/>
-              <a:t>. </a:t>
-            </a:r>
-            <a:r>
-              <a:rPr lang="en-GB" sz="1600" i="1" dirty="0"/>
-              <a:t>Proportions of SNPs vs INDELs for a given range of variance explained (colours).</a:t>
+              <a:t>Figure 12. Proportions of SNPs vs INDELs for a given range of variance explained (colours).</a:t>
             </a:r>
           </a:p>
         </p:txBody>

--- a/short_genetic_variants/docs/short_indels.pptx
+++ b/short_genetic_variants/docs/short_indels.pptx
@@ -5,33 +5,36 @@
     <p:sldMasterId id="2147483648" r:id="rId1"/>
   </p:sldMasterIdLst>
   <p:notesMasterIdLst>
-    <p:notesMasterId r:id="rId26"/>
+    <p:notesMasterId r:id="rId29"/>
   </p:notesMasterIdLst>
   <p:sldIdLst>
     <p:sldId id="256" r:id="rId2"/>
     <p:sldId id="257" r:id="rId3"/>
     <p:sldId id="259" r:id="rId4"/>
-    <p:sldId id="264" r:id="rId5"/>
-    <p:sldId id="265" r:id="rId6"/>
-    <p:sldId id="260" r:id="rId7"/>
-    <p:sldId id="263" r:id="rId8"/>
-    <p:sldId id="272" r:id="rId9"/>
-    <p:sldId id="258" r:id="rId10"/>
-    <p:sldId id="271" r:id="rId11"/>
-    <p:sldId id="261" r:id="rId12"/>
-    <p:sldId id="262" r:id="rId13"/>
-    <p:sldId id="266" r:id="rId14"/>
-    <p:sldId id="267" r:id="rId15"/>
-    <p:sldId id="269" r:id="rId16"/>
-    <p:sldId id="273" r:id="rId17"/>
-    <p:sldId id="274" r:id="rId18"/>
-    <p:sldId id="275" r:id="rId19"/>
-    <p:sldId id="277" r:id="rId20"/>
-    <p:sldId id="276" r:id="rId21"/>
-    <p:sldId id="278" r:id="rId22"/>
-    <p:sldId id="279" r:id="rId23"/>
-    <p:sldId id="280" r:id="rId24"/>
-    <p:sldId id="281" r:id="rId25"/>
+    <p:sldId id="275" r:id="rId5"/>
+    <p:sldId id="284" r:id="rId6"/>
+    <p:sldId id="283" r:id="rId7"/>
+    <p:sldId id="264" r:id="rId8"/>
+    <p:sldId id="265" r:id="rId9"/>
+    <p:sldId id="260" r:id="rId10"/>
+    <p:sldId id="263" r:id="rId11"/>
+    <p:sldId id="272" r:id="rId12"/>
+    <p:sldId id="258" r:id="rId13"/>
+    <p:sldId id="271" r:id="rId14"/>
+    <p:sldId id="261" r:id="rId15"/>
+    <p:sldId id="262" r:id="rId16"/>
+    <p:sldId id="266" r:id="rId17"/>
+    <p:sldId id="267" r:id="rId18"/>
+    <p:sldId id="269" r:id="rId19"/>
+    <p:sldId id="273" r:id="rId20"/>
+    <p:sldId id="274" r:id="rId21"/>
+    <p:sldId id="282" r:id="rId22"/>
+    <p:sldId id="277" r:id="rId23"/>
+    <p:sldId id="276" r:id="rId24"/>
+    <p:sldId id="278" r:id="rId25"/>
+    <p:sldId id="279" r:id="rId26"/>
+    <p:sldId id="280" r:id="rId27"/>
+    <p:sldId id="281" r:id="rId28"/>
   </p:sldIdLst>
   <p:sldSz cx="12192000" cy="6858000"/>
   <p:notesSz cx="6858000" cy="9144000"/>
@@ -220,7 +223,7 @@
           <a:p>
             <a:fld id="{ADC703C6-BB32-1847-9BA4-6A93FF920BED}" type="datetimeFigureOut">
               <a:rPr lang="en-GB" smtClean="0"/>
-              <a:t>02/07/2020</a:t>
+              <a:t>03/07/2020</a:t>
             </a:fld>
             <a:endParaRPr lang="en-GB"/>
           </a:p>
@@ -553,7 +556,7 @@
           <a:p>
             <a:fld id="{2ADA2D0F-F41E-7742-88B9-1534E3544B0B}" type="slidenum">
               <a:rPr lang="en-GB" smtClean="0"/>
-              <a:t>15</a:t>
+              <a:t>18</a:t>
             </a:fld>
             <a:endParaRPr lang="en-GB"/>
           </a:p>
@@ -721,7 +724,7 @@
           <a:p>
             <a:fld id="{5C316670-22DA-CE45-BF19-C0B19D676291}" type="datetimeFigureOut">
               <a:rPr lang="en-GB" smtClean="0"/>
-              <a:t>02/07/2020</a:t>
+              <a:t>03/07/2020</a:t>
             </a:fld>
             <a:endParaRPr lang="en-GB"/>
           </a:p>
@@ -921,7 +924,7 @@
           <a:p>
             <a:fld id="{5C316670-22DA-CE45-BF19-C0B19D676291}" type="datetimeFigureOut">
               <a:rPr lang="en-GB" smtClean="0"/>
-              <a:t>02/07/2020</a:t>
+              <a:t>03/07/2020</a:t>
             </a:fld>
             <a:endParaRPr lang="en-GB"/>
           </a:p>
@@ -1131,7 +1134,7 @@
           <a:p>
             <a:fld id="{5C316670-22DA-CE45-BF19-C0B19D676291}" type="datetimeFigureOut">
               <a:rPr lang="en-GB" smtClean="0"/>
-              <a:t>02/07/2020</a:t>
+              <a:t>03/07/2020</a:t>
             </a:fld>
             <a:endParaRPr lang="en-GB"/>
           </a:p>
@@ -1331,7 +1334,7 @@
           <a:p>
             <a:fld id="{5C316670-22DA-CE45-BF19-C0B19D676291}" type="datetimeFigureOut">
               <a:rPr lang="en-GB" smtClean="0"/>
-              <a:t>02/07/2020</a:t>
+              <a:t>03/07/2020</a:t>
             </a:fld>
             <a:endParaRPr lang="en-GB"/>
           </a:p>
@@ -1607,7 +1610,7 @@
           <a:p>
             <a:fld id="{5C316670-22DA-CE45-BF19-C0B19D676291}" type="datetimeFigureOut">
               <a:rPr lang="en-GB" smtClean="0"/>
-              <a:t>02/07/2020</a:t>
+              <a:t>03/07/2020</a:t>
             </a:fld>
             <a:endParaRPr lang="en-GB"/>
           </a:p>
@@ -1875,7 +1878,7 @@
           <a:p>
             <a:fld id="{5C316670-22DA-CE45-BF19-C0B19D676291}" type="datetimeFigureOut">
               <a:rPr lang="en-GB" smtClean="0"/>
-              <a:t>02/07/2020</a:t>
+              <a:t>03/07/2020</a:t>
             </a:fld>
             <a:endParaRPr lang="en-GB"/>
           </a:p>
@@ -2290,7 +2293,7 @@
           <a:p>
             <a:fld id="{5C316670-22DA-CE45-BF19-C0B19D676291}" type="datetimeFigureOut">
               <a:rPr lang="en-GB" smtClean="0"/>
-              <a:t>02/07/2020</a:t>
+              <a:t>03/07/2020</a:t>
             </a:fld>
             <a:endParaRPr lang="en-GB"/>
           </a:p>
@@ -2432,7 +2435,7 @@
           <a:p>
             <a:fld id="{5C316670-22DA-CE45-BF19-C0B19D676291}" type="datetimeFigureOut">
               <a:rPr lang="en-GB" smtClean="0"/>
-              <a:t>02/07/2020</a:t>
+              <a:t>03/07/2020</a:t>
             </a:fld>
             <a:endParaRPr lang="en-GB"/>
           </a:p>
@@ -2545,7 +2548,7 @@
           <a:p>
             <a:fld id="{5C316670-22DA-CE45-BF19-C0B19D676291}" type="datetimeFigureOut">
               <a:rPr lang="en-GB" smtClean="0"/>
-              <a:t>02/07/2020</a:t>
+              <a:t>03/07/2020</a:t>
             </a:fld>
             <a:endParaRPr lang="en-GB"/>
           </a:p>
@@ -2858,7 +2861,7 @@
           <a:p>
             <a:fld id="{5C316670-22DA-CE45-BF19-C0B19D676291}" type="datetimeFigureOut">
               <a:rPr lang="en-GB" smtClean="0"/>
-              <a:t>02/07/2020</a:t>
+              <a:t>03/07/2020</a:t>
             </a:fld>
             <a:endParaRPr lang="en-GB"/>
           </a:p>
@@ -3147,7 +3150,7 @@
           <a:p>
             <a:fld id="{5C316670-22DA-CE45-BF19-C0B19D676291}" type="datetimeFigureOut">
               <a:rPr lang="en-GB" smtClean="0"/>
-              <a:t>02/07/2020</a:t>
+              <a:t>03/07/2020</a:t>
             </a:fld>
             <a:endParaRPr lang="en-GB"/>
           </a:p>
@@ -3390,7 +3393,7 @@
           <a:p>
             <a:fld id="{5C316670-22DA-CE45-BF19-C0B19D676291}" type="datetimeFigureOut">
               <a:rPr lang="en-GB" smtClean="0"/>
-              <a:t>02/07/2020</a:t>
+              <a:t>03/07/2020</a:t>
             </a:fld>
             <a:endParaRPr lang="en-GB"/>
           </a:p>
@@ -3851,6 +3854,957 @@
 </file>
 
 <file path=ppt/slides/slide10.xml><?xml version="1.0" encoding="utf-8"?>
+<p:sld xmlns:a="http://schemas.openxmlformats.org/drawingml/2006/main" xmlns:r="http://schemas.openxmlformats.org/officeDocument/2006/relationships" xmlns:p="http://schemas.openxmlformats.org/presentationml/2006/main">
+  <p:cSld>
+    <p:spTree>
+      <p:nvGrpSpPr>
+        <p:cNvPr id="1" name=""/>
+        <p:cNvGrpSpPr/>
+        <p:nvPr/>
+      </p:nvGrpSpPr>
+      <p:grpSpPr>
+        <a:xfrm>
+          <a:off x="0" y="0"/>
+          <a:ext cx="0" cy="0"/>
+          <a:chOff x="0" y="0"/>
+          <a:chExt cx="0" cy="0"/>
+        </a:xfrm>
+      </p:grpSpPr>
+      <p:pic>
+        <p:nvPicPr>
+          <p:cNvPr id="3" name="Picture 2">
+            <a:extLst>
+              <a:ext uri="{FF2B5EF4-FFF2-40B4-BE49-F238E27FC236}">
+                <a16:creationId xmlns:a16="http://schemas.microsoft.com/office/drawing/2014/main" id="{5DEFEF38-FC25-AB4C-80F4-66DE30BC3B8F}"/>
+              </a:ext>
+            </a:extLst>
+          </p:cNvPr>
+          <p:cNvPicPr>
+            <a:picLocks noChangeAspect="1"/>
+          </p:cNvPicPr>
+          <p:nvPr/>
+        </p:nvPicPr>
+        <p:blipFill rotWithShape="1">
+          <a:blip r:embed="rId2"/>
+          <a:srcRect b="25739"/>
+          <a:stretch/>
+        </p:blipFill>
+        <p:spPr>
+          <a:xfrm>
+            <a:off x="54036" y="739392"/>
+            <a:ext cx="8241136" cy="6120000"/>
+          </a:xfrm>
+          <a:prstGeom prst="rect">
+            <a:avLst/>
+          </a:prstGeom>
+        </p:spPr>
+      </p:pic>
+      <p:sp>
+        <p:nvSpPr>
+          <p:cNvPr id="4" name="TextBox 3">
+            <a:extLst>
+              <a:ext uri="{FF2B5EF4-FFF2-40B4-BE49-F238E27FC236}">
+                <a16:creationId xmlns:a16="http://schemas.microsoft.com/office/drawing/2014/main" id="{BBC0A1E3-8029-A149-9543-F9E009CEE386}"/>
+              </a:ext>
+            </a:extLst>
+          </p:cNvPr>
+          <p:cNvSpPr txBox="1"/>
+          <p:nvPr/>
+        </p:nvSpPr>
+        <p:spPr>
+          <a:xfrm>
+            <a:off x="3439820" y="277792"/>
+            <a:ext cx="1469569" cy="369332"/>
+          </a:xfrm>
+          <a:prstGeom prst="rect">
+            <a:avLst/>
+          </a:prstGeom>
+          <a:noFill/>
+        </p:spPr>
+        <p:txBody>
+          <a:bodyPr wrap="none" rtlCol="0">
+            <a:spAutoFit/>
+          </a:bodyPr>
+          <a:lstStyle/>
+          <a:p>
+            <a:r>
+              <a:rPr lang="en-GB" dirty="0"/>
+              <a:t>GATK SNP call</a:t>
+            </a:r>
+          </a:p>
+        </p:txBody>
+      </p:sp>
+      <p:sp>
+        <p:nvSpPr>
+          <p:cNvPr id="5" name="TextBox 4">
+            <a:extLst>
+              <a:ext uri="{FF2B5EF4-FFF2-40B4-BE49-F238E27FC236}">
+                <a16:creationId xmlns:a16="http://schemas.microsoft.com/office/drawing/2014/main" id="{321E6931-B8DB-3A49-849B-8FE2E1030096}"/>
+              </a:ext>
+            </a:extLst>
+          </p:cNvPr>
+          <p:cNvSpPr txBox="1"/>
+          <p:nvPr/>
+        </p:nvSpPr>
+        <p:spPr>
+          <a:xfrm>
+            <a:off x="8295172" y="855139"/>
+            <a:ext cx="3742499" cy="1200329"/>
+          </a:xfrm>
+          <a:prstGeom prst="rect">
+            <a:avLst/>
+          </a:prstGeom>
+          <a:noFill/>
+        </p:spPr>
+        <p:txBody>
+          <a:bodyPr wrap="square" rtlCol="0">
+            <a:spAutoFit/>
+          </a:bodyPr>
+          <a:lstStyle/>
+          <a:p>
+            <a:r>
+              <a:rPr lang="en-GB" dirty="0"/>
+              <a:t>Except this difference in the total number of SNPs, the map positions look quite similar but I have not run any statistics to test for significance.</a:t>
+            </a:r>
+          </a:p>
+        </p:txBody>
+      </p:sp>
+      <p:sp>
+        <p:nvSpPr>
+          <p:cNvPr id="6" name="TextBox 5">
+            <a:extLst>
+              <a:ext uri="{FF2B5EF4-FFF2-40B4-BE49-F238E27FC236}">
+                <a16:creationId xmlns:a16="http://schemas.microsoft.com/office/drawing/2014/main" id="{9CCBC790-4C93-E64D-91E1-2A0E4F58A609}"/>
+              </a:ext>
+            </a:extLst>
+          </p:cNvPr>
+          <p:cNvSpPr txBox="1"/>
+          <p:nvPr/>
+        </p:nvSpPr>
+        <p:spPr>
+          <a:xfrm>
+            <a:off x="5379257" y="5165839"/>
+            <a:ext cx="6658414" cy="923330"/>
+          </a:xfrm>
+          <a:prstGeom prst="rect">
+            <a:avLst/>
+          </a:prstGeom>
+          <a:noFill/>
+        </p:spPr>
+        <p:txBody>
+          <a:bodyPr wrap="square" rtlCol="0">
+            <a:spAutoFit/>
+          </a:bodyPr>
+          <a:lstStyle/>
+          <a:p>
+            <a:r>
+              <a:rPr lang="en-GB" i="1" dirty="0"/>
+              <a:t>Figure 2a. The same as in Anja’s paper with the exception that the SNPs were called using GATK. ANG is crossed out because it was a copy of CZA right.</a:t>
+            </a:r>
+          </a:p>
+        </p:txBody>
+      </p:sp>
+      <p:cxnSp>
+        <p:nvCxnSpPr>
+          <p:cNvPr id="8" name="Straight Connector 7">
+            <a:extLst>
+              <a:ext uri="{FF2B5EF4-FFF2-40B4-BE49-F238E27FC236}">
+                <a16:creationId xmlns:a16="http://schemas.microsoft.com/office/drawing/2014/main" id="{BFA32B25-210E-7349-9A1E-4624507CF046}"/>
+              </a:ext>
+            </a:extLst>
+          </p:cNvPr>
+          <p:cNvCxnSpPr>
+            <a:cxnSpLocks/>
+          </p:cNvCxnSpPr>
+          <p:nvPr/>
+        </p:nvCxnSpPr>
+        <p:spPr>
+          <a:xfrm>
+            <a:off x="393539" y="1088020"/>
+            <a:ext cx="7901633" cy="0"/>
+          </a:xfrm>
+          <a:prstGeom prst="line">
+            <a:avLst/>
+          </a:prstGeom>
+          <a:ln w="57150">
+            <a:solidFill>
+              <a:schemeClr val="tx1"/>
+            </a:solidFill>
+          </a:ln>
+        </p:spPr>
+        <p:style>
+          <a:lnRef idx="1">
+            <a:schemeClr val="accent1"/>
+          </a:lnRef>
+          <a:fillRef idx="0">
+            <a:schemeClr val="accent1"/>
+          </a:fillRef>
+          <a:effectRef idx="0">
+            <a:schemeClr val="accent1"/>
+          </a:effectRef>
+          <a:fontRef idx="minor">
+            <a:schemeClr val="tx1"/>
+          </a:fontRef>
+        </p:style>
+      </p:cxnSp>
+      <p:cxnSp>
+        <p:nvCxnSpPr>
+          <p:cNvPr id="10" name="Straight Connector 9">
+            <a:extLst>
+              <a:ext uri="{FF2B5EF4-FFF2-40B4-BE49-F238E27FC236}">
+                <a16:creationId xmlns:a16="http://schemas.microsoft.com/office/drawing/2014/main" id="{91B10E0A-738E-594D-8BCA-621AD0368F34}"/>
+              </a:ext>
+            </a:extLst>
+          </p:cNvPr>
+          <p:cNvCxnSpPr>
+            <a:cxnSpLocks/>
+          </p:cNvCxnSpPr>
+          <p:nvPr/>
+        </p:nvCxnSpPr>
+        <p:spPr>
+          <a:xfrm>
+            <a:off x="393539" y="3080795"/>
+            <a:ext cx="7901633" cy="0"/>
+          </a:xfrm>
+          <a:prstGeom prst="line">
+            <a:avLst/>
+          </a:prstGeom>
+          <a:ln w="57150">
+            <a:solidFill>
+              <a:schemeClr val="tx1"/>
+            </a:solidFill>
+          </a:ln>
+        </p:spPr>
+        <p:style>
+          <a:lnRef idx="1">
+            <a:schemeClr val="accent1"/>
+          </a:lnRef>
+          <a:fillRef idx="0">
+            <a:schemeClr val="accent1"/>
+          </a:fillRef>
+          <a:effectRef idx="0">
+            <a:schemeClr val="accent1"/>
+          </a:effectRef>
+          <a:fontRef idx="minor">
+            <a:schemeClr val="tx1"/>
+          </a:fontRef>
+        </p:style>
+      </p:cxnSp>
+      <p:cxnSp>
+        <p:nvCxnSpPr>
+          <p:cNvPr id="11" name="Straight Connector 10">
+            <a:extLst>
+              <a:ext uri="{FF2B5EF4-FFF2-40B4-BE49-F238E27FC236}">
+                <a16:creationId xmlns:a16="http://schemas.microsoft.com/office/drawing/2014/main" id="{86EA1A3D-23B2-C146-B377-4A4EBF6DE001}"/>
+              </a:ext>
+            </a:extLst>
+          </p:cNvPr>
+          <p:cNvCxnSpPr>
+            <a:cxnSpLocks/>
+          </p:cNvCxnSpPr>
+          <p:nvPr/>
+        </p:nvCxnSpPr>
+        <p:spPr>
+          <a:xfrm>
+            <a:off x="393539" y="5073570"/>
+            <a:ext cx="4861367" cy="0"/>
+          </a:xfrm>
+          <a:prstGeom prst="line">
+            <a:avLst/>
+          </a:prstGeom>
+          <a:ln w="57150">
+            <a:solidFill>
+              <a:schemeClr val="tx1"/>
+            </a:solidFill>
+          </a:ln>
+        </p:spPr>
+        <p:style>
+          <a:lnRef idx="1">
+            <a:schemeClr val="accent1"/>
+          </a:lnRef>
+          <a:fillRef idx="0">
+            <a:schemeClr val="accent1"/>
+          </a:fillRef>
+          <a:effectRef idx="0">
+            <a:schemeClr val="accent1"/>
+          </a:effectRef>
+          <a:fontRef idx="minor">
+            <a:schemeClr val="tx1"/>
+          </a:fontRef>
+        </p:style>
+      </p:cxnSp>
+    </p:spTree>
+    <p:extLst>
+      <p:ext uri="{BB962C8B-B14F-4D97-AF65-F5344CB8AC3E}">
+        <p14:creationId xmlns:p14="http://schemas.microsoft.com/office/powerpoint/2010/main" val="2034600197"/>
+      </p:ext>
+    </p:extLst>
+  </p:cSld>
+  <p:clrMapOvr>
+    <a:masterClrMapping/>
+  </p:clrMapOvr>
+</p:sld>
+</file>
+
+<file path=ppt/slides/slide11.xml><?xml version="1.0" encoding="utf-8"?>
+<p:sld xmlns:a="http://schemas.openxmlformats.org/drawingml/2006/main" xmlns:r="http://schemas.openxmlformats.org/officeDocument/2006/relationships" xmlns:p="http://schemas.openxmlformats.org/presentationml/2006/main">
+  <p:cSld>
+    <p:spTree>
+      <p:nvGrpSpPr>
+        <p:cNvPr id="1" name=""/>
+        <p:cNvGrpSpPr/>
+        <p:nvPr/>
+      </p:nvGrpSpPr>
+      <p:grpSpPr>
+        <a:xfrm>
+          <a:off x="0" y="0"/>
+          <a:ext cx="0" cy="0"/>
+          <a:chOff x="0" y="0"/>
+          <a:chExt cx="0" cy="0"/>
+        </a:xfrm>
+      </p:grpSpPr>
+      <p:pic>
+        <p:nvPicPr>
+          <p:cNvPr id="3" name="Picture 2">
+            <a:extLst>
+              <a:ext uri="{FF2B5EF4-FFF2-40B4-BE49-F238E27FC236}">
+                <a16:creationId xmlns:a16="http://schemas.microsoft.com/office/drawing/2014/main" id="{06751C45-9F33-9944-BE6F-A6C08AE80E91}"/>
+              </a:ext>
+            </a:extLst>
+          </p:cNvPr>
+          <p:cNvPicPr>
+            <a:picLocks noChangeAspect="1"/>
+          </p:cNvPicPr>
+          <p:nvPr/>
+        </p:nvPicPr>
+        <p:blipFill rotWithShape="1">
+          <a:blip r:embed="rId2"/>
+          <a:srcRect l="3384" b="50548"/>
+          <a:stretch/>
+        </p:blipFill>
+        <p:spPr>
+          <a:xfrm>
+            <a:off x="208344" y="704667"/>
+            <a:ext cx="9143563" cy="4680000"/>
+          </a:xfrm>
+          <a:prstGeom prst="rect">
+            <a:avLst/>
+          </a:prstGeom>
+        </p:spPr>
+      </p:pic>
+      <p:sp>
+        <p:nvSpPr>
+          <p:cNvPr id="4" name="TextBox 3">
+            <a:extLst>
+              <a:ext uri="{FF2B5EF4-FFF2-40B4-BE49-F238E27FC236}">
+                <a16:creationId xmlns:a16="http://schemas.microsoft.com/office/drawing/2014/main" id="{BBC0A1E3-8029-A149-9543-F9E009CEE386}"/>
+              </a:ext>
+            </a:extLst>
+          </p:cNvPr>
+          <p:cNvSpPr txBox="1"/>
+          <p:nvPr/>
+        </p:nvSpPr>
+        <p:spPr>
+          <a:xfrm>
+            <a:off x="3439820" y="277792"/>
+            <a:ext cx="1655518" cy="369332"/>
+          </a:xfrm>
+          <a:prstGeom prst="rect">
+            <a:avLst/>
+          </a:prstGeom>
+          <a:noFill/>
+        </p:spPr>
+        <p:txBody>
+          <a:bodyPr wrap="none" rtlCol="0">
+            <a:spAutoFit/>
+          </a:bodyPr>
+          <a:lstStyle/>
+          <a:p>
+            <a:r>
+              <a:rPr lang="en-GB" dirty="0"/>
+              <a:t>GATK INDEL call</a:t>
+            </a:r>
+          </a:p>
+        </p:txBody>
+      </p:sp>
+      <p:sp>
+        <p:nvSpPr>
+          <p:cNvPr id="6" name="TextBox 5">
+            <a:extLst>
+              <a:ext uri="{FF2B5EF4-FFF2-40B4-BE49-F238E27FC236}">
+                <a16:creationId xmlns:a16="http://schemas.microsoft.com/office/drawing/2014/main" id="{9CCBC790-4C93-E64D-91E1-2A0E4F58A609}"/>
+              </a:ext>
+            </a:extLst>
+          </p:cNvPr>
+          <p:cNvSpPr txBox="1"/>
+          <p:nvPr/>
+        </p:nvSpPr>
+        <p:spPr>
+          <a:xfrm>
+            <a:off x="5379257" y="5165839"/>
+            <a:ext cx="6658414" cy="646331"/>
+          </a:xfrm>
+          <a:prstGeom prst="rect">
+            <a:avLst/>
+          </a:prstGeom>
+          <a:noFill/>
+        </p:spPr>
+        <p:txBody>
+          <a:bodyPr wrap="square" rtlCol="0">
+            <a:spAutoFit/>
+          </a:bodyPr>
+          <a:lstStyle/>
+          <a:p>
+            <a:r>
+              <a:rPr lang="en-GB" i="1" dirty="0"/>
+              <a:t>Figure 2b. The same as in Anja’s paper but with INDELs. ANG is crossed out because it was a copy of CZA right.</a:t>
+            </a:r>
+          </a:p>
+        </p:txBody>
+      </p:sp>
+      <p:cxnSp>
+        <p:nvCxnSpPr>
+          <p:cNvPr id="8" name="Straight Connector 7">
+            <a:extLst>
+              <a:ext uri="{FF2B5EF4-FFF2-40B4-BE49-F238E27FC236}">
+                <a16:creationId xmlns:a16="http://schemas.microsoft.com/office/drawing/2014/main" id="{BFA32B25-210E-7349-9A1E-4624507CF046}"/>
+              </a:ext>
+            </a:extLst>
+          </p:cNvPr>
+          <p:cNvCxnSpPr>
+            <a:cxnSpLocks/>
+          </p:cNvCxnSpPr>
+          <p:nvPr/>
+        </p:nvCxnSpPr>
+        <p:spPr>
+          <a:xfrm>
+            <a:off x="393539" y="1088020"/>
+            <a:ext cx="8958368" cy="0"/>
+          </a:xfrm>
+          <a:prstGeom prst="line">
+            <a:avLst/>
+          </a:prstGeom>
+          <a:ln w="57150">
+            <a:solidFill>
+              <a:schemeClr val="tx1"/>
+            </a:solidFill>
+          </a:ln>
+        </p:spPr>
+        <p:style>
+          <a:lnRef idx="1">
+            <a:schemeClr val="accent1"/>
+          </a:lnRef>
+          <a:fillRef idx="0">
+            <a:schemeClr val="accent1"/>
+          </a:fillRef>
+          <a:effectRef idx="0">
+            <a:schemeClr val="accent1"/>
+          </a:effectRef>
+          <a:fontRef idx="minor">
+            <a:schemeClr val="tx1"/>
+          </a:fontRef>
+        </p:style>
+      </p:cxnSp>
+      <p:cxnSp>
+        <p:nvCxnSpPr>
+          <p:cNvPr id="10" name="Straight Connector 9">
+            <a:extLst>
+              <a:ext uri="{FF2B5EF4-FFF2-40B4-BE49-F238E27FC236}">
+                <a16:creationId xmlns:a16="http://schemas.microsoft.com/office/drawing/2014/main" id="{91B10E0A-738E-594D-8BCA-621AD0368F34}"/>
+              </a:ext>
+            </a:extLst>
+          </p:cNvPr>
+          <p:cNvCxnSpPr>
+            <a:cxnSpLocks/>
+          </p:cNvCxnSpPr>
+          <p:nvPr/>
+        </p:nvCxnSpPr>
+        <p:spPr>
+          <a:xfrm>
+            <a:off x="393539" y="3404886"/>
+            <a:ext cx="8958368" cy="0"/>
+          </a:xfrm>
+          <a:prstGeom prst="line">
+            <a:avLst/>
+          </a:prstGeom>
+          <a:ln w="57150">
+            <a:solidFill>
+              <a:schemeClr val="tx1"/>
+            </a:solidFill>
+          </a:ln>
+        </p:spPr>
+        <p:style>
+          <a:lnRef idx="1">
+            <a:schemeClr val="accent1"/>
+          </a:lnRef>
+          <a:fillRef idx="0">
+            <a:schemeClr val="accent1"/>
+          </a:fillRef>
+          <a:effectRef idx="0">
+            <a:schemeClr val="accent1"/>
+          </a:effectRef>
+          <a:fontRef idx="minor">
+            <a:schemeClr val="tx1"/>
+          </a:fontRef>
+        </p:style>
+      </p:cxnSp>
+    </p:spTree>
+    <p:extLst>
+      <p:ext uri="{BB962C8B-B14F-4D97-AF65-F5344CB8AC3E}">
+        <p14:creationId xmlns:p14="http://schemas.microsoft.com/office/powerpoint/2010/main" val="2945318723"/>
+      </p:ext>
+    </p:extLst>
+  </p:cSld>
+  <p:clrMapOvr>
+    <a:masterClrMapping/>
+  </p:clrMapOvr>
+</p:sld>
+</file>
+
+<file path=ppt/slides/slide12.xml><?xml version="1.0" encoding="utf-8"?>
+<p:sld xmlns:a="http://schemas.openxmlformats.org/drawingml/2006/main" xmlns:r="http://schemas.openxmlformats.org/officeDocument/2006/relationships" xmlns:p="http://schemas.openxmlformats.org/presentationml/2006/main">
+  <p:cSld>
+    <p:spTree>
+      <p:nvGrpSpPr>
+        <p:cNvPr id="1" name=""/>
+        <p:cNvGrpSpPr/>
+        <p:nvPr/>
+      </p:nvGrpSpPr>
+      <p:grpSpPr>
+        <a:xfrm>
+          <a:off x="0" y="0"/>
+          <a:ext cx="0" cy="0"/>
+          <a:chOff x="0" y="0"/>
+          <a:chExt cx="0" cy="0"/>
+        </a:xfrm>
+      </p:grpSpPr>
+      <p:sp>
+        <p:nvSpPr>
+          <p:cNvPr id="2" name="Rectangle 1">
+            <a:extLst>
+              <a:ext uri="{FF2B5EF4-FFF2-40B4-BE49-F238E27FC236}">
+                <a16:creationId xmlns:a16="http://schemas.microsoft.com/office/drawing/2014/main" id="{28EB9195-3465-C644-B592-B32C34D4FFCF}"/>
+              </a:ext>
+            </a:extLst>
+          </p:cNvPr>
+          <p:cNvSpPr/>
+          <p:nvPr/>
+        </p:nvSpPr>
+        <p:spPr>
+          <a:xfrm>
+            <a:off x="528115" y="409596"/>
+            <a:ext cx="4164153" cy="369332"/>
+          </a:xfrm>
+          <a:prstGeom prst="rect">
+            <a:avLst/>
+          </a:prstGeom>
+        </p:spPr>
+        <p:txBody>
+          <a:bodyPr wrap="none">
+            <a:spAutoFit/>
+          </a:bodyPr>
+          <a:lstStyle/>
+          <a:p>
+            <a:pPr marL="342900" indent="-342900">
+              <a:buFont typeface="+mj-lt"/>
+              <a:buAutoNum type="arabicPeriod" startAt="2"/>
+            </a:pPr>
+            <a:r>
+              <a:rPr lang="en-GB" b="1" dirty="0"/>
+              <a:t>Clustering of (different types) markers</a:t>
+            </a:r>
+          </a:p>
+        </p:txBody>
+      </p:sp>
+      <p:sp>
+        <p:nvSpPr>
+          <p:cNvPr id="12" name="TextBox 11">
+            <a:extLst>
+              <a:ext uri="{FF2B5EF4-FFF2-40B4-BE49-F238E27FC236}">
+                <a16:creationId xmlns:a16="http://schemas.microsoft.com/office/drawing/2014/main" id="{EE2B360A-DD67-7142-A309-F624C4AD0FFE}"/>
+              </a:ext>
+            </a:extLst>
+          </p:cNvPr>
+          <p:cNvSpPr txBox="1"/>
+          <p:nvPr/>
+        </p:nvSpPr>
+        <p:spPr>
+          <a:xfrm>
+            <a:off x="528115" y="811350"/>
+            <a:ext cx="5069786" cy="369332"/>
+          </a:xfrm>
+          <a:prstGeom prst="rect">
+            <a:avLst/>
+          </a:prstGeom>
+          <a:noFill/>
+        </p:spPr>
+        <p:txBody>
+          <a:bodyPr wrap="none" rtlCol="0">
+            <a:spAutoFit/>
+          </a:bodyPr>
+          <a:lstStyle/>
+          <a:p>
+            <a:pPr marL="285750" indent="-285750">
+              <a:buFont typeface="Arial" panose="020B0604020202020204" pitchFamily="34" charset="0"/>
+              <a:buChar char="•"/>
+            </a:pPr>
+            <a:r>
+              <a:rPr lang="en-GB" dirty="0"/>
+              <a:t>INDELs and SNPs after filtering and cline analysis.</a:t>
+            </a:r>
+          </a:p>
+        </p:txBody>
+      </p:sp>
+      <mc:AlternateContent xmlns:mc="http://schemas.openxmlformats.org/markup-compatibility/2006" xmlns:a14="http://schemas.microsoft.com/office/drawing/2010/main">
+        <mc:Choice Requires="a14">
+          <p:sp>
+            <p:nvSpPr>
+              <p:cNvPr id="21" name="TextBox 20">
+                <a:extLst>
+                  <a:ext uri="{FF2B5EF4-FFF2-40B4-BE49-F238E27FC236}">
+                    <a16:creationId xmlns:a16="http://schemas.microsoft.com/office/drawing/2014/main" id="{EB528DF0-ED52-C643-A25D-EE710F3E6CF2}"/>
+                  </a:ext>
+                </a:extLst>
+              </p:cNvPr>
+              <p:cNvSpPr txBox="1"/>
+              <p:nvPr/>
+            </p:nvSpPr>
+            <p:spPr>
+              <a:xfrm>
+                <a:off x="528115" y="6002654"/>
+                <a:ext cx="10806121" cy="830997"/>
+              </a:xfrm>
+              <a:prstGeom prst="rect">
+                <a:avLst/>
+              </a:prstGeom>
+              <a:noFill/>
+            </p:spPr>
+            <p:txBody>
+              <a:bodyPr wrap="square" rtlCol="0">
+                <a:spAutoFit/>
+              </a:bodyPr>
+              <a:lstStyle/>
+              <a:p>
+                <a:r>
+                  <a:rPr lang="en-GB" sz="1600" i="1" dirty="0"/>
+                  <a:t>Figure 3a. Marker proportions over contig length. </a:t>
+                </a:r>
+                <a14:m>
+                  <m:oMath xmlns:m="http://schemas.openxmlformats.org/officeDocument/2006/math">
+                    <m:r>
+                      <a:rPr lang="sv-SE" sz="1600" b="0" i="1" smtClean="0">
+                        <a:latin typeface="Cambria Math" panose="02040503050406030204" pitchFamily="18" charset="0"/>
+                      </a:rPr>
+                      <m:t>𝑃𝑟𝑜𝑝𝑜𝑟𝑡𝑖𝑜𝑛</m:t>
+                    </m:r>
+                    <m:r>
+                      <a:rPr lang="sv-SE" sz="1600" b="0" i="1" smtClean="0">
+                        <a:latin typeface="Cambria Math" panose="02040503050406030204" pitchFamily="18" charset="0"/>
+                      </a:rPr>
+                      <m:t>=</m:t>
+                    </m:r>
+                    <m:f>
+                      <m:fPr>
+                        <m:type m:val="lin"/>
+                        <m:ctrlPr>
+                          <a:rPr lang="sv-SE" sz="1600" b="0" i="1" smtClean="0">
+                            <a:latin typeface="Cambria Math" panose="02040503050406030204" pitchFamily="18" charset="0"/>
+                          </a:rPr>
+                        </m:ctrlPr>
+                      </m:fPr>
+                      <m:num>
+                        <m:r>
+                          <a:rPr lang="sv-SE" sz="1600" b="0" i="1" smtClean="0">
+                            <a:latin typeface="Cambria Math" panose="02040503050406030204" pitchFamily="18" charset="0"/>
+                          </a:rPr>
+                          <m:t>𝑐𝑜𝑢𝑛𝑡</m:t>
+                        </m:r>
+                      </m:num>
+                      <m:den>
+                        <m:r>
+                          <m:rPr>
+                            <m:sty m:val="p"/>
+                          </m:rPr>
+                          <a:rPr lang="el-GR" sz="1600" b="0" i="1" smtClean="0">
+                            <a:latin typeface="Cambria Math" panose="02040503050406030204" pitchFamily="18" charset="0"/>
+                            <a:ea typeface="Cambria Math" panose="02040503050406030204" pitchFamily="18" charset="0"/>
+                          </a:rPr>
+                          <m:t>Σ</m:t>
+                        </m:r>
+                        <m:r>
+                          <a:rPr lang="sv-SE" sz="1600" b="0" i="1" smtClean="0">
+                            <a:latin typeface="Cambria Math" panose="02040503050406030204" pitchFamily="18" charset="0"/>
+                            <a:ea typeface="Cambria Math" panose="02040503050406030204" pitchFamily="18" charset="0"/>
+                          </a:rPr>
+                          <m:t> </m:t>
+                        </m:r>
+                        <m:r>
+                          <a:rPr lang="sv-SE" sz="1600" b="0" i="1" smtClean="0">
+                            <a:latin typeface="Cambria Math" panose="02040503050406030204" pitchFamily="18" charset="0"/>
+                            <a:ea typeface="Cambria Math" panose="02040503050406030204" pitchFamily="18" charset="0"/>
+                          </a:rPr>
+                          <m:t>𝑐𝑜𝑢𝑛𝑡</m:t>
+                        </m:r>
+                      </m:den>
+                    </m:f>
+                  </m:oMath>
+                </a14:m>
+                <a:r>
+                  <a:rPr lang="en-GB" sz="1600" i="1" dirty="0"/>
+                  <a:t> per marker type and bin width = 15000 base pairs. Clinal variants are dark coloured and non-clinal variants are light coloured. Left: SNP call using SAMtools and INDEL call using GATK. Right: both INDELs and SNPs were called with GATK.</a:t>
+                </a:r>
+              </a:p>
+            </p:txBody>
+          </p:sp>
+        </mc:Choice>
+        <mc:Fallback xmlns="">
+          <p:sp>
+            <p:nvSpPr>
+              <p:cNvPr id="21" name="TextBox 20">
+                <a:extLst>
+                  <a:ext uri="{FF2B5EF4-FFF2-40B4-BE49-F238E27FC236}">
+                    <a16:creationId xmlns:a16="http://schemas.microsoft.com/office/drawing/2014/main" id="{EB528DF0-ED52-C643-A25D-EE710F3E6CF2}"/>
+                  </a:ext>
+                </a:extLst>
+              </p:cNvPr>
+              <p:cNvSpPr txBox="1">
+                <a:spLocks noRot="1" noChangeAspect="1" noMove="1" noResize="1" noEditPoints="1" noAdjustHandles="1" noChangeArrowheads="1" noChangeShapeType="1" noTextEdit="1"/>
+              </p:cNvSpPr>
+              <p:nvPr/>
+            </p:nvSpPr>
+            <p:spPr>
+              <a:xfrm>
+                <a:off x="528115" y="6002654"/>
+                <a:ext cx="10806121" cy="830997"/>
+              </a:xfrm>
+              <a:prstGeom prst="rect">
+                <a:avLst/>
+              </a:prstGeom>
+              <a:blipFill>
+                <a:blip r:embed="rId2"/>
+                <a:stretch>
+                  <a:fillRect l="-353" t="-45455" b="-13636"/>
+                </a:stretch>
+              </a:blipFill>
+            </p:spPr>
+            <p:txBody>
+              <a:bodyPr/>
+              <a:lstStyle/>
+              <a:p>
+                <a:r>
+                  <a:rPr lang="en-GB">
+                    <a:noFill/>
+                  </a:rPr>
+                  <a:t> </a:t>
+                </a:r>
+              </a:p>
+            </p:txBody>
+          </p:sp>
+        </mc:Fallback>
+      </mc:AlternateContent>
+      <p:pic>
+        <p:nvPicPr>
+          <p:cNvPr id="13" name="Picture 12">
+            <a:extLst>
+              <a:ext uri="{FF2B5EF4-FFF2-40B4-BE49-F238E27FC236}">
+                <a16:creationId xmlns:a16="http://schemas.microsoft.com/office/drawing/2014/main" id="{5C5BD71F-7247-0F4C-ACCE-522A0428BB58}"/>
+              </a:ext>
+            </a:extLst>
+          </p:cNvPr>
+          <p:cNvPicPr>
+            <a:picLocks noChangeAspect="1"/>
+          </p:cNvPicPr>
+          <p:nvPr/>
+        </p:nvPicPr>
+        <p:blipFill>
+          <a:blip r:embed="rId3"/>
+          <a:stretch>
+            <a:fillRect/>
+          </a:stretch>
+        </p:blipFill>
+        <p:spPr>
+          <a:xfrm>
+            <a:off x="934578" y="0"/>
+            <a:ext cx="0" cy="0"/>
+          </a:xfrm>
+          <a:prstGeom prst="rect">
+            <a:avLst/>
+          </a:prstGeom>
+        </p:spPr>
+      </p:pic>
+      <p:pic>
+        <p:nvPicPr>
+          <p:cNvPr id="15" name="Picture 14">
+            <a:extLst>
+              <a:ext uri="{FF2B5EF4-FFF2-40B4-BE49-F238E27FC236}">
+                <a16:creationId xmlns:a16="http://schemas.microsoft.com/office/drawing/2014/main" id="{EBE394C9-8E25-2746-A78F-121C8A879BD2}"/>
+              </a:ext>
+            </a:extLst>
+          </p:cNvPr>
+          <p:cNvPicPr>
+            <a:picLocks noChangeAspect="1"/>
+          </p:cNvPicPr>
+          <p:nvPr/>
+        </p:nvPicPr>
+        <p:blipFill>
+          <a:blip r:embed="rId4"/>
+          <a:stretch>
+            <a:fillRect/>
+          </a:stretch>
+        </p:blipFill>
+        <p:spPr>
+          <a:xfrm>
+            <a:off x="528115" y="1207500"/>
+            <a:ext cx="5040000" cy="2520000"/>
+          </a:xfrm>
+          <a:prstGeom prst="rect">
+            <a:avLst/>
+          </a:prstGeom>
+        </p:spPr>
+      </p:pic>
+      <p:pic>
+        <p:nvPicPr>
+          <p:cNvPr id="17" name="Picture 16">
+            <a:extLst>
+              <a:ext uri="{FF2B5EF4-FFF2-40B4-BE49-F238E27FC236}">
+                <a16:creationId xmlns:a16="http://schemas.microsoft.com/office/drawing/2014/main" id="{03EE4186-B3B4-F142-86E5-5DC225B6B5AC}"/>
+              </a:ext>
+            </a:extLst>
+          </p:cNvPr>
+          <p:cNvPicPr>
+            <a:picLocks noChangeAspect="1"/>
+          </p:cNvPicPr>
+          <p:nvPr/>
+        </p:nvPicPr>
+        <p:blipFill>
+          <a:blip r:embed="rId5"/>
+          <a:stretch>
+            <a:fillRect/>
+          </a:stretch>
+        </p:blipFill>
+        <p:spPr>
+          <a:xfrm>
+            <a:off x="528115" y="3482654"/>
+            <a:ext cx="5040000" cy="2520000"/>
+          </a:xfrm>
+          <a:prstGeom prst="rect">
+            <a:avLst/>
+          </a:prstGeom>
+        </p:spPr>
+      </p:pic>
+      <p:pic>
+        <p:nvPicPr>
+          <p:cNvPr id="19" name="Picture 18">
+            <a:extLst>
+              <a:ext uri="{FF2B5EF4-FFF2-40B4-BE49-F238E27FC236}">
+                <a16:creationId xmlns:a16="http://schemas.microsoft.com/office/drawing/2014/main" id="{160F0608-A0B7-0545-BE6D-F8EC0CA4795F}"/>
+              </a:ext>
+            </a:extLst>
+          </p:cNvPr>
+          <p:cNvPicPr>
+            <a:picLocks noChangeAspect="1"/>
+          </p:cNvPicPr>
+          <p:nvPr/>
+        </p:nvPicPr>
+        <p:blipFill>
+          <a:blip r:embed="rId4"/>
+          <a:stretch>
+            <a:fillRect/>
+          </a:stretch>
+        </p:blipFill>
+        <p:spPr>
+          <a:xfrm>
+            <a:off x="6294236" y="1207500"/>
+            <a:ext cx="5040000" cy="2520000"/>
+          </a:xfrm>
+          <a:prstGeom prst="rect">
+            <a:avLst/>
+          </a:prstGeom>
+        </p:spPr>
+      </p:pic>
+      <p:pic>
+        <p:nvPicPr>
+          <p:cNvPr id="20" name="Picture 19">
+            <a:extLst>
+              <a:ext uri="{FF2B5EF4-FFF2-40B4-BE49-F238E27FC236}">
+                <a16:creationId xmlns:a16="http://schemas.microsoft.com/office/drawing/2014/main" id="{3CC15D35-D657-8D45-A477-3C9BEBCEF428}"/>
+              </a:ext>
+            </a:extLst>
+          </p:cNvPr>
+          <p:cNvPicPr>
+            <a:picLocks noChangeAspect="1"/>
+          </p:cNvPicPr>
+          <p:nvPr/>
+        </p:nvPicPr>
+        <p:blipFill>
+          <a:blip r:embed="rId6"/>
+          <a:stretch>
+            <a:fillRect/>
+          </a:stretch>
+        </p:blipFill>
+        <p:spPr>
+          <a:xfrm>
+            <a:off x="6294236" y="3482654"/>
+            <a:ext cx="5040000" cy="2520000"/>
+          </a:xfrm>
+          <a:prstGeom prst="rect">
+            <a:avLst/>
+          </a:prstGeom>
+        </p:spPr>
+      </p:pic>
+      <p:sp>
+        <p:nvSpPr>
+          <p:cNvPr id="10" name="TextBox 9">
+            <a:extLst>
+              <a:ext uri="{FF2B5EF4-FFF2-40B4-BE49-F238E27FC236}">
+                <a16:creationId xmlns:a16="http://schemas.microsoft.com/office/drawing/2014/main" id="{FAAE64C4-0597-BE4E-AA0C-C2E80A8CCFF1}"/>
+              </a:ext>
+            </a:extLst>
+          </p:cNvPr>
+          <p:cNvSpPr txBox="1"/>
+          <p:nvPr/>
+        </p:nvSpPr>
+        <p:spPr>
+          <a:xfrm>
+            <a:off x="5657629" y="811350"/>
+            <a:ext cx="3292824" cy="369332"/>
+          </a:xfrm>
+          <a:prstGeom prst="rect">
+            <a:avLst/>
+          </a:prstGeom>
+          <a:noFill/>
+        </p:spPr>
+        <p:txBody>
+          <a:bodyPr wrap="none" rtlCol="0">
+            <a:spAutoFit/>
+          </a:bodyPr>
+          <a:lstStyle/>
+          <a:p>
+            <a:pPr marL="285750" indent="-285750">
+              <a:buFont typeface="Arial" panose="020B0604020202020204" pitchFamily="34" charset="0"/>
+              <a:buChar char="•"/>
+            </a:pPr>
+            <a:r>
+              <a:rPr lang="en-GB" dirty="0"/>
+              <a:t>All six hybrid zones combined.</a:t>
+            </a:r>
+          </a:p>
+        </p:txBody>
+      </p:sp>
+    </p:spTree>
+    <p:extLst>
+      <p:ext uri="{BB962C8B-B14F-4D97-AF65-F5344CB8AC3E}">
+        <p14:creationId xmlns:p14="http://schemas.microsoft.com/office/powerpoint/2010/main" val="2585403068"/>
+      </p:ext>
+    </p:extLst>
+  </p:cSld>
+  <p:clrMapOvr>
+    <a:masterClrMapping/>
+  </p:clrMapOvr>
+</p:sld>
+</file>
+
+<file path=ppt/slides/slide13.xml><?xml version="1.0" encoding="utf-8"?>
 <p:sld xmlns:a="http://schemas.openxmlformats.org/drawingml/2006/main" xmlns:r="http://schemas.openxmlformats.org/officeDocument/2006/relationships" xmlns:p="http://schemas.openxmlformats.org/presentationml/2006/main">
   <p:cSld>
     <p:spTree>
@@ -4702,7 +5656,7 @@
 </p:sld>
 </file>
 
-<file path=ppt/slides/slide11.xml><?xml version="1.0" encoding="utf-8"?>
+<file path=ppt/slides/slide14.xml><?xml version="1.0" encoding="utf-8"?>
 <p:sld xmlns:a="http://schemas.openxmlformats.org/drawingml/2006/main" xmlns:r="http://schemas.openxmlformats.org/officeDocument/2006/relationships" xmlns:p="http://schemas.openxmlformats.org/presentationml/2006/main">
   <p:cSld>
     <p:spTree>
@@ -5554,7 +6508,7 @@
 </p:sld>
 </file>
 
-<file path=ppt/slides/slide12.xml><?xml version="1.0" encoding="utf-8"?>
+<file path=ppt/slides/slide15.xml><?xml version="1.0" encoding="utf-8"?>
 <p:sld xmlns:a="http://schemas.openxmlformats.org/drawingml/2006/main" xmlns:r="http://schemas.openxmlformats.org/officeDocument/2006/relationships" xmlns:p="http://schemas.openxmlformats.org/presentationml/2006/main">
   <p:cSld>
     <p:spTree>
@@ -5842,7 +6796,7 @@
 </p:sld>
 </file>
 
-<file path=ppt/slides/slide13.xml><?xml version="1.0" encoding="utf-8"?>
+<file path=ppt/slides/slide16.xml><?xml version="1.0" encoding="utf-8"?>
 <p:sld xmlns:a="http://schemas.openxmlformats.org/drawingml/2006/main" xmlns:r="http://schemas.openxmlformats.org/officeDocument/2006/relationships" xmlns:p="http://schemas.openxmlformats.org/presentationml/2006/main">
   <p:cSld>
     <p:spTree>
@@ -6024,7 +6978,7 @@
 </p:sld>
 </file>
 
-<file path=ppt/slides/slide14.xml><?xml version="1.0" encoding="utf-8"?>
+<file path=ppt/slides/slide17.xml><?xml version="1.0" encoding="utf-8"?>
 <p:sld xmlns:a="http://schemas.openxmlformats.org/drawingml/2006/main" xmlns:r="http://schemas.openxmlformats.org/officeDocument/2006/relationships" xmlns:p="http://schemas.openxmlformats.org/presentationml/2006/main">
   <p:cSld>
     <p:spTree>
@@ -6265,7 +7219,7 @@
 </p:sld>
 </file>
 
-<file path=ppt/slides/slide15.xml><?xml version="1.0" encoding="utf-8"?>
+<file path=ppt/slides/slide18.xml><?xml version="1.0" encoding="utf-8"?>
 <p:sld xmlns:a="http://schemas.openxmlformats.org/drawingml/2006/main" xmlns:r="http://schemas.openxmlformats.org/officeDocument/2006/relationships" xmlns:p="http://schemas.openxmlformats.org/presentationml/2006/main">
   <p:cSld>
     <p:spTree>
@@ -6549,7 +7503,7 @@
 </p:sld>
 </file>
 
-<file path=ppt/slides/slide16.xml><?xml version="1.0" encoding="utf-8"?>
+<file path=ppt/slides/slide19.xml><?xml version="1.0" encoding="utf-8"?>
 <p:sld xmlns:a="http://schemas.openxmlformats.org/drawingml/2006/main" xmlns:r="http://schemas.openxmlformats.org/officeDocument/2006/relationships" xmlns:p="http://schemas.openxmlformats.org/presentationml/2006/main">
   <p:cSld>
     <p:spTree>
@@ -8246,727 +9200,45 @@
           </a:graphicData>
         </a:graphic>
       </p:graphicFrame>
+      <p:sp>
+        <p:nvSpPr>
+          <p:cNvPr id="3" name="TextBox 2">
+            <a:extLst>
+              <a:ext uri="{FF2B5EF4-FFF2-40B4-BE49-F238E27FC236}">
+                <a16:creationId xmlns:a16="http://schemas.microsoft.com/office/drawing/2014/main" id="{DDFA6007-978B-FA4E-B629-4D17DEE1E1AB}"/>
+              </a:ext>
+            </a:extLst>
+          </p:cNvPr>
+          <p:cNvSpPr txBox="1"/>
+          <p:nvPr/>
+        </p:nvSpPr>
+        <p:spPr>
+          <a:xfrm>
+            <a:off x="609600" y="4876800"/>
+            <a:ext cx="3762965" cy="707886"/>
+          </a:xfrm>
+          <a:prstGeom prst="rect">
+            <a:avLst/>
+          </a:prstGeom>
+          <a:noFill/>
+        </p:spPr>
+        <p:txBody>
+          <a:bodyPr wrap="square" rtlCol="0">
+            <a:spAutoFit/>
+          </a:bodyPr>
+          <a:lstStyle/>
+          <a:p>
+            <a:r>
+              <a:rPr lang="en-SE" sz="2000" b="1" dirty="0"/>
+              <a:t>For the rest of the results, kept only variants highlighted in green.</a:t>
+            </a:r>
+          </a:p>
+        </p:txBody>
+      </p:sp>
     </p:spTree>
     <p:extLst>
       <p:ext uri="{BB962C8B-B14F-4D97-AF65-F5344CB8AC3E}">
         <p14:creationId xmlns:p14="http://schemas.microsoft.com/office/powerpoint/2010/main" val="1557500512"/>
-      </p:ext>
-    </p:extLst>
-  </p:cSld>
-  <p:clrMapOvr>
-    <a:masterClrMapping/>
-  </p:clrMapOvr>
-</p:sld>
-</file>
-
-<file path=ppt/slides/slide17.xml><?xml version="1.0" encoding="utf-8"?>
-<p:sld xmlns:a="http://schemas.openxmlformats.org/drawingml/2006/main" xmlns:r="http://schemas.openxmlformats.org/officeDocument/2006/relationships" xmlns:p="http://schemas.openxmlformats.org/presentationml/2006/main">
-  <p:cSld>
-    <p:spTree>
-      <p:nvGrpSpPr>
-        <p:cNvPr id="1" name=""/>
-        <p:cNvGrpSpPr/>
-        <p:nvPr/>
-      </p:nvGrpSpPr>
-      <p:grpSpPr>
-        <a:xfrm>
-          <a:off x="0" y="0"/>
-          <a:ext cx="0" cy="0"/>
-          <a:chOff x="0" y="0"/>
-          <a:chExt cx="0" cy="0"/>
-        </a:xfrm>
-      </p:grpSpPr>
-      <p:sp>
-        <p:nvSpPr>
-          <p:cNvPr id="2" name="TextBox 1">
-            <a:extLst>
-              <a:ext uri="{FF2B5EF4-FFF2-40B4-BE49-F238E27FC236}">
-                <a16:creationId xmlns:a16="http://schemas.microsoft.com/office/drawing/2014/main" id="{660859CF-5617-044D-9432-FA7DA9618788}"/>
-              </a:ext>
-            </a:extLst>
-          </p:cNvPr>
-          <p:cNvSpPr txBox="1"/>
-          <p:nvPr/>
-        </p:nvSpPr>
-        <p:spPr>
-          <a:xfrm>
-            <a:off x="199291" y="5593892"/>
-            <a:ext cx="11164339" cy="646331"/>
-          </a:xfrm>
-          <a:prstGeom prst="rect">
-            <a:avLst/>
-          </a:prstGeom>
-          <a:noFill/>
-        </p:spPr>
-        <p:txBody>
-          <a:bodyPr wrap="square" rtlCol="0">
-            <a:spAutoFit/>
-          </a:bodyPr>
-          <a:lstStyle/>
-          <a:p>
-            <a:r>
-              <a:rPr lang="en-GB" i="1" dirty="0"/>
-              <a:t>Figure 6. Proportions of derived allele frequencies of INDELs (left) and SNPs (right) after filtering but before cline analysis. Bin width is 0.01 and orange dashed line marks the maf filter in the cline analysis (0.1).</a:t>
-            </a:r>
-          </a:p>
-        </p:txBody>
-      </p:sp>
-      <p:sp>
-        <p:nvSpPr>
-          <p:cNvPr id="4" name="Rectangle 3">
-            <a:extLst>
-              <a:ext uri="{FF2B5EF4-FFF2-40B4-BE49-F238E27FC236}">
-                <a16:creationId xmlns:a16="http://schemas.microsoft.com/office/drawing/2014/main" id="{8B6E133F-8983-6A46-A224-E9FA2B0D9F3F}"/>
-              </a:ext>
-            </a:extLst>
-          </p:cNvPr>
-          <p:cNvSpPr/>
-          <p:nvPr/>
-        </p:nvSpPr>
-        <p:spPr>
-          <a:xfrm>
-            <a:off x="528115" y="409596"/>
-            <a:ext cx="4087979" cy="369332"/>
-          </a:xfrm>
-          <a:prstGeom prst="rect">
-            <a:avLst/>
-          </a:prstGeom>
-        </p:spPr>
-        <p:txBody>
-          <a:bodyPr wrap="none">
-            <a:spAutoFit/>
-          </a:bodyPr>
-          <a:lstStyle/>
-          <a:p>
-            <a:pPr marL="342900" indent="-342900">
-              <a:buFont typeface="+mj-lt"/>
-              <a:buAutoNum type="arabicPeriod" startAt="3"/>
-            </a:pPr>
-            <a:r>
-              <a:rPr lang="en-GB" b="1" dirty="0"/>
-              <a:t>Derived allele frequencies (GATK call)</a:t>
-            </a:r>
-          </a:p>
-        </p:txBody>
-      </p:sp>
-      <p:sp>
-        <p:nvSpPr>
-          <p:cNvPr id="5" name="TextBox 4">
-            <a:extLst>
-              <a:ext uri="{FF2B5EF4-FFF2-40B4-BE49-F238E27FC236}">
-                <a16:creationId xmlns:a16="http://schemas.microsoft.com/office/drawing/2014/main" id="{049B477E-5E39-F240-86CA-65F077DF0726}"/>
-              </a:ext>
-            </a:extLst>
-          </p:cNvPr>
-          <p:cNvSpPr txBox="1"/>
-          <p:nvPr/>
-        </p:nvSpPr>
-        <p:spPr>
-          <a:xfrm>
-            <a:off x="528115" y="1100078"/>
-            <a:ext cx="6001639" cy="369332"/>
-          </a:xfrm>
-          <a:prstGeom prst="rect">
-            <a:avLst/>
-          </a:prstGeom>
-          <a:noFill/>
-        </p:spPr>
-        <p:txBody>
-          <a:bodyPr wrap="square" rtlCol="0">
-            <a:spAutoFit/>
-          </a:bodyPr>
-          <a:lstStyle/>
-          <a:p>
-            <a:pPr marL="285750" indent="-285750">
-              <a:buFont typeface="Arial" panose="020B0604020202020204" pitchFamily="34" charset="0"/>
-              <a:buChar char="•"/>
-            </a:pPr>
-            <a:r>
-              <a:rPr lang="en-GB" dirty="0"/>
-              <a:t>INDELs and SNPs after filtering but before cline analysis.</a:t>
-            </a:r>
-          </a:p>
-        </p:txBody>
-      </p:sp>
-      <p:sp>
-        <p:nvSpPr>
-          <p:cNvPr id="7" name="TextBox 6">
-            <a:extLst>
-              <a:ext uri="{FF2B5EF4-FFF2-40B4-BE49-F238E27FC236}">
-                <a16:creationId xmlns:a16="http://schemas.microsoft.com/office/drawing/2014/main" id="{A34A4DED-C22D-D340-8DD8-A92AA6452985}"/>
-              </a:ext>
-            </a:extLst>
-          </p:cNvPr>
-          <p:cNvSpPr txBox="1"/>
-          <p:nvPr/>
-        </p:nvSpPr>
-        <p:spPr>
-          <a:xfrm>
-            <a:off x="528115" y="1499563"/>
-            <a:ext cx="3292824" cy="369332"/>
-          </a:xfrm>
-          <a:prstGeom prst="rect">
-            <a:avLst/>
-          </a:prstGeom>
-          <a:noFill/>
-        </p:spPr>
-        <p:txBody>
-          <a:bodyPr wrap="none" rtlCol="0">
-            <a:spAutoFit/>
-          </a:bodyPr>
-          <a:lstStyle/>
-          <a:p>
-            <a:pPr marL="285750" indent="-285750">
-              <a:buFont typeface="Arial" panose="020B0604020202020204" pitchFamily="34" charset="0"/>
-              <a:buChar char="•"/>
-            </a:pPr>
-            <a:r>
-              <a:rPr lang="en-GB" dirty="0"/>
-              <a:t>All six hybrid zones combined.</a:t>
-            </a:r>
-          </a:p>
-        </p:txBody>
-      </p:sp>
-      <p:pic>
-        <p:nvPicPr>
-          <p:cNvPr id="9" name="Picture 8">
-            <a:extLst>
-              <a:ext uri="{FF2B5EF4-FFF2-40B4-BE49-F238E27FC236}">
-                <a16:creationId xmlns:a16="http://schemas.microsoft.com/office/drawing/2014/main" id="{E64E354F-A363-0B4A-8988-37C554E88852}"/>
-              </a:ext>
-            </a:extLst>
-          </p:cNvPr>
-          <p:cNvPicPr>
-            <a:picLocks noChangeAspect="1"/>
-          </p:cNvPicPr>
-          <p:nvPr/>
-        </p:nvPicPr>
-        <p:blipFill>
-          <a:blip r:embed="rId2"/>
-          <a:stretch>
-            <a:fillRect/>
-          </a:stretch>
-        </p:blipFill>
-        <p:spPr>
-          <a:xfrm>
-            <a:off x="5835097" y="2514874"/>
-            <a:ext cx="6157613" cy="3078807"/>
-          </a:xfrm>
-          <a:prstGeom prst="rect">
-            <a:avLst/>
-          </a:prstGeom>
-        </p:spPr>
-      </p:pic>
-      <p:pic>
-        <p:nvPicPr>
-          <p:cNvPr id="6" name="Picture 5">
-            <a:extLst>
-              <a:ext uri="{FF2B5EF4-FFF2-40B4-BE49-F238E27FC236}">
-                <a16:creationId xmlns:a16="http://schemas.microsoft.com/office/drawing/2014/main" id="{C2162285-C021-CB45-A5E6-FF4AACA50A74}"/>
-              </a:ext>
-            </a:extLst>
-          </p:cNvPr>
-          <p:cNvPicPr>
-            <a:picLocks noChangeAspect="1"/>
-          </p:cNvPicPr>
-          <p:nvPr/>
-        </p:nvPicPr>
-        <p:blipFill>
-          <a:blip r:embed="rId3"/>
-          <a:stretch>
-            <a:fillRect/>
-          </a:stretch>
-        </p:blipFill>
-        <p:spPr>
-          <a:xfrm>
-            <a:off x="199290" y="2515295"/>
-            <a:ext cx="6156354" cy="3078177"/>
-          </a:xfrm>
-          <a:prstGeom prst="rect">
-            <a:avLst/>
-          </a:prstGeom>
-        </p:spPr>
-      </p:pic>
-    </p:spTree>
-    <p:extLst>
-      <p:ext uri="{BB962C8B-B14F-4D97-AF65-F5344CB8AC3E}">
-        <p14:creationId xmlns:p14="http://schemas.microsoft.com/office/powerpoint/2010/main" val="3942403218"/>
-      </p:ext>
-    </p:extLst>
-  </p:cSld>
-  <p:clrMapOvr>
-    <a:masterClrMapping/>
-  </p:clrMapOvr>
-</p:sld>
-</file>
-
-<file path=ppt/slides/slide18.xml><?xml version="1.0" encoding="utf-8"?>
-<p:sld xmlns:a="http://schemas.openxmlformats.org/drawingml/2006/main" xmlns:r="http://schemas.openxmlformats.org/officeDocument/2006/relationships" xmlns:p="http://schemas.openxmlformats.org/presentationml/2006/main">
-  <p:cSld>
-    <p:spTree>
-      <p:nvGrpSpPr>
-        <p:cNvPr id="1" name=""/>
-        <p:cNvGrpSpPr/>
-        <p:nvPr/>
-      </p:nvGrpSpPr>
-      <p:grpSpPr>
-        <a:xfrm>
-          <a:off x="0" y="0"/>
-          <a:ext cx="0" cy="0"/>
-          <a:chOff x="0" y="0"/>
-          <a:chExt cx="0" cy="0"/>
-        </a:xfrm>
-      </p:grpSpPr>
-      <p:sp>
-        <p:nvSpPr>
-          <p:cNvPr id="2" name="TextBox 1">
-            <a:extLst>
-              <a:ext uri="{FF2B5EF4-FFF2-40B4-BE49-F238E27FC236}">
-                <a16:creationId xmlns:a16="http://schemas.microsoft.com/office/drawing/2014/main" id="{660859CF-5617-044D-9432-FA7DA9618788}"/>
-              </a:ext>
-            </a:extLst>
-          </p:cNvPr>
-          <p:cNvSpPr txBox="1"/>
-          <p:nvPr/>
-        </p:nvSpPr>
-        <p:spPr>
-          <a:xfrm>
-            <a:off x="212026" y="3680431"/>
-            <a:ext cx="3174641" cy="2800767"/>
-          </a:xfrm>
-          <a:prstGeom prst="rect">
-            <a:avLst/>
-          </a:prstGeom>
-          <a:noFill/>
-        </p:spPr>
-        <p:txBody>
-          <a:bodyPr wrap="square" rtlCol="0">
-            <a:spAutoFit/>
-          </a:bodyPr>
-          <a:lstStyle/>
-          <a:p>
-            <a:r>
-              <a:rPr lang="en-GB" sz="1600" i="1" dirty="0"/>
-              <a:t>Figure 7. Proportions of SNPs against proportions of INDELs per contig and per derived allele frequency class. Contigs were grouped by length into ten bins of size = 50000 bp (from bin 1 in grey of range 0-50000 bp to bin 10 in black of range 450000-500000 bp). The derived frequency spectrum was divided into 20 classes of 0.05 frequency difference (facets).</a:t>
-            </a:r>
-          </a:p>
-        </p:txBody>
-      </p:sp>
-      <p:sp>
-        <p:nvSpPr>
-          <p:cNvPr id="4" name="Rectangle 3">
-            <a:extLst>
-              <a:ext uri="{FF2B5EF4-FFF2-40B4-BE49-F238E27FC236}">
-                <a16:creationId xmlns:a16="http://schemas.microsoft.com/office/drawing/2014/main" id="{8B6E133F-8983-6A46-A224-E9FA2B0D9F3F}"/>
-              </a:ext>
-            </a:extLst>
-          </p:cNvPr>
-          <p:cNvSpPr/>
-          <p:nvPr/>
-        </p:nvSpPr>
-        <p:spPr>
-          <a:xfrm>
-            <a:off x="528116" y="409596"/>
-            <a:ext cx="2858552" cy="646331"/>
-          </a:xfrm>
-          <a:prstGeom prst="rect">
-            <a:avLst/>
-          </a:prstGeom>
-        </p:spPr>
-        <p:txBody>
-          <a:bodyPr wrap="square">
-            <a:spAutoFit/>
-          </a:bodyPr>
-          <a:lstStyle/>
-          <a:p>
-            <a:pPr marL="342900" indent="-342900">
-              <a:buFont typeface="+mj-lt"/>
-              <a:buAutoNum type="arabicPeriod" startAt="3"/>
-            </a:pPr>
-            <a:r>
-              <a:rPr lang="en-GB" b="1" dirty="0"/>
-              <a:t>Derived allele frequencies (GATK call)</a:t>
-            </a:r>
-          </a:p>
-        </p:txBody>
-      </p:sp>
-      <p:sp>
-        <p:nvSpPr>
-          <p:cNvPr id="5" name="TextBox 4">
-            <a:extLst>
-              <a:ext uri="{FF2B5EF4-FFF2-40B4-BE49-F238E27FC236}">
-                <a16:creationId xmlns:a16="http://schemas.microsoft.com/office/drawing/2014/main" id="{049B477E-5E39-F240-86CA-65F077DF0726}"/>
-              </a:ext>
-            </a:extLst>
-          </p:cNvPr>
-          <p:cNvSpPr txBox="1"/>
-          <p:nvPr/>
-        </p:nvSpPr>
-        <p:spPr>
-          <a:xfrm>
-            <a:off x="528116" y="1212968"/>
-            <a:ext cx="3292824" cy="923330"/>
-          </a:xfrm>
-          <a:prstGeom prst="rect">
-            <a:avLst/>
-          </a:prstGeom>
-          <a:noFill/>
-        </p:spPr>
-        <p:txBody>
-          <a:bodyPr wrap="square" rtlCol="0">
-            <a:spAutoFit/>
-          </a:bodyPr>
-          <a:lstStyle/>
-          <a:p>
-            <a:pPr marL="285750" indent="-285750">
-              <a:buFont typeface="Arial" panose="020B0604020202020204" pitchFamily="34" charset="0"/>
-              <a:buChar char="•"/>
-            </a:pPr>
-            <a:r>
-              <a:rPr lang="en-GB" dirty="0"/>
-              <a:t>INDELs and SNPs after filtering but before cline analysis.</a:t>
-            </a:r>
-          </a:p>
-        </p:txBody>
-      </p:sp>
-      <p:sp>
-        <p:nvSpPr>
-          <p:cNvPr id="7" name="TextBox 6">
-            <a:extLst>
-              <a:ext uri="{FF2B5EF4-FFF2-40B4-BE49-F238E27FC236}">
-                <a16:creationId xmlns:a16="http://schemas.microsoft.com/office/drawing/2014/main" id="{A34A4DED-C22D-D340-8DD8-A92AA6452985}"/>
-              </a:ext>
-            </a:extLst>
-          </p:cNvPr>
-          <p:cNvSpPr txBox="1"/>
-          <p:nvPr/>
-        </p:nvSpPr>
-        <p:spPr>
-          <a:xfrm>
-            <a:off x="528115" y="2168182"/>
-            <a:ext cx="3000819" cy="646331"/>
-          </a:xfrm>
-          <a:prstGeom prst="rect">
-            <a:avLst/>
-          </a:prstGeom>
-          <a:noFill/>
-        </p:spPr>
-        <p:txBody>
-          <a:bodyPr wrap="square" rtlCol="0">
-            <a:spAutoFit/>
-          </a:bodyPr>
-          <a:lstStyle/>
-          <a:p>
-            <a:pPr marL="285750" indent="-285750">
-              <a:buFont typeface="Arial" panose="020B0604020202020204" pitchFamily="34" charset="0"/>
-              <a:buChar char="•"/>
-            </a:pPr>
-            <a:r>
-              <a:rPr lang="en-GB" dirty="0"/>
-              <a:t>All six hybrid zones combined.</a:t>
-            </a:r>
-          </a:p>
-        </p:txBody>
-      </p:sp>
-      <p:pic>
-        <p:nvPicPr>
-          <p:cNvPr id="8" name="Picture 7">
-            <a:extLst>
-              <a:ext uri="{FF2B5EF4-FFF2-40B4-BE49-F238E27FC236}">
-                <a16:creationId xmlns:a16="http://schemas.microsoft.com/office/drawing/2014/main" id="{6E9E2496-1CD1-C441-803C-5C20630263EF}"/>
-              </a:ext>
-            </a:extLst>
-          </p:cNvPr>
-          <p:cNvPicPr>
-            <a:picLocks noChangeAspect="1"/>
-          </p:cNvPicPr>
-          <p:nvPr/>
-        </p:nvPicPr>
-        <p:blipFill>
-          <a:blip r:embed="rId2"/>
-          <a:stretch>
-            <a:fillRect/>
-          </a:stretch>
-        </p:blipFill>
-        <p:spPr>
-          <a:xfrm>
-            <a:off x="3528934" y="0"/>
-            <a:ext cx="8572500" cy="6858000"/>
-          </a:xfrm>
-          <a:prstGeom prst="rect">
-            <a:avLst/>
-          </a:prstGeom>
-        </p:spPr>
-      </p:pic>
-    </p:spTree>
-    <p:extLst>
-      <p:ext uri="{BB962C8B-B14F-4D97-AF65-F5344CB8AC3E}">
-        <p14:creationId xmlns:p14="http://schemas.microsoft.com/office/powerpoint/2010/main" val="944710290"/>
-      </p:ext>
-    </p:extLst>
-  </p:cSld>
-  <p:clrMapOvr>
-    <a:masterClrMapping/>
-  </p:clrMapOvr>
-</p:sld>
-</file>
-
-<file path=ppt/slides/slide19.xml><?xml version="1.0" encoding="utf-8"?>
-<p:sld xmlns:a="http://schemas.openxmlformats.org/drawingml/2006/main" xmlns:r="http://schemas.openxmlformats.org/officeDocument/2006/relationships" xmlns:p="http://schemas.openxmlformats.org/presentationml/2006/main">
-  <p:cSld>
-    <p:spTree>
-      <p:nvGrpSpPr>
-        <p:cNvPr id="1" name=""/>
-        <p:cNvGrpSpPr/>
-        <p:nvPr/>
-      </p:nvGrpSpPr>
-      <p:grpSpPr>
-        <a:xfrm>
-          <a:off x="0" y="0"/>
-          <a:ext cx="0" cy="0"/>
-          <a:chOff x="0" y="0"/>
-          <a:chExt cx="0" cy="0"/>
-        </a:xfrm>
-      </p:grpSpPr>
-      <p:sp>
-        <p:nvSpPr>
-          <p:cNvPr id="4" name="Rectangle 3">
-            <a:extLst>
-              <a:ext uri="{FF2B5EF4-FFF2-40B4-BE49-F238E27FC236}">
-                <a16:creationId xmlns:a16="http://schemas.microsoft.com/office/drawing/2014/main" id="{8B6E133F-8983-6A46-A224-E9FA2B0D9F3F}"/>
-              </a:ext>
-            </a:extLst>
-          </p:cNvPr>
-          <p:cNvSpPr/>
-          <p:nvPr/>
-        </p:nvSpPr>
-        <p:spPr>
-          <a:xfrm>
-            <a:off x="528116" y="409596"/>
-            <a:ext cx="2858552" cy="646331"/>
-          </a:xfrm>
-          <a:prstGeom prst="rect">
-            <a:avLst/>
-          </a:prstGeom>
-        </p:spPr>
-        <p:txBody>
-          <a:bodyPr wrap="square">
-            <a:spAutoFit/>
-          </a:bodyPr>
-          <a:lstStyle/>
-          <a:p>
-            <a:pPr marL="342900" indent="-342900">
-              <a:buFont typeface="+mj-lt"/>
-              <a:buAutoNum type="arabicPeriod" startAt="3"/>
-            </a:pPr>
-            <a:r>
-              <a:rPr lang="en-GB" b="1" dirty="0"/>
-              <a:t>Derived allele frequencies (GATK call)</a:t>
-            </a:r>
-          </a:p>
-        </p:txBody>
-      </p:sp>
-      <p:sp>
-        <p:nvSpPr>
-          <p:cNvPr id="5" name="TextBox 4">
-            <a:extLst>
-              <a:ext uri="{FF2B5EF4-FFF2-40B4-BE49-F238E27FC236}">
-                <a16:creationId xmlns:a16="http://schemas.microsoft.com/office/drawing/2014/main" id="{049B477E-5E39-F240-86CA-65F077DF0726}"/>
-              </a:ext>
-            </a:extLst>
-          </p:cNvPr>
-          <p:cNvSpPr txBox="1"/>
-          <p:nvPr/>
-        </p:nvSpPr>
-        <p:spPr>
-          <a:xfrm>
-            <a:off x="528116" y="1212968"/>
-            <a:ext cx="3292824" cy="923330"/>
-          </a:xfrm>
-          <a:prstGeom prst="rect">
-            <a:avLst/>
-          </a:prstGeom>
-          <a:noFill/>
-        </p:spPr>
-        <p:txBody>
-          <a:bodyPr wrap="square" rtlCol="0">
-            <a:spAutoFit/>
-          </a:bodyPr>
-          <a:lstStyle/>
-          <a:p>
-            <a:pPr marL="285750" indent="-285750">
-              <a:buFont typeface="Arial" panose="020B0604020202020204" pitchFamily="34" charset="0"/>
-              <a:buChar char="•"/>
-            </a:pPr>
-            <a:r>
-              <a:rPr lang="en-GB" dirty="0"/>
-              <a:t>INDELs and SNPs after filtering but before cline analysis.</a:t>
-            </a:r>
-          </a:p>
-        </p:txBody>
-      </p:sp>
-      <p:sp>
-        <p:nvSpPr>
-          <p:cNvPr id="7" name="TextBox 6">
-            <a:extLst>
-              <a:ext uri="{FF2B5EF4-FFF2-40B4-BE49-F238E27FC236}">
-                <a16:creationId xmlns:a16="http://schemas.microsoft.com/office/drawing/2014/main" id="{A34A4DED-C22D-D340-8DD8-A92AA6452985}"/>
-              </a:ext>
-            </a:extLst>
-          </p:cNvPr>
-          <p:cNvSpPr txBox="1"/>
-          <p:nvPr/>
-        </p:nvSpPr>
-        <p:spPr>
-          <a:xfrm>
-            <a:off x="528115" y="2168182"/>
-            <a:ext cx="3000819" cy="646331"/>
-          </a:xfrm>
-          <a:prstGeom prst="rect">
-            <a:avLst/>
-          </a:prstGeom>
-          <a:noFill/>
-        </p:spPr>
-        <p:txBody>
-          <a:bodyPr wrap="square" rtlCol="0">
-            <a:spAutoFit/>
-          </a:bodyPr>
-          <a:lstStyle/>
-          <a:p>
-            <a:pPr marL="285750" indent="-285750">
-              <a:buFont typeface="Arial" panose="020B0604020202020204" pitchFamily="34" charset="0"/>
-              <a:buChar char="•"/>
-            </a:pPr>
-            <a:r>
-              <a:rPr lang="en-GB" dirty="0"/>
-              <a:t>All six hybrid zones combined.</a:t>
-            </a:r>
-          </a:p>
-        </p:txBody>
-      </p:sp>
-      <p:sp>
-        <p:nvSpPr>
-          <p:cNvPr id="9" name="TextBox 8">
-            <a:extLst>
-              <a:ext uri="{FF2B5EF4-FFF2-40B4-BE49-F238E27FC236}">
-                <a16:creationId xmlns:a16="http://schemas.microsoft.com/office/drawing/2014/main" id="{FF7CE02B-0C71-9F4E-9116-32A9DFE34841}"/>
-              </a:ext>
-            </a:extLst>
-          </p:cNvPr>
-          <p:cNvSpPr txBox="1"/>
-          <p:nvPr/>
-        </p:nvSpPr>
-        <p:spPr>
-          <a:xfrm>
-            <a:off x="528115" y="3429000"/>
-            <a:ext cx="8514285" cy="3416320"/>
-          </a:xfrm>
-          <a:prstGeom prst="rect">
-            <a:avLst/>
-          </a:prstGeom>
-          <a:noFill/>
-        </p:spPr>
-        <p:txBody>
-          <a:bodyPr wrap="square" rtlCol="0">
-            <a:spAutoFit/>
-          </a:bodyPr>
-          <a:lstStyle/>
-          <a:p>
-            <a:pPr marL="285750" indent="-285750">
-              <a:buFont typeface="Arial" panose="020B0604020202020204" pitchFamily="34" charset="0"/>
-              <a:buChar char="•"/>
-            </a:pPr>
-            <a:r>
-              <a:rPr lang="en-GB" dirty="0"/>
-              <a:t>From the simple comparison between proportions of filtered SNPs and filtered INDELs (Fig. 7), we can further group variants by genomic location (coding vs. non-coding) and fitness effect (e.g., low impact for synonymous SNPs and intergenic INDELs and high impact for nonsynonymous SNPs and frameshift INDELs). In progress ...</a:t>
-            </a:r>
-            <a:br>
-              <a:rPr lang="en-GB" dirty="0"/>
-            </a:br>
-            <a:endParaRPr lang="en-GB" dirty="0"/>
-          </a:p>
-          <a:p>
-            <a:pPr marL="285750" indent="-285750">
-              <a:buFont typeface="Arial" panose="020B0604020202020204" pitchFamily="34" charset="0"/>
-              <a:buChar char="•"/>
-            </a:pPr>
-            <a:r>
-              <a:rPr lang="en-GB" dirty="0"/>
-              <a:t>Similarly, we can compare INDELs-SNPs proportions with respect to the cline parameters:</a:t>
-            </a:r>
-          </a:p>
-          <a:p>
-            <a:pPr marL="742950" lvl="1" indent="-285750">
-              <a:buFont typeface="Arial" panose="020B0604020202020204" pitchFamily="34" charset="0"/>
-              <a:buChar char="•"/>
-            </a:pPr>
-            <a:r>
-              <a:rPr lang="en-GB" dirty="0"/>
-              <a:t>Centre (Fig. 8)</a:t>
-            </a:r>
-          </a:p>
-          <a:p>
-            <a:pPr marL="742950" lvl="1" indent="-285750">
-              <a:buFont typeface="Arial" panose="020B0604020202020204" pitchFamily="34" charset="0"/>
-              <a:buChar char="•"/>
-            </a:pPr>
-            <a:r>
-              <a:rPr lang="en-GB" dirty="0"/>
-              <a:t>Width (Fig. 9)</a:t>
-            </a:r>
-          </a:p>
-          <a:p>
-            <a:pPr marL="742950" lvl="1" indent="-285750">
-              <a:buFont typeface="Arial" panose="020B0604020202020204" pitchFamily="34" charset="0"/>
-              <a:buChar char="•"/>
-            </a:pPr>
-            <a:r>
-              <a:rPr lang="en-GB" dirty="0"/>
-              <a:t>Slope (Fig. 10)</a:t>
-            </a:r>
-          </a:p>
-          <a:p>
-            <a:pPr marL="742950" lvl="1" indent="-285750">
-              <a:buFont typeface="Arial" panose="020B0604020202020204" pitchFamily="34" charset="0"/>
-              <a:buChar char="•"/>
-            </a:pPr>
-            <a:r>
-              <a:rPr lang="en-GB" dirty="0"/>
-              <a:t>Crab-Wave frequency difference (</a:t>
-            </a:r>
-            <a:r>
-              <a:rPr lang="en-GB" dirty="0" err="1"/>
-              <a:t>p_diff</a:t>
-            </a:r>
-            <a:r>
-              <a:rPr lang="en-GB" dirty="0"/>
-              <a:t>) (Fig. 11)</a:t>
-            </a:r>
-          </a:p>
-          <a:p>
-            <a:pPr marL="742950" lvl="1" indent="-285750">
-              <a:buFont typeface="Arial" panose="020B0604020202020204" pitchFamily="34" charset="0"/>
-              <a:buChar char="•"/>
-            </a:pPr>
-            <a:r>
-              <a:rPr lang="en-GB" dirty="0"/>
-              <a:t>Variance explained (</a:t>
-            </a:r>
-            <a:r>
-              <a:rPr lang="en-GB" dirty="0" err="1"/>
-              <a:t>Var.Ex</a:t>
-            </a:r>
-            <a:r>
-              <a:rPr lang="en-GB" dirty="0"/>
-              <a:t>) (Fig. 12)</a:t>
-            </a:r>
-          </a:p>
-        </p:txBody>
-      </p:sp>
-    </p:spTree>
-    <p:extLst>
-      <p:ext uri="{BB962C8B-B14F-4D97-AF65-F5344CB8AC3E}">
-        <p14:creationId xmlns:p14="http://schemas.microsoft.com/office/powerpoint/2010/main" val="1865383001"/>
       </p:ext>
     </p:extLst>
   </p:cSld>
@@ -9221,12 +9493,163 @@
           <a:chExt cx="0" cy="0"/>
         </a:xfrm>
       </p:grpSpPr>
+      <p:sp>
+        <p:nvSpPr>
+          <p:cNvPr id="2" name="TextBox 1">
+            <a:extLst>
+              <a:ext uri="{FF2B5EF4-FFF2-40B4-BE49-F238E27FC236}">
+                <a16:creationId xmlns:a16="http://schemas.microsoft.com/office/drawing/2014/main" id="{660859CF-5617-044D-9432-FA7DA9618788}"/>
+              </a:ext>
+            </a:extLst>
+          </p:cNvPr>
+          <p:cNvSpPr txBox="1"/>
+          <p:nvPr/>
+        </p:nvSpPr>
+        <p:spPr>
+          <a:xfrm>
+            <a:off x="199291" y="5593892"/>
+            <a:ext cx="11164339" cy="646331"/>
+          </a:xfrm>
+          <a:prstGeom prst="rect">
+            <a:avLst/>
+          </a:prstGeom>
+          <a:noFill/>
+        </p:spPr>
+        <p:txBody>
+          <a:bodyPr wrap="square" rtlCol="0">
+            <a:spAutoFit/>
+          </a:bodyPr>
+          <a:lstStyle/>
+          <a:p>
+            <a:r>
+              <a:rPr lang="en-GB" i="1" dirty="0"/>
+              <a:t>Figure 6. Proportions of derived allele frequencies of INDELs (left) and SNPs (right) after filtering but before cline analysis. Bin width is 0.01 and orange dashed line marks the maf filter in the cline analysis (0.1).</a:t>
+            </a:r>
+          </a:p>
+        </p:txBody>
+      </p:sp>
+      <p:sp>
+        <p:nvSpPr>
+          <p:cNvPr id="4" name="Rectangle 3">
+            <a:extLst>
+              <a:ext uri="{FF2B5EF4-FFF2-40B4-BE49-F238E27FC236}">
+                <a16:creationId xmlns:a16="http://schemas.microsoft.com/office/drawing/2014/main" id="{8B6E133F-8983-6A46-A224-E9FA2B0D9F3F}"/>
+              </a:ext>
+            </a:extLst>
+          </p:cNvPr>
+          <p:cNvSpPr/>
+          <p:nvPr/>
+        </p:nvSpPr>
+        <p:spPr>
+          <a:xfrm>
+            <a:off x="528115" y="409596"/>
+            <a:ext cx="4087979" cy="369332"/>
+          </a:xfrm>
+          <a:prstGeom prst="rect">
+            <a:avLst/>
+          </a:prstGeom>
+        </p:spPr>
+        <p:txBody>
+          <a:bodyPr wrap="none">
+            <a:spAutoFit/>
+          </a:bodyPr>
+          <a:lstStyle/>
+          <a:p>
+            <a:pPr marL="342900" indent="-342900">
+              <a:buFont typeface="+mj-lt"/>
+              <a:buAutoNum type="arabicPeriod" startAt="3"/>
+            </a:pPr>
+            <a:r>
+              <a:rPr lang="en-GB" b="1" dirty="0"/>
+              <a:t>Derived allele frequencies (GATK call)</a:t>
+            </a:r>
+          </a:p>
+        </p:txBody>
+      </p:sp>
+      <p:sp>
+        <p:nvSpPr>
+          <p:cNvPr id="5" name="TextBox 4">
+            <a:extLst>
+              <a:ext uri="{FF2B5EF4-FFF2-40B4-BE49-F238E27FC236}">
+                <a16:creationId xmlns:a16="http://schemas.microsoft.com/office/drawing/2014/main" id="{049B477E-5E39-F240-86CA-65F077DF0726}"/>
+              </a:ext>
+            </a:extLst>
+          </p:cNvPr>
+          <p:cNvSpPr txBox="1"/>
+          <p:nvPr/>
+        </p:nvSpPr>
+        <p:spPr>
+          <a:xfrm>
+            <a:off x="528115" y="1100078"/>
+            <a:ext cx="6001639" cy="369332"/>
+          </a:xfrm>
+          <a:prstGeom prst="rect">
+            <a:avLst/>
+          </a:prstGeom>
+          <a:noFill/>
+        </p:spPr>
+        <p:txBody>
+          <a:bodyPr wrap="square" rtlCol="0">
+            <a:spAutoFit/>
+          </a:bodyPr>
+          <a:lstStyle/>
+          <a:p>
+            <a:pPr marL="285750" indent="-285750">
+              <a:buFont typeface="Arial" panose="020B0604020202020204" pitchFamily="34" charset="0"/>
+              <a:buChar char="•"/>
+            </a:pPr>
+            <a:r>
+              <a:rPr lang="en-GB" dirty="0"/>
+              <a:t>INDELs and SNPs after filtering but before cline analysis.</a:t>
+            </a:r>
+          </a:p>
+        </p:txBody>
+      </p:sp>
+      <p:sp>
+        <p:nvSpPr>
+          <p:cNvPr id="7" name="TextBox 6">
+            <a:extLst>
+              <a:ext uri="{FF2B5EF4-FFF2-40B4-BE49-F238E27FC236}">
+                <a16:creationId xmlns:a16="http://schemas.microsoft.com/office/drawing/2014/main" id="{A34A4DED-C22D-D340-8DD8-A92AA6452985}"/>
+              </a:ext>
+            </a:extLst>
+          </p:cNvPr>
+          <p:cNvSpPr txBox="1"/>
+          <p:nvPr/>
+        </p:nvSpPr>
+        <p:spPr>
+          <a:xfrm>
+            <a:off x="528115" y="1499563"/>
+            <a:ext cx="3292824" cy="369332"/>
+          </a:xfrm>
+          <a:prstGeom prst="rect">
+            <a:avLst/>
+          </a:prstGeom>
+          <a:noFill/>
+        </p:spPr>
+        <p:txBody>
+          <a:bodyPr wrap="none" rtlCol="0">
+            <a:spAutoFit/>
+          </a:bodyPr>
+          <a:lstStyle/>
+          <a:p>
+            <a:pPr marL="285750" indent="-285750">
+              <a:buFont typeface="Arial" panose="020B0604020202020204" pitchFamily="34" charset="0"/>
+              <a:buChar char="•"/>
+            </a:pPr>
+            <a:r>
+              <a:rPr lang="en-GB" dirty="0"/>
+              <a:t>All six hybrid zones combined.</a:t>
+            </a:r>
+          </a:p>
+        </p:txBody>
+      </p:sp>
       <p:pic>
         <p:nvPicPr>
-          <p:cNvPr id="10" name="Picture 9">
-            <a:extLst>
-              <a:ext uri="{FF2B5EF4-FFF2-40B4-BE49-F238E27FC236}">
-                <a16:creationId xmlns:a16="http://schemas.microsoft.com/office/drawing/2014/main" id="{DBA103D5-B217-C541-8E32-223F0BF48FE1}"/>
+          <p:cNvPr id="9" name="Picture 8">
+            <a:extLst>
+              <a:ext uri="{FF2B5EF4-FFF2-40B4-BE49-F238E27FC236}">
+                <a16:creationId xmlns:a16="http://schemas.microsoft.com/office/drawing/2014/main" id="{E64E354F-A363-0B4A-8988-37C554E88852}"/>
               </a:ext>
             </a:extLst>
           </p:cNvPr>
@@ -9243,169 +9666,48 @@
         </p:blipFill>
         <p:spPr>
           <a:xfrm>
-            <a:off x="528115" y="1388550"/>
-            <a:ext cx="7714286" cy="5400000"/>
+            <a:off x="5835097" y="2514874"/>
+            <a:ext cx="6157613" cy="3078807"/>
           </a:xfrm>
           <a:prstGeom prst="rect">
             <a:avLst/>
           </a:prstGeom>
         </p:spPr>
       </p:pic>
-      <p:sp>
-        <p:nvSpPr>
-          <p:cNvPr id="2" name="Rectangle 1">
-            <a:extLst>
-              <a:ext uri="{FF2B5EF4-FFF2-40B4-BE49-F238E27FC236}">
-                <a16:creationId xmlns:a16="http://schemas.microsoft.com/office/drawing/2014/main" id="{D91655BD-4E82-BE49-A7CD-CA31E3AFCA3B}"/>
-              </a:ext>
-            </a:extLst>
-          </p:cNvPr>
-          <p:cNvSpPr/>
+      <p:pic>
+        <p:nvPicPr>
+          <p:cNvPr id="6" name="Picture 5">
+            <a:extLst>
+              <a:ext uri="{FF2B5EF4-FFF2-40B4-BE49-F238E27FC236}">
+                <a16:creationId xmlns:a16="http://schemas.microsoft.com/office/drawing/2014/main" id="{C2162285-C021-CB45-A5E6-FF4AACA50A74}"/>
+              </a:ext>
+            </a:extLst>
+          </p:cNvPr>
+          <p:cNvPicPr>
+            <a:picLocks noChangeAspect="1"/>
+          </p:cNvPicPr>
           <p:nvPr/>
-        </p:nvSpPr>
-        <p:spPr>
-          <a:xfrm>
-            <a:off x="528115" y="409596"/>
-            <a:ext cx="5611986" cy="369332"/>
+        </p:nvPicPr>
+        <p:blipFill>
+          <a:blip r:embed="rId3"/>
+          <a:stretch>
+            <a:fillRect/>
+          </a:stretch>
+        </p:blipFill>
+        <p:spPr>
+          <a:xfrm>
+            <a:off x="199290" y="2515295"/>
+            <a:ext cx="6156354" cy="3078177"/>
           </a:xfrm>
           <a:prstGeom prst="rect">
             <a:avLst/>
           </a:prstGeom>
         </p:spPr>
-        <p:txBody>
-          <a:bodyPr wrap="none">
-            <a:spAutoFit/>
-          </a:bodyPr>
-          <a:lstStyle/>
-          <a:p>
-            <a:pPr marL="342900" indent="-342900">
-              <a:buFont typeface="+mj-lt"/>
-              <a:buAutoNum type="arabicPeriod" startAt="4"/>
-            </a:pPr>
-            <a:r>
-              <a:rPr lang="en-GB" b="1" dirty="0"/>
-              <a:t>Distributions of cline parameters - centres (GATK call)</a:t>
-            </a:r>
-          </a:p>
-        </p:txBody>
-      </p:sp>
-      <p:sp>
-        <p:nvSpPr>
-          <p:cNvPr id="3" name="TextBox 2">
-            <a:extLst>
-              <a:ext uri="{FF2B5EF4-FFF2-40B4-BE49-F238E27FC236}">
-                <a16:creationId xmlns:a16="http://schemas.microsoft.com/office/drawing/2014/main" id="{E3C4FFF0-6162-7545-8DED-E90631255C50}"/>
-              </a:ext>
-            </a:extLst>
-          </p:cNvPr>
-          <p:cNvSpPr txBox="1"/>
-          <p:nvPr/>
-        </p:nvSpPr>
-        <p:spPr>
-          <a:xfrm>
-            <a:off x="6709458" y="409596"/>
-            <a:ext cx="6001639" cy="369332"/>
-          </a:xfrm>
-          <a:prstGeom prst="rect">
-            <a:avLst/>
-          </a:prstGeom>
-          <a:noFill/>
-        </p:spPr>
-        <p:txBody>
-          <a:bodyPr wrap="square" rtlCol="0">
-            <a:spAutoFit/>
-          </a:bodyPr>
-          <a:lstStyle/>
-          <a:p>
-            <a:pPr marL="285750" indent="-285750">
-              <a:buFont typeface="Arial" panose="020B0604020202020204" pitchFamily="34" charset="0"/>
-              <a:buChar char="•"/>
-            </a:pPr>
-            <a:r>
-              <a:rPr lang="en-GB" dirty="0"/>
-              <a:t>Clinal INDELs and SNPs.</a:t>
-            </a:r>
-          </a:p>
-        </p:txBody>
-      </p:sp>
-      <p:sp>
-        <p:nvSpPr>
-          <p:cNvPr id="4" name="TextBox 3">
-            <a:extLst>
-              <a:ext uri="{FF2B5EF4-FFF2-40B4-BE49-F238E27FC236}">
-                <a16:creationId xmlns:a16="http://schemas.microsoft.com/office/drawing/2014/main" id="{3E27703C-140A-0642-910C-7B09247141B0}"/>
-              </a:ext>
-            </a:extLst>
-          </p:cNvPr>
-          <p:cNvSpPr txBox="1"/>
-          <p:nvPr/>
-        </p:nvSpPr>
-        <p:spPr>
-          <a:xfrm>
-            <a:off x="6709458" y="809081"/>
-            <a:ext cx="3292824" cy="369332"/>
-          </a:xfrm>
-          <a:prstGeom prst="rect">
-            <a:avLst/>
-          </a:prstGeom>
-          <a:noFill/>
-        </p:spPr>
-        <p:txBody>
-          <a:bodyPr wrap="none" rtlCol="0">
-            <a:spAutoFit/>
-          </a:bodyPr>
-          <a:lstStyle/>
-          <a:p>
-            <a:pPr marL="285750" indent="-285750">
-              <a:buFont typeface="Arial" panose="020B0604020202020204" pitchFamily="34" charset="0"/>
-              <a:buChar char="•"/>
-            </a:pPr>
-            <a:r>
-              <a:rPr lang="en-GB" dirty="0"/>
-              <a:t>All six hybrid zones combined.</a:t>
-            </a:r>
-          </a:p>
-        </p:txBody>
-      </p:sp>
-      <p:sp>
-        <p:nvSpPr>
-          <p:cNvPr id="11" name="TextBox 10">
-            <a:extLst>
-              <a:ext uri="{FF2B5EF4-FFF2-40B4-BE49-F238E27FC236}">
-                <a16:creationId xmlns:a16="http://schemas.microsoft.com/office/drawing/2014/main" id="{0204D076-8329-5844-9B89-47D809811C38}"/>
-              </a:ext>
-            </a:extLst>
-          </p:cNvPr>
-          <p:cNvSpPr txBox="1"/>
-          <p:nvPr/>
-        </p:nvSpPr>
-        <p:spPr>
-          <a:xfrm>
-            <a:off x="6428128" y="6203775"/>
-            <a:ext cx="5235757" cy="584775"/>
-          </a:xfrm>
-          <a:prstGeom prst="rect">
-            <a:avLst/>
-          </a:prstGeom>
-          <a:noFill/>
-        </p:spPr>
-        <p:txBody>
-          <a:bodyPr wrap="square" rtlCol="0">
-            <a:spAutoFit/>
-          </a:bodyPr>
-          <a:lstStyle/>
-          <a:p>
-            <a:r>
-              <a:rPr lang="en-GB" sz="1600" i="1" dirty="0"/>
-              <a:t>Figure 8. Proportions of SNPs vs INDELs for a given range of cline centres (colours).</a:t>
-            </a:r>
-          </a:p>
-        </p:txBody>
-      </p:sp>
+      </p:pic>
     </p:spTree>
     <p:extLst>
       <p:ext uri="{BB962C8B-B14F-4D97-AF65-F5344CB8AC3E}">
-        <p14:creationId xmlns:p14="http://schemas.microsoft.com/office/powerpoint/2010/main" val="2202225606"/>
+        <p14:creationId xmlns:p14="http://schemas.microsoft.com/office/powerpoint/2010/main" val="3942403218"/>
       </p:ext>
     </p:extLst>
   </p:cSld>
@@ -9432,12 +9734,124 @@
           <a:chExt cx="0" cy="0"/>
         </a:xfrm>
       </p:grpSpPr>
+      <p:sp>
+        <p:nvSpPr>
+          <p:cNvPr id="2" name="TextBox 1">
+            <a:extLst>
+              <a:ext uri="{FF2B5EF4-FFF2-40B4-BE49-F238E27FC236}">
+                <a16:creationId xmlns:a16="http://schemas.microsoft.com/office/drawing/2014/main" id="{660859CF-5617-044D-9432-FA7DA9618788}"/>
+              </a:ext>
+            </a:extLst>
+          </p:cNvPr>
+          <p:cNvSpPr txBox="1"/>
+          <p:nvPr/>
+        </p:nvSpPr>
+        <p:spPr>
+          <a:xfrm>
+            <a:off x="199291" y="5593892"/>
+            <a:ext cx="11164339" cy="646331"/>
+          </a:xfrm>
+          <a:prstGeom prst="rect">
+            <a:avLst/>
+          </a:prstGeom>
+          <a:noFill/>
+        </p:spPr>
+        <p:txBody>
+          <a:bodyPr wrap="square" rtlCol="0">
+            <a:spAutoFit/>
+          </a:bodyPr>
+          <a:lstStyle/>
+          <a:p>
+            <a:r>
+              <a:rPr lang="en-GB" i="1" dirty="0"/>
+              <a:t>Figure 6. Proportions of derived allele frequencies of INDELs (left) and SNPs (right) after filtering but before cline analysis. Bin width is 0.01 and orange dashed line marks the maf filter in the cline analysis (0.1).</a:t>
+            </a:r>
+          </a:p>
+        </p:txBody>
+      </p:sp>
+      <p:sp>
+        <p:nvSpPr>
+          <p:cNvPr id="4" name="Rectangle 3">
+            <a:extLst>
+              <a:ext uri="{FF2B5EF4-FFF2-40B4-BE49-F238E27FC236}">
+                <a16:creationId xmlns:a16="http://schemas.microsoft.com/office/drawing/2014/main" id="{8B6E133F-8983-6A46-A224-E9FA2B0D9F3F}"/>
+              </a:ext>
+            </a:extLst>
+          </p:cNvPr>
+          <p:cNvSpPr/>
+          <p:nvPr/>
+        </p:nvSpPr>
+        <p:spPr>
+          <a:xfrm>
+            <a:off x="528115" y="409596"/>
+            <a:ext cx="4087979" cy="369332"/>
+          </a:xfrm>
+          <a:prstGeom prst="rect">
+            <a:avLst/>
+          </a:prstGeom>
+        </p:spPr>
+        <p:txBody>
+          <a:bodyPr wrap="none">
+            <a:spAutoFit/>
+          </a:bodyPr>
+          <a:lstStyle/>
+          <a:p>
+            <a:pPr marL="342900" indent="-342900">
+              <a:buFont typeface="+mj-lt"/>
+              <a:buAutoNum type="arabicPeriod" startAt="3"/>
+            </a:pPr>
+            <a:r>
+              <a:rPr lang="en-GB" b="1" dirty="0"/>
+              <a:t>Derived allele frequencies (GATK call)</a:t>
+            </a:r>
+          </a:p>
+        </p:txBody>
+      </p:sp>
+      <p:sp>
+        <p:nvSpPr>
+          <p:cNvPr id="5" name="TextBox 4">
+            <a:extLst>
+              <a:ext uri="{FF2B5EF4-FFF2-40B4-BE49-F238E27FC236}">
+                <a16:creationId xmlns:a16="http://schemas.microsoft.com/office/drawing/2014/main" id="{049B477E-5E39-F240-86CA-65F077DF0726}"/>
+              </a:ext>
+            </a:extLst>
+          </p:cNvPr>
+          <p:cNvSpPr txBox="1"/>
+          <p:nvPr/>
+        </p:nvSpPr>
+        <p:spPr>
+          <a:xfrm>
+            <a:off x="528115" y="1100078"/>
+            <a:ext cx="6001639" cy="369332"/>
+          </a:xfrm>
+          <a:prstGeom prst="rect">
+            <a:avLst/>
+          </a:prstGeom>
+          <a:noFill/>
+        </p:spPr>
+        <p:txBody>
+          <a:bodyPr wrap="square" rtlCol="0">
+            <a:spAutoFit/>
+          </a:bodyPr>
+          <a:lstStyle/>
+          <a:p>
+            <a:pPr marL="285750" indent="-285750">
+              <a:buFont typeface="Arial" panose="020B0604020202020204" pitchFamily="34" charset="0"/>
+              <a:buChar char="•"/>
+            </a:pPr>
+            <a:r>
+              <a:rPr lang="en-GB" dirty="0"/>
+              <a:t>INDELs and SNPs after filtering but before cline analysis.</a:t>
+            </a:r>
+          </a:p>
+        </p:txBody>
+      </p:sp>
       <p:pic>
         <p:nvPicPr>
-          <p:cNvPr id="6" name="Picture 5">
-            <a:extLst>
-              <a:ext uri="{FF2B5EF4-FFF2-40B4-BE49-F238E27FC236}">
-                <a16:creationId xmlns:a16="http://schemas.microsoft.com/office/drawing/2014/main" id="{EB0D1348-DB7B-4D45-BC6E-211E3CFB7534}"/>
+          <p:cNvPr id="9" name="Picture 8">
+            <a:extLst>
+              <a:ext uri="{FF2B5EF4-FFF2-40B4-BE49-F238E27FC236}">
+                <a16:creationId xmlns:a16="http://schemas.microsoft.com/office/drawing/2014/main" id="{E64E354F-A363-0B4A-8988-37C554E88852}"/>
               </a:ext>
             </a:extLst>
           </p:cNvPr>
@@ -9454,169 +9868,48 @@
         </p:blipFill>
         <p:spPr>
           <a:xfrm>
-            <a:off x="528115" y="1074850"/>
-            <a:ext cx="8228572" cy="5760000"/>
+            <a:off x="5835097" y="2514874"/>
+            <a:ext cx="6157613" cy="3078807"/>
           </a:xfrm>
           <a:prstGeom prst="rect">
             <a:avLst/>
           </a:prstGeom>
         </p:spPr>
       </p:pic>
-      <p:sp>
-        <p:nvSpPr>
-          <p:cNvPr id="2" name="Rectangle 1">
-            <a:extLst>
-              <a:ext uri="{FF2B5EF4-FFF2-40B4-BE49-F238E27FC236}">
-                <a16:creationId xmlns:a16="http://schemas.microsoft.com/office/drawing/2014/main" id="{D91655BD-4E82-BE49-A7CD-CA31E3AFCA3B}"/>
-              </a:ext>
-            </a:extLst>
-          </p:cNvPr>
-          <p:cNvSpPr/>
+      <p:pic>
+        <p:nvPicPr>
+          <p:cNvPr id="6" name="Picture 5">
+            <a:extLst>
+              <a:ext uri="{FF2B5EF4-FFF2-40B4-BE49-F238E27FC236}">
+                <a16:creationId xmlns:a16="http://schemas.microsoft.com/office/drawing/2014/main" id="{C2162285-C021-CB45-A5E6-FF4AACA50A74}"/>
+              </a:ext>
+            </a:extLst>
+          </p:cNvPr>
+          <p:cNvPicPr>
+            <a:picLocks noChangeAspect="1"/>
+          </p:cNvPicPr>
           <p:nvPr/>
-        </p:nvSpPr>
-        <p:spPr>
-          <a:xfrm>
-            <a:off x="528115" y="409596"/>
-            <a:ext cx="5467587" cy="369332"/>
+        </p:nvPicPr>
+        <p:blipFill>
+          <a:blip r:embed="rId3"/>
+          <a:stretch>
+            <a:fillRect/>
+          </a:stretch>
+        </p:blipFill>
+        <p:spPr>
+          <a:xfrm>
+            <a:off x="199290" y="2515295"/>
+            <a:ext cx="6156354" cy="3078177"/>
           </a:xfrm>
           <a:prstGeom prst="rect">
             <a:avLst/>
           </a:prstGeom>
         </p:spPr>
-        <p:txBody>
-          <a:bodyPr wrap="none">
-            <a:spAutoFit/>
-          </a:bodyPr>
-          <a:lstStyle/>
-          <a:p>
-            <a:pPr marL="342900" indent="-342900">
-              <a:buFont typeface="+mj-lt"/>
-              <a:buAutoNum type="arabicPeriod" startAt="4"/>
-            </a:pPr>
-            <a:r>
-              <a:rPr lang="en-GB" b="1" dirty="0"/>
-              <a:t>Distributions of cline parameters - width (GATK call)</a:t>
-            </a:r>
-          </a:p>
-        </p:txBody>
-      </p:sp>
-      <p:sp>
-        <p:nvSpPr>
-          <p:cNvPr id="3" name="TextBox 2">
-            <a:extLst>
-              <a:ext uri="{FF2B5EF4-FFF2-40B4-BE49-F238E27FC236}">
-                <a16:creationId xmlns:a16="http://schemas.microsoft.com/office/drawing/2014/main" id="{E3C4FFF0-6162-7545-8DED-E90631255C50}"/>
-              </a:ext>
-            </a:extLst>
-          </p:cNvPr>
-          <p:cNvSpPr txBox="1"/>
-          <p:nvPr/>
-        </p:nvSpPr>
-        <p:spPr>
-          <a:xfrm>
-            <a:off x="6709458" y="409596"/>
-            <a:ext cx="6001639" cy="369332"/>
-          </a:xfrm>
-          <a:prstGeom prst="rect">
-            <a:avLst/>
-          </a:prstGeom>
-          <a:noFill/>
-        </p:spPr>
-        <p:txBody>
-          <a:bodyPr wrap="square" rtlCol="0">
-            <a:spAutoFit/>
-          </a:bodyPr>
-          <a:lstStyle/>
-          <a:p>
-            <a:pPr marL="285750" indent="-285750">
-              <a:buFont typeface="Arial" panose="020B0604020202020204" pitchFamily="34" charset="0"/>
-              <a:buChar char="•"/>
-            </a:pPr>
-            <a:r>
-              <a:rPr lang="en-GB" dirty="0"/>
-              <a:t>Clinal INDELs and SNPs.</a:t>
-            </a:r>
-          </a:p>
-        </p:txBody>
-      </p:sp>
-      <p:sp>
-        <p:nvSpPr>
-          <p:cNvPr id="4" name="TextBox 3">
-            <a:extLst>
-              <a:ext uri="{FF2B5EF4-FFF2-40B4-BE49-F238E27FC236}">
-                <a16:creationId xmlns:a16="http://schemas.microsoft.com/office/drawing/2014/main" id="{3E27703C-140A-0642-910C-7B09247141B0}"/>
-              </a:ext>
-            </a:extLst>
-          </p:cNvPr>
-          <p:cNvSpPr txBox="1"/>
-          <p:nvPr/>
-        </p:nvSpPr>
-        <p:spPr>
-          <a:xfrm>
-            <a:off x="6709458" y="809081"/>
-            <a:ext cx="3292824" cy="369332"/>
-          </a:xfrm>
-          <a:prstGeom prst="rect">
-            <a:avLst/>
-          </a:prstGeom>
-          <a:noFill/>
-        </p:spPr>
-        <p:txBody>
-          <a:bodyPr wrap="none" rtlCol="0">
-            <a:spAutoFit/>
-          </a:bodyPr>
-          <a:lstStyle/>
-          <a:p>
-            <a:pPr marL="285750" indent="-285750">
-              <a:buFont typeface="Arial" panose="020B0604020202020204" pitchFamily="34" charset="0"/>
-              <a:buChar char="•"/>
-            </a:pPr>
-            <a:r>
-              <a:rPr lang="en-GB" dirty="0"/>
-              <a:t>All six hybrid zones combined.</a:t>
-            </a:r>
-          </a:p>
-        </p:txBody>
-      </p:sp>
-      <p:sp>
-        <p:nvSpPr>
-          <p:cNvPr id="11" name="TextBox 10">
-            <a:extLst>
-              <a:ext uri="{FF2B5EF4-FFF2-40B4-BE49-F238E27FC236}">
-                <a16:creationId xmlns:a16="http://schemas.microsoft.com/office/drawing/2014/main" id="{0204D076-8329-5844-9B89-47D809811C38}"/>
-              </a:ext>
-            </a:extLst>
-          </p:cNvPr>
-          <p:cNvSpPr txBox="1"/>
-          <p:nvPr/>
-        </p:nvSpPr>
-        <p:spPr>
-          <a:xfrm>
-            <a:off x="8756687" y="6048919"/>
-            <a:ext cx="3292825" cy="830997"/>
-          </a:xfrm>
-          <a:prstGeom prst="rect">
-            <a:avLst/>
-          </a:prstGeom>
-          <a:noFill/>
-        </p:spPr>
-        <p:txBody>
-          <a:bodyPr wrap="square" rtlCol="0">
-            <a:spAutoFit/>
-          </a:bodyPr>
-          <a:lstStyle/>
-          <a:p>
-            <a:r>
-              <a:rPr lang="en-GB" sz="1600" i="1" dirty="0"/>
-              <a:t>Figure 9. Proportions of SNPs vs INDELs for a given range of cline widths (colours).</a:t>
-            </a:r>
-          </a:p>
-        </p:txBody>
-      </p:sp>
+      </p:pic>
     </p:spTree>
     <p:extLst>
       <p:ext uri="{BB962C8B-B14F-4D97-AF65-F5344CB8AC3E}">
-        <p14:creationId xmlns:p14="http://schemas.microsoft.com/office/powerpoint/2010/main" val="1703685879"/>
+        <p14:creationId xmlns:p14="http://schemas.microsoft.com/office/powerpoint/2010/main" val="401742775"/>
       </p:ext>
     </p:extLst>
   </p:cSld>
@@ -9643,42 +9936,12 @@
           <a:chExt cx="0" cy="0"/>
         </a:xfrm>
       </p:grpSpPr>
-      <p:pic>
-        <p:nvPicPr>
-          <p:cNvPr id="7" name="Picture 6">
-            <a:extLst>
-              <a:ext uri="{FF2B5EF4-FFF2-40B4-BE49-F238E27FC236}">
-                <a16:creationId xmlns:a16="http://schemas.microsoft.com/office/drawing/2014/main" id="{27F924E1-FEE8-9041-AB2A-34CCD9E090BA}"/>
-              </a:ext>
-            </a:extLst>
-          </p:cNvPr>
-          <p:cNvPicPr>
-            <a:picLocks noChangeAspect="1"/>
-          </p:cNvPicPr>
-          <p:nvPr/>
-        </p:nvPicPr>
-        <p:blipFill>
-          <a:blip r:embed="rId2"/>
-          <a:stretch>
-            <a:fillRect/>
-          </a:stretch>
-        </p:blipFill>
-        <p:spPr>
-          <a:xfrm>
-            <a:off x="528115" y="993747"/>
-            <a:ext cx="8228571" cy="5760000"/>
-          </a:xfrm>
-          <a:prstGeom prst="rect">
-            <a:avLst/>
-          </a:prstGeom>
-        </p:spPr>
-      </p:pic>
-      <p:sp>
-        <p:nvSpPr>
-          <p:cNvPr id="2" name="Rectangle 1">
-            <a:extLst>
-              <a:ext uri="{FF2B5EF4-FFF2-40B4-BE49-F238E27FC236}">
-                <a16:creationId xmlns:a16="http://schemas.microsoft.com/office/drawing/2014/main" id="{D91655BD-4E82-BE49-A7CD-CA31E3AFCA3B}"/>
+      <p:sp>
+        <p:nvSpPr>
+          <p:cNvPr id="4" name="Rectangle 3">
+            <a:extLst>
+              <a:ext uri="{FF2B5EF4-FFF2-40B4-BE49-F238E27FC236}">
+                <a16:creationId xmlns:a16="http://schemas.microsoft.com/office/drawing/2014/main" id="{8B6E133F-8983-6A46-A224-E9FA2B0D9F3F}"/>
               </a:ext>
             </a:extLst>
           </p:cNvPr>
@@ -9687,36 +9950,36 @@
         </p:nvSpPr>
         <p:spPr>
           <a:xfrm>
-            <a:off x="528115" y="409596"/>
-            <a:ext cx="5422703" cy="369332"/>
+            <a:off x="528116" y="409596"/>
+            <a:ext cx="2858552" cy="646331"/>
           </a:xfrm>
           <a:prstGeom prst="rect">
             <a:avLst/>
           </a:prstGeom>
         </p:spPr>
         <p:txBody>
-          <a:bodyPr wrap="none">
+          <a:bodyPr wrap="square">
             <a:spAutoFit/>
           </a:bodyPr>
           <a:lstStyle/>
           <a:p>
             <a:pPr marL="342900" indent="-342900">
               <a:buFont typeface="+mj-lt"/>
-              <a:buAutoNum type="arabicPeriod" startAt="4"/>
+              <a:buAutoNum type="arabicPeriod" startAt="3"/>
             </a:pPr>
             <a:r>
               <a:rPr lang="en-GB" b="1" dirty="0"/>
-              <a:t>Distributions of cline parameters - slope (GATK call)</a:t>
-            </a:r>
-          </a:p>
-        </p:txBody>
-      </p:sp>
-      <p:sp>
-        <p:nvSpPr>
-          <p:cNvPr id="3" name="TextBox 2">
-            <a:extLst>
-              <a:ext uri="{FF2B5EF4-FFF2-40B4-BE49-F238E27FC236}">
-                <a16:creationId xmlns:a16="http://schemas.microsoft.com/office/drawing/2014/main" id="{E3C4FFF0-6162-7545-8DED-E90631255C50}"/>
+              <a:t>Derived allele frequencies (GATK call)</a:t>
+            </a:r>
+          </a:p>
+        </p:txBody>
+      </p:sp>
+      <p:sp>
+        <p:nvSpPr>
+          <p:cNvPr id="5" name="TextBox 4">
+            <a:extLst>
+              <a:ext uri="{FF2B5EF4-FFF2-40B4-BE49-F238E27FC236}">
+                <a16:creationId xmlns:a16="http://schemas.microsoft.com/office/drawing/2014/main" id="{049B477E-5E39-F240-86CA-65F077DF0726}"/>
               </a:ext>
             </a:extLst>
           </p:cNvPr>
@@ -9725,8 +9988,8 @@
         </p:nvSpPr>
         <p:spPr>
           <a:xfrm>
-            <a:off x="6709458" y="409596"/>
-            <a:ext cx="6001639" cy="369332"/>
+            <a:off x="528116" y="1212968"/>
+            <a:ext cx="3292824" cy="923330"/>
           </a:xfrm>
           <a:prstGeom prst="rect">
             <a:avLst/>
@@ -9745,17 +10008,17 @@
             </a:pPr>
             <a:r>
               <a:rPr lang="en-GB" dirty="0"/>
-              <a:t>Clinal INDELs and SNPs.</a:t>
-            </a:r>
-          </a:p>
-        </p:txBody>
-      </p:sp>
-      <p:sp>
-        <p:nvSpPr>
-          <p:cNvPr id="4" name="TextBox 3">
-            <a:extLst>
-              <a:ext uri="{FF2B5EF4-FFF2-40B4-BE49-F238E27FC236}">
-                <a16:creationId xmlns:a16="http://schemas.microsoft.com/office/drawing/2014/main" id="{3E27703C-140A-0642-910C-7B09247141B0}"/>
+              <a:t>INDELs and SNPs after filtering but before cline analysis.</a:t>
+            </a:r>
+          </a:p>
+        </p:txBody>
+      </p:sp>
+      <p:sp>
+        <p:nvSpPr>
+          <p:cNvPr id="7" name="TextBox 6">
+            <a:extLst>
+              <a:ext uri="{FF2B5EF4-FFF2-40B4-BE49-F238E27FC236}">
+                <a16:creationId xmlns:a16="http://schemas.microsoft.com/office/drawing/2014/main" id="{A34A4DED-C22D-D340-8DD8-A92AA6452985}"/>
               </a:ext>
             </a:extLst>
           </p:cNvPr>
@@ -9764,8 +10027,8 @@
         </p:nvSpPr>
         <p:spPr>
           <a:xfrm>
-            <a:off x="6709458" y="809081"/>
-            <a:ext cx="3292824" cy="369332"/>
+            <a:off x="528115" y="2168182"/>
+            <a:ext cx="3000819" cy="646331"/>
           </a:xfrm>
           <a:prstGeom prst="rect">
             <a:avLst/>
@@ -9773,7 +10036,7 @@
           <a:noFill/>
         </p:spPr>
         <p:txBody>
-          <a:bodyPr wrap="none" rtlCol="0">
+          <a:bodyPr wrap="square" rtlCol="0">
             <a:spAutoFit/>
           </a:bodyPr>
           <a:lstStyle/>
@@ -9791,10 +10054,10 @@
       </p:sp>
       <p:sp>
         <p:nvSpPr>
-          <p:cNvPr id="11" name="TextBox 10">
-            <a:extLst>
-              <a:ext uri="{FF2B5EF4-FFF2-40B4-BE49-F238E27FC236}">
-                <a16:creationId xmlns:a16="http://schemas.microsoft.com/office/drawing/2014/main" id="{0204D076-8329-5844-9B89-47D809811C38}"/>
+          <p:cNvPr id="9" name="TextBox 8">
+            <a:extLst>
+              <a:ext uri="{FF2B5EF4-FFF2-40B4-BE49-F238E27FC236}">
+                <a16:creationId xmlns:a16="http://schemas.microsoft.com/office/drawing/2014/main" id="{FF7CE02B-0C71-9F4E-9116-32A9DFE34841}"/>
               </a:ext>
             </a:extLst>
           </p:cNvPr>
@@ -9803,8 +10066,8 @@
         </p:nvSpPr>
         <p:spPr>
           <a:xfrm>
-            <a:off x="5745952" y="5922750"/>
-            <a:ext cx="5446767" cy="584775"/>
+            <a:off x="528115" y="3429000"/>
+            <a:ext cx="8514285" cy="3416320"/>
           </a:xfrm>
           <a:prstGeom prst="rect">
             <a:avLst/>
@@ -9817,9 +10080,93 @@
           </a:bodyPr>
           <a:lstStyle/>
           <a:p>
-            <a:r>
-              <a:rPr lang="en-GB" sz="1600" i="1" dirty="0"/>
-              <a:t>Figure 10. Proportions of SNPs vs INDELs for a given range of cline slopes (colours).</a:t>
+            <a:pPr marL="285750" indent="-285750">
+              <a:buFont typeface="Arial" panose="020B0604020202020204" pitchFamily="34" charset="0"/>
+              <a:buChar char="•"/>
+            </a:pPr>
+            <a:r>
+              <a:rPr lang="en-GB" dirty="0"/>
+              <a:t>From the simple comparison between proportions of filtered SNPs and filtered INDELs (Fig. 7), we can further group variants by genomic location (coding vs. non-coding) and fitness effect (e.g., low impact for synonymous SNPs and intergenic INDELs and high impact for nonsynonymous SNPs and frameshift INDELs). In progress ...</a:t>
+            </a:r>
+            <a:br>
+              <a:rPr lang="en-GB" dirty="0"/>
+            </a:br>
+            <a:endParaRPr lang="en-GB" dirty="0"/>
+          </a:p>
+          <a:p>
+            <a:pPr marL="285750" indent="-285750">
+              <a:buFont typeface="Arial" panose="020B0604020202020204" pitchFamily="34" charset="0"/>
+              <a:buChar char="•"/>
+            </a:pPr>
+            <a:r>
+              <a:rPr lang="en-GB" dirty="0"/>
+              <a:t>Similarly, we can compare INDELs-SNPs proportions with respect to the cline parameters:</a:t>
+            </a:r>
+          </a:p>
+          <a:p>
+            <a:pPr marL="742950" lvl="1" indent="-285750">
+              <a:buFont typeface="Arial" panose="020B0604020202020204" pitchFamily="34" charset="0"/>
+              <a:buChar char="•"/>
+            </a:pPr>
+            <a:r>
+              <a:rPr lang="en-GB" dirty="0"/>
+              <a:t>Centre (Fig. 8)</a:t>
+            </a:r>
+          </a:p>
+          <a:p>
+            <a:pPr marL="742950" lvl="1" indent="-285750">
+              <a:buFont typeface="Arial" panose="020B0604020202020204" pitchFamily="34" charset="0"/>
+              <a:buChar char="•"/>
+            </a:pPr>
+            <a:r>
+              <a:rPr lang="en-GB" dirty="0"/>
+              <a:t>Width (Fig. 9)</a:t>
+            </a:r>
+          </a:p>
+          <a:p>
+            <a:pPr marL="742950" lvl="1" indent="-285750">
+              <a:buFont typeface="Arial" panose="020B0604020202020204" pitchFamily="34" charset="0"/>
+              <a:buChar char="•"/>
+            </a:pPr>
+            <a:r>
+              <a:rPr lang="en-GB" dirty="0"/>
+              <a:t>Slope (Fig. 10)</a:t>
+            </a:r>
+          </a:p>
+          <a:p>
+            <a:pPr marL="742950" lvl="1" indent="-285750">
+              <a:buFont typeface="Arial" panose="020B0604020202020204" pitchFamily="34" charset="0"/>
+              <a:buChar char="•"/>
+            </a:pPr>
+            <a:r>
+              <a:rPr lang="en-GB" dirty="0"/>
+              <a:t>Crab-Wave frequency difference (</a:t>
+            </a:r>
+            <a:r>
+              <a:rPr lang="en-GB" dirty="0" err="1"/>
+              <a:t>p_diff</a:t>
+            </a:r>
+            <a:r>
+              <a:rPr lang="en-GB" dirty="0"/>
+              <a:t>) (Fig. 11)</a:t>
+            </a:r>
+          </a:p>
+          <a:p>
+            <a:pPr marL="742950" lvl="1" indent="-285750">
+              <a:buFont typeface="Arial" panose="020B0604020202020204" pitchFamily="34" charset="0"/>
+              <a:buChar char="•"/>
+            </a:pPr>
+            <a:r>
+              <a:rPr lang="en-GB" dirty="0"/>
+              <a:t>Variance explained (</a:t>
+            </a:r>
+            <a:r>
+              <a:rPr lang="en-GB" dirty="0" err="1"/>
+              <a:t>Var.Ex</a:t>
+            </a:r>
+            <a:r>
+              <a:rPr lang="en-GB" dirty="0"/>
+              <a:t>) (Fig. 12)</a:t>
             </a:r>
           </a:p>
         </p:txBody>
@@ -9827,7 +10174,7 @@
     </p:spTree>
     <p:extLst>
       <p:ext uri="{BB962C8B-B14F-4D97-AF65-F5344CB8AC3E}">
-        <p14:creationId xmlns:p14="http://schemas.microsoft.com/office/powerpoint/2010/main" val="3083649855"/>
+        <p14:creationId xmlns:p14="http://schemas.microsoft.com/office/powerpoint/2010/main" val="1865383001"/>
       </p:ext>
     </p:extLst>
   </p:cSld>
@@ -9856,6 +10203,639 @@
       </p:grpSpPr>
       <p:pic>
         <p:nvPicPr>
+          <p:cNvPr id="10" name="Picture 9">
+            <a:extLst>
+              <a:ext uri="{FF2B5EF4-FFF2-40B4-BE49-F238E27FC236}">
+                <a16:creationId xmlns:a16="http://schemas.microsoft.com/office/drawing/2014/main" id="{DBA103D5-B217-C541-8E32-223F0BF48FE1}"/>
+              </a:ext>
+            </a:extLst>
+          </p:cNvPr>
+          <p:cNvPicPr>
+            <a:picLocks noChangeAspect="1"/>
+          </p:cNvPicPr>
+          <p:nvPr/>
+        </p:nvPicPr>
+        <p:blipFill>
+          <a:blip r:embed="rId2"/>
+          <a:stretch>
+            <a:fillRect/>
+          </a:stretch>
+        </p:blipFill>
+        <p:spPr>
+          <a:xfrm>
+            <a:off x="528115" y="1388550"/>
+            <a:ext cx="7714286" cy="5400000"/>
+          </a:xfrm>
+          <a:prstGeom prst="rect">
+            <a:avLst/>
+          </a:prstGeom>
+        </p:spPr>
+      </p:pic>
+      <p:sp>
+        <p:nvSpPr>
+          <p:cNvPr id="2" name="Rectangle 1">
+            <a:extLst>
+              <a:ext uri="{FF2B5EF4-FFF2-40B4-BE49-F238E27FC236}">
+                <a16:creationId xmlns:a16="http://schemas.microsoft.com/office/drawing/2014/main" id="{D91655BD-4E82-BE49-A7CD-CA31E3AFCA3B}"/>
+              </a:ext>
+            </a:extLst>
+          </p:cNvPr>
+          <p:cNvSpPr/>
+          <p:nvPr/>
+        </p:nvSpPr>
+        <p:spPr>
+          <a:xfrm>
+            <a:off x="528115" y="409596"/>
+            <a:ext cx="5611986" cy="369332"/>
+          </a:xfrm>
+          <a:prstGeom prst="rect">
+            <a:avLst/>
+          </a:prstGeom>
+        </p:spPr>
+        <p:txBody>
+          <a:bodyPr wrap="none">
+            <a:spAutoFit/>
+          </a:bodyPr>
+          <a:lstStyle/>
+          <a:p>
+            <a:pPr marL="342900" indent="-342900">
+              <a:buFont typeface="+mj-lt"/>
+              <a:buAutoNum type="arabicPeriod" startAt="4"/>
+            </a:pPr>
+            <a:r>
+              <a:rPr lang="en-GB" b="1" dirty="0"/>
+              <a:t>Distributions of cline parameters - centres (GATK call)</a:t>
+            </a:r>
+          </a:p>
+        </p:txBody>
+      </p:sp>
+      <p:sp>
+        <p:nvSpPr>
+          <p:cNvPr id="3" name="TextBox 2">
+            <a:extLst>
+              <a:ext uri="{FF2B5EF4-FFF2-40B4-BE49-F238E27FC236}">
+                <a16:creationId xmlns:a16="http://schemas.microsoft.com/office/drawing/2014/main" id="{E3C4FFF0-6162-7545-8DED-E90631255C50}"/>
+              </a:ext>
+            </a:extLst>
+          </p:cNvPr>
+          <p:cNvSpPr txBox="1"/>
+          <p:nvPr/>
+        </p:nvSpPr>
+        <p:spPr>
+          <a:xfrm>
+            <a:off x="6709458" y="409596"/>
+            <a:ext cx="6001639" cy="369332"/>
+          </a:xfrm>
+          <a:prstGeom prst="rect">
+            <a:avLst/>
+          </a:prstGeom>
+          <a:noFill/>
+        </p:spPr>
+        <p:txBody>
+          <a:bodyPr wrap="square" rtlCol="0">
+            <a:spAutoFit/>
+          </a:bodyPr>
+          <a:lstStyle/>
+          <a:p>
+            <a:pPr marL="285750" indent="-285750">
+              <a:buFont typeface="Arial" panose="020B0604020202020204" pitchFamily="34" charset="0"/>
+              <a:buChar char="•"/>
+            </a:pPr>
+            <a:r>
+              <a:rPr lang="en-GB" dirty="0"/>
+              <a:t>Clinal INDELs and SNPs.</a:t>
+            </a:r>
+          </a:p>
+        </p:txBody>
+      </p:sp>
+      <p:sp>
+        <p:nvSpPr>
+          <p:cNvPr id="4" name="TextBox 3">
+            <a:extLst>
+              <a:ext uri="{FF2B5EF4-FFF2-40B4-BE49-F238E27FC236}">
+                <a16:creationId xmlns:a16="http://schemas.microsoft.com/office/drawing/2014/main" id="{3E27703C-140A-0642-910C-7B09247141B0}"/>
+              </a:ext>
+            </a:extLst>
+          </p:cNvPr>
+          <p:cNvSpPr txBox="1"/>
+          <p:nvPr/>
+        </p:nvSpPr>
+        <p:spPr>
+          <a:xfrm>
+            <a:off x="6709458" y="809081"/>
+            <a:ext cx="3292824" cy="369332"/>
+          </a:xfrm>
+          <a:prstGeom prst="rect">
+            <a:avLst/>
+          </a:prstGeom>
+          <a:noFill/>
+        </p:spPr>
+        <p:txBody>
+          <a:bodyPr wrap="none" rtlCol="0">
+            <a:spAutoFit/>
+          </a:bodyPr>
+          <a:lstStyle/>
+          <a:p>
+            <a:pPr marL="285750" indent="-285750">
+              <a:buFont typeface="Arial" panose="020B0604020202020204" pitchFamily="34" charset="0"/>
+              <a:buChar char="•"/>
+            </a:pPr>
+            <a:r>
+              <a:rPr lang="en-GB" dirty="0"/>
+              <a:t>All six hybrid zones combined.</a:t>
+            </a:r>
+          </a:p>
+        </p:txBody>
+      </p:sp>
+      <p:sp>
+        <p:nvSpPr>
+          <p:cNvPr id="11" name="TextBox 10">
+            <a:extLst>
+              <a:ext uri="{FF2B5EF4-FFF2-40B4-BE49-F238E27FC236}">
+                <a16:creationId xmlns:a16="http://schemas.microsoft.com/office/drawing/2014/main" id="{0204D076-8329-5844-9B89-47D809811C38}"/>
+              </a:ext>
+            </a:extLst>
+          </p:cNvPr>
+          <p:cNvSpPr txBox="1"/>
+          <p:nvPr/>
+        </p:nvSpPr>
+        <p:spPr>
+          <a:xfrm>
+            <a:off x="6428128" y="6203775"/>
+            <a:ext cx="5235757" cy="584775"/>
+          </a:xfrm>
+          <a:prstGeom prst="rect">
+            <a:avLst/>
+          </a:prstGeom>
+          <a:noFill/>
+        </p:spPr>
+        <p:txBody>
+          <a:bodyPr wrap="square" rtlCol="0">
+            <a:spAutoFit/>
+          </a:bodyPr>
+          <a:lstStyle/>
+          <a:p>
+            <a:r>
+              <a:rPr lang="en-GB" sz="1600" i="1" dirty="0"/>
+              <a:t>Figure 8. Proportions of SNPs vs INDELs for a given range of cline centres (colours).</a:t>
+            </a:r>
+          </a:p>
+        </p:txBody>
+      </p:sp>
+    </p:spTree>
+    <p:extLst>
+      <p:ext uri="{BB962C8B-B14F-4D97-AF65-F5344CB8AC3E}">
+        <p14:creationId xmlns:p14="http://schemas.microsoft.com/office/powerpoint/2010/main" val="2202225606"/>
+      </p:ext>
+    </p:extLst>
+  </p:cSld>
+  <p:clrMapOvr>
+    <a:masterClrMapping/>
+  </p:clrMapOvr>
+</p:sld>
+</file>
+
+<file path=ppt/slides/slide24.xml><?xml version="1.0" encoding="utf-8"?>
+<p:sld xmlns:a="http://schemas.openxmlformats.org/drawingml/2006/main" xmlns:r="http://schemas.openxmlformats.org/officeDocument/2006/relationships" xmlns:p="http://schemas.openxmlformats.org/presentationml/2006/main">
+  <p:cSld>
+    <p:spTree>
+      <p:nvGrpSpPr>
+        <p:cNvPr id="1" name=""/>
+        <p:cNvGrpSpPr/>
+        <p:nvPr/>
+      </p:nvGrpSpPr>
+      <p:grpSpPr>
+        <a:xfrm>
+          <a:off x="0" y="0"/>
+          <a:ext cx="0" cy="0"/>
+          <a:chOff x="0" y="0"/>
+          <a:chExt cx="0" cy="0"/>
+        </a:xfrm>
+      </p:grpSpPr>
+      <p:pic>
+        <p:nvPicPr>
+          <p:cNvPr id="6" name="Picture 5">
+            <a:extLst>
+              <a:ext uri="{FF2B5EF4-FFF2-40B4-BE49-F238E27FC236}">
+                <a16:creationId xmlns:a16="http://schemas.microsoft.com/office/drawing/2014/main" id="{EB0D1348-DB7B-4D45-BC6E-211E3CFB7534}"/>
+              </a:ext>
+            </a:extLst>
+          </p:cNvPr>
+          <p:cNvPicPr>
+            <a:picLocks noChangeAspect="1"/>
+          </p:cNvPicPr>
+          <p:nvPr/>
+        </p:nvPicPr>
+        <p:blipFill>
+          <a:blip r:embed="rId2"/>
+          <a:stretch>
+            <a:fillRect/>
+          </a:stretch>
+        </p:blipFill>
+        <p:spPr>
+          <a:xfrm>
+            <a:off x="528115" y="1074850"/>
+            <a:ext cx="8228572" cy="5760000"/>
+          </a:xfrm>
+          <a:prstGeom prst="rect">
+            <a:avLst/>
+          </a:prstGeom>
+        </p:spPr>
+      </p:pic>
+      <p:sp>
+        <p:nvSpPr>
+          <p:cNvPr id="2" name="Rectangle 1">
+            <a:extLst>
+              <a:ext uri="{FF2B5EF4-FFF2-40B4-BE49-F238E27FC236}">
+                <a16:creationId xmlns:a16="http://schemas.microsoft.com/office/drawing/2014/main" id="{D91655BD-4E82-BE49-A7CD-CA31E3AFCA3B}"/>
+              </a:ext>
+            </a:extLst>
+          </p:cNvPr>
+          <p:cNvSpPr/>
+          <p:nvPr/>
+        </p:nvSpPr>
+        <p:spPr>
+          <a:xfrm>
+            <a:off x="528115" y="409596"/>
+            <a:ext cx="5467587" cy="369332"/>
+          </a:xfrm>
+          <a:prstGeom prst="rect">
+            <a:avLst/>
+          </a:prstGeom>
+        </p:spPr>
+        <p:txBody>
+          <a:bodyPr wrap="none">
+            <a:spAutoFit/>
+          </a:bodyPr>
+          <a:lstStyle/>
+          <a:p>
+            <a:pPr marL="342900" indent="-342900">
+              <a:buFont typeface="+mj-lt"/>
+              <a:buAutoNum type="arabicPeriod" startAt="4"/>
+            </a:pPr>
+            <a:r>
+              <a:rPr lang="en-GB" b="1" dirty="0"/>
+              <a:t>Distributions of cline parameters - width (GATK call)</a:t>
+            </a:r>
+          </a:p>
+        </p:txBody>
+      </p:sp>
+      <p:sp>
+        <p:nvSpPr>
+          <p:cNvPr id="3" name="TextBox 2">
+            <a:extLst>
+              <a:ext uri="{FF2B5EF4-FFF2-40B4-BE49-F238E27FC236}">
+                <a16:creationId xmlns:a16="http://schemas.microsoft.com/office/drawing/2014/main" id="{E3C4FFF0-6162-7545-8DED-E90631255C50}"/>
+              </a:ext>
+            </a:extLst>
+          </p:cNvPr>
+          <p:cNvSpPr txBox="1"/>
+          <p:nvPr/>
+        </p:nvSpPr>
+        <p:spPr>
+          <a:xfrm>
+            <a:off x="6709458" y="409596"/>
+            <a:ext cx="6001639" cy="369332"/>
+          </a:xfrm>
+          <a:prstGeom prst="rect">
+            <a:avLst/>
+          </a:prstGeom>
+          <a:noFill/>
+        </p:spPr>
+        <p:txBody>
+          <a:bodyPr wrap="square" rtlCol="0">
+            <a:spAutoFit/>
+          </a:bodyPr>
+          <a:lstStyle/>
+          <a:p>
+            <a:pPr marL="285750" indent="-285750">
+              <a:buFont typeface="Arial" panose="020B0604020202020204" pitchFamily="34" charset="0"/>
+              <a:buChar char="•"/>
+            </a:pPr>
+            <a:r>
+              <a:rPr lang="en-GB" dirty="0"/>
+              <a:t>Clinal INDELs and SNPs.</a:t>
+            </a:r>
+          </a:p>
+        </p:txBody>
+      </p:sp>
+      <p:sp>
+        <p:nvSpPr>
+          <p:cNvPr id="4" name="TextBox 3">
+            <a:extLst>
+              <a:ext uri="{FF2B5EF4-FFF2-40B4-BE49-F238E27FC236}">
+                <a16:creationId xmlns:a16="http://schemas.microsoft.com/office/drawing/2014/main" id="{3E27703C-140A-0642-910C-7B09247141B0}"/>
+              </a:ext>
+            </a:extLst>
+          </p:cNvPr>
+          <p:cNvSpPr txBox="1"/>
+          <p:nvPr/>
+        </p:nvSpPr>
+        <p:spPr>
+          <a:xfrm>
+            <a:off x="6709458" y="809081"/>
+            <a:ext cx="3292824" cy="369332"/>
+          </a:xfrm>
+          <a:prstGeom prst="rect">
+            <a:avLst/>
+          </a:prstGeom>
+          <a:noFill/>
+        </p:spPr>
+        <p:txBody>
+          <a:bodyPr wrap="none" rtlCol="0">
+            <a:spAutoFit/>
+          </a:bodyPr>
+          <a:lstStyle/>
+          <a:p>
+            <a:pPr marL="285750" indent="-285750">
+              <a:buFont typeface="Arial" panose="020B0604020202020204" pitchFamily="34" charset="0"/>
+              <a:buChar char="•"/>
+            </a:pPr>
+            <a:r>
+              <a:rPr lang="en-GB" dirty="0"/>
+              <a:t>All six hybrid zones combined.</a:t>
+            </a:r>
+          </a:p>
+        </p:txBody>
+      </p:sp>
+      <p:sp>
+        <p:nvSpPr>
+          <p:cNvPr id="11" name="TextBox 10">
+            <a:extLst>
+              <a:ext uri="{FF2B5EF4-FFF2-40B4-BE49-F238E27FC236}">
+                <a16:creationId xmlns:a16="http://schemas.microsoft.com/office/drawing/2014/main" id="{0204D076-8329-5844-9B89-47D809811C38}"/>
+              </a:ext>
+            </a:extLst>
+          </p:cNvPr>
+          <p:cNvSpPr txBox="1"/>
+          <p:nvPr/>
+        </p:nvSpPr>
+        <p:spPr>
+          <a:xfrm>
+            <a:off x="8756687" y="6048919"/>
+            <a:ext cx="3292825" cy="830997"/>
+          </a:xfrm>
+          <a:prstGeom prst="rect">
+            <a:avLst/>
+          </a:prstGeom>
+          <a:noFill/>
+        </p:spPr>
+        <p:txBody>
+          <a:bodyPr wrap="square" rtlCol="0">
+            <a:spAutoFit/>
+          </a:bodyPr>
+          <a:lstStyle/>
+          <a:p>
+            <a:r>
+              <a:rPr lang="en-GB" sz="1600" i="1" dirty="0"/>
+              <a:t>Figure 9. Proportions of SNPs vs INDELs for a given range of cline widths (colours).</a:t>
+            </a:r>
+          </a:p>
+        </p:txBody>
+      </p:sp>
+    </p:spTree>
+    <p:extLst>
+      <p:ext uri="{BB962C8B-B14F-4D97-AF65-F5344CB8AC3E}">
+        <p14:creationId xmlns:p14="http://schemas.microsoft.com/office/powerpoint/2010/main" val="1703685879"/>
+      </p:ext>
+    </p:extLst>
+  </p:cSld>
+  <p:clrMapOvr>
+    <a:masterClrMapping/>
+  </p:clrMapOvr>
+</p:sld>
+</file>
+
+<file path=ppt/slides/slide25.xml><?xml version="1.0" encoding="utf-8"?>
+<p:sld xmlns:a="http://schemas.openxmlformats.org/drawingml/2006/main" xmlns:r="http://schemas.openxmlformats.org/officeDocument/2006/relationships" xmlns:p="http://schemas.openxmlformats.org/presentationml/2006/main">
+  <p:cSld>
+    <p:spTree>
+      <p:nvGrpSpPr>
+        <p:cNvPr id="1" name=""/>
+        <p:cNvGrpSpPr/>
+        <p:nvPr/>
+      </p:nvGrpSpPr>
+      <p:grpSpPr>
+        <a:xfrm>
+          <a:off x="0" y="0"/>
+          <a:ext cx="0" cy="0"/>
+          <a:chOff x="0" y="0"/>
+          <a:chExt cx="0" cy="0"/>
+        </a:xfrm>
+      </p:grpSpPr>
+      <p:pic>
+        <p:nvPicPr>
+          <p:cNvPr id="7" name="Picture 6">
+            <a:extLst>
+              <a:ext uri="{FF2B5EF4-FFF2-40B4-BE49-F238E27FC236}">
+                <a16:creationId xmlns:a16="http://schemas.microsoft.com/office/drawing/2014/main" id="{27F924E1-FEE8-9041-AB2A-34CCD9E090BA}"/>
+              </a:ext>
+            </a:extLst>
+          </p:cNvPr>
+          <p:cNvPicPr>
+            <a:picLocks noChangeAspect="1"/>
+          </p:cNvPicPr>
+          <p:nvPr/>
+        </p:nvPicPr>
+        <p:blipFill>
+          <a:blip r:embed="rId2"/>
+          <a:stretch>
+            <a:fillRect/>
+          </a:stretch>
+        </p:blipFill>
+        <p:spPr>
+          <a:xfrm>
+            <a:off x="528115" y="993747"/>
+            <a:ext cx="8228571" cy="5760000"/>
+          </a:xfrm>
+          <a:prstGeom prst="rect">
+            <a:avLst/>
+          </a:prstGeom>
+        </p:spPr>
+      </p:pic>
+      <p:sp>
+        <p:nvSpPr>
+          <p:cNvPr id="2" name="Rectangle 1">
+            <a:extLst>
+              <a:ext uri="{FF2B5EF4-FFF2-40B4-BE49-F238E27FC236}">
+                <a16:creationId xmlns:a16="http://schemas.microsoft.com/office/drawing/2014/main" id="{D91655BD-4E82-BE49-A7CD-CA31E3AFCA3B}"/>
+              </a:ext>
+            </a:extLst>
+          </p:cNvPr>
+          <p:cNvSpPr/>
+          <p:nvPr/>
+        </p:nvSpPr>
+        <p:spPr>
+          <a:xfrm>
+            <a:off x="528115" y="409596"/>
+            <a:ext cx="5422703" cy="369332"/>
+          </a:xfrm>
+          <a:prstGeom prst="rect">
+            <a:avLst/>
+          </a:prstGeom>
+        </p:spPr>
+        <p:txBody>
+          <a:bodyPr wrap="none">
+            <a:spAutoFit/>
+          </a:bodyPr>
+          <a:lstStyle/>
+          <a:p>
+            <a:pPr marL="342900" indent="-342900">
+              <a:buFont typeface="+mj-lt"/>
+              <a:buAutoNum type="arabicPeriod" startAt="4"/>
+            </a:pPr>
+            <a:r>
+              <a:rPr lang="en-GB" b="1" dirty="0"/>
+              <a:t>Distributions of cline parameters - slope (GATK call)</a:t>
+            </a:r>
+          </a:p>
+        </p:txBody>
+      </p:sp>
+      <p:sp>
+        <p:nvSpPr>
+          <p:cNvPr id="3" name="TextBox 2">
+            <a:extLst>
+              <a:ext uri="{FF2B5EF4-FFF2-40B4-BE49-F238E27FC236}">
+                <a16:creationId xmlns:a16="http://schemas.microsoft.com/office/drawing/2014/main" id="{E3C4FFF0-6162-7545-8DED-E90631255C50}"/>
+              </a:ext>
+            </a:extLst>
+          </p:cNvPr>
+          <p:cNvSpPr txBox="1"/>
+          <p:nvPr/>
+        </p:nvSpPr>
+        <p:spPr>
+          <a:xfrm>
+            <a:off x="6709458" y="409596"/>
+            <a:ext cx="6001639" cy="369332"/>
+          </a:xfrm>
+          <a:prstGeom prst="rect">
+            <a:avLst/>
+          </a:prstGeom>
+          <a:noFill/>
+        </p:spPr>
+        <p:txBody>
+          <a:bodyPr wrap="square" rtlCol="0">
+            <a:spAutoFit/>
+          </a:bodyPr>
+          <a:lstStyle/>
+          <a:p>
+            <a:pPr marL="285750" indent="-285750">
+              <a:buFont typeface="Arial" panose="020B0604020202020204" pitchFamily="34" charset="0"/>
+              <a:buChar char="•"/>
+            </a:pPr>
+            <a:r>
+              <a:rPr lang="en-GB" dirty="0"/>
+              <a:t>Clinal INDELs and SNPs.</a:t>
+            </a:r>
+          </a:p>
+        </p:txBody>
+      </p:sp>
+      <p:sp>
+        <p:nvSpPr>
+          <p:cNvPr id="4" name="TextBox 3">
+            <a:extLst>
+              <a:ext uri="{FF2B5EF4-FFF2-40B4-BE49-F238E27FC236}">
+                <a16:creationId xmlns:a16="http://schemas.microsoft.com/office/drawing/2014/main" id="{3E27703C-140A-0642-910C-7B09247141B0}"/>
+              </a:ext>
+            </a:extLst>
+          </p:cNvPr>
+          <p:cNvSpPr txBox="1"/>
+          <p:nvPr/>
+        </p:nvSpPr>
+        <p:spPr>
+          <a:xfrm>
+            <a:off x="6709458" y="809081"/>
+            <a:ext cx="3292824" cy="369332"/>
+          </a:xfrm>
+          <a:prstGeom prst="rect">
+            <a:avLst/>
+          </a:prstGeom>
+          <a:noFill/>
+        </p:spPr>
+        <p:txBody>
+          <a:bodyPr wrap="none" rtlCol="0">
+            <a:spAutoFit/>
+          </a:bodyPr>
+          <a:lstStyle/>
+          <a:p>
+            <a:pPr marL="285750" indent="-285750">
+              <a:buFont typeface="Arial" panose="020B0604020202020204" pitchFamily="34" charset="0"/>
+              <a:buChar char="•"/>
+            </a:pPr>
+            <a:r>
+              <a:rPr lang="en-GB" dirty="0"/>
+              <a:t>All six hybrid zones combined.</a:t>
+            </a:r>
+          </a:p>
+        </p:txBody>
+      </p:sp>
+      <p:sp>
+        <p:nvSpPr>
+          <p:cNvPr id="11" name="TextBox 10">
+            <a:extLst>
+              <a:ext uri="{FF2B5EF4-FFF2-40B4-BE49-F238E27FC236}">
+                <a16:creationId xmlns:a16="http://schemas.microsoft.com/office/drawing/2014/main" id="{0204D076-8329-5844-9B89-47D809811C38}"/>
+              </a:ext>
+            </a:extLst>
+          </p:cNvPr>
+          <p:cNvSpPr txBox="1"/>
+          <p:nvPr/>
+        </p:nvSpPr>
+        <p:spPr>
+          <a:xfrm>
+            <a:off x="5745952" y="5922750"/>
+            <a:ext cx="5446767" cy="584775"/>
+          </a:xfrm>
+          <a:prstGeom prst="rect">
+            <a:avLst/>
+          </a:prstGeom>
+          <a:noFill/>
+        </p:spPr>
+        <p:txBody>
+          <a:bodyPr wrap="square" rtlCol="0">
+            <a:spAutoFit/>
+          </a:bodyPr>
+          <a:lstStyle/>
+          <a:p>
+            <a:r>
+              <a:rPr lang="en-GB" sz="1600" i="1" dirty="0"/>
+              <a:t>Figure 10. Proportions of SNPs vs INDELs for a given range of cline slopes (colours).</a:t>
+            </a:r>
+          </a:p>
+        </p:txBody>
+      </p:sp>
+    </p:spTree>
+    <p:extLst>
+      <p:ext uri="{BB962C8B-B14F-4D97-AF65-F5344CB8AC3E}">
+        <p14:creationId xmlns:p14="http://schemas.microsoft.com/office/powerpoint/2010/main" val="3083649855"/>
+      </p:ext>
+    </p:extLst>
+  </p:cSld>
+  <p:clrMapOvr>
+    <a:masterClrMapping/>
+  </p:clrMapOvr>
+</p:sld>
+</file>
+
+<file path=ppt/slides/slide26.xml><?xml version="1.0" encoding="utf-8"?>
+<p:sld xmlns:a="http://schemas.openxmlformats.org/drawingml/2006/main" xmlns:r="http://schemas.openxmlformats.org/officeDocument/2006/relationships" xmlns:p="http://schemas.openxmlformats.org/presentationml/2006/main">
+  <p:cSld>
+    <p:spTree>
+      <p:nvGrpSpPr>
+        <p:cNvPr id="1" name=""/>
+        <p:cNvGrpSpPr/>
+        <p:nvPr/>
+      </p:nvGrpSpPr>
+      <p:grpSpPr>
+        <a:xfrm>
+          <a:off x="0" y="0"/>
+          <a:ext cx="0" cy="0"/>
+          <a:chOff x="0" y="0"/>
+          <a:chExt cx="0" cy="0"/>
+        </a:xfrm>
+      </p:grpSpPr>
+      <p:pic>
+        <p:nvPicPr>
           <p:cNvPr id="6" name="Picture 5">
             <a:extLst>
               <a:ext uri="{FF2B5EF4-FFF2-40B4-BE49-F238E27FC236}">
@@ -10056,7 +11036,7 @@
 </p:sld>
 </file>
 
-<file path=ppt/slides/slide24.xml><?xml version="1.0" encoding="utf-8"?>
+<file path=ppt/slides/slide27.xml><?xml version="1.0" encoding="utf-8"?>
 <p:sld xmlns:a="http://schemas.openxmlformats.org/drawingml/2006/main" xmlns:r="http://schemas.openxmlformats.org/officeDocument/2006/relationships" xmlns:p="http://schemas.openxmlformats.org/presentationml/2006/main">
   <p:cSld>
     <p:spTree>
@@ -10554,8 +11534,8 @@
         </p:nvSpPr>
         <p:spPr>
           <a:xfrm>
-            <a:off x="524719" y="543309"/>
-            <a:ext cx="3961937" cy="5816977"/>
+            <a:off x="629824" y="1079338"/>
+            <a:ext cx="3961937" cy="5262979"/>
           </a:xfrm>
           <a:prstGeom prst="rect">
             <a:avLst/>
@@ -10567,185 +11547,187 @@
           </a:bodyPr>
           <a:lstStyle/>
           <a:p>
-            <a:r>
-              <a:rPr lang="en-GB" sz="1200" dirty="0"/>
-              <a:t>Total number of Anja’s SNP: </a:t>
-            </a:r>
-            <a:r>
-              <a:rPr lang="en-GB" sz="1200" dirty="0">
-                <a:solidFill>
-                  <a:srgbClr val="FF0000"/>
-                </a:solidFill>
-              </a:rPr>
-              <a:t>55106</a:t>
-            </a:r>
-          </a:p>
-          <a:p>
+            <a:pPr algn="r"/>
+            <a:r>
+              <a:rPr lang="en-GB" sz="1200" dirty="0"/>
+              <a:t>CZA left:</a:t>
+            </a:r>
+          </a:p>
+          <a:p>
+            <a:pPr algn="r"/>
+            <a:r>
+              <a:rPr lang="en-GB" sz="1200" dirty="0"/>
+              <a:t>CZA right:</a:t>
+            </a:r>
+          </a:p>
+          <a:p>
+            <a:pPr algn="r"/>
+            <a:r>
+              <a:rPr lang="en-GB" sz="1200" dirty="0"/>
+              <a:t>CZB left:</a:t>
+            </a:r>
+          </a:p>
+          <a:p>
+            <a:pPr algn="r"/>
+            <a:r>
+              <a:rPr lang="en-GB" sz="1200" dirty="0"/>
+              <a:t>CZB right:</a:t>
+            </a:r>
+          </a:p>
+          <a:p>
+            <a:pPr algn="r"/>
+            <a:r>
+              <a:rPr lang="en-GB" sz="1200" dirty="0"/>
+              <a:t>CZD left:</a:t>
+            </a:r>
+          </a:p>
+          <a:p>
+            <a:pPr algn="r"/>
+            <a:r>
+              <a:rPr lang="en-GB" sz="1200" dirty="0"/>
+              <a:t>CZD right:</a:t>
+            </a:r>
+          </a:p>
+          <a:p>
+            <a:pPr algn="r"/>
             <a:endParaRPr lang="en-GB" sz="1200" dirty="0"/>
           </a:p>
           <a:p>
-            <a:r>
-              <a:rPr lang="en-GB" sz="1200" dirty="0"/>
-              <a:t>Proportion of SNP  with significant clines.</a:t>
-            </a:r>
-          </a:p>
-          <a:p>
-            <a:r>
-              <a:rPr lang="en-GB" sz="1200" dirty="0"/>
-              <a:t>CZA left: 0.5122128</a:t>
-            </a:r>
-          </a:p>
-          <a:p>
-            <a:r>
-              <a:rPr lang="en-GB" sz="1200" dirty="0"/>
-              <a:t>CZA right: 0.4238377</a:t>
-            </a:r>
-          </a:p>
-          <a:p>
-            <a:r>
-              <a:rPr lang="en-GB" sz="1200" dirty="0"/>
-              <a:t>CZB left: 0.3201829</a:t>
-            </a:r>
-          </a:p>
-          <a:p>
-            <a:r>
-              <a:rPr lang="en-GB" sz="1200" dirty="0"/>
-              <a:t>CZB right: 0.4114071</a:t>
-            </a:r>
-          </a:p>
-          <a:p>
-            <a:r>
-              <a:rPr lang="en-GB" sz="1200" dirty="0"/>
-              <a:t>CZD left: 0.4393351</a:t>
-            </a:r>
-          </a:p>
-          <a:p>
-            <a:r>
-              <a:rPr lang="en-GB" sz="1200" dirty="0"/>
-              <a:t>CZD right: 0.4732697</a:t>
-            </a:r>
-          </a:p>
-          <a:p>
+            <a:pPr algn="r"/>
             <a:endParaRPr lang="en-GB" sz="1200" dirty="0"/>
           </a:p>
           <a:p>
-            <a:r>
-              <a:rPr lang="en-GB" sz="1200" dirty="0"/>
-              <a:t>Proportions of SNP  outliers that are shared.</a:t>
-            </a:r>
-          </a:p>
-          <a:p>
-            <a:r>
-              <a:rPr lang="en-GB" sz="1200" dirty="0"/>
-              <a:t>CZA left and right: 0.707804</a:t>
-            </a:r>
-          </a:p>
-          <a:p>
-            <a:r>
-              <a:rPr lang="en-GB" sz="1200" dirty="0"/>
-              <a:t>CZB left and right: 0.5680581</a:t>
-            </a:r>
-          </a:p>
-          <a:p>
-            <a:r>
-              <a:rPr lang="en-GB" sz="1200" dirty="0"/>
-              <a:t>CZD left and right: 0.6569873</a:t>
-            </a:r>
-          </a:p>
-          <a:p>
-            <a:r>
-              <a:rPr lang="en-GB" sz="1200" dirty="0"/>
-              <a:t>CZA and CZB: 0.4650635</a:t>
-            </a:r>
-          </a:p>
-          <a:p>
-            <a:r>
-              <a:rPr lang="en-GB" sz="1200" dirty="0"/>
-              <a:t>CZA and CZD: 0.508167</a:t>
-            </a:r>
-          </a:p>
-          <a:p>
-            <a:r>
-              <a:rPr lang="en-GB" sz="1200" dirty="0"/>
-              <a:t>CZB and CZD: 0.5426497</a:t>
-            </a:r>
-          </a:p>
-          <a:p>
+            <a:pPr algn="r"/>
+            <a:r>
+              <a:rPr lang="en-GB" sz="1200" dirty="0"/>
+              <a:t>CZA left and right:</a:t>
+            </a:r>
+          </a:p>
+          <a:p>
+            <a:pPr algn="r"/>
+            <a:r>
+              <a:rPr lang="en-GB" sz="1200" dirty="0"/>
+              <a:t>CZB left and right:</a:t>
+            </a:r>
+          </a:p>
+          <a:p>
+            <a:pPr algn="r"/>
+            <a:r>
+              <a:rPr lang="en-GB" sz="1200" dirty="0"/>
+              <a:t>CZD left and right:</a:t>
+            </a:r>
+          </a:p>
+          <a:p>
+            <a:pPr algn="r"/>
+            <a:r>
+              <a:rPr lang="en-GB" sz="1200" dirty="0"/>
+              <a:t>CZA and CZB:</a:t>
+            </a:r>
+          </a:p>
+          <a:p>
+            <a:pPr algn="r"/>
+            <a:r>
+              <a:rPr lang="en-GB" sz="1200" dirty="0"/>
+              <a:t>CZA and CZD:</a:t>
+            </a:r>
+          </a:p>
+          <a:p>
+            <a:pPr algn="r"/>
+            <a:r>
+              <a:rPr lang="en-GB" sz="1200" dirty="0"/>
+              <a:t>CZB and CZD:</a:t>
+            </a:r>
+          </a:p>
+          <a:p>
+            <a:pPr algn="r"/>
             <a:endParaRPr lang="en-GB" sz="1200" dirty="0"/>
           </a:p>
           <a:p>
-            <a:r>
-              <a:rPr lang="en-GB" sz="1200" dirty="0"/>
-              <a:t>Number of SNP  outliers found in 1 hybrid zone(s): 602</a:t>
-            </a:r>
-          </a:p>
-          <a:p>
-            <a:r>
-              <a:rPr lang="en-GB" sz="1200" dirty="0"/>
-              <a:t>Number of SNP  outliers found in 2 hybrid zone(s): 258</a:t>
-            </a:r>
-          </a:p>
-          <a:p>
-            <a:r>
-              <a:rPr lang="en-GB" sz="1200" dirty="0"/>
-              <a:t>Number of SNP  outliers found in 3 hybrid zone(s): 137</a:t>
-            </a:r>
-          </a:p>
-          <a:p>
-            <a:r>
-              <a:rPr lang="en-GB" sz="1200" dirty="0"/>
-              <a:t>Number of SNP  outliers found in 4 hybrid zone(s): 117</a:t>
-            </a:r>
-          </a:p>
-          <a:p>
-            <a:r>
-              <a:rPr lang="en-GB" sz="1200" dirty="0"/>
-              <a:t>Number of SNP  outliers found in 5 hybrid zone(s): 95</a:t>
-            </a:r>
-          </a:p>
-          <a:p>
-            <a:r>
-              <a:rPr lang="en-GB" sz="1200" dirty="0"/>
-              <a:t>Number of SNP  outliers found in 6 hybrid zone(s): 139</a:t>
-            </a:r>
-          </a:p>
-          <a:p>
+            <a:pPr algn="r"/>
+            <a:r>
+              <a:rPr lang="en-GB" sz="1200" dirty="0"/>
+              <a:t>Number of SNP  outliers found in 1 hybrid zone(s):</a:t>
+            </a:r>
+          </a:p>
+          <a:p>
+            <a:pPr algn="r"/>
+            <a:r>
+              <a:rPr lang="en-GB" sz="1200" dirty="0"/>
+              <a:t>Number of SNP  outliers found in 2 hybrid zone(s):</a:t>
+            </a:r>
+          </a:p>
+          <a:p>
+            <a:pPr algn="r"/>
+            <a:r>
+              <a:rPr lang="en-GB" sz="1200" dirty="0"/>
+              <a:t>Number of SNP  outliers found in 3 hybrid zone(s):</a:t>
+            </a:r>
+          </a:p>
+          <a:p>
+            <a:pPr algn="r"/>
+            <a:r>
+              <a:rPr lang="en-GB" sz="1200" dirty="0"/>
+              <a:t>Number of SNP  outliers found in 4 hybrid zone(s):</a:t>
+            </a:r>
+          </a:p>
+          <a:p>
+            <a:pPr algn="r"/>
+            <a:r>
+              <a:rPr lang="en-GB" sz="1200" dirty="0"/>
+              <a:t>Number of SNP  outliers found in 5 hybrid zone(s):</a:t>
+            </a:r>
+          </a:p>
+          <a:p>
+            <a:pPr algn="r"/>
+            <a:r>
+              <a:rPr lang="en-GB" sz="1200" dirty="0"/>
+              <a:t>Number of SNP  outliers found in 6 hybrid zone(s):</a:t>
+            </a:r>
+          </a:p>
+          <a:p>
+            <a:pPr algn="r"/>
             <a:endParaRPr lang="en-GB" sz="1200" dirty="0"/>
           </a:p>
           <a:p>
-            <a:r>
-              <a:rPr lang="en-GB" sz="1200" dirty="0"/>
-              <a:t>Prop. of SNP  outliers in inversions found in 1 zone(s): 0.648</a:t>
-            </a:r>
-          </a:p>
-          <a:p>
-            <a:r>
-              <a:rPr lang="en-GB" sz="1200" dirty="0"/>
-              <a:t>Prop. of SNP  outliers in inversions found in 2 zone(s): 0.698</a:t>
-            </a:r>
-          </a:p>
-          <a:p>
-            <a:r>
-              <a:rPr lang="en-GB" sz="1200" dirty="0"/>
-              <a:t>Prop. of SNP  outliers in inversions found in 3 zone(s): 0.912</a:t>
-            </a:r>
-          </a:p>
-          <a:p>
-            <a:r>
-              <a:rPr lang="en-GB" sz="1200" dirty="0"/>
-              <a:t>Prop. of SNP  outliers in inversions found in 4 zone(s): 0.923</a:t>
-            </a:r>
-          </a:p>
-          <a:p>
-            <a:r>
-              <a:rPr lang="en-GB" sz="1200" dirty="0"/>
-              <a:t>Prop. of SNP  outliers in inversions found in 5 zone(s): 0.979</a:t>
-            </a:r>
-          </a:p>
-          <a:p>
-            <a:r>
-              <a:rPr lang="en-GB" sz="1200" dirty="0"/>
-              <a:t>Prop. of SNP  outliers in inversions found in 6 zone(s): 1</a:t>
+            <a:pPr algn="r"/>
+            <a:r>
+              <a:rPr lang="en-GB" sz="1200" dirty="0"/>
+              <a:t>Prop. of SNP  outliers in inversions found in 1 zone(s): </a:t>
+            </a:r>
+          </a:p>
+          <a:p>
+            <a:pPr algn="r"/>
+            <a:r>
+              <a:rPr lang="en-GB" sz="1200" dirty="0"/>
+              <a:t>Prop. of SNP  outliers in inversions found in 2 zone(s):</a:t>
+            </a:r>
+          </a:p>
+          <a:p>
+            <a:pPr algn="r"/>
+            <a:r>
+              <a:rPr lang="en-GB" sz="1200" dirty="0"/>
+              <a:t>Prop. of SNP  outliers in inversions found in 3 zone(s):</a:t>
+            </a:r>
+          </a:p>
+          <a:p>
+            <a:pPr algn="r"/>
+            <a:r>
+              <a:rPr lang="en-GB" sz="1200" dirty="0"/>
+              <a:t>Prop. of SNP  outliers in inversions found in 4 zone(s):</a:t>
+            </a:r>
+          </a:p>
+          <a:p>
+            <a:pPr algn="r"/>
+            <a:r>
+              <a:rPr lang="en-GB" sz="1200" dirty="0"/>
+              <a:t>Prop. of SNP  outliers in inversions found in 5 zone(s):</a:t>
+            </a:r>
+          </a:p>
+          <a:p>
+            <a:pPr algn="r"/>
+            <a:r>
+              <a:rPr lang="en-GB" sz="1200" dirty="0"/>
+              <a:t>Prop. of SNP  outliers in inversions found in 6 zone(s):</a:t>
             </a:r>
           </a:p>
         </p:txBody>
@@ -11022,7 +12004,7 @@
           <p:cNvPr id="2" name="TextBox 1">
             <a:extLst>
               <a:ext uri="{FF2B5EF4-FFF2-40B4-BE49-F238E27FC236}">
-                <a16:creationId xmlns:a16="http://schemas.microsoft.com/office/drawing/2014/main" id="{FB5A0D44-16E3-1349-AF6F-4FE1B4E42AE2}"/>
+                <a16:creationId xmlns:a16="http://schemas.microsoft.com/office/drawing/2014/main" id="{660859CF-5617-044D-9432-FA7DA9618788}"/>
               </a:ext>
             </a:extLst>
           </p:cNvPr>
@@ -11031,8 +12013,8 @@
         </p:nvSpPr>
         <p:spPr>
           <a:xfrm>
-            <a:off x="838631" y="277792"/>
-            <a:ext cx="10514738" cy="369332"/>
+            <a:off x="212026" y="3680431"/>
+            <a:ext cx="3174641" cy="1815882"/>
           </a:xfrm>
           <a:prstGeom prst="rect">
             <a:avLst/>
@@ -11040,24 +12022,29 @@
           <a:noFill/>
         </p:spPr>
         <p:txBody>
-          <a:bodyPr wrap="none" rtlCol="0">
+          <a:bodyPr wrap="square" rtlCol="0">
             <a:spAutoFit/>
           </a:bodyPr>
           <a:lstStyle/>
           <a:p>
             <a:r>
-              <a:rPr lang="en-GB" dirty="0"/>
-              <a:t>Given the difference between SAMtools and GATK in the total number of SNPs, I have run some diagnostics</a:t>
-            </a:r>
-          </a:p>
-        </p:txBody>
-      </p:sp>
-      <p:sp>
-        <p:nvSpPr>
-          <p:cNvPr id="13" name="TextBox 12">
-            <a:extLst>
-              <a:ext uri="{FF2B5EF4-FFF2-40B4-BE49-F238E27FC236}">
-                <a16:creationId xmlns:a16="http://schemas.microsoft.com/office/drawing/2014/main" id="{5CCE7386-BE2B-4440-AF7A-2468A67CEB1B}"/>
+              <a:rPr lang="en-GB" sz="1600" i="1" dirty="0"/>
+              <a:t>Figure 1. Proportions of SNPs against proportions of INDELs per contig. Contigs were grouped by length into ten bins of size = 50000 bp (from bin 1 in grey of range 0-50000 bp to bin 10 in black of range 450000-500000 </a:t>
+            </a:r>
+            <a:r>
+              <a:rPr lang="en-GB" sz="1600" i="1"/>
+              <a:t>bp).</a:t>
+            </a:r>
+            <a:endParaRPr lang="en-GB" sz="1600" i="1" dirty="0"/>
+          </a:p>
+        </p:txBody>
+      </p:sp>
+      <p:sp>
+        <p:nvSpPr>
+          <p:cNvPr id="5" name="TextBox 4">
+            <a:extLst>
+              <a:ext uri="{FF2B5EF4-FFF2-40B4-BE49-F238E27FC236}">
+                <a16:creationId xmlns:a16="http://schemas.microsoft.com/office/drawing/2014/main" id="{049B477E-5E39-F240-86CA-65F077DF0726}"/>
               </a:ext>
             </a:extLst>
           </p:cNvPr>
@@ -11066,8 +12053,8 @@
         </p:nvSpPr>
         <p:spPr>
           <a:xfrm>
-            <a:off x="838629" y="1157735"/>
-            <a:ext cx="4286943" cy="369332"/>
+            <a:off x="528116" y="1212968"/>
+            <a:ext cx="3292824" cy="923330"/>
           </a:xfrm>
           <a:prstGeom prst="rect">
             <a:avLst/>
@@ -11075,7 +12062,7 @@
           <a:noFill/>
         </p:spPr>
         <p:txBody>
-          <a:bodyPr wrap="none" rtlCol="0">
+          <a:bodyPr wrap="square" rtlCol="0">
             <a:spAutoFit/>
           </a:bodyPr>
           <a:lstStyle/>
@@ -11086,7 +12073,45 @@
             </a:pPr>
             <a:r>
               <a:rPr lang="en-GB" dirty="0"/>
-              <a:t>Contigs after coverage filter (in progress)</a:t>
+              <a:t>INDELs and SNPs after filtering but before cline analysis.</a:t>
+            </a:r>
+          </a:p>
+        </p:txBody>
+      </p:sp>
+      <p:sp>
+        <p:nvSpPr>
+          <p:cNvPr id="9" name="Rectangle 8">
+            <a:extLst>
+              <a:ext uri="{FF2B5EF4-FFF2-40B4-BE49-F238E27FC236}">
+                <a16:creationId xmlns:a16="http://schemas.microsoft.com/office/drawing/2014/main" id="{900A70BA-388F-4547-862E-740BE8CCAC50}"/>
+              </a:ext>
+            </a:extLst>
+          </p:cNvPr>
+          <p:cNvSpPr/>
+          <p:nvPr/>
+        </p:nvSpPr>
+        <p:spPr>
+          <a:xfrm>
+            <a:off x="528115" y="409596"/>
+            <a:ext cx="4164153" cy="369332"/>
+          </a:xfrm>
+          <a:prstGeom prst="rect">
+            <a:avLst/>
+          </a:prstGeom>
+        </p:spPr>
+        <p:txBody>
+          <a:bodyPr wrap="none">
+            <a:spAutoFit/>
+          </a:bodyPr>
+          <a:lstStyle/>
+          <a:p>
+            <a:pPr marL="342900" indent="-342900">
+              <a:buFont typeface="+mj-lt"/>
+              <a:buAutoNum type="arabicPeriod" startAt="2"/>
+            </a:pPr>
+            <a:r>
+              <a:rPr lang="en-GB" b="1" dirty="0"/>
+              <a:t>Clustering of (different types) markers</a:t>
             </a:r>
           </a:p>
         </p:txBody>
@@ -11094,7 +12119,7 @@
     </p:spTree>
     <p:extLst>
       <p:ext uri="{BB962C8B-B14F-4D97-AF65-F5344CB8AC3E}">
-        <p14:creationId xmlns:p14="http://schemas.microsoft.com/office/powerpoint/2010/main" val="1844678427"/>
+        <p14:creationId xmlns:p14="http://schemas.microsoft.com/office/powerpoint/2010/main" val="944710290"/>
       </p:ext>
     </p:extLst>
   </p:cSld>
@@ -11126,7 +12151,7 @@
           <p:cNvPr id="2" name="TextBox 1">
             <a:extLst>
               <a:ext uri="{FF2B5EF4-FFF2-40B4-BE49-F238E27FC236}">
-                <a16:creationId xmlns:a16="http://schemas.microsoft.com/office/drawing/2014/main" id="{FB5A0D44-16E3-1349-AF6F-4FE1B4E42AE2}"/>
+                <a16:creationId xmlns:a16="http://schemas.microsoft.com/office/drawing/2014/main" id="{660859CF-5617-044D-9432-FA7DA9618788}"/>
               </a:ext>
             </a:extLst>
           </p:cNvPr>
@@ -11135,8 +12160,8 @@
         </p:nvSpPr>
         <p:spPr>
           <a:xfrm>
-            <a:off x="838631" y="277792"/>
-            <a:ext cx="10514738" cy="369332"/>
+            <a:off x="212026" y="3680431"/>
+            <a:ext cx="3174641" cy="2800767"/>
           </a:xfrm>
           <a:prstGeom prst="rect">
             <a:avLst/>
@@ -11144,24 +12169,24 @@
           <a:noFill/>
         </p:spPr>
         <p:txBody>
-          <a:bodyPr wrap="none" rtlCol="0">
+          <a:bodyPr wrap="square" rtlCol="0">
             <a:spAutoFit/>
           </a:bodyPr>
           <a:lstStyle/>
           <a:p>
             <a:r>
-              <a:rPr lang="en-GB" dirty="0"/>
-              <a:t>Given the difference between SAMtools and GATK in the total number of SNPs, I have run some diagnostics</a:t>
-            </a:r>
-          </a:p>
-        </p:txBody>
-      </p:sp>
-      <p:sp>
-        <p:nvSpPr>
-          <p:cNvPr id="13" name="TextBox 12">
-            <a:extLst>
-              <a:ext uri="{FF2B5EF4-FFF2-40B4-BE49-F238E27FC236}">
-                <a16:creationId xmlns:a16="http://schemas.microsoft.com/office/drawing/2014/main" id="{5CCE7386-BE2B-4440-AF7A-2468A67CEB1B}"/>
+              <a:rPr lang="en-GB" sz="1600" i="1" dirty="0"/>
+              <a:t>Figure 1. Proportions of SNPs against proportions of INDELs per contig and per derived allele frequency class. Contigs were grouped by length into ten bins of size = 50000 bp (from bin 1 in grey of range 0-50000 bp to bin 10 in black of range 450000-500000 bp). The derived frequency spectrum was divided into 20 classes of 0.05 frequency difference (facets).</a:t>
+            </a:r>
+          </a:p>
+        </p:txBody>
+      </p:sp>
+      <p:sp>
+        <p:nvSpPr>
+          <p:cNvPr id="5" name="TextBox 4">
+            <a:extLst>
+              <a:ext uri="{FF2B5EF4-FFF2-40B4-BE49-F238E27FC236}">
+                <a16:creationId xmlns:a16="http://schemas.microsoft.com/office/drawing/2014/main" id="{049B477E-5E39-F240-86CA-65F077DF0726}"/>
               </a:ext>
             </a:extLst>
           </p:cNvPr>
@@ -11170,8 +12195,8 @@
         </p:nvSpPr>
         <p:spPr>
           <a:xfrm>
-            <a:off x="838629" y="1157735"/>
-            <a:ext cx="3879780" cy="369332"/>
+            <a:off x="528116" y="1212968"/>
+            <a:ext cx="3292824" cy="923330"/>
           </a:xfrm>
           <a:prstGeom prst="rect">
             <a:avLst/>
@@ -11179,7 +12204,7 @@
           <a:noFill/>
         </p:spPr>
         <p:txBody>
-          <a:bodyPr wrap="none" rtlCol="0">
+          <a:bodyPr wrap="square" rtlCol="0">
             <a:spAutoFit/>
           </a:bodyPr>
           <a:lstStyle/>
@@ -11190,7 +12215,45 @@
             </a:pPr>
             <a:r>
               <a:rPr lang="en-GB" dirty="0"/>
-              <a:t>SNPs after all the filters (in progress)</a:t>
+              <a:t>INDELs and SNPs after filtering but before cline analysis.</a:t>
+            </a:r>
+          </a:p>
+        </p:txBody>
+      </p:sp>
+      <p:sp>
+        <p:nvSpPr>
+          <p:cNvPr id="9" name="Rectangle 8">
+            <a:extLst>
+              <a:ext uri="{FF2B5EF4-FFF2-40B4-BE49-F238E27FC236}">
+                <a16:creationId xmlns:a16="http://schemas.microsoft.com/office/drawing/2014/main" id="{900A70BA-388F-4547-862E-740BE8CCAC50}"/>
+              </a:ext>
+            </a:extLst>
+          </p:cNvPr>
+          <p:cNvSpPr/>
+          <p:nvPr/>
+        </p:nvSpPr>
+        <p:spPr>
+          <a:xfrm>
+            <a:off x="528115" y="409596"/>
+            <a:ext cx="4164153" cy="369332"/>
+          </a:xfrm>
+          <a:prstGeom prst="rect">
+            <a:avLst/>
+          </a:prstGeom>
+        </p:spPr>
+        <p:txBody>
+          <a:bodyPr wrap="none">
+            <a:spAutoFit/>
+          </a:bodyPr>
+          <a:lstStyle/>
+          <a:p>
+            <a:pPr marL="342900" indent="-342900">
+              <a:buFont typeface="+mj-lt"/>
+              <a:buAutoNum type="arabicPeriod" startAt="2"/>
+            </a:pPr>
+            <a:r>
+              <a:rPr lang="en-GB" b="1" dirty="0"/>
+              <a:t>Clustering of (different types) markers</a:t>
             </a:r>
           </a:p>
         </p:txBody>
@@ -11198,7 +12261,7 @@
     </p:spTree>
     <p:extLst>
       <p:ext uri="{BB962C8B-B14F-4D97-AF65-F5344CB8AC3E}">
-        <p14:creationId xmlns:p14="http://schemas.microsoft.com/office/powerpoint/2010/main" val="1445881728"/>
+        <p14:creationId xmlns:p14="http://schemas.microsoft.com/office/powerpoint/2010/main" val="3300318393"/>
       </p:ext>
     </p:extLst>
   </p:cSld>
@@ -11227,10 +12290,670 @@
       </p:grpSpPr>
       <p:sp>
         <p:nvSpPr>
-          <p:cNvPr id="2" name="TextBox 1">
-            <a:extLst>
-              <a:ext uri="{FF2B5EF4-FFF2-40B4-BE49-F238E27FC236}">
-                <a16:creationId xmlns:a16="http://schemas.microsoft.com/office/drawing/2014/main" id="{FB5A0D44-16E3-1349-AF6F-4FE1B4E42AE2}"/>
+          <p:cNvPr id="2" name="Rectangle 1">
+            <a:extLst>
+              <a:ext uri="{FF2B5EF4-FFF2-40B4-BE49-F238E27FC236}">
+                <a16:creationId xmlns:a16="http://schemas.microsoft.com/office/drawing/2014/main" id="{B775E58A-D45E-CB4A-A0C9-0E6A0A43FE06}"/>
+              </a:ext>
+            </a:extLst>
+          </p:cNvPr>
+          <p:cNvSpPr/>
+          <p:nvPr/>
+        </p:nvSpPr>
+        <p:spPr>
+          <a:xfrm>
+            <a:off x="524719" y="189654"/>
+            <a:ext cx="1951175" cy="369332"/>
+          </a:xfrm>
+          <a:prstGeom prst="rect">
+            <a:avLst/>
+          </a:prstGeom>
+        </p:spPr>
+        <p:txBody>
+          <a:bodyPr wrap="none">
+            <a:spAutoFit/>
+          </a:bodyPr>
+          <a:lstStyle/>
+          <a:p>
+            <a:pPr marL="342900" indent="-342900">
+              <a:buFont typeface="+mj-lt"/>
+              <a:buAutoNum type="arabicPeriod"/>
+            </a:pPr>
+            <a:r>
+              <a:rPr lang="en-GB" b="1" dirty="0"/>
+              <a:t>Outlier sharing</a:t>
+            </a:r>
+          </a:p>
+        </p:txBody>
+      </p:sp>
+      <p:sp>
+        <p:nvSpPr>
+          <p:cNvPr id="3" name="Rectangle 2">
+            <a:extLst>
+              <a:ext uri="{FF2B5EF4-FFF2-40B4-BE49-F238E27FC236}">
+                <a16:creationId xmlns:a16="http://schemas.microsoft.com/office/drawing/2014/main" id="{8DA753BD-2489-674F-902F-7AC3EDCBD20A}"/>
+              </a:ext>
+            </a:extLst>
+          </p:cNvPr>
+          <p:cNvSpPr/>
+          <p:nvPr/>
+        </p:nvSpPr>
+        <p:spPr>
+          <a:xfrm>
+            <a:off x="4486656" y="543310"/>
+            <a:ext cx="3129485" cy="5816977"/>
+          </a:xfrm>
+          <a:prstGeom prst="rect">
+            <a:avLst/>
+          </a:prstGeom>
+        </p:spPr>
+        <p:txBody>
+          <a:bodyPr wrap="square">
+            <a:spAutoFit/>
+          </a:bodyPr>
+          <a:lstStyle/>
+          <a:p>
+            <a:r>
+              <a:rPr lang="en-GB" sz="1200" dirty="0"/>
+              <a:t>Total number of SNP: </a:t>
+            </a:r>
+            <a:r>
+              <a:rPr lang="en-GB" sz="1200" dirty="0">
+                <a:solidFill>
+                  <a:srgbClr val="FF0000"/>
+                </a:solidFill>
+              </a:rPr>
+              <a:t>11225</a:t>
+            </a:r>
+          </a:p>
+          <a:p>
+            <a:endParaRPr lang="en-GB" sz="1200" dirty="0"/>
+          </a:p>
+          <a:p>
+            <a:r>
+              <a:rPr lang="en-GB" sz="1200" dirty="0"/>
+              <a:t>Proportion of SNP  with significant clines.</a:t>
+            </a:r>
+          </a:p>
+          <a:p>
+            <a:r>
+              <a:rPr lang="en-GB" sz="1200" dirty="0"/>
+              <a:t>0.5317595</a:t>
+            </a:r>
+          </a:p>
+          <a:p>
+            <a:r>
+              <a:rPr lang="en-GB" sz="1200" dirty="0"/>
+              <a:t>0.4457016</a:t>
+            </a:r>
+          </a:p>
+          <a:p>
+            <a:r>
+              <a:rPr lang="en-GB" sz="1200" dirty="0"/>
+              <a:t>0.3277506</a:t>
+            </a:r>
+          </a:p>
+          <a:p>
+            <a:r>
+              <a:rPr lang="en-GB" sz="1200" dirty="0"/>
+              <a:t>0.4244989</a:t>
+            </a:r>
+          </a:p>
+          <a:p>
+            <a:r>
+              <a:rPr lang="en-GB" sz="1200" dirty="0"/>
+              <a:t>0.4473942</a:t>
+            </a:r>
+          </a:p>
+          <a:p>
+            <a:r>
+              <a:rPr lang="en-GB" sz="1200" dirty="0"/>
+              <a:t>0.4823163</a:t>
+            </a:r>
+          </a:p>
+          <a:p>
+            <a:endParaRPr lang="en-GB" sz="1200" dirty="0"/>
+          </a:p>
+          <a:p>
+            <a:r>
+              <a:rPr lang="en-GB" sz="1200" dirty="0"/>
+              <a:t>Proportions of SNP  outliers that are shared.</a:t>
+            </a:r>
+          </a:p>
+          <a:p>
+            <a:r>
+              <a:rPr lang="en-GB" sz="1200" dirty="0"/>
+              <a:t>0.6160714</a:t>
+            </a:r>
+          </a:p>
+          <a:p>
+            <a:r>
+              <a:rPr lang="en-GB" sz="1200" dirty="0"/>
+              <a:t>0.5178571</a:t>
+            </a:r>
+          </a:p>
+          <a:p>
+            <a:r>
+              <a:rPr lang="en-GB" sz="1200" dirty="0"/>
+              <a:t>0.6339286</a:t>
+            </a:r>
+          </a:p>
+          <a:p>
+            <a:r>
+              <a:rPr lang="en-GB" sz="1200" dirty="0"/>
+              <a:t>0.359375</a:t>
+            </a:r>
+          </a:p>
+          <a:p>
+            <a:r>
+              <a:rPr lang="en-GB" sz="1200" dirty="0"/>
+              <a:t>0.4107143</a:t>
+            </a:r>
+          </a:p>
+          <a:p>
+            <a:r>
+              <a:rPr lang="en-GB" sz="1200" dirty="0"/>
+              <a:t>0.484375</a:t>
+            </a:r>
+          </a:p>
+          <a:p>
+            <a:endParaRPr lang="en-GB" sz="1200" dirty="0"/>
+          </a:p>
+          <a:p>
+            <a:r>
+              <a:rPr lang="en-GB" sz="1200" dirty="0"/>
+              <a:t>142</a:t>
+            </a:r>
+          </a:p>
+          <a:p>
+            <a:r>
+              <a:rPr lang="en-GB" sz="1200" dirty="0"/>
+              <a:t>66</a:t>
+            </a:r>
+          </a:p>
+          <a:p>
+            <a:r>
+              <a:rPr lang="en-GB" sz="1200" dirty="0"/>
+              <a:t>29</a:t>
+            </a:r>
+          </a:p>
+          <a:p>
+            <a:r>
+              <a:rPr lang="en-GB" sz="1200" dirty="0"/>
+              <a:t>27</a:t>
+            </a:r>
+          </a:p>
+          <a:p>
+            <a:r>
+              <a:rPr lang="en-GB" sz="1200" dirty="0"/>
+              <a:t>25</a:t>
+            </a:r>
+          </a:p>
+          <a:p>
+            <a:r>
+              <a:rPr lang="en-GB" sz="1200" dirty="0"/>
+              <a:t>13</a:t>
+            </a:r>
+          </a:p>
+          <a:p>
+            <a:endParaRPr lang="en-GB" sz="1200" dirty="0"/>
+          </a:p>
+          <a:p>
+            <a:r>
+              <a:rPr lang="en-GB" sz="1200" dirty="0"/>
+              <a:t>0.556</a:t>
+            </a:r>
+          </a:p>
+          <a:p>
+            <a:r>
+              <a:rPr lang="en-GB" sz="1200" dirty="0"/>
+              <a:t>0.636</a:t>
+            </a:r>
+          </a:p>
+          <a:p>
+            <a:r>
+              <a:rPr lang="en-GB" sz="1200" dirty="0"/>
+              <a:t>0.862</a:t>
+            </a:r>
+          </a:p>
+          <a:p>
+            <a:r>
+              <a:rPr lang="en-GB" sz="1200" dirty="0"/>
+              <a:t>0.889</a:t>
+            </a:r>
+          </a:p>
+          <a:p>
+            <a:r>
+              <a:rPr lang="en-GB" sz="1200" dirty="0"/>
+              <a:t>0.92</a:t>
+            </a:r>
+          </a:p>
+          <a:p>
+            <a:r>
+              <a:rPr lang="en-GB" sz="1200" dirty="0"/>
+              <a:t>1</a:t>
+            </a:r>
+          </a:p>
+        </p:txBody>
+      </p:sp>
+      <p:sp>
+        <p:nvSpPr>
+          <p:cNvPr id="5" name="Rectangle 4">
+            <a:extLst>
+              <a:ext uri="{FF2B5EF4-FFF2-40B4-BE49-F238E27FC236}">
+                <a16:creationId xmlns:a16="http://schemas.microsoft.com/office/drawing/2014/main" id="{BAAD3B19-AD82-B040-873E-BAF529487567}"/>
+              </a:ext>
+            </a:extLst>
+          </p:cNvPr>
+          <p:cNvSpPr/>
+          <p:nvPr/>
+        </p:nvSpPr>
+        <p:spPr>
+          <a:xfrm>
+            <a:off x="524719" y="543309"/>
+            <a:ext cx="3961937" cy="5816977"/>
+          </a:xfrm>
+          <a:prstGeom prst="rect">
+            <a:avLst/>
+          </a:prstGeom>
+        </p:spPr>
+        <p:txBody>
+          <a:bodyPr wrap="square">
+            <a:spAutoFit/>
+          </a:bodyPr>
+          <a:lstStyle/>
+          <a:p>
+            <a:r>
+              <a:rPr lang="en-GB" sz="1200" dirty="0"/>
+              <a:t>Total number of Anja’s SNP: </a:t>
+            </a:r>
+            <a:r>
+              <a:rPr lang="en-GB" sz="1200" dirty="0">
+                <a:solidFill>
+                  <a:srgbClr val="FF0000"/>
+                </a:solidFill>
+              </a:rPr>
+              <a:t>55106</a:t>
+            </a:r>
+          </a:p>
+          <a:p>
+            <a:endParaRPr lang="en-GB" sz="1200" dirty="0"/>
+          </a:p>
+          <a:p>
+            <a:r>
+              <a:rPr lang="en-GB" sz="1200" dirty="0"/>
+              <a:t>Proportion of SNP  with significant clines.</a:t>
+            </a:r>
+          </a:p>
+          <a:p>
+            <a:r>
+              <a:rPr lang="en-GB" sz="1200" dirty="0"/>
+              <a:t>CZA left: 0.5122128</a:t>
+            </a:r>
+          </a:p>
+          <a:p>
+            <a:r>
+              <a:rPr lang="en-GB" sz="1200" dirty="0"/>
+              <a:t>CZA right: 0.4238377</a:t>
+            </a:r>
+          </a:p>
+          <a:p>
+            <a:r>
+              <a:rPr lang="en-GB" sz="1200" dirty="0"/>
+              <a:t>CZB left: 0.3201829</a:t>
+            </a:r>
+          </a:p>
+          <a:p>
+            <a:r>
+              <a:rPr lang="en-GB" sz="1200" dirty="0"/>
+              <a:t>CZB right: 0.4114071</a:t>
+            </a:r>
+          </a:p>
+          <a:p>
+            <a:r>
+              <a:rPr lang="en-GB" sz="1200" dirty="0"/>
+              <a:t>CZD left: 0.4393351</a:t>
+            </a:r>
+          </a:p>
+          <a:p>
+            <a:r>
+              <a:rPr lang="en-GB" sz="1200" dirty="0"/>
+              <a:t>CZD right: 0.4732697</a:t>
+            </a:r>
+          </a:p>
+          <a:p>
+            <a:endParaRPr lang="en-GB" sz="1200" dirty="0"/>
+          </a:p>
+          <a:p>
+            <a:r>
+              <a:rPr lang="en-GB" sz="1200" dirty="0"/>
+              <a:t>Proportions of SNP  outliers that are shared.</a:t>
+            </a:r>
+          </a:p>
+          <a:p>
+            <a:r>
+              <a:rPr lang="en-GB" sz="1200" dirty="0"/>
+              <a:t>CZA left and right: 0.707804</a:t>
+            </a:r>
+          </a:p>
+          <a:p>
+            <a:r>
+              <a:rPr lang="en-GB" sz="1200" dirty="0"/>
+              <a:t>CZB left and right: 0.5680581</a:t>
+            </a:r>
+          </a:p>
+          <a:p>
+            <a:r>
+              <a:rPr lang="en-GB" sz="1200" dirty="0"/>
+              <a:t>CZD left and right: 0.6569873</a:t>
+            </a:r>
+          </a:p>
+          <a:p>
+            <a:r>
+              <a:rPr lang="en-GB" sz="1200" dirty="0"/>
+              <a:t>CZA and CZB: 0.4650635</a:t>
+            </a:r>
+          </a:p>
+          <a:p>
+            <a:r>
+              <a:rPr lang="en-GB" sz="1200" dirty="0"/>
+              <a:t>CZA and CZD: 0.508167</a:t>
+            </a:r>
+          </a:p>
+          <a:p>
+            <a:r>
+              <a:rPr lang="en-GB" sz="1200" dirty="0"/>
+              <a:t>CZB and CZD: 0.5426497</a:t>
+            </a:r>
+          </a:p>
+          <a:p>
+            <a:endParaRPr lang="en-GB" sz="1200" dirty="0"/>
+          </a:p>
+          <a:p>
+            <a:r>
+              <a:rPr lang="en-GB" sz="1200" dirty="0"/>
+              <a:t>Number of SNP  outliers found in 1 hybrid zone(s): 602</a:t>
+            </a:r>
+          </a:p>
+          <a:p>
+            <a:r>
+              <a:rPr lang="en-GB" sz="1200" dirty="0"/>
+              <a:t>Number of SNP  outliers found in 2 hybrid zone(s): 258</a:t>
+            </a:r>
+          </a:p>
+          <a:p>
+            <a:r>
+              <a:rPr lang="en-GB" sz="1200" dirty="0"/>
+              <a:t>Number of SNP  outliers found in 3 hybrid zone(s): 137</a:t>
+            </a:r>
+          </a:p>
+          <a:p>
+            <a:r>
+              <a:rPr lang="en-GB" sz="1200" dirty="0"/>
+              <a:t>Number of SNP  outliers found in 4 hybrid zone(s): 117</a:t>
+            </a:r>
+          </a:p>
+          <a:p>
+            <a:r>
+              <a:rPr lang="en-GB" sz="1200" dirty="0"/>
+              <a:t>Number of SNP  outliers found in 5 hybrid zone(s): 95</a:t>
+            </a:r>
+          </a:p>
+          <a:p>
+            <a:r>
+              <a:rPr lang="en-GB" sz="1200" dirty="0"/>
+              <a:t>Number of SNP  outliers found in 6 hybrid zone(s): 139</a:t>
+            </a:r>
+          </a:p>
+          <a:p>
+            <a:endParaRPr lang="en-GB" sz="1200" dirty="0"/>
+          </a:p>
+          <a:p>
+            <a:r>
+              <a:rPr lang="en-GB" sz="1200" dirty="0"/>
+              <a:t>Prop. of SNP  outliers in inversions found in 1 zone(s): 0.648</a:t>
+            </a:r>
+          </a:p>
+          <a:p>
+            <a:r>
+              <a:rPr lang="en-GB" sz="1200" dirty="0"/>
+              <a:t>Prop. of SNP  outliers in inversions found in 2 zone(s): 0.698</a:t>
+            </a:r>
+          </a:p>
+          <a:p>
+            <a:r>
+              <a:rPr lang="en-GB" sz="1200" dirty="0"/>
+              <a:t>Prop. of SNP  outliers in inversions found in 3 zone(s): 0.912</a:t>
+            </a:r>
+          </a:p>
+          <a:p>
+            <a:r>
+              <a:rPr lang="en-GB" sz="1200" dirty="0"/>
+              <a:t>Prop. of SNP  outliers in inversions found in 4 zone(s): 0.923</a:t>
+            </a:r>
+          </a:p>
+          <a:p>
+            <a:r>
+              <a:rPr lang="en-GB" sz="1200" dirty="0"/>
+              <a:t>Prop. of SNP  outliers in inversions found in 5 zone(s): 0.979</a:t>
+            </a:r>
+          </a:p>
+          <a:p>
+            <a:r>
+              <a:rPr lang="en-GB" sz="1200" dirty="0"/>
+              <a:t>Prop. of SNP  outliers in inversions found in 6 zone(s): 1</a:t>
+            </a:r>
+          </a:p>
+        </p:txBody>
+      </p:sp>
+      <p:sp>
+        <p:nvSpPr>
+          <p:cNvPr id="7" name="Rectangle 6">
+            <a:extLst>
+              <a:ext uri="{FF2B5EF4-FFF2-40B4-BE49-F238E27FC236}">
+                <a16:creationId xmlns:a16="http://schemas.microsoft.com/office/drawing/2014/main" id="{69285B50-6470-1746-BD71-7C6F3486A15B}"/>
+              </a:ext>
+            </a:extLst>
+          </p:cNvPr>
+          <p:cNvSpPr/>
+          <p:nvPr/>
+        </p:nvSpPr>
+        <p:spPr>
+          <a:xfrm>
+            <a:off x="8001964" y="543310"/>
+            <a:ext cx="3306501" cy="5816977"/>
+          </a:xfrm>
+          <a:prstGeom prst="rect">
+            <a:avLst/>
+          </a:prstGeom>
+        </p:spPr>
+        <p:txBody>
+          <a:bodyPr wrap="square">
+            <a:spAutoFit/>
+          </a:bodyPr>
+          <a:lstStyle/>
+          <a:p>
+            <a:r>
+              <a:rPr lang="en-GB" sz="1200" dirty="0"/>
+              <a:t>Total number of INDEL: 1752</a:t>
+            </a:r>
+          </a:p>
+          <a:p>
+            <a:endParaRPr lang="en-GB" sz="1200" dirty="0"/>
+          </a:p>
+          <a:p>
+            <a:r>
+              <a:rPr lang="en-GB" sz="1200" dirty="0"/>
+              <a:t>Proportion of INDEL  with significant clines.</a:t>
+            </a:r>
+          </a:p>
+          <a:p>
+            <a:r>
+              <a:rPr lang="en-GB" sz="1200" dirty="0"/>
+              <a:t>0.5296804</a:t>
+            </a:r>
+          </a:p>
+          <a:p>
+            <a:r>
+              <a:rPr lang="en-GB" sz="1200" dirty="0"/>
+              <a:t>0.4549087</a:t>
+            </a:r>
+          </a:p>
+          <a:p>
+            <a:r>
+              <a:rPr lang="en-GB" sz="1200" dirty="0"/>
+              <a:t>0.3413242</a:t>
+            </a:r>
+          </a:p>
+          <a:p>
+            <a:r>
+              <a:rPr lang="en-GB" sz="1200" dirty="0"/>
+              <a:t>0.4092466</a:t>
+            </a:r>
+          </a:p>
+          <a:p>
+            <a:r>
+              <a:rPr lang="en-GB" sz="1200" dirty="0"/>
+              <a:t>0.4737443</a:t>
+            </a:r>
+          </a:p>
+          <a:p>
+            <a:r>
+              <a:rPr lang="en-GB" sz="1200" dirty="0"/>
+              <a:t>0.4834475</a:t>
+            </a:r>
+          </a:p>
+          <a:p>
+            <a:endParaRPr lang="en-GB" sz="1200" dirty="0"/>
+          </a:p>
+          <a:p>
+            <a:r>
+              <a:rPr lang="en-GB" sz="1200" dirty="0"/>
+              <a:t>Proportions of INDEL  outliers that are shared.</a:t>
+            </a:r>
+          </a:p>
+          <a:p>
+            <a:r>
+              <a:rPr lang="en-GB" sz="1200" dirty="0"/>
+              <a:t>0.7058824</a:t>
+            </a:r>
+          </a:p>
+          <a:p>
+            <a:r>
+              <a:rPr lang="en-GB" sz="1200" dirty="0"/>
+              <a:t>0.4705882</a:t>
+            </a:r>
+          </a:p>
+          <a:p>
+            <a:r>
+              <a:rPr lang="en-GB" sz="1200" dirty="0"/>
+              <a:t>0.6470588</a:t>
+            </a:r>
+          </a:p>
+          <a:p>
+            <a:r>
+              <a:rPr lang="en-GB" sz="1200" dirty="0"/>
+              <a:t>0.3529412</a:t>
+            </a:r>
+          </a:p>
+          <a:p>
+            <a:r>
+              <a:rPr lang="en-GB" sz="1200" dirty="0"/>
+              <a:t>0.4117647</a:t>
+            </a:r>
+          </a:p>
+          <a:p>
+            <a:r>
+              <a:rPr lang="en-GB" sz="1200" dirty="0"/>
+              <a:t>0.4411765</a:t>
+            </a:r>
+          </a:p>
+          <a:p>
+            <a:endParaRPr lang="en-GB" sz="1200" dirty="0"/>
+          </a:p>
+          <a:p>
+            <a:r>
+              <a:rPr lang="en-GB" sz="1200" dirty="0"/>
+              <a:t>24</a:t>
+            </a:r>
+          </a:p>
+          <a:p>
+            <a:r>
+              <a:rPr lang="en-GB" sz="1200" dirty="0"/>
+              <a:t>7</a:t>
+            </a:r>
+          </a:p>
+          <a:p>
+            <a:r>
+              <a:rPr lang="en-GB" sz="1200" dirty="0"/>
+              <a:t>7</a:t>
+            </a:r>
+          </a:p>
+          <a:p>
+            <a:r>
+              <a:rPr lang="en-GB" sz="1200" dirty="0"/>
+              <a:t>5</a:t>
+            </a:r>
+          </a:p>
+          <a:p>
+            <a:r>
+              <a:rPr lang="en-GB" sz="1200" dirty="0"/>
+              <a:t>1</a:t>
+            </a:r>
+          </a:p>
+          <a:p>
+            <a:r>
+              <a:rPr lang="en-GB" sz="1200" dirty="0"/>
+              <a:t>3</a:t>
+            </a:r>
+          </a:p>
+          <a:p>
+            <a:endParaRPr lang="en-GB" sz="1200" dirty="0"/>
+          </a:p>
+          <a:p>
+            <a:r>
+              <a:rPr lang="en-GB" sz="1200" dirty="0"/>
+              <a:t>0.625</a:t>
+            </a:r>
+          </a:p>
+          <a:p>
+            <a:r>
+              <a:rPr lang="en-GB" sz="1200" dirty="0"/>
+              <a:t>0.57</a:t>
+            </a:r>
+          </a:p>
+          <a:p>
+            <a:r>
+              <a:rPr lang="en-GB" sz="1200" dirty="0"/>
+              <a:t>0.86</a:t>
+            </a:r>
+          </a:p>
+          <a:p>
+            <a:r>
+              <a:rPr lang="en-GB" sz="1200" dirty="0"/>
+              <a:t>1</a:t>
+            </a:r>
+          </a:p>
+          <a:p>
+            <a:r>
+              <a:rPr lang="en-GB" sz="1200" dirty="0"/>
+              <a:t>1</a:t>
+            </a:r>
+          </a:p>
+          <a:p>
+            <a:r>
+              <a:rPr lang="en-GB" sz="1200" dirty="0"/>
+              <a:t>1</a:t>
+            </a:r>
+          </a:p>
+        </p:txBody>
+      </p:sp>
+      <p:sp>
+        <p:nvSpPr>
+          <p:cNvPr id="6" name="TextBox 5">
+            <a:extLst>
+              <a:ext uri="{FF2B5EF4-FFF2-40B4-BE49-F238E27FC236}">
+                <a16:creationId xmlns:a16="http://schemas.microsoft.com/office/drawing/2014/main" id="{DC1E2925-1E88-B747-859F-421E2BE6AEAF}"/>
               </a:ext>
             </a:extLst>
           </p:cNvPr>
@@ -11239,210 +12962,8 @@
         </p:nvSpPr>
         <p:spPr>
           <a:xfrm>
-            <a:off x="838631" y="277792"/>
-            <a:ext cx="10514738" cy="369332"/>
-          </a:xfrm>
-          <a:prstGeom prst="rect">
-            <a:avLst/>
-          </a:prstGeom>
-          <a:noFill/>
-        </p:spPr>
-        <p:txBody>
-          <a:bodyPr wrap="none" rtlCol="0">
-            <a:spAutoFit/>
-          </a:bodyPr>
-          <a:lstStyle/>
-          <a:p>
-            <a:r>
-              <a:rPr lang="en-GB" dirty="0"/>
-              <a:t>Given the difference between SAMtools and GATK in the total number of SNPs, I have run some diagnostics</a:t>
-            </a:r>
-          </a:p>
-        </p:txBody>
-      </p:sp>
-      <p:pic>
-        <p:nvPicPr>
-          <p:cNvPr id="8" name="Picture 7">
-            <a:extLst>
-              <a:ext uri="{FF2B5EF4-FFF2-40B4-BE49-F238E27FC236}">
-                <a16:creationId xmlns:a16="http://schemas.microsoft.com/office/drawing/2014/main" id="{A4DAEDC7-A8EC-254B-A191-547A1418B8F6}"/>
-              </a:ext>
-            </a:extLst>
-          </p:cNvPr>
-          <p:cNvPicPr>
-            <a:picLocks noChangeAspect="1"/>
-          </p:cNvPicPr>
-          <p:nvPr/>
-        </p:nvPicPr>
-        <p:blipFill rotWithShape="1">
-          <a:blip r:embed="rId2"/>
-          <a:srcRect l="5258" t="9091" r="3176" b="5574"/>
-          <a:stretch/>
-        </p:blipFill>
-        <p:spPr>
-          <a:xfrm>
-            <a:off x="6231038" y="2037678"/>
-            <a:ext cx="5366790" cy="3326660"/>
-          </a:xfrm>
-          <a:prstGeom prst="rect">
-            <a:avLst/>
-          </a:prstGeom>
-        </p:spPr>
-      </p:pic>
-      <p:pic>
-        <p:nvPicPr>
-          <p:cNvPr id="10" name="Picture 9">
-            <a:extLst>
-              <a:ext uri="{FF2B5EF4-FFF2-40B4-BE49-F238E27FC236}">
-                <a16:creationId xmlns:a16="http://schemas.microsoft.com/office/drawing/2014/main" id="{AD14FF7D-63FD-9847-8532-4DE77B1CB03B}"/>
-              </a:ext>
-            </a:extLst>
-          </p:cNvPr>
-          <p:cNvPicPr>
-            <a:picLocks noChangeAspect="1"/>
-          </p:cNvPicPr>
-          <p:nvPr/>
-        </p:nvPicPr>
-        <p:blipFill rotWithShape="1">
-          <a:blip r:embed="rId3"/>
-          <a:srcRect l="4662" t="7646" r="3563" b="4847"/>
-          <a:stretch/>
-        </p:blipFill>
-        <p:spPr>
-          <a:xfrm>
-            <a:off x="838726" y="1985060"/>
-            <a:ext cx="5062966" cy="3379278"/>
-          </a:xfrm>
-          <a:prstGeom prst="rect">
-            <a:avLst/>
-          </a:prstGeom>
-        </p:spPr>
-      </p:pic>
-      <p:sp>
-        <p:nvSpPr>
-          <p:cNvPr id="11" name="TextBox 10">
-            <a:extLst>
-              <a:ext uri="{FF2B5EF4-FFF2-40B4-BE49-F238E27FC236}">
-                <a16:creationId xmlns:a16="http://schemas.microsoft.com/office/drawing/2014/main" id="{8E989DF7-7D26-A445-A99A-2791D7F96721}"/>
-              </a:ext>
-            </a:extLst>
-          </p:cNvPr>
-          <p:cNvSpPr txBox="1"/>
-          <p:nvPr/>
-        </p:nvSpPr>
-        <p:spPr>
-          <a:xfrm>
-            <a:off x="838629" y="1801172"/>
-            <a:ext cx="3076035" cy="307777"/>
-          </a:xfrm>
-          <a:prstGeom prst="rect">
-            <a:avLst/>
-          </a:prstGeom>
-          <a:noFill/>
-        </p:spPr>
-        <p:txBody>
-          <a:bodyPr wrap="none" rtlCol="0">
-            <a:spAutoFit/>
-          </a:bodyPr>
-          <a:lstStyle/>
-          <a:p>
-            <a:r>
-              <a:rPr lang="en-GB" sz="1400" dirty="0"/>
-              <a:t>any_outliers = outlier in at least one CZ.</a:t>
-            </a:r>
-          </a:p>
-        </p:txBody>
-      </p:sp>
-      <p:sp>
-        <p:nvSpPr>
-          <p:cNvPr id="12" name="TextBox 11">
-            <a:extLst>
-              <a:ext uri="{FF2B5EF4-FFF2-40B4-BE49-F238E27FC236}">
-                <a16:creationId xmlns:a16="http://schemas.microsoft.com/office/drawing/2014/main" id="{7E719FF2-7BA6-5944-8D5D-B76085F0436D}"/>
-              </a:ext>
-            </a:extLst>
-          </p:cNvPr>
-          <p:cNvSpPr txBox="1"/>
-          <p:nvPr/>
-        </p:nvSpPr>
-        <p:spPr>
-          <a:xfrm>
-            <a:off x="6231038" y="1801172"/>
-            <a:ext cx="4439036" cy="307777"/>
-          </a:xfrm>
-          <a:prstGeom prst="rect">
-            <a:avLst/>
-          </a:prstGeom>
-          <a:noFill/>
-        </p:spPr>
-        <p:txBody>
-          <a:bodyPr wrap="none" rtlCol="0">
-            <a:spAutoFit/>
-          </a:bodyPr>
-          <a:lstStyle/>
-          <a:p>
-            <a:r>
-              <a:rPr lang="en-GB" sz="1400" dirty="0"/>
-              <a:t>all_outliers = outlier shared by all six CZs (two per islands).</a:t>
-            </a:r>
-          </a:p>
-        </p:txBody>
-      </p:sp>
-      <p:sp>
-        <p:nvSpPr>
-          <p:cNvPr id="13" name="TextBox 12">
-            <a:extLst>
-              <a:ext uri="{FF2B5EF4-FFF2-40B4-BE49-F238E27FC236}">
-                <a16:creationId xmlns:a16="http://schemas.microsoft.com/office/drawing/2014/main" id="{E7AE7D32-9459-A144-A881-63F92D4E6C1F}"/>
-              </a:ext>
-            </a:extLst>
-          </p:cNvPr>
-          <p:cNvSpPr txBox="1"/>
-          <p:nvPr/>
-        </p:nvSpPr>
-        <p:spPr>
-          <a:xfrm>
-            <a:off x="838629" y="1157735"/>
-            <a:ext cx="7953267" cy="369332"/>
-          </a:xfrm>
-          <a:prstGeom prst="rect">
-            <a:avLst/>
-          </a:prstGeom>
-          <a:noFill/>
-        </p:spPr>
-        <p:txBody>
-          <a:bodyPr wrap="none" rtlCol="0">
-            <a:spAutoFit/>
-          </a:bodyPr>
-          <a:lstStyle/>
-          <a:p>
-            <a:pPr marL="285750" indent="-285750">
-              <a:buFont typeface="Arial" panose="020B0604020202020204" pitchFamily="34" charset="0"/>
-              <a:buChar char="•"/>
-            </a:pPr>
-            <a:r>
-              <a:rPr lang="en-GB" dirty="0"/>
-              <a:t>SNPs after all the filters and cline/outlier analysis (i.e., clinal and non-clinal SNPs)</a:t>
-            </a:r>
-          </a:p>
-        </p:txBody>
-      </p:sp>
-      <p:sp>
-        <p:nvSpPr>
-          <p:cNvPr id="14" name="TextBox 13">
-            <a:extLst>
-              <a:ext uri="{FF2B5EF4-FFF2-40B4-BE49-F238E27FC236}">
-                <a16:creationId xmlns:a16="http://schemas.microsoft.com/office/drawing/2014/main" id="{1BC812F4-C87A-6E46-A099-DE8B2DEAFABB}"/>
-              </a:ext>
-            </a:extLst>
-          </p:cNvPr>
-          <p:cNvSpPr txBox="1"/>
-          <p:nvPr/>
-        </p:nvSpPr>
-        <p:spPr>
-          <a:xfrm>
-            <a:off x="838629" y="5452999"/>
-            <a:ext cx="10759199" cy="923330"/>
+            <a:off x="524719" y="6519446"/>
+            <a:ext cx="10911068" cy="338554"/>
           </a:xfrm>
           <a:prstGeom prst="rect">
             <a:avLst/>
@@ -11456,8 +12977,8 @@
           <a:lstStyle/>
           <a:p>
             <a:r>
-              <a:rPr lang="en-GB" i="1" dirty="0"/>
-              <a:t>Figure 1. Venn diagrams of the number of SNPs after filtering and cline analysis. Left: SAMtools and GATK calls are intersected with the respective outliers that were at least present in one hybrid zone. Right: SAMtools and GATK calls are intersected with the respective outliers that were present in all six hybrid zones (two per islands).</a:t>
+              <a:rPr lang="en-GB" sz="1600" dirty="0"/>
+              <a:t>Except this difference in the total number of SNPs, the proportions look quite similar but I have not run any statistical tests</a:t>
             </a:r>
           </a:p>
         </p:txBody>
@@ -11465,7 +12986,7 @@
     </p:spTree>
     <p:extLst>
       <p:ext uri="{BB962C8B-B14F-4D97-AF65-F5344CB8AC3E}">
-        <p14:creationId xmlns:p14="http://schemas.microsoft.com/office/powerpoint/2010/main" val="678544682"/>
+        <p14:creationId xmlns:p14="http://schemas.microsoft.com/office/powerpoint/2010/main" val="925664091"/>
       </p:ext>
     </p:extLst>
   </p:cSld>
@@ -11492,41 +13013,12 @@
           <a:chExt cx="0" cy="0"/>
         </a:xfrm>
       </p:grpSpPr>
-      <p:pic>
-        <p:nvPicPr>
-          <p:cNvPr id="3" name="Picture 2">
-            <a:extLst>
-              <a:ext uri="{FF2B5EF4-FFF2-40B4-BE49-F238E27FC236}">
-                <a16:creationId xmlns:a16="http://schemas.microsoft.com/office/drawing/2014/main" id="{5DEFEF38-FC25-AB4C-80F4-66DE30BC3B8F}"/>
-              </a:ext>
-            </a:extLst>
-          </p:cNvPr>
-          <p:cNvPicPr>
-            <a:picLocks noChangeAspect="1"/>
-          </p:cNvPicPr>
-          <p:nvPr/>
-        </p:nvPicPr>
-        <p:blipFill rotWithShape="1">
-          <a:blip r:embed="rId2"/>
-          <a:srcRect b="25739"/>
-          <a:stretch/>
-        </p:blipFill>
-        <p:spPr>
-          <a:xfrm>
-            <a:off x="54036" y="739392"/>
-            <a:ext cx="8241136" cy="6120000"/>
-          </a:xfrm>
-          <a:prstGeom prst="rect">
-            <a:avLst/>
-          </a:prstGeom>
-        </p:spPr>
-      </p:pic>
-      <p:sp>
-        <p:nvSpPr>
-          <p:cNvPr id="4" name="TextBox 3">
-            <a:extLst>
-              <a:ext uri="{FF2B5EF4-FFF2-40B4-BE49-F238E27FC236}">
-                <a16:creationId xmlns:a16="http://schemas.microsoft.com/office/drawing/2014/main" id="{BBC0A1E3-8029-A149-9543-F9E009CEE386}"/>
+      <p:sp>
+        <p:nvSpPr>
+          <p:cNvPr id="2" name="TextBox 1">
+            <a:extLst>
+              <a:ext uri="{FF2B5EF4-FFF2-40B4-BE49-F238E27FC236}">
+                <a16:creationId xmlns:a16="http://schemas.microsoft.com/office/drawing/2014/main" id="{FB5A0D44-16E3-1349-AF6F-4FE1B4E42AE2}"/>
               </a:ext>
             </a:extLst>
           </p:cNvPr>
@@ -11535,8 +13027,8 @@
         </p:nvSpPr>
         <p:spPr>
           <a:xfrm>
-            <a:off x="3439820" y="277792"/>
-            <a:ext cx="1469569" cy="369332"/>
+            <a:off x="838631" y="277792"/>
+            <a:ext cx="10514738" cy="369332"/>
           </a:xfrm>
           <a:prstGeom prst="rect">
             <a:avLst/>
@@ -11551,17 +13043,17 @@
           <a:p>
             <a:r>
               <a:rPr lang="en-GB" dirty="0"/>
-              <a:t>GATK SNP call</a:t>
-            </a:r>
-          </a:p>
-        </p:txBody>
-      </p:sp>
-      <p:sp>
-        <p:nvSpPr>
-          <p:cNvPr id="5" name="TextBox 4">
-            <a:extLst>
-              <a:ext uri="{FF2B5EF4-FFF2-40B4-BE49-F238E27FC236}">
-                <a16:creationId xmlns:a16="http://schemas.microsoft.com/office/drawing/2014/main" id="{321E6931-B8DB-3A49-849B-8FE2E1030096}"/>
+              <a:t>Given the difference between SAMtools and GATK in the total number of SNPs, I have run some diagnostics</a:t>
+            </a:r>
+          </a:p>
+        </p:txBody>
+      </p:sp>
+      <p:sp>
+        <p:nvSpPr>
+          <p:cNvPr id="13" name="TextBox 12">
+            <a:extLst>
+              <a:ext uri="{FF2B5EF4-FFF2-40B4-BE49-F238E27FC236}">
+                <a16:creationId xmlns:a16="http://schemas.microsoft.com/office/drawing/2014/main" id="{5CCE7386-BE2B-4440-AF7A-2468A67CEB1B}"/>
               </a:ext>
             </a:extLst>
           </p:cNvPr>
@@ -11570,8 +13062,8 @@
         </p:nvSpPr>
         <p:spPr>
           <a:xfrm>
-            <a:off x="8295172" y="855139"/>
-            <a:ext cx="3742499" cy="1200329"/>
+            <a:off x="838629" y="1157735"/>
+            <a:ext cx="4286943" cy="369332"/>
           </a:xfrm>
           <a:prstGeom prst="rect">
             <a:avLst/>
@@ -11579,186 +13071,26 @@
           <a:noFill/>
         </p:spPr>
         <p:txBody>
-          <a:bodyPr wrap="square" rtlCol="0">
+          <a:bodyPr wrap="none" rtlCol="0">
             <a:spAutoFit/>
           </a:bodyPr>
           <a:lstStyle/>
           <a:p>
+            <a:pPr marL="285750" indent="-285750">
+              <a:buFont typeface="Arial" panose="020B0604020202020204" pitchFamily="34" charset="0"/>
+              <a:buChar char="•"/>
+            </a:pPr>
             <a:r>
               <a:rPr lang="en-GB" dirty="0"/>
-              <a:t>Except this difference in the total number of SNPs, the map positions look quite similar but I have not run any statistics to test for significance.</a:t>
-            </a:r>
-          </a:p>
-        </p:txBody>
-      </p:sp>
-      <p:sp>
-        <p:nvSpPr>
-          <p:cNvPr id="6" name="TextBox 5">
-            <a:extLst>
-              <a:ext uri="{FF2B5EF4-FFF2-40B4-BE49-F238E27FC236}">
-                <a16:creationId xmlns:a16="http://schemas.microsoft.com/office/drawing/2014/main" id="{9CCBC790-4C93-E64D-91E1-2A0E4F58A609}"/>
-              </a:ext>
-            </a:extLst>
-          </p:cNvPr>
-          <p:cNvSpPr txBox="1"/>
-          <p:nvPr/>
-        </p:nvSpPr>
-        <p:spPr>
-          <a:xfrm>
-            <a:off x="5379257" y="5165839"/>
-            <a:ext cx="6658414" cy="923330"/>
-          </a:xfrm>
-          <a:prstGeom prst="rect">
-            <a:avLst/>
-          </a:prstGeom>
-          <a:noFill/>
-        </p:spPr>
-        <p:txBody>
-          <a:bodyPr wrap="square" rtlCol="0">
-            <a:spAutoFit/>
-          </a:bodyPr>
-          <a:lstStyle/>
-          <a:p>
-            <a:r>
-              <a:rPr lang="en-GB" i="1" dirty="0"/>
-              <a:t>Figure 2a. The same as in Anja’s paper with the exception that the SNPs were called using GATK. ANG is crossed out because it was a copy of CZA right.</a:t>
-            </a:r>
-          </a:p>
-        </p:txBody>
-      </p:sp>
-      <p:cxnSp>
-        <p:nvCxnSpPr>
-          <p:cNvPr id="8" name="Straight Connector 7">
-            <a:extLst>
-              <a:ext uri="{FF2B5EF4-FFF2-40B4-BE49-F238E27FC236}">
-                <a16:creationId xmlns:a16="http://schemas.microsoft.com/office/drawing/2014/main" id="{BFA32B25-210E-7349-9A1E-4624507CF046}"/>
-              </a:ext>
-            </a:extLst>
-          </p:cNvPr>
-          <p:cNvCxnSpPr>
-            <a:cxnSpLocks/>
-          </p:cNvCxnSpPr>
-          <p:nvPr/>
-        </p:nvCxnSpPr>
-        <p:spPr>
-          <a:xfrm>
-            <a:off x="393539" y="1088020"/>
-            <a:ext cx="7901633" cy="0"/>
-          </a:xfrm>
-          <a:prstGeom prst="line">
-            <a:avLst/>
-          </a:prstGeom>
-          <a:ln w="57150">
-            <a:solidFill>
-              <a:schemeClr val="tx1"/>
-            </a:solidFill>
-          </a:ln>
-        </p:spPr>
-        <p:style>
-          <a:lnRef idx="1">
-            <a:schemeClr val="accent1"/>
-          </a:lnRef>
-          <a:fillRef idx="0">
-            <a:schemeClr val="accent1"/>
-          </a:fillRef>
-          <a:effectRef idx="0">
-            <a:schemeClr val="accent1"/>
-          </a:effectRef>
-          <a:fontRef idx="minor">
-            <a:schemeClr val="tx1"/>
-          </a:fontRef>
-        </p:style>
-      </p:cxnSp>
-      <p:cxnSp>
-        <p:nvCxnSpPr>
-          <p:cNvPr id="10" name="Straight Connector 9">
-            <a:extLst>
-              <a:ext uri="{FF2B5EF4-FFF2-40B4-BE49-F238E27FC236}">
-                <a16:creationId xmlns:a16="http://schemas.microsoft.com/office/drawing/2014/main" id="{91B10E0A-738E-594D-8BCA-621AD0368F34}"/>
-              </a:ext>
-            </a:extLst>
-          </p:cNvPr>
-          <p:cNvCxnSpPr>
-            <a:cxnSpLocks/>
-          </p:cNvCxnSpPr>
-          <p:nvPr/>
-        </p:nvCxnSpPr>
-        <p:spPr>
-          <a:xfrm>
-            <a:off x="393539" y="3080795"/>
-            <a:ext cx="7901633" cy="0"/>
-          </a:xfrm>
-          <a:prstGeom prst="line">
-            <a:avLst/>
-          </a:prstGeom>
-          <a:ln w="57150">
-            <a:solidFill>
-              <a:schemeClr val="tx1"/>
-            </a:solidFill>
-          </a:ln>
-        </p:spPr>
-        <p:style>
-          <a:lnRef idx="1">
-            <a:schemeClr val="accent1"/>
-          </a:lnRef>
-          <a:fillRef idx="0">
-            <a:schemeClr val="accent1"/>
-          </a:fillRef>
-          <a:effectRef idx="0">
-            <a:schemeClr val="accent1"/>
-          </a:effectRef>
-          <a:fontRef idx="minor">
-            <a:schemeClr val="tx1"/>
-          </a:fontRef>
-        </p:style>
-      </p:cxnSp>
-      <p:cxnSp>
-        <p:nvCxnSpPr>
-          <p:cNvPr id="11" name="Straight Connector 10">
-            <a:extLst>
-              <a:ext uri="{FF2B5EF4-FFF2-40B4-BE49-F238E27FC236}">
-                <a16:creationId xmlns:a16="http://schemas.microsoft.com/office/drawing/2014/main" id="{86EA1A3D-23B2-C146-B377-4A4EBF6DE001}"/>
-              </a:ext>
-            </a:extLst>
-          </p:cNvPr>
-          <p:cNvCxnSpPr>
-            <a:cxnSpLocks/>
-          </p:cNvCxnSpPr>
-          <p:nvPr/>
-        </p:nvCxnSpPr>
-        <p:spPr>
-          <a:xfrm>
-            <a:off x="393539" y="5073570"/>
-            <a:ext cx="4861367" cy="0"/>
-          </a:xfrm>
-          <a:prstGeom prst="line">
-            <a:avLst/>
-          </a:prstGeom>
-          <a:ln w="57150">
-            <a:solidFill>
-              <a:schemeClr val="tx1"/>
-            </a:solidFill>
-          </a:ln>
-        </p:spPr>
-        <p:style>
-          <a:lnRef idx="1">
-            <a:schemeClr val="accent1"/>
-          </a:lnRef>
-          <a:fillRef idx="0">
-            <a:schemeClr val="accent1"/>
-          </a:fillRef>
-          <a:effectRef idx="0">
-            <a:schemeClr val="accent1"/>
-          </a:effectRef>
-          <a:fontRef idx="minor">
-            <a:schemeClr val="tx1"/>
-          </a:fontRef>
-        </p:style>
-      </p:cxnSp>
+              <a:t>Contigs after coverage filter (in progress)</a:t>
+            </a:r>
+          </a:p>
+        </p:txBody>
+      </p:sp>
     </p:spTree>
     <p:extLst>
       <p:ext uri="{BB962C8B-B14F-4D97-AF65-F5344CB8AC3E}">
-        <p14:creationId xmlns:p14="http://schemas.microsoft.com/office/powerpoint/2010/main" val="2034600197"/>
+        <p14:creationId xmlns:p14="http://schemas.microsoft.com/office/powerpoint/2010/main" val="1844678427"/>
       </p:ext>
     </p:extLst>
   </p:cSld>
@@ -11785,41 +13117,12 @@
           <a:chExt cx="0" cy="0"/>
         </a:xfrm>
       </p:grpSpPr>
-      <p:pic>
-        <p:nvPicPr>
-          <p:cNvPr id="3" name="Picture 2">
-            <a:extLst>
-              <a:ext uri="{FF2B5EF4-FFF2-40B4-BE49-F238E27FC236}">
-                <a16:creationId xmlns:a16="http://schemas.microsoft.com/office/drawing/2014/main" id="{06751C45-9F33-9944-BE6F-A6C08AE80E91}"/>
-              </a:ext>
-            </a:extLst>
-          </p:cNvPr>
-          <p:cNvPicPr>
-            <a:picLocks noChangeAspect="1"/>
-          </p:cNvPicPr>
-          <p:nvPr/>
-        </p:nvPicPr>
-        <p:blipFill rotWithShape="1">
-          <a:blip r:embed="rId2"/>
-          <a:srcRect l="3384" b="50548"/>
-          <a:stretch/>
-        </p:blipFill>
-        <p:spPr>
-          <a:xfrm>
-            <a:off x="208344" y="704667"/>
-            <a:ext cx="9143563" cy="4680000"/>
-          </a:xfrm>
-          <a:prstGeom prst="rect">
-            <a:avLst/>
-          </a:prstGeom>
-        </p:spPr>
-      </p:pic>
-      <p:sp>
-        <p:nvSpPr>
-          <p:cNvPr id="4" name="TextBox 3">
-            <a:extLst>
-              <a:ext uri="{FF2B5EF4-FFF2-40B4-BE49-F238E27FC236}">
-                <a16:creationId xmlns:a16="http://schemas.microsoft.com/office/drawing/2014/main" id="{BBC0A1E3-8029-A149-9543-F9E009CEE386}"/>
+      <p:sp>
+        <p:nvSpPr>
+          <p:cNvPr id="2" name="TextBox 1">
+            <a:extLst>
+              <a:ext uri="{FF2B5EF4-FFF2-40B4-BE49-F238E27FC236}">
+                <a16:creationId xmlns:a16="http://schemas.microsoft.com/office/drawing/2014/main" id="{FB5A0D44-16E3-1349-AF6F-4FE1B4E42AE2}"/>
               </a:ext>
             </a:extLst>
           </p:cNvPr>
@@ -11828,8 +13131,8 @@
         </p:nvSpPr>
         <p:spPr>
           <a:xfrm>
-            <a:off x="3439820" y="277792"/>
-            <a:ext cx="1655518" cy="369332"/>
+            <a:off x="838631" y="277792"/>
+            <a:ext cx="10514738" cy="369332"/>
           </a:xfrm>
           <a:prstGeom prst="rect">
             <a:avLst/>
@@ -11844,17 +13147,17 @@
           <a:p>
             <a:r>
               <a:rPr lang="en-GB" dirty="0"/>
-              <a:t>GATK INDEL call</a:t>
-            </a:r>
-          </a:p>
-        </p:txBody>
-      </p:sp>
-      <p:sp>
-        <p:nvSpPr>
-          <p:cNvPr id="6" name="TextBox 5">
-            <a:extLst>
-              <a:ext uri="{FF2B5EF4-FFF2-40B4-BE49-F238E27FC236}">
-                <a16:creationId xmlns:a16="http://schemas.microsoft.com/office/drawing/2014/main" id="{9CCBC790-4C93-E64D-91E1-2A0E4F58A609}"/>
+              <a:t>Given the difference between SAMtools and GATK in the total number of SNPs, I have run some diagnostics</a:t>
+            </a:r>
+          </a:p>
+        </p:txBody>
+      </p:sp>
+      <p:sp>
+        <p:nvSpPr>
+          <p:cNvPr id="13" name="TextBox 12">
+            <a:extLst>
+              <a:ext uri="{FF2B5EF4-FFF2-40B4-BE49-F238E27FC236}">
+                <a16:creationId xmlns:a16="http://schemas.microsoft.com/office/drawing/2014/main" id="{5CCE7386-BE2B-4440-AF7A-2468A67CEB1B}"/>
               </a:ext>
             </a:extLst>
           </p:cNvPr>
@@ -11863,8 +13166,8 @@
         </p:nvSpPr>
         <p:spPr>
           <a:xfrm>
-            <a:off x="5379257" y="5165839"/>
-            <a:ext cx="6658414" cy="646331"/>
+            <a:off x="838629" y="1157735"/>
+            <a:ext cx="3879780" cy="369332"/>
           </a:xfrm>
           <a:prstGeom prst="rect">
             <a:avLst/>
@@ -11872,108 +13175,26 @@
           <a:noFill/>
         </p:spPr>
         <p:txBody>
-          <a:bodyPr wrap="square" rtlCol="0">
+          <a:bodyPr wrap="none" rtlCol="0">
             <a:spAutoFit/>
           </a:bodyPr>
           <a:lstStyle/>
           <a:p>
-            <a:r>
-              <a:rPr lang="en-GB" i="1" dirty="0"/>
-              <a:t>Figure 2b. The same as in Anja’s paper but with INDELs. ANG is crossed out because it was a copy of CZA right.</a:t>
-            </a:r>
-          </a:p>
-        </p:txBody>
-      </p:sp>
-      <p:cxnSp>
-        <p:nvCxnSpPr>
-          <p:cNvPr id="8" name="Straight Connector 7">
-            <a:extLst>
-              <a:ext uri="{FF2B5EF4-FFF2-40B4-BE49-F238E27FC236}">
-                <a16:creationId xmlns:a16="http://schemas.microsoft.com/office/drawing/2014/main" id="{BFA32B25-210E-7349-9A1E-4624507CF046}"/>
-              </a:ext>
-            </a:extLst>
-          </p:cNvPr>
-          <p:cNvCxnSpPr>
-            <a:cxnSpLocks/>
-          </p:cNvCxnSpPr>
-          <p:nvPr/>
-        </p:nvCxnSpPr>
-        <p:spPr>
-          <a:xfrm>
-            <a:off x="393539" y="1088020"/>
-            <a:ext cx="8958368" cy="0"/>
-          </a:xfrm>
-          <a:prstGeom prst="line">
-            <a:avLst/>
-          </a:prstGeom>
-          <a:ln w="57150">
-            <a:solidFill>
-              <a:schemeClr val="tx1"/>
-            </a:solidFill>
-          </a:ln>
-        </p:spPr>
-        <p:style>
-          <a:lnRef idx="1">
-            <a:schemeClr val="accent1"/>
-          </a:lnRef>
-          <a:fillRef idx="0">
-            <a:schemeClr val="accent1"/>
-          </a:fillRef>
-          <a:effectRef idx="0">
-            <a:schemeClr val="accent1"/>
-          </a:effectRef>
-          <a:fontRef idx="minor">
-            <a:schemeClr val="tx1"/>
-          </a:fontRef>
-        </p:style>
-      </p:cxnSp>
-      <p:cxnSp>
-        <p:nvCxnSpPr>
-          <p:cNvPr id="10" name="Straight Connector 9">
-            <a:extLst>
-              <a:ext uri="{FF2B5EF4-FFF2-40B4-BE49-F238E27FC236}">
-                <a16:creationId xmlns:a16="http://schemas.microsoft.com/office/drawing/2014/main" id="{91B10E0A-738E-594D-8BCA-621AD0368F34}"/>
-              </a:ext>
-            </a:extLst>
-          </p:cNvPr>
-          <p:cNvCxnSpPr>
-            <a:cxnSpLocks/>
-          </p:cNvCxnSpPr>
-          <p:nvPr/>
-        </p:nvCxnSpPr>
-        <p:spPr>
-          <a:xfrm>
-            <a:off x="393539" y="3404886"/>
-            <a:ext cx="8958368" cy="0"/>
-          </a:xfrm>
-          <a:prstGeom prst="line">
-            <a:avLst/>
-          </a:prstGeom>
-          <a:ln w="57150">
-            <a:solidFill>
-              <a:schemeClr val="tx1"/>
-            </a:solidFill>
-          </a:ln>
-        </p:spPr>
-        <p:style>
-          <a:lnRef idx="1">
-            <a:schemeClr val="accent1"/>
-          </a:lnRef>
-          <a:fillRef idx="0">
-            <a:schemeClr val="accent1"/>
-          </a:fillRef>
-          <a:effectRef idx="0">
-            <a:schemeClr val="accent1"/>
-          </a:effectRef>
-          <a:fontRef idx="minor">
-            <a:schemeClr val="tx1"/>
-          </a:fontRef>
-        </p:style>
-      </p:cxnSp>
+            <a:pPr marL="285750" indent="-285750">
+              <a:buFont typeface="Arial" panose="020B0604020202020204" pitchFamily="34" charset="0"/>
+              <a:buChar char="•"/>
+            </a:pPr>
+            <a:r>
+              <a:rPr lang="en-GB" dirty="0"/>
+              <a:t>SNPs after all the filters (in progress)</a:t>
+            </a:r>
+          </a:p>
+        </p:txBody>
+      </p:sp>
     </p:spTree>
     <p:extLst>
       <p:ext uri="{BB962C8B-B14F-4D97-AF65-F5344CB8AC3E}">
-        <p14:creationId xmlns:p14="http://schemas.microsoft.com/office/powerpoint/2010/main" val="2945318723"/>
+        <p14:creationId xmlns:p14="http://schemas.microsoft.com/office/powerpoint/2010/main" val="1445881728"/>
       </p:ext>
     </p:extLst>
   </p:cSld>
@@ -12002,48 +13223,10 @@
       </p:grpSpPr>
       <p:sp>
         <p:nvSpPr>
-          <p:cNvPr id="2" name="Rectangle 1">
-            <a:extLst>
-              <a:ext uri="{FF2B5EF4-FFF2-40B4-BE49-F238E27FC236}">
-                <a16:creationId xmlns:a16="http://schemas.microsoft.com/office/drawing/2014/main" id="{28EB9195-3465-C644-B592-B32C34D4FFCF}"/>
-              </a:ext>
-            </a:extLst>
-          </p:cNvPr>
-          <p:cNvSpPr/>
-          <p:nvPr/>
-        </p:nvSpPr>
-        <p:spPr>
-          <a:xfrm>
-            <a:off x="528115" y="409596"/>
-            <a:ext cx="4164153" cy="369332"/>
-          </a:xfrm>
-          <a:prstGeom prst="rect">
-            <a:avLst/>
-          </a:prstGeom>
-        </p:spPr>
-        <p:txBody>
-          <a:bodyPr wrap="none">
-            <a:spAutoFit/>
-          </a:bodyPr>
-          <a:lstStyle/>
-          <a:p>
-            <a:pPr marL="342900" indent="-342900">
-              <a:buFont typeface="+mj-lt"/>
-              <a:buAutoNum type="arabicPeriod" startAt="2"/>
-            </a:pPr>
-            <a:r>
-              <a:rPr lang="en-GB" b="1" dirty="0"/>
-              <a:t>Clustering of (different types) markers</a:t>
-            </a:r>
-          </a:p>
-        </p:txBody>
-      </p:sp>
-      <p:sp>
-        <p:nvSpPr>
-          <p:cNvPr id="12" name="TextBox 11">
-            <a:extLst>
-              <a:ext uri="{FF2B5EF4-FFF2-40B4-BE49-F238E27FC236}">
-                <a16:creationId xmlns:a16="http://schemas.microsoft.com/office/drawing/2014/main" id="{EE2B360A-DD67-7142-A309-F624C4AD0FFE}"/>
+          <p:cNvPr id="2" name="TextBox 1">
+            <a:extLst>
+              <a:ext uri="{FF2B5EF4-FFF2-40B4-BE49-F238E27FC236}">
+                <a16:creationId xmlns:a16="http://schemas.microsoft.com/office/drawing/2014/main" id="{FB5A0D44-16E3-1349-AF6F-4FE1B4E42AE2}"/>
               </a:ext>
             </a:extLst>
           </p:cNvPr>
@@ -12052,8 +13235,8 @@
         </p:nvSpPr>
         <p:spPr>
           <a:xfrm>
-            <a:off x="528115" y="811350"/>
-            <a:ext cx="5069786" cy="369332"/>
+            <a:off x="838631" y="277792"/>
+            <a:ext cx="10514738" cy="369332"/>
           </a:xfrm>
           <a:prstGeom prst="rect">
             <a:avLst/>
@@ -12066,170 +13249,19 @@
           </a:bodyPr>
           <a:lstStyle/>
           <a:p>
-            <a:pPr marL="285750" indent="-285750">
-              <a:buFont typeface="Arial" panose="020B0604020202020204" pitchFamily="34" charset="0"/>
-              <a:buChar char="•"/>
-            </a:pPr>
             <a:r>
               <a:rPr lang="en-GB" dirty="0"/>
-              <a:t>INDELs and SNPs after filtering and cline analysis.</a:t>
-            </a:r>
-          </a:p>
-        </p:txBody>
-      </p:sp>
-      <mc:AlternateContent xmlns:mc="http://schemas.openxmlformats.org/markup-compatibility/2006" xmlns:a14="http://schemas.microsoft.com/office/drawing/2010/main">
-        <mc:Choice Requires="a14">
-          <p:sp>
-            <p:nvSpPr>
-              <p:cNvPr id="21" name="TextBox 20">
-                <a:extLst>
-                  <a:ext uri="{FF2B5EF4-FFF2-40B4-BE49-F238E27FC236}">
-                    <a16:creationId xmlns:a16="http://schemas.microsoft.com/office/drawing/2014/main" id="{EB528DF0-ED52-C643-A25D-EE710F3E6CF2}"/>
-                  </a:ext>
-                </a:extLst>
-              </p:cNvPr>
-              <p:cNvSpPr txBox="1"/>
-              <p:nvPr/>
-            </p:nvSpPr>
-            <p:spPr>
-              <a:xfrm>
-                <a:off x="528115" y="6002654"/>
-                <a:ext cx="10806121" cy="830997"/>
-              </a:xfrm>
-              <a:prstGeom prst="rect">
-                <a:avLst/>
-              </a:prstGeom>
-              <a:noFill/>
-            </p:spPr>
-            <p:txBody>
-              <a:bodyPr wrap="square" rtlCol="0">
-                <a:spAutoFit/>
-              </a:bodyPr>
-              <a:lstStyle/>
-              <a:p>
-                <a:r>
-                  <a:rPr lang="en-GB" sz="1600" i="1" dirty="0"/>
-                  <a:t>Figure 3a. Marker proportions over contig length. </a:t>
-                </a:r>
-                <a14:m>
-                  <m:oMath xmlns:m="http://schemas.openxmlformats.org/officeDocument/2006/math">
-                    <m:r>
-                      <a:rPr lang="sv-SE" sz="1600" b="0" i="1" smtClean="0">
-                        <a:latin typeface="Cambria Math" panose="02040503050406030204" pitchFamily="18" charset="0"/>
-                      </a:rPr>
-                      <m:t>𝑃𝑟𝑜𝑝𝑜𝑟𝑡𝑖𝑜𝑛</m:t>
-                    </m:r>
-                    <m:r>
-                      <a:rPr lang="sv-SE" sz="1600" b="0" i="1" smtClean="0">
-                        <a:latin typeface="Cambria Math" panose="02040503050406030204" pitchFamily="18" charset="0"/>
-                      </a:rPr>
-                      <m:t>=</m:t>
-                    </m:r>
-                    <m:f>
-                      <m:fPr>
-                        <m:type m:val="lin"/>
-                        <m:ctrlPr>
-                          <a:rPr lang="sv-SE" sz="1600" b="0" i="1" smtClean="0">
-                            <a:latin typeface="Cambria Math" panose="02040503050406030204" pitchFamily="18" charset="0"/>
-                          </a:rPr>
-                        </m:ctrlPr>
-                      </m:fPr>
-                      <m:num>
-                        <m:r>
-                          <a:rPr lang="sv-SE" sz="1600" b="0" i="1" smtClean="0">
-                            <a:latin typeface="Cambria Math" panose="02040503050406030204" pitchFamily="18" charset="0"/>
-                          </a:rPr>
-                          <m:t>𝑐𝑜𝑢𝑛𝑡</m:t>
-                        </m:r>
-                      </m:num>
-                      <m:den>
-                        <m:r>
-                          <m:rPr>
-                            <m:sty m:val="p"/>
-                          </m:rPr>
-                          <a:rPr lang="el-GR" sz="1600" b="0" i="1" smtClean="0">
-                            <a:latin typeface="Cambria Math" panose="02040503050406030204" pitchFamily="18" charset="0"/>
-                            <a:ea typeface="Cambria Math" panose="02040503050406030204" pitchFamily="18" charset="0"/>
-                          </a:rPr>
-                          <m:t>Σ</m:t>
-                        </m:r>
-                        <m:r>
-                          <a:rPr lang="sv-SE" sz="1600" b="0" i="1" smtClean="0">
-                            <a:latin typeface="Cambria Math" panose="02040503050406030204" pitchFamily="18" charset="0"/>
-                            <a:ea typeface="Cambria Math" panose="02040503050406030204" pitchFamily="18" charset="0"/>
-                          </a:rPr>
-                          <m:t> </m:t>
-                        </m:r>
-                        <m:r>
-                          <a:rPr lang="sv-SE" sz="1600" b="0" i="1" smtClean="0">
-                            <a:latin typeface="Cambria Math" panose="02040503050406030204" pitchFamily="18" charset="0"/>
-                            <a:ea typeface="Cambria Math" panose="02040503050406030204" pitchFamily="18" charset="0"/>
-                          </a:rPr>
-                          <m:t>𝑐𝑜𝑢𝑛𝑡</m:t>
-                        </m:r>
-                      </m:den>
-                    </m:f>
-                  </m:oMath>
-                </a14:m>
-                <a:r>
-                  <a:rPr lang="en-GB" sz="1600" i="1" dirty="0"/>
-                  <a:t> per marker type and bin width = 15000 base pairs. Clinal variants are dark coloured and non-clinal variants are light coloured. Left: SNP call using SAMtools and INDEL call using GATK. Right: both INDELs and SNPs were called with GATK.</a:t>
-                </a:r>
-              </a:p>
-            </p:txBody>
-          </p:sp>
-        </mc:Choice>
-        <mc:Fallback xmlns="">
-          <p:sp>
-            <p:nvSpPr>
-              <p:cNvPr id="21" name="TextBox 20">
-                <a:extLst>
-                  <a:ext uri="{FF2B5EF4-FFF2-40B4-BE49-F238E27FC236}">
-                    <a16:creationId xmlns:a16="http://schemas.microsoft.com/office/drawing/2014/main" id="{EB528DF0-ED52-C643-A25D-EE710F3E6CF2}"/>
-                  </a:ext>
-                </a:extLst>
-              </p:cNvPr>
-              <p:cNvSpPr txBox="1">
-                <a:spLocks noRot="1" noChangeAspect="1" noMove="1" noResize="1" noEditPoints="1" noAdjustHandles="1" noChangeArrowheads="1" noChangeShapeType="1" noTextEdit="1"/>
-              </p:cNvSpPr>
-              <p:nvPr/>
-            </p:nvSpPr>
-            <p:spPr>
-              <a:xfrm>
-                <a:off x="528115" y="6002654"/>
-                <a:ext cx="10806121" cy="830997"/>
-              </a:xfrm>
-              <a:prstGeom prst="rect">
-                <a:avLst/>
-              </a:prstGeom>
-              <a:blipFill>
-                <a:blip r:embed="rId2"/>
-                <a:stretch>
-                  <a:fillRect l="-353" t="-45455" b="-13636"/>
-                </a:stretch>
-              </a:blipFill>
-            </p:spPr>
-            <p:txBody>
-              <a:bodyPr/>
-              <a:lstStyle/>
-              <a:p>
-                <a:r>
-                  <a:rPr lang="en-GB">
-                    <a:noFill/>
-                  </a:rPr>
-                  <a:t> </a:t>
-                </a:r>
-              </a:p>
-            </p:txBody>
-          </p:sp>
-        </mc:Fallback>
-      </mc:AlternateContent>
+              <a:t>Given the difference between SAMtools and GATK in the total number of SNPs, I have run some diagnostics</a:t>
+            </a:r>
+          </a:p>
+        </p:txBody>
+      </p:sp>
       <p:pic>
         <p:nvPicPr>
-          <p:cNvPr id="13" name="Picture 12">
-            <a:extLst>
-              <a:ext uri="{FF2B5EF4-FFF2-40B4-BE49-F238E27FC236}">
-                <a16:creationId xmlns:a16="http://schemas.microsoft.com/office/drawing/2014/main" id="{5C5BD71F-7247-0F4C-ACCE-522A0428BB58}"/>
+          <p:cNvPr id="8" name="Picture 7">
+            <a:extLst>
+              <a:ext uri="{FF2B5EF4-FFF2-40B4-BE49-F238E27FC236}">
+                <a16:creationId xmlns:a16="http://schemas.microsoft.com/office/drawing/2014/main" id="{A4DAEDC7-A8EC-254B-A191-547A1418B8F6}"/>
               </a:ext>
             </a:extLst>
           </p:cNvPr>
@@ -12238,16 +13270,15 @@
           </p:cNvPicPr>
           <p:nvPr/>
         </p:nvPicPr>
-        <p:blipFill>
-          <a:blip r:embed="rId3"/>
-          <a:stretch>
-            <a:fillRect/>
-          </a:stretch>
+        <p:blipFill rotWithShape="1">
+          <a:blip r:embed="rId2"/>
+          <a:srcRect l="5258" t="9091" r="3176" b="5574"/>
+          <a:stretch/>
         </p:blipFill>
         <p:spPr>
           <a:xfrm>
-            <a:off x="934578" y="0"/>
-            <a:ext cx="0" cy="0"/>
+            <a:off x="6231038" y="2037678"/>
+            <a:ext cx="5366790" cy="3326660"/>
           </a:xfrm>
           <a:prstGeom prst="rect">
             <a:avLst/>
@@ -12256,10 +13287,10 @@
       </p:pic>
       <p:pic>
         <p:nvPicPr>
-          <p:cNvPr id="15" name="Picture 14">
-            <a:extLst>
-              <a:ext uri="{FF2B5EF4-FFF2-40B4-BE49-F238E27FC236}">
-                <a16:creationId xmlns:a16="http://schemas.microsoft.com/office/drawing/2014/main" id="{EBE394C9-8E25-2746-A78F-121C8A879BD2}"/>
+          <p:cNvPr id="10" name="Picture 9">
+            <a:extLst>
+              <a:ext uri="{FF2B5EF4-FFF2-40B4-BE49-F238E27FC236}">
+                <a16:creationId xmlns:a16="http://schemas.microsoft.com/office/drawing/2014/main" id="{AD14FF7D-63FD-9847-8532-4DE77B1CB03B}"/>
               </a:ext>
             </a:extLst>
           </p:cNvPr>
@@ -12268,118 +13299,27 @@
           </p:cNvPicPr>
           <p:nvPr/>
         </p:nvPicPr>
-        <p:blipFill>
-          <a:blip r:embed="rId4"/>
-          <a:stretch>
-            <a:fillRect/>
-          </a:stretch>
+        <p:blipFill rotWithShape="1">
+          <a:blip r:embed="rId3"/>
+          <a:srcRect l="4662" t="7646" r="3563" b="4847"/>
+          <a:stretch/>
         </p:blipFill>
         <p:spPr>
           <a:xfrm>
-            <a:off x="528115" y="1207500"/>
-            <a:ext cx="5040000" cy="2520000"/>
+            <a:off x="838726" y="1985060"/>
+            <a:ext cx="5062966" cy="3379278"/>
           </a:xfrm>
           <a:prstGeom prst="rect">
             <a:avLst/>
           </a:prstGeom>
         </p:spPr>
       </p:pic>
-      <p:pic>
-        <p:nvPicPr>
-          <p:cNvPr id="17" name="Picture 16">
-            <a:extLst>
-              <a:ext uri="{FF2B5EF4-FFF2-40B4-BE49-F238E27FC236}">
-                <a16:creationId xmlns:a16="http://schemas.microsoft.com/office/drawing/2014/main" id="{03EE4186-B3B4-F142-86E5-5DC225B6B5AC}"/>
-              </a:ext>
-            </a:extLst>
-          </p:cNvPr>
-          <p:cNvPicPr>
-            <a:picLocks noChangeAspect="1"/>
-          </p:cNvPicPr>
-          <p:nvPr/>
-        </p:nvPicPr>
-        <p:blipFill>
-          <a:blip r:embed="rId5"/>
-          <a:stretch>
-            <a:fillRect/>
-          </a:stretch>
-        </p:blipFill>
-        <p:spPr>
-          <a:xfrm>
-            <a:off x="528115" y="3482654"/>
-            <a:ext cx="5040000" cy="2520000"/>
-          </a:xfrm>
-          <a:prstGeom prst="rect">
-            <a:avLst/>
-          </a:prstGeom>
-        </p:spPr>
-      </p:pic>
-      <p:pic>
-        <p:nvPicPr>
-          <p:cNvPr id="19" name="Picture 18">
-            <a:extLst>
-              <a:ext uri="{FF2B5EF4-FFF2-40B4-BE49-F238E27FC236}">
-                <a16:creationId xmlns:a16="http://schemas.microsoft.com/office/drawing/2014/main" id="{160F0608-A0B7-0545-BE6D-F8EC0CA4795F}"/>
-              </a:ext>
-            </a:extLst>
-          </p:cNvPr>
-          <p:cNvPicPr>
-            <a:picLocks noChangeAspect="1"/>
-          </p:cNvPicPr>
-          <p:nvPr/>
-        </p:nvPicPr>
-        <p:blipFill>
-          <a:blip r:embed="rId4"/>
-          <a:stretch>
-            <a:fillRect/>
-          </a:stretch>
-        </p:blipFill>
-        <p:spPr>
-          <a:xfrm>
-            <a:off x="6294236" y="1207500"/>
-            <a:ext cx="5040000" cy="2520000"/>
-          </a:xfrm>
-          <a:prstGeom prst="rect">
-            <a:avLst/>
-          </a:prstGeom>
-        </p:spPr>
-      </p:pic>
-      <p:pic>
-        <p:nvPicPr>
-          <p:cNvPr id="20" name="Picture 19">
-            <a:extLst>
-              <a:ext uri="{FF2B5EF4-FFF2-40B4-BE49-F238E27FC236}">
-                <a16:creationId xmlns:a16="http://schemas.microsoft.com/office/drawing/2014/main" id="{3CC15D35-D657-8D45-A477-3C9BEBCEF428}"/>
-              </a:ext>
-            </a:extLst>
-          </p:cNvPr>
-          <p:cNvPicPr>
-            <a:picLocks noChangeAspect="1"/>
-          </p:cNvPicPr>
-          <p:nvPr/>
-        </p:nvPicPr>
-        <p:blipFill>
-          <a:blip r:embed="rId6"/>
-          <a:stretch>
-            <a:fillRect/>
-          </a:stretch>
-        </p:blipFill>
-        <p:spPr>
-          <a:xfrm>
-            <a:off x="6294236" y="3482654"/>
-            <a:ext cx="5040000" cy="2520000"/>
-          </a:xfrm>
-          <a:prstGeom prst="rect">
-            <a:avLst/>
-          </a:prstGeom>
-        </p:spPr>
-      </p:pic>
-      <p:sp>
-        <p:nvSpPr>
-          <p:cNvPr id="10" name="TextBox 9">
-            <a:extLst>
-              <a:ext uri="{FF2B5EF4-FFF2-40B4-BE49-F238E27FC236}">
-                <a16:creationId xmlns:a16="http://schemas.microsoft.com/office/drawing/2014/main" id="{FAAE64C4-0597-BE4E-AA0C-C2E80A8CCFF1}"/>
+      <p:sp>
+        <p:nvSpPr>
+          <p:cNvPr id="11" name="TextBox 10">
+            <a:extLst>
+              <a:ext uri="{FF2B5EF4-FFF2-40B4-BE49-F238E27FC236}">
+                <a16:creationId xmlns:a16="http://schemas.microsoft.com/office/drawing/2014/main" id="{8E989DF7-7D26-A445-A99A-2791D7F96721}"/>
               </a:ext>
             </a:extLst>
           </p:cNvPr>
@@ -12388,8 +13328,78 @@
         </p:nvSpPr>
         <p:spPr>
           <a:xfrm>
-            <a:off x="5657629" y="811350"/>
-            <a:ext cx="3292824" cy="369332"/>
+            <a:off x="838629" y="1801172"/>
+            <a:ext cx="3076035" cy="307777"/>
+          </a:xfrm>
+          <a:prstGeom prst="rect">
+            <a:avLst/>
+          </a:prstGeom>
+          <a:noFill/>
+        </p:spPr>
+        <p:txBody>
+          <a:bodyPr wrap="none" rtlCol="0">
+            <a:spAutoFit/>
+          </a:bodyPr>
+          <a:lstStyle/>
+          <a:p>
+            <a:r>
+              <a:rPr lang="en-GB" sz="1400" dirty="0"/>
+              <a:t>any_outliers = outlier in at least one CZ.</a:t>
+            </a:r>
+          </a:p>
+        </p:txBody>
+      </p:sp>
+      <p:sp>
+        <p:nvSpPr>
+          <p:cNvPr id="12" name="TextBox 11">
+            <a:extLst>
+              <a:ext uri="{FF2B5EF4-FFF2-40B4-BE49-F238E27FC236}">
+                <a16:creationId xmlns:a16="http://schemas.microsoft.com/office/drawing/2014/main" id="{7E719FF2-7BA6-5944-8D5D-B76085F0436D}"/>
+              </a:ext>
+            </a:extLst>
+          </p:cNvPr>
+          <p:cNvSpPr txBox="1"/>
+          <p:nvPr/>
+        </p:nvSpPr>
+        <p:spPr>
+          <a:xfrm>
+            <a:off x="6231038" y="1801172"/>
+            <a:ext cx="4439036" cy="307777"/>
+          </a:xfrm>
+          <a:prstGeom prst="rect">
+            <a:avLst/>
+          </a:prstGeom>
+          <a:noFill/>
+        </p:spPr>
+        <p:txBody>
+          <a:bodyPr wrap="none" rtlCol="0">
+            <a:spAutoFit/>
+          </a:bodyPr>
+          <a:lstStyle/>
+          <a:p>
+            <a:r>
+              <a:rPr lang="en-GB" sz="1400" dirty="0"/>
+              <a:t>all_outliers = outlier shared by all six CZs (two per islands).</a:t>
+            </a:r>
+          </a:p>
+        </p:txBody>
+      </p:sp>
+      <p:sp>
+        <p:nvSpPr>
+          <p:cNvPr id="13" name="TextBox 12">
+            <a:extLst>
+              <a:ext uri="{FF2B5EF4-FFF2-40B4-BE49-F238E27FC236}">
+                <a16:creationId xmlns:a16="http://schemas.microsoft.com/office/drawing/2014/main" id="{E7AE7D32-9459-A144-A881-63F92D4E6C1F}"/>
+              </a:ext>
+            </a:extLst>
+          </p:cNvPr>
+          <p:cNvSpPr txBox="1"/>
+          <p:nvPr/>
+        </p:nvSpPr>
+        <p:spPr>
+          <a:xfrm>
+            <a:off x="838629" y="1157735"/>
+            <a:ext cx="7953267" cy="369332"/>
           </a:xfrm>
           <a:prstGeom prst="rect">
             <a:avLst/>
@@ -12408,7 +13418,42 @@
             </a:pPr>
             <a:r>
               <a:rPr lang="en-GB" dirty="0"/>
-              <a:t>All six hybrid zones combined.</a:t>
+              <a:t>SNPs after all the filters and cline/outlier analysis (i.e., clinal and non-clinal SNPs)</a:t>
+            </a:r>
+          </a:p>
+        </p:txBody>
+      </p:sp>
+      <p:sp>
+        <p:nvSpPr>
+          <p:cNvPr id="14" name="TextBox 13">
+            <a:extLst>
+              <a:ext uri="{FF2B5EF4-FFF2-40B4-BE49-F238E27FC236}">
+                <a16:creationId xmlns:a16="http://schemas.microsoft.com/office/drawing/2014/main" id="{1BC812F4-C87A-6E46-A099-DE8B2DEAFABB}"/>
+              </a:ext>
+            </a:extLst>
+          </p:cNvPr>
+          <p:cNvSpPr txBox="1"/>
+          <p:nvPr/>
+        </p:nvSpPr>
+        <p:spPr>
+          <a:xfrm>
+            <a:off x="838629" y="5452999"/>
+            <a:ext cx="10759199" cy="923330"/>
+          </a:xfrm>
+          <a:prstGeom prst="rect">
+            <a:avLst/>
+          </a:prstGeom>
+          <a:noFill/>
+        </p:spPr>
+        <p:txBody>
+          <a:bodyPr wrap="square" rtlCol="0">
+            <a:spAutoFit/>
+          </a:bodyPr>
+          <a:lstStyle/>
+          <a:p>
+            <a:r>
+              <a:rPr lang="en-GB" i="1" dirty="0"/>
+              <a:t>Figure 1. Venn diagrams of the number of SNPs after filtering and cline analysis. Left: SAMtools and GATK calls are intersected with the respective outliers that were at least present in one hybrid zone. Right: SAMtools and GATK calls are intersected with the respective outliers that were present in all six hybrid zones (two per islands).</a:t>
             </a:r>
           </a:p>
         </p:txBody>
@@ -12416,7 +13461,7 @@
     </p:spTree>
     <p:extLst>
       <p:ext uri="{BB962C8B-B14F-4D97-AF65-F5344CB8AC3E}">
-        <p14:creationId xmlns:p14="http://schemas.microsoft.com/office/powerpoint/2010/main" val="2585403068"/>
+        <p14:creationId xmlns:p14="http://schemas.microsoft.com/office/powerpoint/2010/main" val="678544682"/>
       </p:ext>
     </p:extLst>
   </p:cSld>
